--- a/JaxFunc.pptx
+++ b/JaxFunc.pptx
@@ -17,13 +17,22 @@
     <p:sldId id="266" r:id="rId11"/>
     <p:sldId id="260" r:id="rId12"/>
     <p:sldId id="281" r:id="rId13"/>
-    <p:sldId id="257" r:id="rId14"/>
-    <p:sldId id="258" r:id="rId15"/>
-    <p:sldId id="259" r:id="rId16"/>
-    <p:sldId id="268" r:id="rId17"/>
-    <p:sldId id="276" r:id="rId18"/>
-    <p:sldId id="271" r:id="rId19"/>
-    <p:sldId id="275" r:id="rId20"/>
+    <p:sldId id="288" r:id="rId14"/>
+    <p:sldId id="257" r:id="rId15"/>
+    <p:sldId id="286" r:id="rId16"/>
+    <p:sldId id="285" r:id="rId17"/>
+    <p:sldId id="258" r:id="rId18"/>
+    <p:sldId id="259" r:id="rId19"/>
+    <p:sldId id="268" r:id="rId20"/>
+    <p:sldId id="295" r:id="rId21"/>
+    <p:sldId id="296" r:id="rId22"/>
+    <p:sldId id="282" r:id="rId23"/>
+    <p:sldId id="275" r:id="rId24"/>
+    <p:sldId id="283" r:id="rId25"/>
+    <p:sldId id="289" r:id="rId26"/>
+    <p:sldId id="290" r:id="rId27"/>
+    <p:sldId id="294" r:id="rId28"/>
+    <p:sldId id="293" r:id="rId29"/>
   </p:sldIdLst>
   <p:sldSz cx="9144000" cy="6858000" type="screen4x3"/>
   <p:notesSz cx="6858000" cy="9144000"/>
@@ -504,6 +513,7 @@
           <a:p>
             <a:fld id="{B5FBB243-1215-0146-8C14-45727866649E}" type="datetimeFigureOut">
               <a:rPr lang="en-US" smtClean="0"/>
+              <a:pPr/>
               <a:t>6/13/10</a:t>
             </a:fld>
             <a:endParaRPr lang="en-US"/>
@@ -670,6 +680,7 @@
           <a:p>
             <a:fld id="{B5FBB243-1215-0146-8C14-45727866649E}" type="datetimeFigureOut">
               <a:rPr lang="en-US" smtClean="0"/>
+              <a:pPr/>
               <a:t>6/13/10</a:t>
             </a:fld>
             <a:endParaRPr lang="en-US"/>
@@ -712,6 +723,7 @@
           <a:p>
             <a:fld id="{AFF90F2D-082B-2947-A28A-E335CE8F5CDD}" type="slidenum">
               <a:rPr lang="en-US" smtClean="0"/>
+              <a:pPr/>
               <a:t>‹#›</a:t>
             </a:fld>
             <a:endParaRPr lang="en-US"/>
@@ -845,6 +857,7 @@
           <a:p>
             <a:fld id="{B5FBB243-1215-0146-8C14-45727866649E}" type="datetimeFigureOut">
               <a:rPr lang="en-US" smtClean="0"/>
+              <a:pPr/>
               <a:t>6/13/10</a:t>
             </a:fld>
             <a:endParaRPr lang="en-US"/>
@@ -887,6 +900,7 @@
           <a:p>
             <a:fld id="{AFF90F2D-082B-2947-A28A-E335CE8F5CDD}" type="slidenum">
               <a:rPr lang="en-US" smtClean="0"/>
+              <a:pPr/>
               <a:t>‹#›</a:t>
             </a:fld>
             <a:endParaRPr lang="en-US"/>
@@ -1014,6 +1028,7 @@
           <a:p>
             <a:fld id="{B5FBB243-1215-0146-8C14-45727866649E}" type="datetimeFigureOut">
               <a:rPr lang="en-US" smtClean="0"/>
+              <a:pPr/>
               <a:t>6/13/10</a:t>
             </a:fld>
             <a:endParaRPr lang="en-US"/>
@@ -1056,6 +1071,7 @@
           <a:p>
             <a:fld id="{AFF90F2D-082B-2947-A28A-E335CE8F5CDD}" type="slidenum">
               <a:rPr lang="en-US" smtClean="0"/>
+              <a:pPr/>
               <a:t>‹#›</a:t>
             </a:fld>
             <a:endParaRPr lang="en-US"/>
@@ -1464,6 +1480,7 @@
           <a:p>
             <a:fld id="{B5FBB243-1215-0146-8C14-45727866649E}" type="datetimeFigureOut">
               <a:rPr lang="en-US" smtClean="0"/>
+              <a:pPr/>
               <a:t>6/13/10</a:t>
             </a:fld>
             <a:endParaRPr lang="en-US"/>
@@ -1506,6 +1523,7 @@
           <a:p>
             <a:fld id="{AFF90F2D-082B-2947-A28A-E335CE8F5CDD}" type="slidenum">
               <a:rPr lang="en-US" smtClean="0"/>
+              <a:pPr/>
               <a:t>‹#›</a:t>
             </a:fld>
             <a:endParaRPr lang="en-US"/>
@@ -1728,6 +1746,7 @@
           <a:p>
             <a:fld id="{B5FBB243-1215-0146-8C14-45727866649E}" type="datetimeFigureOut">
               <a:rPr lang="en-US" smtClean="0"/>
+              <a:pPr/>
               <a:t>6/13/10</a:t>
             </a:fld>
             <a:endParaRPr lang="en-US"/>
@@ -1770,6 +1789,7 @@
           <a:p>
             <a:fld id="{AFF90F2D-082B-2947-A28A-E335CE8F5CDD}" type="slidenum">
               <a:rPr lang="en-US" smtClean="0"/>
+              <a:pPr/>
               <a:t>‹#›</a:t>
             </a:fld>
             <a:endParaRPr lang="en-US"/>
@@ -2102,6 +2122,7 @@
           <a:p>
             <a:fld id="{B5FBB243-1215-0146-8C14-45727866649E}" type="datetimeFigureOut">
               <a:rPr lang="en-US" smtClean="0"/>
+              <a:pPr/>
               <a:t>6/13/10</a:t>
             </a:fld>
             <a:endParaRPr lang="en-US"/>
@@ -2144,6 +2165,7 @@
           <a:p>
             <a:fld id="{AFF90F2D-082B-2947-A28A-E335CE8F5CDD}" type="slidenum">
               <a:rPr lang="en-US" smtClean="0"/>
+              <a:pPr/>
               <a:t>‹#›</a:t>
             </a:fld>
             <a:endParaRPr lang="en-US"/>
@@ -2224,6 +2246,7 @@
           <a:p>
             <a:fld id="{B5FBB243-1215-0146-8C14-45727866649E}" type="datetimeFigureOut">
               <a:rPr lang="en-US" smtClean="0"/>
+              <a:pPr/>
               <a:t>6/13/10</a:t>
             </a:fld>
             <a:endParaRPr lang="en-US"/>
@@ -2247,6 +2270,7 @@
           <a:p>
             <a:fld id="{AFF90F2D-082B-2947-A28A-E335CE8F5CDD}" type="slidenum">
               <a:rPr lang="en-US" smtClean="0"/>
+              <a:pPr/>
               <a:t>‹#›</a:t>
             </a:fld>
             <a:endParaRPr lang="en-US"/>
@@ -2314,6 +2338,7 @@
           <a:p>
             <a:fld id="{B5FBB243-1215-0146-8C14-45727866649E}" type="datetimeFigureOut">
               <a:rPr lang="en-US" smtClean="0"/>
+              <a:pPr/>
               <a:t>6/13/10</a:t>
             </a:fld>
             <a:endParaRPr lang="en-US"/>
@@ -2356,6 +2381,7 @@
           <a:p>
             <a:fld id="{AFF90F2D-082B-2947-A28A-E335CE8F5CDD}" type="slidenum">
               <a:rPr lang="en-US" smtClean="0"/>
+              <a:pPr/>
               <a:t>‹#›</a:t>
             </a:fld>
             <a:endParaRPr lang="en-US"/>
@@ -2563,6 +2589,7 @@
           <a:p>
             <a:fld id="{B5FBB243-1215-0146-8C14-45727866649E}" type="datetimeFigureOut">
               <a:rPr lang="en-US" smtClean="0"/>
+              <a:pPr/>
               <a:t>6/13/10</a:t>
             </a:fld>
             <a:endParaRPr lang="en-US"/>
@@ -2610,6 +2637,7 @@
           <a:p>
             <a:fld id="{AFF90F2D-082B-2947-A28A-E335CE8F5CDD}" type="slidenum">
               <a:rPr lang="en-US" smtClean="0"/>
+              <a:pPr/>
               <a:t>‹#›</a:t>
             </a:fld>
             <a:endParaRPr lang="en-US"/>
@@ -2822,6 +2850,7 @@
           <a:p>
             <a:fld id="{B5FBB243-1215-0146-8C14-45727866649E}" type="datetimeFigureOut">
               <a:rPr lang="en-US" smtClean="0"/>
+              <a:pPr/>
               <a:t>6/13/10</a:t>
             </a:fld>
             <a:endParaRPr lang="en-US"/>
@@ -2864,6 +2893,7 @@
           <a:p>
             <a:fld id="{AFF90F2D-082B-2947-A28A-E335CE8F5CDD}" type="slidenum">
               <a:rPr lang="en-US" smtClean="0"/>
+              <a:pPr/>
               <a:t>‹#›</a:t>
             </a:fld>
             <a:endParaRPr lang="en-US"/>
@@ -3226,6 +3256,7 @@
           <a:p>
             <a:fld id="{B5FBB243-1215-0146-8C14-45727866649E}" type="datetimeFigureOut">
               <a:rPr lang="en-US" smtClean="0"/>
+              <a:pPr/>
               <a:t>6/13/10</a:t>
             </a:fld>
             <a:endParaRPr lang="en-US"/>
@@ -3304,6 +3335,7 @@
           <a:p>
             <a:fld id="{AFF90F2D-082B-2947-A28A-E335CE8F5CDD}" type="slidenum">
               <a:rPr lang="en-US" smtClean="0"/>
+              <a:pPr/>
               <a:t>‹#›</a:t>
             </a:fld>
             <a:endParaRPr lang="en-US"/>
@@ -3682,11 +3714,7 @@
           <a:p>
             <a:r>
               <a:rPr lang="en-US" dirty="0" smtClean="0"/>
-              <a:t>f</a:t>
-            </a:r>
-            <a:r>
-              <a:rPr lang="en-US" dirty="0" smtClean="0"/>
-              <a:t>or Imperative Programmers</a:t>
+              <a:t>for Imperative Programmers</a:t>
             </a:r>
             <a:endParaRPr lang="en-US" dirty="0"/>
           </a:p>
@@ -3940,7 +3968,7 @@
             <a:r>
               <a:rPr lang="en-US" i="1" dirty="0" smtClean="0">
                 <a:solidFill>
-                  <a:schemeClr val="accent2"/>
+                  <a:srgbClr val="6EA0B0"/>
                 </a:solidFill>
               </a:rPr>
               <a:t>def</a:t>
@@ -3957,13 +3985,8 @@
             </a:pPr>
             <a:r>
               <a:rPr lang="en-US" dirty="0" smtClean="0"/>
-              <a:t>How a programming language refers to such a construct is entirely preferential</a:t>
-            </a:r>
-            <a:r>
-              <a:rPr lang="en-US" dirty="0" smtClean="0"/>
-              <a:t>.</a:t>
-            </a:r>
-            <a:endParaRPr lang="en-US" dirty="0" smtClean="0"/>
+              <a:t>How a programming language refers to such a construct is entirely preferential.</a:t>
+            </a:r>
           </a:p>
         </p:txBody>
       </p:sp>
@@ -4022,7 +4045,11 @@
             <a:pPr algn="ctr"/>
             <a:r>
               <a:rPr lang="en-US" dirty="0" smtClean="0"/>
-              <a:t>Function Composition</a:t>
+              <a:t>Function </a:t>
+            </a:r>
+            <a:r>
+              <a:rPr lang="en-US" dirty="0" smtClean="0"/>
+              <a:t>Composition</a:t>
             </a:r>
             <a:endParaRPr lang="en-US" dirty="0"/>
           </a:p>
@@ -4149,15 +4176,12 @@
             </a:r>
             <a:r>
               <a:rPr lang="en-US" i="1" dirty="0" smtClean="0"/>
-              <a:t>This painting has an orderly	composition.</a:t>
-            </a:r>
-          </a:p>
-          <a:p>
-            <a:pPr>
-              <a:buFont typeface="Wingdings" charset="2"/>
-              <a:buChar char="§"/>
-            </a:pPr>
-            <a:endParaRPr lang="en-US" dirty="0"/>
+              <a:t>This painting has an orderly	</a:t>
+            </a:r>
+            <a:r>
+              <a:rPr lang="en-US" i="1" dirty="0" smtClean="0"/>
+              <a:t>composition.</a:t>
+            </a:r>
           </a:p>
         </p:txBody>
       </p:sp>
@@ -4166,6 +4190,13 @@
   <p:clrMapOvr>
     <a:masterClrMapping/>
   </p:clrMapOvr>
+  <p:timing>
+    <p:tnLst>
+      <p:par>
+        <p:cTn id="1" dur="indefinite" restart="never" nodeType="tmRoot"/>
+      </p:par>
+    </p:tnLst>
+  </p:timing>
 </p:sld>
 </file>
 
@@ -4188,36 +4219,19 @@
       </p:grpSpPr>
       <p:sp>
         <p:nvSpPr>
-          <p:cNvPr id="2" name="Title 1"/>
-          <p:cNvSpPr>
-            <a:spLocks noGrp="1"/>
-          </p:cNvSpPr>
-          <p:nvPr>
-            <p:ph type="title"/>
+          <p:cNvPr id="3" name="Content Placeholder 2"/>
+          <p:cNvSpPr>
+            <a:spLocks noGrp="1"/>
+          </p:cNvSpPr>
+          <p:nvPr>
+            <p:ph idx="1"/>
           </p:nvPr>
         </p:nvSpPr>
         <p:spPr/>
         <p:txBody>
-          <a:bodyPr/>
-          <a:lstStyle/>
-          <a:p>
-            <a:endParaRPr lang="en-US" dirty="0"/>
-          </a:p>
-        </p:txBody>
-      </p:sp>
-      <p:sp>
-        <p:nvSpPr>
-          <p:cNvPr id="3" name="Content Placeholder 2"/>
-          <p:cNvSpPr>
-            <a:spLocks noGrp="1"/>
-          </p:cNvSpPr>
-          <p:nvPr>
-            <p:ph idx="1"/>
-          </p:nvPr>
-        </p:nvSpPr>
-        <p:spPr/>
-        <p:txBody>
-          <a:bodyPr/>
+          <a:bodyPr>
+            <a:normAutofit/>
+          </a:bodyPr>
           <a:lstStyle/>
           <a:p>
             <a:pPr>
@@ -4225,51 +4239,56 @@
               <a:buChar char="§"/>
             </a:pPr>
             <a:r>
-              <a:rPr lang="en-US" i="1" dirty="0" err="1" smtClean="0">
-                <a:solidFill>
-                  <a:srgbClr val="CCAF0A"/>
-                </a:solidFill>
-                <a:latin typeface="+mj-lt"/>
-                <a:cs typeface="Rockwell"/>
-              </a:rPr>
-              <a:t>f</a:t>
-            </a:r>
-            <a:r>
-              <a:rPr lang="en-US" i="1" dirty="0" smtClean="0">
-                <a:solidFill>
-                  <a:srgbClr val="CCAF0A"/>
-                </a:solidFill>
-                <a:latin typeface="+mj-lt"/>
-                <a:cs typeface="Rockwell"/>
-              </a:rPr>
-              <a:t>: X -&gt; Y </a:t>
-            </a:r>
-            <a:r>
-              <a:rPr lang="en-US" dirty="0" smtClean="0">
-                <a:latin typeface="+mj-lt"/>
-                <a:cs typeface="Rockwell"/>
-              </a:rPr>
-              <a:t>and </a:t>
-            </a:r>
-            <a:r>
-              <a:rPr lang="en-US" i="1" dirty="0" err="1" smtClean="0">
-                <a:solidFill>
-                  <a:srgbClr val="CCAF0A"/>
-                </a:solidFill>
-                <a:latin typeface="+mj-lt"/>
-                <a:cs typeface="Rockwell"/>
-              </a:rPr>
-              <a:t>g</a:t>
-            </a:r>
-            <a:r>
-              <a:rPr lang="en-US" i="1" dirty="0" smtClean="0">
-                <a:solidFill>
-                  <a:srgbClr val="CCAF0A"/>
-                </a:solidFill>
-                <a:latin typeface="+mj-lt"/>
-                <a:cs typeface="Rockwell"/>
-              </a:rPr>
-              <a:t>: Y -&gt; Z</a:t>
+              <a:rPr lang="en-US" dirty="0" err="1" smtClean="0"/>
+              <a:t>com·po·si·tion</a:t>
+            </a:r>
+            <a:r>
+              <a:rPr lang="en-US" dirty="0" smtClean="0"/>
+              <a:t> </a:t>
+            </a:r>
+            <a:r>
+              <a:rPr lang="en-US" i="1" dirty="0" smtClean="0"/>
+              <a:t>-noun</a:t>
+            </a:r>
+            <a:r>
+              <a:rPr lang="en-US" dirty="0" smtClean="0"/>
+              <a:t/>
+            </a:r>
+            <a:br>
+              <a:rPr lang="en-US" dirty="0" smtClean="0"/>
+            </a:br>
+            <a:r>
+              <a:rPr lang="en-US" dirty="0" smtClean="0"/>
+              <a:t>1. the act of combining parts or 	elements to form a whole</a:t>
+            </a:r>
+            <a:br>
+              <a:rPr lang="en-US" dirty="0" smtClean="0"/>
+            </a:br>
+            <a:r>
+              <a:rPr lang="en-US" dirty="0" smtClean="0"/>
+              <a:t>2. the resulting state or product</a:t>
+            </a:r>
+            <a:br>
+              <a:rPr lang="en-US" dirty="0" smtClean="0"/>
+            </a:br>
+            <a:r>
+              <a:rPr lang="en-US" dirty="0" smtClean="0"/>
+              <a:t>3. manner of being composed;</a:t>
+            </a:r>
+            <a:br>
+              <a:rPr lang="en-US" dirty="0" smtClean="0"/>
+            </a:br>
+            <a:r>
+              <a:rPr lang="en-US" dirty="0" smtClean="0"/>
+              <a:t>structure: </a:t>
+            </a:r>
+            <a:r>
+              <a:rPr lang="en-US" i="1" dirty="0" smtClean="0"/>
+              <a:t>This painting has an orderly	</a:t>
+            </a:r>
+            <a:r>
+              <a:rPr lang="en-US" i="1" dirty="0" smtClean="0"/>
+              <a:t>composition.</a:t>
             </a:r>
           </a:p>
           <a:p>
@@ -4277,194 +4296,25 @@
               <a:buFont typeface="Wingdings" charset="2"/>
               <a:buChar char="§"/>
             </a:pPr>
-            <a:r>
-              <a:rPr lang="en-US" dirty="0" smtClean="0">
-                <a:latin typeface="+mj-lt"/>
-                <a:cs typeface="Rockwell"/>
-              </a:rPr>
-              <a:t>The domains of these functions are suitable for composition.</a:t>
-            </a:r>
+            <a:endParaRPr lang="en-US" i="1" dirty="0" smtClean="0"/>
           </a:p>
           <a:p>
             <a:pPr>
-              <a:buFont typeface="Wingdings" charset="2"/>
-              <a:buChar char="§"/>
+              <a:buNone/>
             </a:pPr>
             <a:r>
-              <a:rPr lang="en-US" i="1" dirty="0" smtClean="0">
-                <a:solidFill>
-                  <a:srgbClr val="CCAF0A"/>
-                </a:solidFill>
-                <a:latin typeface="+mj-lt"/>
-                <a:cs typeface="Rockwell"/>
-              </a:rPr>
-              <a:t>(</a:t>
-            </a:r>
-            <a:r>
-              <a:rPr lang="en-US" i="1" dirty="0" err="1" smtClean="0">
-                <a:solidFill>
-                  <a:srgbClr val="CCAF0A"/>
-                </a:solidFill>
-                <a:latin typeface="+mj-lt"/>
-                <a:cs typeface="Rockwell"/>
-              </a:rPr>
-              <a:t>g</a:t>
-            </a:r>
-            <a:r>
-              <a:rPr lang="en-US" i="1" dirty="0" smtClean="0">
-                <a:solidFill>
-                  <a:srgbClr val="CCAF0A"/>
-                </a:solidFill>
-                <a:latin typeface="+mj-lt"/>
-                <a:cs typeface="Rockwell"/>
-              </a:rPr>
-              <a:t> </a:t>
-            </a:r>
-            <a:r>
-              <a:rPr lang="en-US" i="1" dirty="0" err="1" smtClean="0">
-                <a:solidFill>
-                  <a:srgbClr val="CCAF0A"/>
-                </a:solidFill>
-                <a:latin typeface="+mj-lt"/>
-                <a:cs typeface="Rockwell"/>
-              </a:rPr>
-              <a:t>o</a:t>
-            </a:r>
-            <a:r>
-              <a:rPr lang="en-US" i="1" dirty="0" smtClean="0">
-                <a:solidFill>
-                  <a:srgbClr val="CCAF0A"/>
-                </a:solidFill>
-                <a:latin typeface="+mj-lt"/>
-                <a:cs typeface="Rockwell"/>
-              </a:rPr>
-              <a:t> </a:t>
-            </a:r>
-            <a:r>
-              <a:rPr lang="en-US" i="1" dirty="0" err="1" smtClean="0">
-                <a:solidFill>
-                  <a:srgbClr val="CCAF0A"/>
-                </a:solidFill>
-                <a:latin typeface="+mj-lt"/>
-                <a:cs typeface="Rockwell"/>
-              </a:rPr>
-              <a:t>f</a:t>
-            </a:r>
-            <a:r>
-              <a:rPr lang="en-US" i="1" dirty="0" smtClean="0">
-                <a:solidFill>
-                  <a:srgbClr val="CCAF0A"/>
-                </a:solidFill>
-                <a:latin typeface="+mj-lt"/>
-                <a:cs typeface="Rockwell"/>
-              </a:rPr>
-              <a:t>) = </a:t>
-            </a:r>
-            <a:r>
-              <a:rPr lang="en-US" i="1" dirty="0" err="1" smtClean="0">
-                <a:solidFill>
-                  <a:srgbClr val="CCAF0A"/>
-                </a:solidFill>
-                <a:latin typeface="+mj-lt"/>
-                <a:cs typeface="Rockwell"/>
-              </a:rPr>
-              <a:t>g</a:t>
-            </a:r>
-            <a:r>
-              <a:rPr lang="en-US" i="1" dirty="0" err="1" smtClean="0">
-                <a:solidFill>
-                  <a:srgbClr val="CCAF0A"/>
-                </a:solidFill>
-                <a:latin typeface="+mj-lt"/>
-                <a:cs typeface="Rockwell"/>
-              </a:rPr>
-              <a:t>(f(x</a:t>
-            </a:r>
-            <a:r>
-              <a:rPr lang="en-US" i="1" dirty="0" smtClean="0">
-                <a:solidFill>
-                  <a:srgbClr val="CCAF0A"/>
-                </a:solidFill>
-                <a:latin typeface="+mj-lt"/>
-                <a:cs typeface="Rockwell"/>
-              </a:rPr>
-              <a:t>))</a:t>
-            </a:r>
-          </a:p>
-          <a:p>
-            <a:pPr>
-              <a:buFont typeface="Wingdings" charset="2"/>
-              <a:buChar char="§"/>
-            </a:pPr>
-            <a:r>
-              <a:rPr lang="en-US" dirty="0" smtClean="0">
-                <a:latin typeface="+mj-lt"/>
-                <a:cs typeface="Rockwell"/>
-              </a:rPr>
-              <a:t>Combine the functions </a:t>
-            </a:r>
-            <a:r>
-              <a:rPr lang="en-US" dirty="0" err="1" smtClean="0">
-                <a:solidFill>
-                  <a:srgbClr val="FFFFFF"/>
-                </a:solidFill>
-                <a:latin typeface="+mj-lt"/>
-                <a:cs typeface="Rockwell"/>
-              </a:rPr>
-              <a:t>g</a:t>
-            </a:r>
-            <a:r>
-              <a:rPr lang="en-US" dirty="0" smtClean="0">
-                <a:solidFill>
-                  <a:srgbClr val="FFFFFF"/>
-                </a:solidFill>
-                <a:latin typeface="+mj-lt"/>
-                <a:cs typeface="Rockwell"/>
-              </a:rPr>
-              <a:t> and </a:t>
-            </a:r>
-            <a:r>
-              <a:rPr lang="en-US" dirty="0" err="1" smtClean="0">
-                <a:latin typeface="+mj-lt"/>
-                <a:cs typeface="Rockwell"/>
-              </a:rPr>
-              <a:t>f</a:t>
-            </a:r>
-            <a:r>
-              <a:rPr lang="en-US" dirty="0" smtClean="0">
-                <a:latin typeface="+mj-lt"/>
-                <a:cs typeface="Rockwell"/>
-              </a:rPr>
-              <a:t> into a new function that uses the result of </a:t>
-            </a:r>
-            <a:r>
-              <a:rPr lang="en-US" dirty="0" err="1" smtClean="0">
-                <a:latin typeface="+mj-lt"/>
-                <a:cs typeface="Rockwell"/>
-              </a:rPr>
-              <a:t>f(x</a:t>
-            </a:r>
-            <a:r>
-              <a:rPr lang="en-US" dirty="0" smtClean="0">
-                <a:latin typeface="+mj-lt"/>
-                <a:cs typeface="Rockwell"/>
-              </a:rPr>
-              <a:t>) as the input to </a:t>
-            </a:r>
-            <a:r>
-              <a:rPr lang="en-US" dirty="0" err="1" smtClean="0">
-                <a:latin typeface="+mj-lt"/>
-                <a:cs typeface="Rockwell"/>
-              </a:rPr>
-              <a:t>g</a:t>
-            </a:r>
-            <a:r>
-              <a:rPr lang="en-US" dirty="0" smtClean="0">
-                <a:latin typeface="+mj-lt"/>
-                <a:cs typeface="Rockwell"/>
-              </a:rPr>
-              <a:t>.</a:t>
-            </a:r>
+              <a:rPr lang="en-US" dirty="0" smtClean="0"/>
+              <a:t>Let’s </a:t>
+            </a:r>
+            <a:r>
+              <a:rPr lang="en-US" dirty="0" smtClean="0"/>
+              <a:t>glance back at the math</a:t>
+            </a:r>
+            <a:r>
+              <a:rPr lang="en-US" dirty="0" smtClean="0"/>
+              <a:t>…</a:t>
+            </a:r>
+            <a:endParaRPr lang="en-US" i="1" dirty="0" smtClean="0"/>
           </a:p>
         </p:txBody>
       </p:sp>
@@ -4517,7 +4367,7 @@
           <a:p>
             <a:r>
               <a:rPr lang="en-US" dirty="0" smtClean="0"/>
-              <a:t>In JavaScript:</a:t>
+              <a:t>Function Composition</a:t>
             </a:r>
             <a:endParaRPr lang="en-US" dirty="0"/>
           </a:p>
@@ -4525,135 +4375,267 @@
       </p:sp>
       <p:sp>
         <p:nvSpPr>
-          <p:cNvPr id="5" name="TextBox 4"/>
-          <p:cNvSpPr txBox="1"/>
-          <p:nvPr/>
-        </p:nvSpPr>
-        <p:spPr>
-          <a:xfrm>
-            <a:off x="457200" y="1619905"/>
-            <a:ext cx="8178800" cy="2785378"/>
-          </a:xfrm>
-          <a:prstGeom prst="rect">
-            <a:avLst/>
-          </a:prstGeom>
-          <a:noFill/>
-        </p:spPr>
-        <p:txBody>
-          <a:bodyPr wrap="square" rtlCol="0">
-            <a:spAutoFit/>
+          <p:cNvPr id="3" name="Content Placeholder 2"/>
+          <p:cNvSpPr>
+            <a:spLocks noGrp="1"/>
+          </p:cNvSpPr>
+          <p:nvPr>
+            <p:ph idx="1"/>
+          </p:nvPr>
+        </p:nvSpPr>
+        <p:spPr/>
+        <p:txBody>
+          <a:bodyPr>
+            <a:normAutofit/>
           </a:bodyPr>
           <a:lstStyle/>
           <a:p>
-            <a:r>
-              <a:rPr lang="en-US" sz="2500" dirty="0" smtClean="0"/>
-              <a:t>function </a:t>
-            </a:r>
-            <a:r>
-              <a:rPr lang="en-US" sz="2500" dirty="0" err="1" smtClean="0"/>
-              <a:t>compose(f</a:t>
-            </a:r>
-            <a:r>
-              <a:rPr lang="en-US" sz="2500" dirty="0" smtClean="0"/>
-              <a:t>, </a:t>
-            </a:r>
-            <a:r>
-              <a:rPr lang="en-US" sz="2500" dirty="0" err="1" smtClean="0"/>
-              <a:t>g</a:t>
-            </a:r>
-            <a:r>
-              <a:rPr lang="en-US" sz="2500" dirty="0" smtClean="0"/>
-              <a:t>) {</a:t>
-            </a:r>
-          </a:p>
-          <a:p>
-            <a:r>
-              <a:rPr lang="en-US" sz="2500" dirty="0" smtClean="0">
-                <a:solidFill>
-                  <a:schemeClr val="accent1"/>
-                </a:solidFill>
-              </a:rPr>
-              <a:t>  // a closure, closing over the free</a:t>
-            </a:r>
-          </a:p>
-          <a:p>
-            <a:r>
-              <a:rPr lang="en-US" sz="2500" dirty="0" smtClean="0">
-                <a:solidFill>
-                  <a:schemeClr val="accent1"/>
-                </a:solidFill>
-              </a:rPr>
-              <a:t>  // variables </a:t>
-            </a:r>
-            <a:r>
-              <a:rPr lang="en-US" sz="2500" dirty="0" err="1" smtClean="0">
-                <a:solidFill>
-                  <a:schemeClr val="accent1"/>
-                </a:solidFill>
+            <a:pPr>
+              <a:buFont typeface="Wingdings" charset="2"/>
+              <a:buChar char="§"/>
+            </a:pPr>
+            <a:r>
+              <a:rPr lang="en-US" i="1" dirty="0" err="1" smtClean="0">
+                <a:solidFill>
+                  <a:srgbClr val="CCAF0A"/>
+                </a:solidFill>
+                <a:latin typeface="Franklin Gothic Book"/>
+                <a:cs typeface="Franklin Gothic Book"/>
+              </a:rPr>
+              <a:t>y</a:t>
+            </a:r>
+            <a:r>
+              <a:rPr lang="en-US" i="1" dirty="0" smtClean="0">
+                <a:solidFill>
+                  <a:srgbClr val="CCAF0A"/>
+                </a:solidFill>
+                <a:latin typeface="Franklin Gothic Book"/>
+                <a:cs typeface="Franklin Gothic Book"/>
+              </a:rPr>
+              <a:t> = </a:t>
+            </a:r>
+            <a:r>
+              <a:rPr lang="en-US" i="1" dirty="0" err="1" smtClean="0">
+                <a:solidFill>
+                  <a:srgbClr val="CCAF0A"/>
+                </a:solidFill>
+                <a:latin typeface="Franklin Gothic Book"/>
+                <a:cs typeface="Franklin Gothic Book"/>
+              </a:rPr>
+              <a:t>f(x</a:t>
+            </a:r>
+            <a:r>
+              <a:rPr lang="en-US" i="1" dirty="0" smtClean="0">
+                <a:solidFill>
+                  <a:srgbClr val="CCAF0A"/>
+                </a:solidFill>
+                <a:latin typeface="Franklin Gothic Book"/>
+                <a:cs typeface="Franklin Gothic Book"/>
+              </a:rPr>
+              <a:t>) </a:t>
+            </a:r>
+            <a:r>
+              <a:rPr lang="en-US" dirty="0" smtClean="0">
+                <a:latin typeface="Franklin Gothic Book"/>
+                <a:cs typeface="Franklin Gothic Book"/>
+              </a:rPr>
+              <a:t>or </a:t>
+            </a:r>
+            <a:r>
+              <a:rPr lang="en-US" i="1" dirty="0" err="1" smtClean="0">
+                <a:solidFill>
+                  <a:srgbClr val="CCAF0A"/>
+                </a:solidFill>
+                <a:latin typeface="Franklin Gothic Book"/>
+                <a:cs typeface="Franklin Gothic Book"/>
               </a:rPr>
               <a:t>f</a:t>
             </a:r>
             <a:r>
-              <a:rPr lang="en-US" sz="2500" dirty="0" smtClean="0">
-                <a:solidFill>
-                  <a:schemeClr val="accent1"/>
-                </a:solidFill>
-              </a:rPr>
-              <a:t> and </a:t>
-            </a:r>
-            <a:r>
-              <a:rPr lang="en-US" sz="2500" dirty="0" err="1" smtClean="0">
-                <a:solidFill>
-                  <a:schemeClr val="accent1"/>
-                </a:solidFill>
-              </a:rPr>
-              <a:t>g</a:t>
-            </a:r>
-            <a:endParaRPr lang="en-US" sz="2500" dirty="0" smtClean="0">
+              <a:rPr lang="en-US" i="1" dirty="0" smtClean="0">
+                <a:solidFill>
+                  <a:srgbClr val="CCAF0A"/>
+                </a:solidFill>
+                <a:latin typeface="Franklin Gothic Book"/>
+                <a:cs typeface="Franklin Gothic Book"/>
+              </a:rPr>
+              <a:t>: </a:t>
+            </a:r>
+            <a:r>
+              <a:rPr lang="en-US" i="1" dirty="0" err="1" smtClean="0">
+                <a:solidFill>
+                  <a:srgbClr val="CCAF0A"/>
+                </a:solidFill>
+                <a:latin typeface="Franklin Gothic Book"/>
+                <a:cs typeface="Franklin Gothic Book"/>
+              </a:rPr>
+              <a:t>x</a:t>
+            </a:r>
+            <a:r>
+              <a:rPr lang="en-US" i="1" dirty="0" smtClean="0">
+                <a:solidFill>
+                  <a:srgbClr val="CCAF0A"/>
+                </a:solidFill>
+                <a:latin typeface="Franklin Gothic Book"/>
+                <a:cs typeface="Franklin Gothic Book"/>
+              </a:rPr>
+              <a:t> -&gt; </a:t>
+            </a:r>
+            <a:r>
+              <a:rPr lang="en-US" i="1" dirty="0" err="1" smtClean="0">
+                <a:solidFill>
+                  <a:srgbClr val="CCAF0A"/>
+                </a:solidFill>
+                <a:latin typeface="Franklin Gothic Book"/>
+                <a:cs typeface="Franklin Gothic Book"/>
+              </a:rPr>
+              <a:t>y</a:t>
+            </a:r>
+            <a:endParaRPr lang="en-US" i="1" dirty="0" smtClean="0">
               <a:solidFill>
-                <a:schemeClr val="accent1"/>
+                <a:srgbClr val="CCAF0A"/>
               </a:solidFill>
+              <a:latin typeface="Franklin Gothic Book"/>
+              <a:cs typeface="Franklin Gothic Book"/>
             </a:endParaRPr>
           </a:p>
           <a:p>
-            <a:r>
-              <a:rPr lang="en-US" sz="2500" dirty="0" smtClean="0"/>
-              <a:t>  return </a:t>
-            </a:r>
-            <a:r>
-              <a:rPr lang="en-US" sz="2500" dirty="0" err="1" smtClean="0"/>
-              <a:t>function(x</a:t>
-            </a:r>
-            <a:r>
-              <a:rPr lang="en-US" sz="2500" dirty="0" smtClean="0"/>
-              <a:t>) {</a:t>
-            </a:r>
-          </a:p>
-          <a:p>
-            <a:r>
-              <a:rPr lang="en-US" sz="2500" dirty="0" smtClean="0"/>
-              <a:t>    return </a:t>
-            </a:r>
-            <a:r>
-              <a:rPr lang="en-US" sz="2500" dirty="0" err="1" smtClean="0"/>
-              <a:t>g(f(x</a:t>
-            </a:r>
-            <a:r>
-              <a:rPr lang="en-US" sz="2500" dirty="0" smtClean="0"/>
-              <a:t>));</a:t>
-            </a:r>
-          </a:p>
-          <a:p>
-            <a:r>
-              <a:rPr lang="en-US" sz="2500" dirty="0" smtClean="0"/>
-              <a:t>  }</a:t>
-            </a:r>
-          </a:p>
-          <a:p>
-            <a:r>
-              <a:rPr lang="en-US" sz="2500" dirty="0" smtClean="0"/>
-              <a:t>}</a:t>
-            </a:r>
+            <a:pPr>
+              <a:buFont typeface="Wingdings" charset="2"/>
+              <a:buChar char="§"/>
+            </a:pPr>
+            <a:r>
+              <a:rPr lang="en-US" dirty="0" smtClean="0">
+                <a:latin typeface="Franklin Gothic Book"/>
+                <a:cs typeface="Franklin Gothic Book"/>
+              </a:rPr>
+              <a:t>“</a:t>
+            </a:r>
+            <a:r>
+              <a:rPr lang="en-US" dirty="0" err="1" smtClean="0">
+                <a:latin typeface="Franklin Gothic Book"/>
+                <a:cs typeface="Franklin Gothic Book"/>
+              </a:rPr>
+              <a:t>y</a:t>
+            </a:r>
+            <a:r>
+              <a:rPr lang="en-US" dirty="0" smtClean="0">
+                <a:latin typeface="Franklin Gothic Book"/>
+                <a:cs typeface="Franklin Gothic Book"/>
+              </a:rPr>
+              <a:t> is a function of </a:t>
+            </a:r>
+            <a:r>
+              <a:rPr lang="en-US" dirty="0" err="1" smtClean="0">
+                <a:latin typeface="Franklin Gothic Book"/>
+                <a:cs typeface="Franklin Gothic Book"/>
+              </a:rPr>
+              <a:t>x</a:t>
+            </a:r>
+            <a:r>
+              <a:rPr lang="en-US" dirty="0" smtClean="0">
+                <a:latin typeface="Franklin Gothic Book"/>
+                <a:cs typeface="Franklin Gothic Book"/>
+              </a:rPr>
+              <a:t>”</a:t>
+            </a:r>
+          </a:p>
+          <a:p>
+            <a:pPr lvl="1">
+              <a:buFont typeface="Wingdings" charset="2"/>
+              <a:buChar char="§"/>
+            </a:pPr>
+            <a:r>
+              <a:rPr lang="en-US" dirty="0" smtClean="0">
+                <a:latin typeface="Franklin Gothic Book"/>
+                <a:cs typeface="Franklin Gothic Book"/>
+              </a:rPr>
+              <a:t>The value of</a:t>
+            </a:r>
+            <a:r>
+              <a:rPr lang="en-US" dirty="0" smtClean="0">
+                <a:latin typeface="Franklin Gothic Book"/>
+                <a:cs typeface="Franklin Gothic Book"/>
+              </a:rPr>
+              <a:t> </a:t>
+            </a:r>
+            <a:r>
+              <a:rPr lang="en-US" dirty="0" err="1" smtClean="0">
+                <a:latin typeface="Franklin Gothic Book"/>
+                <a:cs typeface="Franklin Gothic Book"/>
+              </a:rPr>
+              <a:t>y</a:t>
+            </a:r>
+            <a:r>
+              <a:rPr lang="en-US" dirty="0" smtClean="0">
+                <a:latin typeface="Franklin Gothic Book"/>
+                <a:cs typeface="Franklin Gothic Book"/>
+              </a:rPr>
+              <a:t> </a:t>
+            </a:r>
+            <a:r>
+              <a:rPr lang="en-US" dirty="0" smtClean="0">
+                <a:latin typeface="Franklin Gothic Book"/>
+                <a:cs typeface="Franklin Gothic Book"/>
+              </a:rPr>
+              <a:t>depends </a:t>
+            </a:r>
+            <a:r>
+              <a:rPr lang="en-US" dirty="0" smtClean="0">
+                <a:latin typeface="Franklin Gothic Book"/>
+                <a:cs typeface="Franklin Gothic Book"/>
+              </a:rPr>
+              <a:t>on </a:t>
+            </a:r>
+            <a:r>
+              <a:rPr lang="en-US" dirty="0" err="1" smtClean="0">
+                <a:latin typeface="Franklin Gothic Book"/>
+                <a:cs typeface="Franklin Gothic Book"/>
+              </a:rPr>
+              <a:t>x</a:t>
+            </a:r>
+            <a:r>
+              <a:rPr lang="en-US" dirty="0" smtClean="0">
+                <a:latin typeface="Franklin Gothic Book"/>
+                <a:cs typeface="Franklin Gothic Book"/>
+              </a:rPr>
+              <a:t>; a simple mapping from one value, </a:t>
+            </a:r>
+            <a:r>
+              <a:rPr lang="en-US" dirty="0" err="1" smtClean="0">
+                <a:latin typeface="Franklin Gothic Book"/>
+                <a:cs typeface="Franklin Gothic Book"/>
+              </a:rPr>
+              <a:t>x</a:t>
+            </a:r>
+            <a:r>
+              <a:rPr lang="en-US" dirty="0" smtClean="0">
+                <a:latin typeface="Franklin Gothic Book"/>
+                <a:cs typeface="Franklin Gothic Book"/>
+              </a:rPr>
+              <a:t>, to another, </a:t>
+            </a:r>
+            <a:r>
+              <a:rPr lang="en-US" dirty="0" err="1" smtClean="0">
+                <a:latin typeface="Franklin Gothic Book"/>
+                <a:cs typeface="Franklin Gothic Book"/>
+              </a:rPr>
+              <a:t>y</a:t>
+            </a:r>
+            <a:r>
+              <a:rPr lang="en-US" dirty="0" smtClean="0">
+                <a:latin typeface="Franklin Gothic Book"/>
+                <a:cs typeface="Franklin Gothic Book"/>
+              </a:rPr>
+              <a:t>.</a:t>
+            </a:r>
+            <a:endParaRPr lang="en-US" i="1" dirty="0" smtClean="0">
+              <a:solidFill>
+                <a:srgbClr val="CCAF0A"/>
+              </a:solidFill>
+              <a:latin typeface="Franklin Gothic Book"/>
+              <a:cs typeface="Franklin Gothic Book"/>
+            </a:endParaRPr>
           </a:p>
         </p:txBody>
       </p:sp>
@@ -4706,15 +4688,7 @@
           <a:p>
             <a:r>
               <a:rPr lang="en-US" dirty="0" smtClean="0"/>
-              <a:t>In </a:t>
-            </a:r>
-            <a:r>
-              <a:rPr lang="en-US" dirty="0" err="1" smtClean="0"/>
-              <a:t>Scala</a:t>
-            </a:r>
-            <a:r>
-              <a:rPr lang="en-US" dirty="0" smtClean="0"/>
-              <a:t>:</a:t>
+              <a:t>Function Composition</a:t>
             </a:r>
             <a:endParaRPr lang="en-US" dirty="0"/>
           </a:p>
@@ -4722,84 +4696,418 @@
       </p:sp>
       <p:sp>
         <p:nvSpPr>
-          <p:cNvPr id="6" name="TextBox 5"/>
-          <p:cNvSpPr txBox="1"/>
-          <p:nvPr/>
-        </p:nvSpPr>
-        <p:spPr>
-          <a:xfrm>
-            <a:off x="457200" y="1572381"/>
-            <a:ext cx="6448431" cy="861774"/>
-          </a:xfrm>
-          <a:prstGeom prst="rect">
-            <a:avLst/>
-          </a:prstGeom>
-          <a:noFill/>
-        </p:spPr>
-        <p:txBody>
-          <a:bodyPr wrap="none" rtlCol="0">
-            <a:spAutoFit/>
+          <p:cNvPr id="3" name="Content Placeholder 2"/>
+          <p:cNvSpPr>
+            <a:spLocks noGrp="1"/>
+          </p:cNvSpPr>
+          <p:nvPr>
+            <p:ph idx="1"/>
+          </p:nvPr>
+        </p:nvSpPr>
+        <p:spPr/>
+        <p:txBody>
+          <a:bodyPr>
+            <a:normAutofit/>
           </a:bodyPr>
           <a:lstStyle/>
           <a:p>
-            <a:r>
-              <a:rPr lang="en-US" sz="2500" dirty="0" smtClean="0"/>
-              <a:t>def </a:t>
-            </a:r>
-            <a:r>
-              <a:rPr lang="en-US" sz="2500" dirty="0" err="1" smtClean="0"/>
-              <a:t>compose[A</a:t>
-            </a:r>
-            <a:r>
-              <a:rPr lang="en-US" sz="2500" dirty="0" smtClean="0"/>
-              <a:t>, B, </a:t>
-            </a:r>
-            <a:r>
-              <a:rPr lang="en-US" sz="2500" dirty="0" err="1" smtClean="0"/>
-              <a:t>C](g</a:t>
-            </a:r>
-            <a:r>
-              <a:rPr lang="en-US" sz="2500" dirty="0" smtClean="0"/>
-              <a:t>: B =&gt; C, </a:t>
-            </a:r>
-            <a:r>
-              <a:rPr lang="en-US" sz="2500" dirty="0" err="1" smtClean="0"/>
+            <a:pPr>
+              <a:buFont typeface="Wingdings" charset="2"/>
+              <a:buChar char="§"/>
+            </a:pPr>
+            <a:r>
+              <a:rPr lang="en-US" i="1" dirty="0" smtClean="0">
+                <a:solidFill>
+                  <a:srgbClr val="CCAF0A"/>
+                </a:solidFill>
+                <a:latin typeface="Franklin Gothic Book"/>
+                <a:cs typeface="Franklin Gothic Book"/>
+              </a:rPr>
+              <a:t>y</a:t>
+            </a:r>
+            <a:r>
+              <a:rPr lang="en-US" i="1" dirty="0" smtClean="0">
+                <a:solidFill>
+                  <a:srgbClr val="CCAF0A"/>
+                </a:solidFill>
+                <a:latin typeface="Franklin Gothic Book"/>
+                <a:cs typeface="Franklin Gothic Book"/>
+              </a:rPr>
+              <a:t> = </a:t>
+            </a:r>
+            <a:r>
+              <a:rPr lang="en-US" i="1" dirty="0" err="1" smtClean="0">
+                <a:solidFill>
+                  <a:srgbClr val="CCAF0A"/>
+                </a:solidFill>
+                <a:latin typeface="Franklin Gothic Book"/>
+                <a:cs typeface="Franklin Gothic Book"/>
+              </a:rPr>
+              <a:t>f(x</a:t>
+            </a:r>
+            <a:r>
+              <a:rPr lang="en-US" i="1" dirty="0" smtClean="0">
+                <a:solidFill>
+                  <a:srgbClr val="CCAF0A"/>
+                </a:solidFill>
+                <a:latin typeface="Franklin Gothic Book"/>
+                <a:cs typeface="Franklin Gothic Book"/>
+              </a:rPr>
+              <a:t>) </a:t>
+            </a:r>
+            <a:r>
+              <a:rPr lang="en-US" dirty="0" smtClean="0">
+                <a:latin typeface="Franklin Gothic Book"/>
+                <a:cs typeface="Franklin Gothic Book"/>
+              </a:rPr>
+              <a:t>or </a:t>
+            </a:r>
+            <a:r>
+              <a:rPr lang="en-US" i="1" dirty="0" err="1" smtClean="0">
+                <a:solidFill>
+                  <a:srgbClr val="CCAF0A"/>
+                </a:solidFill>
+                <a:latin typeface="Franklin Gothic Book"/>
+                <a:cs typeface="Franklin Gothic Book"/>
+              </a:rPr>
               <a:t>f</a:t>
             </a:r>
             <a:r>
-              <a:rPr lang="en-US" sz="2500" dirty="0" smtClean="0"/>
-              <a:t>: A =&gt; B) =</a:t>
-            </a:r>
-          </a:p>
-          <a:p>
-            <a:r>
-              <a:rPr lang="en-US" sz="2500" dirty="0" smtClean="0"/>
-              <a:t>  (</a:t>
-            </a:r>
-            <a:r>
-              <a:rPr lang="en-US" sz="2500" dirty="0" err="1" smtClean="0"/>
+              <a:rPr lang="en-US" i="1" dirty="0" smtClean="0">
+                <a:solidFill>
+                  <a:srgbClr val="CCAF0A"/>
+                </a:solidFill>
+                <a:latin typeface="Franklin Gothic Book"/>
+                <a:cs typeface="Franklin Gothic Book"/>
+              </a:rPr>
+              <a:t>: </a:t>
+            </a:r>
+            <a:r>
+              <a:rPr lang="en-US" i="1" dirty="0" err="1" smtClean="0">
+                <a:solidFill>
+                  <a:srgbClr val="CCAF0A"/>
+                </a:solidFill>
+                <a:latin typeface="Franklin Gothic Book"/>
+                <a:cs typeface="Franklin Gothic Book"/>
+              </a:rPr>
               <a:t>x</a:t>
             </a:r>
             <a:r>
-              <a:rPr lang="en-US" sz="2500" dirty="0" smtClean="0"/>
-              <a:t>: A) =&gt; </a:t>
-            </a:r>
-            <a:r>
-              <a:rPr lang="en-US" sz="2500" dirty="0" err="1" smtClean="0"/>
-              <a:t>g(f(x</a:t>
-            </a:r>
-            <a:r>
-              <a:rPr lang="en-US" sz="2500" dirty="0" smtClean="0"/>
-              <a:t>)) </a:t>
-            </a:r>
-            <a:r>
-              <a:rPr lang="en-US" sz="2500" dirty="0" smtClean="0">
-                <a:solidFill>
-                  <a:srgbClr val="6EA0B0"/>
-                </a:solidFill>
-              </a:rPr>
-              <a:t>// the closure</a:t>
-            </a:r>
+              <a:rPr lang="en-US" i="1" dirty="0" smtClean="0">
+                <a:solidFill>
+                  <a:srgbClr val="CCAF0A"/>
+                </a:solidFill>
+                <a:latin typeface="Franklin Gothic Book"/>
+                <a:cs typeface="Franklin Gothic Book"/>
+              </a:rPr>
+              <a:t> -&gt; </a:t>
+            </a:r>
+            <a:r>
+              <a:rPr lang="en-US" i="1" dirty="0" err="1" smtClean="0">
+                <a:solidFill>
+                  <a:srgbClr val="CCAF0A"/>
+                </a:solidFill>
+                <a:latin typeface="Franklin Gothic Book"/>
+                <a:cs typeface="Franklin Gothic Book"/>
+              </a:rPr>
+              <a:t>y</a:t>
+            </a:r>
+            <a:endParaRPr lang="en-US" i="1" dirty="0" smtClean="0">
+              <a:solidFill>
+                <a:srgbClr val="CCAF0A"/>
+              </a:solidFill>
+              <a:latin typeface="Franklin Gothic Book"/>
+              <a:cs typeface="Franklin Gothic Book"/>
+            </a:endParaRPr>
+          </a:p>
+          <a:p>
+            <a:pPr>
+              <a:buFont typeface="Wingdings" charset="2"/>
+              <a:buChar char="§"/>
+            </a:pPr>
+            <a:r>
+              <a:rPr lang="en-US" dirty="0" smtClean="0">
+                <a:latin typeface="Franklin Gothic Book"/>
+                <a:cs typeface="Franklin Gothic Book"/>
+              </a:rPr>
+              <a:t>“</a:t>
+            </a:r>
+            <a:r>
+              <a:rPr lang="en-US" dirty="0" err="1" smtClean="0">
+                <a:latin typeface="Franklin Gothic Book"/>
+                <a:cs typeface="Franklin Gothic Book"/>
+              </a:rPr>
+              <a:t>y</a:t>
+            </a:r>
+            <a:r>
+              <a:rPr lang="en-US" dirty="0" smtClean="0">
+                <a:latin typeface="Franklin Gothic Book"/>
+                <a:cs typeface="Franklin Gothic Book"/>
+              </a:rPr>
+              <a:t> is a function of </a:t>
+            </a:r>
+            <a:r>
+              <a:rPr lang="en-US" dirty="0" err="1" smtClean="0">
+                <a:latin typeface="Franklin Gothic Book"/>
+                <a:cs typeface="Franklin Gothic Book"/>
+              </a:rPr>
+              <a:t>x</a:t>
+            </a:r>
+            <a:r>
+              <a:rPr lang="en-US" dirty="0" smtClean="0">
+                <a:latin typeface="Franklin Gothic Book"/>
+                <a:cs typeface="Franklin Gothic Book"/>
+              </a:rPr>
+              <a:t>”</a:t>
+            </a:r>
+          </a:p>
+          <a:p>
+            <a:pPr lvl="1">
+              <a:buFont typeface="Wingdings" charset="2"/>
+              <a:buChar char="§"/>
+            </a:pPr>
+            <a:r>
+              <a:rPr lang="en-US" dirty="0" smtClean="0">
+                <a:latin typeface="Franklin Gothic Book"/>
+                <a:cs typeface="Franklin Gothic Book"/>
+              </a:rPr>
+              <a:t>The value of</a:t>
+            </a:r>
+            <a:r>
+              <a:rPr lang="en-US" dirty="0" smtClean="0">
+                <a:latin typeface="Franklin Gothic Book"/>
+                <a:cs typeface="Franklin Gothic Book"/>
+              </a:rPr>
+              <a:t> </a:t>
+            </a:r>
+            <a:r>
+              <a:rPr lang="en-US" dirty="0" err="1" smtClean="0">
+                <a:latin typeface="Franklin Gothic Book"/>
+                <a:cs typeface="Franklin Gothic Book"/>
+              </a:rPr>
+              <a:t>y</a:t>
+            </a:r>
+            <a:r>
+              <a:rPr lang="en-US" dirty="0" smtClean="0">
+                <a:latin typeface="Franklin Gothic Book"/>
+                <a:cs typeface="Franklin Gothic Book"/>
+              </a:rPr>
+              <a:t> </a:t>
+            </a:r>
+            <a:r>
+              <a:rPr lang="en-US" dirty="0" smtClean="0">
+                <a:latin typeface="Franklin Gothic Book"/>
+                <a:cs typeface="Franklin Gothic Book"/>
+              </a:rPr>
+              <a:t>depends </a:t>
+            </a:r>
+            <a:r>
+              <a:rPr lang="en-US" dirty="0" smtClean="0">
+                <a:latin typeface="Franklin Gothic Book"/>
+                <a:cs typeface="Franklin Gothic Book"/>
+              </a:rPr>
+              <a:t>on </a:t>
+            </a:r>
+            <a:r>
+              <a:rPr lang="en-US" dirty="0" err="1" smtClean="0">
+                <a:latin typeface="Franklin Gothic Book"/>
+                <a:cs typeface="Franklin Gothic Book"/>
+              </a:rPr>
+              <a:t>x</a:t>
+            </a:r>
+            <a:r>
+              <a:rPr lang="en-US" dirty="0" smtClean="0">
+                <a:latin typeface="Franklin Gothic Book"/>
+                <a:cs typeface="Franklin Gothic Book"/>
+              </a:rPr>
+              <a:t>; a simple mapping from one value, </a:t>
+            </a:r>
+            <a:r>
+              <a:rPr lang="en-US" dirty="0" err="1" smtClean="0">
+                <a:latin typeface="Franklin Gothic Book"/>
+                <a:cs typeface="Franklin Gothic Book"/>
+              </a:rPr>
+              <a:t>x</a:t>
+            </a:r>
+            <a:r>
+              <a:rPr lang="en-US" dirty="0" smtClean="0">
+                <a:latin typeface="Franklin Gothic Book"/>
+                <a:cs typeface="Franklin Gothic Book"/>
+              </a:rPr>
+              <a:t>, to another, </a:t>
+            </a:r>
+            <a:r>
+              <a:rPr lang="en-US" dirty="0" err="1" smtClean="0">
+                <a:latin typeface="Franklin Gothic Book"/>
+                <a:cs typeface="Franklin Gothic Book"/>
+              </a:rPr>
+              <a:t>y</a:t>
+            </a:r>
+            <a:r>
+              <a:rPr lang="en-US" dirty="0" smtClean="0">
+                <a:latin typeface="Franklin Gothic Book"/>
+                <a:cs typeface="Franklin Gothic Book"/>
+              </a:rPr>
+              <a:t>.</a:t>
+            </a:r>
+            <a:endParaRPr lang="en-US" i="1" dirty="0" smtClean="0">
+              <a:solidFill>
+                <a:srgbClr val="CCAF0A"/>
+              </a:solidFill>
+              <a:latin typeface="Franklin Gothic Book"/>
+              <a:cs typeface="Franklin Gothic Book"/>
+            </a:endParaRPr>
+          </a:p>
+          <a:p>
+            <a:pPr>
+              <a:buFont typeface="Wingdings" charset="2"/>
+              <a:buChar char="§"/>
+            </a:pPr>
+            <a:r>
+              <a:rPr lang="en-US" i="1" dirty="0" err="1" smtClean="0">
+                <a:solidFill>
+                  <a:srgbClr val="CCAF0A"/>
+                </a:solidFill>
+                <a:latin typeface="Franklin Gothic Book"/>
+                <a:cs typeface="Franklin Gothic Book"/>
+              </a:rPr>
+              <a:t>f</a:t>
+            </a:r>
+            <a:r>
+              <a:rPr lang="en-US" i="1" dirty="0" smtClean="0">
+                <a:solidFill>
+                  <a:srgbClr val="CCAF0A"/>
+                </a:solidFill>
+                <a:latin typeface="Franklin Gothic Book"/>
+                <a:cs typeface="Franklin Gothic Book"/>
+              </a:rPr>
+              <a:t>: </a:t>
+            </a:r>
+            <a:r>
+              <a:rPr lang="en-US" i="1" dirty="0" err="1" smtClean="0">
+                <a:solidFill>
+                  <a:srgbClr val="CCAF0A"/>
+                </a:solidFill>
+                <a:latin typeface="Franklin Gothic Book"/>
+                <a:cs typeface="Franklin Gothic Book"/>
+              </a:rPr>
+              <a:t>x</a:t>
+            </a:r>
+            <a:r>
+              <a:rPr lang="en-US" i="1" dirty="0" smtClean="0">
+                <a:solidFill>
+                  <a:srgbClr val="CCAF0A"/>
+                </a:solidFill>
+                <a:latin typeface="Franklin Gothic Book"/>
+                <a:cs typeface="Franklin Gothic Book"/>
+              </a:rPr>
+              <a:t> -&gt; </a:t>
+            </a:r>
+            <a:r>
+              <a:rPr lang="en-US" i="1" dirty="0" err="1" smtClean="0">
+                <a:solidFill>
+                  <a:srgbClr val="CCAF0A"/>
+                </a:solidFill>
+                <a:latin typeface="Franklin Gothic Book"/>
+                <a:cs typeface="Franklin Gothic Book"/>
+              </a:rPr>
+              <a:t>y</a:t>
+            </a:r>
+            <a:r>
+              <a:rPr lang="en-US" i="1" dirty="0" smtClean="0">
+                <a:solidFill>
+                  <a:srgbClr val="CCAF0A"/>
+                </a:solidFill>
+                <a:latin typeface="Franklin Gothic Book"/>
+                <a:cs typeface="Franklin Gothic Book"/>
+              </a:rPr>
+              <a:t> </a:t>
+            </a:r>
+            <a:r>
+              <a:rPr lang="en-US" dirty="0" smtClean="0">
+                <a:latin typeface="Franklin Gothic Book"/>
+                <a:cs typeface="Franklin Gothic Book"/>
+              </a:rPr>
+              <a:t>and </a:t>
+            </a:r>
+            <a:r>
+              <a:rPr lang="en-US" i="1" dirty="0" err="1" smtClean="0">
+                <a:solidFill>
+                  <a:srgbClr val="CCAF0A"/>
+                </a:solidFill>
+                <a:latin typeface="Franklin Gothic Book"/>
+                <a:cs typeface="Franklin Gothic Book"/>
+              </a:rPr>
+              <a:t>g</a:t>
+            </a:r>
+            <a:r>
+              <a:rPr lang="en-US" i="1" dirty="0" smtClean="0">
+                <a:solidFill>
+                  <a:srgbClr val="CCAF0A"/>
+                </a:solidFill>
+                <a:latin typeface="Franklin Gothic Book"/>
+                <a:cs typeface="Franklin Gothic Book"/>
+              </a:rPr>
+              <a:t>: </a:t>
+            </a:r>
+            <a:r>
+              <a:rPr lang="en-US" i="1" dirty="0" err="1" smtClean="0">
+                <a:solidFill>
+                  <a:srgbClr val="CCAF0A"/>
+                </a:solidFill>
+                <a:latin typeface="Franklin Gothic Book"/>
+                <a:cs typeface="Franklin Gothic Book"/>
+              </a:rPr>
+              <a:t>y</a:t>
+            </a:r>
+            <a:r>
+              <a:rPr lang="en-US" i="1" dirty="0" smtClean="0">
+                <a:solidFill>
+                  <a:srgbClr val="CCAF0A"/>
+                </a:solidFill>
+                <a:latin typeface="Franklin Gothic Book"/>
+                <a:cs typeface="Franklin Gothic Book"/>
+              </a:rPr>
+              <a:t> -&gt; </a:t>
+            </a:r>
+            <a:r>
+              <a:rPr lang="en-US" i="1" dirty="0" err="1" smtClean="0">
+                <a:solidFill>
+                  <a:srgbClr val="CCAF0A"/>
+                </a:solidFill>
+                <a:latin typeface="Franklin Gothic Book"/>
+                <a:cs typeface="Franklin Gothic Book"/>
+              </a:rPr>
+              <a:t>z</a:t>
+            </a:r>
+            <a:endParaRPr lang="en-US" i="1" dirty="0" smtClean="0">
+              <a:solidFill>
+                <a:srgbClr val="CCAF0A"/>
+              </a:solidFill>
+              <a:latin typeface="Franklin Gothic Book"/>
+              <a:cs typeface="Franklin Gothic Book"/>
+            </a:endParaRPr>
+          </a:p>
+          <a:p>
+            <a:pPr>
+              <a:buFont typeface="Wingdings" charset="2"/>
+              <a:buChar char="§"/>
+            </a:pPr>
+            <a:r>
+              <a:rPr lang="en-US" dirty="0" smtClean="0">
+                <a:cs typeface="Rockwell"/>
+              </a:rPr>
+              <a:t>The domains of these functions are suitable for composition</a:t>
+            </a:r>
+            <a:r>
+              <a:rPr lang="en-US" dirty="0" smtClean="0">
+                <a:cs typeface="Rockwell"/>
+              </a:rPr>
+              <a:t>.</a:t>
+            </a:r>
+            <a:endParaRPr lang="en-US" dirty="0" smtClean="0">
+              <a:cs typeface="Rockwell"/>
+            </a:endParaRPr>
           </a:p>
         </p:txBody>
       </p:sp>
@@ -4852,7 +5160,7 @@
           <a:p>
             <a:r>
               <a:rPr lang="en-US" dirty="0" smtClean="0"/>
-              <a:t>Higher-Order Functions</a:t>
+              <a:t>Function Composition</a:t>
             </a:r>
             <a:endParaRPr lang="en-US" dirty="0"/>
           </a:p>
@@ -4870,7 +5178,9 @@
         </p:nvSpPr>
         <p:spPr/>
         <p:txBody>
-          <a:bodyPr/>
+          <a:bodyPr>
+            <a:normAutofit/>
+          </a:bodyPr>
           <a:lstStyle/>
           <a:p>
             <a:pPr>
@@ -4878,9 +5188,23 @@
               <a:buChar char="§"/>
             </a:pPr>
             <a:r>
-              <a:rPr lang="en-US" dirty="0" smtClean="0"/>
-              <a:t>A function that takes another function as an argument and/or returns a function as its result.</a:t>
-            </a:r>
+              <a:rPr lang="en-US" dirty="0" smtClean="0">
+                <a:latin typeface="+mj-lt"/>
+                <a:cs typeface="Rockwell"/>
+              </a:rPr>
+              <a:t>We can combine functions with compatible </a:t>
+            </a:r>
+            <a:r>
+              <a:rPr lang="en-US" dirty="0" smtClean="0">
+                <a:latin typeface="+mj-lt"/>
+                <a:cs typeface="Rockwell"/>
+              </a:rPr>
+              <a:t>domains.</a:t>
+            </a:r>
+            <a:endParaRPr lang="en-US" dirty="0" smtClean="0">
+              <a:latin typeface="+mj-lt"/>
+              <a:cs typeface="Rockwell"/>
+            </a:endParaRPr>
           </a:p>
           <a:p>
             <a:pPr>
@@ -4888,9 +5212,208 @@
               <a:buChar char="§"/>
             </a:pPr>
             <a:r>
-              <a:rPr lang="en-US" dirty="0" smtClean="0"/>
-              <a:t>Ruby, via Rails, brought list-bound implementations of higher-order functions mainstream.</a:t>
-            </a:r>
+              <a:rPr lang="en-US" i="1" dirty="0" smtClean="0">
+                <a:solidFill>
+                  <a:srgbClr val="CCAF0A"/>
+                </a:solidFill>
+                <a:latin typeface="+mj-lt"/>
+                <a:cs typeface="Rockwell"/>
+              </a:rPr>
+              <a:t>(</a:t>
+            </a:r>
+            <a:r>
+              <a:rPr lang="en-US" i="1" dirty="0" err="1" smtClean="0">
+                <a:solidFill>
+                  <a:srgbClr val="CCAF0A"/>
+                </a:solidFill>
+                <a:latin typeface="+mj-lt"/>
+                <a:cs typeface="Rockwell"/>
+              </a:rPr>
+              <a:t>g</a:t>
+            </a:r>
+            <a:r>
+              <a:rPr lang="en-US" i="1" dirty="0" smtClean="0">
+                <a:solidFill>
+                  <a:srgbClr val="CCAF0A"/>
+                </a:solidFill>
+                <a:latin typeface="+mj-lt"/>
+                <a:cs typeface="Rockwell"/>
+              </a:rPr>
+              <a:t> </a:t>
+            </a:r>
+            <a:r>
+              <a:rPr lang="en-US" i="1" dirty="0" smtClean="0">
+                <a:solidFill>
+                  <a:srgbClr val="CCAF0A"/>
+                </a:solidFill>
+                <a:latin typeface="+mj-lt"/>
+                <a:cs typeface="Rockwell"/>
+              </a:rPr>
+              <a:t>.</a:t>
+            </a:r>
+            <a:r>
+              <a:rPr lang="en-US" i="1" dirty="0" smtClean="0">
+                <a:solidFill>
+                  <a:srgbClr val="CCAF0A"/>
+                </a:solidFill>
+                <a:latin typeface="+mj-lt"/>
+                <a:cs typeface="Rockwell"/>
+              </a:rPr>
+              <a:t> </a:t>
+            </a:r>
+            <a:r>
+              <a:rPr lang="en-US" i="1" dirty="0" err="1" smtClean="0">
+                <a:solidFill>
+                  <a:srgbClr val="CCAF0A"/>
+                </a:solidFill>
+                <a:latin typeface="+mj-lt"/>
+                <a:cs typeface="Rockwell"/>
+              </a:rPr>
+              <a:t>f</a:t>
+            </a:r>
+            <a:r>
+              <a:rPr lang="en-US" i="1" dirty="0" smtClean="0">
+                <a:solidFill>
+                  <a:srgbClr val="CCAF0A"/>
+                </a:solidFill>
+                <a:latin typeface="+mj-lt"/>
+                <a:cs typeface="Rockwell"/>
+              </a:rPr>
+              <a:t>) = </a:t>
+            </a:r>
+            <a:r>
+              <a:rPr lang="en-US" i="1" dirty="0" err="1" smtClean="0">
+                <a:solidFill>
+                  <a:srgbClr val="CCAF0A"/>
+                </a:solidFill>
+                <a:latin typeface="+mj-lt"/>
+                <a:cs typeface="Rockwell"/>
+              </a:rPr>
+              <a:t>g(f(x</a:t>
+            </a:r>
+            <a:r>
+              <a:rPr lang="en-US" i="1" dirty="0" smtClean="0">
+                <a:solidFill>
+                  <a:srgbClr val="CCAF0A"/>
+                </a:solidFill>
+                <a:latin typeface="+mj-lt"/>
+                <a:cs typeface="Rockwell"/>
+              </a:rPr>
+              <a:t>)</a:t>
+            </a:r>
+            <a:r>
+              <a:rPr lang="en-US" i="1" dirty="0" smtClean="0">
+                <a:solidFill>
+                  <a:srgbClr val="CCAF0A"/>
+                </a:solidFill>
+                <a:latin typeface="+mj-lt"/>
+                <a:cs typeface="Rockwell"/>
+              </a:rPr>
+              <a:t>) </a:t>
+            </a:r>
+            <a:r>
+              <a:rPr lang="en-US" dirty="0" smtClean="0">
+                <a:cs typeface="Rockwell"/>
+              </a:rPr>
+              <a:t>or </a:t>
+            </a:r>
+            <a:r>
+              <a:rPr lang="en-US" i="1" dirty="0" smtClean="0">
+                <a:solidFill>
+                  <a:srgbClr val="CCAF0A"/>
+                </a:solidFill>
+                <a:cs typeface="Rockwell"/>
+              </a:rPr>
+              <a:t>(</a:t>
+            </a:r>
+            <a:r>
+              <a:rPr lang="en-US" i="1" dirty="0" err="1" smtClean="0">
+                <a:solidFill>
+                  <a:srgbClr val="CCAF0A"/>
+                </a:solidFill>
+                <a:cs typeface="Rockwell"/>
+              </a:rPr>
+              <a:t>g</a:t>
+            </a:r>
+            <a:r>
+              <a:rPr lang="en-US" i="1" dirty="0" smtClean="0">
+                <a:solidFill>
+                  <a:srgbClr val="CCAF0A"/>
+                </a:solidFill>
+                <a:cs typeface="Rockwell"/>
+              </a:rPr>
+              <a:t> </a:t>
+            </a:r>
+            <a:r>
+              <a:rPr lang="en-US" i="1" dirty="0" err="1" smtClean="0">
+                <a:solidFill>
+                  <a:srgbClr val="CCAF0A"/>
+                </a:solidFill>
+                <a:cs typeface="Rockwell"/>
+              </a:rPr>
+              <a:t>o</a:t>
+            </a:r>
+            <a:r>
+              <a:rPr lang="en-US" i="1" dirty="0" smtClean="0">
+                <a:solidFill>
+                  <a:srgbClr val="CCAF0A"/>
+                </a:solidFill>
+                <a:cs typeface="Rockwell"/>
+              </a:rPr>
+              <a:t> </a:t>
+            </a:r>
+            <a:r>
+              <a:rPr lang="en-US" i="1" dirty="0" err="1" smtClean="0">
+                <a:solidFill>
+                  <a:srgbClr val="CCAF0A"/>
+                </a:solidFill>
+                <a:cs typeface="Rockwell"/>
+              </a:rPr>
+              <a:t>f</a:t>
+            </a:r>
+            <a:r>
+              <a:rPr lang="en-US" i="1" dirty="0" smtClean="0">
+                <a:solidFill>
+                  <a:srgbClr val="CCAF0A"/>
+                </a:solidFill>
+                <a:cs typeface="Rockwell"/>
+              </a:rPr>
+              <a:t>) = </a:t>
+            </a:r>
+            <a:r>
+              <a:rPr lang="en-US" i="1" dirty="0" err="1" smtClean="0">
+                <a:solidFill>
+                  <a:srgbClr val="CCAF0A"/>
+                </a:solidFill>
+                <a:cs typeface="Rockwell"/>
+              </a:rPr>
+              <a:t>g(f(x</a:t>
+            </a:r>
+            <a:r>
+              <a:rPr lang="en-US" i="1" dirty="0" smtClean="0">
+                <a:solidFill>
+                  <a:srgbClr val="CCAF0A"/>
+                </a:solidFill>
+                <a:cs typeface="Rockwell"/>
+              </a:rPr>
+              <a:t>)</a:t>
+            </a:r>
+            <a:r>
+              <a:rPr lang="en-US" i="1" dirty="0" smtClean="0">
+                <a:solidFill>
+                  <a:srgbClr val="CCAF0A"/>
+                </a:solidFill>
+                <a:cs typeface="Rockwell"/>
+              </a:rPr>
+              <a:t>)</a:t>
+            </a:r>
+            <a:endParaRPr lang="en-US" i="1" dirty="0" smtClean="0">
+              <a:solidFill>
+                <a:srgbClr val="CCAF0A"/>
+              </a:solidFill>
+              <a:latin typeface="+mj-lt"/>
+              <a:cs typeface="Rockwell"/>
+            </a:endParaRPr>
           </a:p>
           <a:p>
             <a:pPr>
@@ -4898,53 +5421,81 @@
               <a:buChar char="§"/>
             </a:pPr>
             <a:r>
-              <a:rPr lang="en-US" dirty="0" smtClean="0"/>
-              <a:t>Higher-order </a:t>
-            </a:r>
-            <a:r>
-              <a:rPr lang="en-US" dirty="0" err="1" smtClean="0"/>
-              <a:t>rockstars</a:t>
-            </a:r>
-            <a:r>
-              <a:rPr lang="en-US" dirty="0" smtClean="0"/>
-              <a:t>:</a:t>
-            </a:r>
-            <a:br>
-              <a:rPr lang="en-US" dirty="0" smtClean="0"/>
-            </a:br>
-            <a:r>
-              <a:rPr lang="en-US" dirty="0" smtClean="0"/>
-              <a:t>	</a:t>
-            </a:r>
-            <a:r>
-              <a:rPr lang="en-US" i="1" dirty="0" smtClean="0">
-                <a:solidFill>
-                  <a:schemeClr val="accent2"/>
-                </a:solidFill>
-              </a:rPr>
-              <a:t>each, map, filter, </a:t>
-            </a:r>
-            <a:r>
-              <a:rPr lang="en-US" i="1" dirty="0" err="1" smtClean="0">
-                <a:solidFill>
-                  <a:schemeClr val="accent2"/>
-                </a:solidFill>
-              </a:rPr>
-              <a:t>foldr</a:t>
-            </a:r>
-            <a:r>
-              <a:rPr lang="en-US" i="1" dirty="0" smtClean="0">
-                <a:solidFill>
-                  <a:schemeClr val="accent2"/>
-                </a:solidFill>
-              </a:rPr>
-              <a:t>  </a:t>
-            </a:r>
-            <a:r>
-              <a:rPr lang="en-US" dirty="0" smtClean="0"/>
-              <a:t>many more!</a:t>
-            </a:r>
-            <a:endParaRPr lang="en-US" dirty="0"/>
+              <a:rPr lang="en-US" dirty="0" smtClean="0">
+                <a:latin typeface="+mj-lt"/>
+                <a:cs typeface="Rockwell"/>
+              </a:rPr>
+              <a:t>Combine the </a:t>
+            </a:r>
+            <a:r>
+              <a:rPr lang="en-US" dirty="0" smtClean="0">
+                <a:latin typeface="+mj-lt"/>
+                <a:cs typeface="Rockwell"/>
+              </a:rPr>
+              <a:t>functions </a:t>
+            </a:r>
+            <a:r>
+              <a:rPr lang="en-US" dirty="0" err="1" smtClean="0">
+                <a:solidFill>
+                  <a:srgbClr val="FFFFFF"/>
+                </a:solidFill>
+                <a:latin typeface="+mj-lt"/>
+                <a:cs typeface="Rockwell"/>
+              </a:rPr>
+              <a:t>g</a:t>
+            </a:r>
+            <a:r>
+              <a:rPr lang="en-US" dirty="0" smtClean="0">
+                <a:solidFill>
+                  <a:srgbClr val="FFFFFF"/>
+                </a:solidFill>
+                <a:latin typeface="+mj-lt"/>
+                <a:cs typeface="Rockwell"/>
+              </a:rPr>
+              <a:t> and </a:t>
+            </a:r>
+            <a:r>
+              <a:rPr lang="en-US" dirty="0" err="1" smtClean="0">
+                <a:latin typeface="+mj-lt"/>
+                <a:cs typeface="Rockwell"/>
+              </a:rPr>
+              <a:t>f</a:t>
+            </a:r>
+            <a:r>
+              <a:rPr lang="en-US" dirty="0" smtClean="0">
+                <a:latin typeface="+mj-lt"/>
+                <a:cs typeface="Rockwell"/>
+              </a:rPr>
+              <a:t> into a new function that uses the result of </a:t>
+            </a:r>
+            <a:r>
+              <a:rPr lang="en-US" dirty="0" err="1" smtClean="0">
+                <a:latin typeface="+mj-lt"/>
+                <a:cs typeface="Rockwell"/>
+              </a:rPr>
+              <a:t>f(x</a:t>
+            </a:r>
+            <a:r>
+              <a:rPr lang="en-US" dirty="0" smtClean="0">
+                <a:latin typeface="+mj-lt"/>
+                <a:cs typeface="Rockwell"/>
+              </a:rPr>
+              <a:t>) as the input to </a:t>
+            </a:r>
+            <a:r>
+              <a:rPr lang="en-US" dirty="0" err="1" smtClean="0">
+                <a:latin typeface="+mj-lt"/>
+                <a:cs typeface="Rockwell"/>
+              </a:rPr>
+              <a:t>g</a:t>
+            </a:r>
+            <a:r>
+              <a:rPr lang="en-US" dirty="0" smtClean="0">
+                <a:latin typeface="+mj-lt"/>
+                <a:cs typeface="Rockwell"/>
+              </a:rPr>
+              <a:t>.</a:t>
+            </a:r>
           </a:p>
         </p:txBody>
       </p:sp>
@@ -4990,70 +5541,150 @@
             <p:ph type="title"/>
           </p:nvPr>
         </p:nvSpPr>
+        <p:spPr/>
+        <p:txBody>
+          <a:bodyPr/>
+          <a:lstStyle/>
+          <a:p>
+            <a:r>
+              <a:rPr lang="en-US" dirty="0" smtClean="0"/>
+              <a:t>In JavaScript:</a:t>
+            </a:r>
+            <a:endParaRPr lang="en-US" dirty="0"/>
+          </a:p>
+        </p:txBody>
+      </p:sp>
+      <p:sp>
+        <p:nvSpPr>
+          <p:cNvPr id="5" name="TextBox 4"/>
+          <p:cNvSpPr txBox="1"/>
+          <p:nvPr/>
+        </p:nvSpPr>
         <p:spPr>
           <a:xfrm>
-            <a:off x="457200" y="274636"/>
-            <a:ext cx="7467600" cy="5107745"/>
+            <a:off x="457200" y="1619905"/>
+            <a:ext cx="8178800" cy="2785378"/>
           </a:xfrm>
+          <a:prstGeom prst="rect">
+            <a:avLst/>
+          </a:prstGeom>
+          <a:noFill/>
         </p:spPr>
         <p:txBody>
-          <a:bodyPr>
-            <a:normAutofit fontScale="90000"/>
+          <a:bodyPr wrap="square" rtlCol="0">
+            <a:spAutoFit/>
           </a:bodyPr>
           <a:lstStyle/>
           <a:p>
             <a:r>
-              <a:rPr lang="en-US" dirty="0" smtClean="0"/>
-              <a:t>Because we know how to pass functions around, we know how to implement these …</a:t>
-            </a:r>
-            <a:br>
-              <a:rPr lang="en-US" dirty="0" smtClean="0"/>
-            </a:br>
-            <a:r>
-              <a:rPr lang="en-US" dirty="0" smtClean="0"/>
-              <a:t/>
-            </a:r>
-            <a:br>
-              <a:rPr lang="en-US" dirty="0" smtClean="0"/>
-            </a:br>
-            <a:r>
-              <a:rPr lang="en-US" dirty="0" smtClean="0"/>
-              <a:t>… but we’d probably duplicate</a:t>
-            </a:r>
-            <a:br>
-              <a:rPr lang="en-US" dirty="0" smtClean="0"/>
-            </a:br>
-            <a:r>
-              <a:rPr lang="en-US" dirty="0" smtClean="0"/>
-              <a:t>    code.</a:t>
-            </a:r>
-            <a:br>
-              <a:rPr lang="en-US" dirty="0" smtClean="0"/>
-            </a:br>
-            <a:r>
-              <a:rPr lang="en-US" dirty="0" smtClean="0"/>
-              <a:t/>
-            </a:r>
-            <a:br>
-              <a:rPr lang="en-US" dirty="0" smtClean="0"/>
-            </a:br>
-            <a:r>
-              <a:rPr lang="en-US" dirty="0" smtClean="0"/>
-              <a:t>Let’s talk about </a:t>
-            </a:r>
-            <a:r>
-              <a:rPr lang="en-US" dirty="0" smtClean="0">
-                <a:solidFill>
-                  <a:srgbClr val="6EA0B0"/>
-                </a:solidFill>
-              </a:rPr>
-              <a:t>folding</a:t>
-            </a:r>
-            <a:r>
-              <a:rPr lang="en-US" dirty="0" smtClean="0"/>
-              <a:t>.</a:t>
-            </a:r>
-            <a:endParaRPr lang="en-US" dirty="0"/>
+              <a:rPr lang="en-US" sz="2500" dirty="0" smtClean="0"/>
+              <a:t>function </a:t>
+            </a:r>
+            <a:r>
+              <a:rPr lang="en-US" sz="2500" dirty="0" err="1" smtClean="0"/>
+              <a:t>compose(f</a:t>
+            </a:r>
+            <a:r>
+              <a:rPr lang="en-US" sz="2500" dirty="0" smtClean="0"/>
+              <a:t>, </a:t>
+            </a:r>
+            <a:r>
+              <a:rPr lang="en-US" sz="2500" dirty="0" err="1" smtClean="0"/>
+              <a:t>g</a:t>
+            </a:r>
+            <a:r>
+              <a:rPr lang="en-US" sz="2500" dirty="0" smtClean="0"/>
+              <a:t>) {</a:t>
+            </a:r>
+          </a:p>
+          <a:p>
+            <a:r>
+              <a:rPr lang="en-US" sz="2500" dirty="0" smtClean="0">
+                <a:solidFill>
+                  <a:schemeClr val="accent1"/>
+                </a:solidFill>
+              </a:rPr>
+              <a:t>  // a closure, closing over the free</a:t>
+            </a:r>
+          </a:p>
+          <a:p>
+            <a:r>
+              <a:rPr lang="en-US" sz="2500" dirty="0" smtClean="0">
+                <a:solidFill>
+                  <a:schemeClr val="accent1"/>
+                </a:solidFill>
+              </a:rPr>
+              <a:t>  // variables </a:t>
+            </a:r>
+            <a:r>
+              <a:rPr lang="en-US" sz="2500" dirty="0" err="1" smtClean="0">
+                <a:solidFill>
+                  <a:schemeClr val="accent1"/>
+                </a:solidFill>
+              </a:rPr>
+              <a:t>f</a:t>
+            </a:r>
+            <a:r>
+              <a:rPr lang="en-US" sz="2500" dirty="0" smtClean="0">
+                <a:solidFill>
+                  <a:schemeClr val="accent1"/>
+                </a:solidFill>
+              </a:rPr>
+              <a:t> and </a:t>
+            </a:r>
+            <a:r>
+              <a:rPr lang="en-US" sz="2500" dirty="0" err="1" smtClean="0">
+                <a:solidFill>
+                  <a:schemeClr val="accent1"/>
+                </a:solidFill>
+              </a:rPr>
+              <a:t>g</a:t>
+            </a:r>
+            <a:endParaRPr lang="en-US" sz="2500" dirty="0" smtClean="0">
+              <a:solidFill>
+                <a:schemeClr val="accent1"/>
+              </a:solidFill>
+            </a:endParaRPr>
+          </a:p>
+          <a:p>
+            <a:r>
+              <a:rPr lang="en-US" sz="2500" dirty="0" smtClean="0"/>
+              <a:t>  return </a:t>
+            </a:r>
+            <a:r>
+              <a:rPr lang="en-US" sz="2500" dirty="0" err="1" smtClean="0"/>
+              <a:t>function(x</a:t>
+            </a:r>
+            <a:r>
+              <a:rPr lang="en-US" sz="2500" dirty="0" smtClean="0"/>
+              <a:t>) {</a:t>
+            </a:r>
+          </a:p>
+          <a:p>
+            <a:r>
+              <a:rPr lang="en-US" sz="2500" dirty="0" smtClean="0"/>
+              <a:t>    return </a:t>
+            </a:r>
+            <a:r>
+              <a:rPr lang="en-US" sz="2500" dirty="0" err="1" smtClean="0"/>
+              <a:t>g(f(x</a:t>
+            </a:r>
+            <a:r>
+              <a:rPr lang="en-US" sz="2500" dirty="0" smtClean="0"/>
+              <a:t>));</a:t>
+            </a:r>
+          </a:p>
+          <a:p>
+            <a:r>
+              <a:rPr lang="en-US" sz="2500" dirty="0" smtClean="0"/>
+              <a:t>  }</a:t>
+            </a:r>
+          </a:p>
+          <a:p>
+            <a:r>
+              <a:rPr lang="en-US" sz="2500" dirty="0" smtClean="0"/>
+              <a:t>}</a:t>
+            </a:r>
           </a:p>
         </p:txBody>
       </p:sp>
@@ -5106,7 +5737,15 @@
           <a:p>
             <a:r>
               <a:rPr lang="en-US" dirty="0" smtClean="0"/>
-              <a:t>In JavaScript:</a:t>
+              <a:t>In </a:t>
+            </a:r>
+            <a:r>
+              <a:rPr lang="en-US" dirty="0" err="1" smtClean="0"/>
+              <a:t>Scala</a:t>
+            </a:r>
+            <a:r>
+              <a:rPr lang="en-US" dirty="0" smtClean="0"/>
+              <a:t>:</a:t>
             </a:r>
             <a:endParaRPr lang="en-US" dirty="0"/>
           </a:p>
@@ -5114,14 +5753,14 @@
       </p:sp>
       <p:sp>
         <p:nvSpPr>
-          <p:cNvPr id="4" name="TextBox 3"/>
+          <p:cNvPr id="6" name="TextBox 5"/>
           <p:cNvSpPr txBox="1"/>
           <p:nvPr/>
         </p:nvSpPr>
         <p:spPr>
           <a:xfrm>
-            <a:off x="457200" y="1862667"/>
-            <a:ext cx="6325689" cy="2785378"/>
+            <a:off x="457200" y="1572381"/>
+            <a:ext cx="6448431" cy="861774"/>
           </a:xfrm>
           <a:prstGeom prst="rect">
             <a:avLst/>
@@ -5136,15 +5775,23 @@
           <a:p>
             <a:r>
               <a:rPr lang="en-US" sz="2500" dirty="0" smtClean="0"/>
-              <a:t>function </a:t>
+              <a:t>def </a:t>
             </a:r>
             <a:r>
               <a:rPr lang="en-US" sz="2500" dirty="0" err="1" smtClean="0"/>
-              <a:t>foldr(list</a:t>
-            </a:r>
-            <a:r>
-              <a:rPr lang="en-US" sz="2500" dirty="0" smtClean="0"/>
-              <a:t>, initial, </a:t>
+              <a:t>compose[A</a:t>
+            </a:r>
+            <a:r>
+              <a:rPr lang="en-US" sz="2500" dirty="0" smtClean="0"/>
+              <a:t>, B, </a:t>
+            </a:r>
+            <a:r>
+              <a:rPr lang="en-US" sz="2500" dirty="0" err="1" smtClean="0"/>
+              <a:t>C](g</a:t>
+            </a:r>
+            <a:r>
+              <a:rPr lang="en-US" sz="2500" dirty="0" smtClean="0"/>
+              <a:t>: B =&gt; C, </a:t>
             </a:r>
             <a:r>
               <a:rPr lang="en-US" sz="2500" dirty="0" err="1" smtClean="0"/>
@@ -5152,67 +5799,37 @@
             </a:r>
             <a:r>
               <a:rPr lang="en-US" sz="2500" dirty="0" smtClean="0"/>
-              <a:t>) {</a:t>
-            </a:r>
-          </a:p>
-          <a:p>
-            <a:r>
-              <a:rPr lang="en-US" sz="2500" dirty="0" smtClean="0"/>
-              <a:t>  </a:t>
+              <a:t>: A =&gt; B) =</a:t>
+            </a:r>
+          </a:p>
+          <a:p>
+            <a:r>
+              <a:rPr lang="en-US" sz="2500" dirty="0" smtClean="0"/>
+              <a:t>  (</a:t>
             </a:r>
             <a:r>
               <a:rPr lang="en-US" sz="2500" dirty="0" err="1" smtClean="0"/>
-              <a:t>if(list.length</a:t>
-            </a:r>
-            <a:r>
-              <a:rPr lang="en-US" sz="2500" dirty="0" smtClean="0"/>
-              <a:t> == 0)</a:t>
-            </a:r>
-          </a:p>
-          <a:p>
-            <a:r>
-              <a:rPr lang="en-US" sz="2500" dirty="0" smtClean="0"/>
-              <a:t>    return initial;</a:t>
-            </a:r>
-          </a:p>
-          <a:p>
-            <a:r>
-              <a:rPr lang="en-US" sz="2500" dirty="0" smtClean="0"/>
-              <a:t>  else {</a:t>
-            </a:r>
-          </a:p>
-          <a:p>
-            <a:r>
-              <a:rPr lang="en-US" sz="2500" dirty="0" smtClean="0"/>
-              <a:t>    return foldr(list.slice(1), </a:t>
+              <a:t>x</a:t>
+            </a:r>
+            <a:r>
+              <a:rPr lang="en-US" sz="2500" dirty="0" smtClean="0"/>
+              <a:t>: A) =&gt; </a:t>
             </a:r>
             <a:r>
               <a:rPr lang="en-US" sz="2500" dirty="0" err="1" smtClean="0"/>
-              <a:t>f(initial</a:t>
-            </a:r>
-            <a:r>
-              <a:rPr lang="en-US" sz="2500" dirty="0" smtClean="0"/>
-              <a:t>, list[0]), </a:t>
-            </a:r>
-            <a:r>
-              <a:rPr lang="en-US" sz="2500" dirty="0" err="1" smtClean="0"/>
-              <a:t>f</a:t>
-            </a:r>
-            <a:r>
-              <a:rPr lang="en-US" sz="2500" dirty="0" smtClean="0"/>
-              <a:t>);</a:t>
-            </a:r>
-          </a:p>
-          <a:p>
-            <a:r>
-              <a:rPr lang="en-US" sz="2500" dirty="0" smtClean="0"/>
-              <a:t>  }</a:t>
-            </a:r>
-          </a:p>
-          <a:p>
-            <a:r>
-              <a:rPr lang="en-US" sz="2500" dirty="0" smtClean="0"/>
-              <a:t>}</a:t>
+              <a:t>g(f(x</a:t>
+            </a:r>
+            <a:r>
+              <a:rPr lang="en-US" sz="2500" dirty="0" smtClean="0"/>
+              <a:t>)) </a:t>
+            </a:r>
+            <a:r>
+              <a:rPr lang="en-US" sz="2500" dirty="0" smtClean="0">
+                <a:solidFill>
+                  <a:srgbClr val="6EA0B0"/>
+                </a:solidFill>
+              </a:rPr>
+              <a:t>// the closure</a:t>
             </a:r>
           </a:p>
         </p:txBody>
@@ -5266,130 +5883,95 @@
           <a:p>
             <a:r>
               <a:rPr lang="en-US" dirty="0" smtClean="0"/>
-              <a:t>In </a:t>
+              <a:t>Higher-Order Functions</a:t>
+            </a:r>
+            <a:endParaRPr lang="en-US" dirty="0"/>
+          </a:p>
+        </p:txBody>
+      </p:sp>
+      <p:sp>
+        <p:nvSpPr>
+          <p:cNvPr id="3" name="Content Placeholder 2"/>
+          <p:cNvSpPr>
+            <a:spLocks noGrp="1"/>
+          </p:cNvSpPr>
+          <p:nvPr>
+            <p:ph idx="1"/>
+          </p:nvPr>
+        </p:nvSpPr>
+        <p:spPr/>
+        <p:txBody>
+          <a:bodyPr/>
+          <a:lstStyle/>
+          <a:p>
+            <a:pPr>
+              <a:buFont typeface="Wingdings" charset="2"/>
+              <a:buChar char="§"/>
+            </a:pPr>
+            <a:r>
+              <a:rPr lang="en-US" dirty="0" smtClean="0"/>
+              <a:t>A function that takes another function as an argument and/or returns a function as its result.</a:t>
+            </a:r>
+          </a:p>
+          <a:p>
+            <a:pPr>
+              <a:buFont typeface="Wingdings" charset="2"/>
+              <a:buChar char="§"/>
+            </a:pPr>
+            <a:r>
+              <a:rPr lang="en-US" dirty="0" smtClean="0"/>
+              <a:t>Ruby, via Rails, brought list-bound implementations of higher-order functions mainstream.</a:t>
+            </a:r>
+          </a:p>
+          <a:p>
+            <a:pPr>
+              <a:buFont typeface="Wingdings" charset="2"/>
+              <a:buChar char="§"/>
+            </a:pPr>
+            <a:r>
+              <a:rPr lang="en-US" dirty="0" smtClean="0"/>
+              <a:t>Higher-order </a:t>
             </a:r>
             <a:r>
               <a:rPr lang="en-US" dirty="0" err="1" smtClean="0"/>
-              <a:t>Scala</a:t>
+              <a:t>rockstars</a:t>
             </a:r>
             <a:r>
               <a:rPr lang="en-US" dirty="0" smtClean="0"/>
               <a:t>:</a:t>
             </a:r>
+            <a:br>
+              <a:rPr lang="en-US" dirty="0" smtClean="0"/>
+            </a:br>
+            <a:r>
+              <a:rPr lang="en-US" dirty="0" smtClean="0"/>
+              <a:t>	</a:t>
+            </a:r>
+            <a:r>
+              <a:rPr lang="en-US" i="1" dirty="0" smtClean="0">
+                <a:solidFill>
+                  <a:schemeClr val="accent2"/>
+                </a:solidFill>
+              </a:rPr>
+              <a:t>each, map, filter,</a:t>
+            </a:r>
+            <a:r>
+              <a:rPr lang="en-US" i="1" dirty="0" smtClean="0">
+                <a:solidFill>
+                  <a:schemeClr val="accent2"/>
+                </a:solidFill>
+              </a:rPr>
+              <a:t> inject  </a:t>
+            </a:r>
+            <a:r>
+              <a:rPr lang="en-US" dirty="0" smtClean="0"/>
+              <a:t>many </a:t>
+            </a:r>
+            <a:r>
+              <a:rPr lang="en-US" dirty="0" smtClean="0"/>
+              <a:t>more!</a:t>
+            </a:r>
             <a:endParaRPr lang="en-US" dirty="0"/>
-          </a:p>
-        </p:txBody>
-      </p:sp>
-      <p:sp>
-        <p:nvSpPr>
-          <p:cNvPr id="4" name="TextBox 3"/>
-          <p:cNvSpPr txBox="1"/>
-          <p:nvPr/>
-        </p:nvSpPr>
-        <p:spPr>
-          <a:xfrm>
-            <a:off x="457200" y="1862667"/>
-            <a:ext cx="7552218" cy="2015936"/>
-          </a:xfrm>
-          <a:prstGeom prst="rect">
-            <a:avLst/>
-          </a:prstGeom>
-          <a:noFill/>
-        </p:spPr>
-        <p:txBody>
-          <a:bodyPr wrap="none" rtlCol="0">
-            <a:spAutoFit/>
-          </a:bodyPr>
-          <a:lstStyle/>
-          <a:p>
-            <a:r>
-              <a:rPr lang="en-US" sz="2500" dirty="0" smtClean="0"/>
-              <a:t>def </a:t>
-            </a:r>
-            <a:r>
-              <a:rPr lang="en-US" sz="2500" dirty="0" err="1" smtClean="0"/>
-              <a:t>foldr[A</a:t>
-            </a:r>
-            <a:r>
-              <a:rPr lang="en-US" sz="2500" dirty="0" smtClean="0"/>
-              <a:t>, </a:t>
-            </a:r>
-            <a:r>
-              <a:rPr lang="en-US" sz="2500" dirty="0" err="1" smtClean="0"/>
-              <a:t>B](list</a:t>
-            </a:r>
-            <a:r>
-              <a:rPr lang="en-US" sz="2500" dirty="0" smtClean="0"/>
-              <a:t>: </a:t>
-            </a:r>
-            <a:r>
-              <a:rPr lang="en-US" sz="2500" dirty="0" err="1" smtClean="0"/>
-              <a:t>List[A</a:t>
-            </a:r>
-            <a:r>
-              <a:rPr lang="en-US" sz="2500" dirty="0" smtClean="0"/>
-              <a:t>], acc: B, </a:t>
-            </a:r>
-            <a:r>
-              <a:rPr lang="en-US" sz="2500" dirty="0" err="1" smtClean="0"/>
-              <a:t>f</a:t>
-            </a:r>
-            <a:r>
-              <a:rPr lang="en-US" sz="2500" dirty="0" smtClean="0"/>
-              <a:t>: (B, A) =&gt; B): B =</a:t>
-            </a:r>
-          </a:p>
-          <a:p>
-            <a:r>
-              <a:rPr lang="en-US" sz="2500" dirty="0" smtClean="0"/>
-              <a:t>  </a:t>
-            </a:r>
-            <a:r>
-              <a:rPr lang="en-US" sz="2500" dirty="0" smtClean="0"/>
-              <a:t>list match {</a:t>
-            </a:r>
-          </a:p>
-          <a:p>
-            <a:r>
-              <a:rPr lang="en-US" sz="2500" dirty="0" smtClean="0"/>
-              <a:t>    case Nil =&gt; acc</a:t>
-            </a:r>
-          </a:p>
-          <a:p>
-            <a:r>
-              <a:rPr lang="en-US" sz="2500" dirty="0" smtClean="0"/>
-              <a:t>    case head :: tail =&gt; </a:t>
-            </a:r>
-            <a:r>
-              <a:rPr lang="en-US" sz="2500" dirty="0" err="1" smtClean="0"/>
-              <a:t>foldr(tail</a:t>
-            </a:r>
-            <a:r>
-              <a:rPr lang="en-US" sz="2500" dirty="0" smtClean="0"/>
-              <a:t>, </a:t>
-            </a:r>
-            <a:r>
-              <a:rPr lang="en-US" sz="2500" dirty="0" err="1" smtClean="0"/>
-              <a:t>f(acc</a:t>
-            </a:r>
-            <a:r>
-              <a:rPr lang="en-US" sz="2500" dirty="0" smtClean="0"/>
-              <a:t>, head), </a:t>
-            </a:r>
-            <a:r>
-              <a:rPr lang="en-US" sz="2500" dirty="0" err="1" smtClean="0"/>
-              <a:t>f</a:t>
-            </a:r>
-            <a:r>
-              <a:rPr lang="en-US" sz="2500" dirty="0" smtClean="0"/>
-              <a:t>)</a:t>
-            </a:r>
-          </a:p>
-          <a:p>
-            <a:r>
-              <a:rPr lang="en-US" sz="2500" dirty="0" smtClean="0"/>
-              <a:t>  }</a:t>
-            </a:r>
           </a:p>
         </p:txBody>
       </p:sp>
@@ -5484,11 +6066,7 @@
             </a:pPr>
             <a:r>
               <a:rPr lang="en-US" sz="3000" dirty="0" smtClean="0"/>
-              <a:t>Formal system: a basic set of principles and a set of rules dictating how to operate within those principles</a:t>
-            </a:r>
-            <a:r>
-              <a:rPr lang="en-US" sz="3000" dirty="0" smtClean="0"/>
-              <a:t>.</a:t>
+              <a:t>Formal system: a basic set of principles and a set of rules dictating how to operate within those principles.</a:t>
             </a:r>
           </a:p>
           <a:p>
@@ -5499,11 +6077,7 @@
             </a:pPr>
             <a:r>
               <a:rPr lang="en-US" sz="3000" dirty="0" smtClean="0"/>
-              <a:t>Rules can be logically combined to form more complex rules</a:t>
-            </a:r>
-            <a:r>
-              <a:rPr lang="en-US" sz="3000" dirty="0" smtClean="0"/>
-              <a:t>.</a:t>
+              <a:t>Rules can be logically combined to form more complex rules.</a:t>
             </a:r>
           </a:p>
           <a:p>
@@ -5524,7 +6098,1428 @@
               <a:rPr lang="en-US" sz="3000" dirty="0" smtClean="0"/>
               <a:t>.</a:t>
             </a:r>
-            <a:endParaRPr lang="en-US" sz="3000" dirty="0" smtClean="0"/>
+          </a:p>
+        </p:txBody>
+      </p:sp>
+    </p:spTree>
+  </p:cSld>
+  <p:clrMapOvr>
+    <a:masterClrMapping/>
+  </p:clrMapOvr>
+  <p:timing>
+    <p:tnLst>
+      <p:par>
+        <p:cTn id="1" dur="indefinite" restart="never" nodeType="tmRoot"/>
+      </p:par>
+    </p:tnLst>
+  </p:timing>
+</p:sld>
+</file>
+
+<file path=ppt/slides/slide20.xml><?xml version="1.0" encoding="utf-8"?>
+<p:sld xmlns:a="http://schemas.openxmlformats.org/drawingml/2006/main" xmlns:r="http://schemas.openxmlformats.org/officeDocument/2006/relationships" xmlns:mc="http://schemas.openxmlformats.org/markup-compatibility/2006" xmlns:mv="urn:schemas-microsoft-com:mac:vml" xmlns:p="http://schemas.openxmlformats.org/presentationml/2006/main" mc:Ignorable="mv" mc:PreserveAttributes="mv:*">
+  <p:cSld>
+    <p:spTree>
+      <p:nvGrpSpPr>
+        <p:cNvPr id="1" name=""/>
+        <p:cNvGrpSpPr/>
+        <p:nvPr/>
+      </p:nvGrpSpPr>
+      <p:grpSpPr>
+        <a:xfrm>
+          <a:off x="0" y="0"/>
+          <a:ext cx="0" cy="0"/>
+          <a:chOff x="0" y="0"/>
+          <a:chExt cx="0" cy="0"/>
+        </a:xfrm>
+      </p:grpSpPr>
+      <p:sp>
+        <p:nvSpPr>
+          <p:cNvPr id="2" name="Title 1"/>
+          <p:cNvSpPr>
+            <a:spLocks noGrp="1"/>
+          </p:cNvSpPr>
+          <p:nvPr>
+            <p:ph type="title"/>
+          </p:nvPr>
+        </p:nvSpPr>
+        <p:spPr>
+          <a:xfrm>
+            <a:off x="457200" y="274636"/>
+            <a:ext cx="7467600" cy="5107745"/>
+          </a:xfrm>
+        </p:spPr>
+        <p:txBody>
+          <a:bodyPr>
+            <a:normAutofit fontScale="90000"/>
+          </a:bodyPr>
+          <a:lstStyle/>
+          <a:p>
+            <a:r>
+              <a:rPr lang="en-US" dirty="0" smtClean="0"/>
+              <a:t>Because we know how to pass functions around, we know how to implement these …</a:t>
+            </a:r>
+            <a:br>
+              <a:rPr lang="en-US" dirty="0" smtClean="0"/>
+            </a:br>
+            <a:r>
+              <a:rPr lang="en-US" dirty="0" smtClean="0"/>
+              <a:t/>
+            </a:r>
+            <a:br>
+              <a:rPr lang="en-US" dirty="0" smtClean="0"/>
+            </a:br>
+            <a:r>
+              <a:rPr lang="en-US" dirty="0" smtClean="0"/>
+              <a:t>… but </a:t>
+            </a:r>
+            <a:r>
+              <a:rPr lang="en-US" dirty="0" smtClean="0"/>
+              <a:t>we’ll </a:t>
+            </a:r>
+            <a:r>
+              <a:rPr lang="en-US" dirty="0" smtClean="0"/>
+              <a:t>probably duplicate</a:t>
+            </a:r>
+            <a:br>
+              <a:rPr lang="en-US" dirty="0" smtClean="0"/>
+            </a:br>
+            <a:r>
+              <a:rPr lang="en-US" dirty="0" smtClean="0"/>
+              <a:t>    code.</a:t>
+            </a:r>
+            <a:r>
+              <a:rPr lang="en-US" smtClean="0"/>
+              <a:t/>
+            </a:r>
+            <a:br>
+              <a:rPr lang="en-US" smtClean="0"/>
+            </a:br>
+            <a:r>
+              <a:rPr lang="en-US" smtClean="0"/>
+              <a:t/>
+            </a:r>
+            <a:br>
+              <a:rPr lang="en-US" smtClean="0"/>
+            </a:br>
+            <a:endParaRPr lang="en-US" dirty="0"/>
+          </a:p>
+        </p:txBody>
+      </p:sp>
+    </p:spTree>
+  </p:cSld>
+  <p:clrMapOvr>
+    <a:masterClrMapping/>
+  </p:clrMapOvr>
+  <p:timing>
+    <p:tnLst>
+      <p:par>
+        <p:cTn id="1" dur="indefinite" restart="never" nodeType="tmRoot"/>
+      </p:par>
+    </p:tnLst>
+  </p:timing>
+</p:sld>
+</file>
+
+<file path=ppt/slides/slide21.xml><?xml version="1.0" encoding="utf-8"?>
+<p:sld xmlns:a="http://schemas.openxmlformats.org/drawingml/2006/main" xmlns:r="http://schemas.openxmlformats.org/officeDocument/2006/relationships" xmlns:mc="http://schemas.openxmlformats.org/markup-compatibility/2006" xmlns:mv="urn:schemas-microsoft-com:mac:vml" xmlns:p="http://schemas.openxmlformats.org/presentationml/2006/main" mc:Ignorable="mv" mc:PreserveAttributes="mv:*">
+  <p:cSld>
+    <p:spTree>
+      <p:nvGrpSpPr>
+        <p:cNvPr id="1" name=""/>
+        <p:cNvGrpSpPr/>
+        <p:nvPr/>
+      </p:nvGrpSpPr>
+      <p:grpSpPr>
+        <a:xfrm>
+          <a:off x="0" y="0"/>
+          <a:ext cx="0" cy="0"/>
+          <a:chOff x="0" y="0"/>
+          <a:chExt cx="0" cy="0"/>
+        </a:xfrm>
+      </p:grpSpPr>
+      <p:sp>
+        <p:nvSpPr>
+          <p:cNvPr id="2" name="Title 1"/>
+          <p:cNvSpPr>
+            <a:spLocks noGrp="1"/>
+          </p:cNvSpPr>
+          <p:nvPr>
+            <p:ph type="title"/>
+          </p:nvPr>
+        </p:nvSpPr>
+        <p:spPr>
+          <a:xfrm>
+            <a:off x="457200" y="274636"/>
+            <a:ext cx="7467600" cy="5107745"/>
+          </a:xfrm>
+        </p:spPr>
+        <p:txBody>
+          <a:bodyPr>
+            <a:normAutofit fontScale="90000"/>
+          </a:bodyPr>
+          <a:lstStyle/>
+          <a:p>
+            <a:r>
+              <a:rPr lang="en-US" dirty="0" smtClean="0"/>
+              <a:t>Because we know how to pass functions around, we know how to implement these …</a:t>
+            </a:r>
+            <a:br>
+              <a:rPr lang="en-US" dirty="0" smtClean="0"/>
+            </a:br>
+            <a:r>
+              <a:rPr lang="en-US" dirty="0" smtClean="0"/>
+              <a:t/>
+            </a:r>
+            <a:br>
+              <a:rPr lang="en-US" dirty="0" smtClean="0"/>
+            </a:br>
+            <a:r>
+              <a:rPr lang="en-US" dirty="0" smtClean="0"/>
+              <a:t>… </a:t>
+            </a:r>
+            <a:r>
+              <a:rPr lang="en-US" smtClean="0"/>
+              <a:t>but </a:t>
+            </a:r>
+            <a:r>
+              <a:rPr lang="en-US" smtClean="0"/>
+              <a:t>we’ll </a:t>
+            </a:r>
+            <a:r>
+              <a:rPr lang="en-US" dirty="0" smtClean="0"/>
+              <a:t>probably duplicate</a:t>
+            </a:r>
+            <a:br>
+              <a:rPr lang="en-US" dirty="0" smtClean="0"/>
+            </a:br>
+            <a:r>
+              <a:rPr lang="en-US" dirty="0" smtClean="0"/>
+              <a:t>    code.</a:t>
+            </a:r>
+            <a:br>
+              <a:rPr lang="en-US" dirty="0" smtClean="0"/>
+            </a:br>
+            <a:r>
+              <a:rPr lang="en-US" dirty="0" smtClean="0"/>
+              <a:t/>
+            </a:r>
+            <a:br>
+              <a:rPr lang="en-US" dirty="0" smtClean="0"/>
+            </a:br>
+            <a:r>
+              <a:rPr lang="en-US" dirty="0" smtClean="0"/>
+              <a:t>Let’s talk about </a:t>
+            </a:r>
+            <a:r>
+              <a:rPr lang="en-US" dirty="0" smtClean="0">
+                <a:solidFill>
+                  <a:srgbClr val="6EA0B0"/>
+                </a:solidFill>
+              </a:rPr>
+              <a:t>folding</a:t>
+            </a:r>
+            <a:r>
+              <a:rPr lang="en-US" dirty="0" smtClean="0"/>
+              <a:t>.</a:t>
+            </a:r>
+            <a:endParaRPr lang="en-US" dirty="0"/>
+          </a:p>
+        </p:txBody>
+      </p:sp>
+    </p:spTree>
+  </p:cSld>
+  <p:clrMapOvr>
+    <a:masterClrMapping/>
+  </p:clrMapOvr>
+  <p:timing>
+    <p:tnLst>
+      <p:par>
+        <p:cTn id="1" dur="indefinite" restart="never" nodeType="tmRoot"/>
+      </p:par>
+    </p:tnLst>
+  </p:timing>
+</p:sld>
+</file>
+
+<file path=ppt/slides/slide22.xml><?xml version="1.0" encoding="utf-8"?>
+<p:sld xmlns:a="http://schemas.openxmlformats.org/drawingml/2006/main" xmlns:r="http://schemas.openxmlformats.org/officeDocument/2006/relationships" xmlns:mc="http://schemas.openxmlformats.org/markup-compatibility/2006" xmlns:mv="urn:schemas-microsoft-com:mac:vml" xmlns:p="http://schemas.openxmlformats.org/presentationml/2006/main" mc:Ignorable="mv" mc:PreserveAttributes="mv:*">
+  <p:cSld>
+    <p:spTree>
+      <p:nvGrpSpPr>
+        <p:cNvPr id="1" name=""/>
+        <p:cNvGrpSpPr/>
+        <p:nvPr/>
+      </p:nvGrpSpPr>
+      <p:grpSpPr>
+        <a:xfrm>
+          <a:off x="0" y="0"/>
+          <a:ext cx="0" cy="0"/>
+          <a:chOff x="0" y="0"/>
+          <a:chExt cx="0" cy="0"/>
+        </a:xfrm>
+      </p:grpSpPr>
+      <p:sp>
+        <p:nvSpPr>
+          <p:cNvPr id="2" name="Title 1"/>
+          <p:cNvSpPr>
+            <a:spLocks noGrp="1"/>
+          </p:cNvSpPr>
+          <p:nvPr>
+            <p:ph type="title"/>
+          </p:nvPr>
+        </p:nvSpPr>
+        <p:spPr/>
+        <p:txBody>
+          <a:bodyPr/>
+          <a:lstStyle/>
+          <a:p>
+            <a:r>
+              <a:rPr lang="en-US" dirty="0" smtClean="0"/>
+              <a:t>In JavaScript:</a:t>
+            </a:r>
+            <a:endParaRPr lang="en-US" dirty="0"/>
+          </a:p>
+        </p:txBody>
+      </p:sp>
+      <p:sp>
+        <p:nvSpPr>
+          <p:cNvPr id="4" name="TextBox 3"/>
+          <p:cNvSpPr txBox="1"/>
+          <p:nvPr/>
+        </p:nvSpPr>
+        <p:spPr>
+          <a:xfrm>
+            <a:off x="457200" y="1862667"/>
+            <a:ext cx="6004932" cy="2785378"/>
+          </a:xfrm>
+          <a:prstGeom prst="rect">
+            <a:avLst/>
+          </a:prstGeom>
+          <a:noFill/>
+        </p:spPr>
+        <p:txBody>
+          <a:bodyPr wrap="none" rtlCol="0">
+            <a:spAutoFit/>
+          </a:bodyPr>
+          <a:lstStyle/>
+          <a:p>
+            <a:r>
+              <a:rPr lang="en-US" sz="2500" dirty="0" smtClean="0"/>
+              <a:t>function </a:t>
+            </a:r>
+            <a:r>
+              <a:rPr lang="en-US" sz="2500" dirty="0" err="1" smtClean="0"/>
+              <a:t>foldr(list</a:t>
+            </a:r>
+            <a:r>
+              <a:rPr lang="en-US" sz="2500" dirty="0" smtClean="0"/>
+              <a:t>,</a:t>
+            </a:r>
+            <a:r>
+              <a:rPr lang="en-US" sz="2500" dirty="0" smtClean="0"/>
+              <a:t> init, </a:t>
+            </a:r>
+            <a:r>
+              <a:rPr lang="en-US" sz="2500" dirty="0" err="1" smtClean="0"/>
+              <a:t>f</a:t>
+            </a:r>
+            <a:r>
+              <a:rPr lang="en-US" sz="2500" dirty="0" smtClean="0"/>
+              <a:t>) {</a:t>
+            </a:r>
+          </a:p>
+          <a:p>
+            <a:r>
+              <a:rPr lang="en-US" sz="2500" dirty="0" smtClean="0"/>
+              <a:t>  </a:t>
+            </a:r>
+            <a:r>
+              <a:rPr lang="en-US" sz="2500" dirty="0" err="1" smtClean="0"/>
+              <a:t>if(list.length</a:t>
+            </a:r>
+            <a:r>
+              <a:rPr lang="en-US" sz="2500" dirty="0" smtClean="0"/>
+              <a:t> == 0)</a:t>
+            </a:r>
+          </a:p>
+          <a:p>
+            <a:r>
+              <a:rPr lang="en-US" sz="2500" dirty="0" smtClean="0"/>
+              <a:t>    return</a:t>
+            </a:r>
+            <a:r>
+              <a:rPr lang="en-US" sz="2500" dirty="0" smtClean="0"/>
+              <a:t> init;</a:t>
+            </a:r>
+            <a:endParaRPr lang="en-US" sz="2500" dirty="0" smtClean="0"/>
+          </a:p>
+          <a:p>
+            <a:r>
+              <a:rPr lang="en-US" sz="2500" dirty="0" smtClean="0"/>
+              <a:t>  else {</a:t>
+            </a:r>
+          </a:p>
+          <a:p>
+            <a:r>
+              <a:rPr lang="en-US" sz="2500" dirty="0" smtClean="0"/>
+              <a:t>    return foldr(list.slice(1), </a:t>
+            </a:r>
+            <a:r>
+              <a:rPr lang="en-US" sz="2500" dirty="0" err="1" smtClean="0"/>
+              <a:t>f</a:t>
+            </a:r>
+            <a:r>
+              <a:rPr lang="en-US" sz="2500" dirty="0" err="1" smtClean="0"/>
+              <a:t>(init</a:t>
+            </a:r>
+            <a:r>
+              <a:rPr lang="en-US" sz="2500" dirty="0" smtClean="0"/>
+              <a:t>, </a:t>
+            </a:r>
+            <a:r>
+              <a:rPr lang="en-US" sz="2500" dirty="0" smtClean="0"/>
+              <a:t>list[0]), </a:t>
+            </a:r>
+            <a:r>
+              <a:rPr lang="en-US" sz="2500" dirty="0" err="1" smtClean="0"/>
+              <a:t>f</a:t>
+            </a:r>
+            <a:r>
+              <a:rPr lang="en-US" sz="2500" dirty="0" smtClean="0"/>
+              <a:t>);</a:t>
+            </a:r>
+          </a:p>
+          <a:p>
+            <a:r>
+              <a:rPr lang="en-US" sz="2500" dirty="0" smtClean="0"/>
+              <a:t>  }</a:t>
+            </a:r>
+          </a:p>
+          <a:p>
+            <a:r>
+              <a:rPr lang="en-US" sz="2500" dirty="0" smtClean="0"/>
+              <a:t>}</a:t>
+            </a:r>
+          </a:p>
+        </p:txBody>
+      </p:sp>
+    </p:spTree>
+  </p:cSld>
+  <p:clrMapOvr>
+    <a:masterClrMapping/>
+  </p:clrMapOvr>
+  <p:timing>
+    <p:tnLst>
+      <p:par>
+        <p:cTn id="1" dur="indefinite" restart="never" nodeType="tmRoot"/>
+      </p:par>
+    </p:tnLst>
+  </p:timing>
+</p:sld>
+</file>
+
+<file path=ppt/slides/slide23.xml><?xml version="1.0" encoding="utf-8"?>
+<p:sld xmlns:a="http://schemas.openxmlformats.org/drawingml/2006/main" xmlns:r="http://schemas.openxmlformats.org/officeDocument/2006/relationships" xmlns:mc="http://schemas.openxmlformats.org/markup-compatibility/2006" xmlns:mv="urn:schemas-microsoft-com:mac:vml" xmlns:p="http://schemas.openxmlformats.org/presentationml/2006/main" mc:Ignorable="mv" mc:PreserveAttributes="mv:*">
+  <p:cSld>
+    <p:spTree>
+      <p:nvGrpSpPr>
+        <p:cNvPr id="1" name=""/>
+        <p:cNvGrpSpPr/>
+        <p:nvPr/>
+      </p:nvGrpSpPr>
+      <p:grpSpPr>
+        <a:xfrm>
+          <a:off x="0" y="0"/>
+          <a:ext cx="0" cy="0"/>
+          <a:chOff x="0" y="0"/>
+          <a:chExt cx="0" cy="0"/>
+        </a:xfrm>
+      </p:grpSpPr>
+      <p:sp>
+        <p:nvSpPr>
+          <p:cNvPr id="2" name="Title 1"/>
+          <p:cNvSpPr>
+            <a:spLocks noGrp="1"/>
+          </p:cNvSpPr>
+          <p:nvPr>
+            <p:ph type="title"/>
+          </p:nvPr>
+        </p:nvSpPr>
+        <p:spPr/>
+        <p:txBody>
+          <a:bodyPr/>
+          <a:lstStyle/>
+          <a:p>
+            <a:r>
+              <a:rPr lang="en-US" dirty="0" smtClean="0"/>
+              <a:t>In </a:t>
+            </a:r>
+            <a:r>
+              <a:rPr lang="en-US" dirty="0" err="1" smtClean="0"/>
+              <a:t>Scala</a:t>
+            </a:r>
+            <a:r>
+              <a:rPr lang="en-US" dirty="0" smtClean="0"/>
+              <a:t>:</a:t>
+            </a:r>
+            <a:endParaRPr lang="en-US" dirty="0"/>
+          </a:p>
+        </p:txBody>
+      </p:sp>
+      <p:sp>
+        <p:nvSpPr>
+          <p:cNvPr id="4" name="TextBox 3"/>
+          <p:cNvSpPr txBox="1"/>
+          <p:nvPr/>
+        </p:nvSpPr>
+        <p:spPr>
+          <a:xfrm>
+            <a:off x="457200" y="1862667"/>
+            <a:ext cx="7463144" cy="2015936"/>
+          </a:xfrm>
+          <a:prstGeom prst="rect">
+            <a:avLst/>
+          </a:prstGeom>
+          <a:noFill/>
+        </p:spPr>
+        <p:txBody>
+          <a:bodyPr wrap="none" rtlCol="0">
+            <a:spAutoFit/>
+          </a:bodyPr>
+          <a:lstStyle/>
+          <a:p>
+            <a:r>
+              <a:rPr lang="en-US" sz="2500" dirty="0" smtClean="0"/>
+              <a:t>def </a:t>
+            </a:r>
+            <a:r>
+              <a:rPr lang="en-US" sz="2500" dirty="0" err="1" smtClean="0"/>
+              <a:t>foldr[A</a:t>
+            </a:r>
+            <a:r>
+              <a:rPr lang="en-US" sz="2500" dirty="0" smtClean="0"/>
+              <a:t>, </a:t>
+            </a:r>
+            <a:r>
+              <a:rPr lang="en-US" sz="2500" dirty="0" err="1" smtClean="0"/>
+              <a:t>B](list</a:t>
+            </a:r>
+            <a:r>
+              <a:rPr lang="en-US" sz="2500" dirty="0" smtClean="0"/>
+              <a:t>: </a:t>
+            </a:r>
+            <a:r>
+              <a:rPr lang="en-US" sz="2500" dirty="0" err="1" smtClean="0"/>
+              <a:t>List[A</a:t>
+            </a:r>
+            <a:r>
+              <a:rPr lang="en-US" sz="2500" dirty="0" smtClean="0"/>
+              <a:t>],</a:t>
+            </a:r>
+            <a:r>
+              <a:rPr lang="en-US" sz="2500" dirty="0" smtClean="0"/>
+              <a:t> init: </a:t>
+            </a:r>
+            <a:r>
+              <a:rPr lang="en-US" sz="2500" dirty="0" smtClean="0"/>
+              <a:t>B, </a:t>
+            </a:r>
+            <a:r>
+              <a:rPr lang="en-US" sz="2500" dirty="0" err="1" smtClean="0"/>
+              <a:t>f</a:t>
+            </a:r>
+            <a:r>
+              <a:rPr lang="en-US" sz="2500" dirty="0" smtClean="0"/>
+              <a:t>: (B, A) =&gt; B): B =</a:t>
+            </a:r>
+          </a:p>
+          <a:p>
+            <a:r>
+              <a:rPr lang="en-US" sz="2500" dirty="0" smtClean="0"/>
+              <a:t>  list match {</a:t>
+            </a:r>
+          </a:p>
+          <a:p>
+            <a:r>
+              <a:rPr lang="en-US" sz="2500" dirty="0" smtClean="0"/>
+              <a:t>    case Nil =&gt;</a:t>
+            </a:r>
+            <a:r>
+              <a:rPr lang="en-US" sz="2500" dirty="0" smtClean="0"/>
+              <a:t> init</a:t>
+            </a:r>
+          </a:p>
+          <a:p>
+            <a:r>
+              <a:rPr lang="en-US" sz="2500" dirty="0" smtClean="0"/>
+              <a:t>    case head :: tail =&gt; </a:t>
+            </a:r>
+            <a:r>
+              <a:rPr lang="en-US" sz="2500" dirty="0" err="1" smtClean="0"/>
+              <a:t>foldr(tail</a:t>
+            </a:r>
+            <a:r>
+              <a:rPr lang="en-US" sz="2500" dirty="0" smtClean="0"/>
+              <a:t>, </a:t>
+            </a:r>
+            <a:r>
+              <a:rPr lang="en-US" sz="2500" dirty="0" err="1" smtClean="0"/>
+              <a:t>f</a:t>
+            </a:r>
+            <a:r>
+              <a:rPr lang="en-US" sz="2500" dirty="0" err="1" smtClean="0"/>
+              <a:t>(init</a:t>
+            </a:r>
+            <a:r>
+              <a:rPr lang="en-US" sz="2500" dirty="0" smtClean="0"/>
+              <a:t>, </a:t>
+            </a:r>
+            <a:r>
+              <a:rPr lang="en-US" sz="2500" dirty="0" smtClean="0"/>
+              <a:t>head), </a:t>
+            </a:r>
+            <a:r>
+              <a:rPr lang="en-US" sz="2500" dirty="0" err="1" smtClean="0"/>
+              <a:t>f</a:t>
+            </a:r>
+            <a:r>
+              <a:rPr lang="en-US" sz="2500" dirty="0" smtClean="0"/>
+              <a:t>)</a:t>
+            </a:r>
+          </a:p>
+          <a:p>
+            <a:r>
+              <a:rPr lang="en-US" sz="2500" dirty="0" smtClean="0"/>
+              <a:t>  }</a:t>
+            </a:r>
+          </a:p>
+        </p:txBody>
+      </p:sp>
+    </p:spTree>
+  </p:cSld>
+  <p:clrMapOvr>
+    <a:masterClrMapping/>
+  </p:clrMapOvr>
+  <p:timing>
+    <p:tnLst>
+      <p:par>
+        <p:cTn id="1" dur="indefinite" restart="never" nodeType="tmRoot"/>
+      </p:par>
+    </p:tnLst>
+  </p:timing>
+</p:sld>
+</file>
+
+<file path=ppt/slides/slide24.xml><?xml version="1.0" encoding="utf-8"?>
+<p:sld xmlns:a="http://schemas.openxmlformats.org/drawingml/2006/main" xmlns:r="http://schemas.openxmlformats.org/officeDocument/2006/relationships" xmlns:mc="http://schemas.openxmlformats.org/markup-compatibility/2006" xmlns:mv="urn:schemas-microsoft-com:mac:vml" xmlns:p="http://schemas.openxmlformats.org/presentationml/2006/main" mc:Ignorable="mv" mc:PreserveAttributes="mv:*">
+  <p:cSld>
+    <p:spTree>
+      <p:nvGrpSpPr>
+        <p:cNvPr id="1" name=""/>
+        <p:cNvGrpSpPr/>
+        <p:nvPr/>
+      </p:nvGrpSpPr>
+      <p:grpSpPr>
+        <a:xfrm>
+          <a:off x="0" y="0"/>
+          <a:ext cx="0" cy="0"/>
+          <a:chOff x="0" y="0"/>
+          <a:chExt cx="0" cy="0"/>
+        </a:xfrm>
+      </p:grpSpPr>
+      <p:sp>
+        <p:nvSpPr>
+          <p:cNvPr id="2" name="Title 1"/>
+          <p:cNvSpPr>
+            <a:spLocks noGrp="1"/>
+          </p:cNvSpPr>
+          <p:nvPr>
+            <p:ph type="title"/>
+          </p:nvPr>
+        </p:nvSpPr>
+        <p:spPr/>
+        <p:txBody>
+          <a:bodyPr>
+            <a:normAutofit fontScale="90000"/>
+          </a:bodyPr>
+          <a:lstStyle/>
+          <a:p>
+            <a:r>
+              <a:rPr lang="en-US" dirty="0" smtClean="0"/>
+              <a:t>Some List Functions That can </a:t>
+            </a:r>
+            <a:r>
+              <a:rPr lang="en-US" dirty="0" smtClean="0"/>
+              <a:t>b</a:t>
+            </a:r>
+            <a:r>
+              <a:rPr lang="en-US" dirty="0" smtClean="0"/>
+              <a:t>e Defined in Terms of Folding</a:t>
+            </a:r>
+            <a:endParaRPr lang="en-US" dirty="0"/>
+          </a:p>
+        </p:txBody>
+      </p:sp>
+      <p:sp>
+        <p:nvSpPr>
+          <p:cNvPr id="3" name="Content Placeholder 2"/>
+          <p:cNvSpPr>
+            <a:spLocks noGrp="1"/>
+          </p:cNvSpPr>
+          <p:nvPr>
+            <p:ph idx="1"/>
+          </p:nvPr>
+        </p:nvSpPr>
+        <p:spPr/>
+        <p:txBody>
+          <a:bodyPr>
+            <a:normAutofit lnSpcReduction="10000"/>
+          </a:bodyPr>
+          <a:lstStyle/>
+          <a:p>
+            <a:pPr>
+              <a:buFont typeface="Wingdings" charset="2"/>
+              <a:buChar char="§"/>
+            </a:pPr>
+            <a:r>
+              <a:rPr lang="en-US" dirty="0" smtClean="0"/>
+              <a:t>s</a:t>
+            </a:r>
+            <a:r>
+              <a:rPr lang="en-US" dirty="0" smtClean="0"/>
+              <a:t>um	= </a:t>
+            </a:r>
+            <a:r>
+              <a:rPr lang="en-US" dirty="0" err="1" smtClean="0"/>
+              <a:t>foldr</a:t>
+            </a:r>
+            <a:r>
+              <a:rPr lang="en-US" dirty="0" smtClean="0"/>
+              <a:t> (+) 0</a:t>
+            </a:r>
+          </a:p>
+          <a:p>
+            <a:pPr>
+              <a:buFont typeface="Wingdings" charset="2"/>
+              <a:buChar char="§"/>
+            </a:pPr>
+            <a:r>
+              <a:rPr lang="en-US" dirty="0" smtClean="0"/>
+              <a:t>product	= </a:t>
+            </a:r>
+            <a:r>
+              <a:rPr lang="en-US" dirty="0" err="1" smtClean="0"/>
+              <a:t>foldr</a:t>
+            </a:r>
+            <a:r>
+              <a:rPr lang="en-US" dirty="0" smtClean="0"/>
+              <a:t> (*) 1</a:t>
+            </a:r>
+          </a:p>
+          <a:p>
+            <a:pPr>
+              <a:buFont typeface="Wingdings" charset="2"/>
+              <a:buChar char="§"/>
+            </a:pPr>
+            <a:r>
+              <a:rPr lang="en-US" dirty="0" err="1" smtClean="0"/>
+              <a:t>a</a:t>
+            </a:r>
+            <a:r>
+              <a:rPr lang="en-US" dirty="0" err="1" smtClean="0"/>
+              <a:t>nytrue</a:t>
+            </a:r>
+            <a:r>
+              <a:rPr lang="en-US" dirty="0" smtClean="0"/>
+              <a:t>	= </a:t>
+            </a:r>
+            <a:r>
+              <a:rPr lang="en-US" dirty="0" err="1" smtClean="0"/>
+              <a:t>foldr</a:t>
+            </a:r>
+            <a:r>
+              <a:rPr lang="en-US" dirty="0" smtClean="0"/>
+              <a:t> (∨) false</a:t>
+            </a:r>
+          </a:p>
+          <a:p>
+            <a:pPr>
+              <a:buFont typeface="Wingdings" charset="2"/>
+              <a:buChar char="§"/>
+            </a:pPr>
+            <a:r>
+              <a:rPr lang="en-US" dirty="0" err="1" smtClean="0"/>
+              <a:t>alltrue</a:t>
+            </a:r>
+            <a:r>
+              <a:rPr lang="en-US" dirty="0" smtClean="0"/>
+              <a:t>	= </a:t>
+            </a:r>
+            <a:r>
+              <a:rPr lang="en-US" dirty="0" err="1" smtClean="0"/>
+              <a:t>foldr</a:t>
+            </a:r>
+            <a:r>
+              <a:rPr lang="en-US" dirty="0" smtClean="0"/>
+              <a:t> (</a:t>
+            </a:r>
+            <a:r>
+              <a:rPr lang="en-US" dirty="0" smtClean="0"/>
+              <a:t>∧</a:t>
+            </a:r>
+            <a:r>
+              <a:rPr lang="en-US" dirty="0" smtClean="0"/>
+              <a:t>) true</a:t>
+            </a:r>
+          </a:p>
+          <a:p>
+            <a:pPr>
+              <a:buFont typeface="Wingdings" charset="2"/>
+              <a:buChar char="§"/>
+            </a:pPr>
+            <a:r>
+              <a:rPr lang="en-US" dirty="0" smtClean="0"/>
+              <a:t>map	= </a:t>
+            </a:r>
+            <a:r>
+              <a:rPr lang="en-US" dirty="0" err="1" smtClean="0"/>
+              <a:t>foldr</a:t>
+            </a:r>
+            <a:r>
+              <a:rPr lang="en-US" dirty="0" smtClean="0"/>
+              <a:t> (cons </a:t>
+            </a:r>
+            <a:r>
+              <a:rPr lang="en-US" dirty="0" smtClean="0"/>
+              <a:t>.</a:t>
+            </a:r>
+            <a:r>
+              <a:rPr lang="en-US" dirty="0" smtClean="0"/>
+              <a:t> </a:t>
+            </a:r>
+            <a:r>
+              <a:rPr lang="en-US" dirty="0" err="1" smtClean="0"/>
+              <a:t>f</a:t>
+            </a:r>
+            <a:r>
+              <a:rPr lang="en-US" dirty="0" smtClean="0"/>
+              <a:t>) []</a:t>
+            </a:r>
+          </a:p>
+          <a:p>
+            <a:pPr>
+              <a:buFont typeface="Wingdings" charset="2"/>
+              <a:buChar char="§"/>
+            </a:pPr>
+            <a:endParaRPr lang="en-US" dirty="0" smtClean="0"/>
+          </a:p>
+          <a:p>
+            <a:pPr>
+              <a:buFont typeface="Wingdings" charset="2"/>
+              <a:buChar char="§"/>
+            </a:pPr>
+            <a:r>
+              <a:rPr lang="en-US" dirty="0" smtClean="0"/>
+              <a:t>By </a:t>
+            </a:r>
+            <a:r>
+              <a:rPr lang="en-US" dirty="0" smtClean="0">
+                <a:solidFill>
+                  <a:srgbClr val="6EA0B0"/>
+                </a:solidFill>
+              </a:rPr>
+              <a:t>partially applying </a:t>
+            </a:r>
+            <a:r>
+              <a:rPr lang="en-US" dirty="0" smtClean="0"/>
+              <a:t>folds, we can define new list functions with very little programming!</a:t>
+            </a:r>
+          </a:p>
+        </p:txBody>
+      </p:sp>
+    </p:spTree>
+  </p:cSld>
+  <p:clrMapOvr>
+    <a:masterClrMapping/>
+  </p:clrMapOvr>
+</p:sld>
+</file>
+
+<file path=ppt/slides/slide25.xml><?xml version="1.0" encoding="utf-8"?>
+<p:sld xmlns:a="http://schemas.openxmlformats.org/drawingml/2006/main" xmlns:r="http://schemas.openxmlformats.org/officeDocument/2006/relationships" xmlns:mc="http://schemas.openxmlformats.org/markup-compatibility/2006" xmlns:mv="urn:schemas-microsoft-com:mac:vml" xmlns:p="http://schemas.openxmlformats.org/presentationml/2006/main" mc:Ignorable="mv" mc:PreserveAttributes="mv:*">
+  <p:cSld>
+    <p:spTree>
+      <p:nvGrpSpPr>
+        <p:cNvPr id="1" name=""/>
+        <p:cNvGrpSpPr/>
+        <p:nvPr/>
+      </p:nvGrpSpPr>
+      <p:grpSpPr>
+        <a:xfrm>
+          <a:off x="0" y="0"/>
+          <a:ext cx="0" cy="0"/>
+          <a:chOff x="0" y="0"/>
+          <a:chExt cx="0" cy="0"/>
+        </a:xfrm>
+      </p:grpSpPr>
+      <p:sp>
+        <p:nvSpPr>
+          <p:cNvPr id="2" name="Title 1"/>
+          <p:cNvSpPr>
+            <a:spLocks noGrp="1"/>
+          </p:cNvSpPr>
+          <p:nvPr>
+            <p:ph type="title"/>
+          </p:nvPr>
+        </p:nvSpPr>
+        <p:spPr/>
+        <p:txBody>
+          <a:bodyPr/>
+          <a:lstStyle/>
+          <a:p>
+            <a:r>
+              <a:rPr lang="en-US" dirty="0" smtClean="0"/>
+              <a:t>Real-World Examples</a:t>
+            </a:r>
+            <a:endParaRPr lang="en-US" dirty="0"/>
+          </a:p>
+        </p:txBody>
+      </p:sp>
+      <p:sp>
+        <p:nvSpPr>
+          <p:cNvPr id="3" name="Content Placeholder 2"/>
+          <p:cNvSpPr>
+            <a:spLocks noGrp="1"/>
+          </p:cNvSpPr>
+          <p:nvPr>
+            <p:ph idx="1"/>
+          </p:nvPr>
+        </p:nvSpPr>
+        <p:spPr/>
+        <p:txBody>
+          <a:bodyPr/>
+          <a:lstStyle/>
+          <a:p>
+            <a:pPr>
+              <a:buFont typeface="Wingdings" charset="2"/>
+              <a:buChar char="§"/>
+            </a:pPr>
+            <a:r>
+              <a:rPr lang="en-US" dirty="0" smtClean="0"/>
+              <a:t>Strategy pattern. </a:t>
+            </a:r>
+            <a:r>
+              <a:rPr lang="en-US" dirty="0" smtClean="0"/>
+              <a:t>H</a:t>
+            </a:r>
+            <a:r>
+              <a:rPr lang="en-US" dirty="0" smtClean="0"/>
+              <a:t>igher-order functions supplant the need for extra code.</a:t>
+            </a:r>
+          </a:p>
+          <a:p>
+            <a:pPr>
+              <a:buFont typeface="Wingdings" charset="2"/>
+              <a:buChar char="§"/>
+            </a:pPr>
+            <a:r>
+              <a:rPr lang="en-US" dirty="0" smtClean="0"/>
+              <a:t>“loan” pattern.</a:t>
+            </a:r>
+          </a:p>
+          <a:p>
+            <a:pPr>
+              <a:buFont typeface="Wingdings" charset="2"/>
+              <a:buChar char="§"/>
+            </a:pPr>
+            <a:r>
+              <a:rPr lang="en-US" dirty="0" smtClean="0"/>
+              <a:t>Event handling in the Lift framework.</a:t>
+            </a:r>
+          </a:p>
+          <a:p>
+            <a:pPr>
+              <a:buFont typeface="Wingdings" charset="2"/>
+              <a:buChar char="§"/>
+            </a:pPr>
+            <a:r>
+              <a:rPr lang="en-US" dirty="0" smtClean="0"/>
+              <a:t>List tasks (partitioning, filtering, transforming).</a:t>
+            </a:r>
+          </a:p>
+        </p:txBody>
+      </p:sp>
+    </p:spTree>
+  </p:cSld>
+  <p:clrMapOvr>
+    <a:masterClrMapping/>
+  </p:clrMapOvr>
+</p:sld>
+</file>
+
+<file path=ppt/slides/slide26.xml><?xml version="1.0" encoding="utf-8"?>
+<p:sld xmlns:a="http://schemas.openxmlformats.org/drawingml/2006/main" xmlns:r="http://schemas.openxmlformats.org/officeDocument/2006/relationships" xmlns:mc="http://schemas.openxmlformats.org/markup-compatibility/2006" xmlns:mv="urn:schemas-microsoft-com:mac:vml" xmlns:p="http://schemas.openxmlformats.org/presentationml/2006/main" mc:Ignorable="mv" mc:PreserveAttributes="mv:*">
+  <p:cSld>
+    <p:spTree>
+      <p:nvGrpSpPr>
+        <p:cNvPr id="1" name=""/>
+        <p:cNvGrpSpPr/>
+        <p:nvPr/>
+      </p:nvGrpSpPr>
+      <p:grpSpPr>
+        <a:xfrm>
+          <a:off x="0" y="0"/>
+          <a:ext cx="0" cy="0"/>
+          <a:chOff x="0" y="0"/>
+          <a:chExt cx="0" cy="0"/>
+        </a:xfrm>
+      </p:grpSpPr>
+      <p:sp>
+        <p:nvSpPr>
+          <p:cNvPr id="2" name="Title 1"/>
+          <p:cNvSpPr>
+            <a:spLocks noGrp="1"/>
+          </p:cNvSpPr>
+          <p:nvPr>
+            <p:ph type="title"/>
+          </p:nvPr>
+        </p:nvSpPr>
+        <p:spPr/>
+        <p:txBody>
+          <a:bodyPr/>
+          <a:lstStyle/>
+          <a:p>
+            <a:r>
+              <a:rPr lang="en-US" dirty="0" smtClean="0"/>
+              <a:t>What we Didn’t Cover</a:t>
+            </a:r>
+            <a:endParaRPr lang="en-US" dirty="0"/>
+          </a:p>
+        </p:txBody>
+      </p:sp>
+      <p:sp>
+        <p:nvSpPr>
+          <p:cNvPr id="3" name="Content Placeholder 2"/>
+          <p:cNvSpPr>
+            <a:spLocks noGrp="1"/>
+          </p:cNvSpPr>
+          <p:nvPr>
+            <p:ph idx="1"/>
+          </p:nvPr>
+        </p:nvSpPr>
+        <p:spPr/>
+        <p:txBody>
+          <a:bodyPr/>
+          <a:lstStyle/>
+          <a:p>
+            <a:pPr>
+              <a:buFont typeface="Wingdings" charset="2"/>
+              <a:buChar char="§"/>
+            </a:pPr>
+            <a:r>
+              <a:rPr lang="en-US" dirty="0" smtClean="0"/>
+              <a:t>Currying</a:t>
+            </a:r>
+          </a:p>
+          <a:p>
+            <a:pPr>
+              <a:buFont typeface="Wingdings" charset="2"/>
+              <a:buChar char="§"/>
+            </a:pPr>
+            <a:r>
+              <a:rPr lang="en-US" dirty="0" smtClean="0"/>
+              <a:t>Pattern matching</a:t>
+            </a:r>
+          </a:p>
+          <a:p>
+            <a:pPr>
+              <a:buFont typeface="Wingdings" charset="2"/>
+              <a:buChar char="§"/>
+            </a:pPr>
+            <a:r>
+              <a:rPr lang="en-US" dirty="0" smtClean="0"/>
+              <a:t>Type inference, higher-</a:t>
+            </a:r>
+            <a:r>
+              <a:rPr lang="en-US" dirty="0" err="1" smtClean="0"/>
+              <a:t>kinded</a:t>
+            </a:r>
+            <a:r>
+              <a:rPr lang="en-US" dirty="0" smtClean="0"/>
+              <a:t> types, and general type systems</a:t>
+            </a:r>
+          </a:p>
+          <a:p>
+            <a:pPr>
+              <a:buFont typeface="Wingdings" charset="2"/>
+              <a:buChar char="§"/>
+            </a:pPr>
+            <a:r>
+              <a:rPr lang="en-US" dirty="0" smtClean="0"/>
+              <a:t>Partial function application</a:t>
+            </a:r>
+          </a:p>
+          <a:p>
+            <a:pPr>
+              <a:buFont typeface="Wingdings" charset="2"/>
+              <a:buChar char="§"/>
+            </a:pPr>
+            <a:r>
+              <a:rPr lang="en-US" dirty="0" smtClean="0"/>
+              <a:t>Lazy evaluation</a:t>
+            </a:r>
+          </a:p>
+          <a:p>
+            <a:pPr>
+              <a:buFont typeface="Wingdings" charset="2"/>
+              <a:buChar char="§"/>
+            </a:pPr>
+            <a:r>
+              <a:rPr lang="en-US" dirty="0" smtClean="0"/>
+              <a:t>MORE!</a:t>
+            </a:r>
+          </a:p>
+        </p:txBody>
+      </p:sp>
+    </p:spTree>
+  </p:cSld>
+  <p:clrMapOvr>
+    <a:masterClrMapping/>
+  </p:clrMapOvr>
+</p:sld>
+</file>
+
+<file path=ppt/slides/slide27.xml><?xml version="1.0" encoding="utf-8"?>
+<p:sld xmlns:a="http://schemas.openxmlformats.org/drawingml/2006/main" xmlns:r="http://schemas.openxmlformats.org/officeDocument/2006/relationships" xmlns:mc="http://schemas.openxmlformats.org/markup-compatibility/2006" xmlns:mv="urn:schemas-microsoft-com:mac:vml" xmlns:p="http://schemas.openxmlformats.org/presentationml/2006/main" mc:Ignorable="mv" mc:PreserveAttributes="mv:*">
+  <p:cSld>
+    <p:spTree>
+      <p:nvGrpSpPr>
+        <p:cNvPr id="1" name=""/>
+        <p:cNvGrpSpPr/>
+        <p:nvPr/>
+      </p:nvGrpSpPr>
+      <p:grpSpPr>
+        <a:xfrm>
+          <a:off x="0" y="0"/>
+          <a:ext cx="0" cy="0"/>
+          <a:chOff x="0" y="0"/>
+          <a:chExt cx="0" cy="0"/>
+        </a:xfrm>
+      </p:grpSpPr>
+      <p:sp>
+        <p:nvSpPr>
+          <p:cNvPr id="2" name="Title 1"/>
+          <p:cNvSpPr>
+            <a:spLocks noGrp="1"/>
+          </p:cNvSpPr>
+          <p:nvPr>
+            <p:ph type="title"/>
+          </p:nvPr>
+        </p:nvSpPr>
+        <p:spPr/>
+        <p:txBody>
+          <a:bodyPr/>
+          <a:lstStyle/>
+          <a:p>
+            <a:pPr algn="ctr"/>
+            <a:r>
+              <a:rPr lang="en-US" dirty="0" smtClean="0"/>
+              <a:t>Questions?</a:t>
+            </a:r>
+            <a:endParaRPr lang="en-US" dirty="0"/>
+          </a:p>
+        </p:txBody>
+      </p:sp>
+      <p:sp>
+        <p:nvSpPr>
+          <p:cNvPr id="3" name="Content Placeholder 2"/>
+          <p:cNvSpPr>
+            <a:spLocks noGrp="1"/>
+          </p:cNvSpPr>
+          <p:nvPr>
+            <p:ph idx="1"/>
+          </p:nvPr>
+        </p:nvSpPr>
+        <p:spPr>
+          <a:xfrm>
+            <a:off x="457199" y="1600200"/>
+            <a:ext cx="8106937" cy="4525963"/>
+          </a:xfrm>
+        </p:spPr>
+        <p:txBody>
+          <a:bodyPr/>
+          <a:lstStyle/>
+          <a:p>
+            <a:pPr>
+              <a:buNone/>
+            </a:pPr>
+            <a:r>
+              <a:rPr lang="en-US" dirty="0" smtClean="0"/>
+              <a:t>Sample code available at</a:t>
+            </a:r>
+            <a:r>
+              <a:rPr lang="en-US" dirty="0" smtClean="0">
+                <a:solidFill>
+                  <a:schemeClr val="accent1">
+                    <a:lumMod val="60000"/>
+                    <a:lumOff val="40000"/>
+                  </a:schemeClr>
+                </a:solidFill>
+              </a:rPr>
+              <a:t> </a:t>
+            </a:r>
+            <a:br>
+              <a:rPr lang="en-US" dirty="0" smtClean="0">
+                <a:solidFill>
+                  <a:schemeClr val="accent1">
+                    <a:lumMod val="60000"/>
+                    <a:lumOff val="40000"/>
+                  </a:schemeClr>
+                </a:solidFill>
+              </a:rPr>
+            </a:br>
+            <a:r>
+              <a:rPr lang="en-US" sz="2000" dirty="0" smtClean="0">
+                <a:solidFill>
+                  <a:schemeClr val="accent1">
+                    <a:lumMod val="60000"/>
+                    <a:lumOff val="40000"/>
+                  </a:schemeClr>
+                </a:solidFill>
+              </a:rPr>
+              <a:t>http</a:t>
+            </a:r>
+            <a:r>
+              <a:rPr lang="en-US" sz="2000" dirty="0" smtClean="0">
+                <a:solidFill>
+                  <a:schemeClr val="accent1">
+                    <a:lumMod val="60000"/>
+                    <a:lumOff val="40000"/>
+                  </a:schemeClr>
+                </a:solidFill>
+              </a:rPr>
+              <a:t>://github.com/</a:t>
+            </a:r>
+            <a:r>
+              <a:rPr lang="en-US" sz="2000" dirty="0" smtClean="0">
+                <a:solidFill>
+                  <a:schemeClr val="accent1">
+                    <a:lumMod val="60000"/>
+                    <a:lumOff val="40000"/>
+                  </a:schemeClr>
+                </a:solidFill>
+              </a:rPr>
+              <a:t>chrislewis/JaxFunc_0_ImperativelyFunctional</a:t>
+            </a:r>
+            <a:endParaRPr lang="en-US" sz="2000" dirty="0" smtClean="0">
+              <a:solidFill>
+                <a:schemeClr val="accent1">
+                  <a:lumMod val="60000"/>
+                  <a:lumOff val="40000"/>
+                </a:schemeClr>
+              </a:solidFill>
+            </a:endParaRPr>
+          </a:p>
+          <a:p>
+            <a:endParaRPr lang="en-US" dirty="0"/>
+          </a:p>
+        </p:txBody>
+      </p:sp>
+    </p:spTree>
+  </p:cSld>
+  <p:clrMapOvr>
+    <a:masterClrMapping/>
+  </p:clrMapOvr>
+</p:sld>
+</file>
+
+<file path=ppt/slides/slide28.xml><?xml version="1.0" encoding="utf-8"?>
+<p:sld xmlns:a="http://schemas.openxmlformats.org/drawingml/2006/main" xmlns:r="http://schemas.openxmlformats.org/officeDocument/2006/relationships" xmlns:mc="http://schemas.openxmlformats.org/markup-compatibility/2006" xmlns:mv="urn:schemas-microsoft-com:mac:vml" xmlns:p="http://schemas.openxmlformats.org/presentationml/2006/main" mc:Ignorable="mv" mc:PreserveAttributes="mv:*">
+  <p:cSld>
+    <p:spTree>
+      <p:nvGrpSpPr>
+        <p:cNvPr id="1" name=""/>
+        <p:cNvGrpSpPr/>
+        <p:nvPr/>
+      </p:nvGrpSpPr>
+      <p:grpSpPr>
+        <a:xfrm>
+          <a:off x="0" y="0"/>
+          <a:ext cx="0" cy="0"/>
+          <a:chOff x="0" y="0"/>
+          <a:chExt cx="0" cy="0"/>
+        </a:xfrm>
+      </p:grpSpPr>
+      <p:sp>
+        <p:nvSpPr>
+          <p:cNvPr id="3" name="TextBox 2"/>
+          <p:cNvSpPr txBox="1"/>
+          <p:nvPr/>
+        </p:nvSpPr>
+        <p:spPr>
+          <a:xfrm>
+            <a:off x="1745079" y="2514061"/>
+            <a:ext cx="5738370" cy="1384995"/>
+          </a:xfrm>
+          <a:prstGeom prst="rect">
+            <a:avLst/>
+          </a:prstGeom>
+          <a:noFill/>
+        </p:spPr>
+        <p:txBody>
+          <a:bodyPr wrap="none" rtlCol="0">
+            <a:spAutoFit/>
+          </a:bodyPr>
+          <a:lstStyle/>
+          <a:p>
+            <a:r>
+              <a:rPr lang="en-US" sz="2800" dirty="0" err="1"/>
+              <a:t>c</a:t>
+            </a:r>
+            <a:r>
+              <a:rPr lang="en-US" sz="2800" dirty="0" err="1" smtClean="0"/>
+              <a:t>hris</a:t>
+            </a:r>
+            <a:r>
+              <a:rPr lang="en-US" sz="2800" dirty="0" smtClean="0"/>
+              <a:t> </a:t>
+            </a:r>
+            <a:r>
+              <a:rPr lang="en-US" sz="2800" dirty="0" err="1" smtClean="0"/>
+              <a:t>lewis</a:t>
+            </a:r>
+            <a:r>
+              <a:rPr lang="en-US" sz="2800" dirty="0" smtClean="0"/>
+              <a:t> / </a:t>
+            </a:r>
+            <a:r>
+              <a:rPr lang="en-US" sz="2800" dirty="0" err="1" smtClean="0">
+                <a:solidFill>
+                  <a:schemeClr val="accent1">
+                    <a:lumMod val="60000"/>
+                    <a:lumOff val="40000"/>
+                  </a:schemeClr>
+                </a:solidFill>
+              </a:rPr>
+              <a:t>chris@thegodcode.net</a:t>
+            </a:r>
+            <a:endParaRPr lang="en-US" sz="2800" dirty="0" smtClean="0">
+              <a:solidFill>
+                <a:schemeClr val="accent1">
+                  <a:lumMod val="60000"/>
+                  <a:lumOff val="40000"/>
+                </a:schemeClr>
+              </a:solidFill>
+            </a:endParaRPr>
+          </a:p>
+          <a:p>
+            <a:r>
+              <a:rPr lang="en-US" sz="2800" dirty="0" smtClean="0">
+                <a:solidFill>
+                  <a:schemeClr val="accent1">
+                    <a:lumMod val="60000"/>
+                    <a:lumOff val="40000"/>
+                  </a:schemeClr>
+                </a:solidFill>
+              </a:rPr>
+              <a:t>http://twitter.com/burningodzilla</a:t>
+            </a:r>
+            <a:endParaRPr lang="en-US" sz="2800" dirty="0">
+              <a:solidFill>
+                <a:schemeClr val="accent1">
+                  <a:lumMod val="60000"/>
+                  <a:lumOff val="40000"/>
+                </a:schemeClr>
+              </a:solidFill>
+            </a:endParaRPr>
+          </a:p>
+          <a:p>
+            <a:r>
+              <a:rPr lang="en-US" sz="2800" dirty="0" smtClean="0">
+                <a:solidFill>
+                  <a:schemeClr val="accent1">
+                    <a:lumMod val="60000"/>
+                    <a:lumOff val="40000"/>
+                  </a:schemeClr>
+                </a:solidFill>
+              </a:rPr>
+              <a:t>http://github.com/chrislewis/</a:t>
+            </a:r>
+          </a:p>
+        </p:txBody>
+      </p:sp>
+      <p:sp>
+        <p:nvSpPr>
+          <p:cNvPr id="4" name="Title 1"/>
+          <p:cNvSpPr txBox="1">
+            <a:spLocks/>
+          </p:cNvSpPr>
+          <p:nvPr/>
+        </p:nvSpPr>
+        <p:spPr>
+          <a:xfrm>
+            <a:off x="3170444" y="782176"/>
+            <a:ext cx="3090200" cy="1143000"/>
+          </a:xfrm>
+          <a:prstGeom prst="rect">
+            <a:avLst/>
+          </a:prstGeom>
+        </p:spPr>
+        <p:txBody>
+          <a:bodyPr vert="horz" lIns="45720" rIns="45720" anchor="ctr">
+            <a:normAutofit/>
+          </a:bodyPr>
+          <a:lstStyle/>
+          <a:p>
+            <a:pPr marL="0" marR="0" lvl="0" indent="0" algn="l" defTabSz="914400" rtl="0" eaLnBrk="1" fontAlgn="auto" latinLnBrk="0" hangingPunct="1">
+              <a:lnSpc>
+                <a:spcPct val="100000"/>
+              </a:lnSpc>
+              <a:spcBef>
+                <a:spcPct val="0"/>
+              </a:spcBef>
+              <a:spcAft>
+                <a:spcPts val="0"/>
+              </a:spcAft>
+              <a:buClrTx/>
+              <a:buSzTx/>
+              <a:buFontTx/>
+              <a:buNone/>
+              <a:tabLst/>
+              <a:defRPr/>
+            </a:pPr>
+            <a:r>
+              <a:rPr kumimoji="0" lang="en-US" sz="4600" b="0" i="0" u="none" strike="noStrike" kern="1200" cap="none" spc="0" normalizeH="0" baseline="0" noProof="0" dirty="0" smtClean="0">
+                <a:ln>
+                  <a:noFill/>
+                </a:ln>
+                <a:solidFill>
+                  <a:schemeClr val="tx1"/>
+                </a:solidFill>
+                <a:effectLst/>
+                <a:uLnTx/>
+                <a:uFillTx/>
+                <a:latin typeface="+mj-lt"/>
+                <a:ea typeface="+mj-ea"/>
+                <a:cs typeface="+mj-cs"/>
+              </a:rPr>
+              <a:t>Thanks!</a:t>
+            </a:r>
+            <a:endParaRPr kumimoji="0" lang="en-US" sz="4600" b="0" i="0" u="none" strike="noStrike" kern="1200" cap="none" spc="0" normalizeH="0" baseline="0" noProof="0" dirty="0">
+              <a:ln>
+                <a:noFill/>
+              </a:ln>
+              <a:solidFill>
+                <a:schemeClr val="tx1"/>
+              </a:solidFill>
+              <a:effectLst/>
+              <a:uLnTx/>
+              <a:uFillTx/>
+              <a:latin typeface="+mj-lt"/>
+              <a:ea typeface="+mj-ea"/>
+              <a:cs typeface="+mj-cs"/>
+            </a:endParaRPr>
           </a:p>
         </p:txBody>
       </p:sp>
@@ -5783,7 +7778,6 @@
               <a:rPr lang="en-US" dirty="0" smtClean="0"/>
               <a:t>.</a:t>
             </a:r>
-            <a:endParaRPr lang="en-US" dirty="0" smtClean="0"/>
           </a:p>
         </p:txBody>
       </p:sp>
@@ -6598,19 +8592,7 @@
             </a:pPr>
             <a:r>
               <a:rPr lang="en-US" dirty="0" smtClean="0"/>
-              <a:t>A</a:t>
-            </a:r>
-            <a:r>
-              <a:rPr lang="en-US" dirty="0" smtClean="0"/>
-              <a:t> closure is a function whose </a:t>
-            </a:r>
-            <a:r>
-              <a:rPr lang="en-US" dirty="0" smtClean="0"/>
-              <a:t>definition “closes” over free variables</a:t>
-            </a:r>
-            <a:r>
-              <a:rPr lang="en-US" dirty="0" smtClean="0"/>
-              <a:t>.</a:t>
+              <a:t>A closure is a function whose definition “closes” over free variables.</a:t>
             </a:r>
           </a:p>
           <a:p>
@@ -6620,15 +8602,7 @@
             </a:pPr>
             <a:r>
               <a:rPr lang="en-US" dirty="0" smtClean="0"/>
-              <a:t>A lambda expression that doesn’t close over free variables isn’t a closure, </a:t>
-            </a:r>
-            <a:r>
-              <a:rPr lang="en-US" dirty="0" smtClean="0"/>
-              <a:t>strictly speaking</a:t>
-            </a:r>
-            <a:r>
-              <a:rPr lang="en-US" dirty="0" smtClean="0"/>
-              <a:t>.</a:t>
+              <a:t>A lambda expression that doesn’t close over free variables isn’t a closure, strictly speaking.</a:t>
             </a:r>
           </a:p>
           <a:p>

--- a/JaxFunc.pptx
+++ b/JaxFunc.pptx
@@ -514,7 +514,7 @@
             <a:fld id="{B5FBB243-1215-0146-8C14-45727866649E}" type="datetimeFigureOut">
               <a:rPr lang="en-US" smtClean="0"/>
               <a:pPr/>
-              <a:t>6/13/10</a:t>
+              <a:t>6/14/10</a:t>
             </a:fld>
             <a:endParaRPr lang="en-US"/>
           </a:p>
@@ -681,7 +681,7 @@
             <a:fld id="{B5FBB243-1215-0146-8C14-45727866649E}" type="datetimeFigureOut">
               <a:rPr lang="en-US" smtClean="0"/>
               <a:pPr/>
-              <a:t>6/13/10</a:t>
+              <a:t>6/14/10</a:t>
             </a:fld>
             <a:endParaRPr lang="en-US"/>
           </a:p>
@@ -858,7 +858,7 @@
             <a:fld id="{B5FBB243-1215-0146-8C14-45727866649E}" type="datetimeFigureOut">
               <a:rPr lang="en-US" smtClean="0"/>
               <a:pPr/>
-              <a:t>6/13/10</a:t>
+              <a:t>6/14/10</a:t>
             </a:fld>
             <a:endParaRPr lang="en-US"/>
           </a:p>
@@ -1029,7 +1029,7 @@
             <a:fld id="{B5FBB243-1215-0146-8C14-45727866649E}" type="datetimeFigureOut">
               <a:rPr lang="en-US" smtClean="0"/>
               <a:pPr/>
-              <a:t>6/13/10</a:t>
+              <a:t>6/14/10</a:t>
             </a:fld>
             <a:endParaRPr lang="en-US"/>
           </a:p>
@@ -1481,7 +1481,7 @@
             <a:fld id="{B5FBB243-1215-0146-8C14-45727866649E}" type="datetimeFigureOut">
               <a:rPr lang="en-US" smtClean="0"/>
               <a:pPr/>
-              <a:t>6/13/10</a:t>
+              <a:t>6/14/10</a:t>
             </a:fld>
             <a:endParaRPr lang="en-US"/>
           </a:p>
@@ -1747,7 +1747,7 @@
             <a:fld id="{B5FBB243-1215-0146-8C14-45727866649E}" type="datetimeFigureOut">
               <a:rPr lang="en-US" smtClean="0"/>
               <a:pPr/>
-              <a:t>6/13/10</a:t>
+              <a:t>6/14/10</a:t>
             </a:fld>
             <a:endParaRPr lang="en-US"/>
           </a:p>
@@ -2123,7 +2123,7 @@
             <a:fld id="{B5FBB243-1215-0146-8C14-45727866649E}" type="datetimeFigureOut">
               <a:rPr lang="en-US" smtClean="0"/>
               <a:pPr/>
-              <a:t>6/13/10</a:t>
+              <a:t>6/14/10</a:t>
             </a:fld>
             <a:endParaRPr lang="en-US"/>
           </a:p>
@@ -2247,7 +2247,7 @@
             <a:fld id="{B5FBB243-1215-0146-8C14-45727866649E}" type="datetimeFigureOut">
               <a:rPr lang="en-US" smtClean="0"/>
               <a:pPr/>
-              <a:t>6/13/10</a:t>
+              <a:t>6/14/10</a:t>
             </a:fld>
             <a:endParaRPr lang="en-US"/>
           </a:p>
@@ -2339,7 +2339,7 @@
             <a:fld id="{B5FBB243-1215-0146-8C14-45727866649E}" type="datetimeFigureOut">
               <a:rPr lang="en-US" smtClean="0"/>
               <a:pPr/>
-              <a:t>6/13/10</a:t>
+              <a:t>6/14/10</a:t>
             </a:fld>
             <a:endParaRPr lang="en-US"/>
           </a:p>
@@ -2590,7 +2590,7 @@
             <a:fld id="{B5FBB243-1215-0146-8C14-45727866649E}" type="datetimeFigureOut">
               <a:rPr lang="en-US" smtClean="0"/>
               <a:pPr/>
-              <a:t>6/13/10</a:t>
+              <a:t>6/14/10</a:t>
             </a:fld>
             <a:endParaRPr lang="en-US"/>
           </a:p>
@@ -2851,7 +2851,7 @@
             <a:fld id="{B5FBB243-1215-0146-8C14-45727866649E}" type="datetimeFigureOut">
               <a:rPr lang="en-US" smtClean="0"/>
               <a:pPr/>
-              <a:t>6/13/10</a:t>
+              <a:t>6/14/10</a:t>
             </a:fld>
             <a:endParaRPr lang="en-US"/>
           </a:p>
@@ -3257,7 +3257,7 @@
             <a:fld id="{B5FBB243-1215-0146-8C14-45727866649E}" type="datetimeFigureOut">
               <a:rPr lang="en-US" smtClean="0"/>
               <a:pPr/>
-              <a:t>6/13/10</a:t>
+              <a:t>6/14/10</a:t>
             </a:fld>
             <a:endParaRPr lang="en-US"/>
           </a:p>
@@ -4045,11 +4045,7 @@
             <a:pPr algn="ctr"/>
             <a:r>
               <a:rPr lang="en-US" dirty="0" smtClean="0"/>
-              <a:t>Function </a:t>
-            </a:r>
-            <a:r>
-              <a:rPr lang="en-US" dirty="0" smtClean="0"/>
-              <a:t>Composition</a:t>
+              <a:t>Function Composition</a:t>
             </a:r>
             <a:endParaRPr lang="en-US" dirty="0"/>
           </a:p>
@@ -4176,11 +4172,7 @@
             </a:r>
             <a:r>
               <a:rPr lang="en-US" i="1" dirty="0" smtClean="0"/>
-              <a:t>This painting has an orderly	</a:t>
-            </a:r>
-            <a:r>
-              <a:rPr lang="en-US" i="1" dirty="0" smtClean="0"/>
-              <a:t>composition.</a:t>
+              <a:t>This painting has an orderly	composition.</a:t>
             </a:r>
           </a:p>
         </p:txBody>
@@ -4284,11 +4276,7 @@
             </a:r>
             <a:r>
               <a:rPr lang="en-US" i="1" dirty="0" smtClean="0"/>
-              <a:t>This painting has an orderly	</a:t>
-            </a:r>
-            <a:r>
-              <a:rPr lang="en-US" i="1" dirty="0" smtClean="0"/>
-              <a:t>composition.</a:t>
+              <a:t>This painting has an orderly	composition.</a:t>
             </a:r>
           </a:p>
           <a:p>
@@ -4304,15 +4292,7 @@
             </a:pPr>
             <a:r>
               <a:rPr lang="en-US" dirty="0" smtClean="0"/>
-              <a:t>Let’s </a:t>
-            </a:r>
-            <a:r>
-              <a:rPr lang="en-US" dirty="0" smtClean="0"/>
-              <a:t>glance back at the math</a:t>
-            </a:r>
-            <a:r>
-              <a:rPr lang="en-US" dirty="0" smtClean="0"/>
-              <a:t>…</a:t>
+              <a:t>Let’s glance back at the math…</a:t>
             </a:r>
             <a:endParaRPr lang="en-US" i="1" dirty="0" smtClean="0"/>
           </a:p>
@@ -4550,42 +4530,21 @@
                 <a:latin typeface="Franklin Gothic Book"/>
                 <a:cs typeface="Franklin Gothic Book"/>
               </a:rPr>
-              <a:t>The value of</a:t>
+              <a:t>The value of </a:t>
+            </a:r>
+            <a:r>
+              <a:rPr lang="en-US" dirty="0" err="1" smtClean="0">
+                <a:latin typeface="Franklin Gothic Book"/>
+                <a:cs typeface="Franklin Gothic Book"/>
+              </a:rPr>
+              <a:t>y</a:t>
             </a:r>
             <a:r>
               <a:rPr lang="en-US" dirty="0" smtClean="0">
                 <a:latin typeface="Franklin Gothic Book"/>
                 <a:cs typeface="Franklin Gothic Book"/>
               </a:rPr>
-              <a:t> </a:t>
-            </a:r>
-            <a:r>
-              <a:rPr lang="en-US" dirty="0" err="1" smtClean="0">
-                <a:latin typeface="Franklin Gothic Book"/>
-                <a:cs typeface="Franklin Gothic Book"/>
-              </a:rPr>
-              <a:t>y</a:t>
-            </a:r>
-            <a:r>
-              <a:rPr lang="en-US" dirty="0" smtClean="0">
-                <a:latin typeface="Franklin Gothic Book"/>
-                <a:cs typeface="Franklin Gothic Book"/>
-              </a:rPr>
-              <a:t> </a:t>
-            </a:r>
-            <a:r>
-              <a:rPr lang="en-US" dirty="0" smtClean="0">
-                <a:latin typeface="Franklin Gothic Book"/>
-                <a:cs typeface="Franklin Gothic Book"/>
-              </a:rPr>
-              <a:t>depends </a:t>
-            </a:r>
-            <a:r>
-              <a:rPr lang="en-US" dirty="0" smtClean="0">
-                <a:latin typeface="Franklin Gothic Book"/>
-                <a:cs typeface="Franklin Gothic Book"/>
-              </a:rPr>
-              <a:t>on </a:t>
+              <a:t> depends on </a:t>
             </a:r>
             <a:r>
               <a:rPr lang="en-US" dirty="0" err="1" smtClean="0">
@@ -4723,17 +4682,7 @@
                 <a:latin typeface="Franklin Gothic Book"/>
                 <a:cs typeface="Franklin Gothic Book"/>
               </a:rPr>
-              <a:t>y</a:t>
-            </a:r>
-            <a:r>
-              <a:rPr lang="en-US" i="1" dirty="0" smtClean="0">
-                <a:solidFill>
-                  <a:srgbClr val="CCAF0A"/>
-                </a:solidFill>
-                <a:latin typeface="Franklin Gothic Book"/>
-                <a:cs typeface="Franklin Gothic Book"/>
-              </a:rPr>
-              <a:t> = </a:t>
+              <a:t>y = </a:t>
             </a:r>
             <a:r>
               <a:rPr lang="en-US" i="1" dirty="0" err="1" smtClean="0">
@@ -4871,42 +4820,21 @@
                 <a:latin typeface="Franklin Gothic Book"/>
                 <a:cs typeface="Franklin Gothic Book"/>
               </a:rPr>
-              <a:t>The value of</a:t>
+              <a:t>The value of </a:t>
+            </a:r>
+            <a:r>
+              <a:rPr lang="en-US" dirty="0" err="1" smtClean="0">
+                <a:latin typeface="Franklin Gothic Book"/>
+                <a:cs typeface="Franklin Gothic Book"/>
+              </a:rPr>
+              <a:t>y</a:t>
             </a:r>
             <a:r>
               <a:rPr lang="en-US" dirty="0" smtClean="0">
                 <a:latin typeface="Franklin Gothic Book"/>
                 <a:cs typeface="Franklin Gothic Book"/>
               </a:rPr>
-              <a:t> </a:t>
-            </a:r>
-            <a:r>
-              <a:rPr lang="en-US" dirty="0" err="1" smtClean="0">
-                <a:latin typeface="Franklin Gothic Book"/>
-                <a:cs typeface="Franklin Gothic Book"/>
-              </a:rPr>
-              <a:t>y</a:t>
-            </a:r>
-            <a:r>
-              <a:rPr lang="en-US" dirty="0" smtClean="0">
-                <a:latin typeface="Franklin Gothic Book"/>
-                <a:cs typeface="Franklin Gothic Book"/>
-              </a:rPr>
-              <a:t> </a:t>
-            </a:r>
-            <a:r>
-              <a:rPr lang="en-US" dirty="0" smtClean="0">
-                <a:latin typeface="Franklin Gothic Book"/>
-                <a:cs typeface="Franklin Gothic Book"/>
-              </a:rPr>
-              <a:t>depends </a:t>
-            </a:r>
-            <a:r>
-              <a:rPr lang="en-US" dirty="0" smtClean="0">
-                <a:latin typeface="Franklin Gothic Book"/>
-                <a:cs typeface="Franklin Gothic Book"/>
-              </a:rPr>
-              <a:t>on </a:t>
+              <a:t> depends on </a:t>
             </a:r>
             <a:r>
               <a:rPr lang="en-US" dirty="0" err="1" smtClean="0">
@@ -5097,17 +5025,8 @@
               <a:rPr lang="en-US" dirty="0" smtClean="0">
                 <a:cs typeface="Rockwell"/>
               </a:rPr>
-              <a:t>The domains of these functions are suitable for composition</a:t>
-            </a:r>
-            <a:r>
-              <a:rPr lang="en-US" dirty="0" smtClean="0">
-                <a:cs typeface="Rockwell"/>
-              </a:rPr>
-              <a:t>.</a:t>
-            </a:r>
-            <a:endParaRPr lang="en-US" dirty="0" smtClean="0">
-              <a:cs typeface="Rockwell"/>
-            </a:endParaRPr>
+              <a:t>The domains of these functions are suitable for composition.</a:t>
+            </a:r>
           </a:p>
         </p:txBody>
       </p:sp>
@@ -5192,19 +5111,8 @@
                 <a:latin typeface="+mj-lt"/>
                 <a:cs typeface="Rockwell"/>
               </a:rPr>
-              <a:t>We can combine functions with compatible </a:t>
-            </a:r>
-            <a:r>
-              <a:rPr lang="en-US" dirty="0" smtClean="0">
-                <a:latin typeface="+mj-lt"/>
-                <a:cs typeface="Rockwell"/>
-              </a:rPr>
-              <a:t>domains.</a:t>
-            </a:r>
-            <a:endParaRPr lang="en-US" dirty="0" smtClean="0">
-              <a:latin typeface="+mj-lt"/>
-              <a:cs typeface="Rockwell"/>
-            </a:endParaRPr>
+              <a:t>We can combine functions with compatible domains.</a:t>
+            </a:r>
           </a:p>
           <a:p>
             <a:pPr>
@@ -5239,17 +5147,17 @@
                 <a:latin typeface="+mj-lt"/>
                 <a:cs typeface="Rockwell"/>
               </a:rPr>
-              <a:t> </a:t>
-            </a:r>
-            <a:r>
-              <a:rPr lang="en-US" i="1" dirty="0" smtClean="0">
+              <a:t> . </a:t>
+            </a:r>
+            <a:r>
+              <a:rPr lang="en-US" i="1" dirty="0" err="1" smtClean="0">
                 <a:solidFill>
                   <a:srgbClr val="CCAF0A"/>
                 </a:solidFill>
                 <a:latin typeface="+mj-lt"/>
                 <a:cs typeface="Rockwell"/>
               </a:rPr>
-              <a:t>.</a:t>
+              <a:t>f</a:t>
             </a:r>
             <a:r>
               <a:rPr lang="en-US" i="1" dirty="0" smtClean="0">
@@ -5259,7 +5167,7 @@
                 <a:latin typeface="+mj-lt"/>
                 <a:cs typeface="Rockwell"/>
               </a:rPr>
-              <a:t> </a:t>
+              <a:t>) = </a:t>
             </a:r>
             <a:r>
               <a:rPr lang="en-US" i="1" dirty="0" err="1" smtClean="0">
@@ -5269,7 +5177,7 @@
                 <a:latin typeface="+mj-lt"/>
                 <a:cs typeface="Rockwell"/>
               </a:rPr>
-              <a:t>f</a:t>
+              <a:t>g(f(x</a:t>
             </a:r>
             <a:r>
               <a:rPr lang="en-US" i="1" dirty="0" smtClean="0">
@@ -5279,37 +5187,7 @@
                 <a:latin typeface="+mj-lt"/>
                 <a:cs typeface="Rockwell"/>
               </a:rPr>
-              <a:t>) = </a:t>
-            </a:r>
-            <a:r>
-              <a:rPr lang="en-US" i="1" dirty="0" err="1" smtClean="0">
-                <a:solidFill>
-                  <a:srgbClr val="CCAF0A"/>
-                </a:solidFill>
-                <a:latin typeface="+mj-lt"/>
-                <a:cs typeface="Rockwell"/>
-              </a:rPr>
-              <a:t>g(f(x</a:t>
-            </a:r>
-            <a:r>
-              <a:rPr lang="en-US" i="1" dirty="0" smtClean="0">
-                <a:solidFill>
-                  <a:srgbClr val="CCAF0A"/>
-                </a:solidFill>
-                <a:latin typeface="+mj-lt"/>
-                <a:cs typeface="Rockwell"/>
-              </a:rPr>
-              <a:t>)</a:t>
-            </a:r>
-            <a:r>
-              <a:rPr lang="en-US" i="1" dirty="0" smtClean="0">
-                <a:solidFill>
-                  <a:srgbClr val="CCAF0A"/>
-                </a:solidFill>
-                <a:latin typeface="+mj-lt"/>
-                <a:cs typeface="Rockwell"/>
-              </a:rPr>
-              <a:t>) </a:t>
+              <a:t>)) </a:t>
             </a:r>
             <a:r>
               <a:rPr lang="en-US" dirty="0" smtClean="0">
@@ -5396,16 +5274,7 @@
                 </a:solidFill>
                 <a:cs typeface="Rockwell"/>
               </a:rPr>
-              <a:t>)</a:t>
-            </a:r>
-            <a:r>
-              <a:rPr lang="en-US" i="1" dirty="0" smtClean="0">
-                <a:solidFill>
-                  <a:srgbClr val="CCAF0A"/>
-                </a:solidFill>
-                <a:cs typeface="Rockwell"/>
-              </a:rPr>
-              <a:t>)</a:t>
+              <a:t>))</a:t>
             </a:r>
             <a:endParaRPr lang="en-US" i="1" dirty="0" smtClean="0">
               <a:solidFill>
@@ -5425,14 +5294,7 @@
                 <a:latin typeface="+mj-lt"/>
                 <a:cs typeface="Rockwell"/>
               </a:rPr>
-              <a:t>Combine the </a:t>
-            </a:r>
-            <a:r>
-              <a:rPr lang="en-US" dirty="0" smtClean="0">
-                <a:latin typeface="+mj-lt"/>
-                <a:cs typeface="Rockwell"/>
-              </a:rPr>
-              <a:t>functions </a:t>
+              <a:t>Combine the functions </a:t>
             </a:r>
             <a:r>
               <a:rPr lang="en-US" dirty="0" err="1" smtClean="0">
@@ -5953,23 +5815,11 @@
                   <a:schemeClr val="accent2"/>
                 </a:solidFill>
               </a:rPr>
-              <a:t>each, map, filter,</a:t>
-            </a:r>
-            <a:r>
-              <a:rPr lang="en-US" i="1" dirty="0" smtClean="0">
-                <a:solidFill>
-                  <a:schemeClr val="accent2"/>
-                </a:solidFill>
-              </a:rPr>
-              <a:t> inject  </a:t>
-            </a:r>
-            <a:r>
-              <a:rPr lang="en-US" dirty="0" smtClean="0"/>
-              <a:t>many </a:t>
-            </a:r>
-            <a:r>
-              <a:rPr lang="en-US" dirty="0" smtClean="0"/>
-              <a:t>more!</a:t>
+              <a:t>each, map, filter, inject  </a:t>
+            </a:r>
+            <a:r>
+              <a:rPr lang="en-US" dirty="0" smtClean="0"/>
+              <a:t>many more!</a:t>
             </a:r>
             <a:endParaRPr lang="en-US" dirty="0"/>
           </a:p>
@@ -6077,27 +5927,13 @@
             </a:pPr>
             <a:r>
               <a:rPr lang="en-US" sz="3000" dirty="0" smtClean="0"/>
-              <a:t>Rules can be logically combined to form more complex rules.</a:t>
-            </a:r>
-          </a:p>
-          <a:p>
-            <a:pPr marL="420624" lvl="1" indent="-384048">
-              <a:buSzPct val="80000"/>
-              <a:buFont typeface="Wingdings" charset="2"/>
-              <a:buChar char="§"/>
-            </a:pPr>
-            <a:r>
-              <a:rPr lang="en-US" sz="3000" dirty="0" smtClean="0"/>
-              <a:t>Not focused on the physical world, but abstract problems about </a:t>
-            </a:r>
-            <a:r>
-              <a:rPr lang="en-US" sz="3000" i="1" dirty="0" smtClean="0"/>
-              <a:t>computation</a:t>
+              <a:t>Rules can be logically combined to form more complex rules</a:t>
             </a:r>
             <a:r>
               <a:rPr lang="en-US" sz="3000" dirty="0" smtClean="0"/>
               <a:t>.</a:t>
             </a:r>
+            <a:endParaRPr lang="en-US" sz="3000" dirty="0" smtClean="0"/>
           </a:p>
         </p:txBody>
       </p:sp>
@@ -6171,15 +6007,7 @@
             </a:br>
             <a:r>
               <a:rPr lang="en-US" dirty="0" smtClean="0"/>
-              <a:t>… but </a:t>
-            </a:r>
-            <a:r>
-              <a:rPr lang="en-US" dirty="0" smtClean="0"/>
-              <a:t>we’ll </a:t>
-            </a:r>
-            <a:r>
-              <a:rPr lang="en-US" dirty="0" smtClean="0"/>
-              <a:t>probably duplicate</a:t>
+              <a:t>… but we’ll probably duplicate</a:t>
             </a:r>
             <a:br>
               <a:rPr lang="en-US" dirty="0" smtClean="0"/>
@@ -6280,11 +6108,7 @@
             </a:r>
             <a:r>
               <a:rPr lang="en-US" smtClean="0"/>
-              <a:t>but </a:t>
-            </a:r>
-            <a:r>
-              <a:rPr lang="en-US" smtClean="0"/>
-              <a:t>we’ll </a:t>
+              <a:t>but we’ll </a:t>
             </a:r>
             <a:r>
               <a:rPr lang="en-US" dirty="0" smtClean="0"/>
@@ -6414,11 +6238,7 @@
             </a:r>
             <a:r>
               <a:rPr lang="en-US" sz="2500" dirty="0" smtClean="0"/>
-              <a:t>,</a:t>
-            </a:r>
-            <a:r>
-              <a:rPr lang="en-US" sz="2500" dirty="0" smtClean="0"/>
-              <a:t> init, </a:t>
+              <a:t>, init, </a:t>
             </a:r>
             <a:r>
               <a:rPr lang="en-US" sz="2500" dirty="0" err="1" smtClean="0"/>
@@ -6446,13 +6266,8 @@
           <a:p>
             <a:r>
               <a:rPr lang="en-US" sz="2500" dirty="0" smtClean="0"/>
-              <a:t>    return</a:t>
-            </a:r>
-            <a:r>
-              <a:rPr lang="en-US" sz="2500" dirty="0" smtClean="0"/>
-              <a:t> init;</a:t>
-            </a:r>
-            <a:endParaRPr lang="en-US" sz="2500" dirty="0" smtClean="0"/>
+              <a:t>    return init;</a:t>
+            </a:r>
           </a:p>
           <a:p>
             <a:r>
@@ -6467,19 +6282,11 @@
             </a:r>
             <a:r>
               <a:rPr lang="en-US" sz="2500" dirty="0" err="1" smtClean="0"/>
-              <a:t>f</a:t>
-            </a:r>
-            <a:r>
-              <a:rPr lang="en-US" sz="2500" dirty="0" err="1" smtClean="0"/>
-              <a:t>(init</a:t>
+              <a:t>f(init</a:t>
             </a:r>
             <a:r>
               <a:rPr lang="en-US" sz="2500" dirty="0" smtClean="0"/>
-              <a:t>, </a:t>
-            </a:r>
-            <a:r>
-              <a:rPr lang="en-US" sz="2500" dirty="0" smtClean="0"/>
-              <a:t>list[0]), </a:t>
+              <a:t>, list[0]), </a:t>
             </a:r>
             <a:r>
               <a:rPr lang="en-US" sz="2500" dirty="0" err="1" smtClean="0"/>
@@ -6615,15 +6422,7 @@
             </a:r>
             <a:r>
               <a:rPr lang="en-US" sz="2500" dirty="0" smtClean="0"/>
-              <a:t>],</a:t>
-            </a:r>
-            <a:r>
-              <a:rPr lang="en-US" sz="2500" dirty="0" smtClean="0"/>
-              <a:t> init: </a:t>
-            </a:r>
-            <a:r>
-              <a:rPr lang="en-US" sz="2500" dirty="0" smtClean="0"/>
-              <a:t>B, </a:t>
+              <a:t>], init: B, </a:t>
             </a:r>
             <a:r>
               <a:rPr lang="en-US" sz="2500" dirty="0" err="1" smtClean="0"/>
@@ -6643,11 +6442,7 @@
           <a:p>
             <a:r>
               <a:rPr lang="en-US" sz="2500" dirty="0" smtClean="0"/>
-              <a:t>    case Nil =&gt;</a:t>
-            </a:r>
-            <a:r>
-              <a:rPr lang="en-US" sz="2500" dirty="0" smtClean="0"/>
-              <a:t> init</a:t>
+              <a:t>    case Nil =&gt; init</a:t>
             </a:r>
           </a:p>
           <a:p>
@@ -6665,19 +6460,11 @@
             </a:r>
             <a:r>
               <a:rPr lang="en-US" sz="2500" dirty="0" err="1" smtClean="0"/>
-              <a:t>f</a:t>
-            </a:r>
-            <a:r>
-              <a:rPr lang="en-US" sz="2500" dirty="0" err="1" smtClean="0"/>
-              <a:t>(init</a:t>
+              <a:t>f(init</a:t>
             </a:r>
             <a:r>
               <a:rPr lang="en-US" sz="2500" dirty="0" smtClean="0"/>
-              <a:t>, </a:t>
-            </a:r>
-            <a:r>
-              <a:rPr lang="en-US" sz="2500" dirty="0" smtClean="0"/>
-              <a:t>head), </a:t>
+              <a:t>, head), </a:t>
             </a:r>
             <a:r>
               <a:rPr lang="en-US" sz="2500" dirty="0" err="1" smtClean="0"/>
@@ -6747,15 +6534,7 @@
           <a:p>
             <a:r>
               <a:rPr lang="en-US" dirty="0" smtClean="0"/>
-              <a:t>Some List Functions That can </a:t>
-            </a:r>
-            <a:r>
-              <a:rPr lang="en-US" dirty="0" smtClean="0"/>
-              <a:t>b</a:t>
-            </a:r>
-            <a:r>
-              <a:rPr lang="en-US" dirty="0" smtClean="0"/>
-              <a:t>e Defined in Terms of Folding</a:t>
+              <a:t>Some List Functions That can be Defined in Terms of Folding</a:t>
             </a:r>
             <a:endParaRPr lang="en-US" dirty="0"/>
           </a:p>
@@ -6784,11 +6563,7 @@
             </a:pPr>
             <a:r>
               <a:rPr lang="en-US" dirty="0" smtClean="0"/>
-              <a:t>s</a:t>
-            </a:r>
-            <a:r>
-              <a:rPr lang="en-US" dirty="0" smtClean="0"/>
-              <a:t>um	= </a:t>
+              <a:t>sum	= </a:t>
             </a:r>
             <a:r>
               <a:rPr lang="en-US" dirty="0" err="1" smtClean="0"/>
@@ -6824,11 +6599,7 @@
             </a:pPr>
             <a:r>
               <a:rPr lang="en-US" dirty="0" err="1" smtClean="0"/>
-              <a:t>a</a:t>
-            </a:r>
-            <a:r>
-              <a:rPr lang="en-US" dirty="0" err="1" smtClean="0"/>
-              <a:t>nytrue</a:t>
+              <a:t>anytrue</a:t>
             </a:r>
             <a:r>
               <a:rPr lang="en-US" dirty="0" smtClean="0"/>
@@ -6862,15 +6633,7 @@
             </a:r>
             <a:r>
               <a:rPr lang="en-US" dirty="0" smtClean="0"/>
-              <a:t> (</a:t>
-            </a:r>
-            <a:r>
-              <a:rPr lang="en-US" dirty="0" smtClean="0"/>
-              <a:t>∧</a:t>
-            </a:r>
-            <a:r>
-              <a:rPr lang="en-US" dirty="0" smtClean="0"/>
-              <a:t>) true</a:t>
+              <a:t> (∧) true</a:t>
             </a:r>
           </a:p>
           <a:p>
@@ -6888,15 +6651,7 @@
             </a:r>
             <a:r>
               <a:rPr lang="en-US" dirty="0" smtClean="0"/>
-              <a:t> (cons </a:t>
-            </a:r>
-            <a:r>
-              <a:rPr lang="en-US" dirty="0" smtClean="0"/>
-              <a:t>.</a:t>
-            </a:r>
-            <a:r>
-              <a:rPr lang="en-US" dirty="0" smtClean="0"/>
-              <a:t> </a:t>
+              <a:t> (cons . </a:t>
             </a:r>
             <a:r>
               <a:rPr lang="en-US" dirty="0" err="1" smtClean="0"/>
@@ -7007,15 +6762,7 @@
             </a:pPr>
             <a:r>
               <a:rPr lang="en-US" dirty="0" smtClean="0"/>
-              <a:t>Strategy pattern. </a:t>
-            </a:r>
-            <a:r>
-              <a:rPr lang="en-US" dirty="0" smtClean="0"/>
-              <a:t>H</a:t>
-            </a:r>
-            <a:r>
-              <a:rPr lang="en-US" dirty="0" smtClean="0"/>
-              <a:t>igher-order functions supplant the need for extra code.</a:t>
+              <a:t>Strategy pattern. Higher-order functions supplant the need for extra code.</a:t>
             </a:r>
           </a:p>
           <a:p>
@@ -7288,38 +7035,8 @@
                   </a:schemeClr>
                 </a:solidFill>
               </a:rPr>
-              <a:t>http</a:t>
-            </a:r>
-            <a:r>
-              <a:rPr lang="en-US" sz="2000" dirty="0" smtClean="0">
-                <a:solidFill>
-                  <a:schemeClr val="accent1">
-                    <a:lumMod val="60000"/>
-                    <a:lumOff val="40000"/>
-                  </a:schemeClr>
-                </a:solidFill>
-              </a:rPr>
-              <a:t>://github.com/</a:t>
-            </a:r>
-            <a:r>
-              <a:rPr lang="en-US" sz="2000" dirty="0" smtClean="0">
-                <a:solidFill>
-                  <a:schemeClr val="accent1">
-                    <a:lumMod val="60000"/>
-                    <a:lumOff val="40000"/>
-                  </a:schemeClr>
-                </a:solidFill>
-              </a:rPr>
-              <a:t>chrislewis/JaxFunc_0_ImperativelyFunctional</a:t>
-            </a:r>
-            <a:endParaRPr lang="en-US" sz="2000" dirty="0" smtClean="0">
-              <a:solidFill>
-                <a:schemeClr val="accent1">
-                  <a:lumMod val="60000"/>
-                  <a:lumOff val="40000"/>
-                </a:schemeClr>
-              </a:solidFill>
-            </a:endParaRPr>
+              <a:t>http://github.com/chrislewis/JaxFunc_0_ImperativelyFunctional</a:t>
+            </a:r>
           </a:p>
           <a:p>
             <a:endParaRPr lang="en-US" dirty="0"/>
@@ -7603,8 +7320,32 @@
             </a:pPr>
             <a:r>
               <a:rPr lang="en-US" dirty="0" smtClean="0"/>
-              <a:t>Based on functions that receive functions as parameters and return functions as results.</a:t>
-            </a:r>
+              <a:t>Based on functions that receive functions as parameters and return functions as results</a:t>
+            </a:r>
+            <a:r>
+              <a:rPr lang="en-US" dirty="0" smtClean="0"/>
+              <a:t>.</a:t>
+            </a:r>
+          </a:p>
+          <a:p>
+            <a:pPr marL="420624" lvl="1" indent="-384048">
+              <a:buSzPct val="80000"/>
+              <a:buFont typeface="Wingdings" charset="2"/>
+              <a:buChar char="§"/>
+            </a:pPr>
+            <a:r>
+              <a:rPr lang="en-US" sz="3000" dirty="0" smtClean="0"/>
+              <a:t>Not focused on the physical world, but abstract problems about </a:t>
+            </a:r>
+            <a:r>
+              <a:rPr lang="en-US" sz="3000" i="1" smtClean="0"/>
+              <a:t>computation</a:t>
+            </a:r>
+            <a:r>
+              <a:rPr lang="en-US" sz="3000" smtClean="0"/>
+              <a:t>.</a:t>
+            </a:r>
+            <a:endParaRPr lang="en-US" smtClean="0"/>
           </a:p>
           <a:p>
             <a:pPr>

--- a/JaxFunc.pptx
+++ b/JaxFunc.pptx
@@ -9,30 +9,33 @@
     <p:sldId id="277" r:id="rId3"/>
     <p:sldId id="279" r:id="rId4"/>
     <p:sldId id="278" r:id="rId5"/>
-    <p:sldId id="280" r:id="rId6"/>
-    <p:sldId id="261" r:id="rId7"/>
-    <p:sldId id="262" r:id="rId8"/>
-    <p:sldId id="263" r:id="rId9"/>
-    <p:sldId id="264" r:id="rId10"/>
-    <p:sldId id="266" r:id="rId11"/>
-    <p:sldId id="260" r:id="rId12"/>
-    <p:sldId id="281" r:id="rId13"/>
-    <p:sldId id="288" r:id="rId14"/>
-    <p:sldId id="257" r:id="rId15"/>
-    <p:sldId id="286" r:id="rId16"/>
-    <p:sldId id="285" r:id="rId17"/>
-    <p:sldId id="258" r:id="rId18"/>
-    <p:sldId id="259" r:id="rId19"/>
-    <p:sldId id="268" r:id="rId20"/>
-    <p:sldId id="295" r:id="rId21"/>
-    <p:sldId id="296" r:id="rId22"/>
-    <p:sldId id="282" r:id="rId23"/>
-    <p:sldId id="275" r:id="rId24"/>
-    <p:sldId id="283" r:id="rId25"/>
-    <p:sldId id="289" r:id="rId26"/>
-    <p:sldId id="290" r:id="rId27"/>
-    <p:sldId id="294" r:id="rId28"/>
-    <p:sldId id="293" r:id="rId29"/>
+    <p:sldId id="297" r:id="rId6"/>
+    <p:sldId id="298" r:id="rId7"/>
+    <p:sldId id="280" r:id="rId8"/>
+    <p:sldId id="261" r:id="rId9"/>
+    <p:sldId id="262" r:id="rId10"/>
+    <p:sldId id="263" r:id="rId11"/>
+    <p:sldId id="264" r:id="rId12"/>
+    <p:sldId id="266" r:id="rId13"/>
+    <p:sldId id="260" r:id="rId14"/>
+    <p:sldId id="281" r:id="rId15"/>
+    <p:sldId id="288" r:id="rId16"/>
+    <p:sldId id="257" r:id="rId17"/>
+    <p:sldId id="286" r:id="rId18"/>
+    <p:sldId id="285" r:id="rId19"/>
+    <p:sldId id="258" r:id="rId20"/>
+    <p:sldId id="259" r:id="rId21"/>
+    <p:sldId id="268" r:id="rId22"/>
+    <p:sldId id="295" r:id="rId23"/>
+    <p:sldId id="299" r:id="rId24"/>
+    <p:sldId id="296" r:id="rId25"/>
+    <p:sldId id="282" r:id="rId26"/>
+    <p:sldId id="275" r:id="rId27"/>
+    <p:sldId id="283" r:id="rId28"/>
+    <p:sldId id="289" r:id="rId29"/>
+    <p:sldId id="290" r:id="rId30"/>
+    <p:sldId id="294" r:id="rId31"/>
+    <p:sldId id="300" r:id="rId32"/>
   </p:sldIdLst>
   <p:sldSz cx="9144000" cy="6858000" type="screen4x3"/>
   <p:notesSz cx="6858000" cy="9144000"/>
@@ -3837,8 +3840,38 @@
                   </a:schemeClr>
                 </a:solidFill>
               </a:rPr>
-              <a:t>http://github.com/chrislewis/</a:t>
-            </a:r>
+              <a:t>http://</a:t>
+            </a:r>
+            <a:r>
+              <a:rPr lang="en-US" sz="1400" dirty="0" err="1" smtClean="0">
+                <a:solidFill>
+                  <a:schemeClr val="accent1">
+                    <a:lumMod val="60000"/>
+                    <a:lumOff val="40000"/>
+                  </a:schemeClr>
+                </a:solidFill>
+              </a:rPr>
+              <a:t>github.com/</a:t>
+            </a:r>
+            <a:r>
+              <a:rPr lang="en-US" sz="1400" dirty="0" err="1" smtClean="0">
+                <a:solidFill>
+                  <a:schemeClr val="accent1">
+                    <a:lumMod val="60000"/>
+                    <a:lumOff val="40000"/>
+                  </a:schemeClr>
+                </a:solidFill>
+              </a:rPr>
+              <a:t>chrislewis</a:t>
+            </a:r>
+            <a:endParaRPr lang="en-US" sz="1400" dirty="0" smtClean="0">
+              <a:solidFill>
+                <a:schemeClr val="accent1">
+                  <a:lumMod val="60000"/>
+                  <a:lumOff val="40000"/>
+                </a:schemeClr>
+              </a:solidFill>
+            </a:endParaRPr>
           </a:p>
         </p:txBody>
       </p:sp>
@@ -3886,18 +3919,12 @@
         </p:nvSpPr>
         <p:spPr/>
         <p:txBody>
-          <a:bodyPr>
-            <a:normAutofit/>
-          </a:bodyPr>
-          <a:lstStyle/>
-          <a:p>
-            <a:r>
-              <a:rPr lang="en-US" dirty="0" err="1" smtClean="0"/>
-              <a:t>λ</a:t>
-            </a:r>
-            <a:r>
-              <a:rPr lang="en-US" dirty="0" smtClean="0"/>
-              <a:t>: In Programming Languages</a:t>
+          <a:bodyPr/>
+          <a:lstStyle/>
+          <a:p>
+            <a:r>
+              <a:rPr lang="en-US" dirty="0" smtClean="0"/>
+              <a:t>Functions are Data</a:t>
             </a:r>
             <a:endParaRPr lang="en-US" dirty="0"/>
           </a:p>
@@ -3905,87 +3932,218 @@
       </p:sp>
       <p:sp>
         <p:nvSpPr>
-          <p:cNvPr id="3" name="Content Placeholder 2"/>
-          <p:cNvSpPr>
-            <a:spLocks noGrp="1"/>
-          </p:cNvSpPr>
-          <p:nvPr>
-            <p:ph idx="1"/>
-          </p:nvPr>
+          <p:cNvPr id="4" name="TextBox 3"/>
+          <p:cNvSpPr txBox="1"/>
+          <p:nvPr/>
         </p:nvSpPr>
         <p:spPr>
           <a:xfrm>
             <a:off x="457200" y="1417638"/>
-            <a:ext cx="7467600" cy="4967514"/>
+            <a:ext cx="6372182" cy="4324261"/>
           </a:xfrm>
+          <a:prstGeom prst="rect">
+            <a:avLst/>
+          </a:prstGeom>
+          <a:noFill/>
         </p:spPr>
         <p:txBody>
-          <a:bodyPr>
-            <a:normAutofit/>
+          <a:bodyPr wrap="none" rtlCol="0">
+            <a:spAutoFit/>
           </a:bodyPr>
           <a:lstStyle/>
           <a:p>
-            <a:pPr>
-              <a:buFont typeface="Wingdings" charset="2"/>
-              <a:buChar char="§"/>
-            </a:pPr>
-            <a:r>
-              <a:rPr lang="en-US" dirty="0" smtClean="0"/>
-              <a:t>JavaScript has named and anonymous function expressions, as well as Function objects (with a constructor).</a:t>
-            </a:r>
-          </a:p>
-          <a:p>
-            <a:pPr>
-              <a:buFont typeface="Wingdings" charset="2"/>
-              <a:buChar char="§"/>
-            </a:pPr>
-            <a:r>
-              <a:rPr lang="en-US" dirty="0" smtClean="0"/>
-              <a:t>Ruby most notably has blocks, but also lambdas (keyword) and </a:t>
-            </a:r>
-            <a:r>
-              <a:rPr lang="en-US" dirty="0" err="1" smtClean="0"/>
-              <a:t>procs</a:t>
-            </a:r>
-            <a:r>
-              <a:rPr lang="en-US" dirty="0" smtClean="0"/>
-              <a:t>!</a:t>
-            </a:r>
-          </a:p>
-          <a:p>
-            <a:pPr>
-              <a:buFont typeface="Wingdings" charset="2"/>
-              <a:buChar char="§"/>
-            </a:pPr>
-            <a:r>
-              <a:rPr lang="en-US" dirty="0" err="1" smtClean="0"/>
-              <a:t>Scala</a:t>
-            </a:r>
-            <a:r>
-              <a:rPr lang="en-US" dirty="0" smtClean="0"/>
-              <a:t> has methods (defined with </a:t>
-            </a:r>
-            <a:r>
-              <a:rPr lang="en-US" i="1" dirty="0" smtClean="0">
-                <a:solidFill>
-                  <a:srgbClr val="6EA0B0"/>
-                </a:solidFill>
-              </a:rPr>
-              <a:t>def</a:t>
-            </a:r>
-            <a:r>
-              <a:rPr lang="en-US" dirty="0" smtClean="0"/>
-              <a:t>), function traits, and shorthand yielding trait instances.</a:t>
-            </a:r>
-          </a:p>
-          <a:p>
-            <a:pPr>
-              <a:buFont typeface="Wingdings" charset="2"/>
-              <a:buChar char="§"/>
-            </a:pPr>
-            <a:r>
-              <a:rPr lang="en-US" dirty="0" smtClean="0"/>
-              <a:t>How a programming language refers to such a construct is entirely preferential.</a:t>
+            <a:r>
+              <a:rPr lang="en-US" sz="2500" dirty="0" err="1" smtClean="0"/>
+              <a:t>val</a:t>
+            </a:r>
+            <a:r>
+              <a:rPr lang="en-US" sz="2500" dirty="0" smtClean="0"/>
+              <a:t> </a:t>
+            </a:r>
+            <a:r>
+              <a:rPr lang="en-US" sz="2500" dirty="0" smtClean="0">
+                <a:solidFill>
+                  <a:srgbClr val="A8C6D0"/>
+                </a:solidFill>
+              </a:rPr>
+              <a:t>increment </a:t>
+            </a:r>
+            <a:r>
+              <a:rPr lang="en-US" sz="2500" dirty="0" smtClean="0"/>
+              <a:t>= (</a:t>
+            </a:r>
+            <a:r>
+              <a:rPr lang="en-US" sz="2500" dirty="0" err="1" smtClean="0"/>
+              <a:t>i</a:t>
+            </a:r>
+            <a:r>
+              <a:rPr lang="en-US" sz="2500" dirty="0" smtClean="0"/>
+              <a:t>: </a:t>
+            </a:r>
+            <a:r>
+              <a:rPr lang="en-US" sz="2500" dirty="0" err="1" smtClean="0"/>
+              <a:t>Int</a:t>
+            </a:r>
+            <a:r>
+              <a:rPr lang="en-US" sz="2500" dirty="0" smtClean="0"/>
+              <a:t>) =&gt; </a:t>
+            </a:r>
+            <a:r>
+              <a:rPr lang="en-US" sz="2500" dirty="0" err="1" smtClean="0"/>
+              <a:t>i</a:t>
+            </a:r>
+            <a:r>
+              <a:rPr lang="en-US" sz="2500" dirty="0" smtClean="0"/>
+              <a:t> + 1</a:t>
+            </a:r>
+          </a:p>
+          <a:p>
+            <a:endParaRPr lang="en-US" sz="2500" dirty="0" smtClean="0"/>
+          </a:p>
+          <a:p>
+            <a:r>
+              <a:rPr lang="en-US" sz="2500" dirty="0" err="1" smtClean="0"/>
+              <a:t>val</a:t>
+            </a:r>
+            <a:r>
+              <a:rPr lang="en-US" sz="2500" dirty="0" smtClean="0"/>
+              <a:t> </a:t>
+            </a:r>
+            <a:r>
+              <a:rPr lang="en-US" sz="2500" dirty="0" smtClean="0">
+                <a:solidFill>
+                  <a:srgbClr val="A8C6D0"/>
+                </a:solidFill>
+              </a:rPr>
+              <a:t>square </a:t>
+            </a:r>
+            <a:r>
+              <a:rPr lang="en-US" sz="2500" dirty="0" smtClean="0"/>
+              <a:t>= (</a:t>
+            </a:r>
+            <a:r>
+              <a:rPr lang="en-US" sz="2500" dirty="0" err="1" smtClean="0"/>
+              <a:t>i</a:t>
+            </a:r>
+            <a:r>
+              <a:rPr lang="en-US" sz="2500" dirty="0" smtClean="0"/>
+              <a:t>: </a:t>
+            </a:r>
+            <a:r>
+              <a:rPr lang="en-US" sz="2500" dirty="0" err="1" smtClean="0"/>
+              <a:t>Int</a:t>
+            </a:r>
+            <a:r>
+              <a:rPr lang="en-US" sz="2500" dirty="0" smtClean="0"/>
+              <a:t>) =&gt; </a:t>
+            </a:r>
+            <a:r>
+              <a:rPr lang="en-US" sz="2500" dirty="0" err="1" smtClean="0"/>
+              <a:t>i</a:t>
+            </a:r>
+            <a:r>
+              <a:rPr lang="en-US" sz="2500" dirty="0" smtClean="0"/>
+              <a:t> * </a:t>
+            </a:r>
+            <a:r>
+              <a:rPr lang="en-US" sz="2500" dirty="0" err="1" smtClean="0"/>
+              <a:t>i</a:t>
+            </a:r>
+            <a:endParaRPr lang="en-US" sz="2500" dirty="0" smtClean="0"/>
+          </a:p>
+          <a:p>
+            <a:endParaRPr lang="en-US" sz="2500" dirty="0" smtClean="0"/>
+          </a:p>
+          <a:p>
+            <a:r>
+              <a:rPr lang="en-US" sz="2500" dirty="0" smtClean="0"/>
+              <a:t>def </a:t>
+            </a:r>
+            <a:r>
+              <a:rPr lang="en-US" sz="2500" dirty="0" err="1" smtClean="0"/>
+              <a:t>doSomething[A</a:t>
+            </a:r>
+            <a:r>
+              <a:rPr lang="en-US" sz="2500" dirty="0" smtClean="0"/>
+              <a:t>, </a:t>
+            </a:r>
+            <a:r>
+              <a:rPr lang="en-US" sz="2500" dirty="0" err="1" smtClean="0"/>
+              <a:t>B](x</a:t>
+            </a:r>
+            <a:r>
+              <a:rPr lang="en-US" sz="2500" dirty="0" smtClean="0"/>
+              <a:t>: A, </a:t>
+            </a:r>
+            <a:r>
+              <a:rPr lang="en-US" sz="2500" dirty="0" err="1" smtClean="0"/>
+              <a:t>f</a:t>
+            </a:r>
+            <a:r>
+              <a:rPr lang="en-US" sz="2500" dirty="0" smtClean="0"/>
+              <a:t>: A =&gt; B) = </a:t>
+            </a:r>
+            <a:r>
+              <a:rPr lang="en-US" sz="2500" dirty="0" err="1" smtClean="0"/>
+              <a:t>f(x</a:t>
+            </a:r>
+            <a:r>
+              <a:rPr lang="en-US" sz="2500" dirty="0" smtClean="0"/>
+              <a:t>)</a:t>
+            </a:r>
+          </a:p>
+          <a:p>
+            <a:endParaRPr lang="en-US" sz="2500" dirty="0" smtClean="0"/>
+          </a:p>
+          <a:p>
+            <a:r>
+              <a:rPr lang="en-US" sz="2500" dirty="0" smtClean="0"/>
+              <a:t>doSomething(5, </a:t>
+            </a:r>
+            <a:r>
+              <a:rPr lang="en-US" sz="2500" dirty="0" smtClean="0">
+                <a:solidFill>
+                  <a:srgbClr val="A8C6D0"/>
+                </a:solidFill>
+              </a:rPr>
+              <a:t>increment</a:t>
+            </a:r>
+            <a:r>
+              <a:rPr lang="en-US" sz="2500" dirty="0" smtClean="0"/>
+              <a:t>)</a:t>
+            </a:r>
+          </a:p>
+          <a:p>
+            <a:r>
+              <a:rPr lang="en-US" sz="2500" dirty="0" smtClean="0"/>
+              <a:t>// -&gt; 6</a:t>
+            </a:r>
+          </a:p>
+          <a:p>
+            <a:endParaRPr lang="en-US" sz="2500" dirty="0" smtClean="0"/>
+          </a:p>
+          <a:p>
+            <a:r>
+              <a:rPr lang="en-US" sz="2500" dirty="0" smtClean="0"/>
+              <a:t>doSomething(5, </a:t>
+            </a:r>
+            <a:r>
+              <a:rPr lang="en-US" sz="2500" dirty="0" smtClean="0">
+                <a:solidFill>
+                  <a:srgbClr val="A8C6D0"/>
+                </a:solidFill>
+              </a:rPr>
+              <a:t>square</a:t>
+            </a:r>
+            <a:r>
+              <a:rPr lang="en-US" sz="2500" dirty="0" smtClean="0"/>
+              <a:t>)</a:t>
+            </a:r>
+          </a:p>
+          <a:p>
+            <a:r>
+              <a:rPr lang="en-US" sz="2500" dirty="0" smtClean="0"/>
+              <a:t>// -&gt; 25</a:t>
             </a:r>
           </a:p>
         </p:txBody>
@@ -4034,47 +4192,108 @@
         </p:nvSpPr>
         <p:spPr>
           <a:xfrm>
-            <a:off x="457199" y="274638"/>
-            <a:ext cx="8190895" cy="1143000"/>
+            <a:off x="457200" y="274638"/>
+            <a:ext cx="7467600" cy="1143000"/>
           </a:xfrm>
         </p:spPr>
         <p:txBody>
-          <a:bodyPr/>
-          <a:lstStyle/>
-          <a:p>
-            <a:pPr algn="ctr"/>
-            <a:r>
-              <a:rPr lang="en-US" dirty="0" smtClean="0"/>
-              <a:t>Function Composition</a:t>
+          <a:bodyPr>
+            <a:normAutofit/>
+          </a:bodyPr>
+          <a:lstStyle/>
+          <a:p>
+            <a:r>
+              <a:rPr lang="en-US" dirty="0" smtClean="0"/>
+              <a:t>Notes on Lambdas</a:t>
             </a:r>
             <a:endParaRPr lang="en-US" dirty="0"/>
           </a:p>
         </p:txBody>
       </p:sp>
-      <p:pic>
-        <p:nvPicPr>
-          <p:cNvPr id="4" name="Content Placeholder 3" descr="beethoven7.jpeg"/>
-          <p:cNvPicPr>
-            <a:picLocks noGrp="1" noChangeAspect="1"/>
-          </p:cNvPicPr>
+      <p:sp>
+        <p:nvSpPr>
+          <p:cNvPr id="3" name="Content Placeholder 2"/>
+          <p:cNvSpPr>
+            <a:spLocks noGrp="1"/>
+          </p:cNvSpPr>
           <p:nvPr>
             <p:ph idx="1"/>
           </p:nvPr>
-        </p:nvPicPr>
-        <p:blipFill>
-          <a:blip r:embed="rId2"/>
-          <a:srcRect l="-56330" r="-56330"/>
-          <a:stretch>
-            <a:fillRect/>
-          </a:stretch>
-        </p:blipFill>
+        </p:nvSpPr>
         <p:spPr>
           <a:xfrm>
-            <a:off x="732970" y="1600200"/>
+            <a:off x="457200" y="1417638"/>
             <a:ext cx="7467600" cy="4525963"/>
           </a:xfrm>
         </p:spPr>
-      </p:pic>
+        <p:txBody>
+          <a:bodyPr>
+            <a:noAutofit/>
+          </a:bodyPr>
+          <a:lstStyle/>
+          <a:p>
+            <a:pPr>
+              <a:buFont typeface="Wingdings" charset="2"/>
+              <a:buChar char="§"/>
+            </a:pPr>
+            <a:r>
+              <a:rPr lang="en-US" dirty="0" smtClean="0"/>
+              <a:t>A lambda is an anonymous function; a function without an identifier.</a:t>
+            </a:r>
+          </a:p>
+          <a:p>
+            <a:pPr>
+              <a:buFont typeface="Wingdings" charset="2"/>
+              <a:buChar char="§"/>
+            </a:pPr>
+            <a:r>
+              <a:rPr lang="en-US" dirty="0" smtClean="0"/>
+              <a:t>A closure is a function whose definition “closes” over free variables.</a:t>
+            </a:r>
+          </a:p>
+          <a:p>
+            <a:pPr>
+              <a:buFont typeface="Wingdings" charset="2"/>
+              <a:buChar char="§"/>
+            </a:pPr>
+            <a:r>
+              <a:rPr lang="en-US" dirty="0" smtClean="0"/>
+              <a:t>A lambda expression that doesn’t close over free variables isn’t a closure, strictly speaking.</a:t>
+            </a:r>
+          </a:p>
+          <a:p>
+            <a:pPr>
+              <a:buFont typeface="Wingdings" charset="2"/>
+              <a:buChar char="§"/>
+            </a:pPr>
+            <a:r>
+              <a:rPr lang="en-US" dirty="0" smtClean="0"/>
+              <a:t>A closure isn’t necessarily anonymous!</a:t>
+            </a:r>
+          </a:p>
+          <a:p>
+            <a:pPr>
+              <a:buFont typeface="Wingdings" charset="2"/>
+              <a:buChar char="§"/>
+            </a:pPr>
+            <a:r>
+              <a:rPr lang="en-US" dirty="0" smtClean="0"/>
+              <a:t>Closures enable function composition …</a:t>
+            </a:r>
+            <a:br>
+              <a:rPr lang="en-US" dirty="0" smtClean="0"/>
+            </a:br>
+            <a:r>
+              <a:rPr lang="en-US" dirty="0" smtClean="0">
+                <a:solidFill>
+                  <a:srgbClr val="A8C6D0"/>
+                </a:solidFill>
+              </a:rPr>
+              <a:t>… and that’s a big deal!</a:t>
+            </a:r>
+          </a:p>
+        </p:txBody>
+      </p:sp>
     </p:spTree>
   </p:cSld>
   <p:clrMapOvr>
@@ -4109,6 +4328,35 @@
       </p:grpSpPr>
       <p:sp>
         <p:nvSpPr>
+          <p:cNvPr id="2" name="Title 1"/>
+          <p:cNvSpPr>
+            <a:spLocks noGrp="1"/>
+          </p:cNvSpPr>
+          <p:nvPr>
+            <p:ph type="title"/>
+          </p:nvPr>
+        </p:nvSpPr>
+        <p:spPr/>
+        <p:txBody>
+          <a:bodyPr>
+            <a:normAutofit/>
+          </a:bodyPr>
+          <a:lstStyle/>
+          <a:p>
+            <a:r>
+              <a:rPr lang="en-US" dirty="0" err="1" smtClean="0"/>
+              <a:t>λ</a:t>
+            </a:r>
+            <a:r>
+              <a:rPr lang="en-US" dirty="0" smtClean="0"/>
+              <a:t>: In Programming Languages</a:t>
+            </a:r>
+            <a:endParaRPr lang="en-US" dirty="0"/>
+          </a:p>
+        </p:txBody>
+      </p:sp>
+      <p:sp>
+        <p:nvSpPr>
           <p:cNvPr id="3" name="Content Placeholder 2"/>
           <p:cNvSpPr>
             <a:spLocks noGrp="1"/>
@@ -4117,9 +4365,16 @@
             <p:ph idx="1"/>
           </p:nvPr>
         </p:nvSpPr>
-        <p:spPr/>
-        <p:txBody>
-          <a:bodyPr/>
+        <p:spPr>
+          <a:xfrm>
+            <a:off x="457200" y="1417638"/>
+            <a:ext cx="7467600" cy="4967514"/>
+          </a:xfrm>
+        </p:spPr>
+        <p:txBody>
+          <a:bodyPr>
+            <a:normAutofit/>
+          </a:bodyPr>
           <a:lstStyle/>
           <a:p>
             <a:pPr>
@@ -4127,52 +4382,58 @@
               <a:buChar char="§"/>
             </a:pPr>
             <a:r>
+              <a:rPr lang="en-US" dirty="0" smtClean="0"/>
+              <a:t>JavaScript has named and anonymous function expressions, as well as Function objects (with a constructor).</a:t>
+            </a:r>
+          </a:p>
+          <a:p>
+            <a:pPr>
+              <a:buFont typeface="Wingdings" charset="2"/>
+              <a:buChar char="§"/>
+            </a:pPr>
+            <a:r>
+              <a:rPr lang="en-US" dirty="0" smtClean="0"/>
+              <a:t>Ruby most notably has blocks, but also lambdas (keyword) and </a:t>
+            </a:r>
+            <a:r>
               <a:rPr lang="en-US" dirty="0" err="1" smtClean="0"/>
-              <a:t>com·po·si·tion</a:t>
-            </a:r>
-            <a:r>
-              <a:rPr lang="en-US" dirty="0" smtClean="0"/>
-              <a:t> </a:t>
-            </a:r>
-            <a:r>
-              <a:rPr lang="en-US" i="1" dirty="0" smtClean="0"/>
-              <a:t>-noun</a:t>
-            </a:r>
-            <a:r>
-              <a:rPr lang="en-US" dirty="0" smtClean="0"/>
-              <a:t/>
-            </a:r>
-            <a:br>
-              <a:rPr lang="en-US" dirty="0" smtClean="0"/>
-            </a:br>
-            <a:r>
-              <a:rPr lang="en-US" dirty="0" smtClean="0"/>
-              <a:t>1. the act of combining parts or 	elements to form a whole</a:t>
-            </a:r>
-            <a:br>
-              <a:rPr lang="en-US" dirty="0" smtClean="0"/>
-            </a:br>
-            <a:r>
-              <a:rPr lang="en-US" dirty="0" smtClean="0"/>
-              <a:t>2. the resulting state or product</a:t>
-            </a:r>
-            <a:br>
-              <a:rPr lang="en-US" dirty="0" smtClean="0"/>
-            </a:br>
-            <a:r>
-              <a:rPr lang="en-US" dirty="0" smtClean="0"/>
-              <a:t>3. manner of being composed;</a:t>
-            </a:r>
-            <a:br>
-              <a:rPr lang="en-US" dirty="0" smtClean="0"/>
-            </a:br>
-            <a:r>
-              <a:rPr lang="en-US" dirty="0" smtClean="0"/>
-              <a:t>structure: </a:t>
-            </a:r>
-            <a:r>
-              <a:rPr lang="en-US" i="1" dirty="0" smtClean="0"/>
-              <a:t>This painting has an orderly	composition.</a:t>
+              <a:t>procs</a:t>
+            </a:r>
+            <a:r>
+              <a:rPr lang="en-US" dirty="0" smtClean="0"/>
+              <a:t>!</a:t>
+            </a:r>
+          </a:p>
+          <a:p>
+            <a:pPr>
+              <a:buFont typeface="Wingdings" charset="2"/>
+              <a:buChar char="§"/>
+            </a:pPr>
+            <a:r>
+              <a:rPr lang="en-US" dirty="0" err="1" smtClean="0"/>
+              <a:t>Scala</a:t>
+            </a:r>
+            <a:r>
+              <a:rPr lang="en-US" dirty="0" smtClean="0"/>
+              <a:t> has </a:t>
+            </a:r>
+            <a:r>
+              <a:rPr lang="en-US" dirty="0" smtClean="0"/>
+              <a:t>methods, </a:t>
+            </a:r>
+            <a:r>
+              <a:rPr lang="en-US" dirty="0" smtClean="0"/>
+              <a:t>function traits, and shorthand yielding trait instances.</a:t>
+            </a:r>
+          </a:p>
+          <a:p>
+            <a:pPr>
+              <a:buFont typeface="Wingdings" charset="2"/>
+              <a:buChar char="§"/>
+            </a:pPr>
+            <a:r>
+              <a:rPr lang="en-US" dirty="0" smtClean="0"/>
+              <a:t>How a programming language refers to such a construct is entirely preferential.</a:t>
             </a:r>
           </a:p>
         </p:txBody>
@@ -4211,93 +4472,57 @@
       </p:grpSpPr>
       <p:sp>
         <p:nvSpPr>
-          <p:cNvPr id="3" name="Content Placeholder 2"/>
-          <p:cNvSpPr>
-            <a:spLocks noGrp="1"/>
-          </p:cNvSpPr>
+          <p:cNvPr id="2" name="Title 1"/>
+          <p:cNvSpPr>
+            <a:spLocks noGrp="1"/>
+          </p:cNvSpPr>
+          <p:nvPr>
+            <p:ph type="title"/>
+          </p:nvPr>
+        </p:nvSpPr>
+        <p:spPr>
+          <a:xfrm>
+            <a:off x="457199" y="274638"/>
+            <a:ext cx="8190895" cy="1143000"/>
+          </a:xfrm>
+        </p:spPr>
+        <p:txBody>
+          <a:bodyPr/>
+          <a:lstStyle/>
+          <a:p>
+            <a:pPr algn="ctr"/>
+            <a:r>
+              <a:rPr lang="en-US" dirty="0" smtClean="0"/>
+              <a:t>Function Composition</a:t>
+            </a:r>
+            <a:endParaRPr lang="en-US" dirty="0"/>
+          </a:p>
+        </p:txBody>
+      </p:sp>
+      <p:pic>
+        <p:nvPicPr>
+          <p:cNvPr id="4" name="Content Placeholder 3" descr="beethoven7.jpeg"/>
+          <p:cNvPicPr>
+            <a:picLocks noGrp="1" noChangeAspect="1"/>
+          </p:cNvPicPr>
           <p:nvPr>
             <p:ph idx="1"/>
           </p:nvPr>
-        </p:nvSpPr>
-        <p:spPr/>
-        <p:txBody>
-          <a:bodyPr>
-            <a:normAutofit/>
-          </a:bodyPr>
-          <a:lstStyle/>
-          <a:p>
-            <a:pPr>
-              <a:buFont typeface="Wingdings" charset="2"/>
-              <a:buChar char="§"/>
-            </a:pPr>
-            <a:r>
-              <a:rPr lang="en-US" dirty="0" err="1" smtClean="0"/>
-              <a:t>com·po·si·tion</a:t>
-            </a:r>
-            <a:r>
-              <a:rPr lang="en-US" dirty="0" smtClean="0"/>
-              <a:t> </a:t>
-            </a:r>
-            <a:r>
-              <a:rPr lang="en-US" i="1" dirty="0" smtClean="0"/>
-              <a:t>-noun</a:t>
-            </a:r>
-            <a:r>
-              <a:rPr lang="en-US" dirty="0" smtClean="0"/>
-              <a:t/>
-            </a:r>
-            <a:br>
-              <a:rPr lang="en-US" dirty="0" smtClean="0"/>
-            </a:br>
-            <a:r>
-              <a:rPr lang="en-US" dirty="0" smtClean="0"/>
-              <a:t>1. the act of combining parts or 	elements to form a whole</a:t>
-            </a:r>
-            <a:br>
-              <a:rPr lang="en-US" dirty="0" smtClean="0"/>
-            </a:br>
-            <a:r>
-              <a:rPr lang="en-US" dirty="0" smtClean="0"/>
-              <a:t>2. the resulting state or product</a:t>
-            </a:r>
-            <a:br>
-              <a:rPr lang="en-US" dirty="0" smtClean="0"/>
-            </a:br>
-            <a:r>
-              <a:rPr lang="en-US" dirty="0" smtClean="0"/>
-              <a:t>3. manner of being composed;</a:t>
-            </a:r>
-            <a:br>
-              <a:rPr lang="en-US" dirty="0" smtClean="0"/>
-            </a:br>
-            <a:r>
-              <a:rPr lang="en-US" dirty="0" smtClean="0"/>
-              <a:t>structure: </a:t>
-            </a:r>
-            <a:r>
-              <a:rPr lang="en-US" i="1" dirty="0" smtClean="0"/>
-              <a:t>This painting has an orderly	composition.</a:t>
-            </a:r>
-          </a:p>
-          <a:p>
-            <a:pPr>
-              <a:buFont typeface="Wingdings" charset="2"/>
-              <a:buChar char="§"/>
-            </a:pPr>
-            <a:endParaRPr lang="en-US" i="1" dirty="0" smtClean="0"/>
-          </a:p>
-          <a:p>
-            <a:pPr>
-              <a:buNone/>
-            </a:pPr>
-            <a:r>
-              <a:rPr lang="en-US" dirty="0" smtClean="0"/>
-              <a:t>Let’s glance back at the math…</a:t>
-            </a:r>
-            <a:endParaRPr lang="en-US" i="1" dirty="0" smtClean="0"/>
-          </a:p>
-        </p:txBody>
-      </p:sp>
+        </p:nvPicPr>
+        <p:blipFill>
+          <a:blip r:embed="rId2"/>
+          <a:srcRect l="-56330" r="-56330"/>
+          <a:stretch>
+            <a:fillRect/>
+          </a:stretch>
+        </p:blipFill>
+        <p:spPr>
+          <a:xfrm>
+            <a:off x="732970" y="1600200"/>
+            <a:ext cx="7467600" cy="4525963"/>
+          </a:xfrm>
+        </p:spPr>
+      </p:pic>
     </p:spTree>
   </p:cSld>
   <p:clrMapOvr>
@@ -4332,42 +4557,17 @@
       </p:grpSpPr>
       <p:sp>
         <p:nvSpPr>
-          <p:cNvPr id="2" name="Title 1"/>
-          <p:cNvSpPr>
-            <a:spLocks noGrp="1"/>
-          </p:cNvSpPr>
-          <p:nvPr>
-            <p:ph type="title"/>
+          <p:cNvPr id="3" name="Content Placeholder 2"/>
+          <p:cNvSpPr>
+            <a:spLocks noGrp="1"/>
+          </p:cNvSpPr>
+          <p:nvPr>
+            <p:ph idx="1"/>
           </p:nvPr>
         </p:nvSpPr>
         <p:spPr/>
         <p:txBody>
           <a:bodyPr/>
-          <a:lstStyle/>
-          <a:p>
-            <a:r>
-              <a:rPr lang="en-US" dirty="0" smtClean="0"/>
-              <a:t>Function Composition</a:t>
-            </a:r>
-            <a:endParaRPr lang="en-US" dirty="0"/>
-          </a:p>
-        </p:txBody>
-      </p:sp>
-      <p:sp>
-        <p:nvSpPr>
-          <p:cNvPr id="3" name="Content Placeholder 2"/>
-          <p:cNvSpPr>
-            <a:spLocks noGrp="1"/>
-          </p:cNvSpPr>
-          <p:nvPr>
-            <p:ph idx="1"/>
-          </p:nvPr>
-        </p:nvSpPr>
-        <p:spPr/>
-        <p:txBody>
-          <a:bodyPr>
-            <a:normAutofit/>
-          </a:bodyPr>
           <a:lstStyle/>
           <a:p>
             <a:pPr>
@@ -4375,226 +4575,53 @@
               <a:buChar char="§"/>
             </a:pPr>
             <a:r>
-              <a:rPr lang="en-US" i="1" dirty="0" err="1" smtClean="0">
-                <a:solidFill>
-                  <a:srgbClr val="CCAF0A"/>
-                </a:solidFill>
-                <a:latin typeface="Franklin Gothic Book"/>
-                <a:cs typeface="Franklin Gothic Book"/>
-              </a:rPr>
-              <a:t>y</a:t>
-            </a:r>
-            <a:r>
-              <a:rPr lang="en-US" i="1" dirty="0" smtClean="0">
-                <a:solidFill>
-                  <a:srgbClr val="CCAF0A"/>
-                </a:solidFill>
-                <a:latin typeface="Franklin Gothic Book"/>
-                <a:cs typeface="Franklin Gothic Book"/>
-              </a:rPr>
-              <a:t> = </a:t>
-            </a:r>
-            <a:r>
-              <a:rPr lang="en-US" i="1" dirty="0" err="1" smtClean="0">
-                <a:solidFill>
-                  <a:srgbClr val="CCAF0A"/>
-                </a:solidFill>
-                <a:latin typeface="Franklin Gothic Book"/>
-                <a:cs typeface="Franklin Gothic Book"/>
-              </a:rPr>
-              <a:t>f(x</a:t>
-            </a:r>
-            <a:r>
-              <a:rPr lang="en-US" i="1" dirty="0" smtClean="0">
-                <a:solidFill>
-                  <a:srgbClr val="CCAF0A"/>
-                </a:solidFill>
-                <a:latin typeface="Franklin Gothic Book"/>
-                <a:cs typeface="Franklin Gothic Book"/>
-              </a:rPr>
-              <a:t>) </a:t>
-            </a:r>
-            <a:r>
-              <a:rPr lang="en-US" dirty="0" smtClean="0">
-                <a:latin typeface="Franklin Gothic Book"/>
-                <a:cs typeface="Franklin Gothic Book"/>
-              </a:rPr>
-              <a:t>or </a:t>
-            </a:r>
-            <a:r>
-              <a:rPr lang="en-US" i="1" dirty="0" err="1" smtClean="0">
-                <a:solidFill>
-                  <a:srgbClr val="CCAF0A"/>
-                </a:solidFill>
-                <a:latin typeface="Franklin Gothic Book"/>
-                <a:cs typeface="Franklin Gothic Book"/>
-              </a:rPr>
-              <a:t>f</a:t>
-            </a:r>
-            <a:r>
-              <a:rPr lang="en-US" i="1" dirty="0" smtClean="0">
-                <a:solidFill>
-                  <a:srgbClr val="CCAF0A"/>
-                </a:solidFill>
-                <a:latin typeface="Franklin Gothic Book"/>
-                <a:cs typeface="Franklin Gothic Book"/>
-              </a:rPr>
-              <a:t>: </a:t>
-            </a:r>
-            <a:r>
-              <a:rPr lang="en-US" i="1" dirty="0" err="1" smtClean="0">
-                <a:solidFill>
-                  <a:srgbClr val="CCAF0A"/>
-                </a:solidFill>
-                <a:latin typeface="Franklin Gothic Book"/>
-                <a:cs typeface="Franklin Gothic Book"/>
-              </a:rPr>
-              <a:t>x</a:t>
-            </a:r>
-            <a:r>
-              <a:rPr lang="en-US" i="1" dirty="0" smtClean="0">
-                <a:solidFill>
-                  <a:srgbClr val="CCAF0A"/>
-                </a:solidFill>
-                <a:latin typeface="Franklin Gothic Book"/>
-                <a:cs typeface="Franklin Gothic Book"/>
-              </a:rPr>
-              <a:t> -&gt; </a:t>
-            </a:r>
-            <a:r>
-              <a:rPr lang="en-US" i="1" dirty="0" err="1" smtClean="0">
-                <a:solidFill>
-                  <a:srgbClr val="CCAF0A"/>
-                </a:solidFill>
-                <a:latin typeface="Franklin Gothic Book"/>
-                <a:cs typeface="Franklin Gothic Book"/>
-              </a:rPr>
-              <a:t>y</a:t>
-            </a:r>
-            <a:endParaRPr lang="en-US" i="1" dirty="0" smtClean="0">
-              <a:solidFill>
-                <a:srgbClr val="CCAF0A"/>
-              </a:solidFill>
-              <a:latin typeface="Franklin Gothic Book"/>
-              <a:cs typeface="Franklin Gothic Book"/>
-            </a:endParaRPr>
-          </a:p>
-          <a:p>
-            <a:pPr>
-              <a:buFont typeface="Wingdings" charset="2"/>
-              <a:buChar char="§"/>
-            </a:pPr>
-            <a:r>
-              <a:rPr lang="en-US" dirty="0" smtClean="0">
-                <a:latin typeface="Franklin Gothic Book"/>
-                <a:cs typeface="Franklin Gothic Book"/>
-              </a:rPr>
-              <a:t>“</a:t>
-            </a:r>
-            <a:r>
-              <a:rPr lang="en-US" dirty="0" err="1" smtClean="0">
-                <a:latin typeface="Franklin Gothic Book"/>
-                <a:cs typeface="Franklin Gothic Book"/>
-              </a:rPr>
-              <a:t>y</a:t>
-            </a:r>
-            <a:r>
-              <a:rPr lang="en-US" dirty="0" smtClean="0">
-                <a:latin typeface="Franklin Gothic Book"/>
-                <a:cs typeface="Franklin Gothic Book"/>
-              </a:rPr>
-              <a:t> is a function of </a:t>
-            </a:r>
-            <a:r>
-              <a:rPr lang="en-US" dirty="0" err="1" smtClean="0">
-                <a:latin typeface="Franklin Gothic Book"/>
-                <a:cs typeface="Franklin Gothic Book"/>
-              </a:rPr>
-              <a:t>x</a:t>
-            </a:r>
-            <a:r>
-              <a:rPr lang="en-US" dirty="0" smtClean="0">
-                <a:latin typeface="Franklin Gothic Book"/>
-                <a:cs typeface="Franklin Gothic Book"/>
-              </a:rPr>
-              <a:t>”</a:t>
-            </a:r>
-          </a:p>
-          <a:p>
-            <a:pPr lvl="1">
-              <a:buFont typeface="Wingdings" charset="2"/>
-              <a:buChar char="§"/>
-            </a:pPr>
-            <a:r>
-              <a:rPr lang="en-US" dirty="0" smtClean="0">
-                <a:latin typeface="Franklin Gothic Book"/>
-                <a:cs typeface="Franklin Gothic Book"/>
-              </a:rPr>
-              <a:t>The value of </a:t>
-            </a:r>
-            <a:r>
-              <a:rPr lang="en-US" dirty="0" err="1" smtClean="0">
-                <a:latin typeface="Franklin Gothic Book"/>
-                <a:cs typeface="Franklin Gothic Book"/>
-              </a:rPr>
-              <a:t>y</a:t>
-            </a:r>
-            <a:r>
-              <a:rPr lang="en-US" dirty="0" smtClean="0">
-                <a:latin typeface="Franklin Gothic Book"/>
-                <a:cs typeface="Franklin Gothic Book"/>
-              </a:rPr>
-              <a:t> depends on </a:t>
-            </a:r>
-            <a:r>
-              <a:rPr lang="en-US" dirty="0" err="1" smtClean="0">
-                <a:latin typeface="Franklin Gothic Book"/>
-                <a:cs typeface="Franklin Gothic Book"/>
-              </a:rPr>
-              <a:t>x</a:t>
-            </a:r>
-            <a:r>
-              <a:rPr lang="en-US" dirty="0" smtClean="0">
-                <a:latin typeface="Franklin Gothic Book"/>
-                <a:cs typeface="Franklin Gothic Book"/>
-              </a:rPr>
-              <a:t>; a simple mapping from one value, </a:t>
-            </a:r>
-            <a:r>
-              <a:rPr lang="en-US" dirty="0" err="1" smtClean="0">
-                <a:latin typeface="Franklin Gothic Book"/>
-                <a:cs typeface="Franklin Gothic Book"/>
-              </a:rPr>
-              <a:t>x</a:t>
-            </a:r>
-            <a:r>
-              <a:rPr lang="en-US" dirty="0" smtClean="0">
-                <a:latin typeface="Franklin Gothic Book"/>
-                <a:cs typeface="Franklin Gothic Book"/>
-              </a:rPr>
-              <a:t>, to another, </a:t>
-            </a:r>
-            <a:r>
-              <a:rPr lang="en-US" dirty="0" err="1" smtClean="0">
-                <a:latin typeface="Franklin Gothic Book"/>
-                <a:cs typeface="Franklin Gothic Book"/>
-              </a:rPr>
-              <a:t>y</a:t>
-            </a:r>
-            <a:r>
-              <a:rPr lang="en-US" dirty="0" smtClean="0">
-                <a:latin typeface="Franklin Gothic Book"/>
-                <a:cs typeface="Franklin Gothic Book"/>
-              </a:rPr>
-              <a:t>.</a:t>
-            </a:r>
-            <a:endParaRPr lang="en-US" i="1" dirty="0" smtClean="0">
-              <a:solidFill>
-                <a:srgbClr val="CCAF0A"/>
-              </a:solidFill>
-              <a:latin typeface="Franklin Gothic Book"/>
-              <a:cs typeface="Franklin Gothic Book"/>
-            </a:endParaRPr>
+              <a:rPr lang="en-US" dirty="0" err="1" smtClean="0"/>
+              <a:t>com·po·si·tion</a:t>
+            </a:r>
+            <a:r>
+              <a:rPr lang="en-US" dirty="0" smtClean="0"/>
+              <a:t> </a:t>
+            </a:r>
+            <a:r>
+              <a:rPr lang="en-US" i="1" dirty="0" smtClean="0"/>
+              <a:t>-noun</a:t>
+            </a:r>
+            <a:r>
+              <a:rPr lang="en-US" dirty="0" smtClean="0"/>
+              <a:t/>
+            </a:r>
+            <a:br>
+              <a:rPr lang="en-US" dirty="0" smtClean="0"/>
+            </a:br>
+            <a:r>
+              <a:rPr lang="en-US" dirty="0" smtClean="0"/>
+              <a:t>1. the act of combining parts or 	elements to form a whole</a:t>
+            </a:r>
+            <a:br>
+              <a:rPr lang="en-US" dirty="0" smtClean="0"/>
+            </a:br>
+            <a:r>
+              <a:rPr lang="en-US" dirty="0" smtClean="0"/>
+              <a:t>2. the resulting state or product</a:t>
+            </a:r>
+            <a:br>
+              <a:rPr lang="en-US" dirty="0" smtClean="0"/>
+            </a:br>
+            <a:r>
+              <a:rPr lang="en-US" dirty="0" smtClean="0"/>
+              <a:t>3. manner of being composed;</a:t>
+            </a:r>
+            <a:br>
+              <a:rPr lang="en-US" dirty="0" smtClean="0"/>
+            </a:br>
+            <a:r>
+              <a:rPr lang="en-US" dirty="0" smtClean="0"/>
+              <a:t>structure: </a:t>
+            </a:r>
+            <a:r>
+              <a:rPr lang="en-US" i="1" dirty="0" smtClean="0"/>
+              <a:t>This painting has an orderly	composition.</a:t>
+            </a:r>
           </a:p>
         </p:txBody>
       </p:sp>
@@ -4632,29 +4659,6 @@
       </p:grpSpPr>
       <p:sp>
         <p:nvSpPr>
-          <p:cNvPr id="2" name="Title 1"/>
-          <p:cNvSpPr>
-            <a:spLocks noGrp="1"/>
-          </p:cNvSpPr>
-          <p:nvPr>
-            <p:ph type="title"/>
-          </p:nvPr>
-        </p:nvSpPr>
-        <p:spPr/>
-        <p:txBody>
-          <a:bodyPr/>
-          <a:lstStyle/>
-          <a:p>
-            <a:r>
-              <a:rPr lang="en-US" dirty="0" smtClean="0"/>
-              <a:t>Function Composition</a:t>
-            </a:r>
-            <a:endParaRPr lang="en-US" dirty="0"/>
-          </a:p>
-        </p:txBody>
-      </p:sp>
-      <p:sp>
-        <p:nvSpPr>
           <p:cNvPr id="3" name="Content Placeholder 2"/>
           <p:cNvSpPr>
             <a:spLocks noGrp="1"/>
@@ -4675,358 +4679,70 @@
               <a:buChar char="§"/>
             </a:pPr>
             <a:r>
-              <a:rPr lang="en-US" i="1" dirty="0" smtClean="0">
-                <a:solidFill>
-                  <a:srgbClr val="CCAF0A"/>
-                </a:solidFill>
-                <a:latin typeface="Franklin Gothic Book"/>
-                <a:cs typeface="Franklin Gothic Book"/>
-              </a:rPr>
-              <a:t>y = </a:t>
-            </a:r>
-            <a:r>
-              <a:rPr lang="en-US" i="1" dirty="0" err="1" smtClean="0">
-                <a:solidFill>
-                  <a:srgbClr val="CCAF0A"/>
-                </a:solidFill>
-                <a:latin typeface="Franklin Gothic Book"/>
-                <a:cs typeface="Franklin Gothic Book"/>
-              </a:rPr>
-              <a:t>f(x</a:t>
-            </a:r>
-            <a:r>
-              <a:rPr lang="en-US" i="1" dirty="0" smtClean="0">
-                <a:solidFill>
-                  <a:srgbClr val="CCAF0A"/>
-                </a:solidFill>
-                <a:latin typeface="Franklin Gothic Book"/>
-                <a:cs typeface="Franklin Gothic Book"/>
-              </a:rPr>
-              <a:t>) </a:t>
-            </a:r>
-            <a:r>
-              <a:rPr lang="en-US" dirty="0" smtClean="0">
-                <a:latin typeface="Franklin Gothic Book"/>
-                <a:cs typeface="Franklin Gothic Book"/>
-              </a:rPr>
-              <a:t>or </a:t>
-            </a:r>
-            <a:r>
-              <a:rPr lang="en-US" i="1" dirty="0" err="1" smtClean="0">
-                <a:solidFill>
-                  <a:srgbClr val="CCAF0A"/>
-                </a:solidFill>
-                <a:latin typeface="Franklin Gothic Book"/>
-                <a:cs typeface="Franklin Gothic Book"/>
-              </a:rPr>
-              <a:t>f</a:t>
-            </a:r>
-            <a:r>
-              <a:rPr lang="en-US" i="1" dirty="0" smtClean="0">
-                <a:solidFill>
-                  <a:srgbClr val="CCAF0A"/>
-                </a:solidFill>
-                <a:latin typeface="Franklin Gothic Book"/>
-                <a:cs typeface="Franklin Gothic Book"/>
-              </a:rPr>
-              <a:t>: </a:t>
-            </a:r>
-            <a:r>
-              <a:rPr lang="en-US" i="1" dirty="0" err="1" smtClean="0">
-                <a:solidFill>
-                  <a:srgbClr val="CCAF0A"/>
-                </a:solidFill>
-                <a:latin typeface="Franklin Gothic Book"/>
-                <a:cs typeface="Franklin Gothic Book"/>
-              </a:rPr>
-              <a:t>x</a:t>
-            </a:r>
-            <a:r>
-              <a:rPr lang="en-US" i="1" dirty="0" smtClean="0">
-                <a:solidFill>
-                  <a:srgbClr val="CCAF0A"/>
-                </a:solidFill>
-                <a:latin typeface="Franklin Gothic Book"/>
-                <a:cs typeface="Franklin Gothic Book"/>
-              </a:rPr>
-              <a:t> -&gt; </a:t>
-            </a:r>
-            <a:r>
-              <a:rPr lang="en-US" i="1" dirty="0" err="1" smtClean="0">
-                <a:solidFill>
-                  <a:srgbClr val="CCAF0A"/>
-                </a:solidFill>
-                <a:latin typeface="Franklin Gothic Book"/>
-                <a:cs typeface="Franklin Gothic Book"/>
-              </a:rPr>
-              <a:t>y</a:t>
-            </a:r>
-            <a:endParaRPr lang="en-US" i="1" dirty="0" smtClean="0">
-              <a:solidFill>
-                <a:srgbClr val="CCAF0A"/>
-              </a:solidFill>
-              <a:latin typeface="Franklin Gothic Book"/>
-              <a:cs typeface="Franklin Gothic Book"/>
-            </a:endParaRPr>
+              <a:rPr lang="en-US" dirty="0" err="1" smtClean="0"/>
+              <a:t>com·po·si·tion</a:t>
+            </a:r>
+            <a:r>
+              <a:rPr lang="en-US" dirty="0" smtClean="0"/>
+              <a:t> </a:t>
+            </a:r>
+            <a:r>
+              <a:rPr lang="en-US" i="1" dirty="0" smtClean="0"/>
+              <a:t>-noun</a:t>
+            </a:r>
+            <a:r>
+              <a:rPr lang="en-US" dirty="0" smtClean="0"/>
+              <a:t/>
+            </a:r>
+            <a:br>
+              <a:rPr lang="en-US" dirty="0" smtClean="0"/>
+            </a:br>
+            <a:r>
+              <a:rPr lang="en-US" dirty="0" smtClean="0"/>
+              <a:t>1. the act of combining parts or 	elements to form a whole</a:t>
+            </a:r>
+            <a:br>
+              <a:rPr lang="en-US" dirty="0" smtClean="0"/>
+            </a:br>
+            <a:r>
+              <a:rPr lang="en-US" dirty="0" smtClean="0"/>
+              <a:t>2. the resulting state or product</a:t>
+            </a:r>
+            <a:br>
+              <a:rPr lang="en-US" dirty="0" smtClean="0"/>
+            </a:br>
+            <a:r>
+              <a:rPr lang="en-US" dirty="0" smtClean="0"/>
+              <a:t>3. manner of being composed;</a:t>
+            </a:r>
+            <a:br>
+              <a:rPr lang="en-US" dirty="0" smtClean="0"/>
+            </a:br>
+            <a:r>
+              <a:rPr lang="en-US" dirty="0" smtClean="0"/>
+              <a:t>structure: </a:t>
+            </a:r>
+            <a:r>
+              <a:rPr lang="en-US" i="1" dirty="0" smtClean="0"/>
+              <a:t>This painting has an orderly	composition.</a:t>
+            </a:r>
           </a:p>
           <a:p>
             <a:pPr>
               <a:buFont typeface="Wingdings" charset="2"/>
               <a:buChar char="§"/>
             </a:pPr>
-            <a:r>
-              <a:rPr lang="en-US" dirty="0" smtClean="0">
-                <a:latin typeface="Franklin Gothic Book"/>
-                <a:cs typeface="Franklin Gothic Book"/>
-              </a:rPr>
-              <a:t>“</a:t>
-            </a:r>
-            <a:r>
-              <a:rPr lang="en-US" dirty="0" err="1" smtClean="0">
-                <a:latin typeface="Franklin Gothic Book"/>
-                <a:cs typeface="Franklin Gothic Book"/>
-              </a:rPr>
-              <a:t>y</a:t>
-            </a:r>
-            <a:r>
-              <a:rPr lang="en-US" dirty="0" smtClean="0">
-                <a:latin typeface="Franklin Gothic Book"/>
-                <a:cs typeface="Franklin Gothic Book"/>
-              </a:rPr>
-              <a:t> is a function of </a:t>
-            </a:r>
-            <a:r>
-              <a:rPr lang="en-US" dirty="0" err="1" smtClean="0">
-                <a:latin typeface="Franklin Gothic Book"/>
-                <a:cs typeface="Franklin Gothic Book"/>
-              </a:rPr>
-              <a:t>x</a:t>
-            </a:r>
-            <a:r>
-              <a:rPr lang="en-US" dirty="0" smtClean="0">
-                <a:latin typeface="Franklin Gothic Book"/>
-                <a:cs typeface="Franklin Gothic Book"/>
-              </a:rPr>
-              <a:t>”</a:t>
-            </a:r>
-          </a:p>
-          <a:p>
-            <a:pPr lvl="1">
-              <a:buFont typeface="Wingdings" charset="2"/>
-              <a:buChar char="§"/>
+            <a:endParaRPr lang="en-US" i="1" dirty="0" smtClean="0"/>
+          </a:p>
+          <a:p>
+            <a:pPr>
+              <a:buNone/>
             </a:pPr>
             <a:r>
-              <a:rPr lang="en-US" dirty="0" smtClean="0">
-                <a:latin typeface="Franklin Gothic Book"/>
-                <a:cs typeface="Franklin Gothic Book"/>
-              </a:rPr>
-              <a:t>The value of </a:t>
-            </a:r>
-            <a:r>
-              <a:rPr lang="en-US" dirty="0" err="1" smtClean="0">
-                <a:latin typeface="Franklin Gothic Book"/>
-                <a:cs typeface="Franklin Gothic Book"/>
-              </a:rPr>
-              <a:t>y</a:t>
-            </a:r>
-            <a:r>
-              <a:rPr lang="en-US" dirty="0" smtClean="0">
-                <a:latin typeface="Franklin Gothic Book"/>
-                <a:cs typeface="Franklin Gothic Book"/>
-              </a:rPr>
-              <a:t> depends on </a:t>
-            </a:r>
-            <a:r>
-              <a:rPr lang="en-US" dirty="0" err="1" smtClean="0">
-                <a:latin typeface="Franklin Gothic Book"/>
-                <a:cs typeface="Franklin Gothic Book"/>
-              </a:rPr>
-              <a:t>x</a:t>
-            </a:r>
-            <a:r>
-              <a:rPr lang="en-US" dirty="0" smtClean="0">
-                <a:latin typeface="Franklin Gothic Book"/>
-                <a:cs typeface="Franklin Gothic Book"/>
-              </a:rPr>
-              <a:t>; a simple mapping from one value, </a:t>
-            </a:r>
-            <a:r>
-              <a:rPr lang="en-US" dirty="0" err="1" smtClean="0">
-                <a:latin typeface="Franklin Gothic Book"/>
-                <a:cs typeface="Franklin Gothic Book"/>
-              </a:rPr>
-              <a:t>x</a:t>
-            </a:r>
-            <a:r>
-              <a:rPr lang="en-US" dirty="0" smtClean="0">
-                <a:latin typeface="Franklin Gothic Book"/>
-                <a:cs typeface="Franklin Gothic Book"/>
-              </a:rPr>
-              <a:t>, to another, </a:t>
-            </a:r>
-            <a:r>
-              <a:rPr lang="en-US" dirty="0" err="1" smtClean="0">
-                <a:latin typeface="Franklin Gothic Book"/>
-                <a:cs typeface="Franklin Gothic Book"/>
-              </a:rPr>
-              <a:t>y</a:t>
-            </a:r>
-            <a:r>
-              <a:rPr lang="en-US" dirty="0" smtClean="0">
-                <a:latin typeface="Franklin Gothic Book"/>
-                <a:cs typeface="Franklin Gothic Book"/>
-              </a:rPr>
-              <a:t>.</a:t>
-            </a:r>
-            <a:endParaRPr lang="en-US" i="1" dirty="0" smtClean="0">
-              <a:solidFill>
-                <a:srgbClr val="CCAF0A"/>
-              </a:solidFill>
-              <a:latin typeface="Franklin Gothic Book"/>
-              <a:cs typeface="Franklin Gothic Book"/>
-            </a:endParaRPr>
-          </a:p>
-          <a:p>
-            <a:pPr>
-              <a:buFont typeface="Wingdings" charset="2"/>
-              <a:buChar char="§"/>
-            </a:pPr>
-            <a:r>
-              <a:rPr lang="en-US" i="1" dirty="0" err="1" smtClean="0">
-                <a:solidFill>
-                  <a:srgbClr val="CCAF0A"/>
-                </a:solidFill>
-                <a:latin typeface="Franklin Gothic Book"/>
-                <a:cs typeface="Franklin Gothic Book"/>
-              </a:rPr>
-              <a:t>f</a:t>
-            </a:r>
-            <a:r>
-              <a:rPr lang="en-US" i="1" dirty="0" smtClean="0">
-                <a:solidFill>
-                  <a:srgbClr val="CCAF0A"/>
-                </a:solidFill>
-                <a:latin typeface="Franklin Gothic Book"/>
-                <a:cs typeface="Franklin Gothic Book"/>
-              </a:rPr>
-              <a:t>: </a:t>
-            </a:r>
-            <a:r>
-              <a:rPr lang="en-US" i="1" dirty="0" err="1" smtClean="0">
-                <a:solidFill>
-                  <a:srgbClr val="CCAF0A"/>
-                </a:solidFill>
-                <a:latin typeface="Franklin Gothic Book"/>
-                <a:cs typeface="Franklin Gothic Book"/>
-              </a:rPr>
-              <a:t>x</a:t>
-            </a:r>
-            <a:r>
-              <a:rPr lang="en-US" i="1" dirty="0" smtClean="0">
-                <a:solidFill>
-                  <a:srgbClr val="CCAF0A"/>
-                </a:solidFill>
-                <a:latin typeface="Franklin Gothic Book"/>
-                <a:cs typeface="Franklin Gothic Book"/>
-              </a:rPr>
-              <a:t> -&gt; </a:t>
-            </a:r>
-            <a:r>
-              <a:rPr lang="en-US" i="1" dirty="0" err="1" smtClean="0">
-                <a:solidFill>
-                  <a:srgbClr val="CCAF0A"/>
-                </a:solidFill>
-                <a:latin typeface="Franklin Gothic Book"/>
-                <a:cs typeface="Franklin Gothic Book"/>
-              </a:rPr>
-              <a:t>y</a:t>
-            </a:r>
-            <a:r>
-              <a:rPr lang="en-US" i="1" dirty="0" smtClean="0">
-                <a:solidFill>
-                  <a:srgbClr val="CCAF0A"/>
-                </a:solidFill>
-                <a:latin typeface="Franklin Gothic Book"/>
-                <a:cs typeface="Franklin Gothic Book"/>
-              </a:rPr>
-              <a:t> </a:t>
-            </a:r>
-            <a:r>
-              <a:rPr lang="en-US" dirty="0" smtClean="0">
-                <a:latin typeface="Franklin Gothic Book"/>
-                <a:cs typeface="Franklin Gothic Book"/>
-              </a:rPr>
-              <a:t>and </a:t>
-            </a:r>
-            <a:r>
-              <a:rPr lang="en-US" i="1" dirty="0" err="1" smtClean="0">
-                <a:solidFill>
-                  <a:srgbClr val="CCAF0A"/>
-                </a:solidFill>
-                <a:latin typeface="Franklin Gothic Book"/>
-                <a:cs typeface="Franklin Gothic Book"/>
-              </a:rPr>
-              <a:t>g</a:t>
-            </a:r>
-            <a:r>
-              <a:rPr lang="en-US" i="1" dirty="0" smtClean="0">
-                <a:solidFill>
-                  <a:srgbClr val="CCAF0A"/>
-                </a:solidFill>
-                <a:latin typeface="Franklin Gothic Book"/>
-                <a:cs typeface="Franklin Gothic Book"/>
-              </a:rPr>
-              <a:t>: </a:t>
-            </a:r>
-            <a:r>
-              <a:rPr lang="en-US" i="1" dirty="0" err="1" smtClean="0">
-                <a:solidFill>
-                  <a:srgbClr val="CCAF0A"/>
-                </a:solidFill>
-                <a:latin typeface="Franklin Gothic Book"/>
-                <a:cs typeface="Franklin Gothic Book"/>
-              </a:rPr>
-              <a:t>y</a:t>
-            </a:r>
-            <a:r>
-              <a:rPr lang="en-US" i="1" dirty="0" smtClean="0">
-                <a:solidFill>
-                  <a:srgbClr val="CCAF0A"/>
-                </a:solidFill>
-                <a:latin typeface="Franklin Gothic Book"/>
-                <a:cs typeface="Franklin Gothic Book"/>
-              </a:rPr>
-              <a:t> -&gt; </a:t>
-            </a:r>
-            <a:r>
-              <a:rPr lang="en-US" i="1" dirty="0" err="1" smtClean="0">
-                <a:solidFill>
-                  <a:srgbClr val="CCAF0A"/>
-                </a:solidFill>
-                <a:latin typeface="Franklin Gothic Book"/>
-                <a:cs typeface="Franklin Gothic Book"/>
-              </a:rPr>
-              <a:t>z</a:t>
-            </a:r>
-            <a:endParaRPr lang="en-US" i="1" dirty="0" smtClean="0">
-              <a:solidFill>
-                <a:srgbClr val="CCAF0A"/>
-              </a:solidFill>
-              <a:latin typeface="Franklin Gothic Book"/>
-              <a:cs typeface="Franklin Gothic Book"/>
-            </a:endParaRPr>
-          </a:p>
-          <a:p>
-            <a:pPr>
-              <a:buFont typeface="Wingdings" charset="2"/>
-              <a:buChar char="§"/>
-            </a:pPr>
-            <a:r>
-              <a:rPr lang="en-US" dirty="0" smtClean="0">
-                <a:cs typeface="Rockwell"/>
-              </a:rPr>
-              <a:t>The domains of these functions are suitable for composition.</a:t>
-            </a:r>
+              <a:rPr lang="en-US" dirty="0" smtClean="0"/>
+              <a:t>Let’s glance back at the math…</a:t>
+            </a:r>
+            <a:endParaRPr lang="en-US" i="1" dirty="0" smtClean="0"/>
           </a:p>
         </p:txBody>
       </p:sp>
@@ -5107,12 +4823,109 @@
               <a:buChar char="§"/>
             </a:pPr>
             <a:r>
+              <a:rPr lang="en-US" i="1" dirty="0" err="1" smtClean="0">
+                <a:solidFill>
+                  <a:srgbClr val="CCAF0A"/>
+                </a:solidFill>
+                <a:latin typeface="Franklin Gothic Book"/>
+                <a:cs typeface="Franklin Gothic Book"/>
+              </a:rPr>
+              <a:t>y</a:t>
+            </a:r>
+            <a:r>
+              <a:rPr lang="en-US" i="1" dirty="0" smtClean="0">
+                <a:solidFill>
+                  <a:srgbClr val="CCAF0A"/>
+                </a:solidFill>
+                <a:latin typeface="Franklin Gothic Book"/>
+                <a:cs typeface="Franklin Gothic Book"/>
+              </a:rPr>
+              <a:t> = </a:t>
+            </a:r>
+            <a:r>
+              <a:rPr lang="en-US" i="1" dirty="0" err="1" smtClean="0">
+                <a:solidFill>
+                  <a:srgbClr val="CCAF0A"/>
+                </a:solidFill>
+                <a:latin typeface="Franklin Gothic Book"/>
+                <a:cs typeface="Franklin Gothic Book"/>
+              </a:rPr>
+              <a:t>f(x</a:t>
+            </a:r>
+            <a:r>
+              <a:rPr lang="en-US" i="1" dirty="0" smtClean="0">
+                <a:solidFill>
+                  <a:srgbClr val="CCAF0A"/>
+                </a:solidFill>
+                <a:latin typeface="Franklin Gothic Book"/>
+                <a:cs typeface="Franklin Gothic Book"/>
+              </a:rPr>
+              <a:t>) </a:t>
+            </a:r>
+            <a:r>
               <a:rPr lang="en-US" dirty="0" smtClean="0">
-                <a:latin typeface="+mj-lt"/>
-                <a:cs typeface="Rockwell"/>
-              </a:rPr>
-              <a:t>We can combine functions with compatible domains.</a:t>
-            </a:r>
+                <a:latin typeface="Franklin Gothic Book"/>
+                <a:cs typeface="Franklin Gothic Book"/>
+              </a:rPr>
+              <a:t>or </a:t>
+            </a:r>
+            <a:r>
+              <a:rPr lang="en-US" i="1" dirty="0" err="1" smtClean="0">
+                <a:solidFill>
+                  <a:srgbClr val="CCAF0A"/>
+                </a:solidFill>
+                <a:latin typeface="Franklin Gothic Book"/>
+                <a:cs typeface="Franklin Gothic Book"/>
+              </a:rPr>
+              <a:t>f</a:t>
+            </a:r>
+            <a:r>
+              <a:rPr lang="en-US" i="1" dirty="0" smtClean="0">
+                <a:solidFill>
+                  <a:srgbClr val="CCAF0A"/>
+                </a:solidFill>
+                <a:latin typeface="Franklin Gothic Book"/>
+                <a:cs typeface="Franklin Gothic Book"/>
+              </a:rPr>
+              <a:t>: </a:t>
+            </a:r>
+            <a:r>
+              <a:rPr lang="en-US" i="1" dirty="0" err="1" smtClean="0">
+                <a:solidFill>
+                  <a:srgbClr val="CCAF0A"/>
+                </a:solidFill>
+                <a:latin typeface="Franklin Gothic Book"/>
+                <a:cs typeface="Franklin Gothic Book"/>
+              </a:rPr>
+              <a:t>x</a:t>
+            </a:r>
+            <a:r>
+              <a:rPr lang="en-US" i="1" dirty="0" smtClean="0">
+                <a:solidFill>
+                  <a:srgbClr val="CCAF0A"/>
+                </a:solidFill>
+                <a:latin typeface="Franklin Gothic Book"/>
+                <a:cs typeface="Franklin Gothic Book"/>
+              </a:rPr>
+              <a:t> -&gt; </a:t>
+            </a:r>
+            <a:r>
+              <a:rPr lang="en-US" i="1" dirty="0" err="1" smtClean="0">
+                <a:solidFill>
+                  <a:srgbClr val="CCAF0A"/>
+                </a:solidFill>
+                <a:latin typeface="Franklin Gothic Book"/>
+                <a:cs typeface="Franklin Gothic Book"/>
+              </a:rPr>
+              <a:t>y</a:t>
+            </a:r>
+            <a:endParaRPr lang="en-US" i="1" dirty="0" smtClean="0">
+              <a:solidFill>
+                <a:srgbClr val="CCAF0A"/>
+              </a:solidFill>
+              <a:latin typeface="Franklin Gothic Book"/>
+              <a:cs typeface="Franklin Gothic Book"/>
+            </a:endParaRPr>
           </a:p>
           <a:p>
             <a:pPr>
@@ -5120,244 +4933,116 @@
               <a:buChar char="§"/>
             </a:pPr>
             <a:r>
-              <a:rPr lang="en-US" i="1" dirty="0" smtClean="0">
-                <a:solidFill>
-                  <a:srgbClr val="CCAF0A"/>
-                </a:solidFill>
-                <a:latin typeface="+mj-lt"/>
-                <a:cs typeface="Rockwell"/>
-              </a:rPr>
-              <a:t>(</a:t>
-            </a:r>
-            <a:r>
-              <a:rPr lang="en-US" i="1" dirty="0" err="1" smtClean="0">
-                <a:solidFill>
-                  <a:srgbClr val="CCAF0A"/>
-                </a:solidFill>
-                <a:latin typeface="+mj-lt"/>
-                <a:cs typeface="Rockwell"/>
-              </a:rPr>
-              <a:t>g</a:t>
-            </a:r>
-            <a:r>
-              <a:rPr lang="en-US" i="1" dirty="0" smtClean="0">
-                <a:solidFill>
-                  <a:srgbClr val="CCAF0A"/>
-                </a:solidFill>
-                <a:latin typeface="+mj-lt"/>
-                <a:cs typeface="Rockwell"/>
-              </a:rPr>
-              <a:t> . </a:t>
-            </a:r>
-            <a:r>
-              <a:rPr lang="en-US" i="1" dirty="0" err="1" smtClean="0">
-                <a:solidFill>
-                  <a:srgbClr val="CCAF0A"/>
-                </a:solidFill>
-                <a:latin typeface="+mj-lt"/>
-                <a:cs typeface="Rockwell"/>
-              </a:rPr>
-              <a:t>f</a:t>
-            </a:r>
-            <a:r>
-              <a:rPr lang="en-US" i="1" dirty="0" smtClean="0">
-                <a:solidFill>
-                  <a:srgbClr val="CCAF0A"/>
-                </a:solidFill>
-                <a:latin typeface="+mj-lt"/>
-                <a:cs typeface="Rockwell"/>
-              </a:rPr>
-              <a:t>) = </a:t>
-            </a:r>
-            <a:r>
-              <a:rPr lang="en-US" i="1" dirty="0" err="1" smtClean="0">
-                <a:solidFill>
-                  <a:srgbClr val="CCAF0A"/>
-                </a:solidFill>
-                <a:latin typeface="+mj-lt"/>
-                <a:cs typeface="Rockwell"/>
-              </a:rPr>
-              <a:t>g(f(x</a:t>
-            </a:r>
-            <a:r>
-              <a:rPr lang="en-US" i="1" dirty="0" smtClean="0">
-                <a:solidFill>
-                  <a:srgbClr val="CCAF0A"/>
-                </a:solidFill>
-                <a:latin typeface="+mj-lt"/>
-                <a:cs typeface="Rockwell"/>
-              </a:rPr>
-              <a:t>)) </a:t>
-            </a:r>
-            <a:r>
               <a:rPr lang="en-US" dirty="0" smtClean="0">
-                <a:cs typeface="Rockwell"/>
-              </a:rPr>
-              <a:t>or </a:t>
-            </a:r>
-            <a:r>
-              <a:rPr lang="en-US" i="1" dirty="0" smtClean="0">
-                <a:solidFill>
-                  <a:srgbClr val="CCAF0A"/>
-                </a:solidFill>
-                <a:cs typeface="Rockwell"/>
-              </a:rPr>
-              <a:t>(</a:t>
-            </a:r>
-            <a:r>
-              <a:rPr lang="en-US" i="1" dirty="0" err="1" smtClean="0">
-                <a:solidFill>
-                  <a:srgbClr val="CCAF0A"/>
-                </a:solidFill>
-                <a:cs typeface="Rockwell"/>
-              </a:rPr>
-              <a:t>g</a:t>
-            </a:r>
-            <a:r>
-              <a:rPr lang="en-US" i="1" dirty="0" smtClean="0">
-                <a:solidFill>
-                  <a:srgbClr val="CCAF0A"/>
-                </a:solidFill>
-                <a:cs typeface="Rockwell"/>
-              </a:rPr>
-              <a:t> </a:t>
-            </a:r>
-            <a:r>
-              <a:rPr lang="en-US" i="1" dirty="0" err="1" smtClean="0">
-                <a:solidFill>
-                  <a:srgbClr val="CCAF0A"/>
-                </a:solidFill>
-                <a:cs typeface="Rockwell"/>
-              </a:rPr>
-              <a:t>o</a:t>
-            </a:r>
-            <a:r>
-              <a:rPr lang="en-US" i="1" dirty="0" smtClean="0">
-                <a:solidFill>
-                  <a:srgbClr val="CCAF0A"/>
-                </a:solidFill>
-                <a:cs typeface="Rockwell"/>
-              </a:rPr>
-              <a:t> </a:t>
-            </a:r>
-            <a:r>
-              <a:rPr lang="en-US" i="1" dirty="0" err="1" smtClean="0">
-                <a:solidFill>
-                  <a:srgbClr val="CCAF0A"/>
-                </a:solidFill>
-                <a:cs typeface="Rockwell"/>
-              </a:rPr>
-              <a:t>f</a:t>
-            </a:r>
-            <a:r>
-              <a:rPr lang="en-US" i="1" dirty="0" smtClean="0">
-                <a:solidFill>
-                  <a:srgbClr val="CCAF0A"/>
-                </a:solidFill>
-                <a:cs typeface="Rockwell"/>
-              </a:rPr>
-              <a:t>) = </a:t>
-            </a:r>
-            <a:r>
-              <a:rPr lang="en-US" i="1" dirty="0" err="1" smtClean="0">
-                <a:solidFill>
-                  <a:srgbClr val="CCAF0A"/>
-                </a:solidFill>
-                <a:cs typeface="Rockwell"/>
-              </a:rPr>
-              <a:t>g(f(x</a:t>
-            </a:r>
-            <a:r>
-              <a:rPr lang="en-US" i="1" dirty="0" smtClean="0">
-                <a:solidFill>
-                  <a:srgbClr val="CCAF0A"/>
-                </a:solidFill>
-                <a:cs typeface="Rockwell"/>
-              </a:rPr>
-              <a:t>))</a:t>
+                <a:latin typeface="Franklin Gothic Book"/>
+                <a:cs typeface="Franklin Gothic Book"/>
+              </a:rPr>
+              <a:t>“</a:t>
+            </a:r>
+            <a:r>
+              <a:rPr lang="en-US" dirty="0" err="1" smtClean="0">
+                <a:latin typeface="Franklin Gothic Book"/>
+                <a:cs typeface="Franklin Gothic Book"/>
+              </a:rPr>
+              <a:t>y</a:t>
+            </a:r>
+            <a:r>
+              <a:rPr lang="en-US" dirty="0" smtClean="0">
+                <a:latin typeface="Franklin Gothic Book"/>
+                <a:cs typeface="Franklin Gothic Book"/>
+              </a:rPr>
+              <a:t> is a function of </a:t>
+            </a:r>
+            <a:r>
+              <a:rPr lang="en-US" dirty="0" err="1" smtClean="0">
+                <a:latin typeface="Franklin Gothic Book"/>
+                <a:cs typeface="Franklin Gothic Book"/>
+              </a:rPr>
+              <a:t>x</a:t>
+            </a:r>
+            <a:r>
+              <a:rPr lang="en-US" dirty="0" smtClean="0">
+                <a:latin typeface="Franklin Gothic Book"/>
+                <a:cs typeface="Franklin Gothic Book"/>
+              </a:rPr>
+              <a:t>”</a:t>
+            </a:r>
+          </a:p>
+          <a:p>
+            <a:pPr lvl="1">
+              <a:buFont typeface="Wingdings" charset="2"/>
+              <a:buChar char="§"/>
+            </a:pPr>
+            <a:r>
+              <a:rPr lang="en-US" dirty="0" smtClean="0">
+                <a:latin typeface="Franklin Gothic Book"/>
+                <a:cs typeface="Franklin Gothic Book"/>
+              </a:rPr>
+              <a:t>The value of </a:t>
+            </a:r>
+            <a:r>
+              <a:rPr lang="en-US" dirty="0" err="1" smtClean="0">
+                <a:latin typeface="Franklin Gothic Book"/>
+                <a:cs typeface="Franklin Gothic Book"/>
+              </a:rPr>
+              <a:t>y</a:t>
+            </a:r>
+            <a:r>
+              <a:rPr lang="en-US" dirty="0" smtClean="0">
+                <a:latin typeface="Franklin Gothic Book"/>
+                <a:cs typeface="Franklin Gothic Book"/>
+              </a:rPr>
+              <a:t> depends on </a:t>
+            </a:r>
+            <a:r>
+              <a:rPr lang="en-US" dirty="0" err="1" smtClean="0">
+                <a:latin typeface="Franklin Gothic Book"/>
+                <a:cs typeface="Franklin Gothic Book"/>
+              </a:rPr>
+              <a:t>x</a:t>
+            </a:r>
+            <a:r>
+              <a:rPr lang="en-US" dirty="0" smtClean="0">
+                <a:latin typeface="Franklin Gothic Book"/>
+                <a:cs typeface="Franklin Gothic Book"/>
+              </a:rPr>
+              <a:t>; a simple mapping from one value, </a:t>
+            </a:r>
+            <a:r>
+              <a:rPr lang="en-US" dirty="0" err="1" smtClean="0">
+                <a:latin typeface="Franklin Gothic Book"/>
+                <a:cs typeface="Franklin Gothic Book"/>
+              </a:rPr>
+              <a:t>x</a:t>
+            </a:r>
+            <a:r>
+              <a:rPr lang="en-US" dirty="0" smtClean="0">
+                <a:latin typeface="Franklin Gothic Book"/>
+                <a:cs typeface="Franklin Gothic Book"/>
+              </a:rPr>
+              <a:t>, to another, </a:t>
+            </a:r>
+            <a:r>
+              <a:rPr lang="en-US" dirty="0" err="1" smtClean="0">
+                <a:latin typeface="Franklin Gothic Book"/>
+                <a:cs typeface="Franklin Gothic Book"/>
+              </a:rPr>
+              <a:t>y</a:t>
+            </a:r>
+            <a:r>
+              <a:rPr lang="en-US" dirty="0" smtClean="0">
+                <a:latin typeface="Franklin Gothic Book"/>
+                <a:cs typeface="Franklin Gothic Book"/>
+              </a:rPr>
+              <a:t>.</a:t>
             </a:r>
             <a:endParaRPr lang="en-US" i="1" dirty="0" smtClean="0">
               <a:solidFill>
                 <a:srgbClr val="CCAF0A"/>
               </a:solidFill>
-              <a:latin typeface="+mj-lt"/>
-              <a:cs typeface="Rockwell"/>
+              <a:latin typeface="Franklin Gothic Book"/>
+              <a:cs typeface="Franklin Gothic Book"/>
             </a:endParaRPr>
-          </a:p>
-          <a:p>
-            <a:pPr>
-              <a:buFont typeface="Wingdings" charset="2"/>
-              <a:buChar char="§"/>
-            </a:pPr>
-            <a:r>
-              <a:rPr lang="en-US" dirty="0" smtClean="0">
-                <a:latin typeface="+mj-lt"/>
-                <a:cs typeface="Rockwell"/>
-              </a:rPr>
-              <a:t>Combine the functions </a:t>
-            </a:r>
-            <a:r>
-              <a:rPr lang="en-US" dirty="0" err="1" smtClean="0">
-                <a:solidFill>
-                  <a:srgbClr val="FFFFFF"/>
-                </a:solidFill>
-                <a:latin typeface="+mj-lt"/>
-                <a:cs typeface="Rockwell"/>
-              </a:rPr>
-              <a:t>g</a:t>
-            </a:r>
-            <a:r>
-              <a:rPr lang="en-US" dirty="0" smtClean="0">
-                <a:solidFill>
-                  <a:srgbClr val="FFFFFF"/>
-                </a:solidFill>
-                <a:latin typeface="+mj-lt"/>
-                <a:cs typeface="Rockwell"/>
-              </a:rPr>
-              <a:t> and </a:t>
-            </a:r>
-            <a:r>
-              <a:rPr lang="en-US" dirty="0" err="1" smtClean="0">
-                <a:latin typeface="+mj-lt"/>
-                <a:cs typeface="Rockwell"/>
-              </a:rPr>
-              <a:t>f</a:t>
-            </a:r>
-            <a:r>
-              <a:rPr lang="en-US" dirty="0" smtClean="0">
-                <a:latin typeface="+mj-lt"/>
-                <a:cs typeface="Rockwell"/>
-              </a:rPr>
-              <a:t> into a new function that uses the result of </a:t>
-            </a:r>
-            <a:r>
-              <a:rPr lang="en-US" dirty="0" err="1" smtClean="0">
-                <a:latin typeface="+mj-lt"/>
-                <a:cs typeface="Rockwell"/>
-              </a:rPr>
-              <a:t>f(x</a:t>
-            </a:r>
-            <a:r>
-              <a:rPr lang="en-US" dirty="0" smtClean="0">
-                <a:latin typeface="+mj-lt"/>
-                <a:cs typeface="Rockwell"/>
-              </a:rPr>
-              <a:t>) as the input to </a:t>
-            </a:r>
-            <a:r>
-              <a:rPr lang="en-US" dirty="0" err="1" smtClean="0">
-                <a:latin typeface="+mj-lt"/>
-                <a:cs typeface="Rockwell"/>
-              </a:rPr>
-              <a:t>g</a:t>
-            </a:r>
-            <a:r>
-              <a:rPr lang="en-US" dirty="0" smtClean="0">
-                <a:latin typeface="+mj-lt"/>
-                <a:cs typeface="Rockwell"/>
-              </a:rPr>
-              <a:t>.</a:t>
-            </a:r>
           </a:p>
         </p:txBody>
       </p:sp>
@@ -5410,7 +5095,7 @@
           <a:p>
             <a:r>
               <a:rPr lang="en-US" dirty="0" smtClean="0"/>
-              <a:t>In JavaScript:</a:t>
+              <a:t>Function Composition</a:t>
             </a:r>
             <a:endParaRPr lang="en-US" dirty="0"/>
           </a:p>
@@ -5418,134 +5103,377 @@
       </p:sp>
       <p:sp>
         <p:nvSpPr>
-          <p:cNvPr id="5" name="TextBox 4"/>
-          <p:cNvSpPr txBox="1"/>
-          <p:nvPr/>
-        </p:nvSpPr>
-        <p:spPr>
-          <a:xfrm>
-            <a:off x="457200" y="1619905"/>
-            <a:ext cx="8178800" cy="2785378"/>
-          </a:xfrm>
-          <a:prstGeom prst="rect">
-            <a:avLst/>
-          </a:prstGeom>
-          <a:noFill/>
-        </p:spPr>
-        <p:txBody>
-          <a:bodyPr wrap="square" rtlCol="0">
-            <a:spAutoFit/>
+          <p:cNvPr id="3" name="Content Placeholder 2"/>
+          <p:cNvSpPr>
+            <a:spLocks noGrp="1"/>
+          </p:cNvSpPr>
+          <p:nvPr>
+            <p:ph idx="1"/>
+          </p:nvPr>
+        </p:nvSpPr>
+        <p:spPr/>
+        <p:txBody>
+          <a:bodyPr>
+            <a:normAutofit/>
           </a:bodyPr>
           <a:lstStyle/>
           <a:p>
-            <a:r>
-              <a:rPr lang="en-US" sz="2500" dirty="0" smtClean="0"/>
-              <a:t>function </a:t>
-            </a:r>
-            <a:r>
-              <a:rPr lang="en-US" sz="2500" dirty="0" err="1" smtClean="0"/>
-              <a:t>compose(f</a:t>
-            </a:r>
-            <a:r>
-              <a:rPr lang="en-US" sz="2500" dirty="0" smtClean="0"/>
-              <a:t>, </a:t>
-            </a:r>
-            <a:r>
-              <a:rPr lang="en-US" sz="2500" dirty="0" err="1" smtClean="0"/>
+            <a:pPr>
+              <a:buFont typeface="Wingdings" charset="2"/>
+              <a:buChar char="§"/>
+            </a:pPr>
+            <a:r>
+              <a:rPr lang="en-US" i="1" dirty="0" smtClean="0">
+                <a:solidFill>
+                  <a:srgbClr val="CCAF0A"/>
+                </a:solidFill>
+                <a:latin typeface="Franklin Gothic Book"/>
+                <a:cs typeface="Franklin Gothic Book"/>
+              </a:rPr>
+              <a:t>y = </a:t>
+            </a:r>
+            <a:r>
+              <a:rPr lang="en-US" i="1" dirty="0" err="1" smtClean="0">
+                <a:solidFill>
+                  <a:srgbClr val="CCAF0A"/>
+                </a:solidFill>
+                <a:latin typeface="Franklin Gothic Book"/>
+                <a:cs typeface="Franklin Gothic Book"/>
+              </a:rPr>
+              <a:t>f(x</a:t>
+            </a:r>
+            <a:r>
+              <a:rPr lang="en-US" i="1" dirty="0" smtClean="0">
+                <a:solidFill>
+                  <a:srgbClr val="CCAF0A"/>
+                </a:solidFill>
+                <a:latin typeface="Franklin Gothic Book"/>
+                <a:cs typeface="Franklin Gothic Book"/>
+              </a:rPr>
+              <a:t>) </a:t>
+            </a:r>
+            <a:r>
+              <a:rPr lang="en-US" dirty="0" smtClean="0">
+                <a:latin typeface="Franklin Gothic Book"/>
+                <a:cs typeface="Franklin Gothic Book"/>
+              </a:rPr>
+              <a:t>or </a:t>
+            </a:r>
+            <a:r>
+              <a:rPr lang="en-US" i="1" dirty="0" err="1" smtClean="0">
+                <a:solidFill>
+                  <a:srgbClr val="CCAF0A"/>
+                </a:solidFill>
+                <a:latin typeface="Franklin Gothic Book"/>
+                <a:cs typeface="Franklin Gothic Book"/>
+              </a:rPr>
+              <a:t>f</a:t>
+            </a:r>
+            <a:r>
+              <a:rPr lang="en-US" i="1" dirty="0" smtClean="0">
+                <a:solidFill>
+                  <a:srgbClr val="CCAF0A"/>
+                </a:solidFill>
+                <a:latin typeface="Franklin Gothic Book"/>
+                <a:cs typeface="Franklin Gothic Book"/>
+              </a:rPr>
+              <a:t>: </a:t>
+            </a:r>
+            <a:r>
+              <a:rPr lang="en-US" i="1" dirty="0" err="1" smtClean="0">
+                <a:solidFill>
+                  <a:srgbClr val="CCAF0A"/>
+                </a:solidFill>
+                <a:latin typeface="Franklin Gothic Book"/>
+                <a:cs typeface="Franklin Gothic Book"/>
+              </a:rPr>
+              <a:t>x</a:t>
+            </a:r>
+            <a:r>
+              <a:rPr lang="en-US" i="1" dirty="0" smtClean="0">
+                <a:solidFill>
+                  <a:srgbClr val="CCAF0A"/>
+                </a:solidFill>
+                <a:latin typeface="Franklin Gothic Book"/>
+                <a:cs typeface="Franklin Gothic Book"/>
+              </a:rPr>
+              <a:t> -&gt; </a:t>
+            </a:r>
+            <a:r>
+              <a:rPr lang="en-US" i="1" dirty="0" err="1" smtClean="0">
+                <a:solidFill>
+                  <a:srgbClr val="CCAF0A"/>
+                </a:solidFill>
+                <a:latin typeface="Franklin Gothic Book"/>
+                <a:cs typeface="Franklin Gothic Book"/>
+              </a:rPr>
+              <a:t>y</a:t>
+            </a:r>
+            <a:endParaRPr lang="en-US" i="1" dirty="0" smtClean="0">
+              <a:solidFill>
+                <a:srgbClr val="CCAF0A"/>
+              </a:solidFill>
+              <a:latin typeface="Franklin Gothic Book"/>
+              <a:cs typeface="Franklin Gothic Book"/>
+            </a:endParaRPr>
+          </a:p>
+          <a:p>
+            <a:pPr>
+              <a:buFont typeface="Wingdings" charset="2"/>
+              <a:buChar char="§"/>
+            </a:pPr>
+            <a:r>
+              <a:rPr lang="en-US" dirty="0" smtClean="0">
+                <a:latin typeface="Franklin Gothic Book"/>
+                <a:cs typeface="Franklin Gothic Book"/>
+              </a:rPr>
+              <a:t>“</a:t>
+            </a:r>
+            <a:r>
+              <a:rPr lang="en-US" dirty="0" err="1" smtClean="0">
+                <a:latin typeface="Franklin Gothic Book"/>
+                <a:cs typeface="Franklin Gothic Book"/>
+              </a:rPr>
+              <a:t>y</a:t>
+            </a:r>
+            <a:r>
+              <a:rPr lang="en-US" dirty="0" smtClean="0">
+                <a:latin typeface="Franklin Gothic Book"/>
+                <a:cs typeface="Franklin Gothic Book"/>
+              </a:rPr>
+              <a:t> is a function of </a:t>
+            </a:r>
+            <a:r>
+              <a:rPr lang="en-US" dirty="0" err="1" smtClean="0">
+                <a:latin typeface="Franklin Gothic Book"/>
+                <a:cs typeface="Franklin Gothic Book"/>
+              </a:rPr>
+              <a:t>x</a:t>
+            </a:r>
+            <a:r>
+              <a:rPr lang="en-US" dirty="0" smtClean="0">
+                <a:latin typeface="Franklin Gothic Book"/>
+                <a:cs typeface="Franklin Gothic Book"/>
+              </a:rPr>
+              <a:t>”</a:t>
+            </a:r>
+          </a:p>
+          <a:p>
+            <a:pPr lvl="1">
+              <a:buFont typeface="Wingdings" charset="2"/>
+              <a:buChar char="§"/>
+            </a:pPr>
+            <a:r>
+              <a:rPr lang="en-US" dirty="0" smtClean="0">
+                <a:latin typeface="Franklin Gothic Book"/>
+                <a:cs typeface="Franklin Gothic Book"/>
+              </a:rPr>
+              <a:t>The value of </a:t>
+            </a:r>
+            <a:r>
+              <a:rPr lang="en-US" dirty="0" err="1" smtClean="0">
+                <a:latin typeface="Franklin Gothic Book"/>
+                <a:cs typeface="Franklin Gothic Book"/>
+              </a:rPr>
+              <a:t>y</a:t>
+            </a:r>
+            <a:r>
+              <a:rPr lang="en-US" dirty="0" smtClean="0">
+                <a:latin typeface="Franklin Gothic Book"/>
+                <a:cs typeface="Franklin Gothic Book"/>
+              </a:rPr>
+              <a:t> depends on </a:t>
+            </a:r>
+            <a:r>
+              <a:rPr lang="en-US" dirty="0" err="1" smtClean="0">
+                <a:latin typeface="Franklin Gothic Book"/>
+                <a:cs typeface="Franklin Gothic Book"/>
+              </a:rPr>
+              <a:t>x</a:t>
+            </a:r>
+            <a:r>
+              <a:rPr lang="en-US" dirty="0" smtClean="0">
+                <a:latin typeface="Franklin Gothic Book"/>
+                <a:cs typeface="Franklin Gothic Book"/>
+              </a:rPr>
+              <a:t>; a simple mapping from one value, </a:t>
+            </a:r>
+            <a:r>
+              <a:rPr lang="en-US" dirty="0" err="1" smtClean="0">
+                <a:latin typeface="Franklin Gothic Book"/>
+                <a:cs typeface="Franklin Gothic Book"/>
+              </a:rPr>
+              <a:t>x</a:t>
+            </a:r>
+            <a:r>
+              <a:rPr lang="en-US" dirty="0" smtClean="0">
+                <a:latin typeface="Franklin Gothic Book"/>
+                <a:cs typeface="Franklin Gothic Book"/>
+              </a:rPr>
+              <a:t>, to another, </a:t>
+            </a:r>
+            <a:r>
+              <a:rPr lang="en-US" dirty="0" err="1" smtClean="0">
+                <a:latin typeface="Franklin Gothic Book"/>
+                <a:cs typeface="Franklin Gothic Book"/>
+              </a:rPr>
+              <a:t>y</a:t>
+            </a:r>
+            <a:r>
+              <a:rPr lang="en-US" dirty="0" smtClean="0">
+                <a:latin typeface="Franklin Gothic Book"/>
+                <a:cs typeface="Franklin Gothic Book"/>
+              </a:rPr>
+              <a:t>.</a:t>
+            </a:r>
+            <a:endParaRPr lang="en-US" i="1" dirty="0" smtClean="0">
+              <a:solidFill>
+                <a:srgbClr val="CCAF0A"/>
+              </a:solidFill>
+              <a:latin typeface="Franklin Gothic Book"/>
+              <a:cs typeface="Franklin Gothic Book"/>
+            </a:endParaRPr>
+          </a:p>
+          <a:p>
+            <a:pPr>
+              <a:buFont typeface="Wingdings" charset="2"/>
+              <a:buChar char="§"/>
+            </a:pPr>
+            <a:r>
+              <a:rPr lang="en-US" i="1" dirty="0" err="1" smtClean="0">
+                <a:solidFill>
+                  <a:srgbClr val="CCAF0A"/>
+                </a:solidFill>
+                <a:latin typeface="Franklin Gothic Book"/>
+                <a:cs typeface="Franklin Gothic Book"/>
+              </a:rPr>
+              <a:t>f</a:t>
+            </a:r>
+            <a:r>
+              <a:rPr lang="en-US" i="1" dirty="0" smtClean="0">
+                <a:solidFill>
+                  <a:srgbClr val="CCAF0A"/>
+                </a:solidFill>
+                <a:latin typeface="Franklin Gothic Book"/>
+                <a:cs typeface="Franklin Gothic Book"/>
+              </a:rPr>
+              <a:t>: </a:t>
+            </a:r>
+            <a:r>
+              <a:rPr lang="en-US" i="1" dirty="0" err="1" smtClean="0">
+                <a:solidFill>
+                  <a:srgbClr val="CCAF0A"/>
+                </a:solidFill>
+                <a:latin typeface="Franklin Gothic Book"/>
+                <a:cs typeface="Franklin Gothic Book"/>
+              </a:rPr>
+              <a:t>x</a:t>
+            </a:r>
+            <a:r>
+              <a:rPr lang="en-US" i="1" dirty="0" smtClean="0">
+                <a:solidFill>
+                  <a:srgbClr val="CCAF0A"/>
+                </a:solidFill>
+                <a:latin typeface="Franklin Gothic Book"/>
+                <a:cs typeface="Franklin Gothic Book"/>
+              </a:rPr>
+              <a:t> -&gt; </a:t>
+            </a:r>
+            <a:r>
+              <a:rPr lang="en-US" i="1" dirty="0" err="1" smtClean="0">
+                <a:solidFill>
+                  <a:srgbClr val="CCAF0A"/>
+                </a:solidFill>
+                <a:latin typeface="Franklin Gothic Book"/>
+                <a:cs typeface="Franklin Gothic Book"/>
+              </a:rPr>
+              <a:t>y</a:t>
+            </a:r>
+            <a:r>
+              <a:rPr lang="en-US" i="1" dirty="0" smtClean="0">
+                <a:solidFill>
+                  <a:srgbClr val="CCAF0A"/>
+                </a:solidFill>
+                <a:latin typeface="Franklin Gothic Book"/>
+                <a:cs typeface="Franklin Gothic Book"/>
+              </a:rPr>
+              <a:t> </a:t>
+            </a:r>
+            <a:r>
+              <a:rPr lang="en-US" dirty="0" smtClean="0">
+                <a:latin typeface="Franklin Gothic Book"/>
+                <a:cs typeface="Franklin Gothic Book"/>
+              </a:rPr>
+              <a:t>and </a:t>
+            </a:r>
+            <a:r>
+              <a:rPr lang="en-US" i="1" dirty="0" err="1" smtClean="0">
+                <a:solidFill>
+                  <a:srgbClr val="CCAF0A"/>
+                </a:solidFill>
+                <a:latin typeface="Franklin Gothic Book"/>
+                <a:cs typeface="Franklin Gothic Book"/>
+              </a:rPr>
               <a:t>g</a:t>
             </a:r>
             <a:r>
-              <a:rPr lang="en-US" sz="2500" dirty="0" smtClean="0"/>
-              <a:t>) {</a:t>
-            </a:r>
-          </a:p>
-          <a:p>
-            <a:r>
-              <a:rPr lang="en-US" sz="2500" dirty="0" smtClean="0">
-                <a:solidFill>
-                  <a:schemeClr val="accent1"/>
-                </a:solidFill>
-              </a:rPr>
-              <a:t>  // a closure, closing over the free</a:t>
-            </a:r>
-          </a:p>
-          <a:p>
-            <a:r>
-              <a:rPr lang="en-US" sz="2500" dirty="0" smtClean="0">
-                <a:solidFill>
-                  <a:schemeClr val="accent1"/>
-                </a:solidFill>
-              </a:rPr>
-              <a:t>  // variables </a:t>
-            </a:r>
-            <a:r>
-              <a:rPr lang="en-US" sz="2500" dirty="0" err="1" smtClean="0">
-                <a:solidFill>
-                  <a:schemeClr val="accent1"/>
-                </a:solidFill>
-              </a:rPr>
-              <a:t>f</a:t>
-            </a:r>
-            <a:r>
-              <a:rPr lang="en-US" sz="2500" dirty="0" smtClean="0">
-                <a:solidFill>
-                  <a:schemeClr val="accent1"/>
-                </a:solidFill>
-              </a:rPr>
-              <a:t> and </a:t>
-            </a:r>
-            <a:r>
-              <a:rPr lang="en-US" sz="2500" dirty="0" err="1" smtClean="0">
-                <a:solidFill>
-                  <a:schemeClr val="accent1"/>
-                </a:solidFill>
-              </a:rPr>
-              <a:t>g</a:t>
-            </a:r>
-            <a:endParaRPr lang="en-US" sz="2500" dirty="0" smtClean="0">
+              <a:rPr lang="en-US" i="1" dirty="0" smtClean="0">
+                <a:solidFill>
+                  <a:srgbClr val="CCAF0A"/>
+                </a:solidFill>
+                <a:latin typeface="Franklin Gothic Book"/>
+                <a:cs typeface="Franklin Gothic Book"/>
+              </a:rPr>
+              <a:t>: </a:t>
+            </a:r>
+            <a:r>
+              <a:rPr lang="en-US" i="1" dirty="0" err="1" smtClean="0">
+                <a:solidFill>
+                  <a:srgbClr val="CCAF0A"/>
+                </a:solidFill>
+                <a:latin typeface="Franklin Gothic Book"/>
+                <a:cs typeface="Franklin Gothic Book"/>
+              </a:rPr>
+              <a:t>y</a:t>
+            </a:r>
+            <a:r>
+              <a:rPr lang="en-US" i="1" dirty="0" smtClean="0">
+                <a:solidFill>
+                  <a:srgbClr val="CCAF0A"/>
+                </a:solidFill>
+                <a:latin typeface="Franklin Gothic Book"/>
+                <a:cs typeface="Franklin Gothic Book"/>
+              </a:rPr>
+              <a:t> -&gt; </a:t>
+            </a:r>
+            <a:r>
+              <a:rPr lang="en-US" i="1" dirty="0" err="1" smtClean="0">
+                <a:solidFill>
+                  <a:srgbClr val="CCAF0A"/>
+                </a:solidFill>
+                <a:latin typeface="Franklin Gothic Book"/>
+                <a:cs typeface="Franklin Gothic Book"/>
+              </a:rPr>
+              <a:t>z</a:t>
+            </a:r>
+            <a:endParaRPr lang="en-US" i="1" dirty="0" smtClean="0">
               <a:solidFill>
-                <a:schemeClr val="accent1"/>
+                <a:srgbClr val="CCAF0A"/>
               </a:solidFill>
+              <a:latin typeface="Franklin Gothic Book"/>
+              <a:cs typeface="Franklin Gothic Book"/>
             </a:endParaRPr>
           </a:p>
           <a:p>
-            <a:r>
-              <a:rPr lang="en-US" sz="2500" dirty="0" smtClean="0"/>
-              <a:t>  return </a:t>
-            </a:r>
-            <a:r>
-              <a:rPr lang="en-US" sz="2500" dirty="0" err="1" smtClean="0"/>
-              <a:t>function(x</a:t>
-            </a:r>
-            <a:r>
-              <a:rPr lang="en-US" sz="2500" dirty="0" smtClean="0"/>
-              <a:t>) {</a:t>
-            </a:r>
-          </a:p>
-          <a:p>
-            <a:r>
-              <a:rPr lang="en-US" sz="2500" dirty="0" smtClean="0"/>
-              <a:t>    return </a:t>
-            </a:r>
-            <a:r>
-              <a:rPr lang="en-US" sz="2500" dirty="0" err="1" smtClean="0"/>
-              <a:t>g(f(x</a:t>
-            </a:r>
-            <a:r>
-              <a:rPr lang="en-US" sz="2500" dirty="0" smtClean="0"/>
-              <a:t>));</a:t>
-            </a:r>
-          </a:p>
-          <a:p>
-            <a:r>
-              <a:rPr lang="en-US" sz="2500" dirty="0" smtClean="0"/>
-              <a:t>  }</a:t>
-            </a:r>
-          </a:p>
-          <a:p>
-            <a:r>
-              <a:rPr lang="en-US" sz="2500" dirty="0" smtClean="0"/>
-              <a:t>}</a:t>
+            <a:pPr>
+              <a:buFont typeface="Wingdings" charset="2"/>
+              <a:buChar char="§"/>
+            </a:pPr>
+            <a:r>
+              <a:rPr lang="en-US" dirty="0" smtClean="0">
+                <a:cs typeface="Rockwell"/>
+              </a:rPr>
+              <a:t>The domains of these functions are suitable for composition.</a:t>
             </a:r>
           </a:p>
         </p:txBody>
@@ -5599,15 +5527,7 @@
           <a:p>
             <a:r>
               <a:rPr lang="en-US" dirty="0" smtClean="0"/>
-              <a:t>In </a:t>
-            </a:r>
-            <a:r>
-              <a:rPr lang="en-US" dirty="0" err="1" smtClean="0"/>
-              <a:t>Scala</a:t>
-            </a:r>
-            <a:r>
-              <a:rPr lang="en-US" dirty="0" smtClean="0"/>
-              <a:t>:</a:t>
+              <a:t>Function Composition</a:t>
             </a:r>
             <a:endParaRPr lang="en-US" dirty="0"/>
           </a:p>
@@ -5615,83 +5535,276 @@
       </p:sp>
       <p:sp>
         <p:nvSpPr>
-          <p:cNvPr id="6" name="TextBox 5"/>
-          <p:cNvSpPr txBox="1"/>
-          <p:nvPr/>
-        </p:nvSpPr>
-        <p:spPr>
-          <a:xfrm>
-            <a:off x="457200" y="1572381"/>
-            <a:ext cx="6448431" cy="861774"/>
-          </a:xfrm>
-          <a:prstGeom prst="rect">
-            <a:avLst/>
-          </a:prstGeom>
-          <a:noFill/>
-        </p:spPr>
-        <p:txBody>
-          <a:bodyPr wrap="none" rtlCol="0">
-            <a:spAutoFit/>
+          <p:cNvPr id="3" name="Content Placeholder 2"/>
+          <p:cNvSpPr>
+            <a:spLocks noGrp="1"/>
+          </p:cNvSpPr>
+          <p:nvPr>
+            <p:ph idx="1"/>
+          </p:nvPr>
+        </p:nvSpPr>
+        <p:spPr/>
+        <p:txBody>
+          <a:bodyPr>
+            <a:normAutofit/>
           </a:bodyPr>
           <a:lstStyle/>
           <a:p>
-            <a:r>
-              <a:rPr lang="en-US" sz="2500" dirty="0" smtClean="0"/>
-              <a:t>def </a:t>
-            </a:r>
-            <a:r>
-              <a:rPr lang="en-US" sz="2500" dirty="0" err="1" smtClean="0"/>
-              <a:t>compose[A</a:t>
-            </a:r>
-            <a:r>
-              <a:rPr lang="en-US" sz="2500" dirty="0" smtClean="0"/>
-              <a:t>, B, </a:t>
-            </a:r>
-            <a:r>
-              <a:rPr lang="en-US" sz="2500" dirty="0" err="1" smtClean="0"/>
-              <a:t>C](g</a:t>
-            </a:r>
-            <a:r>
-              <a:rPr lang="en-US" sz="2500" dirty="0" smtClean="0"/>
-              <a:t>: B =&gt; C, </a:t>
-            </a:r>
-            <a:r>
-              <a:rPr lang="en-US" sz="2500" dirty="0" err="1" smtClean="0"/>
+            <a:pPr>
+              <a:buFont typeface="Wingdings" charset="2"/>
+              <a:buChar char="§"/>
+            </a:pPr>
+            <a:r>
+              <a:rPr lang="en-US" dirty="0" smtClean="0">
+                <a:latin typeface="+mj-lt"/>
+                <a:cs typeface="Rockwell"/>
+              </a:rPr>
+              <a:t>We can combine functions with compatible domains.</a:t>
+            </a:r>
+          </a:p>
+          <a:p>
+            <a:pPr>
+              <a:buFont typeface="Wingdings" charset="2"/>
+              <a:buChar char="§"/>
+            </a:pPr>
+            <a:r>
+              <a:rPr lang="en-US" i="1" dirty="0" smtClean="0">
+                <a:solidFill>
+                  <a:srgbClr val="CCAF0A"/>
+                </a:solidFill>
+                <a:latin typeface="+mj-lt"/>
+                <a:cs typeface="Rockwell"/>
+              </a:rPr>
+              <a:t>(</a:t>
+            </a:r>
+            <a:r>
+              <a:rPr lang="en-US" i="1" dirty="0" err="1" smtClean="0">
+                <a:solidFill>
+                  <a:srgbClr val="CCAF0A"/>
+                </a:solidFill>
+                <a:latin typeface="+mj-lt"/>
+                <a:cs typeface="Rockwell"/>
+              </a:rPr>
+              <a:t>g</a:t>
+            </a:r>
+            <a:r>
+              <a:rPr lang="en-US" i="1" dirty="0" smtClean="0">
+                <a:solidFill>
+                  <a:srgbClr val="CCAF0A"/>
+                </a:solidFill>
+                <a:latin typeface="+mj-lt"/>
+                <a:cs typeface="Rockwell"/>
+              </a:rPr>
+              <a:t> . </a:t>
+            </a:r>
+            <a:r>
+              <a:rPr lang="en-US" i="1" dirty="0" err="1" smtClean="0">
+                <a:solidFill>
+                  <a:srgbClr val="CCAF0A"/>
+                </a:solidFill>
+                <a:latin typeface="+mj-lt"/>
+                <a:cs typeface="Rockwell"/>
+              </a:rPr>
               <a:t>f</a:t>
             </a:r>
             <a:r>
-              <a:rPr lang="en-US" sz="2500" dirty="0" smtClean="0"/>
-              <a:t>: A =&gt; B) =</a:t>
-            </a:r>
-          </a:p>
-          <a:p>
-            <a:r>
-              <a:rPr lang="en-US" sz="2500" dirty="0" smtClean="0"/>
-              <a:t>  (</a:t>
-            </a:r>
-            <a:r>
-              <a:rPr lang="en-US" sz="2500" dirty="0" err="1" smtClean="0"/>
-              <a:t>x</a:t>
-            </a:r>
-            <a:r>
-              <a:rPr lang="en-US" sz="2500" dirty="0" smtClean="0"/>
-              <a:t>: A) =&gt; </a:t>
-            </a:r>
-            <a:r>
-              <a:rPr lang="en-US" sz="2500" dirty="0" err="1" smtClean="0"/>
+              <a:rPr lang="en-US" i="1" dirty="0" smtClean="0">
+                <a:solidFill>
+                  <a:srgbClr val="CCAF0A"/>
+                </a:solidFill>
+                <a:latin typeface="+mj-lt"/>
+                <a:cs typeface="Rockwell"/>
+              </a:rPr>
+              <a:t>) = </a:t>
+            </a:r>
+            <a:r>
+              <a:rPr lang="en-US" i="1" dirty="0" err="1" smtClean="0">
+                <a:solidFill>
+                  <a:srgbClr val="CCAF0A"/>
+                </a:solidFill>
+                <a:latin typeface="+mj-lt"/>
+                <a:cs typeface="Rockwell"/>
+              </a:rPr>
               <a:t>g(f(x</a:t>
             </a:r>
             <a:r>
-              <a:rPr lang="en-US" sz="2500" dirty="0" smtClean="0"/>
+              <a:rPr lang="en-US" i="1" dirty="0" smtClean="0">
+                <a:solidFill>
+                  <a:srgbClr val="CCAF0A"/>
+                </a:solidFill>
+                <a:latin typeface="+mj-lt"/>
+                <a:cs typeface="Rockwell"/>
+              </a:rPr>
               <a:t>)) </a:t>
             </a:r>
             <a:r>
-              <a:rPr lang="en-US" sz="2500" dirty="0" smtClean="0">
-                <a:solidFill>
-                  <a:srgbClr val="6EA0B0"/>
-                </a:solidFill>
-              </a:rPr>
-              <a:t>// the closure</a:t>
+              <a:rPr lang="en-US" dirty="0" smtClean="0">
+                <a:cs typeface="Rockwell"/>
+              </a:rPr>
+              <a:t>or </a:t>
+            </a:r>
+            <a:r>
+              <a:rPr lang="en-US" i="1" dirty="0" smtClean="0">
+                <a:solidFill>
+                  <a:srgbClr val="CCAF0A"/>
+                </a:solidFill>
+                <a:cs typeface="Rockwell"/>
+              </a:rPr>
+              <a:t>(</a:t>
+            </a:r>
+            <a:r>
+              <a:rPr lang="en-US" i="1" dirty="0" err="1" smtClean="0">
+                <a:solidFill>
+                  <a:srgbClr val="CCAF0A"/>
+                </a:solidFill>
+                <a:cs typeface="Rockwell"/>
+              </a:rPr>
+              <a:t>g</a:t>
+            </a:r>
+            <a:r>
+              <a:rPr lang="en-US" i="1" dirty="0" smtClean="0">
+                <a:solidFill>
+                  <a:srgbClr val="CCAF0A"/>
+                </a:solidFill>
+                <a:cs typeface="Rockwell"/>
+              </a:rPr>
+              <a:t> </a:t>
+            </a:r>
+            <a:r>
+              <a:rPr lang="en-US" i="1" dirty="0" err="1" smtClean="0">
+                <a:solidFill>
+                  <a:srgbClr val="CCAF0A"/>
+                </a:solidFill>
+                <a:cs typeface="Rockwell"/>
+              </a:rPr>
+              <a:t>o</a:t>
+            </a:r>
+            <a:r>
+              <a:rPr lang="en-US" i="1" dirty="0" smtClean="0">
+                <a:solidFill>
+                  <a:srgbClr val="CCAF0A"/>
+                </a:solidFill>
+                <a:cs typeface="Rockwell"/>
+              </a:rPr>
+              <a:t> </a:t>
+            </a:r>
+            <a:r>
+              <a:rPr lang="en-US" i="1" dirty="0" err="1" smtClean="0">
+                <a:solidFill>
+                  <a:srgbClr val="CCAF0A"/>
+                </a:solidFill>
+                <a:cs typeface="Rockwell"/>
+              </a:rPr>
+              <a:t>f</a:t>
+            </a:r>
+            <a:r>
+              <a:rPr lang="en-US" i="1" dirty="0" smtClean="0">
+                <a:solidFill>
+                  <a:srgbClr val="CCAF0A"/>
+                </a:solidFill>
+                <a:cs typeface="Rockwell"/>
+              </a:rPr>
+              <a:t>) = </a:t>
+            </a:r>
+            <a:r>
+              <a:rPr lang="en-US" i="1" dirty="0" err="1" smtClean="0">
+                <a:solidFill>
+                  <a:srgbClr val="CCAF0A"/>
+                </a:solidFill>
+                <a:cs typeface="Rockwell"/>
+              </a:rPr>
+              <a:t>g(f(x</a:t>
+            </a:r>
+            <a:r>
+              <a:rPr lang="en-US" i="1" dirty="0" smtClean="0">
+                <a:solidFill>
+                  <a:srgbClr val="CCAF0A"/>
+                </a:solidFill>
+                <a:cs typeface="Rockwell"/>
+              </a:rPr>
+              <a:t>))</a:t>
+            </a:r>
+            <a:endParaRPr lang="en-US" i="1" dirty="0" smtClean="0">
+              <a:solidFill>
+                <a:srgbClr val="CCAF0A"/>
+              </a:solidFill>
+              <a:latin typeface="+mj-lt"/>
+              <a:cs typeface="Rockwell"/>
+            </a:endParaRPr>
+          </a:p>
+          <a:p>
+            <a:pPr>
+              <a:buFont typeface="Wingdings" charset="2"/>
+              <a:buChar char="§"/>
+            </a:pPr>
+            <a:r>
+              <a:rPr lang="en-US" dirty="0" smtClean="0">
+                <a:latin typeface="+mj-lt"/>
+                <a:cs typeface="Rockwell"/>
+              </a:rPr>
+              <a:t>Combine the functions </a:t>
+            </a:r>
+            <a:r>
+              <a:rPr lang="en-US" dirty="0" err="1" smtClean="0">
+                <a:solidFill>
+                  <a:srgbClr val="FFFFFF"/>
+                </a:solidFill>
+                <a:latin typeface="+mj-lt"/>
+                <a:cs typeface="Rockwell"/>
+              </a:rPr>
+              <a:t>g</a:t>
+            </a:r>
+            <a:r>
+              <a:rPr lang="en-US" dirty="0" smtClean="0">
+                <a:solidFill>
+                  <a:srgbClr val="FFFFFF"/>
+                </a:solidFill>
+                <a:latin typeface="+mj-lt"/>
+                <a:cs typeface="Rockwell"/>
+              </a:rPr>
+              <a:t> and </a:t>
+            </a:r>
+            <a:r>
+              <a:rPr lang="en-US" dirty="0" err="1" smtClean="0">
+                <a:latin typeface="+mj-lt"/>
+                <a:cs typeface="Rockwell"/>
+              </a:rPr>
+              <a:t>f</a:t>
+            </a:r>
+            <a:r>
+              <a:rPr lang="en-US" dirty="0" smtClean="0">
+                <a:latin typeface="+mj-lt"/>
+                <a:cs typeface="Rockwell"/>
+              </a:rPr>
+              <a:t> into a new function that uses the result of </a:t>
+            </a:r>
+            <a:r>
+              <a:rPr lang="en-US" dirty="0" err="1" smtClean="0">
+                <a:latin typeface="+mj-lt"/>
+                <a:cs typeface="Rockwell"/>
+              </a:rPr>
+              <a:t>f(x</a:t>
+            </a:r>
+            <a:r>
+              <a:rPr lang="en-US" dirty="0" smtClean="0">
+                <a:latin typeface="+mj-lt"/>
+                <a:cs typeface="Rockwell"/>
+              </a:rPr>
+              <a:t>) as the input to </a:t>
+            </a:r>
+            <a:r>
+              <a:rPr lang="en-US" dirty="0" err="1" smtClean="0">
+                <a:latin typeface="+mj-lt"/>
+                <a:cs typeface="Rockwell"/>
+              </a:rPr>
+              <a:t>g</a:t>
+            </a:r>
+            <a:r>
+              <a:rPr lang="en-US" dirty="0" smtClean="0">
+                <a:latin typeface="+mj-lt"/>
+                <a:cs typeface="Rockwell"/>
+              </a:rPr>
+              <a:t>.</a:t>
             </a:r>
           </a:p>
         </p:txBody>
@@ -5745,7 +5858,7 @@
           <a:p>
             <a:r>
               <a:rPr lang="en-US" dirty="0" smtClean="0"/>
-              <a:t>Higher-Order Functions</a:t>
+              <a:t>In JavaScript:</a:t>
             </a:r>
             <a:endParaRPr lang="en-US" dirty="0"/>
           </a:p>
@@ -5753,75 +5866,135 @@
       </p:sp>
       <p:sp>
         <p:nvSpPr>
-          <p:cNvPr id="3" name="Content Placeholder 2"/>
-          <p:cNvSpPr>
-            <a:spLocks noGrp="1"/>
-          </p:cNvSpPr>
-          <p:nvPr>
-            <p:ph idx="1"/>
-          </p:nvPr>
-        </p:nvSpPr>
-        <p:spPr/>
-        <p:txBody>
-          <a:bodyPr/>
-          <a:lstStyle/>
-          <a:p>
-            <a:pPr>
-              <a:buFont typeface="Wingdings" charset="2"/>
-              <a:buChar char="§"/>
-            </a:pPr>
-            <a:r>
-              <a:rPr lang="en-US" dirty="0" smtClean="0"/>
-              <a:t>A function that takes another function as an argument and/or returns a function as its result.</a:t>
-            </a:r>
-          </a:p>
-          <a:p>
-            <a:pPr>
-              <a:buFont typeface="Wingdings" charset="2"/>
-              <a:buChar char="§"/>
-            </a:pPr>
-            <a:r>
-              <a:rPr lang="en-US" dirty="0" smtClean="0"/>
-              <a:t>Ruby, via Rails, brought list-bound implementations of higher-order functions mainstream.</a:t>
-            </a:r>
-          </a:p>
-          <a:p>
-            <a:pPr>
-              <a:buFont typeface="Wingdings" charset="2"/>
-              <a:buChar char="§"/>
-            </a:pPr>
-            <a:r>
-              <a:rPr lang="en-US" dirty="0" smtClean="0"/>
-              <a:t>Higher-order </a:t>
-            </a:r>
-            <a:r>
-              <a:rPr lang="en-US" dirty="0" err="1" smtClean="0"/>
-              <a:t>rockstars</a:t>
-            </a:r>
-            <a:r>
-              <a:rPr lang="en-US" dirty="0" smtClean="0"/>
-              <a:t>:</a:t>
-            </a:r>
-            <a:br>
-              <a:rPr lang="en-US" dirty="0" smtClean="0"/>
-            </a:br>
-            <a:r>
-              <a:rPr lang="en-US" dirty="0" smtClean="0"/>
-              <a:t>	</a:t>
-            </a:r>
-            <a:r>
-              <a:rPr lang="en-US" i="1" dirty="0" smtClean="0">
-                <a:solidFill>
-                  <a:schemeClr val="accent2"/>
-                </a:solidFill>
-              </a:rPr>
-              <a:t>each, map, filter, inject  </a:t>
-            </a:r>
-            <a:r>
-              <a:rPr lang="en-US" dirty="0" smtClean="0"/>
-              <a:t>many more!</a:t>
-            </a:r>
-            <a:endParaRPr lang="en-US" dirty="0"/>
+          <p:cNvPr id="5" name="TextBox 4"/>
+          <p:cNvSpPr txBox="1"/>
+          <p:nvPr/>
+        </p:nvSpPr>
+        <p:spPr>
+          <a:xfrm>
+            <a:off x="457200" y="1619905"/>
+            <a:ext cx="8178800" cy="2785378"/>
+          </a:xfrm>
+          <a:prstGeom prst="rect">
+            <a:avLst/>
+          </a:prstGeom>
+          <a:noFill/>
+        </p:spPr>
+        <p:txBody>
+          <a:bodyPr wrap="square" rtlCol="0">
+            <a:spAutoFit/>
+          </a:bodyPr>
+          <a:lstStyle/>
+          <a:p>
+            <a:r>
+              <a:rPr lang="en-US" sz="2500" dirty="0" smtClean="0"/>
+              <a:t>function </a:t>
+            </a:r>
+            <a:r>
+              <a:rPr lang="en-US" sz="2500" dirty="0" err="1" smtClean="0"/>
+              <a:t>compose(f</a:t>
+            </a:r>
+            <a:r>
+              <a:rPr lang="en-US" sz="2500" dirty="0" smtClean="0"/>
+              <a:t>, </a:t>
+            </a:r>
+            <a:r>
+              <a:rPr lang="en-US" sz="2500" dirty="0" err="1" smtClean="0"/>
+              <a:t>g</a:t>
+            </a:r>
+            <a:r>
+              <a:rPr lang="en-US" sz="2500" dirty="0" smtClean="0"/>
+              <a:t>) {</a:t>
+            </a:r>
+          </a:p>
+          <a:p>
+            <a:r>
+              <a:rPr lang="en-US" sz="2500" dirty="0" smtClean="0">
+                <a:solidFill>
+                  <a:srgbClr val="A8C6D0"/>
+                </a:solidFill>
+              </a:rPr>
+              <a:t>  // a closure, closing over the free</a:t>
+            </a:r>
+          </a:p>
+          <a:p>
+            <a:r>
+              <a:rPr lang="en-US" sz="2500" dirty="0" smtClean="0">
+                <a:solidFill>
+                  <a:srgbClr val="A8C6D0"/>
+                </a:solidFill>
+              </a:rPr>
+              <a:t>  // variables </a:t>
+            </a:r>
+            <a:r>
+              <a:rPr lang="en-US" sz="2500" dirty="0" err="1" smtClean="0">
+                <a:solidFill>
+                  <a:srgbClr val="A8C6D0"/>
+                </a:solidFill>
+              </a:rPr>
+              <a:t>f</a:t>
+            </a:r>
+            <a:r>
+              <a:rPr lang="en-US" sz="2500" dirty="0" smtClean="0">
+                <a:solidFill>
+                  <a:srgbClr val="A8C6D0"/>
+                </a:solidFill>
+              </a:rPr>
+              <a:t> and </a:t>
+            </a:r>
+            <a:r>
+              <a:rPr lang="en-US" sz="2500" dirty="0" err="1" smtClean="0">
+                <a:solidFill>
+                  <a:srgbClr val="A8C6D0"/>
+                </a:solidFill>
+              </a:rPr>
+              <a:t>g</a:t>
+            </a:r>
+            <a:endParaRPr lang="en-US" sz="2500" dirty="0" smtClean="0">
+              <a:solidFill>
+                <a:srgbClr val="A8C6D0"/>
+              </a:solidFill>
+            </a:endParaRPr>
+          </a:p>
+          <a:p>
+            <a:r>
+              <a:rPr lang="en-US" sz="2500" dirty="0" smtClean="0"/>
+              <a:t>  return </a:t>
+            </a:r>
+            <a:r>
+              <a:rPr lang="en-US" sz="2500" dirty="0" err="1" smtClean="0"/>
+              <a:t>function(x</a:t>
+            </a:r>
+            <a:r>
+              <a:rPr lang="en-US" sz="2500" dirty="0" smtClean="0"/>
+              <a:t>) {</a:t>
+            </a:r>
+          </a:p>
+          <a:p>
+            <a:r>
+              <a:rPr lang="en-US" sz="2500" dirty="0" smtClean="0"/>
+              <a:t>    return </a:t>
+            </a:r>
+            <a:r>
+              <a:rPr lang="en-US" sz="2500" dirty="0" err="1" smtClean="0"/>
+              <a:t>g(f(x</a:t>
+            </a:r>
+            <a:r>
+              <a:rPr lang="en-US" sz="2500" dirty="0" smtClean="0"/>
+              <a:t>));</a:t>
+            </a:r>
+          </a:p>
+          <a:p>
+            <a:r>
+              <a:rPr lang="en-US" sz="2500" dirty="0" smtClean="0"/>
+              <a:t>  }</a:t>
+            </a:r>
+          </a:p>
+          <a:p>
+            <a:r>
+              <a:rPr lang="en-US" sz="2500" dirty="0" smtClean="0"/>
+              <a:t>}</a:t>
+            </a:r>
           </a:p>
         </p:txBody>
       </p:sp>
@@ -5876,7 +6049,19 @@
           <a:p>
             <a:r>
               <a:rPr lang="en-US" dirty="0" smtClean="0"/>
-              <a:t>Origins: The Lambda Calculus</a:t>
+              <a:t>Origins: The</a:t>
+            </a:r>
+            <a:r>
+              <a:rPr lang="en-US" dirty="0" smtClean="0"/>
+              <a:t> </a:t>
+            </a:r>
+            <a:r>
+              <a:rPr lang="en-US" dirty="0" err="1" smtClean="0"/>
+              <a:t>λ</a:t>
+            </a:r>
+            <a:r>
+              <a:rPr lang="en-US" dirty="0" smtClean="0"/>
+              <a:t>-Calculus</a:t>
             </a:r>
             <a:endParaRPr lang="en-US" dirty="0"/>
           </a:p>
@@ -5916,7 +6101,11 @@
             </a:pPr>
             <a:r>
               <a:rPr lang="en-US" sz="3000" dirty="0" smtClean="0"/>
-              <a:t>Formal system: a basic set of principles and a set of rules dictating how to operate within those principles.</a:t>
+              <a:t>Formal </a:t>
+            </a:r>
+            <a:r>
+              <a:rPr lang="en-US" sz="3000" dirty="0" smtClean="0"/>
+              <a:t>system for function definition, application, and recursion.</a:t>
             </a:r>
           </a:p>
           <a:p>
@@ -5927,7 +6116,11 @@
             </a:pPr>
             <a:r>
               <a:rPr lang="en-US" sz="3000" dirty="0" smtClean="0"/>
-              <a:t>Rules can be logically combined to form more complex rules</a:t>
+              <a:t>Not focused on the physical world, but abstract problems about </a:t>
+            </a:r>
+            <a:r>
+              <a:rPr lang="en-US" sz="3000" i="1" dirty="0" smtClean="0"/>
+              <a:t>computation</a:t>
             </a:r>
             <a:r>
               <a:rPr lang="en-US" sz="3000" dirty="0" smtClean="0"/>
@@ -5979,58 +6172,107 @@
             <p:ph type="title"/>
           </p:nvPr>
         </p:nvSpPr>
+        <p:spPr/>
+        <p:txBody>
+          <a:bodyPr/>
+          <a:lstStyle/>
+          <a:p>
+            <a:r>
+              <a:rPr lang="en-US" dirty="0" smtClean="0"/>
+              <a:t>In </a:t>
+            </a:r>
+            <a:r>
+              <a:rPr lang="en-US" dirty="0" err="1" smtClean="0"/>
+              <a:t>Scala</a:t>
+            </a:r>
+            <a:r>
+              <a:rPr lang="en-US" dirty="0" smtClean="0"/>
+              <a:t>:</a:t>
+            </a:r>
+            <a:endParaRPr lang="en-US" dirty="0"/>
+          </a:p>
+        </p:txBody>
+      </p:sp>
+      <p:sp>
+        <p:nvSpPr>
+          <p:cNvPr id="6" name="TextBox 5"/>
+          <p:cNvSpPr txBox="1"/>
+          <p:nvPr/>
+        </p:nvSpPr>
         <p:spPr>
           <a:xfrm>
-            <a:off x="457200" y="274636"/>
-            <a:ext cx="7467600" cy="5107745"/>
+            <a:off x="457200" y="1572381"/>
+            <a:ext cx="6448431" cy="861774"/>
           </a:xfrm>
+          <a:prstGeom prst="rect">
+            <a:avLst/>
+          </a:prstGeom>
+          <a:noFill/>
         </p:spPr>
         <p:txBody>
-          <a:bodyPr>
-            <a:normAutofit fontScale="90000"/>
+          <a:bodyPr wrap="none" rtlCol="0">
+            <a:spAutoFit/>
           </a:bodyPr>
           <a:lstStyle/>
           <a:p>
             <a:r>
-              <a:rPr lang="en-US" dirty="0" smtClean="0"/>
-              <a:t>Because we know how to pass functions around, we know how to implement these …</a:t>
-            </a:r>
-            <a:br>
-              <a:rPr lang="en-US" dirty="0" smtClean="0"/>
-            </a:br>
-            <a:r>
-              <a:rPr lang="en-US" dirty="0" smtClean="0"/>
-              <a:t/>
-            </a:r>
-            <a:br>
-              <a:rPr lang="en-US" dirty="0" smtClean="0"/>
-            </a:br>
-            <a:r>
-              <a:rPr lang="en-US" dirty="0" smtClean="0"/>
-              <a:t>… but we’ll probably duplicate</a:t>
-            </a:r>
-            <a:br>
-              <a:rPr lang="en-US" dirty="0" smtClean="0"/>
-            </a:br>
-            <a:r>
-              <a:rPr lang="en-US" dirty="0" smtClean="0"/>
-              <a:t>    code.</a:t>
-            </a:r>
-            <a:r>
-              <a:rPr lang="en-US" smtClean="0"/>
-              <a:t/>
-            </a:r>
-            <a:br>
-              <a:rPr lang="en-US" smtClean="0"/>
-            </a:br>
-            <a:r>
-              <a:rPr lang="en-US" smtClean="0"/>
-              <a:t/>
-            </a:r>
-            <a:br>
-              <a:rPr lang="en-US" smtClean="0"/>
-            </a:br>
-            <a:endParaRPr lang="en-US" dirty="0"/>
+              <a:rPr lang="en-US" sz="2500" dirty="0" smtClean="0"/>
+              <a:t>def </a:t>
+            </a:r>
+            <a:r>
+              <a:rPr lang="en-US" sz="2500" dirty="0" err="1" smtClean="0"/>
+              <a:t>compose[A</a:t>
+            </a:r>
+            <a:r>
+              <a:rPr lang="en-US" sz="2500" dirty="0" smtClean="0"/>
+              <a:t>, B, </a:t>
+            </a:r>
+            <a:r>
+              <a:rPr lang="en-US" sz="2500" dirty="0" err="1" smtClean="0"/>
+              <a:t>C](g</a:t>
+            </a:r>
+            <a:r>
+              <a:rPr lang="en-US" sz="2500" dirty="0" smtClean="0"/>
+              <a:t>: B =&gt; C, </a:t>
+            </a:r>
+            <a:r>
+              <a:rPr lang="en-US" sz="2500" dirty="0" err="1" smtClean="0"/>
+              <a:t>f</a:t>
+            </a:r>
+            <a:r>
+              <a:rPr lang="en-US" sz="2500" dirty="0" smtClean="0"/>
+              <a:t>: A =&gt; B) =</a:t>
+            </a:r>
+          </a:p>
+          <a:p>
+            <a:r>
+              <a:rPr lang="en-US" sz="2500" dirty="0" smtClean="0"/>
+              <a:t>  (</a:t>
+            </a:r>
+            <a:r>
+              <a:rPr lang="en-US" sz="2500" dirty="0" err="1" smtClean="0"/>
+              <a:t>x</a:t>
+            </a:r>
+            <a:r>
+              <a:rPr lang="en-US" sz="2500" dirty="0" smtClean="0"/>
+              <a:t>: A) =&gt; </a:t>
+            </a:r>
+            <a:r>
+              <a:rPr lang="en-US" sz="2500" dirty="0" err="1" smtClean="0"/>
+              <a:t>g(f(x</a:t>
+            </a:r>
+            <a:r>
+              <a:rPr lang="en-US" sz="2500" dirty="0" smtClean="0"/>
+              <a:t>)) </a:t>
+            </a:r>
+            <a:r>
+              <a:rPr lang="en-US" sz="2500" dirty="0" smtClean="0">
+                <a:solidFill>
+                  <a:srgbClr val="A8C6D0"/>
+                </a:solidFill>
+              </a:rPr>
+              <a:t>// the closure</a:t>
+            </a:r>
           </a:p>
         </p:txBody>
       </p:sp>
@@ -6076,76 +6318,112 @@
             <p:ph type="title"/>
           </p:nvPr>
         </p:nvSpPr>
-        <p:spPr>
-          <a:xfrm>
-            <a:off x="457200" y="274636"/>
-            <a:ext cx="7467600" cy="5107745"/>
-          </a:xfrm>
-        </p:spPr>
-        <p:txBody>
-          <a:bodyPr>
-            <a:normAutofit fontScale="90000"/>
-          </a:bodyPr>
-          <a:lstStyle/>
-          <a:p>
-            <a:r>
-              <a:rPr lang="en-US" dirty="0" smtClean="0"/>
-              <a:t>Because we know how to pass functions around, we know how to implement these …</a:t>
+        <p:spPr/>
+        <p:txBody>
+          <a:bodyPr/>
+          <a:lstStyle/>
+          <a:p>
+            <a:r>
+              <a:rPr lang="en-US" dirty="0" smtClean="0"/>
+              <a:t>Higher-Order Functions</a:t>
+            </a:r>
+            <a:endParaRPr lang="en-US" dirty="0"/>
+          </a:p>
+        </p:txBody>
+      </p:sp>
+      <p:sp>
+        <p:nvSpPr>
+          <p:cNvPr id="3" name="Content Placeholder 2"/>
+          <p:cNvSpPr>
+            <a:spLocks noGrp="1"/>
+          </p:cNvSpPr>
+          <p:nvPr>
+            <p:ph idx="1"/>
+          </p:nvPr>
+        </p:nvSpPr>
+        <p:spPr/>
+        <p:txBody>
+          <a:bodyPr/>
+          <a:lstStyle/>
+          <a:p>
+            <a:pPr>
+              <a:buFont typeface="Wingdings" charset="2"/>
+              <a:buChar char="§"/>
+            </a:pPr>
+            <a:r>
+              <a:rPr lang="en-US" dirty="0" smtClean="0"/>
+              <a:t>A function that takes another function as an argument and/or returns a function as its result.</a:t>
+            </a:r>
+          </a:p>
+          <a:p>
+            <a:pPr>
+              <a:buFont typeface="Wingdings" charset="2"/>
+              <a:buChar char="§"/>
+            </a:pPr>
+            <a:r>
+              <a:rPr lang="en-US" dirty="0" smtClean="0"/>
+              <a:t>Ruby, via Rails, brought</a:t>
+            </a:r>
+            <a:r>
+              <a:rPr lang="en-US" dirty="0" smtClean="0"/>
+              <a:t> higher</a:t>
+            </a:r>
+            <a:r>
+              <a:rPr lang="en-US" dirty="0" smtClean="0"/>
+              <a:t>-order </a:t>
+            </a:r>
+            <a:r>
+              <a:rPr lang="en-US" dirty="0" smtClean="0"/>
+              <a:t>functions on lists mainstream</a:t>
+            </a:r>
+            <a:r>
+              <a:rPr lang="en-US" dirty="0" smtClean="0"/>
+              <a:t>.</a:t>
+            </a:r>
+          </a:p>
+          <a:p>
+            <a:pPr>
+              <a:buFont typeface="Wingdings" charset="2"/>
+              <a:buChar char="§"/>
+            </a:pPr>
+            <a:r>
+              <a:rPr lang="en-US" dirty="0" smtClean="0"/>
+              <a:t>Higher-order </a:t>
+            </a:r>
+            <a:r>
+              <a:rPr lang="en-US" dirty="0" err="1" smtClean="0"/>
+              <a:t>rockstars</a:t>
+            </a:r>
+            <a:r>
+              <a:rPr lang="en-US" dirty="0" smtClean="0"/>
+              <a:t>:</a:t>
             </a:r>
             <a:br>
               <a:rPr lang="en-US" dirty="0" smtClean="0"/>
             </a:br>
             <a:r>
               <a:rPr lang="en-US" dirty="0" smtClean="0"/>
-              <a:t/>
-            </a:r>
-            <a:br>
-              <a:rPr lang="en-US" dirty="0" smtClean="0"/>
-            </a:br>
-            <a:r>
-              <a:rPr lang="en-US" dirty="0" smtClean="0"/>
-              <a:t>… </a:t>
-            </a:r>
-            <a:r>
-              <a:rPr lang="en-US" smtClean="0"/>
-              <a:t>but we’ll </a:t>
-            </a:r>
-            <a:r>
-              <a:rPr lang="en-US" dirty="0" smtClean="0"/>
-              <a:t>probably duplicate</a:t>
-            </a:r>
-            <a:br>
-              <a:rPr lang="en-US" dirty="0" smtClean="0"/>
-            </a:br>
-            <a:r>
-              <a:rPr lang="en-US" dirty="0" smtClean="0"/>
-              <a:t>    code.</a:t>
-            </a:r>
-            <a:br>
-              <a:rPr lang="en-US" dirty="0" smtClean="0"/>
-            </a:br>
-            <a:r>
-              <a:rPr lang="en-US" dirty="0" smtClean="0"/>
-              <a:t/>
-            </a:r>
-            <a:br>
-              <a:rPr lang="en-US" dirty="0" smtClean="0"/>
-            </a:br>
-            <a:r>
-              <a:rPr lang="en-US" dirty="0" smtClean="0"/>
-              <a:t>Let’s talk about </a:t>
-            </a:r>
-            <a:r>
-              <a:rPr lang="en-US" dirty="0" smtClean="0">
-                <a:solidFill>
-                  <a:srgbClr val="6EA0B0"/>
-                </a:solidFill>
-              </a:rPr>
-              <a:t>folding</a:t>
-            </a:r>
-            <a:r>
-              <a:rPr lang="en-US" dirty="0" smtClean="0"/>
-              <a:t>.</a:t>
+              <a:t>	</a:t>
+            </a:r>
+            <a:r>
+              <a:rPr lang="en-US" i="1" dirty="0" smtClean="0">
+                <a:solidFill>
+                  <a:srgbClr val="A8C6D0"/>
+                </a:solidFill>
+              </a:rPr>
+              <a:t>each, map, filter,</a:t>
+            </a:r>
+            <a:r>
+              <a:rPr lang="en-US" i="1" dirty="0" smtClean="0">
+                <a:solidFill>
+                  <a:srgbClr val="A8C6D0"/>
+                </a:solidFill>
+              </a:rPr>
+              <a:t> fold  </a:t>
+            </a:r>
+            <a:r>
+              <a:rPr lang="en-US" dirty="0" smtClean="0"/>
+              <a:t>many more!</a:t>
             </a:r>
             <a:endParaRPr lang="en-US" dirty="0"/>
           </a:p>
@@ -6193,121 +6471,54 @@
             <p:ph type="title"/>
           </p:nvPr>
         </p:nvSpPr>
-        <p:spPr/>
-        <p:txBody>
-          <a:bodyPr/>
-          <a:lstStyle/>
-          <a:p>
-            <a:r>
-              <a:rPr lang="en-US" dirty="0" smtClean="0"/>
-              <a:t>In JavaScript:</a:t>
-            </a:r>
-            <a:endParaRPr lang="en-US" dirty="0"/>
-          </a:p>
-        </p:txBody>
-      </p:sp>
-      <p:sp>
-        <p:nvSpPr>
-          <p:cNvPr id="4" name="TextBox 3"/>
-          <p:cNvSpPr txBox="1"/>
-          <p:nvPr/>
-        </p:nvSpPr>
         <p:spPr>
           <a:xfrm>
-            <a:off x="457200" y="1862667"/>
-            <a:ext cx="6004932" cy="2785378"/>
+            <a:off x="457200" y="274636"/>
+            <a:ext cx="7467600" cy="5107745"/>
           </a:xfrm>
-          <a:prstGeom prst="rect">
-            <a:avLst/>
-          </a:prstGeom>
-          <a:noFill/>
         </p:spPr>
         <p:txBody>
-          <a:bodyPr wrap="none" rtlCol="0">
-            <a:spAutoFit/>
+          <a:bodyPr>
+            <a:normAutofit fontScale="90000"/>
           </a:bodyPr>
           <a:lstStyle/>
           <a:p>
             <a:r>
-              <a:rPr lang="en-US" sz="2500" dirty="0" smtClean="0"/>
-              <a:t>function </a:t>
-            </a:r>
-            <a:r>
-              <a:rPr lang="en-US" sz="2500" dirty="0" err="1" smtClean="0"/>
-              <a:t>foldr(list</a:t>
-            </a:r>
-            <a:r>
-              <a:rPr lang="en-US" sz="2500" dirty="0" smtClean="0"/>
-              <a:t>, init, </a:t>
-            </a:r>
-            <a:r>
-              <a:rPr lang="en-US" sz="2500" dirty="0" err="1" smtClean="0"/>
-              <a:t>f</a:t>
-            </a:r>
-            <a:r>
-              <a:rPr lang="en-US" sz="2500" dirty="0" smtClean="0"/>
-              <a:t>) {</a:t>
-            </a:r>
-          </a:p>
-          <a:p>
-            <a:r>
-              <a:rPr lang="en-US" sz="2500" dirty="0" smtClean="0"/>
-              <a:t>  </a:t>
-            </a:r>
-            <a:r>
-              <a:rPr lang="en-US" sz="2500" dirty="0" err="1" smtClean="0"/>
-              <a:t>if(list.length</a:t>
-            </a:r>
-            <a:r>
-              <a:rPr lang="en-US" sz="2500" dirty="0" smtClean="0"/>
-              <a:t> == 0)</a:t>
-            </a:r>
-          </a:p>
-          <a:p>
-            <a:r>
-              <a:rPr lang="en-US" sz="2500" dirty="0" smtClean="0"/>
-              <a:t>    return init;</a:t>
-            </a:r>
-          </a:p>
-          <a:p>
-            <a:r>
-              <a:rPr lang="en-US" sz="2500" dirty="0" smtClean="0"/>
-              <a:t>  else {</a:t>
-            </a:r>
-          </a:p>
-          <a:p>
-            <a:r>
-              <a:rPr lang="en-US" sz="2500" dirty="0" smtClean="0"/>
-              <a:t>    return foldr(list.slice(1), </a:t>
-            </a:r>
-            <a:r>
-              <a:rPr lang="en-US" sz="2500" dirty="0" err="1" smtClean="0"/>
-              <a:t>f(init</a:t>
-            </a:r>
-            <a:r>
-              <a:rPr lang="en-US" sz="2500" dirty="0" smtClean="0"/>
-              <a:t>, list[0]), </a:t>
-            </a:r>
-            <a:r>
-              <a:rPr lang="en-US" sz="2500" dirty="0" err="1" smtClean="0"/>
-              <a:t>f</a:t>
-            </a:r>
-            <a:r>
-              <a:rPr lang="en-US" sz="2500" dirty="0" smtClean="0"/>
-              <a:t>);</a:t>
-            </a:r>
-          </a:p>
-          <a:p>
-            <a:r>
-              <a:rPr lang="en-US" sz="2500" dirty="0" smtClean="0"/>
-              <a:t>  }</a:t>
-            </a:r>
-          </a:p>
-          <a:p>
-            <a:r>
-              <a:rPr lang="en-US" sz="2500" dirty="0" smtClean="0"/>
-              <a:t>}</a:t>
-            </a:r>
+              <a:rPr lang="en-US" dirty="0" smtClean="0"/>
+              <a:t>Because we know how to pass functions around, we know how to implement these …</a:t>
+            </a:r>
+            <a:br>
+              <a:rPr lang="en-US" dirty="0" smtClean="0"/>
+            </a:br>
+            <a:r>
+              <a:rPr lang="en-US" dirty="0" smtClean="0"/>
+              <a:t/>
+            </a:r>
+            <a:br>
+              <a:rPr lang="en-US" dirty="0" smtClean="0"/>
+            </a:br>
+            <a:r>
+              <a:rPr lang="en-US" dirty="0" smtClean="0"/>
+              <a:t/>
+            </a:r>
+            <a:br>
+              <a:rPr lang="en-US" dirty="0" smtClean="0"/>
+            </a:br>
+            <a:r>
+              <a:rPr lang="en-US" dirty="0" smtClean="0"/>
+              <a:t/>
+            </a:r>
+            <a:br>
+              <a:rPr lang="en-US" dirty="0" smtClean="0"/>
+            </a:br>
+            <a:r>
+              <a:rPr lang="en-US" dirty="0" smtClean="0"/>
+              <a:t/>
+            </a:r>
+            <a:br>
+              <a:rPr lang="en-US" dirty="0" smtClean="0"/>
+            </a:br>
+            <a:endParaRPr lang="en-US" dirty="0"/>
           </a:p>
         </p:txBody>
       </p:sp>
@@ -6353,133 +6564,58 @@
             <p:ph type="title"/>
           </p:nvPr>
         </p:nvSpPr>
-        <p:spPr/>
-        <p:txBody>
-          <a:bodyPr/>
-          <a:lstStyle/>
-          <a:p>
-            <a:r>
-              <a:rPr lang="en-US" dirty="0" smtClean="0"/>
-              <a:t>In </a:t>
-            </a:r>
-            <a:r>
-              <a:rPr lang="en-US" dirty="0" err="1" smtClean="0"/>
-              <a:t>Scala</a:t>
-            </a:r>
-            <a:r>
-              <a:rPr lang="en-US" dirty="0" smtClean="0"/>
-              <a:t>:</a:t>
-            </a:r>
-            <a:endParaRPr lang="en-US" dirty="0"/>
-          </a:p>
-        </p:txBody>
-      </p:sp>
-      <p:sp>
-        <p:nvSpPr>
-          <p:cNvPr id="4" name="TextBox 3"/>
-          <p:cNvSpPr txBox="1"/>
-          <p:nvPr/>
-        </p:nvSpPr>
         <p:spPr>
           <a:xfrm>
-            <a:off x="457200" y="1862667"/>
-            <a:ext cx="7463144" cy="2015936"/>
+            <a:off x="457200" y="274636"/>
+            <a:ext cx="7467600" cy="5107745"/>
           </a:xfrm>
-          <a:prstGeom prst="rect">
-            <a:avLst/>
-          </a:prstGeom>
-          <a:noFill/>
         </p:spPr>
         <p:txBody>
-          <a:bodyPr wrap="none" rtlCol="0">
-            <a:spAutoFit/>
+          <a:bodyPr>
+            <a:normAutofit fontScale="90000"/>
           </a:bodyPr>
           <a:lstStyle/>
           <a:p>
             <a:r>
-              <a:rPr lang="en-US" sz="2500" dirty="0" smtClean="0"/>
-              <a:t>def </a:t>
-            </a:r>
-            <a:r>
-              <a:rPr lang="en-US" sz="2500" dirty="0" err="1" smtClean="0"/>
-              <a:t>foldr[A</a:t>
-            </a:r>
-            <a:r>
-              <a:rPr lang="en-US" sz="2500" dirty="0" smtClean="0"/>
-              <a:t>, </a:t>
-            </a:r>
-            <a:r>
-              <a:rPr lang="en-US" sz="2500" dirty="0" err="1" smtClean="0"/>
-              <a:t>B](list</a:t>
-            </a:r>
-            <a:r>
-              <a:rPr lang="en-US" sz="2500" dirty="0" smtClean="0"/>
-              <a:t>: </a:t>
-            </a:r>
-            <a:r>
-              <a:rPr lang="en-US" sz="2500" dirty="0" err="1" smtClean="0"/>
-              <a:t>List[A</a:t>
-            </a:r>
-            <a:r>
-              <a:rPr lang="en-US" sz="2500" dirty="0" smtClean="0"/>
-              <a:t>], init: B, </a:t>
-            </a:r>
-            <a:r>
-              <a:rPr lang="en-US" sz="2500" dirty="0" err="1" smtClean="0"/>
-              <a:t>f</a:t>
-            </a:r>
-            <a:r>
-              <a:rPr lang="en-US" sz="2500" dirty="0" smtClean="0"/>
-              <a:t>: (B, A) =&gt; B): B =</a:t>
-            </a:r>
-          </a:p>
-          <a:p>
-            <a:r>
-              <a:rPr lang="en-US" sz="2500" dirty="0" smtClean="0"/>
-              <a:t>  list match {</a:t>
-            </a:r>
-          </a:p>
-          <a:p>
-            <a:r>
-              <a:rPr lang="en-US" sz="2500" dirty="0" smtClean="0"/>
-              <a:t>    case Nil =&gt; init</a:t>
-            </a:r>
-          </a:p>
-          <a:p>
-            <a:r>
-              <a:rPr lang="en-US" sz="2500" dirty="0" smtClean="0"/>
-              <a:t>    case head :: tail =&gt; </a:t>
-            </a:r>
-            <a:r>
-              <a:rPr lang="en-US" sz="2500" dirty="0" err="1" smtClean="0"/>
-              <a:t>foldr(tail</a:t>
-            </a:r>
-            <a:r>
-              <a:rPr lang="en-US" sz="2500" dirty="0" smtClean="0"/>
-              <a:t>, </a:t>
-            </a:r>
-            <a:r>
-              <a:rPr lang="en-US" sz="2500" dirty="0" err="1" smtClean="0"/>
-              <a:t>f(init</a:t>
-            </a:r>
-            <a:r>
-              <a:rPr lang="en-US" sz="2500" dirty="0" smtClean="0"/>
-              <a:t>, head), </a:t>
-            </a:r>
-            <a:r>
-              <a:rPr lang="en-US" sz="2500" dirty="0" err="1" smtClean="0"/>
-              <a:t>f</a:t>
-            </a:r>
-            <a:r>
-              <a:rPr lang="en-US" sz="2500" dirty="0" smtClean="0"/>
-              <a:t>)</a:t>
-            </a:r>
-          </a:p>
-          <a:p>
-            <a:r>
-              <a:rPr lang="en-US" sz="2500" dirty="0" smtClean="0"/>
-              <a:t>  }</a:t>
-            </a:r>
+              <a:rPr lang="en-US" dirty="0" smtClean="0"/>
+              <a:t>Because we know how to pass functions around, we know how to implement these …</a:t>
+            </a:r>
+            <a:br>
+              <a:rPr lang="en-US" dirty="0" smtClean="0"/>
+            </a:br>
+            <a:r>
+              <a:rPr lang="en-US" dirty="0" smtClean="0"/>
+              <a:t/>
+            </a:r>
+            <a:br>
+              <a:rPr lang="en-US" dirty="0" smtClean="0"/>
+            </a:br>
+            <a:r>
+              <a:rPr lang="en-US" dirty="0" smtClean="0"/>
+              <a:t>… but we’ll probably duplicate</a:t>
+            </a:r>
+            <a:br>
+              <a:rPr lang="en-US" dirty="0" smtClean="0"/>
+            </a:br>
+            <a:r>
+              <a:rPr lang="en-US" dirty="0" smtClean="0"/>
+              <a:t>    code.</a:t>
+            </a:r>
+            <a:r>
+              <a:rPr lang="en-US" smtClean="0"/>
+              <a:t/>
+            </a:r>
+            <a:br>
+              <a:rPr lang="en-US" smtClean="0"/>
+            </a:br>
+            <a:r>
+              <a:rPr lang="en-US" smtClean="0"/>
+              <a:t/>
+            </a:r>
+            <a:br>
+              <a:rPr lang="en-US" smtClean="0"/>
+            </a:br>
+            <a:endParaRPr lang="en-US" dirty="0"/>
           </a:p>
         </p:txBody>
       </p:sp>
@@ -6525,7 +6661,12 @@
             <p:ph type="title"/>
           </p:nvPr>
         </p:nvSpPr>
-        <p:spPr/>
+        <p:spPr>
+          <a:xfrm>
+            <a:off x="457200" y="274636"/>
+            <a:ext cx="7467600" cy="5107745"/>
+          </a:xfrm>
+        </p:spPr>
         <p:txBody>
           <a:bodyPr>
             <a:normAutofit fontScale="90000"/>
@@ -6534,162 +6675,56 @@
           <a:p>
             <a:r>
               <a:rPr lang="en-US" dirty="0" smtClean="0"/>
-              <a:t>Some List Functions That can be Defined in Terms of Folding</a:t>
+              <a:t>Because we know how to pass functions around, we know how to implement these …</a:t>
+            </a:r>
+            <a:br>
+              <a:rPr lang="en-US" dirty="0" smtClean="0"/>
+            </a:br>
+            <a:r>
+              <a:rPr lang="en-US" dirty="0" smtClean="0"/>
+              <a:t/>
+            </a:r>
+            <a:br>
+              <a:rPr lang="en-US" dirty="0" smtClean="0"/>
+            </a:br>
+            <a:r>
+              <a:rPr lang="en-US" dirty="0" smtClean="0"/>
+              <a:t>… but we’ll probably duplicate</a:t>
+            </a:r>
+            <a:br>
+              <a:rPr lang="en-US" dirty="0" smtClean="0"/>
+            </a:br>
+            <a:r>
+              <a:rPr lang="en-US" dirty="0" smtClean="0"/>
+              <a:t>    code.</a:t>
+            </a:r>
+            <a:br>
+              <a:rPr lang="en-US" dirty="0" smtClean="0"/>
+            </a:br>
+            <a:r>
+              <a:rPr lang="en-US" dirty="0" smtClean="0"/>
+              <a:t/>
+            </a:r>
+            <a:br>
+              <a:rPr lang="en-US" dirty="0" smtClean="0"/>
+            </a:br>
+            <a:r>
+              <a:rPr lang="en-US" dirty="0" smtClean="0"/>
+              <a:t>Let’s talk about </a:t>
+            </a:r>
+            <a:r>
+              <a:rPr lang="en-US" dirty="0" smtClean="0">
+                <a:solidFill>
+                  <a:srgbClr val="A8C6D0"/>
+                </a:solidFill>
+              </a:rPr>
+              <a:t>folding</a:t>
+            </a:r>
+            <a:r>
+              <a:rPr lang="en-US" dirty="0" smtClean="0"/>
+              <a:t>.</a:t>
             </a:r>
             <a:endParaRPr lang="en-US" dirty="0"/>
-          </a:p>
-        </p:txBody>
-      </p:sp>
-      <p:sp>
-        <p:nvSpPr>
-          <p:cNvPr id="3" name="Content Placeholder 2"/>
-          <p:cNvSpPr>
-            <a:spLocks noGrp="1"/>
-          </p:cNvSpPr>
-          <p:nvPr>
-            <p:ph idx="1"/>
-          </p:nvPr>
-        </p:nvSpPr>
-        <p:spPr/>
-        <p:txBody>
-          <a:bodyPr>
-            <a:normAutofit lnSpcReduction="10000"/>
-          </a:bodyPr>
-          <a:lstStyle/>
-          <a:p>
-            <a:pPr>
-              <a:buFont typeface="Wingdings" charset="2"/>
-              <a:buChar char="§"/>
-            </a:pPr>
-            <a:r>
-              <a:rPr lang="en-US" dirty="0" smtClean="0"/>
-              <a:t>sum	= </a:t>
-            </a:r>
-            <a:r>
-              <a:rPr lang="en-US" dirty="0" err="1" smtClean="0"/>
-              <a:t>foldr</a:t>
-            </a:r>
-            <a:r>
-              <a:rPr lang="en-US" dirty="0" smtClean="0"/>
-              <a:t> (+) 0</a:t>
-            </a:r>
-          </a:p>
-          <a:p>
-            <a:pPr>
-              <a:buFont typeface="Wingdings" charset="2"/>
-              <a:buChar char="§"/>
-            </a:pPr>
-            <a:r>
-              <a:rPr lang="en-US" dirty="0" smtClean="0"/>
-              <a:t>product	= </a:t>
-            </a:r>
-            <a:r>
-              <a:rPr lang="en-US" dirty="0" err="1" smtClean="0"/>
-              <a:t>foldr</a:t>
-            </a:r>
-            <a:r>
-              <a:rPr lang="en-US" dirty="0" smtClean="0"/>
-              <a:t> (*) 1</a:t>
-            </a:r>
-          </a:p>
-          <a:p>
-            <a:pPr>
-              <a:buFont typeface="Wingdings" charset="2"/>
-              <a:buChar char="§"/>
-            </a:pPr>
-            <a:r>
-              <a:rPr lang="en-US" dirty="0" err="1" smtClean="0"/>
-              <a:t>anytrue</a:t>
-            </a:r>
-            <a:r>
-              <a:rPr lang="en-US" dirty="0" smtClean="0"/>
-              <a:t>	= </a:t>
-            </a:r>
-            <a:r>
-              <a:rPr lang="en-US" dirty="0" err="1" smtClean="0"/>
-              <a:t>foldr</a:t>
-            </a:r>
-            <a:r>
-              <a:rPr lang="en-US" dirty="0" smtClean="0"/>
-              <a:t> (∨) false</a:t>
-            </a:r>
-          </a:p>
-          <a:p>
-            <a:pPr>
-              <a:buFont typeface="Wingdings" charset="2"/>
-              <a:buChar char="§"/>
-            </a:pPr>
-            <a:r>
-              <a:rPr lang="en-US" dirty="0" err="1" smtClean="0"/>
-              <a:t>alltrue</a:t>
-            </a:r>
-            <a:r>
-              <a:rPr lang="en-US" dirty="0" smtClean="0"/>
-              <a:t>	= </a:t>
-            </a:r>
-            <a:r>
-              <a:rPr lang="en-US" dirty="0" err="1" smtClean="0"/>
-              <a:t>foldr</a:t>
-            </a:r>
-            <a:r>
-              <a:rPr lang="en-US" dirty="0" smtClean="0"/>
-              <a:t> (∧) true</a:t>
-            </a:r>
-          </a:p>
-          <a:p>
-            <a:pPr>
-              <a:buFont typeface="Wingdings" charset="2"/>
-              <a:buChar char="§"/>
-            </a:pPr>
-            <a:r>
-              <a:rPr lang="en-US" dirty="0" smtClean="0"/>
-              <a:t>map	= </a:t>
-            </a:r>
-            <a:r>
-              <a:rPr lang="en-US" dirty="0" err="1" smtClean="0"/>
-              <a:t>foldr</a:t>
-            </a:r>
-            <a:r>
-              <a:rPr lang="en-US" dirty="0" smtClean="0"/>
-              <a:t> (cons . </a:t>
-            </a:r>
-            <a:r>
-              <a:rPr lang="en-US" dirty="0" err="1" smtClean="0"/>
-              <a:t>f</a:t>
-            </a:r>
-            <a:r>
-              <a:rPr lang="en-US" dirty="0" smtClean="0"/>
-              <a:t>) []</a:t>
-            </a:r>
-          </a:p>
-          <a:p>
-            <a:pPr>
-              <a:buFont typeface="Wingdings" charset="2"/>
-              <a:buChar char="§"/>
-            </a:pPr>
-            <a:endParaRPr lang="en-US" dirty="0" smtClean="0"/>
-          </a:p>
-          <a:p>
-            <a:pPr>
-              <a:buFont typeface="Wingdings" charset="2"/>
-              <a:buChar char="§"/>
-            </a:pPr>
-            <a:r>
-              <a:rPr lang="en-US" dirty="0" smtClean="0"/>
-              <a:t>By </a:t>
-            </a:r>
-            <a:r>
-              <a:rPr lang="en-US" dirty="0" smtClean="0">
-                <a:solidFill>
-                  <a:srgbClr val="6EA0B0"/>
-                </a:solidFill>
-              </a:rPr>
-              <a:t>partially applying </a:t>
-            </a:r>
-            <a:r>
-              <a:rPr lang="en-US" dirty="0" smtClean="0"/>
-              <a:t>folds, we can define new list functions with very little programming!</a:t>
-            </a:r>
           </a:p>
         </p:txBody>
       </p:sp>
@@ -6698,6 +6733,13 @@
   <p:clrMapOvr>
     <a:masterClrMapping/>
   </p:clrMapOvr>
+  <p:timing>
+    <p:tnLst>
+      <p:par>
+        <p:cTn id="1" dur="indefinite" restart="never" nodeType="tmRoot"/>
+      </p:par>
+    </p:tnLst>
+  </p:timing>
 </p:sld>
 </file>
 
@@ -6735,7 +6777,7 @@
           <a:p>
             <a:r>
               <a:rPr lang="en-US" dirty="0" smtClean="0"/>
-              <a:t>Real-World Examples</a:t>
+              <a:t>In JavaScript:</a:t>
             </a:r>
             <a:endParaRPr lang="en-US" dirty="0"/>
           </a:p>
@@ -6743,56 +6785,105 @@
       </p:sp>
       <p:sp>
         <p:nvSpPr>
-          <p:cNvPr id="3" name="Content Placeholder 2"/>
-          <p:cNvSpPr>
-            <a:spLocks noGrp="1"/>
-          </p:cNvSpPr>
-          <p:nvPr>
-            <p:ph idx="1"/>
-          </p:nvPr>
-        </p:nvSpPr>
-        <p:spPr/>
-        <p:txBody>
-          <a:bodyPr/>
-          <a:lstStyle/>
-          <a:p>
-            <a:pPr>
-              <a:buFont typeface="Wingdings" charset="2"/>
-              <a:buChar char="§"/>
-            </a:pPr>
-            <a:r>
-              <a:rPr lang="en-US" dirty="0" smtClean="0"/>
-              <a:t>Strategy pattern. Higher-order functions supplant the need for extra code.</a:t>
-            </a:r>
-          </a:p>
-          <a:p>
-            <a:pPr>
-              <a:buFont typeface="Wingdings" charset="2"/>
-              <a:buChar char="§"/>
-            </a:pPr>
-            <a:r>
-              <a:rPr lang="en-US" dirty="0" smtClean="0"/>
-              <a:t>“loan” pattern.</a:t>
-            </a:r>
-          </a:p>
-          <a:p>
-            <a:pPr>
-              <a:buFont typeface="Wingdings" charset="2"/>
-              <a:buChar char="§"/>
-            </a:pPr>
-            <a:r>
-              <a:rPr lang="en-US" dirty="0" smtClean="0"/>
-              <a:t>Event handling in the Lift framework.</a:t>
-            </a:r>
-          </a:p>
-          <a:p>
-            <a:pPr>
-              <a:buFont typeface="Wingdings" charset="2"/>
-              <a:buChar char="§"/>
-            </a:pPr>
-            <a:r>
-              <a:rPr lang="en-US" dirty="0" smtClean="0"/>
-              <a:t>List tasks (partitioning, filtering, transforming).</a:t>
+          <p:cNvPr id="4" name="TextBox 3"/>
+          <p:cNvSpPr txBox="1"/>
+          <p:nvPr/>
+        </p:nvSpPr>
+        <p:spPr>
+          <a:xfrm>
+            <a:off x="457200" y="1862667"/>
+            <a:ext cx="6004932" cy="2785378"/>
+          </a:xfrm>
+          <a:prstGeom prst="rect">
+            <a:avLst/>
+          </a:prstGeom>
+          <a:noFill/>
+        </p:spPr>
+        <p:txBody>
+          <a:bodyPr wrap="none" rtlCol="0">
+            <a:spAutoFit/>
+          </a:bodyPr>
+          <a:lstStyle/>
+          <a:p>
+            <a:r>
+              <a:rPr lang="en-US" sz="2500" dirty="0" smtClean="0"/>
+              <a:t>function </a:t>
+            </a:r>
+            <a:r>
+              <a:rPr lang="en-US" sz="2500" dirty="0" err="1" smtClean="0"/>
+              <a:t>foldr(list</a:t>
+            </a:r>
+            <a:r>
+              <a:rPr lang="en-US" sz="2500" dirty="0" smtClean="0"/>
+              <a:t>, init, </a:t>
+            </a:r>
+            <a:r>
+              <a:rPr lang="en-US" sz="2500" dirty="0" err="1" smtClean="0"/>
+              <a:t>f</a:t>
+            </a:r>
+            <a:r>
+              <a:rPr lang="en-US" sz="2500" dirty="0" smtClean="0"/>
+              <a:t>) {</a:t>
+            </a:r>
+          </a:p>
+          <a:p>
+            <a:r>
+              <a:rPr lang="en-US" sz="2500" dirty="0" smtClean="0"/>
+              <a:t>  </a:t>
+            </a:r>
+            <a:r>
+              <a:rPr lang="en-US" sz="2500" dirty="0" err="1" smtClean="0"/>
+              <a:t>if(list.length</a:t>
+            </a:r>
+            <a:r>
+              <a:rPr lang="en-US" sz="2500" dirty="0" smtClean="0"/>
+              <a:t> == 0)</a:t>
+            </a:r>
+          </a:p>
+          <a:p>
+            <a:r>
+              <a:rPr lang="en-US" sz="2500" dirty="0" smtClean="0"/>
+              <a:t>    return init;</a:t>
+            </a:r>
+          </a:p>
+          <a:p>
+            <a:r>
+              <a:rPr lang="en-US" sz="2500" dirty="0" smtClean="0"/>
+              <a:t>  else {</a:t>
+            </a:r>
+          </a:p>
+          <a:p>
+            <a:r>
+              <a:rPr lang="en-US" sz="2500" dirty="0" smtClean="0"/>
+              <a:t>    return foldr(list.slice(1), </a:t>
+            </a:r>
+            <a:r>
+              <a:rPr lang="en-US" sz="2500" dirty="0" err="1" smtClean="0"/>
+              <a:t>f(init</a:t>
+            </a:r>
+            <a:r>
+              <a:rPr lang="en-US" sz="2500" dirty="0" smtClean="0"/>
+              <a:t>, list[0]), </a:t>
+            </a:r>
+            <a:r>
+              <a:rPr lang="en-US" sz="2500" dirty="0" err="1" smtClean="0"/>
+              <a:t>f</a:t>
+            </a:r>
+            <a:r>
+              <a:rPr lang="en-US" sz="2500" dirty="0" smtClean="0"/>
+              <a:t>);</a:t>
+            </a:r>
+          </a:p>
+          <a:p>
+            <a:r>
+              <a:rPr lang="en-US" sz="2500" dirty="0" smtClean="0"/>
+              <a:t>  }</a:t>
+            </a:r>
+          </a:p>
+          <a:p>
+            <a:r>
+              <a:rPr lang="en-US" sz="2500" dirty="0" smtClean="0"/>
+              <a:t>}</a:t>
             </a:r>
           </a:p>
         </p:txBody>
@@ -6802,6 +6893,13 @@
   <p:clrMapOvr>
     <a:masterClrMapping/>
   </p:clrMapOvr>
+  <p:timing>
+    <p:tnLst>
+      <p:par>
+        <p:cTn id="1" dur="indefinite" restart="never" nodeType="tmRoot"/>
+      </p:par>
+    </p:tnLst>
+  </p:timing>
 </p:sld>
 </file>
 
@@ -6839,7 +6937,15 @@
           <a:p>
             <a:r>
               <a:rPr lang="en-US" dirty="0" smtClean="0"/>
-              <a:t>What we Didn’t Cover</a:t>
+              <a:t>In </a:t>
+            </a:r>
+            <a:r>
+              <a:rPr lang="en-US" dirty="0" err="1" smtClean="0"/>
+              <a:t>Scala</a:t>
+            </a:r>
+            <a:r>
+              <a:rPr lang="en-US" dirty="0" smtClean="0"/>
+              <a:t>:</a:t>
             </a:r>
             <a:endParaRPr lang="en-US" dirty="0"/>
           </a:p>
@@ -6847,84 +6953,109 @@
       </p:sp>
       <p:sp>
         <p:nvSpPr>
-          <p:cNvPr id="3" name="Content Placeholder 2"/>
-          <p:cNvSpPr>
-            <a:spLocks noGrp="1"/>
-          </p:cNvSpPr>
-          <p:nvPr>
-            <p:ph idx="1"/>
-          </p:nvPr>
-        </p:nvSpPr>
-        <p:spPr/>
-        <p:txBody>
-          <a:bodyPr/>
-          <a:lstStyle/>
-          <a:p>
-            <a:pPr>
-              <a:buFont typeface="Wingdings" charset="2"/>
-              <a:buChar char="§"/>
-            </a:pPr>
-            <a:r>
-              <a:rPr lang="en-US" dirty="0" smtClean="0"/>
-              <a:t>Currying</a:t>
-            </a:r>
-          </a:p>
-          <a:p>
-            <a:pPr>
-              <a:buFont typeface="Wingdings" charset="2"/>
-              <a:buChar char="§"/>
-            </a:pPr>
-            <a:r>
-              <a:rPr lang="en-US" dirty="0" smtClean="0"/>
-              <a:t>Pattern matching</a:t>
-            </a:r>
-          </a:p>
-          <a:p>
-            <a:pPr>
-              <a:buFont typeface="Wingdings" charset="2"/>
-              <a:buChar char="§"/>
-            </a:pPr>
-            <a:r>
-              <a:rPr lang="en-US" dirty="0" smtClean="0"/>
-              <a:t>Type inference, higher-</a:t>
-            </a:r>
-            <a:r>
-              <a:rPr lang="en-US" dirty="0" err="1" smtClean="0"/>
-              <a:t>kinded</a:t>
-            </a:r>
-            <a:r>
-              <a:rPr lang="en-US" dirty="0" smtClean="0"/>
-              <a:t> types, and general type systems</a:t>
-            </a:r>
-          </a:p>
-          <a:p>
-            <a:pPr>
-              <a:buFont typeface="Wingdings" charset="2"/>
-              <a:buChar char="§"/>
-            </a:pPr>
-            <a:r>
-              <a:rPr lang="en-US" dirty="0" smtClean="0"/>
-              <a:t>Partial function application</a:t>
-            </a:r>
-          </a:p>
-          <a:p>
-            <a:pPr>
-              <a:buFont typeface="Wingdings" charset="2"/>
-              <a:buChar char="§"/>
-            </a:pPr>
-            <a:r>
-              <a:rPr lang="en-US" dirty="0" smtClean="0"/>
-              <a:t>Lazy evaluation</a:t>
-            </a:r>
-          </a:p>
-          <a:p>
-            <a:pPr>
-              <a:buFont typeface="Wingdings" charset="2"/>
-              <a:buChar char="§"/>
-            </a:pPr>
-            <a:r>
-              <a:rPr lang="en-US" dirty="0" smtClean="0"/>
-              <a:t>MORE!</a:t>
+          <p:cNvPr id="4" name="TextBox 3"/>
+          <p:cNvSpPr txBox="1"/>
+          <p:nvPr/>
+        </p:nvSpPr>
+        <p:spPr>
+          <a:xfrm>
+            <a:off x="457200" y="1862667"/>
+            <a:ext cx="7463144" cy="2015936"/>
+          </a:xfrm>
+          <a:prstGeom prst="rect">
+            <a:avLst/>
+          </a:prstGeom>
+          <a:noFill/>
+        </p:spPr>
+        <p:txBody>
+          <a:bodyPr wrap="none" rtlCol="0">
+            <a:spAutoFit/>
+          </a:bodyPr>
+          <a:lstStyle/>
+          <a:p>
+            <a:r>
+              <a:rPr lang="en-US" sz="2500" dirty="0" smtClean="0"/>
+              <a:t>def </a:t>
+            </a:r>
+            <a:r>
+              <a:rPr lang="en-US" sz="2500" dirty="0" err="1" smtClean="0"/>
+              <a:t>foldr[A</a:t>
+            </a:r>
+            <a:r>
+              <a:rPr lang="en-US" sz="2500" dirty="0" smtClean="0"/>
+              <a:t>, </a:t>
+            </a:r>
+            <a:r>
+              <a:rPr lang="en-US" sz="2500" dirty="0" err="1" smtClean="0"/>
+              <a:t>B](list</a:t>
+            </a:r>
+            <a:r>
+              <a:rPr lang="en-US" sz="2500" dirty="0" smtClean="0"/>
+              <a:t>: </a:t>
+            </a:r>
+            <a:r>
+              <a:rPr lang="en-US" sz="2500" dirty="0" err="1" smtClean="0"/>
+              <a:t>List[A</a:t>
+            </a:r>
+            <a:r>
+              <a:rPr lang="en-US" sz="2500" dirty="0" smtClean="0"/>
+              <a:t>], init: B, </a:t>
+            </a:r>
+            <a:r>
+              <a:rPr lang="en-US" sz="2500" dirty="0" err="1" smtClean="0"/>
+              <a:t>f</a:t>
+            </a:r>
+            <a:r>
+              <a:rPr lang="en-US" sz="2500" dirty="0" smtClean="0"/>
+              <a:t>: (B, A) =&gt; B): B =</a:t>
+            </a:r>
+          </a:p>
+          <a:p>
+            <a:r>
+              <a:rPr lang="en-US" sz="2500" dirty="0" smtClean="0"/>
+              <a:t>  list match {</a:t>
+            </a:r>
+          </a:p>
+          <a:p>
+            <a:r>
+              <a:rPr lang="en-US" sz="2500" dirty="0" smtClean="0"/>
+              <a:t>    case Nil =&gt; init</a:t>
+            </a:r>
+          </a:p>
+          <a:p>
+            <a:r>
+              <a:rPr lang="en-US" sz="2500" dirty="0" smtClean="0"/>
+              <a:t>    case head :: tail =&gt; </a:t>
+            </a:r>
+            <a:r>
+              <a:rPr lang="en-US" sz="2500" dirty="0" err="1" smtClean="0"/>
+              <a:t>foldr(tail</a:t>
+            </a:r>
+            <a:r>
+              <a:rPr lang="en-US" sz="2500" dirty="0" smtClean="0"/>
+              <a:t>, </a:t>
+            </a:r>
+            <a:r>
+              <a:rPr lang="en-US" sz="2500" dirty="0" err="1" smtClean="0"/>
+              <a:t>f(init</a:t>
+            </a:r>
+            <a:r>
+              <a:rPr lang="en-US" sz="2500" dirty="0" smtClean="0"/>
+              <a:t>, head), </a:t>
+            </a:r>
+            <a:r>
+              <a:rPr lang="en-US" sz="2500" dirty="0" err="1" smtClean="0"/>
+              <a:t>f</a:t>
+            </a:r>
+            <a:r>
+              <a:rPr lang="en-US" sz="2500" dirty="0" smtClean="0"/>
+              <a:t>)</a:t>
+            </a:r>
+          </a:p>
+          <a:p>
+            <a:r>
+              <a:rPr lang="en-US" sz="2500" dirty="0" smtClean="0"/>
+              <a:t>  }</a:t>
             </a:r>
           </a:p>
         </p:txBody>
@@ -6934,6 +7065,13 @@
   <p:clrMapOvr>
     <a:masterClrMapping/>
   </p:clrMapOvr>
+  <p:timing>
+    <p:tnLst>
+      <p:par>
+        <p:cTn id="1" dur="indefinite" restart="never" nodeType="tmRoot"/>
+      </p:par>
+    </p:tnLst>
+  </p:timing>
 </p:sld>
 </file>
 
@@ -6966,13 +7104,14 @@
         </p:nvSpPr>
         <p:spPr/>
         <p:txBody>
-          <a:bodyPr/>
-          <a:lstStyle/>
-          <a:p>
-            <a:pPr algn="ctr"/>
-            <a:r>
-              <a:rPr lang="en-US" dirty="0" smtClean="0"/>
-              <a:t>Questions?</a:t>
+          <a:bodyPr>
+            <a:normAutofit fontScale="90000"/>
+          </a:bodyPr>
+          <a:lstStyle/>
+          <a:p>
+            <a:r>
+              <a:rPr lang="en-US" dirty="0" smtClean="0"/>
+              <a:t>Some List Functions That can be Defined in Terms of Folding</a:t>
             </a:r>
             <a:endParaRPr lang="en-US" dirty="0"/>
           </a:p>
@@ -6988,58 +7127,146 @@
             <p:ph idx="1"/>
           </p:nvPr>
         </p:nvSpPr>
-        <p:spPr>
-          <a:xfrm>
-            <a:off x="457199" y="1600200"/>
-            <a:ext cx="8106937" cy="4525963"/>
-          </a:xfrm>
-        </p:spPr>
-        <p:txBody>
-          <a:bodyPr/>
+        <p:spPr/>
+        <p:txBody>
+          <a:bodyPr>
+            <a:normAutofit lnSpcReduction="10000"/>
+          </a:bodyPr>
           <a:lstStyle/>
           <a:p>
             <a:pPr>
-              <a:buNone/>
+              <a:buFont typeface="Wingdings" charset="2"/>
+              <a:buChar char="§"/>
             </a:pPr>
             <a:r>
               <a:rPr lang="en-US" dirty="0" smtClean="0"/>
-              <a:t>Sample code available at</a:t>
+              <a:t>sum	= </a:t>
+            </a:r>
+            <a:r>
+              <a:rPr lang="en-US" dirty="0" err="1" smtClean="0"/>
+              <a:t>foldr</a:t>
+            </a:r>
+            <a:r>
+              <a:rPr lang="en-US" dirty="0" smtClean="0"/>
+              <a:t> (+) 0</a:t>
+            </a:r>
+          </a:p>
+          <a:p>
+            <a:pPr>
+              <a:buFont typeface="Wingdings" charset="2"/>
+              <a:buChar char="§"/>
+            </a:pPr>
+            <a:r>
+              <a:rPr lang="en-US" dirty="0" smtClean="0"/>
+              <a:t>product	= </a:t>
+            </a:r>
+            <a:r>
+              <a:rPr lang="en-US" dirty="0" err="1" smtClean="0"/>
+              <a:t>foldr</a:t>
+            </a:r>
+            <a:r>
+              <a:rPr lang="en-US" dirty="0" smtClean="0"/>
+              <a:t> (*) 1</a:t>
+            </a:r>
+          </a:p>
+          <a:p>
+            <a:pPr>
+              <a:buFont typeface="Wingdings" charset="2"/>
+              <a:buChar char="§"/>
+            </a:pPr>
+            <a:r>
+              <a:rPr lang="en-US" dirty="0" err="1" smtClean="0"/>
+              <a:t>anytrue</a:t>
+            </a:r>
+            <a:r>
+              <a:rPr lang="en-US" dirty="0" smtClean="0"/>
+              <a:t>	= </a:t>
+            </a:r>
+            <a:r>
+              <a:rPr lang="en-US" dirty="0" err="1" smtClean="0"/>
+              <a:t>foldr</a:t>
+            </a:r>
+            <a:r>
+              <a:rPr lang="en-US" dirty="0" smtClean="0"/>
+              <a:t> (∨) false</a:t>
+            </a:r>
+          </a:p>
+          <a:p>
+            <a:pPr>
+              <a:buFont typeface="Wingdings" charset="2"/>
+              <a:buChar char="§"/>
+            </a:pPr>
+            <a:r>
+              <a:rPr lang="en-US" dirty="0" err="1" smtClean="0"/>
+              <a:t>alltrue</a:t>
+            </a:r>
+            <a:r>
+              <a:rPr lang="en-US" dirty="0" smtClean="0"/>
+              <a:t>	= </a:t>
+            </a:r>
+            <a:r>
+              <a:rPr lang="en-US" dirty="0" err="1" smtClean="0"/>
+              <a:t>foldr</a:t>
+            </a:r>
+            <a:r>
+              <a:rPr lang="en-US" dirty="0" smtClean="0"/>
+              <a:t> (∧) true</a:t>
+            </a:r>
+          </a:p>
+          <a:p>
+            <a:pPr>
+              <a:buFont typeface="Wingdings" charset="2"/>
+              <a:buChar char="§"/>
+            </a:pPr>
+            <a:r>
+              <a:rPr lang="en-US" dirty="0" smtClean="0"/>
+              <a:t>map	= </a:t>
+            </a:r>
+            <a:r>
+              <a:rPr lang="en-US" dirty="0" err="1" smtClean="0"/>
+              <a:t>foldr</a:t>
+            </a:r>
+            <a:r>
+              <a:rPr lang="en-US" dirty="0" smtClean="0"/>
+              <a:t> (cons . </a:t>
+            </a:r>
+            <a:r>
+              <a:rPr lang="en-US" dirty="0" err="1" smtClean="0"/>
+              <a:t>f</a:t>
+            </a:r>
+            <a:r>
+              <a:rPr lang="en-US" dirty="0" smtClean="0"/>
+              <a:t>) []</a:t>
+            </a:r>
+          </a:p>
+          <a:p>
+            <a:pPr>
+              <a:buFont typeface="Wingdings" charset="2"/>
+              <a:buChar char="§"/>
+            </a:pPr>
+            <a:endParaRPr lang="en-US" dirty="0" smtClean="0"/>
+          </a:p>
+          <a:p>
+            <a:pPr>
+              <a:buFont typeface="Wingdings" charset="2"/>
+              <a:buChar char="§"/>
+            </a:pPr>
+            <a:r>
+              <a:rPr lang="en-US" dirty="0" smtClean="0"/>
+              <a:t>By </a:t>
             </a:r>
             <a:r>
               <a:rPr lang="en-US" dirty="0" smtClean="0">
                 <a:solidFill>
-                  <a:schemeClr val="accent1">
-                    <a:lumMod val="60000"/>
-                    <a:lumOff val="40000"/>
-                  </a:schemeClr>
-                </a:solidFill>
-              </a:rPr>
-              <a:t> </a:t>
-            </a:r>
-            <a:br>
-              <a:rPr lang="en-US" dirty="0" smtClean="0">
-                <a:solidFill>
-                  <a:schemeClr val="accent1">
-                    <a:lumMod val="60000"/>
-                    <a:lumOff val="40000"/>
-                  </a:schemeClr>
-                </a:solidFill>
-              </a:rPr>
-            </a:br>
-            <a:r>
-              <a:rPr lang="en-US" sz="2000" dirty="0" smtClean="0">
-                <a:solidFill>
-                  <a:schemeClr val="accent1">
-                    <a:lumMod val="60000"/>
-                    <a:lumOff val="40000"/>
-                  </a:schemeClr>
-                </a:solidFill>
-              </a:rPr>
-              <a:t>http://github.com/chrislewis/JaxFunc_0_ImperativelyFunctional</a:t>
-            </a:r>
-          </a:p>
-          <a:p>
-            <a:endParaRPr lang="en-US" dirty="0"/>
+                  <a:srgbClr val="A8C6D0"/>
+                </a:solidFill>
+              </a:rPr>
+              <a:t>partially applying </a:t>
+            </a:r>
+            <a:r>
+              <a:rPr lang="en-US" dirty="0" smtClean="0"/>
+              <a:t>folds, we can define new list functions with very little programming!</a:t>
+            </a:r>
           </a:p>
         </p:txBody>
       </p:sp>
@@ -7070,173 +7297,93 @@
       </p:grpSpPr>
       <p:sp>
         <p:nvSpPr>
-          <p:cNvPr id="3" name="TextBox 2"/>
-          <p:cNvSpPr txBox="1"/>
-          <p:nvPr/>
-        </p:nvSpPr>
-        <p:spPr>
-          <a:xfrm>
-            <a:off x="1745079" y="2514061"/>
-            <a:ext cx="5738370" cy="1384995"/>
-          </a:xfrm>
-          <a:prstGeom prst="rect">
-            <a:avLst/>
-          </a:prstGeom>
-          <a:noFill/>
-        </p:spPr>
-        <p:txBody>
-          <a:bodyPr wrap="none" rtlCol="0">
-            <a:spAutoFit/>
-          </a:bodyPr>
-          <a:lstStyle/>
-          <a:p>
-            <a:r>
-              <a:rPr lang="en-US" sz="2800" dirty="0" err="1"/>
-              <a:t>c</a:t>
-            </a:r>
-            <a:r>
-              <a:rPr lang="en-US" sz="2800" dirty="0" err="1" smtClean="0"/>
-              <a:t>hris</a:t>
-            </a:r>
-            <a:r>
-              <a:rPr lang="en-US" sz="2800" dirty="0" smtClean="0"/>
-              <a:t> </a:t>
-            </a:r>
-            <a:r>
-              <a:rPr lang="en-US" sz="2800" dirty="0" err="1" smtClean="0"/>
-              <a:t>lewis</a:t>
-            </a:r>
-            <a:r>
-              <a:rPr lang="en-US" sz="2800" dirty="0" smtClean="0"/>
-              <a:t> / </a:t>
-            </a:r>
-            <a:r>
-              <a:rPr lang="en-US" sz="2800" dirty="0" err="1" smtClean="0">
-                <a:solidFill>
-                  <a:schemeClr val="accent1">
-                    <a:lumMod val="60000"/>
-                    <a:lumOff val="40000"/>
-                  </a:schemeClr>
-                </a:solidFill>
-              </a:rPr>
-              <a:t>chris@thegodcode.net</a:t>
-            </a:r>
-            <a:endParaRPr lang="en-US" sz="2800" dirty="0" smtClean="0">
-              <a:solidFill>
-                <a:schemeClr val="accent1">
-                  <a:lumMod val="60000"/>
-                  <a:lumOff val="40000"/>
-                </a:schemeClr>
-              </a:solidFill>
-            </a:endParaRPr>
-          </a:p>
-          <a:p>
-            <a:r>
-              <a:rPr lang="en-US" sz="2800" dirty="0" smtClean="0">
-                <a:solidFill>
-                  <a:schemeClr val="accent1">
-                    <a:lumMod val="60000"/>
-                    <a:lumOff val="40000"/>
-                  </a:schemeClr>
-                </a:solidFill>
-              </a:rPr>
-              <a:t>http://twitter.com/burningodzilla</a:t>
-            </a:r>
-            <a:endParaRPr lang="en-US" sz="2800" dirty="0">
-              <a:solidFill>
-                <a:schemeClr val="accent1">
-                  <a:lumMod val="60000"/>
-                  <a:lumOff val="40000"/>
-                </a:schemeClr>
-              </a:solidFill>
-            </a:endParaRPr>
-          </a:p>
-          <a:p>
-            <a:r>
-              <a:rPr lang="en-US" sz="2800" dirty="0" smtClean="0">
-                <a:solidFill>
-                  <a:schemeClr val="accent1">
-                    <a:lumMod val="60000"/>
-                    <a:lumOff val="40000"/>
-                  </a:schemeClr>
-                </a:solidFill>
-              </a:rPr>
-              <a:t>http://github.com/chrislewis/</a:t>
-            </a:r>
-          </a:p>
-        </p:txBody>
-      </p:sp>
-      <p:sp>
-        <p:nvSpPr>
-          <p:cNvPr id="4" name="Title 1"/>
-          <p:cNvSpPr txBox="1">
-            <a:spLocks/>
-          </p:cNvSpPr>
-          <p:nvPr/>
-        </p:nvSpPr>
-        <p:spPr>
-          <a:xfrm>
-            <a:off x="3170444" y="782176"/>
-            <a:ext cx="3090200" cy="1143000"/>
-          </a:xfrm>
-          <a:prstGeom prst="rect">
-            <a:avLst/>
-          </a:prstGeom>
-        </p:spPr>
-        <p:txBody>
-          <a:bodyPr vert="horz" lIns="45720" rIns="45720" anchor="ctr">
-            <a:normAutofit/>
-          </a:bodyPr>
-          <a:lstStyle/>
-          <a:p>
-            <a:pPr marL="0" marR="0" lvl="0" indent="0" algn="l" defTabSz="914400" rtl="0" eaLnBrk="1" fontAlgn="auto" latinLnBrk="0" hangingPunct="1">
-              <a:lnSpc>
-                <a:spcPct val="100000"/>
-              </a:lnSpc>
-              <a:spcBef>
-                <a:spcPct val="0"/>
-              </a:spcBef>
-              <a:spcAft>
-                <a:spcPts val="0"/>
-              </a:spcAft>
-              <a:buClrTx/>
-              <a:buSzTx/>
-              <a:buFontTx/>
-              <a:buNone/>
-              <a:tabLst/>
-              <a:defRPr/>
+          <p:cNvPr id="2" name="Title 1"/>
+          <p:cNvSpPr>
+            <a:spLocks noGrp="1"/>
+          </p:cNvSpPr>
+          <p:nvPr>
+            <p:ph type="title"/>
+          </p:nvPr>
+        </p:nvSpPr>
+        <p:spPr/>
+        <p:txBody>
+          <a:bodyPr/>
+          <a:lstStyle/>
+          <a:p>
+            <a:r>
+              <a:rPr lang="en-US" dirty="0" smtClean="0"/>
+              <a:t>Real-World Examples</a:t>
+            </a:r>
+            <a:endParaRPr lang="en-US" dirty="0"/>
+          </a:p>
+        </p:txBody>
+      </p:sp>
+      <p:sp>
+        <p:nvSpPr>
+          <p:cNvPr id="3" name="Content Placeholder 2"/>
+          <p:cNvSpPr>
+            <a:spLocks noGrp="1"/>
+          </p:cNvSpPr>
+          <p:nvPr>
+            <p:ph idx="1"/>
+          </p:nvPr>
+        </p:nvSpPr>
+        <p:spPr/>
+        <p:txBody>
+          <a:bodyPr/>
+          <a:lstStyle/>
+          <a:p>
+            <a:pPr>
+              <a:buFont typeface="Wingdings" charset="2"/>
+              <a:buChar char="§"/>
             </a:pPr>
             <a:r>
-              <a:rPr kumimoji="0" lang="en-US" sz="4600" b="0" i="0" u="none" strike="noStrike" kern="1200" cap="none" spc="0" normalizeH="0" baseline="0" noProof="0" dirty="0" smtClean="0">
-                <a:ln>
-                  <a:noFill/>
-                </a:ln>
-                <a:solidFill>
-                  <a:schemeClr val="tx1"/>
-                </a:solidFill>
-                <a:effectLst/>
-                <a:uLnTx/>
-                <a:uFillTx/>
-                <a:latin typeface="+mj-lt"/>
-                <a:ea typeface="+mj-ea"/>
-                <a:cs typeface="+mj-cs"/>
-              </a:rPr>
-              <a:t>Thanks!</a:t>
-            </a:r>
-            <a:endParaRPr kumimoji="0" lang="en-US" sz="4600" b="0" i="0" u="none" strike="noStrike" kern="1200" cap="none" spc="0" normalizeH="0" baseline="0" noProof="0" dirty="0">
-              <a:ln>
-                <a:noFill/>
-              </a:ln>
-              <a:solidFill>
-                <a:schemeClr val="tx1"/>
-              </a:solidFill>
-              <a:effectLst/>
-              <a:uLnTx/>
-              <a:uFillTx/>
-              <a:latin typeface="+mj-lt"/>
-              <a:ea typeface="+mj-ea"/>
-              <a:cs typeface="+mj-cs"/>
-            </a:endParaRPr>
+              <a:rPr lang="en-US" dirty="0" smtClean="0"/>
+              <a:t>Higher</a:t>
+            </a:r>
+            <a:r>
+              <a:rPr lang="en-US" dirty="0" smtClean="0"/>
+              <a:t>-order functions</a:t>
+            </a:r>
+            <a:r>
+              <a:rPr lang="en-US" dirty="0" smtClean="0"/>
+              <a:t> pay dividends (strategy pattern, factory, factories of </a:t>
+            </a:r>
+            <a:r>
+              <a:rPr lang="en-US" dirty="0" smtClean="0"/>
+              <a:t>factories, …)</a:t>
+            </a:r>
+            <a:endParaRPr lang="en-US" dirty="0" smtClean="0"/>
+          </a:p>
+          <a:p>
+            <a:pPr>
+              <a:buFont typeface="Wingdings" charset="2"/>
+              <a:buChar char="§"/>
+            </a:pPr>
+            <a:r>
+              <a:rPr lang="en-US" dirty="0" smtClean="0"/>
+              <a:t>“loan” pattern.</a:t>
+            </a:r>
+          </a:p>
+          <a:p>
+            <a:pPr>
+              <a:buFont typeface="Wingdings" charset="2"/>
+              <a:buChar char="§"/>
+            </a:pPr>
+            <a:r>
+              <a:rPr lang="en-US" dirty="0" smtClean="0"/>
+              <a:t>Event handling in the Lift framework.</a:t>
+            </a:r>
+          </a:p>
+          <a:p>
+            <a:pPr>
+              <a:buFont typeface="Wingdings" charset="2"/>
+              <a:buChar char="§"/>
+            </a:pPr>
+            <a:r>
+              <a:rPr lang="en-US" dirty="0" smtClean="0"/>
+              <a:t>List tasks (partitioning, filtering, transforming).</a:t>
+            </a:r>
           </a:p>
         </p:txBody>
       </p:sp>
@@ -7245,13 +7392,165 @@
   <p:clrMapOvr>
     <a:masterClrMapping/>
   </p:clrMapOvr>
-  <p:timing>
-    <p:tnLst>
-      <p:par>
-        <p:cTn id="1" dur="indefinite" restart="never" nodeType="tmRoot"/>
-      </p:par>
-    </p:tnLst>
-  </p:timing>
+</p:sld>
+</file>
+
+<file path=ppt/slides/slide29.xml><?xml version="1.0" encoding="utf-8"?>
+<p:sld xmlns:a="http://schemas.openxmlformats.org/drawingml/2006/main" xmlns:r="http://schemas.openxmlformats.org/officeDocument/2006/relationships" xmlns:mc="http://schemas.openxmlformats.org/markup-compatibility/2006" xmlns:mv="urn:schemas-microsoft-com:mac:vml" xmlns:p="http://schemas.openxmlformats.org/presentationml/2006/main" mc:Ignorable="mv" mc:PreserveAttributes="mv:*">
+  <p:cSld>
+    <p:spTree>
+      <p:nvGrpSpPr>
+        <p:cNvPr id="1" name=""/>
+        <p:cNvGrpSpPr/>
+        <p:nvPr/>
+      </p:nvGrpSpPr>
+      <p:grpSpPr>
+        <a:xfrm>
+          <a:off x="0" y="0"/>
+          <a:ext cx="0" cy="0"/>
+          <a:chOff x="0" y="0"/>
+          <a:chExt cx="0" cy="0"/>
+        </a:xfrm>
+      </p:grpSpPr>
+      <p:sp>
+        <p:nvSpPr>
+          <p:cNvPr id="2" name="Title 1"/>
+          <p:cNvSpPr>
+            <a:spLocks noGrp="1"/>
+          </p:cNvSpPr>
+          <p:nvPr>
+            <p:ph type="title"/>
+          </p:nvPr>
+        </p:nvSpPr>
+        <p:spPr/>
+        <p:txBody>
+          <a:bodyPr/>
+          <a:lstStyle/>
+          <a:p>
+            <a:r>
+              <a:rPr lang="en-US" dirty="0" smtClean="0"/>
+              <a:t>What we Didn’t Cover</a:t>
+            </a:r>
+            <a:endParaRPr lang="en-US" dirty="0"/>
+          </a:p>
+        </p:txBody>
+      </p:sp>
+      <p:sp>
+        <p:nvSpPr>
+          <p:cNvPr id="3" name="Content Placeholder 2"/>
+          <p:cNvSpPr>
+            <a:spLocks noGrp="1"/>
+          </p:cNvSpPr>
+          <p:nvPr>
+            <p:ph idx="1"/>
+          </p:nvPr>
+        </p:nvSpPr>
+        <p:spPr/>
+        <p:txBody>
+          <a:bodyPr/>
+          <a:lstStyle/>
+          <a:p>
+            <a:pPr>
+              <a:buFont typeface="Wingdings" charset="2"/>
+              <a:buChar char="§"/>
+            </a:pPr>
+            <a:r>
+              <a:rPr lang="en-US" dirty="0" smtClean="0"/>
+              <a:t>Currying</a:t>
+            </a:r>
+          </a:p>
+          <a:p>
+            <a:pPr>
+              <a:buFont typeface="Wingdings" charset="2"/>
+              <a:buChar char="§"/>
+            </a:pPr>
+            <a:r>
+              <a:rPr lang="en-US" dirty="0" smtClean="0"/>
+              <a:t>Pattern matching</a:t>
+            </a:r>
+          </a:p>
+          <a:p>
+            <a:pPr>
+              <a:buFont typeface="Wingdings" charset="2"/>
+              <a:buChar char="§"/>
+            </a:pPr>
+            <a:r>
+              <a:rPr lang="en-US" dirty="0" smtClean="0"/>
+              <a:t>Type inference, higher-</a:t>
+            </a:r>
+            <a:r>
+              <a:rPr lang="en-US" dirty="0" err="1" smtClean="0"/>
+              <a:t>kinded</a:t>
+            </a:r>
+            <a:r>
+              <a:rPr lang="en-US" dirty="0" smtClean="0"/>
+              <a:t> types, and general type systems</a:t>
+            </a:r>
+          </a:p>
+          <a:p>
+            <a:pPr>
+              <a:buFont typeface="Wingdings" charset="2"/>
+              <a:buChar char="§"/>
+            </a:pPr>
+            <a:r>
+              <a:rPr lang="en-US" dirty="0" smtClean="0"/>
+              <a:t>Partial function </a:t>
+            </a:r>
+            <a:r>
+              <a:rPr lang="en-US" dirty="0" smtClean="0"/>
+              <a:t>application</a:t>
+            </a:r>
+          </a:p>
+          <a:p>
+            <a:pPr>
+              <a:buFont typeface="Wingdings" charset="2"/>
+              <a:buChar char="§"/>
+            </a:pPr>
+            <a:r>
+              <a:rPr lang="en-US" dirty="0" smtClean="0"/>
+              <a:t>Monads</a:t>
+            </a:r>
+            <a:endParaRPr lang="en-US" dirty="0" smtClean="0"/>
+          </a:p>
+          <a:p>
+            <a:pPr>
+              <a:buFont typeface="Wingdings" charset="2"/>
+              <a:buChar char="§"/>
+            </a:pPr>
+            <a:r>
+              <a:rPr lang="en-US" dirty="0" smtClean="0"/>
+              <a:t>Lazy </a:t>
+            </a:r>
+            <a:r>
+              <a:rPr lang="en-US" dirty="0" err="1" smtClean="0"/>
+              <a:t>vs</a:t>
+            </a:r>
+            <a:r>
+              <a:rPr lang="en-US" dirty="0" smtClean="0"/>
+              <a:t> strict </a:t>
+            </a:r>
+            <a:r>
+              <a:rPr lang="en-US" dirty="0" smtClean="0"/>
+              <a:t>evaluation</a:t>
+            </a:r>
+          </a:p>
+          <a:p>
+            <a:pPr>
+              <a:buFont typeface="Wingdings" charset="2"/>
+              <a:buChar char="§"/>
+            </a:pPr>
+            <a:r>
+              <a:rPr lang="en-US" dirty="0" smtClean="0"/>
+              <a:t>MORE!</a:t>
+            </a:r>
+          </a:p>
+        </p:txBody>
+      </p:sp>
+    </p:spTree>
+  </p:cSld>
+  <p:clrMapOvr>
+    <a:masterClrMapping/>
+  </p:clrMapOvr>
 </p:sld>
 </file>
 
@@ -7291,7 +7590,15 @@
           <a:p>
             <a:r>
               <a:rPr lang="en-US" dirty="0" smtClean="0"/>
-              <a:t>Origins: The Lambda Calculus</a:t>
+              <a:t>Origins: The </a:t>
+            </a:r>
+            <a:r>
+              <a:rPr lang="en-US" dirty="0" err="1" smtClean="0"/>
+              <a:t>λ</a:t>
+            </a:r>
+            <a:r>
+              <a:rPr lang="en-US" dirty="0" smtClean="0"/>
+              <a:t>-Calculus</a:t>
             </a:r>
             <a:endParaRPr lang="en-US" dirty="0"/>
           </a:p>
@@ -7320,32 +7627,12 @@
             </a:pPr>
             <a:r>
               <a:rPr lang="en-US" dirty="0" smtClean="0"/>
-              <a:t>Based on functions that receive functions as parameters and return functions as results</a:t>
+              <a:t>Functions may receive functions as parameters and return functions as results</a:t>
             </a:r>
             <a:r>
               <a:rPr lang="en-US" dirty="0" smtClean="0"/>
               <a:t>.</a:t>
             </a:r>
-          </a:p>
-          <a:p>
-            <a:pPr marL="420624" lvl="1" indent="-384048">
-              <a:buSzPct val="80000"/>
-              <a:buFont typeface="Wingdings" charset="2"/>
-              <a:buChar char="§"/>
-            </a:pPr>
-            <a:r>
-              <a:rPr lang="en-US" sz="3000" dirty="0" smtClean="0"/>
-              <a:t>Not focused on the physical world, but abstract problems about </a:t>
-            </a:r>
-            <a:r>
-              <a:rPr lang="en-US" sz="3000" i="1" smtClean="0"/>
-              <a:t>computation</a:t>
-            </a:r>
-            <a:r>
-              <a:rPr lang="en-US" sz="3000" smtClean="0"/>
-              <a:t>.</a:t>
-            </a:r>
-            <a:endParaRPr lang="en-US" smtClean="0"/>
           </a:p>
           <a:p>
             <a:pPr>
@@ -7354,15 +7641,18 @@
             </a:pPr>
             <a:r>
               <a:rPr lang="en-US" dirty="0" smtClean="0"/>
-              <a:t>When a programming language treats functions this way, that language is said to support </a:t>
+              <a:t>A lambda may “close” over free variables to create a </a:t>
             </a:r>
             <a:r>
               <a:rPr lang="en-US" dirty="0" smtClean="0">
                 <a:solidFill>
-                  <a:srgbClr val="6EA0B0"/>
-                </a:solidFill>
-              </a:rPr>
-              <a:t>higher-order functions</a:t>
+                  <a:schemeClr val="accent1">
+                    <a:lumMod val="60000"/>
+                    <a:lumOff val="40000"/>
+                  </a:schemeClr>
+                </a:solidFill>
+              </a:rPr>
+              <a:t>closure</a:t>
             </a:r>
             <a:r>
               <a:rPr lang="en-US" dirty="0" smtClean="0"/>
@@ -7374,6 +7664,10 @@
               <a:buFont typeface="Wingdings" charset="2"/>
               <a:buChar char="§"/>
             </a:pPr>
+            <a:r>
+              <a:rPr lang="en-US" sz="3000" dirty="0" smtClean="0"/>
+              <a:t>Turing complete.</a:t>
+            </a:r>
             <a:endParaRPr lang="en-US" sz="3000" dirty="0" smtClean="0"/>
           </a:p>
         </p:txBody>
@@ -7390,6 +7684,314 @@
       </p:par>
     </p:tnLst>
   </p:timing>
+</p:sld>
+</file>
+
+<file path=ppt/slides/slide30.xml><?xml version="1.0" encoding="utf-8"?>
+<p:sld xmlns:a="http://schemas.openxmlformats.org/drawingml/2006/main" xmlns:r="http://schemas.openxmlformats.org/officeDocument/2006/relationships" xmlns:mc="http://schemas.openxmlformats.org/markup-compatibility/2006" xmlns:mv="urn:schemas-microsoft-com:mac:vml" xmlns:p="http://schemas.openxmlformats.org/presentationml/2006/main" mc:Ignorable="mv" mc:PreserveAttributes="mv:*">
+  <p:cSld>
+    <p:spTree>
+      <p:nvGrpSpPr>
+        <p:cNvPr id="1" name=""/>
+        <p:cNvGrpSpPr/>
+        <p:nvPr/>
+      </p:nvGrpSpPr>
+      <p:grpSpPr>
+        <a:xfrm>
+          <a:off x="0" y="0"/>
+          <a:ext cx="0" cy="0"/>
+          <a:chOff x="0" y="0"/>
+          <a:chExt cx="0" cy="0"/>
+        </a:xfrm>
+      </p:grpSpPr>
+      <p:sp>
+        <p:nvSpPr>
+          <p:cNvPr id="2" name="Title 1"/>
+          <p:cNvSpPr>
+            <a:spLocks noGrp="1"/>
+          </p:cNvSpPr>
+          <p:nvPr>
+            <p:ph type="title"/>
+          </p:nvPr>
+        </p:nvSpPr>
+        <p:spPr/>
+        <p:txBody>
+          <a:bodyPr/>
+          <a:lstStyle/>
+          <a:p>
+            <a:pPr algn="ctr"/>
+            <a:r>
+              <a:rPr lang="en-US" dirty="0" smtClean="0"/>
+              <a:t>Questions?</a:t>
+            </a:r>
+            <a:endParaRPr lang="en-US" dirty="0"/>
+          </a:p>
+        </p:txBody>
+      </p:sp>
+      <p:sp>
+        <p:nvSpPr>
+          <p:cNvPr id="3" name="Content Placeholder 2"/>
+          <p:cNvSpPr>
+            <a:spLocks noGrp="1"/>
+          </p:cNvSpPr>
+          <p:nvPr>
+            <p:ph idx="1"/>
+          </p:nvPr>
+        </p:nvSpPr>
+        <p:spPr>
+          <a:xfrm>
+            <a:off x="457199" y="1600200"/>
+            <a:ext cx="8106937" cy="4525963"/>
+          </a:xfrm>
+        </p:spPr>
+        <p:txBody>
+          <a:bodyPr/>
+          <a:lstStyle/>
+          <a:p>
+            <a:pPr>
+              <a:buNone/>
+            </a:pPr>
+            <a:r>
+              <a:rPr lang="en-US" dirty="0" smtClean="0"/>
+              <a:t>Sample code available at</a:t>
+            </a:r>
+            <a:r>
+              <a:rPr lang="en-US" dirty="0" smtClean="0">
+                <a:solidFill>
+                  <a:schemeClr val="accent1">
+                    <a:lumMod val="60000"/>
+                    <a:lumOff val="40000"/>
+                  </a:schemeClr>
+                </a:solidFill>
+              </a:rPr>
+              <a:t> </a:t>
+            </a:r>
+            <a:br>
+              <a:rPr lang="en-US" dirty="0" smtClean="0">
+                <a:solidFill>
+                  <a:schemeClr val="accent1">
+                    <a:lumMod val="60000"/>
+                    <a:lumOff val="40000"/>
+                  </a:schemeClr>
+                </a:solidFill>
+              </a:rPr>
+            </a:br>
+            <a:r>
+              <a:rPr lang="en-US" sz="2000" dirty="0" smtClean="0">
+                <a:solidFill>
+                  <a:schemeClr val="accent1">
+                    <a:lumMod val="60000"/>
+                    <a:lumOff val="40000"/>
+                  </a:schemeClr>
+                </a:solidFill>
+              </a:rPr>
+              <a:t>http://github.com/chrislewis/JaxFunc_0_ImperativelyFunctional</a:t>
+            </a:r>
+          </a:p>
+          <a:p>
+            <a:endParaRPr lang="en-US" dirty="0"/>
+          </a:p>
+        </p:txBody>
+      </p:sp>
+    </p:spTree>
+  </p:cSld>
+  <p:clrMapOvr>
+    <a:masterClrMapping/>
+  </p:clrMapOvr>
+</p:sld>
+</file>
+
+<file path=ppt/slides/slide31.xml><?xml version="1.0" encoding="utf-8"?>
+<p:sld xmlns:a="http://schemas.openxmlformats.org/drawingml/2006/main" xmlns:r="http://schemas.openxmlformats.org/officeDocument/2006/relationships" xmlns:mc="http://schemas.openxmlformats.org/markup-compatibility/2006" xmlns:mv="urn:schemas-microsoft-com:mac:vml" xmlns:p="http://schemas.openxmlformats.org/presentationml/2006/main" mc:Ignorable="mv" mc:PreserveAttributes="mv:*">
+  <p:cSld>
+    <p:spTree>
+      <p:nvGrpSpPr>
+        <p:cNvPr id="1" name=""/>
+        <p:cNvGrpSpPr/>
+        <p:nvPr/>
+      </p:nvGrpSpPr>
+      <p:grpSpPr>
+        <a:xfrm>
+          <a:off x="0" y="0"/>
+          <a:ext cx="0" cy="0"/>
+          <a:chOff x="0" y="0"/>
+          <a:chExt cx="0" cy="0"/>
+        </a:xfrm>
+      </p:grpSpPr>
+      <p:sp>
+        <p:nvSpPr>
+          <p:cNvPr id="2" name="Title 1"/>
+          <p:cNvSpPr>
+            <a:spLocks noGrp="1"/>
+          </p:cNvSpPr>
+          <p:nvPr>
+            <p:ph type="title"/>
+          </p:nvPr>
+        </p:nvSpPr>
+        <p:spPr/>
+        <p:txBody>
+          <a:bodyPr/>
+          <a:lstStyle/>
+          <a:p>
+            <a:pPr algn="ctr"/>
+            <a:r>
+              <a:rPr lang="en-US" dirty="0" smtClean="0"/>
+              <a:t>Thanks!</a:t>
+            </a:r>
+            <a:endParaRPr lang="en-US" dirty="0"/>
+          </a:p>
+        </p:txBody>
+      </p:sp>
+      <p:sp>
+        <p:nvSpPr>
+          <p:cNvPr id="4" name="Rectangle 3"/>
+          <p:cNvSpPr/>
+          <p:nvPr/>
+        </p:nvSpPr>
+        <p:spPr>
+          <a:xfrm>
+            <a:off x="1223354" y="1536174"/>
+            <a:ext cx="6175808" cy="1477328"/>
+          </a:xfrm>
+          <a:prstGeom prst="rect">
+            <a:avLst/>
+          </a:prstGeom>
+        </p:spPr>
+        <p:txBody>
+          <a:bodyPr wrap="square">
+            <a:spAutoFit/>
+          </a:bodyPr>
+          <a:lstStyle/>
+          <a:p>
+            <a:r>
+              <a:rPr lang="en-US" sz="3000" dirty="0" err="1" smtClean="0"/>
+              <a:t>chris</a:t>
+            </a:r>
+            <a:r>
+              <a:rPr lang="en-US" sz="3000" dirty="0" smtClean="0"/>
+              <a:t> </a:t>
+            </a:r>
+            <a:r>
+              <a:rPr lang="en-US" sz="3000" dirty="0" err="1" smtClean="0"/>
+              <a:t>lewis</a:t>
+            </a:r>
+            <a:r>
+              <a:rPr lang="en-US" sz="3000" dirty="0" smtClean="0"/>
+              <a:t> / </a:t>
+            </a:r>
+            <a:r>
+              <a:rPr lang="en-US" sz="3000" dirty="0" err="1" smtClean="0">
+                <a:solidFill>
+                  <a:schemeClr val="accent1">
+                    <a:lumMod val="60000"/>
+                    <a:lumOff val="40000"/>
+                  </a:schemeClr>
+                </a:solidFill>
+              </a:rPr>
+              <a:t>chris@thegodcode.net</a:t>
+            </a:r>
+            <a:endParaRPr lang="en-US" sz="3000" dirty="0" smtClean="0">
+              <a:solidFill>
+                <a:schemeClr val="accent1">
+                  <a:lumMod val="60000"/>
+                  <a:lumOff val="40000"/>
+                </a:schemeClr>
+              </a:solidFill>
+            </a:endParaRPr>
+          </a:p>
+          <a:p>
+            <a:r>
+              <a:rPr lang="en-US" sz="3000" dirty="0" smtClean="0">
+                <a:solidFill>
+                  <a:schemeClr val="accent1">
+                    <a:lumMod val="60000"/>
+                    <a:lumOff val="40000"/>
+                  </a:schemeClr>
+                </a:solidFill>
+              </a:rPr>
+              <a:t>http://</a:t>
+            </a:r>
+            <a:r>
+              <a:rPr lang="en-US" sz="3000" dirty="0" err="1" smtClean="0">
+                <a:solidFill>
+                  <a:schemeClr val="accent1">
+                    <a:lumMod val="60000"/>
+                    <a:lumOff val="40000"/>
+                  </a:schemeClr>
+                </a:solidFill>
+              </a:rPr>
+              <a:t>twitter.com/</a:t>
+            </a:r>
+            <a:r>
+              <a:rPr lang="en-US" sz="3000" dirty="0" err="1" smtClean="0">
+                <a:solidFill>
+                  <a:schemeClr val="accent1">
+                    <a:lumMod val="60000"/>
+                    <a:lumOff val="40000"/>
+                  </a:schemeClr>
+                </a:solidFill>
+              </a:rPr>
+              <a:t>burningodzilla</a:t>
+            </a:r>
+            <a:endParaRPr lang="en-US" sz="3000" dirty="0" smtClean="0">
+              <a:solidFill>
+                <a:schemeClr val="accent1">
+                  <a:lumMod val="60000"/>
+                  <a:lumOff val="40000"/>
+                </a:schemeClr>
+              </a:solidFill>
+            </a:endParaRPr>
+          </a:p>
+          <a:p>
+            <a:r>
+              <a:rPr lang="en-US" sz="3000" dirty="0" smtClean="0">
+                <a:solidFill>
+                  <a:schemeClr val="accent1">
+                    <a:lumMod val="60000"/>
+                    <a:lumOff val="40000"/>
+                  </a:schemeClr>
+                </a:solidFill>
+              </a:rPr>
+              <a:t>http://</a:t>
+            </a:r>
+            <a:r>
+              <a:rPr lang="en-US" sz="3000" dirty="0" err="1" smtClean="0">
+                <a:solidFill>
+                  <a:schemeClr val="accent1">
+                    <a:lumMod val="60000"/>
+                    <a:lumOff val="40000"/>
+                  </a:schemeClr>
+                </a:solidFill>
+              </a:rPr>
+              <a:t>github.com/</a:t>
+            </a:r>
+            <a:r>
+              <a:rPr lang="en-US" sz="3000" dirty="0" err="1" smtClean="0">
+                <a:solidFill>
+                  <a:schemeClr val="accent1">
+                    <a:lumMod val="60000"/>
+                    <a:lumOff val="40000"/>
+                  </a:schemeClr>
+                </a:solidFill>
+              </a:rPr>
+              <a:t>chrislewis</a:t>
+            </a:r>
+            <a:endParaRPr lang="en-US" sz="3000" dirty="0" smtClean="0">
+              <a:solidFill>
+                <a:schemeClr val="accent1">
+                  <a:lumMod val="60000"/>
+                  <a:lumOff val="40000"/>
+                </a:schemeClr>
+              </a:solidFill>
+            </a:endParaRPr>
+          </a:p>
+        </p:txBody>
+      </p:sp>
+    </p:spTree>
+  </p:cSld>
+  <p:clrMapOvr>
+    <a:masterClrMapping/>
+  </p:clrMapOvr>
 </p:sld>
 </file>
 
@@ -7473,7 +8075,23 @@
             </a:pPr>
             <a:r>
               <a:rPr lang="en-US" sz="3000" dirty="0" smtClean="0"/>
-              <a:t>An Implementation of the lambda calculus.</a:t>
+              <a:t>An Implementation of the</a:t>
+            </a:r>
+            <a:r>
+              <a:rPr lang="en-US" sz="3000" dirty="0" smtClean="0"/>
+              <a:t> </a:t>
+            </a:r>
+            <a:r>
+              <a:rPr lang="en-US" dirty="0" err="1" smtClean="0"/>
+              <a:t>λ</a:t>
+            </a:r>
+            <a:r>
+              <a:rPr lang="en-US" dirty="0" smtClean="0"/>
+              <a:t>-</a:t>
+            </a:r>
+            <a:r>
+              <a:rPr lang="en-US" sz="3000" dirty="0" smtClean="0"/>
+              <a:t>calculus.</a:t>
             </a:r>
           </a:p>
           <a:p>
@@ -7482,43 +8100,37 @@
               <a:buChar char="§"/>
             </a:pPr>
             <a:r>
-              <a:rPr lang="en-US" sz="3000" dirty="0" smtClean="0"/>
-              <a:t>Lisp makes extensive use of lambda expressions</a:t>
-            </a:r>
-            <a:r>
-              <a:rPr lang="en-US" dirty="0" smtClean="0"/>
-              <a:t>, which it uses to support higher-order functions.</a:t>
-            </a:r>
-          </a:p>
-          <a:p>
-            <a:pPr>
-              <a:buFont typeface="Wingdings" charset="2"/>
-              <a:buChar char="§"/>
-            </a:pPr>
-            <a:r>
-              <a:rPr lang="en-US" dirty="0" smtClean="0"/>
-              <a:t>In Lisp (and any programming language supporting </a:t>
-            </a:r>
-            <a:r>
-              <a:rPr lang="en-US" dirty="0" err="1" smtClean="0"/>
-              <a:t>λs</a:t>
-            </a:r>
-            <a:r>
-              <a:rPr lang="en-US" dirty="0" smtClean="0"/>
-              <a:t>), </a:t>
+              <a:rPr lang="en-US" dirty="0" smtClean="0"/>
+              <a:t>Uniform treatment of data and functions; </a:t>
+            </a:r>
+            <a:br>
+              <a:rPr lang="en-US" dirty="0" smtClean="0"/>
+            </a:br>
+            <a:r>
+              <a:rPr lang="en-US" dirty="0" smtClean="0"/>
+              <a:t>so-called </a:t>
             </a:r>
             <a:r>
               <a:rPr lang="en-US" dirty="0" smtClean="0">
                 <a:solidFill>
+                  <a:srgbClr val="A8C6D0"/>
+                </a:solidFill>
+              </a:rPr>
+              <a:t>higher-order functions</a:t>
+            </a:r>
+            <a:r>
+              <a:rPr lang="en-US" dirty="0" smtClean="0">
+                <a:solidFill>
                   <a:srgbClr val="6EA0B0"/>
                 </a:solidFill>
               </a:rPr>
-              <a:t>lambdas are functions</a:t>
-            </a:r>
-            <a:r>
-              <a:rPr lang="en-US" dirty="0" smtClean="0"/>
               <a:t>.</a:t>
             </a:r>
+            <a:endParaRPr lang="en-US" dirty="0" smtClean="0">
+              <a:solidFill>
+                <a:srgbClr val="6EA0B0"/>
+              </a:solidFill>
+            </a:endParaRPr>
           </a:p>
         </p:txBody>
       </p:sp>
@@ -7564,12 +8176,7 @@
             <p:ph type="title"/>
           </p:nvPr>
         </p:nvSpPr>
-        <p:spPr>
-          <a:xfrm>
-            <a:off x="457200" y="274637"/>
-            <a:ext cx="8215086" cy="5422219"/>
-          </a:xfrm>
-        </p:spPr>
+        <p:spPr/>
         <p:txBody>
           <a:bodyPr>
             <a:normAutofit/>
@@ -7578,30 +8185,117 @@
           <a:p>
             <a:r>
               <a:rPr lang="en-US" dirty="0" smtClean="0"/>
-              <a:t>There are many facets of functional programming.</a:t>
-            </a:r>
-            <a:br>
-              <a:rPr lang="en-US" dirty="0" smtClean="0"/>
-            </a:br>
-            <a:r>
-              <a:rPr lang="en-US" dirty="0" smtClean="0"/>
-              <a:t/>
-            </a:r>
-            <a:br>
-              <a:rPr lang="en-US" dirty="0" smtClean="0"/>
-            </a:br>
-            <a:r>
-              <a:rPr lang="en-US" dirty="0" smtClean="0"/>
-              <a:t>We will focus primarily on</a:t>
-            </a:r>
-            <a:br>
-              <a:rPr lang="en-US" dirty="0" smtClean="0"/>
-            </a:br>
-            <a:r>
-              <a:rPr lang="en-US" dirty="0" smtClean="0"/>
-              <a:t>higher-order functions and functions as data.</a:t>
+              <a:t>Origins: Lisp</a:t>
             </a:r>
             <a:endParaRPr lang="en-US" dirty="0"/>
+          </a:p>
+        </p:txBody>
+      </p:sp>
+      <p:sp>
+        <p:nvSpPr>
+          <p:cNvPr id="3" name="Content Placeholder 2"/>
+          <p:cNvSpPr>
+            <a:spLocks noGrp="1"/>
+          </p:cNvSpPr>
+          <p:nvPr>
+            <p:ph idx="1"/>
+          </p:nvPr>
+        </p:nvSpPr>
+        <p:spPr>
+          <a:xfrm>
+            <a:off x="457200" y="1600201"/>
+            <a:ext cx="7467600" cy="4386942"/>
+          </a:xfrm>
+        </p:spPr>
+        <p:txBody>
+          <a:bodyPr>
+            <a:noAutofit/>
+          </a:bodyPr>
+          <a:lstStyle/>
+          <a:p>
+            <a:pPr>
+              <a:buFont typeface="Wingdings" charset="2"/>
+              <a:buChar char="§"/>
+            </a:pPr>
+            <a:r>
+              <a:rPr lang="en-US" dirty="0" smtClean="0"/>
+              <a:t>Extensive </a:t>
+            </a:r>
+            <a:r>
+              <a:rPr lang="en-US" dirty="0" smtClean="0"/>
+              <a:t>use of</a:t>
+            </a:r>
+            <a:r>
+              <a:rPr lang="en-US" dirty="0" smtClean="0"/>
+              <a:t> lambda expressions</a:t>
+            </a:r>
+            <a:r>
+              <a:rPr lang="en-US" dirty="0" smtClean="0"/>
+              <a:t>, closures, and </a:t>
+            </a:r>
+            <a:r>
+              <a:rPr lang="en-US" dirty="0" smtClean="0">
+                <a:solidFill>
+                  <a:srgbClr val="A8C6D0"/>
+                </a:solidFill>
+              </a:rPr>
+              <a:t>recursion</a:t>
+            </a:r>
+            <a:r>
+              <a:rPr lang="en-US" dirty="0" smtClean="0"/>
+              <a:t>.</a:t>
+            </a:r>
+            <a:endParaRPr lang="en-US" dirty="0" smtClean="0"/>
+          </a:p>
+          <a:p>
+            <a:pPr>
+              <a:buFont typeface="Wingdings" charset="2"/>
+              <a:buChar char="§"/>
+            </a:pPr>
+            <a:r>
+              <a:rPr lang="en-US" dirty="0" smtClean="0"/>
+              <a:t>In </a:t>
+            </a:r>
+            <a:r>
+              <a:rPr lang="en-US" dirty="0" smtClean="0"/>
+              <a:t>Lisp</a:t>
+            </a:r>
+            <a:r>
+              <a:rPr lang="en-US" dirty="0" smtClean="0"/>
+              <a:t>, </a:t>
+            </a:r>
+            <a:r>
+              <a:rPr lang="en-US" dirty="0" smtClean="0"/>
+              <a:t>as </a:t>
+            </a:r>
+            <a:r>
+              <a:rPr lang="en-US" dirty="0" smtClean="0"/>
+              <a:t>any programming language supporting</a:t>
+            </a:r>
+            <a:r>
+              <a:rPr lang="en-US" dirty="0" smtClean="0"/>
+              <a:t> </a:t>
+            </a:r>
+            <a:r>
+              <a:rPr lang="en-US" dirty="0" smtClean="0"/>
+              <a:t>them</a:t>
+            </a:r>
+            <a:r>
+              <a:rPr lang="en-US" dirty="0" smtClean="0"/>
+              <a:t>, </a:t>
+            </a:r>
+            <a:r>
+              <a:rPr lang="en-US" dirty="0" smtClean="0">
+                <a:solidFill>
+                  <a:srgbClr val="A8C6D0"/>
+                </a:solidFill>
+              </a:rPr>
+              <a:t>lambdas are functions</a:t>
+            </a:r>
+            <a:r>
+              <a:rPr lang="en-US" dirty="0" smtClean="0"/>
+              <a:t>.</a:t>
+            </a:r>
           </a:p>
         </p:txBody>
       </p:sp>
@@ -7649,12 +8343,14 @@
         </p:nvSpPr>
         <p:spPr/>
         <p:txBody>
-          <a:bodyPr/>
-          <a:lstStyle/>
-          <a:p>
-            <a:r>
-              <a:rPr lang="en-US" dirty="0" smtClean="0"/>
-              <a:t>Functions are Data</a:t>
+          <a:bodyPr>
+            <a:normAutofit/>
+          </a:bodyPr>
+          <a:lstStyle/>
+          <a:p>
+            <a:r>
+              <a:rPr lang="en-US" dirty="0" smtClean="0"/>
+              <a:t>Origins: Lisp</a:t>
             </a:r>
             <a:endParaRPr lang="en-US" dirty="0"/>
           </a:p>
@@ -7662,14 +8358,14 @@
       </p:sp>
       <p:sp>
         <p:nvSpPr>
-          <p:cNvPr id="4" name="TextBox 3"/>
+          <p:cNvPr id="7" name="TextBox 6"/>
           <p:cNvSpPr txBox="1"/>
           <p:nvPr/>
         </p:nvSpPr>
         <p:spPr>
           <a:xfrm>
             <a:off x="457200" y="1417638"/>
-            <a:ext cx="4647426" cy="4324261"/>
+            <a:ext cx="3998216" cy="5093702"/>
           </a:xfrm>
           <a:prstGeom prst="rect">
             <a:avLst/>
@@ -7683,52 +8379,58 @@
           <a:lstStyle/>
           <a:p>
             <a:r>
+              <a:rPr lang="en-US" sz="2500" dirty="0" smtClean="0"/>
+              <a:t>(define (when-even </a:t>
+            </a:r>
+            <a:r>
               <a:rPr lang="en-US" sz="2500" dirty="0" err="1" smtClean="0"/>
-              <a:t>var</a:t>
-            </a:r>
-            <a:r>
-              <a:rPr lang="en-US" sz="2500" dirty="0" smtClean="0"/>
-              <a:t> </a:t>
-            </a:r>
-            <a:r>
-              <a:rPr lang="en-US" sz="2500" dirty="0" smtClean="0">
-                <a:solidFill>
-                  <a:schemeClr val="accent1"/>
-                </a:solidFill>
-              </a:rPr>
-              <a:t>increment </a:t>
-            </a:r>
-            <a:r>
-              <a:rPr lang="en-US" sz="2500" dirty="0" smtClean="0"/>
-              <a:t>= </a:t>
+              <a:t>x</a:t>
+            </a:r>
+            <a:r>
+              <a:rPr lang="en-US" sz="2500" dirty="0" smtClean="0"/>
+              <a:t> f1 f2)</a:t>
+            </a:r>
+          </a:p>
+          <a:p>
+            <a:r>
+              <a:rPr lang="en-US" sz="2500" dirty="0" smtClean="0"/>
+              <a:t>  (if (= 0 (modulo </a:t>
             </a:r>
             <a:r>
               <a:rPr lang="en-US" sz="2500" dirty="0" err="1" smtClean="0"/>
-              <a:t>function(i</a:t>
-            </a:r>
-            <a:r>
-              <a:rPr lang="en-US" sz="2500" dirty="0" smtClean="0"/>
-              <a:t>) {</a:t>
-            </a:r>
-          </a:p>
-          <a:p>
-            <a:r>
-              <a:rPr lang="en-US" sz="2500" dirty="0" smtClean="0"/>
-              <a:t>  return </a:t>
+              <a:t>x</a:t>
+            </a:r>
+            <a:r>
+              <a:rPr lang="en-US" sz="2500" dirty="0" smtClean="0"/>
+              <a:t> 2))</a:t>
+            </a:r>
+          </a:p>
+          <a:p>
+            <a:r>
+              <a:rPr lang="en-US" sz="2500" dirty="0" smtClean="0"/>
+              <a:t>      (f1 </a:t>
             </a:r>
             <a:r>
               <a:rPr lang="en-US" sz="2500" dirty="0" err="1" smtClean="0"/>
-              <a:t>i</a:t>
-            </a:r>
-            <a:r>
-              <a:rPr lang="en-US" sz="2500" dirty="0" smtClean="0"/>
-              <a:t> + 1;</a:t>
-            </a:r>
-          </a:p>
-          <a:p>
-            <a:r>
-              <a:rPr lang="en-US" sz="2500" dirty="0" smtClean="0"/>
-              <a:t>}</a:t>
+              <a:t>x</a:t>
+            </a:r>
+            <a:r>
+              <a:rPr lang="en-US" sz="2500" dirty="0" smtClean="0"/>
+              <a:t>)</a:t>
+            </a:r>
+          </a:p>
+          <a:p>
+            <a:r>
+              <a:rPr lang="en-US" sz="2500" dirty="0" smtClean="0"/>
+              <a:t>      (f2 </a:t>
+            </a:r>
+            <a:r>
+              <a:rPr lang="en-US" sz="2500" dirty="0" err="1" smtClean="0"/>
+              <a:t>x</a:t>
+            </a:r>
+            <a:r>
+              <a:rPr lang="en-US" sz="2500" dirty="0" smtClean="0"/>
+              <a:t>)))</a:t>
             </a:r>
           </a:p>
           <a:p>
@@ -7736,60 +8438,67 @@
           </a:p>
           <a:p>
             <a:r>
+              <a:rPr lang="en-US" sz="2500" dirty="0" smtClean="0"/>
+              <a:t>(define (down-to-one </a:t>
+            </a:r>
+            <a:r>
               <a:rPr lang="en-US" sz="2500" dirty="0" err="1" smtClean="0"/>
-              <a:t>var</a:t>
-            </a:r>
-            <a:r>
-              <a:rPr lang="en-US" sz="2500" dirty="0" smtClean="0"/>
-              <a:t> </a:t>
-            </a:r>
-            <a:r>
-              <a:rPr lang="en-US" sz="2500" dirty="0" smtClean="0">
-                <a:solidFill>
-                  <a:srgbClr val="6EA0B0"/>
-                </a:solidFill>
-              </a:rPr>
-              <a:t>square </a:t>
-            </a:r>
-            <a:r>
-              <a:rPr lang="en-US" sz="2500" dirty="0" smtClean="0"/>
-              <a:t>= </a:t>
+              <a:t>x</a:t>
+            </a:r>
+            <a:r>
+              <a:rPr lang="en-US" sz="2500" dirty="0" smtClean="0"/>
+              <a:t>)</a:t>
+            </a:r>
+          </a:p>
+          <a:p>
+            <a:r>
+              <a:rPr lang="en-US" sz="2500" dirty="0" smtClean="0"/>
+              <a:t>  (if (&gt; </a:t>
             </a:r>
             <a:r>
               <a:rPr lang="en-US" sz="2500" dirty="0" err="1" smtClean="0"/>
-              <a:t>function(i</a:t>
-            </a:r>
-            <a:r>
-              <a:rPr lang="en-US" sz="2500" dirty="0" smtClean="0"/>
-              <a:t>) {</a:t>
-            </a:r>
-          </a:p>
-          <a:p>
-            <a:r>
-              <a:rPr lang="en-US" sz="2500" dirty="0" smtClean="0"/>
-              <a:t>  return </a:t>
+              <a:t>x</a:t>
+            </a:r>
+            <a:r>
+              <a:rPr lang="en-US" sz="2500" dirty="0" smtClean="0"/>
+              <a:t> 1</a:t>
+            </a:r>
+            <a:r>
+              <a:rPr lang="en-US" sz="2500" dirty="0" smtClean="0"/>
+              <a:t>)</a:t>
+            </a:r>
+          </a:p>
+          <a:p>
+            <a:r>
+              <a:rPr lang="en-US" sz="2500" dirty="0" smtClean="0"/>
+              <a:t>      </a:t>
             </a:r>
             <a:r>
               <a:rPr lang="en-US" sz="2500" dirty="0" err="1" smtClean="0"/>
-              <a:t>i</a:t>
-            </a:r>
-            <a:r>
-              <a:rPr lang="en-US" sz="2500" dirty="0" smtClean="0"/>
-              <a:t> * </a:t>
+              <a:t>x</a:t>
+            </a:r>
+            <a:endParaRPr lang="en-US" sz="2500" dirty="0" smtClean="0"/>
+          </a:p>
+          <a:p>
+            <a:r>
+              <a:rPr lang="en-US" sz="2500" dirty="0" smtClean="0"/>
+              <a:t>      (</a:t>
+            </a:r>
+            <a:r>
+              <a:rPr lang="en-US" sz="2500" dirty="0" smtClean="0"/>
+              <a:t>down-to-one (- </a:t>
             </a:r>
             <a:r>
               <a:rPr lang="en-US" sz="2500" dirty="0" err="1" smtClean="0"/>
-              <a:t>i</a:t>
-            </a:r>
-            <a:r>
-              <a:rPr lang="en-US" sz="2500" dirty="0" smtClean="0"/>
-              <a:t>;</a:t>
-            </a:r>
-          </a:p>
-          <a:p>
-            <a:r>
-              <a:rPr lang="en-US" sz="2500" dirty="0" smtClean="0"/>
-              <a:t>}</a:t>
+              <a:t>x</a:t>
+            </a:r>
+            <a:r>
+              <a:rPr lang="en-US" sz="2500" dirty="0" smtClean="0"/>
+              <a:t> 1)))</a:t>
+            </a:r>
+            <a:r>
+              <a:rPr lang="en-US" sz="2500" dirty="0" smtClean="0"/>
+              <a:t>)</a:t>
             </a:r>
           </a:p>
           <a:p>
@@ -7798,36 +8507,37 @@
           <a:p>
             <a:r>
               <a:rPr lang="en-US" sz="2500" dirty="0" smtClean="0"/>
-              <a:t>function </a:t>
+              <a:t>(when-even 4</a:t>
+            </a:r>
+          </a:p>
+          <a:p>
+            <a:r>
+              <a:rPr lang="en-US" sz="2500" dirty="0" smtClean="0"/>
+              <a:t>  down-to-one</a:t>
+            </a:r>
+          </a:p>
+          <a:p>
+            <a:r>
+              <a:rPr lang="en-US" sz="2500" dirty="0" smtClean="0"/>
+              <a:t>  (lambda (</a:t>
             </a:r>
             <a:r>
               <a:rPr lang="en-US" sz="2500" dirty="0" err="1" smtClean="0"/>
-              <a:t>doSomething(i</a:t>
-            </a:r>
-            <a:r>
-              <a:rPr lang="en-US" sz="2500" dirty="0" smtClean="0"/>
-              <a:t>, work) {</a:t>
-            </a:r>
-          </a:p>
-          <a:p>
-            <a:r>
-              <a:rPr lang="en-US" sz="2500" dirty="0" smtClean="0"/>
-              <a:t>  return </a:t>
+              <a:t>x</a:t>
+            </a:r>
+            <a:r>
+              <a:rPr lang="en-US" sz="2500" dirty="0" smtClean="0"/>
+              <a:t>) (+ </a:t>
             </a:r>
             <a:r>
               <a:rPr lang="en-US" sz="2500" dirty="0" err="1" smtClean="0"/>
-              <a:t>work(i</a:t>
-            </a:r>
-            <a:r>
-              <a:rPr lang="en-US" sz="2500" dirty="0" smtClean="0"/>
-              <a:t>);</a:t>
-            </a:r>
-          </a:p>
-          <a:p>
-            <a:r>
-              <a:rPr lang="en-US" sz="2500" dirty="0" smtClean="0"/>
-              <a:t>}</a:t>
-            </a:r>
+              <a:t>x</a:t>
+            </a:r>
+            <a:r>
+              <a:rPr lang="en-US" sz="2500" dirty="0" smtClean="0"/>
+              <a:t> 1)))</a:t>
+            </a:r>
+            <a:endParaRPr lang="en-US" sz="2500" dirty="0" smtClean="0"/>
           </a:p>
         </p:txBody>
       </p:sp>
@@ -7873,90 +8583,51 @@
             <p:ph type="title"/>
           </p:nvPr>
         </p:nvSpPr>
-        <p:spPr/>
-        <p:txBody>
-          <a:bodyPr/>
-          <a:lstStyle/>
-          <a:p>
-            <a:r>
-              <a:rPr lang="en-US" dirty="0" smtClean="0"/>
-              <a:t>Functions are Data</a:t>
-            </a:r>
-            <a:endParaRPr lang="en-US" dirty="0"/>
-          </a:p>
-        </p:txBody>
-      </p:sp>
-      <p:sp>
-        <p:nvSpPr>
-          <p:cNvPr id="4" name="TextBox 3"/>
-          <p:cNvSpPr txBox="1"/>
-          <p:nvPr/>
-        </p:nvSpPr>
         <p:spPr>
           <a:xfrm>
-            <a:off x="457200" y="1417638"/>
-            <a:ext cx="4140670" cy="2015936"/>
+            <a:off x="457200" y="274637"/>
+            <a:ext cx="8215086" cy="5422219"/>
           </a:xfrm>
-          <a:prstGeom prst="rect">
-            <a:avLst/>
-          </a:prstGeom>
-          <a:noFill/>
         </p:spPr>
         <p:txBody>
-          <a:bodyPr wrap="none" rtlCol="0">
-            <a:spAutoFit/>
+          <a:bodyPr>
+            <a:normAutofit/>
           </a:bodyPr>
           <a:lstStyle/>
           <a:p>
             <a:r>
-              <a:rPr lang="en-US" sz="2500" dirty="0" smtClean="0"/>
-              <a:t>doSomething(5, </a:t>
-            </a:r>
-            <a:r>
-              <a:rPr lang="en-US" sz="2500" dirty="0" smtClean="0">
-                <a:solidFill>
-                  <a:srgbClr val="6EA0B0"/>
-                </a:solidFill>
-              </a:rPr>
-              <a:t>increment</a:t>
-            </a:r>
-            <a:r>
-              <a:rPr lang="en-US" sz="2500" dirty="0" smtClean="0"/>
-              <a:t>);</a:t>
-            </a:r>
-          </a:p>
-          <a:p>
-            <a:r>
-              <a:rPr lang="en-US" sz="2500" dirty="0" smtClean="0"/>
-              <a:t>// -&gt; 6</a:t>
-            </a:r>
-          </a:p>
-          <a:p>
-            <a:endParaRPr lang="en-US" sz="2500" dirty="0" smtClean="0"/>
-          </a:p>
-          <a:p>
-            <a:r>
-              <a:rPr lang="en-US" sz="2500" dirty="0" smtClean="0"/>
-              <a:t>doSomething(5, </a:t>
-            </a:r>
-            <a:r>
-              <a:rPr lang="en-US" sz="2500" dirty="0" smtClean="0">
-                <a:solidFill>
-                  <a:srgbClr val="6EA0B0"/>
-                </a:solidFill>
-              </a:rPr>
-              <a:t>square</a:t>
-            </a:r>
-            <a:r>
-              <a:rPr lang="en-US" sz="2500" dirty="0" smtClean="0"/>
-              <a:t>);</a:t>
-            </a:r>
-          </a:p>
-          <a:p>
-            <a:r>
-              <a:rPr lang="en-US" sz="2500" dirty="0" smtClean="0"/>
-              <a:t>// -&gt; 25</a:t>
-            </a:r>
+              <a:rPr lang="en-US" dirty="0" smtClean="0"/>
+              <a:t>There are many facets of functional programming.</a:t>
+            </a:r>
+            <a:br>
+              <a:rPr lang="en-US" dirty="0" smtClean="0"/>
+            </a:br>
+            <a:r>
+              <a:rPr lang="en-US" dirty="0" smtClean="0"/>
+              <a:t/>
+            </a:r>
+            <a:br>
+              <a:rPr lang="en-US" dirty="0" smtClean="0"/>
+            </a:br>
+            <a:r>
+              <a:rPr lang="en-US" dirty="0" smtClean="0"/>
+              <a:t>We will focus primarily on</a:t>
+            </a:r>
+            <a:br>
+              <a:rPr lang="en-US" dirty="0" smtClean="0"/>
+            </a:br>
+            <a:r>
+              <a:rPr lang="en-US" dirty="0" smtClean="0"/>
+              <a:t>higher-order functions and functions as data</a:t>
+            </a:r>
+            <a:r>
+              <a:rPr lang="en-US" dirty="0" smtClean="0"/>
+              <a:t>.</a:t>
+            </a:r>
+            <a:br>
+              <a:rPr lang="en-US" dirty="0" smtClean="0"/>
+            </a:br>
+            <a:endParaRPr lang="en-US" dirty="0"/>
           </a:p>
         </p:txBody>
       </p:sp>
@@ -8024,7 +8695,7 @@
         <p:spPr>
           <a:xfrm>
             <a:off x="457200" y="1417638"/>
-            <a:ext cx="6372182" cy="4324261"/>
+            <a:ext cx="4647426" cy="4324261"/>
           </a:xfrm>
           <a:prstGeom prst="rect">
             <a:avLst/>
@@ -8039,7 +8710,7 @@
           <a:p>
             <a:r>
               <a:rPr lang="en-US" sz="2500" dirty="0" err="1" smtClean="0"/>
-              <a:t>val</a:t>
+              <a:t>var</a:t>
             </a:r>
             <a:r>
               <a:rPr lang="en-US" sz="2500" dirty="0" smtClean="0"/>
@@ -8048,14 +8719,28 @@
             <a:r>
               <a:rPr lang="en-US" sz="2500" dirty="0" smtClean="0">
                 <a:solidFill>
-                  <a:srgbClr val="6EA0B0"/>
+                  <a:srgbClr val="A8C6D0"/>
                 </a:solidFill>
               </a:rPr>
               <a:t>increment </a:t>
             </a:r>
             <a:r>
               <a:rPr lang="en-US" sz="2500" dirty="0" smtClean="0"/>
-              <a:t>= (</a:t>
+              <a:t>= </a:t>
+            </a:r>
+            <a:r>
+              <a:rPr lang="en-US" sz="2500" dirty="0" err="1" smtClean="0"/>
+              <a:t>function(i</a:t>
+            </a:r>
+            <a:r>
+              <a:rPr lang="en-US" sz="2500" dirty="0" smtClean="0"/>
+              <a:t>) {</a:t>
+            </a:r>
+          </a:p>
+          <a:p>
+            <a:r>
+              <a:rPr lang="en-US" sz="2500" dirty="0" smtClean="0"/>
+              <a:t>  return </a:t>
             </a:r>
             <a:r>
               <a:rPr lang="en-US" sz="2500" dirty="0" err="1" smtClean="0"/>
@@ -8063,15 +8748,52 @@
             </a:r>
             <a:r>
               <a:rPr lang="en-US" sz="2500" dirty="0" smtClean="0"/>
-              <a:t>: </a:t>
-            </a:r>
+              <a:t> + 1;</a:t>
+            </a:r>
+          </a:p>
+          <a:p>
+            <a:r>
+              <a:rPr lang="en-US" sz="2500" dirty="0" smtClean="0"/>
+              <a:t>}</a:t>
+            </a:r>
+          </a:p>
+          <a:p>
+            <a:endParaRPr lang="en-US" sz="2500" dirty="0" smtClean="0"/>
+          </a:p>
+          <a:p>
             <a:r>
               <a:rPr lang="en-US" sz="2500" dirty="0" err="1" smtClean="0"/>
-              <a:t>Int</a:t>
-            </a:r>
-            <a:r>
-              <a:rPr lang="en-US" sz="2500" dirty="0" smtClean="0"/>
-              <a:t>) =&gt; </a:t>
+              <a:t>var</a:t>
+            </a:r>
+            <a:r>
+              <a:rPr lang="en-US" sz="2500" dirty="0" smtClean="0"/>
+              <a:t> </a:t>
+            </a:r>
+            <a:r>
+              <a:rPr lang="en-US" sz="2500" dirty="0" smtClean="0">
+                <a:solidFill>
+                  <a:srgbClr val="A8C6D0"/>
+                </a:solidFill>
+              </a:rPr>
+              <a:t>square </a:t>
+            </a:r>
+            <a:r>
+              <a:rPr lang="en-US" sz="2500" dirty="0" smtClean="0"/>
+              <a:t>= </a:t>
+            </a:r>
+            <a:r>
+              <a:rPr lang="en-US" sz="2500" dirty="0" err="1" smtClean="0"/>
+              <a:t>function(i</a:t>
+            </a:r>
+            <a:r>
+              <a:rPr lang="en-US" sz="2500" dirty="0" smtClean="0"/>
+              <a:t>) {</a:t>
+            </a:r>
+          </a:p>
+          <a:p>
+            <a:r>
+              <a:rPr lang="en-US" sz="2500" dirty="0" smtClean="0"/>
+              <a:t>  return </a:t>
             </a:r>
             <a:r>
               <a:rPr lang="en-US" sz="2500" dirty="0" err="1" smtClean="0"/>
@@ -8079,32 +8801,7 @@
             </a:r>
             <a:r>
               <a:rPr lang="en-US" sz="2500" dirty="0" smtClean="0"/>
-              <a:t> + 1</a:t>
-            </a:r>
-          </a:p>
-          <a:p>
-            <a:endParaRPr lang="en-US" sz="2500" dirty="0" smtClean="0"/>
-          </a:p>
-          <a:p>
-            <a:r>
-              <a:rPr lang="en-US" sz="2500" dirty="0" err="1" smtClean="0"/>
-              <a:t>val</a:t>
-            </a:r>
-            <a:r>
-              <a:rPr lang="en-US" sz="2500" dirty="0" smtClean="0"/>
-              <a:t> </a:t>
-            </a:r>
-            <a:r>
-              <a:rPr lang="en-US" sz="2500" dirty="0" smtClean="0">
-                <a:solidFill>
-                  <a:srgbClr val="6EA0B0"/>
-                </a:solidFill>
-              </a:rPr>
-              <a:t>square </a:t>
-            </a:r>
-            <a:r>
-              <a:rPr lang="en-US" sz="2500" dirty="0" smtClean="0"/>
-              <a:t>= (</a:t>
+              <a:t> * </a:t>
             </a:r>
             <a:r>
               <a:rPr lang="en-US" sz="2500" dirty="0" err="1" smtClean="0"/>
@@ -8112,123 +8809,50 @@
             </a:r>
             <a:r>
               <a:rPr lang="en-US" sz="2500" dirty="0" smtClean="0"/>
-              <a:t>: </a:t>
+              <a:t>;</a:t>
+            </a:r>
+          </a:p>
+          <a:p>
+            <a:r>
+              <a:rPr lang="en-US" sz="2500" dirty="0" smtClean="0"/>
+              <a:t>}</a:t>
+            </a:r>
+          </a:p>
+          <a:p>
+            <a:endParaRPr lang="en-US" sz="2500" dirty="0" smtClean="0"/>
+          </a:p>
+          <a:p>
+            <a:r>
+              <a:rPr lang="en-US" sz="2500" dirty="0" smtClean="0"/>
+              <a:t>function </a:t>
             </a:r>
             <a:r>
               <a:rPr lang="en-US" sz="2500" dirty="0" err="1" smtClean="0"/>
-              <a:t>Int</a:t>
-            </a:r>
-            <a:r>
-              <a:rPr lang="en-US" sz="2500" dirty="0" smtClean="0"/>
-              <a:t>) =&gt; </a:t>
+              <a:t>doSomething(i</a:t>
+            </a:r>
+            <a:r>
+              <a:rPr lang="en-US" sz="2500" dirty="0" smtClean="0"/>
+              <a:t>, work) {</a:t>
+            </a:r>
+          </a:p>
+          <a:p>
+            <a:r>
+              <a:rPr lang="en-US" sz="2500" dirty="0" smtClean="0"/>
+              <a:t>  return </a:t>
             </a:r>
             <a:r>
               <a:rPr lang="en-US" sz="2500" dirty="0" err="1" smtClean="0"/>
-              <a:t>i</a:t>
-            </a:r>
-            <a:r>
-              <a:rPr lang="en-US" sz="2500" dirty="0" smtClean="0"/>
-              <a:t> * </a:t>
-            </a:r>
-            <a:r>
-              <a:rPr lang="en-US" sz="2500" dirty="0" err="1" smtClean="0"/>
-              <a:t>i</a:t>
-            </a:r>
-            <a:endParaRPr lang="en-US" sz="2500" dirty="0" smtClean="0"/>
-          </a:p>
-          <a:p>
-            <a:endParaRPr lang="en-US" sz="2500" dirty="0" smtClean="0"/>
-          </a:p>
-          <a:p>
-            <a:r>
-              <a:rPr lang="en-US" sz="2500" dirty="0" smtClean="0"/>
-              <a:t>def </a:t>
-            </a:r>
-            <a:r>
-              <a:rPr lang="en-US" sz="2500" dirty="0" err="1" smtClean="0"/>
-              <a:t>doSomething[A</a:t>
-            </a:r>
-            <a:r>
-              <a:rPr lang="en-US" sz="2500" dirty="0" smtClean="0"/>
-              <a:t>, </a:t>
-            </a:r>
-            <a:r>
-              <a:rPr lang="en-US" sz="2500" dirty="0" err="1" smtClean="0"/>
-              <a:t>B](x</a:t>
-            </a:r>
-            <a:r>
-              <a:rPr lang="en-US" sz="2500" dirty="0" smtClean="0"/>
-              <a:t>: A, </a:t>
-            </a:r>
-            <a:r>
-              <a:rPr lang="en-US" sz="2500" dirty="0" err="1" smtClean="0"/>
-              <a:t>f</a:t>
-            </a:r>
-            <a:r>
-              <a:rPr lang="en-US" sz="2500" dirty="0" smtClean="0"/>
-              <a:t>: A =&gt; B) = </a:t>
-            </a:r>
-            <a:r>
-              <a:rPr lang="en-US" sz="2500" dirty="0" err="1" smtClean="0"/>
-              <a:t>f(x</a:t>
-            </a:r>
-            <a:r>
-              <a:rPr lang="en-US" sz="2500" dirty="0" smtClean="0"/>
-              <a:t>)</a:t>
-            </a:r>
-          </a:p>
-          <a:p>
-            <a:endParaRPr lang="en-US" sz="2500" dirty="0" smtClean="0"/>
-          </a:p>
-          <a:p>
-            <a:r>
-              <a:rPr lang="en-US" sz="2500" dirty="0" smtClean="0"/>
-              <a:t>doSomething(5, </a:t>
-            </a:r>
-            <a:r>
-              <a:rPr lang="en-US" sz="2500" dirty="0" smtClean="0">
-                <a:solidFill>
-                  <a:srgbClr val="6EA0B0"/>
-                </a:solidFill>
-              </a:rPr>
-              <a:t>increment</a:t>
-            </a:r>
-            <a:r>
-              <a:rPr lang="en-US" sz="2500" dirty="0" smtClean="0"/>
-              <a:t>)</a:t>
-            </a:r>
-          </a:p>
-          <a:p>
-            <a:r>
-              <a:rPr lang="en-US" sz="2500" dirty="0" smtClean="0"/>
-              <a:t>// -&gt; 6</a:t>
-            </a:r>
-          </a:p>
-          <a:p>
-            <a:endParaRPr lang="en-US" sz="2500" dirty="0" smtClean="0"/>
-          </a:p>
-          <a:p>
-            <a:r>
-              <a:rPr lang="en-US" sz="2500" dirty="0" smtClean="0"/>
-              <a:t>doSomething(5, </a:t>
-            </a:r>
-            <a:r>
-              <a:rPr lang="en-US" sz="2500" dirty="0" smtClean="0">
-                <a:solidFill>
-                  <a:srgbClr val="6EA0B0"/>
-                </a:solidFill>
-              </a:rPr>
-              <a:t>square</a:t>
-            </a:r>
-            <a:r>
-              <a:rPr lang="en-US" sz="2500" dirty="0" smtClean="0"/>
-              <a:t>)</a:t>
-            </a:r>
-          </a:p>
-          <a:p>
-            <a:r>
-              <a:rPr lang="en-US" sz="2500" dirty="0" smtClean="0"/>
-              <a:t>// -&gt; 25</a:t>
+              <a:t>work(i</a:t>
+            </a:r>
+            <a:r>
+              <a:rPr lang="en-US" sz="2500" dirty="0" smtClean="0"/>
+              <a:t>);</a:t>
+            </a:r>
+          </a:p>
+          <a:p>
+            <a:r>
+              <a:rPr lang="en-US" sz="2500" dirty="0" smtClean="0"/>
+              <a:t>}</a:t>
             </a:r>
           </a:p>
         </p:txBody>
@@ -8275,21 +8899,14 @@
             <p:ph type="title"/>
           </p:nvPr>
         </p:nvSpPr>
-        <p:spPr>
-          <a:xfrm>
-            <a:off x="457200" y="274638"/>
-            <a:ext cx="7467600" cy="1143000"/>
-          </a:xfrm>
-        </p:spPr>
-        <p:txBody>
-          <a:bodyPr>
-            <a:normAutofit/>
-          </a:bodyPr>
-          <a:lstStyle/>
-          <a:p>
-            <a:r>
-              <a:rPr lang="en-US" dirty="0" smtClean="0"/>
-              <a:t>Notes on Lambdas</a:t>
+        <p:spPr/>
+        <p:txBody>
+          <a:bodyPr/>
+          <a:lstStyle/>
+          <a:p>
+            <a:r>
+              <a:rPr lang="en-US" dirty="0" smtClean="0"/>
+              <a:t>Functions are Data</a:t>
             </a:r>
             <a:endParaRPr lang="en-US" dirty="0"/>
           </a:p>
@@ -8297,84 +8914,74 @@
       </p:sp>
       <p:sp>
         <p:nvSpPr>
-          <p:cNvPr id="3" name="Content Placeholder 2"/>
-          <p:cNvSpPr>
-            <a:spLocks noGrp="1"/>
-          </p:cNvSpPr>
-          <p:nvPr>
-            <p:ph idx="1"/>
-          </p:nvPr>
+          <p:cNvPr id="4" name="TextBox 3"/>
+          <p:cNvSpPr txBox="1"/>
+          <p:nvPr/>
         </p:nvSpPr>
         <p:spPr>
           <a:xfrm>
             <a:off x="457200" y="1417638"/>
-            <a:ext cx="7467600" cy="4525963"/>
+            <a:ext cx="4140670" cy="2015936"/>
           </a:xfrm>
+          <a:prstGeom prst="rect">
+            <a:avLst/>
+          </a:prstGeom>
+          <a:noFill/>
         </p:spPr>
         <p:txBody>
-          <a:bodyPr>
-            <a:noAutofit/>
+          <a:bodyPr wrap="none" rtlCol="0">
+            <a:spAutoFit/>
           </a:bodyPr>
           <a:lstStyle/>
           <a:p>
-            <a:pPr>
-              <a:buFont typeface="Wingdings" charset="2"/>
-              <a:buChar char="§"/>
-            </a:pPr>
-            <a:r>
-              <a:rPr lang="en-US" dirty="0" smtClean="0"/>
-              <a:t>A lambda is an anonymous function; a function without an identifier.</a:t>
-            </a:r>
-          </a:p>
-          <a:p>
-            <a:pPr>
-              <a:buFont typeface="Wingdings" charset="2"/>
-              <a:buChar char="§"/>
-            </a:pPr>
-            <a:r>
-              <a:rPr lang="en-US" dirty="0" smtClean="0"/>
-              <a:t>A closure is a function whose definition “closes” over free variables.</a:t>
-            </a:r>
-          </a:p>
-          <a:p>
-            <a:pPr>
-              <a:buFont typeface="Wingdings" charset="2"/>
-              <a:buChar char="§"/>
-            </a:pPr>
-            <a:r>
-              <a:rPr lang="en-US" dirty="0" smtClean="0"/>
-              <a:t>A lambda expression that doesn’t close over free variables isn’t a closure, strictly speaking.</a:t>
-            </a:r>
-          </a:p>
-          <a:p>
-            <a:pPr>
-              <a:buFont typeface="Wingdings" charset="2"/>
-              <a:buChar char="§"/>
-            </a:pPr>
-            <a:r>
-              <a:rPr lang="en-US" dirty="0" smtClean="0"/>
-              <a:t>A closure isn’t necessarily anonymous!</a:t>
-            </a:r>
-          </a:p>
-          <a:p>
-            <a:pPr>
-              <a:buFont typeface="Wingdings" charset="2"/>
-              <a:buChar char="§"/>
-            </a:pPr>
-            <a:r>
-              <a:rPr lang="en-US" dirty="0" smtClean="0"/>
-              <a:t>Closures enable function composition …</a:t>
-            </a:r>
-            <a:br>
-              <a:rPr lang="en-US" dirty="0" smtClean="0"/>
-            </a:br>
-            <a:r>
-              <a:rPr lang="en-US" dirty="0" smtClean="0">
-                <a:solidFill>
-                  <a:schemeClr val="accent1"/>
-                </a:solidFill>
-              </a:rPr>
-              <a:t>… and that’s a big deal!</a:t>
+            <a:r>
+              <a:rPr lang="en-US" sz="2500" dirty="0" smtClean="0"/>
+              <a:t>doSomething(5, </a:t>
+            </a:r>
+            <a:r>
+              <a:rPr lang="en-US" sz="2500" dirty="0" smtClean="0">
+                <a:solidFill>
+                  <a:srgbClr val="A8C6D0"/>
+                </a:solidFill>
+              </a:rPr>
+              <a:t>increment</a:t>
+            </a:r>
+            <a:r>
+              <a:rPr lang="en-US" sz="2500" dirty="0" smtClean="0"/>
+              <a:t>);</a:t>
+            </a:r>
+          </a:p>
+          <a:p>
+            <a:r>
+              <a:rPr lang="en-US" sz="2500" dirty="0" smtClean="0"/>
+              <a:t>// -&gt; 6</a:t>
+            </a:r>
+          </a:p>
+          <a:p>
+            <a:endParaRPr lang="en-US" sz="2500" dirty="0" smtClean="0"/>
+          </a:p>
+          <a:p>
+            <a:r>
+              <a:rPr lang="en-US" sz="2500" dirty="0" smtClean="0"/>
+              <a:t>doSomething(5, </a:t>
+            </a:r>
+            <a:r>
+              <a:rPr lang="en-US" sz="2500" dirty="0" smtClean="0">
+                <a:solidFill>
+                  <a:srgbClr val="A8C6D0"/>
+                </a:solidFill>
+              </a:rPr>
+              <a:t>square</a:t>
+            </a:r>
+            <a:r>
+              <a:rPr lang="en-US" sz="2500" dirty="0" smtClean="0"/>
+              <a:t>);</a:t>
+            </a:r>
+          </a:p>
+          <a:p>
+            <a:r>
+              <a:rPr lang="en-US" sz="2500" dirty="0" smtClean="0"/>
+              <a:t>// -&gt; 25</a:t>
             </a:r>
           </a:p>
         </p:txBody>

--- a/JaxFunc.pptx
+++ b/JaxFunc.pptx
@@ -517,7 +517,7 @@
             <a:fld id="{B5FBB243-1215-0146-8C14-45727866649E}" type="datetimeFigureOut">
               <a:rPr lang="en-US" smtClean="0"/>
               <a:pPr/>
-              <a:t>6/14/10</a:t>
+              <a:t>6/15/10</a:t>
             </a:fld>
             <a:endParaRPr lang="en-US"/>
           </a:p>
@@ -684,7 +684,7 @@
             <a:fld id="{B5FBB243-1215-0146-8C14-45727866649E}" type="datetimeFigureOut">
               <a:rPr lang="en-US" smtClean="0"/>
               <a:pPr/>
-              <a:t>6/14/10</a:t>
+              <a:t>6/15/10</a:t>
             </a:fld>
             <a:endParaRPr lang="en-US"/>
           </a:p>
@@ -861,7 +861,7 @@
             <a:fld id="{B5FBB243-1215-0146-8C14-45727866649E}" type="datetimeFigureOut">
               <a:rPr lang="en-US" smtClean="0"/>
               <a:pPr/>
-              <a:t>6/14/10</a:t>
+              <a:t>6/15/10</a:t>
             </a:fld>
             <a:endParaRPr lang="en-US"/>
           </a:p>
@@ -1032,7 +1032,7 @@
             <a:fld id="{B5FBB243-1215-0146-8C14-45727866649E}" type="datetimeFigureOut">
               <a:rPr lang="en-US" smtClean="0"/>
               <a:pPr/>
-              <a:t>6/14/10</a:t>
+              <a:t>6/15/10</a:t>
             </a:fld>
             <a:endParaRPr lang="en-US"/>
           </a:p>
@@ -1484,7 +1484,7 @@
             <a:fld id="{B5FBB243-1215-0146-8C14-45727866649E}" type="datetimeFigureOut">
               <a:rPr lang="en-US" smtClean="0"/>
               <a:pPr/>
-              <a:t>6/14/10</a:t>
+              <a:t>6/15/10</a:t>
             </a:fld>
             <a:endParaRPr lang="en-US"/>
           </a:p>
@@ -1750,7 +1750,7 @@
             <a:fld id="{B5FBB243-1215-0146-8C14-45727866649E}" type="datetimeFigureOut">
               <a:rPr lang="en-US" smtClean="0"/>
               <a:pPr/>
-              <a:t>6/14/10</a:t>
+              <a:t>6/15/10</a:t>
             </a:fld>
             <a:endParaRPr lang="en-US"/>
           </a:p>
@@ -2126,7 +2126,7 @@
             <a:fld id="{B5FBB243-1215-0146-8C14-45727866649E}" type="datetimeFigureOut">
               <a:rPr lang="en-US" smtClean="0"/>
               <a:pPr/>
-              <a:t>6/14/10</a:t>
+              <a:t>6/15/10</a:t>
             </a:fld>
             <a:endParaRPr lang="en-US"/>
           </a:p>
@@ -2250,7 +2250,7 @@
             <a:fld id="{B5FBB243-1215-0146-8C14-45727866649E}" type="datetimeFigureOut">
               <a:rPr lang="en-US" smtClean="0"/>
               <a:pPr/>
-              <a:t>6/14/10</a:t>
+              <a:t>6/15/10</a:t>
             </a:fld>
             <a:endParaRPr lang="en-US"/>
           </a:p>
@@ -2342,7 +2342,7 @@
             <a:fld id="{B5FBB243-1215-0146-8C14-45727866649E}" type="datetimeFigureOut">
               <a:rPr lang="en-US" smtClean="0"/>
               <a:pPr/>
-              <a:t>6/14/10</a:t>
+              <a:t>6/15/10</a:t>
             </a:fld>
             <a:endParaRPr lang="en-US"/>
           </a:p>
@@ -2593,7 +2593,7 @@
             <a:fld id="{B5FBB243-1215-0146-8C14-45727866649E}" type="datetimeFigureOut">
               <a:rPr lang="en-US" smtClean="0"/>
               <a:pPr/>
-              <a:t>6/14/10</a:t>
+              <a:t>6/15/10</a:t>
             </a:fld>
             <a:endParaRPr lang="en-US"/>
           </a:p>
@@ -2854,7 +2854,7 @@
             <a:fld id="{B5FBB243-1215-0146-8C14-45727866649E}" type="datetimeFigureOut">
               <a:rPr lang="en-US" smtClean="0"/>
               <a:pPr/>
-              <a:t>6/14/10</a:t>
+              <a:t>6/15/10</a:t>
             </a:fld>
             <a:endParaRPr lang="en-US"/>
           </a:p>
@@ -3260,7 +3260,7 @@
             <a:fld id="{B5FBB243-1215-0146-8C14-45727866649E}" type="datetimeFigureOut">
               <a:rPr lang="en-US" smtClean="0"/>
               <a:pPr/>
-              <a:t>6/14/10</a:t>
+              <a:t>6/15/10</a:t>
             </a:fld>
             <a:endParaRPr lang="en-US"/>
           </a:p>
@@ -3851,18 +3851,7 @@
                   </a:schemeClr>
                 </a:solidFill>
               </a:rPr>
-              <a:t>github.com/</a:t>
-            </a:r>
-            <a:r>
-              <a:rPr lang="en-US" sz="1400" dirty="0" err="1" smtClean="0">
-                <a:solidFill>
-                  <a:schemeClr val="accent1">
-                    <a:lumMod val="60000"/>
-                    <a:lumOff val="40000"/>
-                  </a:schemeClr>
-                </a:solidFill>
-              </a:rPr>
-              <a:t>chrislewis</a:t>
+              <a:t>github.com/chrislewis</a:t>
             </a:r>
             <a:endParaRPr lang="en-US" sz="1400" dirty="0" smtClean="0">
               <a:solidFill>
@@ -4415,15 +4404,7 @@
             </a:r>
             <a:r>
               <a:rPr lang="en-US" dirty="0" smtClean="0"/>
-              <a:t> has </a:t>
-            </a:r>
-            <a:r>
-              <a:rPr lang="en-US" dirty="0" smtClean="0"/>
-              <a:t>methods, </a:t>
-            </a:r>
-            <a:r>
-              <a:rPr lang="en-US" dirty="0" smtClean="0"/>
-              <a:t>function traits, and shorthand yielding trait instances.</a:t>
+              <a:t> has methods, function traits, and shorthand yielding trait instances.</a:t>
             </a:r>
           </a:p>
           <a:p>
@@ -4907,7 +4888,7 @@
                 <a:latin typeface="Franklin Gothic Book"/>
                 <a:cs typeface="Franklin Gothic Book"/>
               </a:rPr>
-              <a:t> -&gt; </a:t>
+              <a:t> → </a:t>
             </a:r>
             <a:r>
               <a:rPr lang="en-US" i="1" dirty="0" err="1" smtClean="0">
@@ -5197,7 +5178,7 @@
                 <a:latin typeface="Franklin Gothic Book"/>
                 <a:cs typeface="Franklin Gothic Book"/>
               </a:rPr>
-              <a:t> -&gt; </a:t>
+              <a:t> → </a:t>
             </a:r>
             <a:r>
               <a:rPr lang="en-US" i="1" dirty="0" err="1" smtClean="0">
@@ -5377,7 +5358,7 @@
                 <a:latin typeface="Franklin Gothic Book"/>
                 <a:cs typeface="Franklin Gothic Book"/>
               </a:rPr>
-              <a:t> -&gt; </a:t>
+              <a:t> → </a:t>
             </a:r>
             <a:r>
               <a:rPr lang="en-US" i="1" dirty="0" err="1" smtClean="0">
@@ -5444,7 +5425,7 @@
                 <a:latin typeface="Franklin Gothic Book"/>
                 <a:cs typeface="Franklin Gothic Book"/>
               </a:rPr>
-              <a:t> -&gt; </a:t>
+              <a:t> → </a:t>
             </a:r>
             <a:r>
               <a:rPr lang="en-US" i="1" dirty="0" err="1" smtClean="0">
@@ -6049,11 +6030,7 @@
           <a:p>
             <a:r>
               <a:rPr lang="en-US" dirty="0" smtClean="0"/>
-              <a:t>Origins: The</a:t>
-            </a:r>
-            <a:r>
-              <a:rPr lang="en-US" dirty="0" smtClean="0"/>
-              <a:t> </a:t>
+              <a:t>Origins: The </a:t>
             </a:r>
             <a:r>
               <a:rPr lang="en-US" dirty="0" err="1" smtClean="0"/>
@@ -6101,11 +6078,7 @@
             </a:pPr>
             <a:r>
               <a:rPr lang="en-US" sz="3000" dirty="0" smtClean="0"/>
-              <a:t>Formal </a:t>
-            </a:r>
-            <a:r>
-              <a:rPr lang="en-US" sz="3000" dirty="0" smtClean="0"/>
-              <a:t>system for function definition, application, and recursion.</a:t>
+              <a:t>Formal system for function definition, application, and recursion.</a:t>
             </a:r>
           </a:p>
           <a:p>
@@ -6126,7 +6099,6 @@
               <a:rPr lang="en-US" sz="3000" dirty="0" smtClean="0"/>
               <a:t>.</a:t>
             </a:r>
-            <a:endParaRPr lang="en-US" sz="3000" dirty="0" smtClean="0"/>
           </a:p>
         </p:txBody>
       </p:sp>
@@ -6362,23 +6334,7 @@
             </a:pPr>
             <a:r>
               <a:rPr lang="en-US" dirty="0" smtClean="0"/>
-              <a:t>Ruby, via Rails, brought</a:t>
-            </a:r>
-            <a:r>
-              <a:rPr lang="en-US" dirty="0" smtClean="0"/>
-              <a:t> higher</a:t>
-            </a:r>
-            <a:r>
-              <a:rPr lang="en-US" dirty="0" smtClean="0"/>
-              <a:t>-order </a:t>
-            </a:r>
-            <a:r>
-              <a:rPr lang="en-US" dirty="0" smtClean="0"/>
-              <a:t>functions on lists mainstream</a:t>
-            </a:r>
-            <a:r>
-              <a:rPr lang="en-US" dirty="0" smtClean="0"/>
-              <a:t>.</a:t>
+              <a:t>Ruby, via Rails, brought higher-order functions on lists mainstream.</a:t>
             </a:r>
           </a:p>
           <a:p>
@@ -6411,15 +6367,7 @@
                   <a:srgbClr val="A8C6D0"/>
                 </a:solidFill>
               </a:rPr>
-              <a:t>each, map, filter,</a:t>
-            </a:r>
-            <a:r>
-              <a:rPr lang="en-US" i="1" dirty="0" smtClean="0">
-                <a:solidFill>
-                  <a:srgbClr val="A8C6D0"/>
-                </a:solidFill>
-              </a:rPr>
-              <a:t> fold  </a:t>
+              <a:t>each, map, filter, fold  </a:t>
             </a:r>
             <a:r>
               <a:rPr lang="en-US" dirty="0" smtClean="0"/>
@@ -7339,21 +7287,8 @@
             </a:pPr>
             <a:r>
               <a:rPr lang="en-US" dirty="0" smtClean="0"/>
-              <a:t>Higher</a:t>
-            </a:r>
-            <a:r>
-              <a:rPr lang="en-US" dirty="0" smtClean="0"/>
-              <a:t>-order functions</a:t>
-            </a:r>
-            <a:r>
-              <a:rPr lang="en-US" dirty="0" smtClean="0"/>
-              <a:t> pay dividends (strategy pattern, factory, factories of </a:t>
-            </a:r>
-            <a:r>
-              <a:rPr lang="en-US" dirty="0" smtClean="0"/>
-              <a:t>factories, …)</a:t>
-            </a:r>
-            <a:endParaRPr lang="en-US" dirty="0" smtClean="0"/>
+              <a:t>Higher-order functions pay dividends (strategy pattern, factory, factories of factories, …)</a:t>
+            </a:r>
           </a:p>
           <a:p>
             <a:pPr>
@@ -7494,11 +7429,7 @@
             </a:pPr>
             <a:r>
               <a:rPr lang="en-US" dirty="0" smtClean="0"/>
-              <a:t>Partial function </a:t>
-            </a:r>
-            <a:r>
-              <a:rPr lang="en-US" dirty="0" smtClean="0"/>
-              <a:t>application</a:t>
+              <a:t>Partial function application</a:t>
             </a:r>
           </a:p>
           <a:p>
@@ -7510,7 +7441,6 @@
               <a:rPr lang="en-US" dirty="0" smtClean="0"/>
               <a:t>Monads</a:t>
             </a:r>
-            <a:endParaRPr lang="en-US" dirty="0" smtClean="0"/>
           </a:p>
           <a:p>
             <a:pPr>
@@ -7527,11 +7457,7 @@
             </a:r>
             <a:r>
               <a:rPr lang="en-US" dirty="0" smtClean="0"/>
-              <a:t> strict </a:t>
-            </a:r>
-            <a:r>
-              <a:rPr lang="en-US" dirty="0" smtClean="0"/>
-              <a:t>evaluation</a:t>
+              <a:t> strict evaluation</a:t>
             </a:r>
           </a:p>
           <a:p>
@@ -7627,11 +7553,7 @@
             </a:pPr>
             <a:r>
               <a:rPr lang="en-US" dirty="0" smtClean="0"/>
-              <a:t>Functions may receive functions as parameters and return functions as results</a:t>
-            </a:r>
-            <a:r>
-              <a:rPr lang="en-US" dirty="0" smtClean="0"/>
-              <a:t>.</a:t>
+              <a:t>Functions may receive functions as parameters and return functions as results.</a:t>
             </a:r>
           </a:p>
           <a:p>
@@ -7668,7 +7590,6 @@
               <a:rPr lang="en-US" sz="3000" dirty="0" smtClean="0"/>
               <a:t>Turing complete.</a:t>
             </a:r>
-            <a:endParaRPr lang="en-US" sz="3000" dirty="0" smtClean="0"/>
           </a:p>
         </p:txBody>
       </p:sp>
@@ -7920,18 +7841,7 @@
                   </a:schemeClr>
                 </a:solidFill>
               </a:rPr>
-              <a:t>twitter.com/</a:t>
-            </a:r>
-            <a:r>
-              <a:rPr lang="en-US" sz="3000" dirty="0" err="1" smtClean="0">
-                <a:solidFill>
-                  <a:schemeClr val="accent1">
-                    <a:lumMod val="60000"/>
-                    <a:lumOff val="40000"/>
-                  </a:schemeClr>
-                </a:solidFill>
-              </a:rPr>
-              <a:t>burningodzilla</a:t>
+              <a:t>twitter.com/burningodzilla</a:t>
             </a:r>
             <a:endParaRPr lang="en-US" sz="3000" dirty="0" smtClean="0">
               <a:solidFill>
@@ -7963,18 +7873,7 @@
                   </a:schemeClr>
                 </a:solidFill>
               </a:rPr>
-              <a:t>github.com/</a:t>
-            </a:r>
-            <a:r>
-              <a:rPr lang="en-US" sz="3000" dirty="0" err="1" smtClean="0">
-                <a:solidFill>
-                  <a:schemeClr val="accent1">
-                    <a:lumMod val="60000"/>
-                    <a:lumOff val="40000"/>
-                  </a:schemeClr>
-                </a:solidFill>
-              </a:rPr>
-              <a:t>chrislewis</a:t>
+              <a:t>github.com/chrislewis</a:t>
             </a:r>
             <a:endParaRPr lang="en-US" sz="3000" dirty="0" smtClean="0">
               <a:solidFill>
@@ -8075,11 +7974,7 @@
             </a:pPr>
             <a:r>
               <a:rPr lang="en-US" sz="3000" dirty="0" smtClean="0"/>
-              <a:t>An Implementation of the</a:t>
-            </a:r>
-            <a:r>
-              <a:rPr lang="en-US" sz="3000" dirty="0" smtClean="0"/>
-              <a:t> </a:t>
+              <a:t>An Implementation of the </a:t>
             </a:r>
             <a:r>
               <a:rPr lang="en-US" dirty="0" err="1" smtClean="0"/>
@@ -8126,11 +8021,6 @@
               </a:rPr>
               <a:t>.</a:t>
             </a:r>
-            <a:endParaRPr lang="en-US" dirty="0" smtClean="0">
-              <a:solidFill>
-                <a:srgbClr val="6EA0B0"/>
-              </a:solidFill>
-            </a:endParaRPr>
           </a:p>
         </p:txBody>
       </p:sp>
@@ -8219,19 +8109,7 @@
             </a:pPr>
             <a:r>
               <a:rPr lang="en-US" dirty="0" smtClean="0"/>
-              <a:t>Extensive </a:t>
-            </a:r>
-            <a:r>
-              <a:rPr lang="en-US" dirty="0" smtClean="0"/>
-              <a:t>use of</a:t>
-            </a:r>
-            <a:r>
-              <a:rPr lang="en-US" dirty="0" smtClean="0"/>
-              <a:t> lambda expressions</a:t>
-            </a:r>
-            <a:r>
-              <a:rPr lang="en-US" dirty="0" smtClean="0"/>
-              <a:t>, closures, and </a:t>
+              <a:t>Extensive use of lambda expressions, closures, and </a:t>
             </a:r>
             <a:r>
               <a:rPr lang="en-US" dirty="0" smtClean="0">
@@ -8245,7 +8123,6 @@
               <a:rPr lang="en-US" dirty="0" smtClean="0"/>
               <a:t>.</a:t>
             </a:r>
-            <a:endParaRPr lang="en-US" dirty="0" smtClean="0"/>
           </a:p>
           <a:p>
             <a:pPr>
@@ -8254,35 +8131,7 @@
             </a:pPr>
             <a:r>
               <a:rPr lang="en-US" dirty="0" smtClean="0"/>
-              <a:t>In </a:t>
-            </a:r>
-            <a:r>
-              <a:rPr lang="en-US" dirty="0" smtClean="0"/>
-              <a:t>Lisp</a:t>
-            </a:r>
-            <a:r>
-              <a:rPr lang="en-US" dirty="0" smtClean="0"/>
-              <a:t>, </a:t>
-            </a:r>
-            <a:r>
-              <a:rPr lang="en-US" dirty="0" smtClean="0"/>
-              <a:t>as </a:t>
-            </a:r>
-            <a:r>
-              <a:rPr lang="en-US" dirty="0" smtClean="0"/>
-              <a:t>any programming language supporting</a:t>
-            </a:r>
-            <a:r>
-              <a:rPr lang="en-US" dirty="0" smtClean="0"/>
-              <a:t> </a:t>
-            </a:r>
-            <a:r>
-              <a:rPr lang="en-US" dirty="0" smtClean="0"/>
-              <a:t>them</a:t>
-            </a:r>
-            <a:r>
-              <a:rPr lang="en-US" dirty="0" smtClean="0"/>
-              <a:t>, </a:t>
+              <a:t>In Lisp, as any programming language supporting them, </a:t>
             </a:r>
             <a:r>
               <a:rPr lang="en-US" dirty="0" smtClean="0">
@@ -8461,11 +8310,7 @@
             </a:r>
             <a:r>
               <a:rPr lang="en-US" sz="2500" dirty="0" smtClean="0"/>
-              <a:t> 1</a:t>
-            </a:r>
-            <a:r>
-              <a:rPr lang="en-US" sz="2500" dirty="0" smtClean="0"/>
-              <a:t>)</a:t>
+              <a:t> 1)</a:t>
             </a:r>
           </a:p>
           <a:p>
@@ -8482,11 +8327,7 @@
           <a:p>
             <a:r>
               <a:rPr lang="en-US" sz="2500" dirty="0" smtClean="0"/>
-              <a:t>      (</a:t>
-            </a:r>
-            <a:r>
-              <a:rPr lang="en-US" sz="2500" dirty="0" smtClean="0"/>
-              <a:t>down-to-one (- </a:t>
+              <a:t>      (down-to-one (- </a:t>
             </a:r>
             <a:r>
               <a:rPr lang="en-US" sz="2500" dirty="0" err="1" smtClean="0"/>
@@ -8494,11 +8335,7 @@
             </a:r>
             <a:r>
               <a:rPr lang="en-US" sz="2500" dirty="0" smtClean="0"/>
-              <a:t> 1)))</a:t>
-            </a:r>
-            <a:r>
-              <a:rPr lang="en-US" sz="2500" dirty="0" smtClean="0"/>
-              <a:t>)</a:t>
+              <a:t> 1))))</a:t>
             </a:r>
           </a:p>
           <a:p>
@@ -8537,7 +8374,6 @@
               <a:rPr lang="en-US" sz="2500" dirty="0" smtClean="0"/>
               <a:t> 1)))</a:t>
             </a:r>
-            <a:endParaRPr lang="en-US" sz="2500" dirty="0" smtClean="0"/>
           </a:p>
         </p:txBody>
       </p:sp>
@@ -8618,11 +8454,7 @@
             </a:br>
             <a:r>
               <a:rPr lang="en-US" dirty="0" smtClean="0"/>
-              <a:t>higher-order functions and functions as data</a:t>
-            </a:r>
-            <a:r>
-              <a:rPr lang="en-US" dirty="0" smtClean="0"/>
-              <a:t>.</a:t>
+              <a:t>higher-order functions and functions as data.</a:t>
             </a:r>
             <a:br>
               <a:rPr lang="en-US" dirty="0" smtClean="0"/>

--- a/JaxFunc.pptx
+++ b/JaxFunc.pptx
@@ -8214,7 +8214,7 @@
         <p:spPr>
           <a:xfrm>
             <a:off x="457200" y="1417638"/>
-            <a:ext cx="3998216" cy="5093702"/>
+            <a:ext cx="3235506" cy="5016758"/>
           </a:xfrm>
           <a:prstGeom prst="rect">
             <a:avLst/>
@@ -8228,150 +8228,189 @@
           <a:lstStyle/>
           <a:p>
             <a:r>
-              <a:rPr lang="en-US" sz="2500" dirty="0" smtClean="0"/>
+              <a:rPr lang="en-US" sz="2000" dirty="0" smtClean="0"/>
+              <a:t>(define (is-even?</a:t>
+            </a:r>
+            <a:r>
+              <a:rPr lang="en-US" sz="2000" dirty="0" smtClean="0"/>
+              <a:t> X)</a:t>
+            </a:r>
+          </a:p>
+          <a:p>
+            <a:r>
+              <a:rPr lang="en-US" sz="2000" smtClean="0"/>
+              <a:t>  </a:t>
+            </a:r>
+            <a:r>
+              <a:rPr lang="en-US" sz="2000" smtClean="0"/>
+              <a:t>(</a:t>
+            </a:r>
+            <a:r>
+              <a:rPr lang="en-US" sz="2000" dirty="0" smtClean="0"/>
+              <a:t>= 0 (modulo </a:t>
+            </a:r>
+            <a:r>
+              <a:rPr lang="en-US" sz="2000" dirty="0" err="1" smtClean="0"/>
+              <a:t>x</a:t>
+            </a:r>
+            <a:r>
+              <a:rPr lang="en-US" sz="2000" dirty="0" smtClean="0"/>
+              <a:t> 2)))</a:t>
+            </a:r>
+          </a:p>
+          <a:p>
+            <a:endParaRPr lang="en-US" sz="2000" dirty="0" smtClean="0"/>
+          </a:p>
+          <a:p>
+            <a:r>
+              <a:rPr lang="en-US" sz="2000" dirty="0" smtClean="0"/>
               <a:t>(define (when-even </a:t>
             </a:r>
             <a:r>
-              <a:rPr lang="en-US" sz="2500" dirty="0" err="1" smtClean="0"/>
+              <a:rPr lang="en-US" sz="2000" dirty="0" err="1" smtClean="0"/>
               <a:t>x</a:t>
             </a:r>
             <a:r>
-              <a:rPr lang="en-US" sz="2500" dirty="0" smtClean="0"/>
+              <a:rPr lang="en-US" sz="2000" dirty="0" smtClean="0"/>
               <a:t> f1 f2)</a:t>
             </a:r>
           </a:p>
           <a:p>
             <a:r>
-              <a:rPr lang="en-US" sz="2500" dirty="0" smtClean="0"/>
-              <a:t>  (if (= 0 (modulo </a:t>
-            </a:r>
-            <a:r>
-              <a:rPr lang="en-US" sz="2500" dirty="0" err="1" smtClean="0"/>
+              <a:rPr lang="en-US" sz="2000" dirty="0" smtClean="0"/>
+              <a:t>  (if (is-even? </a:t>
+            </a:r>
+            <a:r>
+              <a:rPr lang="en-US" sz="2000" dirty="0" err="1" smtClean="0"/>
               <a:t>x</a:t>
             </a:r>
             <a:r>
-              <a:rPr lang="en-US" sz="2500" dirty="0" smtClean="0"/>
-              <a:t> 2))</a:t>
-            </a:r>
-          </a:p>
-          <a:p>
-            <a:r>
-              <a:rPr lang="en-US" sz="2500" dirty="0" smtClean="0"/>
+              <a:rPr lang="en-US" sz="2000" dirty="0" smtClean="0"/>
+              <a:t>)</a:t>
+            </a:r>
+          </a:p>
+          <a:p>
+            <a:r>
+              <a:rPr lang="en-US" sz="2000" dirty="0" smtClean="0"/>
               <a:t>      (f1 </a:t>
             </a:r>
             <a:r>
-              <a:rPr lang="en-US" sz="2500" dirty="0" err="1" smtClean="0"/>
+              <a:rPr lang="en-US" sz="2000" dirty="0" err="1" smtClean="0"/>
               <a:t>x</a:t>
             </a:r>
             <a:r>
-              <a:rPr lang="en-US" sz="2500" dirty="0" smtClean="0"/>
+              <a:rPr lang="en-US" sz="2000" dirty="0" smtClean="0"/>
               <a:t>)</a:t>
             </a:r>
           </a:p>
           <a:p>
             <a:r>
-              <a:rPr lang="en-US" sz="2500" dirty="0" smtClean="0"/>
+              <a:rPr lang="en-US" sz="2000" dirty="0" smtClean="0"/>
               <a:t>      (f2 </a:t>
             </a:r>
             <a:r>
-              <a:rPr lang="en-US" sz="2500" dirty="0" err="1" smtClean="0"/>
+              <a:rPr lang="en-US" sz="2000" dirty="0" err="1" smtClean="0"/>
               <a:t>x</a:t>
             </a:r>
             <a:r>
-              <a:rPr lang="en-US" sz="2500" dirty="0" smtClean="0"/>
+              <a:rPr lang="en-US" sz="2000" dirty="0" smtClean="0"/>
               <a:t>)))</a:t>
             </a:r>
           </a:p>
           <a:p>
-            <a:endParaRPr lang="en-US" sz="2500" dirty="0" smtClean="0"/>
-          </a:p>
-          <a:p>
-            <a:r>
-              <a:rPr lang="en-US" sz="2500" dirty="0" smtClean="0"/>
+            <a:endParaRPr lang="en-US" sz="2000" dirty="0" smtClean="0"/>
+          </a:p>
+          <a:p>
+            <a:r>
+              <a:rPr lang="en-US" sz="2000" dirty="0" smtClean="0"/>
               <a:t>(define (down-to-one </a:t>
             </a:r>
             <a:r>
-              <a:rPr lang="en-US" sz="2500" dirty="0" err="1" smtClean="0"/>
+              <a:rPr lang="en-US" sz="2000" dirty="0" err="1" smtClean="0"/>
               <a:t>x</a:t>
             </a:r>
             <a:r>
-              <a:rPr lang="en-US" sz="2500" dirty="0" smtClean="0"/>
+              <a:rPr lang="en-US" sz="2000" dirty="0" smtClean="0"/>
               <a:t>)</a:t>
             </a:r>
           </a:p>
           <a:p>
             <a:r>
-              <a:rPr lang="en-US" sz="2500" dirty="0" smtClean="0"/>
+              <a:rPr lang="en-US" sz="2000" dirty="0" smtClean="0"/>
               <a:t>  (if (&gt; </a:t>
             </a:r>
             <a:r>
-              <a:rPr lang="en-US" sz="2500" dirty="0" err="1" smtClean="0"/>
+              <a:rPr lang="en-US" sz="2000" dirty="0" err="1" smtClean="0"/>
               <a:t>x</a:t>
             </a:r>
             <a:r>
-              <a:rPr lang="en-US" sz="2500" dirty="0" smtClean="0"/>
-              <a:t> 1)</a:t>
-            </a:r>
-          </a:p>
-          <a:p>
-            <a:r>
-              <a:rPr lang="en-US" sz="2500" dirty="0" smtClean="0"/>
+              <a:rPr lang="en-US" sz="2000" dirty="0" smtClean="0"/>
+              <a:t> 1</a:t>
+            </a:r>
+            <a:r>
+              <a:rPr lang="en-US" sz="2000" dirty="0" smtClean="0"/>
+              <a:t>)</a:t>
+            </a:r>
+          </a:p>
+          <a:p>
+            <a:r>
+              <a:rPr lang="en-US" sz="2000" dirty="0" smtClean="0"/>
               <a:t>      </a:t>
             </a:r>
             <a:r>
-              <a:rPr lang="en-US" sz="2500" dirty="0" err="1" smtClean="0"/>
+              <a:rPr lang="en-US" sz="2000" dirty="0" err="1" smtClean="0"/>
               <a:t>x</a:t>
             </a:r>
-            <a:endParaRPr lang="en-US" sz="2500" dirty="0" smtClean="0"/>
-          </a:p>
-          <a:p>
-            <a:r>
-              <a:rPr lang="en-US" sz="2500" dirty="0" smtClean="0"/>
+            <a:endParaRPr lang="en-US" sz="2000" dirty="0" smtClean="0"/>
+          </a:p>
+          <a:p>
+            <a:r>
+              <a:rPr lang="en-US" sz="2000" dirty="0" smtClean="0"/>
               <a:t>      (down-to-one (- </a:t>
             </a:r>
             <a:r>
-              <a:rPr lang="en-US" sz="2500" dirty="0" err="1" smtClean="0"/>
+              <a:rPr lang="en-US" sz="2000" dirty="0" err="1" smtClean="0"/>
               <a:t>x</a:t>
             </a:r>
             <a:r>
-              <a:rPr lang="en-US" sz="2500" dirty="0" smtClean="0"/>
+              <a:rPr lang="en-US" sz="2000" dirty="0" smtClean="0"/>
               <a:t> 1))))</a:t>
             </a:r>
           </a:p>
           <a:p>
-            <a:endParaRPr lang="en-US" sz="2500" dirty="0" smtClean="0"/>
-          </a:p>
-          <a:p>
-            <a:r>
-              <a:rPr lang="en-US" sz="2500" dirty="0" smtClean="0"/>
+            <a:endParaRPr lang="en-US" sz="2000" dirty="0" smtClean="0"/>
+          </a:p>
+          <a:p>
+            <a:r>
+              <a:rPr lang="en-US" sz="2000" dirty="0" smtClean="0"/>
               <a:t>(when-even 4</a:t>
             </a:r>
           </a:p>
           <a:p>
             <a:r>
-              <a:rPr lang="en-US" sz="2500" dirty="0" smtClean="0"/>
+              <a:rPr lang="en-US" sz="2000" dirty="0" smtClean="0"/>
               <a:t>  down-to-one</a:t>
             </a:r>
           </a:p>
           <a:p>
             <a:r>
-              <a:rPr lang="en-US" sz="2500" dirty="0" smtClean="0"/>
+              <a:rPr lang="en-US" sz="2000" dirty="0" smtClean="0"/>
               <a:t>  (lambda (</a:t>
             </a:r>
             <a:r>
-              <a:rPr lang="en-US" sz="2500" dirty="0" err="1" smtClean="0"/>
+              <a:rPr lang="en-US" sz="2000" dirty="0" err="1" smtClean="0"/>
               <a:t>x</a:t>
             </a:r>
             <a:r>
-              <a:rPr lang="en-US" sz="2500" dirty="0" smtClean="0"/>
+              <a:rPr lang="en-US" sz="2000" dirty="0" smtClean="0"/>
               <a:t>) (+ </a:t>
             </a:r>
             <a:r>
-              <a:rPr lang="en-US" sz="2500" dirty="0" err="1" smtClean="0"/>
+              <a:rPr lang="en-US" sz="2000" dirty="0" err="1" smtClean="0"/>
               <a:t>x</a:t>
             </a:r>
             <a:r>
-              <a:rPr lang="en-US" sz="2500" dirty="0" smtClean="0"/>
+              <a:rPr lang="en-US" sz="2000" dirty="0" smtClean="0"/>
               <a:t> 1)))</a:t>
             </a:r>
           </a:p>

--- a/JaxFunc.pptx
+++ b/JaxFunc.pptx
@@ -6,36 +6,40 @@
   </p:sldMasterIdLst>
   <p:sldIdLst>
     <p:sldId id="256" r:id="rId2"/>
-    <p:sldId id="277" r:id="rId3"/>
-    <p:sldId id="279" r:id="rId4"/>
-    <p:sldId id="278" r:id="rId5"/>
-    <p:sldId id="297" r:id="rId6"/>
-    <p:sldId id="298" r:id="rId7"/>
-    <p:sldId id="280" r:id="rId8"/>
-    <p:sldId id="261" r:id="rId9"/>
-    <p:sldId id="262" r:id="rId10"/>
-    <p:sldId id="263" r:id="rId11"/>
-    <p:sldId id="264" r:id="rId12"/>
-    <p:sldId id="266" r:id="rId13"/>
-    <p:sldId id="260" r:id="rId14"/>
-    <p:sldId id="281" r:id="rId15"/>
-    <p:sldId id="288" r:id="rId16"/>
-    <p:sldId id="257" r:id="rId17"/>
-    <p:sldId id="286" r:id="rId18"/>
-    <p:sldId id="285" r:id="rId19"/>
-    <p:sldId id="258" r:id="rId20"/>
-    <p:sldId id="259" r:id="rId21"/>
-    <p:sldId id="268" r:id="rId22"/>
-    <p:sldId id="295" r:id="rId23"/>
-    <p:sldId id="299" r:id="rId24"/>
-    <p:sldId id="296" r:id="rId25"/>
-    <p:sldId id="282" r:id="rId26"/>
-    <p:sldId id="275" r:id="rId27"/>
-    <p:sldId id="283" r:id="rId28"/>
-    <p:sldId id="289" r:id="rId29"/>
-    <p:sldId id="290" r:id="rId30"/>
-    <p:sldId id="294" r:id="rId31"/>
-    <p:sldId id="300" r:id="rId32"/>
+    <p:sldId id="301" r:id="rId3"/>
+    <p:sldId id="277" r:id="rId4"/>
+    <p:sldId id="279" r:id="rId5"/>
+    <p:sldId id="302" r:id="rId6"/>
+    <p:sldId id="278" r:id="rId7"/>
+    <p:sldId id="297" r:id="rId8"/>
+    <p:sldId id="298" r:id="rId9"/>
+    <p:sldId id="280" r:id="rId10"/>
+    <p:sldId id="261" r:id="rId11"/>
+    <p:sldId id="262" r:id="rId12"/>
+    <p:sldId id="263" r:id="rId13"/>
+    <p:sldId id="264" r:id="rId14"/>
+    <p:sldId id="303" r:id="rId15"/>
+    <p:sldId id="266" r:id="rId16"/>
+    <p:sldId id="260" r:id="rId17"/>
+    <p:sldId id="281" r:id="rId18"/>
+    <p:sldId id="288" r:id="rId19"/>
+    <p:sldId id="257" r:id="rId20"/>
+    <p:sldId id="286" r:id="rId21"/>
+    <p:sldId id="285" r:id="rId22"/>
+    <p:sldId id="304" r:id="rId23"/>
+    <p:sldId id="258" r:id="rId24"/>
+    <p:sldId id="259" r:id="rId25"/>
+    <p:sldId id="268" r:id="rId26"/>
+    <p:sldId id="295" r:id="rId27"/>
+    <p:sldId id="299" r:id="rId28"/>
+    <p:sldId id="296" r:id="rId29"/>
+    <p:sldId id="282" r:id="rId30"/>
+    <p:sldId id="275" r:id="rId31"/>
+    <p:sldId id="283" r:id="rId32"/>
+    <p:sldId id="289" r:id="rId33"/>
+    <p:sldId id="290" r:id="rId34"/>
+    <p:sldId id="294" r:id="rId35"/>
+    <p:sldId id="300" r:id="rId36"/>
   </p:sldIdLst>
   <p:sldSz cx="9144000" cy="6858000" type="screen4x3"/>
   <p:notesSz cx="6858000" cy="9144000"/>
@@ -3928,7 +3932,7 @@
         <p:spPr>
           <a:xfrm>
             <a:off x="457200" y="1417638"/>
-            <a:ext cx="6372182" cy="4324261"/>
+            <a:ext cx="4647426" cy="4324261"/>
           </a:xfrm>
           <a:prstGeom prst="rect">
             <a:avLst/>
@@ -3943,7 +3947,7 @@
           <a:p>
             <a:r>
               <a:rPr lang="en-US" sz="2500" dirty="0" err="1" smtClean="0"/>
-              <a:t>val</a:t>
+              <a:t>var</a:t>
             </a:r>
             <a:r>
               <a:rPr lang="en-US" sz="2500" dirty="0" smtClean="0"/>
@@ -3959,7 +3963,21 @@
             </a:r>
             <a:r>
               <a:rPr lang="en-US" sz="2500" dirty="0" smtClean="0"/>
-              <a:t>= (</a:t>
+              <a:t>= </a:t>
+            </a:r>
+            <a:r>
+              <a:rPr lang="en-US" sz="2500" dirty="0" err="1" smtClean="0"/>
+              <a:t>function(i</a:t>
+            </a:r>
+            <a:r>
+              <a:rPr lang="en-US" sz="2500" dirty="0" smtClean="0"/>
+              <a:t>) {</a:t>
+            </a:r>
+          </a:p>
+          <a:p>
+            <a:r>
+              <a:rPr lang="en-US" sz="2500" dirty="0" smtClean="0"/>
+              <a:t>  return </a:t>
             </a:r>
             <a:r>
               <a:rPr lang="en-US" sz="2500" dirty="0" err="1" smtClean="0"/>
@@ -3967,15 +3985,52 @@
             </a:r>
             <a:r>
               <a:rPr lang="en-US" sz="2500" dirty="0" smtClean="0"/>
-              <a:t>: </a:t>
-            </a:r>
+              <a:t> + 1;</a:t>
+            </a:r>
+          </a:p>
+          <a:p>
+            <a:r>
+              <a:rPr lang="en-US" sz="2500" dirty="0" smtClean="0"/>
+              <a:t>}</a:t>
+            </a:r>
+          </a:p>
+          <a:p>
+            <a:endParaRPr lang="en-US" sz="2500" dirty="0" smtClean="0"/>
+          </a:p>
+          <a:p>
             <a:r>
               <a:rPr lang="en-US" sz="2500" dirty="0" err="1" smtClean="0"/>
-              <a:t>Int</a:t>
+              <a:t>var</a:t>
             </a:r>
             <a:r>
               <a:rPr lang="en-US" sz="2500" dirty="0" smtClean="0"/>
-              <a:t>) =&gt; </a:t>
+              <a:t> </a:t>
+            </a:r>
+            <a:r>
+              <a:rPr lang="en-US" sz="2500" dirty="0" smtClean="0">
+                <a:solidFill>
+                  <a:srgbClr val="A8C6D0"/>
+                </a:solidFill>
+              </a:rPr>
+              <a:t>square </a:t>
+            </a:r>
+            <a:r>
+              <a:rPr lang="en-US" sz="2500" dirty="0" smtClean="0"/>
+              <a:t>= </a:t>
+            </a:r>
+            <a:r>
+              <a:rPr lang="en-US" sz="2500" dirty="0" err="1" smtClean="0"/>
+              <a:t>function(i</a:t>
+            </a:r>
+            <a:r>
+              <a:rPr lang="en-US" sz="2500" dirty="0" smtClean="0"/>
+              <a:t>) {</a:t>
+            </a:r>
+          </a:p>
+          <a:p>
+            <a:r>
+              <a:rPr lang="en-US" sz="2500" dirty="0" smtClean="0"/>
+              <a:t>  return </a:t>
             </a:r>
             <a:r>
               <a:rPr lang="en-US" sz="2500" dirty="0" err="1" smtClean="0"/>
@@ -3983,32 +4038,7 @@
             </a:r>
             <a:r>
               <a:rPr lang="en-US" sz="2500" dirty="0" smtClean="0"/>
-              <a:t> + 1</a:t>
-            </a:r>
-          </a:p>
-          <a:p>
-            <a:endParaRPr lang="en-US" sz="2500" dirty="0" smtClean="0"/>
-          </a:p>
-          <a:p>
-            <a:r>
-              <a:rPr lang="en-US" sz="2500" dirty="0" err="1" smtClean="0"/>
-              <a:t>val</a:t>
-            </a:r>
-            <a:r>
-              <a:rPr lang="en-US" sz="2500" dirty="0" smtClean="0"/>
-              <a:t> </a:t>
-            </a:r>
-            <a:r>
-              <a:rPr lang="en-US" sz="2500" dirty="0" smtClean="0">
-                <a:solidFill>
-                  <a:srgbClr val="A8C6D0"/>
-                </a:solidFill>
-              </a:rPr>
-              <a:t>square </a:t>
-            </a:r>
-            <a:r>
-              <a:rPr lang="en-US" sz="2500" dirty="0" smtClean="0"/>
-              <a:t>= (</a:t>
+              <a:t> * </a:t>
             </a:r>
             <a:r>
               <a:rPr lang="en-US" sz="2500" dirty="0" err="1" smtClean="0"/>
@@ -4016,123 +4046,50 @@
             </a:r>
             <a:r>
               <a:rPr lang="en-US" sz="2500" dirty="0" smtClean="0"/>
-              <a:t>: </a:t>
+              <a:t>;</a:t>
+            </a:r>
+          </a:p>
+          <a:p>
+            <a:r>
+              <a:rPr lang="en-US" sz="2500" dirty="0" smtClean="0"/>
+              <a:t>}</a:t>
+            </a:r>
+          </a:p>
+          <a:p>
+            <a:endParaRPr lang="en-US" sz="2500" dirty="0" smtClean="0"/>
+          </a:p>
+          <a:p>
+            <a:r>
+              <a:rPr lang="en-US" sz="2500" dirty="0" smtClean="0"/>
+              <a:t>function </a:t>
             </a:r>
             <a:r>
               <a:rPr lang="en-US" sz="2500" dirty="0" err="1" smtClean="0"/>
-              <a:t>Int</a:t>
+              <a:t>doSomething(i</a:t>
             </a:r>
             <a:r>
               <a:rPr lang="en-US" sz="2500" dirty="0" smtClean="0"/>
-              <a:t>) =&gt; </a:t>
+              <a:t>, work) {</a:t>
+            </a:r>
+          </a:p>
+          <a:p>
+            <a:r>
+              <a:rPr lang="en-US" sz="2500" dirty="0" smtClean="0"/>
+              <a:t>  return </a:t>
             </a:r>
             <a:r>
               <a:rPr lang="en-US" sz="2500" dirty="0" err="1" smtClean="0"/>
-              <a:t>i</a:t>
+              <a:t>work(i</a:t>
             </a:r>
             <a:r>
               <a:rPr lang="en-US" sz="2500" dirty="0" smtClean="0"/>
-              <a:t> * </a:t>
-            </a:r>
-            <a:r>
-              <a:rPr lang="en-US" sz="2500" dirty="0" err="1" smtClean="0"/>
-              <a:t>i</a:t>
-            </a:r>
-            <a:endParaRPr lang="en-US" sz="2500" dirty="0" smtClean="0"/>
-          </a:p>
-          <a:p>
-            <a:endParaRPr lang="en-US" sz="2500" dirty="0" smtClean="0"/>
+              <a:t>);</a:t>
+            </a:r>
           </a:p>
           <a:p>
             <a:r>
               <a:rPr lang="en-US" sz="2500" dirty="0" smtClean="0"/>
-              <a:t>def </a:t>
-            </a:r>
-            <a:r>
-              <a:rPr lang="en-US" sz="2500" dirty="0" err="1" smtClean="0"/>
-              <a:t>doSomething[A</a:t>
-            </a:r>
-            <a:r>
-              <a:rPr lang="en-US" sz="2500" dirty="0" smtClean="0"/>
-              <a:t>, </a:t>
-            </a:r>
-            <a:r>
-              <a:rPr lang="en-US" sz="2500" dirty="0" err="1" smtClean="0"/>
-              <a:t>B](x</a:t>
-            </a:r>
-            <a:r>
-              <a:rPr lang="en-US" sz="2500" dirty="0" smtClean="0"/>
-              <a:t>: A, </a:t>
-            </a:r>
-            <a:r>
-              <a:rPr lang="en-US" sz="2500" dirty="0" err="1" smtClean="0"/>
-              <a:t>f</a:t>
-            </a:r>
-            <a:r>
-              <a:rPr lang="en-US" sz="2500" dirty="0" smtClean="0"/>
-              <a:t>: A =&gt; B) = </a:t>
-            </a:r>
-            <a:r>
-              <a:rPr lang="en-US" sz="2500" dirty="0" err="1" smtClean="0"/>
-              <a:t>f(x</a:t>
-            </a:r>
-            <a:r>
-              <a:rPr lang="en-US" sz="2500" dirty="0" smtClean="0"/>
-              <a:t>)</a:t>
-            </a:r>
-          </a:p>
-          <a:p>
-            <a:endParaRPr lang="en-US" sz="2500" dirty="0" smtClean="0"/>
-          </a:p>
-          <a:p>
-            <a:r>
-              <a:rPr lang="en-US" sz="2500" dirty="0" smtClean="0"/>
-              <a:t>doSomething(5, </a:t>
-            </a:r>
-            <a:r>
-              <a:rPr lang="en-US" sz="2500" dirty="0" smtClean="0">
-                <a:solidFill>
-                  <a:srgbClr val="A8C6D0"/>
-                </a:solidFill>
-              </a:rPr>
-              <a:t>increment</a:t>
-            </a:r>
-            <a:r>
-              <a:rPr lang="en-US" sz="2500" dirty="0" smtClean="0"/>
-              <a:t>)</a:t>
-            </a:r>
-          </a:p>
-          <a:p>
-            <a:r>
-              <a:rPr lang="en-US" sz="2500" dirty="0" smtClean="0"/>
-              <a:t>// -&gt; 6</a:t>
-            </a:r>
-          </a:p>
-          <a:p>
-            <a:endParaRPr lang="en-US" sz="2500" dirty="0" smtClean="0"/>
-          </a:p>
-          <a:p>
-            <a:r>
-              <a:rPr lang="en-US" sz="2500" dirty="0" smtClean="0"/>
-              <a:t>doSomething(5, </a:t>
-            </a:r>
-            <a:r>
-              <a:rPr lang="en-US" sz="2500" dirty="0" smtClean="0">
-                <a:solidFill>
-                  <a:srgbClr val="A8C6D0"/>
-                </a:solidFill>
-              </a:rPr>
-              <a:t>square</a:t>
-            </a:r>
-            <a:r>
-              <a:rPr lang="en-US" sz="2500" dirty="0" smtClean="0"/>
-              <a:t>)</a:t>
-            </a:r>
-          </a:p>
-          <a:p>
-            <a:r>
-              <a:rPr lang="en-US" sz="2500" dirty="0" smtClean="0"/>
-              <a:t>// -&gt; 25</a:t>
+              <a:t>}</a:t>
             </a:r>
           </a:p>
         </p:txBody>
@@ -4179,21 +4136,14 @@
             <p:ph type="title"/>
           </p:nvPr>
         </p:nvSpPr>
-        <p:spPr>
-          <a:xfrm>
-            <a:off x="457200" y="274638"/>
-            <a:ext cx="7467600" cy="1143000"/>
-          </a:xfrm>
-        </p:spPr>
-        <p:txBody>
-          <a:bodyPr>
-            <a:normAutofit/>
-          </a:bodyPr>
-          <a:lstStyle/>
-          <a:p>
-            <a:r>
-              <a:rPr lang="en-US" dirty="0" smtClean="0"/>
-              <a:t>Notes on Lambdas</a:t>
+        <p:spPr/>
+        <p:txBody>
+          <a:bodyPr/>
+          <a:lstStyle/>
+          <a:p>
+            <a:r>
+              <a:rPr lang="en-US" dirty="0" smtClean="0"/>
+              <a:t>Functions are Data</a:t>
             </a:r>
             <a:endParaRPr lang="en-US" dirty="0"/>
           </a:p>
@@ -4201,84 +4151,74 @@
       </p:sp>
       <p:sp>
         <p:nvSpPr>
-          <p:cNvPr id="3" name="Content Placeholder 2"/>
-          <p:cNvSpPr>
-            <a:spLocks noGrp="1"/>
-          </p:cNvSpPr>
-          <p:nvPr>
-            <p:ph idx="1"/>
-          </p:nvPr>
+          <p:cNvPr id="4" name="TextBox 3"/>
+          <p:cNvSpPr txBox="1"/>
+          <p:nvPr/>
         </p:nvSpPr>
         <p:spPr>
           <a:xfrm>
             <a:off x="457200" y="1417638"/>
-            <a:ext cx="7467600" cy="4525963"/>
+            <a:ext cx="4140670" cy="2015936"/>
           </a:xfrm>
+          <a:prstGeom prst="rect">
+            <a:avLst/>
+          </a:prstGeom>
+          <a:noFill/>
         </p:spPr>
         <p:txBody>
-          <a:bodyPr>
-            <a:noAutofit/>
+          <a:bodyPr wrap="none" rtlCol="0">
+            <a:spAutoFit/>
           </a:bodyPr>
           <a:lstStyle/>
           <a:p>
-            <a:pPr>
-              <a:buFont typeface="Wingdings" charset="2"/>
-              <a:buChar char="§"/>
-            </a:pPr>
-            <a:r>
-              <a:rPr lang="en-US" dirty="0" smtClean="0"/>
-              <a:t>A lambda is an anonymous function; a function without an identifier.</a:t>
-            </a:r>
-          </a:p>
-          <a:p>
-            <a:pPr>
-              <a:buFont typeface="Wingdings" charset="2"/>
-              <a:buChar char="§"/>
-            </a:pPr>
-            <a:r>
-              <a:rPr lang="en-US" dirty="0" smtClean="0"/>
-              <a:t>A closure is a function whose definition “closes” over free variables.</a:t>
-            </a:r>
-          </a:p>
-          <a:p>
-            <a:pPr>
-              <a:buFont typeface="Wingdings" charset="2"/>
-              <a:buChar char="§"/>
-            </a:pPr>
-            <a:r>
-              <a:rPr lang="en-US" dirty="0" smtClean="0"/>
-              <a:t>A lambda expression that doesn’t close over free variables isn’t a closure, strictly speaking.</a:t>
-            </a:r>
-          </a:p>
-          <a:p>
-            <a:pPr>
-              <a:buFont typeface="Wingdings" charset="2"/>
-              <a:buChar char="§"/>
-            </a:pPr>
-            <a:r>
-              <a:rPr lang="en-US" dirty="0" smtClean="0"/>
-              <a:t>A closure isn’t necessarily anonymous!</a:t>
-            </a:r>
-          </a:p>
-          <a:p>
-            <a:pPr>
-              <a:buFont typeface="Wingdings" charset="2"/>
-              <a:buChar char="§"/>
-            </a:pPr>
-            <a:r>
-              <a:rPr lang="en-US" dirty="0" smtClean="0"/>
-              <a:t>Closures enable function composition …</a:t>
-            </a:r>
-            <a:br>
-              <a:rPr lang="en-US" dirty="0" smtClean="0"/>
-            </a:br>
-            <a:r>
-              <a:rPr lang="en-US" dirty="0" smtClean="0">
+            <a:r>
+              <a:rPr lang="en-US" sz="2500" dirty="0" smtClean="0"/>
+              <a:t>doSomething(5, </a:t>
+            </a:r>
+            <a:r>
+              <a:rPr lang="en-US" sz="2500" dirty="0" smtClean="0">
                 <a:solidFill>
                   <a:srgbClr val="A8C6D0"/>
                 </a:solidFill>
               </a:rPr>
-              <a:t>… and that’s a big deal!</a:t>
+              <a:t>increment</a:t>
+            </a:r>
+            <a:r>
+              <a:rPr lang="en-US" sz="2500" dirty="0" smtClean="0"/>
+              <a:t>);</a:t>
+            </a:r>
+          </a:p>
+          <a:p>
+            <a:r>
+              <a:rPr lang="en-US" sz="2500" dirty="0" smtClean="0"/>
+              <a:t>// -&gt; 6</a:t>
+            </a:r>
+          </a:p>
+          <a:p>
+            <a:endParaRPr lang="en-US" sz="2500" dirty="0" smtClean="0"/>
+          </a:p>
+          <a:p>
+            <a:r>
+              <a:rPr lang="en-US" sz="2500" dirty="0" smtClean="0"/>
+              <a:t>doSomething(5, </a:t>
+            </a:r>
+            <a:r>
+              <a:rPr lang="en-US" sz="2500" dirty="0" smtClean="0">
+                <a:solidFill>
+                  <a:srgbClr val="A8C6D0"/>
+                </a:solidFill>
+              </a:rPr>
+              <a:t>square</a:t>
+            </a:r>
+            <a:r>
+              <a:rPr lang="en-US" sz="2500" dirty="0" smtClean="0"/>
+              <a:t>);</a:t>
+            </a:r>
+          </a:p>
+          <a:p>
+            <a:r>
+              <a:rPr lang="en-US" sz="2500" dirty="0" smtClean="0"/>
+              <a:t>// -&gt; 25</a:t>
             </a:r>
           </a:p>
         </p:txBody>
@@ -4327,18 +4267,12 @@
         </p:nvSpPr>
         <p:spPr/>
         <p:txBody>
-          <a:bodyPr>
-            <a:normAutofit/>
-          </a:bodyPr>
-          <a:lstStyle/>
-          <a:p>
-            <a:r>
-              <a:rPr lang="en-US" dirty="0" err="1" smtClean="0"/>
-              <a:t>λ</a:t>
-            </a:r>
-            <a:r>
-              <a:rPr lang="en-US" dirty="0" smtClean="0"/>
-              <a:t>: In Programming Languages</a:t>
+          <a:bodyPr/>
+          <a:lstStyle/>
+          <a:p>
+            <a:r>
+              <a:rPr lang="en-US" dirty="0" smtClean="0"/>
+              <a:t>Functions are Data</a:t>
             </a:r>
             <a:endParaRPr lang="en-US" dirty="0"/>
           </a:p>
@@ -4346,75 +4280,218 @@
       </p:sp>
       <p:sp>
         <p:nvSpPr>
-          <p:cNvPr id="3" name="Content Placeholder 2"/>
-          <p:cNvSpPr>
-            <a:spLocks noGrp="1"/>
-          </p:cNvSpPr>
-          <p:nvPr>
-            <p:ph idx="1"/>
-          </p:nvPr>
+          <p:cNvPr id="4" name="TextBox 3"/>
+          <p:cNvSpPr txBox="1"/>
+          <p:nvPr/>
         </p:nvSpPr>
         <p:spPr>
           <a:xfrm>
             <a:off x="457200" y="1417638"/>
-            <a:ext cx="7467600" cy="4967514"/>
+            <a:ext cx="6372182" cy="4324261"/>
           </a:xfrm>
+          <a:prstGeom prst="rect">
+            <a:avLst/>
+          </a:prstGeom>
+          <a:noFill/>
         </p:spPr>
         <p:txBody>
-          <a:bodyPr>
-            <a:normAutofit/>
+          <a:bodyPr wrap="none" rtlCol="0">
+            <a:spAutoFit/>
           </a:bodyPr>
           <a:lstStyle/>
           <a:p>
-            <a:pPr>
-              <a:buFont typeface="Wingdings" charset="2"/>
-              <a:buChar char="§"/>
-            </a:pPr>
-            <a:r>
-              <a:rPr lang="en-US" dirty="0" smtClean="0"/>
-              <a:t>JavaScript has named and anonymous function expressions, as well as Function objects (with a constructor).</a:t>
-            </a:r>
-          </a:p>
-          <a:p>
-            <a:pPr>
-              <a:buFont typeface="Wingdings" charset="2"/>
-              <a:buChar char="§"/>
-            </a:pPr>
-            <a:r>
-              <a:rPr lang="en-US" dirty="0" smtClean="0"/>
-              <a:t>Ruby most notably has blocks, but also lambdas (keyword) and </a:t>
-            </a:r>
-            <a:r>
-              <a:rPr lang="en-US" dirty="0" err="1" smtClean="0"/>
-              <a:t>procs</a:t>
-            </a:r>
-            <a:r>
-              <a:rPr lang="en-US" dirty="0" smtClean="0"/>
-              <a:t>!</a:t>
-            </a:r>
-          </a:p>
-          <a:p>
-            <a:pPr>
-              <a:buFont typeface="Wingdings" charset="2"/>
-              <a:buChar char="§"/>
-            </a:pPr>
-            <a:r>
-              <a:rPr lang="en-US" dirty="0" err="1" smtClean="0"/>
-              <a:t>Scala</a:t>
-            </a:r>
-            <a:r>
-              <a:rPr lang="en-US" dirty="0" smtClean="0"/>
-              <a:t> has methods, function traits, and shorthand yielding trait instances.</a:t>
-            </a:r>
-          </a:p>
-          <a:p>
-            <a:pPr>
-              <a:buFont typeface="Wingdings" charset="2"/>
-              <a:buChar char="§"/>
-            </a:pPr>
-            <a:r>
-              <a:rPr lang="en-US" dirty="0" smtClean="0"/>
-              <a:t>How a programming language refers to such a construct is entirely preferential.</a:t>
+            <a:r>
+              <a:rPr lang="en-US" sz="2500" dirty="0" err="1" smtClean="0"/>
+              <a:t>val</a:t>
+            </a:r>
+            <a:r>
+              <a:rPr lang="en-US" sz="2500" dirty="0" smtClean="0"/>
+              <a:t> </a:t>
+            </a:r>
+            <a:r>
+              <a:rPr lang="en-US" sz="2500" dirty="0" smtClean="0">
+                <a:solidFill>
+                  <a:srgbClr val="A8C6D0"/>
+                </a:solidFill>
+              </a:rPr>
+              <a:t>increment </a:t>
+            </a:r>
+            <a:r>
+              <a:rPr lang="en-US" sz="2500" dirty="0" smtClean="0"/>
+              <a:t>= (</a:t>
+            </a:r>
+            <a:r>
+              <a:rPr lang="en-US" sz="2500" dirty="0" err="1" smtClean="0"/>
+              <a:t>i</a:t>
+            </a:r>
+            <a:r>
+              <a:rPr lang="en-US" sz="2500" dirty="0" smtClean="0"/>
+              <a:t>: </a:t>
+            </a:r>
+            <a:r>
+              <a:rPr lang="en-US" sz="2500" dirty="0" err="1" smtClean="0"/>
+              <a:t>Int</a:t>
+            </a:r>
+            <a:r>
+              <a:rPr lang="en-US" sz="2500" dirty="0" smtClean="0"/>
+              <a:t>) =&gt; </a:t>
+            </a:r>
+            <a:r>
+              <a:rPr lang="en-US" sz="2500" dirty="0" err="1" smtClean="0"/>
+              <a:t>i</a:t>
+            </a:r>
+            <a:r>
+              <a:rPr lang="en-US" sz="2500" dirty="0" smtClean="0"/>
+              <a:t> + 1</a:t>
+            </a:r>
+          </a:p>
+          <a:p>
+            <a:endParaRPr lang="en-US" sz="2500" dirty="0" smtClean="0"/>
+          </a:p>
+          <a:p>
+            <a:r>
+              <a:rPr lang="en-US" sz="2500" dirty="0" err="1" smtClean="0"/>
+              <a:t>val</a:t>
+            </a:r>
+            <a:r>
+              <a:rPr lang="en-US" sz="2500" dirty="0" smtClean="0"/>
+              <a:t> </a:t>
+            </a:r>
+            <a:r>
+              <a:rPr lang="en-US" sz="2500" dirty="0" smtClean="0">
+                <a:solidFill>
+                  <a:srgbClr val="A8C6D0"/>
+                </a:solidFill>
+              </a:rPr>
+              <a:t>square </a:t>
+            </a:r>
+            <a:r>
+              <a:rPr lang="en-US" sz="2500" dirty="0" smtClean="0"/>
+              <a:t>= (</a:t>
+            </a:r>
+            <a:r>
+              <a:rPr lang="en-US" sz="2500" dirty="0" err="1" smtClean="0"/>
+              <a:t>i</a:t>
+            </a:r>
+            <a:r>
+              <a:rPr lang="en-US" sz="2500" dirty="0" smtClean="0"/>
+              <a:t>: </a:t>
+            </a:r>
+            <a:r>
+              <a:rPr lang="en-US" sz="2500" dirty="0" err="1" smtClean="0"/>
+              <a:t>Int</a:t>
+            </a:r>
+            <a:r>
+              <a:rPr lang="en-US" sz="2500" dirty="0" smtClean="0"/>
+              <a:t>) =&gt; </a:t>
+            </a:r>
+            <a:r>
+              <a:rPr lang="en-US" sz="2500" dirty="0" err="1" smtClean="0"/>
+              <a:t>i</a:t>
+            </a:r>
+            <a:r>
+              <a:rPr lang="en-US" sz="2500" dirty="0" smtClean="0"/>
+              <a:t> * </a:t>
+            </a:r>
+            <a:r>
+              <a:rPr lang="en-US" sz="2500" dirty="0" err="1" smtClean="0"/>
+              <a:t>i</a:t>
+            </a:r>
+            <a:endParaRPr lang="en-US" sz="2500" dirty="0" smtClean="0"/>
+          </a:p>
+          <a:p>
+            <a:endParaRPr lang="en-US" sz="2500" dirty="0" smtClean="0"/>
+          </a:p>
+          <a:p>
+            <a:r>
+              <a:rPr lang="en-US" sz="2500" dirty="0" smtClean="0"/>
+              <a:t>def </a:t>
+            </a:r>
+            <a:r>
+              <a:rPr lang="en-US" sz="2500" dirty="0" err="1" smtClean="0"/>
+              <a:t>doSomething[A</a:t>
+            </a:r>
+            <a:r>
+              <a:rPr lang="en-US" sz="2500" dirty="0" smtClean="0"/>
+              <a:t>, </a:t>
+            </a:r>
+            <a:r>
+              <a:rPr lang="en-US" sz="2500" dirty="0" err="1" smtClean="0"/>
+              <a:t>B](x</a:t>
+            </a:r>
+            <a:r>
+              <a:rPr lang="en-US" sz="2500" dirty="0" smtClean="0"/>
+              <a:t>: A, </a:t>
+            </a:r>
+            <a:r>
+              <a:rPr lang="en-US" sz="2500" dirty="0" err="1" smtClean="0"/>
+              <a:t>f</a:t>
+            </a:r>
+            <a:r>
+              <a:rPr lang="en-US" sz="2500" dirty="0" smtClean="0"/>
+              <a:t>: A =&gt; B) = </a:t>
+            </a:r>
+            <a:r>
+              <a:rPr lang="en-US" sz="2500" dirty="0" err="1" smtClean="0"/>
+              <a:t>f(x</a:t>
+            </a:r>
+            <a:r>
+              <a:rPr lang="en-US" sz="2500" dirty="0" smtClean="0"/>
+              <a:t>)</a:t>
+            </a:r>
+          </a:p>
+          <a:p>
+            <a:endParaRPr lang="en-US" sz="2500" dirty="0" smtClean="0"/>
+          </a:p>
+          <a:p>
+            <a:r>
+              <a:rPr lang="en-US" sz="2500" dirty="0" smtClean="0"/>
+              <a:t>doSomething(5, </a:t>
+            </a:r>
+            <a:r>
+              <a:rPr lang="en-US" sz="2500" dirty="0" smtClean="0">
+                <a:solidFill>
+                  <a:srgbClr val="A8C6D0"/>
+                </a:solidFill>
+              </a:rPr>
+              <a:t>increment</a:t>
+            </a:r>
+            <a:r>
+              <a:rPr lang="en-US" sz="2500" dirty="0" smtClean="0"/>
+              <a:t>)</a:t>
+            </a:r>
+          </a:p>
+          <a:p>
+            <a:r>
+              <a:rPr lang="en-US" sz="2500" dirty="0" smtClean="0"/>
+              <a:t>// -&gt; 6</a:t>
+            </a:r>
+          </a:p>
+          <a:p>
+            <a:endParaRPr lang="en-US" sz="2500" dirty="0" smtClean="0"/>
+          </a:p>
+          <a:p>
+            <a:r>
+              <a:rPr lang="en-US" sz="2500" dirty="0" smtClean="0"/>
+              <a:t>doSomething(5, </a:t>
+            </a:r>
+            <a:r>
+              <a:rPr lang="en-US" sz="2500" dirty="0" smtClean="0">
+                <a:solidFill>
+                  <a:srgbClr val="A8C6D0"/>
+                </a:solidFill>
+              </a:rPr>
+              <a:t>square</a:t>
+            </a:r>
+            <a:r>
+              <a:rPr lang="en-US" sz="2500" dirty="0" smtClean="0"/>
+              <a:t>)</a:t>
+            </a:r>
+          </a:p>
+          <a:p>
+            <a:r>
+              <a:rPr lang="en-US" sz="2500" dirty="0" smtClean="0"/>
+              <a:t>// -&gt; 25</a:t>
             </a:r>
           </a:p>
         </p:txBody>
@@ -4463,47 +4540,71 @@
         </p:nvSpPr>
         <p:spPr>
           <a:xfrm>
-            <a:off x="457199" y="274638"/>
-            <a:ext cx="8190895" cy="1143000"/>
+            <a:off x="457200" y="274638"/>
+            <a:ext cx="7467600" cy="1143000"/>
           </a:xfrm>
         </p:spPr>
         <p:txBody>
-          <a:bodyPr/>
-          <a:lstStyle/>
-          <a:p>
-            <a:pPr algn="ctr"/>
-            <a:r>
-              <a:rPr lang="en-US" dirty="0" smtClean="0"/>
-              <a:t>Function Composition</a:t>
+          <a:bodyPr>
+            <a:normAutofit/>
+          </a:bodyPr>
+          <a:lstStyle/>
+          <a:p>
+            <a:r>
+              <a:rPr lang="en-US" dirty="0" smtClean="0"/>
+              <a:t>Notes on Lambdas</a:t>
             </a:r>
             <a:endParaRPr lang="en-US" dirty="0"/>
           </a:p>
         </p:txBody>
       </p:sp>
-      <p:pic>
-        <p:nvPicPr>
-          <p:cNvPr id="4" name="Content Placeholder 3" descr="beethoven7.jpeg"/>
-          <p:cNvPicPr>
-            <a:picLocks noGrp="1" noChangeAspect="1"/>
-          </p:cNvPicPr>
+      <p:sp>
+        <p:nvSpPr>
+          <p:cNvPr id="3" name="Content Placeholder 2"/>
+          <p:cNvSpPr>
+            <a:spLocks noGrp="1"/>
+          </p:cNvSpPr>
           <p:nvPr>
             <p:ph idx="1"/>
           </p:nvPr>
-        </p:nvPicPr>
-        <p:blipFill>
-          <a:blip r:embed="rId2"/>
-          <a:srcRect l="-56330" r="-56330"/>
-          <a:stretch>
-            <a:fillRect/>
-          </a:stretch>
-        </p:blipFill>
+        </p:nvSpPr>
         <p:spPr>
           <a:xfrm>
-            <a:off x="732970" y="1600200"/>
+            <a:off x="457200" y="1417638"/>
             <a:ext cx="7467600" cy="4525963"/>
           </a:xfrm>
         </p:spPr>
-      </p:pic>
+        <p:txBody>
+          <a:bodyPr>
+            <a:noAutofit/>
+          </a:bodyPr>
+          <a:lstStyle/>
+          <a:p>
+            <a:pPr>
+              <a:buFont typeface="Wingdings" charset="2"/>
+              <a:buChar char="§"/>
+            </a:pPr>
+            <a:r>
+              <a:rPr lang="en-US" dirty="0" smtClean="0"/>
+              <a:t>A lambda is an anonymous function; a function without an identifier.</a:t>
+            </a:r>
+          </a:p>
+          <a:p>
+            <a:pPr>
+              <a:buFont typeface="Wingdings" charset="2"/>
+              <a:buChar char="§"/>
+            </a:pPr>
+            <a:r>
+              <a:rPr lang="en-US" dirty="0" smtClean="0"/>
+              <a:t>A closure is a function whose definition “closes” over free variables</a:t>
+            </a:r>
+            <a:r>
+              <a:rPr lang="en-US" dirty="0" smtClean="0"/>
+              <a:t>.</a:t>
+            </a:r>
+          </a:p>
+        </p:txBody>
+      </p:sp>
     </p:spTree>
   </p:cSld>
   <p:clrMapOvr>
@@ -4538,6 +4639,36 @@
       </p:grpSpPr>
       <p:sp>
         <p:nvSpPr>
+          <p:cNvPr id="2" name="Title 1"/>
+          <p:cNvSpPr>
+            <a:spLocks noGrp="1"/>
+          </p:cNvSpPr>
+          <p:nvPr>
+            <p:ph type="title"/>
+          </p:nvPr>
+        </p:nvSpPr>
+        <p:spPr>
+          <a:xfrm>
+            <a:off x="457200" y="274638"/>
+            <a:ext cx="7467600" cy="1143000"/>
+          </a:xfrm>
+        </p:spPr>
+        <p:txBody>
+          <a:bodyPr>
+            <a:normAutofit/>
+          </a:bodyPr>
+          <a:lstStyle/>
+          <a:p>
+            <a:r>
+              <a:rPr lang="en-US" dirty="0" smtClean="0"/>
+              <a:t>Notes on Lambdas</a:t>
+            </a:r>
+            <a:endParaRPr lang="en-US" dirty="0"/>
+          </a:p>
+        </p:txBody>
+      </p:sp>
+      <p:sp>
+        <p:nvSpPr>
           <p:cNvPr id="3" name="Content Placeholder 2"/>
           <p:cNvSpPr>
             <a:spLocks noGrp="1"/>
@@ -4546,9 +4677,16 @@
             <p:ph idx="1"/>
           </p:nvPr>
         </p:nvSpPr>
-        <p:spPr/>
-        <p:txBody>
-          <a:bodyPr/>
+        <p:spPr>
+          <a:xfrm>
+            <a:off x="457200" y="1417638"/>
+            <a:ext cx="7467600" cy="4525963"/>
+          </a:xfrm>
+        </p:spPr>
+        <p:txBody>
+          <a:bodyPr>
+            <a:noAutofit/>
+          </a:bodyPr>
           <a:lstStyle/>
           <a:p>
             <a:pPr>
@@ -4556,52 +4694,43 @@
               <a:buChar char="§"/>
             </a:pPr>
             <a:r>
-              <a:rPr lang="en-US" dirty="0" err="1" smtClean="0"/>
-              <a:t>com·po·si·tion</a:t>
-            </a:r>
-            <a:r>
-              <a:rPr lang="en-US" dirty="0" smtClean="0"/>
-              <a:t> </a:t>
-            </a:r>
-            <a:r>
-              <a:rPr lang="en-US" i="1" dirty="0" smtClean="0"/>
-              <a:t>-noun</a:t>
-            </a:r>
-            <a:r>
-              <a:rPr lang="en-US" dirty="0" smtClean="0"/>
-              <a:t/>
+              <a:rPr lang="en-US" dirty="0" smtClean="0"/>
+              <a:t>A </a:t>
+            </a:r>
+            <a:r>
+              <a:rPr lang="en-US" dirty="0" smtClean="0"/>
+              <a:t>lambda expression that doesn’t close over free variables isn’t a closure, strictly speaking.</a:t>
+            </a:r>
+          </a:p>
+          <a:p>
+            <a:pPr>
+              <a:buFont typeface="Wingdings" charset="2"/>
+              <a:buChar char="§"/>
+            </a:pPr>
+            <a:r>
+              <a:rPr lang="en-US" dirty="0" smtClean="0"/>
+              <a:t>A closure isn’t necessarily anonymous!</a:t>
+            </a:r>
+          </a:p>
+          <a:p>
+            <a:pPr>
+              <a:buFont typeface="Wingdings" charset="2"/>
+              <a:buChar char="§"/>
+            </a:pPr>
+            <a:r>
+              <a:rPr lang="en-US" dirty="0" smtClean="0"/>
+              <a:t>Closures enable function composition …</a:t>
             </a:r>
             <a:br>
               <a:rPr lang="en-US" dirty="0" smtClean="0"/>
             </a:br>
             <a:r>
-              <a:rPr lang="en-US" dirty="0" smtClean="0"/>
-              <a:t>1. the act of combining parts or 	elements to form a whole</a:t>
-            </a:r>
-            <a:br>
-              <a:rPr lang="en-US" dirty="0" smtClean="0"/>
-            </a:br>
-            <a:r>
-              <a:rPr lang="en-US" dirty="0" smtClean="0"/>
-              <a:t>2. the resulting state or product</a:t>
-            </a:r>
-            <a:br>
-              <a:rPr lang="en-US" dirty="0" smtClean="0"/>
-            </a:br>
-            <a:r>
-              <a:rPr lang="en-US" dirty="0" smtClean="0"/>
-              <a:t>3. manner of being composed;</a:t>
-            </a:r>
-            <a:br>
-              <a:rPr lang="en-US" dirty="0" smtClean="0"/>
-            </a:br>
-            <a:r>
-              <a:rPr lang="en-US" dirty="0" smtClean="0"/>
-              <a:t>structure: </a:t>
-            </a:r>
-            <a:r>
-              <a:rPr lang="en-US" i="1" dirty="0" smtClean="0"/>
-              <a:t>This painting has an orderly	composition.</a:t>
+              <a:rPr lang="en-US" dirty="0" smtClean="0">
+                <a:solidFill>
+                  <a:srgbClr val="A8C6D0"/>
+                </a:solidFill>
+              </a:rPr>
+              <a:t>… and that’s a big deal!</a:t>
             </a:r>
           </a:p>
         </p:txBody>
@@ -4640,6 +4769,35 @@
       </p:grpSpPr>
       <p:sp>
         <p:nvSpPr>
+          <p:cNvPr id="2" name="Title 1"/>
+          <p:cNvSpPr>
+            <a:spLocks noGrp="1"/>
+          </p:cNvSpPr>
+          <p:nvPr>
+            <p:ph type="title"/>
+          </p:nvPr>
+        </p:nvSpPr>
+        <p:spPr/>
+        <p:txBody>
+          <a:bodyPr>
+            <a:normAutofit/>
+          </a:bodyPr>
+          <a:lstStyle/>
+          <a:p>
+            <a:r>
+              <a:rPr lang="en-US" dirty="0" err="1" smtClean="0"/>
+              <a:t>λ</a:t>
+            </a:r>
+            <a:r>
+              <a:rPr lang="en-US" dirty="0" smtClean="0"/>
+              <a:t>: In Programming Languages</a:t>
+            </a:r>
+            <a:endParaRPr lang="en-US" dirty="0"/>
+          </a:p>
+        </p:txBody>
+      </p:sp>
+      <p:sp>
+        <p:nvSpPr>
           <p:cNvPr id="3" name="Content Placeholder 2"/>
           <p:cNvSpPr>
             <a:spLocks noGrp="1"/>
@@ -4648,7 +4806,12 @@
             <p:ph idx="1"/>
           </p:nvPr>
         </p:nvSpPr>
-        <p:spPr/>
+        <p:spPr>
+          <a:xfrm>
+            <a:off x="457200" y="1417638"/>
+            <a:ext cx="7467600" cy="4967514"/>
+          </a:xfrm>
+        </p:spPr>
         <p:txBody>
           <a:bodyPr>
             <a:normAutofit/>
@@ -4660,52 +4823,8 @@
               <a:buChar char="§"/>
             </a:pPr>
             <a:r>
-              <a:rPr lang="en-US" dirty="0" err="1" smtClean="0"/>
-              <a:t>com·po·si·tion</a:t>
-            </a:r>
-            <a:r>
-              <a:rPr lang="en-US" dirty="0" smtClean="0"/>
-              <a:t> </a:t>
-            </a:r>
-            <a:r>
-              <a:rPr lang="en-US" i="1" dirty="0" smtClean="0"/>
-              <a:t>-noun</a:t>
-            </a:r>
-            <a:r>
-              <a:rPr lang="en-US" dirty="0" smtClean="0"/>
-              <a:t/>
-            </a:r>
-            <a:br>
-              <a:rPr lang="en-US" dirty="0" smtClean="0"/>
-            </a:br>
-            <a:r>
-              <a:rPr lang="en-US" dirty="0" smtClean="0"/>
-              <a:t>1. the act of combining parts or 	elements to form a whole</a:t>
-            </a:r>
-            <a:br>
-              <a:rPr lang="en-US" dirty="0" smtClean="0"/>
-            </a:br>
-            <a:r>
-              <a:rPr lang="en-US" dirty="0" smtClean="0"/>
-              <a:t>2. the resulting state or product</a:t>
-            </a:r>
-            <a:br>
-              <a:rPr lang="en-US" dirty="0" smtClean="0"/>
-            </a:br>
-            <a:r>
-              <a:rPr lang="en-US" dirty="0" smtClean="0"/>
-              <a:t>3. manner of being composed;</a:t>
-            </a:r>
-            <a:br>
-              <a:rPr lang="en-US" dirty="0" smtClean="0"/>
-            </a:br>
-            <a:r>
-              <a:rPr lang="en-US" dirty="0" smtClean="0"/>
-              <a:t>structure: </a:t>
-            </a:r>
-            <a:r>
-              <a:rPr lang="en-US" i="1" dirty="0" smtClean="0"/>
-              <a:t>This painting has an orderly	composition.</a:t>
+              <a:rPr lang="en-US" dirty="0" smtClean="0"/>
+              <a:t>JavaScript has named and anonymous function expressions, as well as Function objects (with a constructor).</a:t>
             </a:r>
           </a:p>
           <a:p>
@@ -4713,17 +4832,42 @@
               <a:buFont typeface="Wingdings" charset="2"/>
               <a:buChar char="§"/>
             </a:pPr>
-            <a:endParaRPr lang="en-US" i="1" dirty="0" smtClean="0"/>
+            <a:r>
+              <a:rPr lang="en-US" dirty="0" smtClean="0"/>
+              <a:t>Ruby most notably has blocks, but also lambdas (keyword) and </a:t>
+            </a:r>
+            <a:r>
+              <a:rPr lang="en-US" dirty="0" err="1" smtClean="0"/>
+              <a:t>procs</a:t>
+            </a:r>
+            <a:r>
+              <a:rPr lang="en-US" dirty="0" smtClean="0"/>
+              <a:t>!</a:t>
+            </a:r>
           </a:p>
           <a:p>
             <a:pPr>
-              <a:buNone/>
+              <a:buFont typeface="Wingdings" charset="2"/>
+              <a:buChar char="§"/>
             </a:pPr>
             <a:r>
-              <a:rPr lang="en-US" dirty="0" smtClean="0"/>
-              <a:t>Let’s glance back at the math…</a:t>
-            </a:r>
-            <a:endParaRPr lang="en-US" i="1" dirty="0" smtClean="0"/>
+              <a:rPr lang="en-US" dirty="0" err="1" smtClean="0"/>
+              <a:t>Scala</a:t>
+            </a:r>
+            <a:r>
+              <a:rPr lang="en-US" dirty="0" smtClean="0"/>
+              <a:t> has methods, function traits, and shorthand yielding trait instances.</a:t>
+            </a:r>
+          </a:p>
+          <a:p>
+            <a:pPr>
+              <a:buFont typeface="Wingdings" charset="2"/>
+              <a:buChar char="§"/>
+            </a:pPr>
+            <a:r>
+              <a:rPr lang="en-US" dirty="0" smtClean="0"/>
+              <a:t>How a programming language refers to such a construct is entirely preferential.</a:t>
+            </a:r>
           </a:p>
         </p:txBody>
       </p:sp>
@@ -4769,11 +4913,17 @@
             <p:ph type="title"/>
           </p:nvPr>
         </p:nvSpPr>
-        <p:spPr/>
+        <p:spPr>
+          <a:xfrm>
+            <a:off x="457199" y="274638"/>
+            <a:ext cx="8190895" cy="1143000"/>
+          </a:xfrm>
+        </p:spPr>
         <p:txBody>
           <a:bodyPr/>
           <a:lstStyle/>
           <a:p>
+            <a:pPr algn="ctr"/>
             <a:r>
               <a:rPr lang="en-US" dirty="0" smtClean="0"/>
               <a:t>Function Composition</a:t>
@@ -4782,251 +4932,30 @@
           </a:p>
         </p:txBody>
       </p:sp>
-      <p:sp>
-        <p:nvSpPr>
-          <p:cNvPr id="3" name="Content Placeholder 2"/>
-          <p:cNvSpPr>
-            <a:spLocks noGrp="1"/>
-          </p:cNvSpPr>
+      <p:pic>
+        <p:nvPicPr>
+          <p:cNvPr id="4" name="Content Placeholder 3" descr="beethoven7.jpeg"/>
+          <p:cNvPicPr>
+            <a:picLocks noGrp="1" noChangeAspect="1"/>
+          </p:cNvPicPr>
           <p:nvPr>
             <p:ph idx="1"/>
           </p:nvPr>
-        </p:nvSpPr>
-        <p:spPr/>
-        <p:txBody>
-          <a:bodyPr>
-            <a:normAutofit/>
-          </a:bodyPr>
-          <a:lstStyle/>
-          <a:p>
-            <a:pPr>
-              <a:buFont typeface="Wingdings" charset="2"/>
-              <a:buChar char="§"/>
-            </a:pPr>
-            <a:r>
-              <a:rPr lang="en-US" i="1" dirty="0" err="1" smtClean="0">
-                <a:solidFill>
-                  <a:srgbClr val="CCAF0A"/>
-                </a:solidFill>
-                <a:latin typeface="Franklin Gothic Book"/>
-                <a:cs typeface="Franklin Gothic Book"/>
-              </a:rPr>
-              <a:t>y</a:t>
-            </a:r>
-            <a:r>
-              <a:rPr lang="en-US" i="1" dirty="0" smtClean="0">
-                <a:solidFill>
-                  <a:srgbClr val="CCAF0A"/>
-                </a:solidFill>
-                <a:latin typeface="Franklin Gothic Book"/>
-                <a:cs typeface="Franklin Gothic Book"/>
-              </a:rPr>
-              <a:t> = </a:t>
-            </a:r>
-            <a:r>
-              <a:rPr lang="en-US" i="1" dirty="0" err="1" smtClean="0">
-                <a:solidFill>
-                  <a:srgbClr val="CCAF0A"/>
-                </a:solidFill>
-                <a:latin typeface="Franklin Gothic Book"/>
-                <a:cs typeface="Franklin Gothic Book"/>
-              </a:rPr>
-              <a:t>f(x</a:t>
-            </a:r>
-            <a:r>
-              <a:rPr lang="en-US" i="1" dirty="0" smtClean="0">
-                <a:solidFill>
-                  <a:srgbClr val="CCAF0A"/>
-                </a:solidFill>
-                <a:latin typeface="Franklin Gothic Book"/>
-                <a:cs typeface="Franklin Gothic Book"/>
-              </a:rPr>
-              <a:t>) </a:t>
-            </a:r>
-            <a:r>
-              <a:rPr lang="en-US" dirty="0" smtClean="0">
-                <a:latin typeface="Franklin Gothic Book"/>
-                <a:cs typeface="Franklin Gothic Book"/>
-              </a:rPr>
-              <a:t>or </a:t>
-            </a:r>
-            <a:r>
-              <a:rPr lang="en-US" i="1" dirty="0" err="1" smtClean="0">
-                <a:solidFill>
-                  <a:srgbClr val="CCAF0A"/>
-                </a:solidFill>
-                <a:latin typeface="Franklin Gothic Book"/>
-                <a:cs typeface="Franklin Gothic Book"/>
-              </a:rPr>
-              <a:t>f</a:t>
-            </a:r>
-            <a:r>
-              <a:rPr lang="en-US" i="1" dirty="0" smtClean="0">
-                <a:solidFill>
-                  <a:srgbClr val="CCAF0A"/>
-                </a:solidFill>
-                <a:latin typeface="Franklin Gothic Book"/>
-                <a:cs typeface="Franklin Gothic Book"/>
-              </a:rPr>
-              <a:t>: </a:t>
-            </a:r>
-            <a:r>
-              <a:rPr lang="en-US" i="1" dirty="0" err="1" smtClean="0">
-                <a:solidFill>
-                  <a:srgbClr val="CCAF0A"/>
-                </a:solidFill>
-                <a:latin typeface="Franklin Gothic Book"/>
-                <a:cs typeface="Franklin Gothic Book"/>
-              </a:rPr>
-              <a:t>x</a:t>
-            </a:r>
-            <a:r>
-              <a:rPr lang="en-US" i="1" dirty="0" smtClean="0">
-                <a:solidFill>
-                  <a:srgbClr val="CCAF0A"/>
-                </a:solidFill>
-                <a:latin typeface="Franklin Gothic Book"/>
-                <a:cs typeface="Franklin Gothic Book"/>
-              </a:rPr>
-              <a:t> → </a:t>
-            </a:r>
-            <a:r>
-              <a:rPr lang="en-US" i="1" dirty="0" err="1" smtClean="0">
-                <a:solidFill>
-                  <a:srgbClr val="CCAF0A"/>
-                </a:solidFill>
-                <a:latin typeface="Franklin Gothic Book"/>
-                <a:cs typeface="Franklin Gothic Book"/>
-              </a:rPr>
-              <a:t>y</a:t>
-            </a:r>
-            <a:endParaRPr lang="en-US" i="1" dirty="0" smtClean="0">
-              <a:solidFill>
-                <a:srgbClr val="CCAF0A"/>
-              </a:solidFill>
-              <a:latin typeface="Franklin Gothic Book"/>
-              <a:cs typeface="Franklin Gothic Book"/>
-            </a:endParaRPr>
-          </a:p>
-          <a:p>
-            <a:pPr>
-              <a:buFont typeface="Wingdings" charset="2"/>
-              <a:buChar char="§"/>
-            </a:pPr>
-            <a:r>
-              <a:rPr lang="en-US" dirty="0" smtClean="0">
-                <a:latin typeface="Franklin Gothic Book"/>
-                <a:cs typeface="Franklin Gothic Book"/>
-              </a:rPr>
-              <a:t>“</a:t>
-            </a:r>
-            <a:r>
-              <a:rPr lang="en-US" dirty="0" err="1" smtClean="0">
-                <a:latin typeface="Franklin Gothic Book"/>
-                <a:cs typeface="Franklin Gothic Book"/>
-              </a:rPr>
-              <a:t>y</a:t>
-            </a:r>
-            <a:r>
-              <a:rPr lang="en-US" dirty="0" smtClean="0">
-                <a:latin typeface="Franklin Gothic Book"/>
-                <a:cs typeface="Franklin Gothic Book"/>
-              </a:rPr>
-              <a:t> is a function of </a:t>
-            </a:r>
-            <a:r>
-              <a:rPr lang="en-US" dirty="0" err="1" smtClean="0">
-                <a:latin typeface="Franklin Gothic Book"/>
-                <a:cs typeface="Franklin Gothic Book"/>
-              </a:rPr>
-              <a:t>x</a:t>
-            </a:r>
-            <a:r>
-              <a:rPr lang="en-US" dirty="0" smtClean="0">
-                <a:latin typeface="Franklin Gothic Book"/>
-                <a:cs typeface="Franklin Gothic Book"/>
-              </a:rPr>
-              <a:t>”</a:t>
-            </a:r>
-          </a:p>
-          <a:p>
-            <a:pPr lvl="1">
-              <a:buFont typeface="Wingdings" charset="2"/>
-              <a:buChar char="§"/>
-            </a:pPr>
-            <a:r>
-              <a:rPr lang="en-US" dirty="0" smtClean="0">
-                <a:latin typeface="Franklin Gothic Book"/>
-                <a:cs typeface="Franklin Gothic Book"/>
-              </a:rPr>
-              <a:t>The value of </a:t>
-            </a:r>
-            <a:r>
-              <a:rPr lang="en-US" dirty="0" err="1" smtClean="0">
-                <a:latin typeface="Franklin Gothic Book"/>
-                <a:cs typeface="Franklin Gothic Book"/>
-              </a:rPr>
-              <a:t>y</a:t>
-            </a:r>
-            <a:r>
-              <a:rPr lang="en-US" dirty="0" smtClean="0">
-                <a:latin typeface="Franklin Gothic Book"/>
-                <a:cs typeface="Franklin Gothic Book"/>
-              </a:rPr>
-              <a:t> depends on </a:t>
-            </a:r>
-            <a:r>
-              <a:rPr lang="en-US" dirty="0" err="1" smtClean="0">
-                <a:latin typeface="Franklin Gothic Book"/>
-                <a:cs typeface="Franklin Gothic Book"/>
-              </a:rPr>
-              <a:t>x</a:t>
-            </a:r>
-            <a:r>
-              <a:rPr lang="en-US" dirty="0" smtClean="0">
-                <a:latin typeface="Franklin Gothic Book"/>
-                <a:cs typeface="Franklin Gothic Book"/>
-              </a:rPr>
-              <a:t>; a simple mapping from one value, </a:t>
-            </a:r>
-            <a:r>
-              <a:rPr lang="en-US" dirty="0" err="1" smtClean="0">
-                <a:latin typeface="Franklin Gothic Book"/>
-                <a:cs typeface="Franklin Gothic Book"/>
-              </a:rPr>
-              <a:t>x</a:t>
-            </a:r>
-            <a:r>
-              <a:rPr lang="en-US" dirty="0" smtClean="0">
-                <a:latin typeface="Franklin Gothic Book"/>
-                <a:cs typeface="Franklin Gothic Book"/>
-              </a:rPr>
-              <a:t>, to another, </a:t>
-            </a:r>
-            <a:r>
-              <a:rPr lang="en-US" dirty="0" err="1" smtClean="0">
-                <a:latin typeface="Franklin Gothic Book"/>
-                <a:cs typeface="Franklin Gothic Book"/>
-              </a:rPr>
-              <a:t>y</a:t>
-            </a:r>
-            <a:r>
-              <a:rPr lang="en-US" dirty="0" smtClean="0">
-                <a:latin typeface="Franklin Gothic Book"/>
-                <a:cs typeface="Franklin Gothic Book"/>
-              </a:rPr>
-              <a:t>.</a:t>
-            </a:r>
-            <a:endParaRPr lang="en-US" i="1" dirty="0" smtClean="0">
-              <a:solidFill>
-                <a:srgbClr val="CCAF0A"/>
-              </a:solidFill>
-              <a:latin typeface="Franklin Gothic Book"/>
-              <a:cs typeface="Franklin Gothic Book"/>
-            </a:endParaRPr>
-          </a:p>
-        </p:txBody>
-      </p:sp>
+        </p:nvPicPr>
+        <p:blipFill>
+          <a:blip r:embed="rId2"/>
+          <a:srcRect l="-56330" r="-56330"/>
+          <a:stretch>
+            <a:fillRect/>
+          </a:stretch>
+        </p:blipFill>
+        <p:spPr>
+          <a:xfrm>
+            <a:off x="732970" y="1600200"/>
+            <a:ext cx="7467600" cy="4525963"/>
+          </a:xfrm>
+        </p:spPr>
+      </p:pic>
     </p:spTree>
   </p:cSld>
   <p:clrMapOvr>
@@ -5061,42 +4990,17 @@
       </p:grpSpPr>
       <p:sp>
         <p:nvSpPr>
-          <p:cNvPr id="2" name="Title 1"/>
-          <p:cNvSpPr>
-            <a:spLocks noGrp="1"/>
-          </p:cNvSpPr>
-          <p:nvPr>
-            <p:ph type="title"/>
+          <p:cNvPr id="3" name="Content Placeholder 2"/>
+          <p:cNvSpPr>
+            <a:spLocks noGrp="1"/>
+          </p:cNvSpPr>
+          <p:nvPr>
+            <p:ph idx="1"/>
           </p:nvPr>
         </p:nvSpPr>
         <p:spPr/>
         <p:txBody>
           <a:bodyPr/>
-          <a:lstStyle/>
-          <a:p>
-            <a:r>
-              <a:rPr lang="en-US" dirty="0" smtClean="0"/>
-              <a:t>Function Composition</a:t>
-            </a:r>
-            <a:endParaRPr lang="en-US" dirty="0"/>
-          </a:p>
-        </p:txBody>
-      </p:sp>
-      <p:sp>
-        <p:nvSpPr>
-          <p:cNvPr id="3" name="Content Placeholder 2"/>
-          <p:cNvSpPr>
-            <a:spLocks noGrp="1"/>
-          </p:cNvSpPr>
-          <p:nvPr>
-            <p:ph idx="1"/>
-          </p:nvPr>
-        </p:nvSpPr>
-        <p:spPr/>
-        <p:txBody>
-          <a:bodyPr>
-            <a:normAutofit/>
-          </a:bodyPr>
           <a:lstStyle/>
           <a:p>
             <a:pPr>
@@ -5104,357 +5008,52 @@
               <a:buChar char="§"/>
             </a:pPr>
             <a:r>
-              <a:rPr lang="en-US" i="1" dirty="0" smtClean="0">
-                <a:solidFill>
-                  <a:srgbClr val="CCAF0A"/>
-                </a:solidFill>
-                <a:latin typeface="Franklin Gothic Book"/>
-                <a:cs typeface="Franklin Gothic Book"/>
-              </a:rPr>
-              <a:t>y = </a:t>
-            </a:r>
-            <a:r>
-              <a:rPr lang="en-US" i="1" dirty="0" err="1" smtClean="0">
-                <a:solidFill>
-                  <a:srgbClr val="CCAF0A"/>
-                </a:solidFill>
-                <a:latin typeface="Franklin Gothic Book"/>
-                <a:cs typeface="Franklin Gothic Book"/>
-              </a:rPr>
-              <a:t>f(x</a:t>
-            </a:r>
-            <a:r>
-              <a:rPr lang="en-US" i="1" dirty="0" smtClean="0">
-                <a:solidFill>
-                  <a:srgbClr val="CCAF0A"/>
-                </a:solidFill>
-                <a:latin typeface="Franklin Gothic Book"/>
-                <a:cs typeface="Franklin Gothic Book"/>
-              </a:rPr>
-              <a:t>) </a:t>
-            </a:r>
-            <a:r>
-              <a:rPr lang="en-US" dirty="0" smtClean="0">
-                <a:latin typeface="Franklin Gothic Book"/>
-                <a:cs typeface="Franklin Gothic Book"/>
-              </a:rPr>
-              <a:t>or </a:t>
-            </a:r>
-            <a:r>
-              <a:rPr lang="en-US" i="1" dirty="0" err="1" smtClean="0">
-                <a:solidFill>
-                  <a:srgbClr val="CCAF0A"/>
-                </a:solidFill>
-                <a:latin typeface="Franklin Gothic Book"/>
-                <a:cs typeface="Franklin Gothic Book"/>
-              </a:rPr>
-              <a:t>f</a:t>
-            </a:r>
-            <a:r>
-              <a:rPr lang="en-US" i="1" dirty="0" smtClean="0">
-                <a:solidFill>
-                  <a:srgbClr val="CCAF0A"/>
-                </a:solidFill>
-                <a:latin typeface="Franklin Gothic Book"/>
-                <a:cs typeface="Franklin Gothic Book"/>
-              </a:rPr>
-              <a:t>: </a:t>
-            </a:r>
-            <a:r>
-              <a:rPr lang="en-US" i="1" dirty="0" err="1" smtClean="0">
-                <a:solidFill>
-                  <a:srgbClr val="CCAF0A"/>
-                </a:solidFill>
-                <a:latin typeface="Franklin Gothic Book"/>
-                <a:cs typeface="Franklin Gothic Book"/>
-              </a:rPr>
-              <a:t>x</a:t>
-            </a:r>
-            <a:r>
-              <a:rPr lang="en-US" i="1" dirty="0" smtClean="0">
-                <a:solidFill>
-                  <a:srgbClr val="CCAF0A"/>
-                </a:solidFill>
-                <a:latin typeface="Franklin Gothic Book"/>
-                <a:cs typeface="Franklin Gothic Book"/>
-              </a:rPr>
-              <a:t> → </a:t>
-            </a:r>
-            <a:r>
-              <a:rPr lang="en-US" i="1" dirty="0" err="1" smtClean="0">
-                <a:solidFill>
-                  <a:srgbClr val="CCAF0A"/>
-                </a:solidFill>
-                <a:latin typeface="Franklin Gothic Book"/>
-                <a:cs typeface="Franklin Gothic Book"/>
-              </a:rPr>
-              <a:t>y</a:t>
-            </a:r>
-            <a:endParaRPr lang="en-US" i="1" dirty="0" smtClean="0">
-              <a:solidFill>
-                <a:srgbClr val="CCAF0A"/>
-              </a:solidFill>
-              <a:latin typeface="Franklin Gothic Book"/>
-              <a:cs typeface="Franklin Gothic Book"/>
-            </a:endParaRPr>
-          </a:p>
-          <a:p>
-            <a:pPr>
-              <a:buFont typeface="Wingdings" charset="2"/>
-              <a:buChar char="§"/>
-            </a:pPr>
-            <a:r>
-              <a:rPr lang="en-US" dirty="0" smtClean="0">
-                <a:latin typeface="Franklin Gothic Book"/>
-                <a:cs typeface="Franklin Gothic Book"/>
-              </a:rPr>
-              <a:t>“</a:t>
-            </a:r>
-            <a:r>
-              <a:rPr lang="en-US" dirty="0" err="1" smtClean="0">
-                <a:latin typeface="Franklin Gothic Book"/>
-                <a:cs typeface="Franklin Gothic Book"/>
-              </a:rPr>
-              <a:t>y</a:t>
-            </a:r>
-            <a:r>
-              <a:rPr lang="en-US" dirty="0" smtClean="0">
-                <a:latin typeface="Franklin Gothic Book"/>
-                <a:cs typeface="Franklin Gothic Book"/>
-              </a:rPr>
-              <a:t> is a function of </a:t>
-            </a:r>
-            <a:r>
-              <a:rPr lang="en-US" dirty="0" err="1" smtClean="0">
-                <a:latin typeface="Franklin Gothic Book"/>
-                <a:cs typeface="Franklin Gothic Book"/>
-              </a:rPr>
-              <a:t>x</a:t>
-            </a:r>
-            <a:r>
-              <a:rPr lang="en-US" dirty="0" smtClean="0">
-                <a:latin typeface="Franklin Gothic Book"/>
-                <a:cs typeface="Franklin Gothic Book"/>
-              </a:rPr>
-              <a:t>”</a:t>
-            </a:r>
-          </a:p>
-          <a:p>
-            <a:pPr lvl="1">
-              <a:buFont typeface="Wingdings" charset="2"/>
-              <a:buChar char="§"/>
-            </a:pPr>
-            <a:r>
-              <a:rPr lang="en-US" dirty="0" smtClean="0">
-                <a:latin typeface="Franklin Gothic Book"/>
-                <a:cs typeface="Franklin Gothic Book"/>
-              </a:rPr>
-              <a:t>The value of </a:t>
-            </a:r>
-            <a:r>
-              <a:rPr lang="en-US" dirty="0" err="1" smtClean="0">
-                <a:latin typeface="Franklin Gothic Book"/>
-                <a:cs typeface="Franklin Gothic Book"/>
-              </a:rPr>
-              <a:t>y</a:t>
-            </a:r>
-            <a:r>
-              <a:rPr lang="en-US" dirty="0" smtClean="0">
-                <a:latin typeface="Franklin Gothic Book"/>
-                <a:cs typeface="Franklin Gothic Book"/>
-              </a:rPr>
-              <a:t> depends on </a:t>
-            </a:r>
-            <a:r>
-              <a:rPr lang="en-US" dirty="0" err="1" smtClean="0">
-                <a:latin typeface="Franklin Gothic Book"/>
-                <a:cs typeface="Franklin Gothic Book"/>
-              </a:rPr>
-              <a:t>x</a:t>
-            </a:r>
-            <a:r>
-              <a:rPr lang="en-US" dirty="0" smtClean="0">
-                <a:latin typeface="Franklin Gothic Book"/>
-                <a:cs typeface="Franklin Gothic Book"/>
-              </a:rPr>
-              <a:t>; a simple mapping from one value, </a:t>
-            </a:r>
-            <a:r>
-              <a:rPr lang="en-US" dirty="0" err="1" smtClean="0">
-                <a:latin typeface="Franklin Gothic Book"/>
-                <a:cs typeface="Franklin Gothic Book"/>
-              </a:rPr>
-              <a:t>x</a:t>
-            </a:r>
-            <a:r>
-              <a:rPr lang="en-US" dirty="0" smtClean="0">
-                <a:latin typeface="Franklin Gothic Book"/>
-                <a:cs typeface="Franklin Gothic Book"/>
-              </a:rPr>
-              <a:t>, to another, </a:t>
-            </a:r>
-            <a:r>
-              <a:rPr lang="en-US" dirty="0" err="1" smtClean="0">
-                <a:latin typeface="Franklin Gothic Book"/>
-                <a:cs typeface="Franklin Gothic Book"/>
-              </a:rPr>
-              <a:t>y</a:t>
-            </a:r>
-            <a:r>
-              <a:rPr lang="en-US" dirty="0" smtClean="0">
-                <a:latin typeface="Franklin Gothic Book"/>
-                <a:cs typeface="Franklin Gothic Book"/>
-              </a:rPr>
-              <a:t>.</a:t>
-            </a:r>
-            <a:endParaRPr lang="en-US" i="1" dirty="0" smtClean="0">
-              <a:solidFill>
-                <a:srgbClr val="CCAF0A"/>
-              </a:solidFill>
-              <a:latin typeface="Franklin Gothic Book"/>
-              <a:cs typeface="Franklin Gothic Book"/>
-            </a:endParaRPr>
-          </a:p>
-          <a:p>
-            <a:pPr>
-              <a:buFont typeface="Wingdings" charset="2"/>
-              <a:buChar char="§"/>
-            </a:pPr>
-            <a:r>
-              <a:rPr lang="en-US" i="1" dirty="0" err="1" smtClean="0">
-                <a:solidFill>
-                  <a:srgbClr val="CCAF0A"/>
-                </a:solidFill>
-                <a:latin typeface="Franklin Gothic Book"/>
-                <a:cs typeface="Franklin Gothic Book"/>
-              </a:rPr>
-              <a:t>f</a:t>
-            </a:r>
-            <a:r>
-              <a:rPr lang="en-US" i="1" dirty="0" smtClean="0">
-                <a:solidFill>
-                  <a:srgbClr val="CCAF0A"/>
-                </a:solidFill>
-                <a:latin typeface="Franklin Gothic Book"/>
-                <a:cs typeface="Franklin Gothic Book"/>
-              </a:rPr>
-              <a:t>: </a:t>
-            </a:r>
-            <a:r>
-              <a:rPr lang="en-US" i="1" dirty="0" err="1" smtClean="0">
-                <a:solidFill>
-                  <a:srgbClr val="CCAF0A"/>
-                </a:solidFill>
-                <a:latin typeface="Franklin Gothic Book"/>
-                <a:cs typeface="Franklin Gothic Book"/>
-              </a:rPr>
-              <a:t>x</a:t>
-            </a:r>
-            <a:r>
-              <a:rPr lang="en-US" i="1" dirty="0" smtClean="0">
-                <a:solidFill>
-                  <a:srgbClr val="CCAF0A"/>
-                </a:solidFill>
-                <a:latin typeface="Franklin Gothic Book"/>
-                <a:cs typeface="Franklin Gothic Book"/>
-              </a:rPr>
-              <a:t> → </a:t>
-            </a:r>
-            <a:r>
-              <a:rPr lang="en-US" i="1" dirty="0" err="1" smtClean="0">
-                <a:solidFill>
-                  <a:srgbClr val="CCAF0A"/>
-                </a:solidFill>
-                <a:latin typeface="Franklin Gothic Book"/>
-                <a:cs typeface="Franklin Gothic Book"/>
-              </a:rPr>
-              <a:t>y</a:t>
-            </a:r>
-            <a:r>
-              <a:rPr lang="en-US" i="1" dirty="0" smtClean="0">
-                <a:solidFill>
-                  <a:srgbClr val="CCAF0A"/>
-                </a:solidFill>
-                <a:latin typeface="Franklin Gothic Book"/>
-                <a:cs typeface="Franklin Gothic Book"/>
-              </a:rPr>
+              <a:rPr lang="en-US" dirty="0" err="1" smtClean="0"/>
+              <a:t>com·po·si·tion</a:t>
+            </a:r>
+            <a:r>
+              <a:rPr lang="en-US" dirty="0" smtClean="0"/>
               <a:t> </a:t>
             </a:r>
             <a:r>
-              <a:rPr lang="en-US" dirty="0" smtClean="0">
-                <a:latin typeface="Franklin Gothic Book"/>
-                <a:cs typeface="Franklin Gothic Book"/>
-              </a:rPr>
-              <a:t>and </a:t>
-            </a:r>
-            <a:r>
-              <a:rPr lang="en-US" i="1" dirty="0" err="1" smtClean="0">
-                <a:solidFill>
-                  <a:srgbClr val="CCAF0A"/>
-                </a:solidFill>
-                <a:latin typeface="Franklin Gothic Book"/>
-                <a:cs typeface="Franklin Gothic Book"/>
-              </a:rPr>
-              <a:t>g</a:t>
-            </a:r>
-            <a:r>
-              <a:rPr lang="en-US" i="1" dirty="0" smtClean="0">
-                <a:solidFill>
-                  <a:srgbClr val="CCAF0A"/>
-                </a:solidFill>
-                <a:latin typeface="Franklin Gothic Book"/>
-                <a:cs typeface="Franklin Gothic Book"/>
-              </a:rPr>
-              <a:t>: </a:t>
-            </a:r>
-            <a:r>
-              <a:rPr lang="en-US" i="1" dirty="0" err="1" smtClean="0">
-                <a:solidFill>
-                  <a:srgbClr val="CCAF0A"/>
-                </a:solidFill>
-                <a:latin typeface="Franklin Gothic Book"/>
-                <a:cs typeface="Franklin Gothic Book"/>
-              </a:rPr>
-              <a:t>y</a:t>
-            </a:r>
-            <a:r>
-              <a:rPr lang="en-US" i="1" dirty="0" smtClean="0">
-                <a:solidFill>
-                  <a:srgbClr val="CCAF0A"/>
-                </a:solidFill>
-                <a:latin typeface="Franklin Gothic Book"/>
-                <a:cs typeface="Franklin Gothic Book"/>
-              </a:rPr>
-              <a:t> → </a:t>
-            </a:r>
-            <a:r>
-              <a:rPr lang="en-US" i="1" dirty="0" err="1" smtClean="0">
-                <a:solidFill>
-                  <a:srgbClr val="CCAF0A"/>
-                </a:solidFill>
-                <a:latin typeface="Franklin Gothic Book"/>
-                <a:cs typeface="Franklin Gothic Book"/>
-              </a:rPr>
-              <a:t>z</a:t>
-            </a:r>
-            <a:endParaRPr lang="en-US" i="1" dirty="0" smtClean="0">
-              <a:solidFill>
-                <a:srgbClr val="CCAF0A"/>
-              </a:solidFill>
-              <a:latin typeface="Franklin Gothic Book"/>
-              <a:cs typeface="Franklin Gothic Book"/>
-            </a:endParaRPr>
-          </a:p>
-          <a:p>
-            <a:pPr>
-              <a:buFont typeface="Wingdings" charset="2"/>
-              <a:buChar char="§"/>
-            </a:pPr>
-            <a:r>
-              <a:rPr lang="en-US" dirty="0" smtClean="0">
-                <a:cs typeface="Rockwell"/>
-              </a:rPr>
-              <a:t>The domains of these functions are suitable for composition.</a:t>
+              <a:rPr lang="en-US" i="1" dirty="0" smtClean="0"/>
+              <a:t>-noun</a:t>
+            </a:r>
+            <a:r>
+              <a:rPr lang="en-US" dirty="0" smtClean="0"/>
+              <a:t/>
+            </a:r>
+            <a:br>
+              <a:rPr lang="en-US" dirty="0" smtClean="0"/>
+            </a:br>
+            <a:r>
+              <a:rPr lang="en-US" dirty="0" smtClean="0"/>
+              <a:t>1. the act of combining parts or 	elements to form a whole</a:t>
+            </a:r>
+            <a:br>
+              <a:rPr lang="en-US" dirty="0" smtClean="0"/>
+            </a:br>
+            <a:r>
+              <a:rPr lang="en-US" dirty="0" smtClean="0"/>
+              <a:t>2. the resulting state or product</a:t>
+            </a:r>
+            <a:br>
+              <a:rPr lang="en-US" dirty="0" smtClean="0"/>
+            </a:br>
+            <a:r>
+              <a:rPr lang="en-US" dirty="0" smtClean="0"/>
+              <a:t>3. manner of being composed;</a:t>
+            </a:r>
+            <a:br>
+              <a:rPr lang="en-US" dirty="0" smtClean="0"/>
+            </a:br>
+            <a:r>
+              <a:rPr lang="en-US" dirty="0" smtClean="0"/>
+              <a:t>structure: </a:t>
+            </a:r>
+            <a:r>
+              <a:rPr lang="en-US" i="1" dirty="0" smtClean="0"/>
+              <a:t>This painting has an orderly	composition.</a:t>
             </a:r>
           </a:p>
         </p:txBody>
@@ -5493,29 +5092,6 @@
       </p:grpSpPr>
       <p:sp>
         <p:nvSpPr>
-          <p:cNvPr id="2" name="Title 1"/>
-          <p:cNvSpPr>
-            <a:spLocks noGrp="1"/>
-          </p:cNvSpPr>
-          <p:nvPr>
-            <p:ph type="title"/>
-          </p:nvPr>
-        </p:nvSpPr>
-        <p:spPr/>
-        <p:txBody>
-          <a:bodyPr/>
-          <a:lstStyle/>
-          <a:p>
-            <a:r>
-              <a:rPr lang="en-US" dirty="0" smtClean="0"/>
-              <a:t>Function Composition</a:t>
-            </a:r>
-            <a:endParaRPr lang="en-US" dirty="0"/>
-          </a:p>
-        </p:txBody>
-      </p:sp>
-      <p:sp>
-        <p:nvSpPr>
           <p:cNvPr id="3" name="Content Placeholder 2"/>
           <p:cNvSpPr>
             <a:spLocks noGrp="1"/>
@@ -5536,11 +5112,52 @@
               <a:buChar char="§"/>
             </a:pPr>
             <a:r>
-              <a:rPr lang="en-US" dirty="0" smtClean="0">
-                <a:latin typeface="+mj-lt"/>
-                <a:cs typeface="Rockwell"/>
-              </a:rPr>
-              <a:t>We can combine functions with compatible domains.</a:t>
+              <a:rPr lang="en-US" dirty="0" err="1" smtClean="0"/>
+              <a:t>com·po·si·tion</a:t>
+            </a:r>
+            <a:r>
+              <a:rPr lang="en-US" dirty="0" smtClean="0"/>
+              <a:t> </a:t>
+            </a:r>
+            <a:r>
+              <a:rPr lang="en-US" i="1" dirty="0" smtClean="0"/>
+              <a:t>-noun</a:t>
+            </a:r>
+            <a:r>
+              <a:rPr lang="en-US" dirty="0" smtClean="0"/>
+              <a:t/>
+            </a:r>
+            <a:br>
+              <a:rPr lang="en-US" dirty="0" smtClean="0"/>
+            </a:br>
+            <a:r>
+              <a:rPr lang="en-US" dirty="0" smtClean="0"/>
+              <a:t>1. the act of combining parts or 	elements to form a whole</a:t>
+            </a:r>
+            <a:br>
+              <a:rPr lang="en-US" dirty="0" smtClean="0"/>
+            </a:br>
+            <a:r>
+              <a:rPr lang="en-US" dirty="0" smtClean="0"/>
+              <a:t>2. the resulting state or product</a:t>
+            </a:r>
+            <a:br>
+              <a:rPr lang="en-US" dirty="0" smtClean="0"/>
+            </a:br>
+            <a:r>
+              <a:rPr lang="en-US" dirty="0" smtClean="0"/>
+              <a:t>3. manner of being composed;</a:t>
+            </a:r>
+            <a:br>
+              <a:rPr lang="en-US" dirty="0" smtClean="0"/>
+            </a:br>
+            <a:r>
+              <a:rPr lang="en-US" dirty="0" smtClean="0"/>
+              <a:t>structure: </a:t>
+            </a:r>
+            <a:r>
+              <a:rPr lang="en-US" i="1" dirty="0" smtClean="0"/>
+              <a:t>This painting has an orderly	composition.</a:t>
             </a:r>
           </a:p>
           <a:p>
@@ -5548,245 +5165,17 @@
               <a:buFont typeface="Wingdings" charset="2"/>
               <a:buChar char="§"/>
             </a:pPr>
-            <a:r>
-              <a:rPr lang="en-US" i="1" dirty="0" smtClean="0">
-                <a:solidFill>
-                  <a:srgbClr val="CCAF0A"/>
-                </a:solidFill>
-                <a:latin typeface="+mj-lt"/>
-                <a:cs typeface="Rockwell"/>
-              </a:rPr>
-              <a:t>(</a:t>
-            </a:r>
-            <a:r>
-              <a:rPr lang="en-US" i="1" dirty="0" err="1" smtClean="0">
-                <a:solidFill>
-                  <a:srgbClr val="CCAF0A"/>
-                </a:solidFill>
-                <a:latin typeface="+mj-lt"/>
-                <a:cs typeface="Rockwell"/>
-              </a:rPr>
-              <a:t>g</a:t>
-            </a:r>
-            <a:r>
-              <a:rPr lang="en-US" i="1" dirty="0" smtClean="0">
-                <a:solidFill>
-                  <a:srgbClr val="CCAF0A"/>
-                </a:solidFill>
-                <a:latin typeface="+mj-lt"/>
-                <a:cs typeface="Rockwell"/>
-              </a:rPr>
-              <a:t> . </a:t>
-            </a:r>
-            <a:r>
-              <a:rPr lang="en-US" i="1" dirty="0" err="1" smtClean="0">
-                <a:solidFill>
-                  <a:srgbClr val="CCAF0A"/>
-                </a:solidFill>
-                <a:latin typeface="+mj-lt"/>
-                <a:cs typeface="Rockwell"/>
-              </a:rPr>
-              <a:t>f</a:t>
-            </a:r>
-            <a:r>
-              <a:rPr lang="en-US" i="1" dirty="0" smtClean="0">
-                <a:solidFill>
-                  <a:srgbClr val="CCAF0A"/>
-                </a:solidFill>
-                <a:latin typeface="+mj-lt"/>
-                <a:cs typeface="Rockwell"/>
-              </a:rPr>
-              <a:t>) = </a:t>
-            </a:r>
-            <a:r>
-              <a:rPr lang="en-US" i="1" dirty="0" err="1" smtClean="0">
-                <a:solidFill>
-                  <a:srgbClr val="CCAF0A"/>
-                </a:solidFill>
-                <a:latin typeface="+mj-lt"/>
-                <a:cs typeface="Rockwell"/>
-              </a:rPr>
-              <a:t>g(f(x</a:t>
-            </a:r>
-            <a:r>
-              <a:rPr lang="en-US" i="1" dirty="0" smtClean="0">
-                <a:solidFill>
-                  <a:srgbClr val="CCAF0A"/>
-                </a:solidFill>
-                <a:latin typeface="+mj-lt"/>
-                <a:cs typeface="Rockwell"/>
-              </a:rPr>
-              <a:t>)) </a:t>
-            </a:r>
-            <a:r>
-              <a:rPr lang="en-US" dirty="0" smtClean="0">
-                <a:cs typeface="Rockwell"/>
-              </a:rPr>
-              <a:t>or </a:t>
-            </a:r>
-            <a:r>
-              <a:rPr lang="en-US" i="1" dirty="0" smtClean="0">
-                <a:solidFill>
-                  <a:srgbClr val="CCAF0A"/>
-                </a:solidFill>
-                <a:cs typeface="Rockwell"/>
-              </a:rPr>
-              <a:t>(</a:t>
-            </a:r>
-            <a:r>
-              <a:rPr lang="en-US" i="1" dirty="0" err="1" smtClean="0">
-                <a:solidFill>
-                  <a:srgbClr val="CCAF0A"/>
-                </a:solidFill>
-                <a:cs typeface="Rockwell"/>
-              </a:rPr>
-              <a:t>g</a:t>
-            </a:r>
-            <a:r>
-              <a:rPr lang="en-US" i="1" dirty="0" smtClean="0">
-                <a:solidFill>
-                  <a:srgbClr val="CCAF0A"/>
-                </a:solidFill>
-                <a:cs typeface="Rockwell"/>
-              </a:rPr>
-              <a:t> </a:t>
-            </a:r>
-            <a:r>
-              <a:rPr lang="en-US" i="1" dirty="0" err="1" smtClean="0">
-                <a:solidFill>
-                  <a:srgbClr val="CCAF0A"/>
-                </a:solidFill>
-                <a:cs typeface="Rockwell"/>
-              </a:rPr>
-              <a:t>o</a:t>
-            </a:r>
-            <a:r>
-              <a:rPr lang="en-US" i="1" dirty="0" smtClean="0">
-                <a:solidFill>
-                  <a:srgbClr val="CCAF0A"/>
-                </a:solidFill>
-                <a:cs typeface="Rockwell"/>
-              </a:rPr>
-              <a:t> </a:t>
-            </a:r>
-            <a:r>
-              <a:rPr lang="en-US" i="1" dirty="0" err="1" smtClean="0">
-                <a:solidFill>
-                  <a:srgbClr val="CCAF0A"/>
-                </a:solidFill>
-                <a:cs typeface="Rockwell"/>
-              </a:rPr>
-              <a:t>f</a:t>
-            </a:r>
-            <a:r>
-              <a:rPr lang="en-US" i="1" dirty="0" smtClean="0">
-                <a:solidFill>
-                  <a:srgbClr val="CCAF0A"/>
-                </a:solidFill>
-                <a:cs typeface="Rockwell"/>
-              </a:rPr>
-              <a:t>) = </a:t>
-            </a:r>
-            <a:r>
-              <a:rPr lang="en-US" i="1" dirty="0" err="1" smtClean="0">
-                <a:solidFill>
-                  <a:srgbClr val="CCAF0A"/>
-                </a:solidFill>
-                <a:cs typeface="Rockwell"/>
-              </a:rPr>
-              <a:t>g(f(x</a:t>
-            </a:r>
-            <a:r>
-              <a:rPr lang="en-US" i="1" dirty="0" smtClean="0">
-                <a:solidFill>
-                  <a:srgbClr val="CCAF0A"/>
-                </a:solidFill>
-                <a:cs typeface="Rockwell"/>
-              </a:rPr>
-              <a:t>))</a:t>
-            </a:r>
-            <a:endParaRPr lang="en-US" i="1" dirty="0" smtClean="0">
-              <a:solidFill>
-                <a:srgbClr val="CCAF0A"/>
-              </a:solidFill>
-              <a:latin typeface="+mj-lt"/>
-              <a:cs typeface="Rockwell"/>
-            </a:endParaRPr>
+            <a:endParaRPr lang="en-US" i="1" dirty="0" smtClean="0"/>
           </a:p>
           <a:p>
             <a:pPr>
-              <a:buFont typeface="Wingdings" charset="2"/>
-              <a:buChar char="§"/>
+              <a:buNone/>
             </a:pPr>
             <a:r>
-              <a:rPr lang="en-US" dirty="0" smtClean="0">
-                <a:latin typeface="+mj-lt"/>
-                <a:cs typeface="Rockwell"/>
-              </a:rPr>
-              <a:t>Combine the functions </a:t>
-            </a:r>
-            <a:r>
-              <a:rPr lang="en-US" dirty="0" err="1" smtClean="0">
-                <a:solidFill>
-                  <a:srgbClr val="FFFFFF"/>
-                </a:solidFill>
-                <a:latin typeface="+mj-lt"/>
-                <a:cs typeface="Rockwell"/>
-              </a:rPr>
-              <a:t>g</a:t>
-            </a:r>
-            <a:r>
-              <a:rPr lang="en-US" dirty="0" smtClean="0">
-                <a:solidFill>
-                  <a:srgbClr val="FFFFFF"/>
-                </a:solidFill>
-                <a:latin typeface="+mj-lt"/>
-                <a:cs typeface="Rockwell"/>
-              </a:rPr>
-              <a:t> and </a:t>
-            </a:r>
-            <a:r>
-              <a:rPr lang="en-US" dirty="0" err="1" smtClean="0">
-                <a:latin typeface="+mj-lt"/>
-                <a:cs typeface="Rockwell"/>
-              </a:rPr>
-              <a:t>f</a:t>
-            </a:r>
-            <a:r>
-              <a:rPr lang="en-US" dirty="0" smtClean="0">
-                <a:latin typeface="+mj-lt"/>
-                <a:cs typeface="Rockwell"/>
-              </a:rPr>
-              <a:t> into a new function that uses the result of </a:t>
-            </a:r>
-            <a:r>
-              <a:rPr lang="en-US" dirty="0" err="1" smtClean="0">
-                <a:latin typeface="+mj-lt"/>
-                <a:cs typeface="Rockwell"/>
-              </a:rPr>
-              <a:t>f(x</a:t>
-            </a:r>
-            <a:r>
-              <a:rPr lang="en-US" dirty="0" smtClean="0">
-                <a:latin typeface="+mj-lt"/>
-                <a:cs typeface="Rockwell"/>
-              </a:rPr>
-              <a:t>) as the input to </a:t>
-            </a:r>
-            <a:r>
-              <a:rPr lang="en-US" dirty="0" err="1" smtClean="0">
-                <a:latin typeface="+mj-lt"/>
-                <a:cs typeface="Rockwell"/>
-              </a:rPr>
-              <a:t>g</a:t>
-            </a:r>
-            <a:r>
-              <a:rPr lang="en-US" dirty="0" smtClean="0">
-                <a:latin typeface="+mj-lt"/>
-                <a:cs typeface="Rockwell"/>
-              </a:rPr>
-              <a:t>.</a:t>
-            </a:r>
+              <a:rPr lang="en-US" dirty="0" smtClean="0"/>
+              <a:t>Let’s glance back at the math…</a:t>
+            </a:r>
+            <a:endParaRPr lang="en-US" i="1" dirty="0" smtClean="0"/>
           </a:p>
         </p:txBody>
       </p:sp>
@@ -5839,7 +5228,7 @@
           <a:p>
             <a:r>
               <a:rPr lang="en-US" dirty="0" smtClean="0"/>
-              <a:t>In JavaScript:</a:t>
+              <a:t>Function Composition</a:t>
             </a:r>
             <a:endParaRPr lang="en-US" dirty="0"/>
           </a:p>
@@ -5847,135 +5236,246 @@
       </p:sp>
       <p:sp>
         <p:nvSpPr>
-          <p:cNvPr id="5" name="TextBox 4"/>
-          <p:cNvSpPr txBox="1"/>
-          <p:nvPr/>
-        </p:nvSpPr>
-        <p:spPr>
-          <a:xfrm>
-            <a:off x="457200" y="1619905"/>
-            <a:ext cx="8178800" cy="2785378"/>
-          </a:xfrm>
-          <a:prstGeom prst="rect">
-            <a:avLst/>
-          </a:prstGeom>
-          <a:noFill/>
-        </p:spPr>
-        <p:txBody>
-          <a:bodyPr wrap="square" rtlCol="0">
-            <a:spAutoFit/>
+          <p:cNvPr id="3" name="Content Placeholder 2"/>
+          <p:cNvSpPr>
+            <a:spLocks noGrp="1"/>
+          </p:cNvSpPr>
+          <p:nvPr>
+            <p:ph idx="1"/>
+          </p:nvPr>
+        </p:nvSpPr>
+        <p:spPr/>
+        <p:txBody>
+          <a:bodyPr>
+            <a:normAutofit/>
           </a:bodyPr>
           <a:lstStyle/>
           <a:p>
-            <a:r>
-              <a:rPr lang="en-US" sz="2500" dirty="0" smtClean="0"/>
-              <a:t>function </a:t>
-            </a:r>
-            <a:r>
-              <a:rPr lang="en-US" sz="2500" dirty="0" err="1" smtClean="0"/>
-              <a:t>compose(f</a:t>
-            </a:r>
-            <a:r>
-              <a:rPr lang="en-US" sz="2500" dirty="0" smtClean="0"/>
-              <a:t>, </a:t>
-            </a:r>
-            <a:r>
-              <a:rPr lang="en-US" sz="2500" dirty="0" err="1" smtClean="0"/>
-              <a:t>g</a:t>
-            </a:r>
-            <a:r>
-              <a:rPr lang="en-US" sz="2500" dirty="0" smtClean="0"/>
-              <a:t>) {</a:t>
-            </a:r>
-          </a:p>
-          <a:p>
-            <a:r>
-              <a:rPr lang="en-US" sz="2500" dirty="0" smtClean="0">
-                <a:solidFill>
-                  <a:srgbClr val="A8C6D0"/>
-                </a:solidFill>
-              </a:rPr>
-              <a:t>  // a closure, closing over the free</a:t>
-            </a:r>
-          </a:p>
-          <a:p>
-            <a:r>
-              <a:rPr lang="en-US" sz="2500" dirty="0" smtClean="0">
-                <a:solidFill>
-                  <a:srgbClr val="A8C6D0"/>
-                </a:solidFill>
-              </a:rPr>
-              <a:t>  // variables </a:t>
-            </a:r>
-            <a:r>
-              <a:rPr lang="en-US" sz="2500" dirty="0" err="1" smtClean="0">
-                <a:solidFill>
-                  <a:srgbClr val="A8C6D0"/>
-                </a:solidFill>
+            <a:pPr>
+              <a:buFont typeface="Wingdings" charset="2"/>
+              <a:buChar char="§"/>
+            </a:pPr>
+            <a:r>
+              <a:rPr lang="en-US" i="1" dirty="0" err="1" smtClean="0">
+                <a:solidFill>
+                  <a:srgbClr val="CCAF0A"/>
+                </a:solidFill>
+                <a:latin typeface="Franklin Gothic Book"/>
+                <a:cs typeface="Franklin Gothic Book"/>
+              </a:rPr>
+              <a:t>y</a:t>
+            </a:r>
+            <a:r>
+              <a:rPr lang="en-US" i="1" dirty="0" smtClean="0">
+                <a:solidFill>
+                  <a:srgbClr val="CCAF0A"/>
+                </a:solidFill>
+                <a:latin typeface="Franklin Gothic Book"/>
+                <a:cs typeface="Franklin Gothic Book"/>
+              </a:rPr>
+              <a:t> = </a:t>
+            </a:r>
+            <a:r>
+              <a:rPr lang="en-US" i="1" dirty="0" err="1" smtClean="0">
+                <a:solidFill>
+                  <a:srgbClr val="CCAF0A"/>
+                </a:solidFill>
+                <a:latin typeface="Franklin Gothic Book"/>
+                <a:cs typeface="Franklin Gothic Book"/>
+              </a:rPr>
+              <a:t>f(x</a:t>
+            </a:r>
+            <a:r>
+              <a:rPr lang="en-US" i="1" dirty="0" smtClean="0">
+                <a:solidFill>
+                  <a:srgbClr val="CCAF0A"/>
+                </a:solidFill>
+                <a:latin typeface="Franklin Gothic Book"/>
+                <a:cs typeface="Franklin Gothic Book"/>
+              </a:rPr>
+              <a:t>) </a:t>
+            </a:r>
+            <a:r>
+              <a:rPr lang="en-US" dirty="0" smtClean="0">
+                <a:latin typeface="Franklin Gothic Book"/>
+                <a:cs typeface="Franklin Gothic Book"/>
+              </a:rPr>
+              <a:t>or </a:t>
+            </a:r>
+            <a:r>
+              <a:rPr lang="en-US" i="1" dirty="0" err="1" smtClean="0">
+                <a:solidFill>
+                  <a:srgbClr val="CCAF0A"/>
+                </a:solidFill>
+                <a:latin typeface="Franklin Gothic Book"/>
+                <a:cs typeface="Franklin Gothic Book"/>
               </a:rPr>
               <a:t>f</a:t>
             </a:r>
             <a:r>
-              <a:rPr lang="en-US" sz="2500" dirty="0" smtClean="0">
-                <a:solidFill>
-                  <a:srgbClr val="A8C6D0"/>
-                </a:solidFill>
-              </a:rPr>
-              <a:t> and </a:t>
-            </a:r>
-            <a:r>
-              <a:rPr lang="en-US" sz="2500" dirty="0" err="1" smtClean="0">
-                <a:solidFill>
-                  <a:srgbClr val="A8C6D0"/>
-                </a:solidFill>
-              </a:rPr>
-              <a:t>g</a:t>
-            </a:r>
-            <a:endParaRPr lang="en-US" sz="2500" dirty="0" smtClean="0">
+              <a:rPr lang="en-US" i="1" dirty="0" smtClean="0">
+                <a:solidFill>
+                  <a:srgbClr val="CCAF0A"/>
+                </a:solidFill>
+                <a:latin typeface="Franklin Gothic Book"/>
+                <a:cs typeface="Franklin Gothic Book"/>
+              </a:rPr>
+              <a:t>: </a:t>
+            </a:r>
+            <a:r>
+              <a:rPr lang="en-US" i="1" dirty="0" err="1" smtClean="0">
+                <a:solidFill>
+                  <a:srgbClr val="CCAF0A"/>
+                </a:solidFill>
+                <a:latin typeface="Franklin Gothic Book"/>
+                <a:cs typeface="Franklin Gothic Book"/>
+              </a:rPr>
+              <a:t>x</a:t>
+            </a:r>
+            <a:r>
+              <a:rPr lang="en-US" i="1" dirty="0" smtClean="0">
+                <a:solidFill>
+                  <a:srgbClr val="CCAF0A"/>
+                </a:solidFill>
+                <a:latin typeface="Franklin Gothic Book"/>
+                <a:cs typeface="Franklin Gothic Book"/>
+              </a:rPr>
+              <a:t> → </a:t>
+            </a:r>
+            <a:r>
+              <a:rPr lang="en-US" i="1" dirty="0" err="1" smtClean="0">
+                <a:solidFill>
+                  <a:srgbClr val="CCAF0A"/>
+                </a:solidFill>
+                <a:latin typeface="Franklin Gothic Book"/>
+                <a:cs typeface="Franklin Gothic Book"/>
+              </a:rPr>
+              <a:t>y</a:t>
+            </a:r>
+            <a:endParaRPr lang="en-US" i="1" dirty="0" smtClean="0">
               <a:solidFill>
-                <a:srgbClr val="A8C6D0"/>
+                <a:srgbClr val="CCAF0A"/>
               </a:solidFill>
+              <a:latin typeface="Franklin Gothic Book"/>
+              <a:cs typeface="Franklin Gothic Book"/>
             </a:endParaRPr>
           </a:p>
           <a:p>
-            <a:r>
-              <a:rPr lang="en-US" sz="2500" dirty="0" smtClean="0"/>
-              <a:t>  return </a:t>
-            </a:r>
-            <a:r>
-              <a:rPr lang="en-US" sz="2500" dirty="0" err="1" smtClean="0"/>
-              <a:t>function(x</a:t>
-            </a:r>
-            <a:r>
-              <a:rPr lang="en-US" sz="2500" dirty="0" smtClean="0"/>
-              <a:t>) {</a:t>
-            </a:r>
-          </a:p>
-          <a:p>
-            <a:r>
-              <a:rPr lang="en-US" sz="2500" dirty="0" smtClean="0"/>
-              <a:t>    return </a:t>
-            </a:r>
-            <a:r>
-              <a:rPr lang="en-US" sz="2500" dirty="0" err="1" smtClean="0"/>
-              <a:t>g(f(x</a:t>
-            </a:r>
-            <a:r>
-              <a:rPr lang="en-US" sz="2500" dirty="0" smtClean="0"/>
-              <a:t>));</a:t>
-            </a:r>
-          </a:p>
-          <a:p>
-            <a:r>
-              <a:rPr lang="en-US" sz="2500" dirty="0" smtClean="0"/>
-              <a:t>  }</a:t>
-            </a:r>
-          </a:p>
-          <a:p>
-            <a:r>
-              <a:rPr lang="en-US" sz="2500" dirty="0" smtClean="0"/>
-              <a:t>}</a:t>
-            </a:r>
+            <a:pPr>
+              <a:buFont typeface="Wingdings" charset="2"/>
+              <a:buChar char="§"/>
+            </a:pPr>
+            <a:r>
+              <a:rPr lang="en-US" dirty="0" smtClean="0">
+                <a:latin typeface="Franklin Gothic Book"/>
+                <a:cs typeface="Franklin Gothic Book"/>
+              </a:rPr>
+              <a:t>“</a:t>
+            </a:r>
+            <a:r>
+              <a:rPr lang="en-US" dirty="0" err="1" smtClean="0">
+                <a:latin typeface="Franklin Gothic Book"/>
+                <a:cs typeface="Franklin Gothic Book"/>
+              </a:rPr>
+              <a:t>y</a:t>
+            </a:r>
+            <a:r>
+              <a:rPr lang="en-US" dirty="0" smtClean="0">
+                <a:latin typeface="Franklin Gothic Book"/>
+                <a:cs typeface="Franklin Gothic Book"/>
+              </a:rPr>
+              <a:t> is a function of </a:t>
+            </a:r>
+            <a:r>
+              <a:rPr lang="en-US" dirty="0" err="1" smtClean="0">
+                <a:latin typeface="Franklin Gothic Book"/>
+                <a:cs typeface="Franklin Gothic Book"/>
+              </a:rPr>
+              <a:t>x</a:t>
+            </a:r>
+            <a:r>
+              <a:rPr lang="en-US" dirty="0" smtClean="0">
+                <a:latin typeface="Franklin Gothic Book"/>
+                <a:cs typeface="Franklin Gothic Book"/>
+              </a:rPr>
+              <a:t>”</a:t>
+            </a:r>
+          </a:p>
+          <a:p>
+            <a:pPr lvl="1">
+              <a:buFont typeface="Wingdings" charset="2"/>
+              <a:buChar char="§"/>
+            </a:pPr>
+            <a:r>
+              <a:rPr lang="en-US" sz="3000" dirty="0" smtClean="0">
+                <a:latin typeface="Franklin Gothic Book"/>
+                <a:cs typeface="Franklin Gothic Book"/>
+              </a:rPr>
+              <a:t>The value of </a:t>
+            </a:r>
+            <a:r>
+              <a:rPr lang="en-US" sz="3000" dirty="0" err="1" smtClean="0">
+                <a:latin typeface="Franklin Gothic Book"/>
+                <a:cs typeface="Franklin Gothic Book"/>
+              </a:rPr>
+              <a:t>y</a:t>
+            </a:r>
+            <a:r>
+              <a:rPr lang="en-US" sz="3000" dirty="0" smtClean="0">
+                <a:latin typeface="Franklin Gothic Book"/>
+                <a:cs typeface="Franklin Gothic Book"/>
+              </a:rPr>
+              <a:t> depends on </a:t>
+            </a:r>
+            <a:r>
+              <a:rPr lang="en-US" sz="3000" dirty="0" err="1" smtClean="0">
+                <a:latin typeface="Franklin Gothic Book"/>
+                <a:cs typeface="Franklin Gothic Book"/>
+              </a:rPr>
+              <a:t>x</a:t>
+            </a:r>
+            <a:r>
+              <a:rPr lang="en-US" sz="3000" dirty="0" smtClean="0">
+                <a:latin typeface="Franklin Gothic Book"/>
+                <a:cs typeface="Franklin Gothic Book"/>
+              </a:rPr>
+              <a:t>; a simple mapping from one value, </a:t>
+            </a:r>
+            <a:r>
+              <a:rPr lang="en-US" sz="3000" dirty="0" err="1" smtClean="0">
+                <a:latin typeface="Franklin Gothic Book"/>
+                <a:cs typeface="Franklin Gothic Book"/>
+              </a:rPr>
+              <a:t>x</a:t>
+            </a:r>
+            <a:r>
+              <a:rPr lang="en-US" sz="3000" dirty="0" smtClean="0">
+                <a:latin typeface="Franklin Gothic Book"/>
+                <a:cs typeface="Franklin Gothic Book"/>
+              </a:rPr>
+              <a:t>, to another, </a:t>
+            </a:r>
+            <a:r>
+              <a:rPr lang="en-US" sz="3000" dirty="0" err="1" smtClean="0">
+                <a:latin typeface="Franklin Gothic Book"/>
+                <a:cs typeface="Franklin Gothic Book"/>
+              </a:rPr>
+              <a:t>y</a:t>
+            </a:r>
+            <a:r>
+              <a:rPr lang="en-US" sz="3000" dirty="0" smtClean="0">
+                <a:latin typeface="Franklin Gothic Book"/>
+                <a:cs typeface="Franklin Gothic Book"/>
+              </a:rPr>
+              <a:t>.</a:t>
+            </a:r>
+            <a:endParaRPr lang="en-US" sz="3000" i="1" dirty="0" smtClean="0">
+              <a:solidFill>
+                <a:srgbClr val="CCAF0A"/>
+              </a:solidFill>
+              <a:latin typeface="Franklin Gothic Book"/>
+              <a:cs typeface="Franklin Gothic Book"/>
+            </a:endParaRPr>
           </a:p>
         </p:txBody>
       </p:sp>
@@ -6044,64 +5544,6 @@
           </a:p>
         </p:txBody>
       </p:sp>
-      <p:sp>
-        <p:nvSpPr>
-          <p:cNvPr id="3" name="Content Placeholder 2"/>
-          <p:cNvSpPr>
-            <a:spLocks noGrp="1"/>
-          </p:cNvSpPr>
-          <p:nvPr>
-            <p:ph idx="1"/>
-          </p:nvPr>
-        </p:nvSpPr>
-        <p:spPr/>
-        <p:txBody>
-          <a:bodyPr>
-            <a:noAutofit/>
-          </a:bodyPr>
-          <a:lstStyle/>
-          <a:p>
-            <a:pPr>
-              <a:buFont typeface="Wingdings" charset="2"/>
-              <a:buChar char="§"/>
-            </a:pPr>
-            <a:r>
-              <a:rPr lang="en-US" dirty="0" smtClean="0"/>
-              <a:t>Developed at Princeton in the 1930s by Alonzo Church (and others). </a:t>
-            </a:r>
-          </a:p>
-          <a:p>
-            <a:pPr marL="420624" lvl="1" indent="-384048">
-              <a:buSzPct val="80000"/>
-              <a:buFont typeface="Wingdings" charset="2"/>
-              <a:buChar char="§"/>
-            </a:pPr>
-            <a:r>
-              <a:rPr lang="en-US" sz="3000" dirty="0" smtClean="0"/>
-              <a:t>Formal system for function definition, application, and recursion.</a:t>
-            </a:r>
-          </a:p>
-          <a:p>
-            <a:pPr marL="420624" lvl="1" indent="-384048">
-              <a:buSzPct val="80000"/>
-              <a:buFont typeface="Wingdings" charset="2"/>
-              <a:buChar char="§"/>
-            </a:pPr>
-            <a:r>
-              <a:rPr lang="en-US" sz="3000" dirty="0" smtClean="0"/>
-              <a:t>Not focused on the physical world, but abstract problems about </a:t>
-            </a:r>
-            <a:r>
-              <a:rPr lang="en-US" sz="3000" i="1" dirty="0" smtClean="0"/>
-              <a:t>computation</a:t>
-            </a:r>
-            <a:r>
-              <a:rPr lang="en-US" sz="3000" dirty="0" smtClean="0"/>
-              <a:t>.</a:t>
-            </a:r>
-          </a:p>
-        </p:txBody>
-      </p:sp>
     </p:spTree>
   </p:cSld>
   <p:clrMapOvr>
@@ -6151,15 +5593,7 @@
           <a:p>
             <a:r>
               <a:rPr lang="en-US" dirty="0" smtClean="0"/>
-              <a:t>In </a:t>
-            </a:r>
-            <a:r>
-              <a:rPr lang="en-US" dirty="0" err="1" smtClean="0"/>
-              <a:t>Scala</a:t>
-            </a:r>
-            <a:r>
-              <a:rPr lang="en-US" dirty="0" smtClean="0"/>
-              <a:t>:</a:t>
+              <a:t>Function Composition</a:t>
             </a:r>
             <a:endParaRPr lang="en-US" dirty="0"/>
           </a:p>
@@ -6167,83 +5601,377 @@
       </p:sp>
       <p:sp>
         <p:nvSpPr>
-          <p:cNvPr id="6" name="TextBox 5"/>
-          <p:cNvSpPr txBox="1"/>
-          <p:nvPr/>
-        </p:nvSpPr>
-        <p:spPr>
-          <a:xfrm>
-            <a:off x="457200" y="1572381"/>
-            <a:ext cx="6448431" cy="861774"/>
-          </a:xfrm>
-          <a:prstGeom prst="rect">
-            <a:avLst/>
-          </a:prstGeom>
-          <a:noFill/>
-        </p:spPr>
-        <p:txBody>
-          <a:bodyPr wrap="none" rtlCol="0">
-            <a:spAutoFit/>
+          <p:cNvPr id="3" name="Content Placeholder 2"/>
+          <p:cNvSpPr>
+            <a:spLocks noGrp="1"/>
+          </p:cNvSpPr>
+          <p:nvPr>
+            <p:ph idx="1"/>
+          </p:nvPr>
+        </p:nvSpPr>
+        <p:spPr/>
+        <p:txBody>
+          <a:bodyPr>
+            <a:normAutofit/>
           </a:bodyPr>
           <a:lstStyle/>
           <a:p>
-            <a:r>
-              <a:rPr lang="en-US" sz="2500" dirty="0" smtClean="0"/>
-              <a:t>def </a:t>
-            </a:r>
-            <a:r>
-              <a:rPr lang="en-US" sz="2500" dirty="0" err="1" smtClean="0"/>
-              <a:t>compose[A</a:t>
-            </a:r>
-            <a:r>
-              <a:rPr lang="en-US" sz="2500" dirty="0" smtClean="0"/>
-              <a:t>, B, </a:t>
-            </a:r>
-            <a:r>
-              <a:rPr lang="en-US" sz="2500" dirty="0" err="1" smtClean="0"/>
-              <a:t>C](g</a:t>
-            </a:r>
-            <a:r>
-              <a:rPr lang="en-US" sz="2500" dirty="0" smtClean="0"/>
-              <a:t>: B =&gt; C, </a:t>
-            </a:r>
-            <a:r>
-              <a:rPr lang="en-US" sz="2500" dirty="0" err="1" smtClean="0"/>
+            <a:pPr>
+              <a:buFont typeface="Wingdings" charset="2"/>
+              <a:buChar char="§"/>
+            </a:pPr>
+            <a:r>
+              <a:rPr lang="en-US" i="1" dirty="0" smtClean="0">
+                <a:solidFill>
+                  <a:srgbClr val="CCAF0A"/>
+                </a:solidFill>
+                <a:latin typeface="Franklin Gothic Book"/>
+                <a:cs typeface="Franklin Gothic Book"/>
+              </a:rPr>
+              <a:t>y = </a:t>
+            </a:r>
+            <a:r>
+              <a:rPr lang="en-US" i="1" dirty="0" err="1" smtClean="0">
+                <a:solidFill>
+                  <a:srgbClr val="CCAF0A"/>
+                </a:solidFill>
+                <a:latin typeface="Franklin Gothic Book"/>
+                <a:cs typeface="Franklin Gothic Book"/>
+              </a:rPr>
+              <a:t>f(x</a:t>
+            </a:r>
+            <a:r>
+              <a:rPr lang="en-US" i="1" dirty="0" smtClean="0">
+                <a:solidFill>
+                  <a:srgbClr val="CCAF0A"/>
+                </a:solidFill>
+                <a:latin typeface="Franklin Gothic Book"/>
+                <a:cs typeface="Franklin Gothic Book"/>
+              </a:rPr>
+              <a:t>) </a:t>
+            </a:r>
+            <a:r>
+              <a:rPr lang="en-US" dirty="0" smtClean="0">
+                <a:latin typeface="Franklin Gothic Book"/>
+                <a:cs typeface="Franklin Gothic Book"/>
+              </a:rPr>
+              <a:t>or </a:t>
+            </a:r>
+            <a:r>
+              <a:rPr lang="en-US" i="1" dirty="0" err="1" smtClean="0">
+                <a:solidFill>
+                  <a:srgbClr val="CCAF0A"/>
+                </a:solidFill>
+                <a:latin typeface="Franklin Gothic Book"/>
+                <a:cs typeface="Franklin Gothic Book"/>
+              </a:rPr>
               <a:t>f</a:t>
             </a:r>
             <a:r>
-              <a:rPr lang="en-US" sz="2500" dirty="0" smtClean="0"/>
-              <a:t>: A =&gt; B) =</a:t>
-            </a:r>
-          </a:p>
-          <a:p>
-            <a:r>
-              <a:rPr lang="en-US" sz="2500" dirty="0" smtClean="0"/>
-              <a:t>  (</a:t>
-            </a:r>
-            <a:r>
-              <a:rPr lang="en-US" sz="2500" dirty="0" err="1" smtClean="0"/>
+              <a:rPr lang="en-US" i="1" dirty="0" smtClean="0">
+                <a:solidFill>
+                  <a:srgbClr val="CCAF0A"/>
+                </a:solidFill>
+                <a:latin typeface="Franklin Gothic Book"/>
+                <a:cs typeface="Franklin Gothic Book"/>
+              </a:rPr>
+              <a:t>: </a:t>
+            </a:r>
+            <a:r>
+              <a:rPr lang="en-US" i="1" dirty="0" err="1" smtClean="0">
+                <a:solidFill>
+                  <a:srgbClr val="CCAF0A"/>
+                </a:solidFill>
+                <a:latin typeface="Franklin Gothic Book"/>
+                <a:cs typeface="Franklin Gothic Book"/>
+              </a:rPr>
               <a:t>x</a:t>
             </a:r>
             <a:r>
-              <a:rPr lang="en-US" sz="2500" dirty="0" smtClean="0"/>
-              <a:t>: A) =&gt; </a:t>
-            </a:r>
-            <a:r>
-              <a:rPr lang="en-US" sz="2500" dirty="0" err="1" smtClean="0"/>
-              <a:t>g(f(x</a:t>
-            </a:r>
-            <a:r>
-              <a:rPr lang="en-US" sz="2500" dirty="0" smtClean="0"/>
-              <a:t>)) </a:t>
-            </a:r>
-            <a:r>
-              <a:rPr lang="en-US" sz="2500" dirty="0" smtClean="0">
-                <a:solidFill>
-                  <a:srgbClr val="A8C6D0"/>
-                </a:solidFill>
-              </a:rPr>
-              <a:t>// the closure</a:t>
+              <a:rPr lang="en-US" i="1" dirty="0" smtClean="0">
+                <a:solidFill>
+                  <a:srgbClr val="CCAF0A"/>
+                </a:solidFill>
+                <a:latin typeface="Franklin Gothic Book"/>
+                <a:cs typeface="Franklin Gothic Book"/>
+              </a:rPr>
+              <a:t> → </a:t>
+            </a:r>
+            <a:r>
+              <a:rPr lang="en-US" i="1" dirty="0" err="1" smtClean="0">
+                <a:solidFill>
+                  <a:srgbClr val="CCAF0A"/>
+                </a:solidFill>
+                <a:latin typeface="Franklin Gothic Book"/>
+                <a:cs typeface="Franklin Gothic Book"/>
+              </a:rPr>
+              <a:t>y</a:t>
+            </a:r>
+            <a:endParaRPr lang="en-US" i="1" dirty="0" smtClean="0">
+              <a:solidFill>
+                <a:srgbClr val="CCAF0A"/>
+              </a:solidFill>
+              <a:latin typeface="Franklin Gothic Book"/>
+              <a:cs typeface="Franklin Gothic Book"/>
+            </a:endParaRPr>
+          </a:p>
+          <a:p>
+            <a:pPr>
+              <a:buFont typeface="Wingdings" charset="2"/>
+              <a:buChar char="§"/>
+            </a:pPr>
+            <a:r>
+              <a:rPr lang="en-US" dirty="0" smtClean="0">
+                <a:latin typeface="Franklin Gothic Book"/>
+                <a:cs typeface="Franklin Gothic Book"/>
+              </a:rPr>
+              <a:t>“</a:t>
+            </a:r>
+            <a:r>
+              <a:rPr lang="en-US" dirty="0" err="1" smtClean="0">
+                <a:latin typeface="Franklin Gothic Book"/>
+                <a:cs typeface="Franklin Gothic Book"/>
+              </a:rPr>
+              <a:t>y</a:t>
+            </a:r>
+            <a:r>
+              <a:rPr lang="en-US" dirty="0" smtClean="0">
+                <a:latin typeface="Franklin Gothic Book"/>
+                <a:cs typeface="Franklin Gothic Book"/>
+              </a:rPr>
+              <a:t> is a function of </a:t>
+            </a:r>
+            <a:r>
+              <a:rPr lang="en-US" dirty="0" err="1" smtClean="0">
+                <a:latin typeface="Franklin Gothic Book"/>
+                <a:cs typeface="Franklin Gothic Book"/>
+              </a:rPr>
+              <a:t>x</a:t>
+            </a:r>
+            <a:r>
+              <a:rPr lang="en-US" dirty="0" smtClean="0">
+                <a:latin typeface="Franklin Gothic Book"/>
+                <a:cs typeface="Franklin Gothic Book"/>
+              </a:rPr>
+              <a:t>”</a:t>
+            </a:r>
+          </a:p>
+          <a:p>
+            <a:pPr lvl="1">
+              <a:buFont typeface="Wingdings" charset="2"/>
+              <a:buChar char="§"/>
+            </a:pPr>
+            <a:r>
+              <a:rPr lang="en-US" sz="3000" dirty="0" smtClean="0">
+                <a:latin typeface="Franklin Gothic Book"/>
+                <a:cs typeface="Franklin Gothic Book"/>
+              </a:rPr>
+              <a:t>The value of </a:t>
+            </a:r>
+            <a:r>
+              <a:rPr lang="en-US" sz="3000" dirty="0" err="1" smtClean="0">
+                <a:latin typeface="Franklin Gothic Book"/>
+                <a:cs typeface="Franklin Gothic Book"/>
+              </a:rPr>
+              <a:t>y</a:t>
+            </a:r>
+            <a:r>
+              <a:rPr lang="en-US" sz="3000" dirty="0" smtClean="0">
+                <a:latin typeface="Franklin Gothic Book"/>
+                <a:cs typeface="Franklin Gothic Book"/>
+              </a:rPr>
+              <a:t> depends on </a:t>
+            </a:r>
+            <a:r>
+              <a:rPr lang="en-US" sz="3000" dirty="0" err="1" smtClean="0">
+                <a:latin typeface="Franklin Gothic Book"/>
+                <a:cs typeface="Franklin Gothic Book"/>
+              </a:rPr>
+              <a:t>x</a:t>
+            </a:r>
+            <a:r>
+              <a:rPr lang="en-US" sz="3000" dirty="0" smtClean="0">
+                <a:latin typeface="Franklin Gothic Book"/>
+                <a:cs typeface="Franklin Gothic Book"/>
+              </a:rPr>
+              <a:t>; a simple mapping from one value, </a:t>
+            </a:r>
+            <a:r>
+              <a:rPr lang="en-US" sz="3000" dirty="0" err="1" smtClean="0">
+                <a:latin typeface="Franklin Gothic Book"/>
+                <a:cs typeface="Franklin Gothic Book"/>
+              </a:rPr>
+              <a:t>x</a:t>
+            </a:r>
+            <a:r>
+              <a:rPr lang="en-US" sz="3000" dirty="0" smtClean="0">
+                <a:latin typeface="Franklin Gothic Book"/>
+                <a:cs typeface="Franklin Gothic Book"/>
+              </a:rPr>
+              <a:t>, to another, </a:t>
+            </a:r>
+            <a:r>
+              <a:rPr lang="en-US" sz="3000" dirty="0" err="1" smtClean="0">
+                <a:latin typeface="Franklin Gothic Book"/>
+                <a:cs typeface="Franklin Gothic Book"/>
+              </a:rPr>
+              <a:t>y</a:t>
+            </a:r>
+            <a:r>
+              <a:rPr lang="en-US" sz="3000" dirty="0" smtClean="0">
+                <a:latin typeface="Franklin Gothic Book"/>
+                <a:cs typeface="Franklin Gothic Book"/>
+              </a:rPr>
+              <a:t>.</a:t>
+            </a:r>
+            <a:endParaRPr lang="en-US" sz="3000" i="1" dirty="0" smtClean="0">
+              <a:solidFill>
+                <a:srgbClr val="CCAF0A"/>
+              </a:solidFill>
+              <a:latin typeface="Franklin Gothic Book"/>
+              <a:cs typeface="Franklin Gothic Book"/>
+            </a:endParaRPr>
+          </a:p>
+          <a:p>
+            <a:pPr>
+              <a:buFont typeface="Wingdings" charset="2"/>
+              <a:buChar char="§"/>
+            </a:pPr>
+            <a:r>
+              <a:rPr lang="en-US" i="1" dirty="0" err="1" smtClean="0">
+                <a:solidFill>
+                  <a:srgbClr val="CCAF0A"/>
+                </a:solidFill>
+                <a:latin typeface="Franklin Gothic Book"/>
+                <a:cs typeface="Franklin Gothic Book"/>
+              </a:rPr>
+              <a:t>f</a:t>
+            </a:r>
+            <a:r>
+              <a:rPr lang="en-US" i="1" dirty="0" smtClean="0">
+                <a:solidFill>
+                  <a:srgbClr val="CCAF0A"/>
+                </a:solidFill>
+                <a:latin typeface="Franklin Gothic Book"/>
+                <a:cs typeface="Franklin Gothic Book"/>
+              </a:rPr>
+              <a:t>: </a:t>
+            </a:r>
+            <a:r>
+              <a:rPr lang="en-US" i="1" dirty="0" err="1" smtClean="0">
+                <a:solidFill>
+                  <a:srgbClr val="CCAF0A"/>
+                </a:solidFill>
+                <a:latin typeface="Franklin Gothic Book"/>
+                <a:cs typeface="Franklin Gothic Book"/>
+              </a:rPr>
+              <a:t>x</a:t>
+            </a:r>
+            <a:r>
+              <a:rPr lang="en-US" i="1" dirty="0" smtClean="0">
+                <a:solidFill>
+                  <a:srgbClr val="CCAF0A"/>
+                </a:solidFill>
+                <a:latin typeface="Franklin Gothic Book"/>
+                <a:cs typeface="Franklin Gothic Book"/>
+              </a:rPr>
+              <a:t> → </a:t>
+            </a:r>
+            <a:r>
+              <a:rPr lang="en-US" i="1" dirty="0" err="1" smtClean="0">
+                <a:solidFill>
+                  <a:srgbClr val="CCAF0A"/>
+                </a:solidFill>
+                <a:latin typeface="Franklin Gothic Book"/>
+                <a:cs typeface="Franklin Gothic Book"/>
+              </a:rPr>
+              <a:t>y</a:t>
+            </a:r>
+            <a:r>
+              <a:rPr lang="en-US" i="1" dirty="0" smtClean="0">
+                <a:solidFill>
+                  <a:srgbClr val="CCAF0A"/>
+                </a:solidFill>
+                <a:latin typeface="Franklin Gothic Book"/>
+                <a:cs typeface="Franklin Gothic Book"/>
+              </a:rPr>
+              <a:t> </a:t>
+            </a:r>
+            <a:r>
+              <a:rPr lang="en-US" dirty="0" smtClean="0">
+                <a:latin typeface="Franklin Gothic Book"/>
+                <a:cs typeface="Franklin Gothic Book"/>
+              </a:rPr>
+              <a:t>and </a:t>
+            </a:r>
+            <a:r>
+              <a:rPr lang="en-US" i="1" dirty="0" err="1" smtClean="0">
+                <a:solidFill>
+                  <a:srgbClr val="CCAF0A"/>
+                </a:solidFill>
+                <a:latin typeface="Franklin Gothic Book"/>
+                <a:cs typeface="Franklin Gothic Book"/>
+              </a:rPr>
+              <a:t>g</a:t>
+            </a:r>
+            <a:r>
+              <a:rPr lang="en-US" i="1" dirty="0" smtClean="0">
+                <a:solidFill>
+                  <a:srgbClr val="CCAF0A"/>
+                </a:solidFill>
+                <a:latin typeface="Franklin Gothic Book"/>
+                <a:cs typeface="Franklin Gothic Book"/>
+              </a:rPr>
+              <a:t>: </a:t>
+            </a:r>
+            <a:r>
+              <a:rPr lang="en-US" i="1" dirty="0" err="1" smtClean="0">
+                <a:solidFill>
+                  <a:srgbClr val="CCAF0A"/>
+                </a:solidFill>
+                <a:latin typeface="Franklin Gothic Book"/>
+                <a:cs typeface="Franklin Gothic Book"/>
+              </a:rPr>
+              <a:t>y</a:t>
+            </a:r>
+            <a:r>
+              <a:rPr lang="en-US" i="1" dirty="0" smtClean="0">
+                <a:solidFill>
+                  <a:srgbClr val="CCAF0A"/>
+                </a:solidFill>
+                <a:latin typeface="Franklin Gothic Book"/>
+                <a:cs typeface="Franklin Gothic Book"/>
+              </a:rPr>
+              <a:t> → </a:t>
+            </a:r>
+            <a:r>
+              <a:rPr lang="en-US" i="1" dirty="0" err="1" smtClean="0">
+                <a:solidFill>
+                  <a:srgbClr val="CCAF0A"/>
+                </a:solidFill>
+                <a:latin typeface="Franklin Gothic Book"/>
+                <a:cs typeface="Franklin Gothic Book"/>
+              </a:rPr>
+              <a:t>z</a:t>
+            </a:r>
+            <a:endParaRPr lang="en-US" i="1" dirty="0" smtClean="0">
+              <a:solidFill>
+                <a:srgbClr val="CCAF0A"/>
+              </a:solidFill>
+              <a:latin typeface="Franklin Gothic Book"/>
+              <a:cs typeface="Franklin Gothic Book"/>
+            </a:endParaRPr>
+          </a:p>
+          <a:p>
+            <a:pPr>
+              <a:buFont typeface="Wingdings" charset="2"/>
+              <a:buChar char="§"/>
+            </a:pPr>
+            <a:r>
+              <a:rPr lang="en-US" dirty="0" smtClean="0">
+                <a:cs typeface="Rockwell"/>
+              </a:rPr>
+              <a:t>The domains of these functions are suitable for composition.</a:t>
             </a:r>
           </a:p>
         </p:txBody>
@@ -6297,7 +6025,7 @@
           <a:p>
             <a:r>
               <a:rPr lang="en-US" dirty="0" smtClean="0"/>
-              <a:t>Higher-Order Functions</a:t>
+              <a:t>Function Composition</a:t>
             </a:r>
             <a:endParaRPr lang="en-US" dirty="0"/>
           </a:p>
@@ -6315,7 +6043,9 @@
         </p:nvSpPr>
         <p:spPr/>
         <p:txBody>
-          <a:bodyPr/>
+          <a:bodyPr>
+            <a:normAutofit/>
+          </a:bodyPr>
           <a:lstStyle/>
           <a:p>
             <a:pPr>
@@ -6323,8 +6053,11 @@
               <a:buChar char="§"/>
             </a:pPr>
             <a:r>
-              <a:rPr lang="en-US" dirty="0" smtClean="0"/>
-              <a:t>A function that takes another function as an argument and/or returns a function as its result.</a:t>
+              <a:rPr lang="en-US" dirty="0" smtClean="0">
+                <a:latin typeface="+mj-lt"/>
+                <a:cs typeface="Rockwell"/>
+              </a:rPr>
+              <a:t>We can combine functions with compatible domains.</a:t>
             </a:r>
           </a:p>
           <a:p>
@@ -6333,9 +6066,160 @@
               <a:buChar char="§"/>
             </a:pPr>
             <a:r>
-              <a:rPr lang="en-US" dirty="0" smtClean="0"/>
-              <a:t>Ruby, via Rails, brought higher-order functions on lists mainstream.</a:t>
-            </a:r>
+              <a:rPr lang="en-US" i="1" dirty="0" smtClean="0">
+                <a:solidFill>
+                  <a:srgbClr val="CCAF0A"/>
+                </a:solidFill>
+                <a:latin typeface="+mj-lt"/>
+                <a:cs typeface="Rockwell"/>
+              </a:rPr>
+              <a:t>(</a:t>
+            </a:r>
+            <a:r>
+              <a:rPr lang="en-US" i="1" dirty="0" err="1" smtClean="0">
+                <a:solidFill>
+                  <a:srgbClr val="CCAF0A"/>
+                </a:solidFill>
+                <a:latin typeface="+mj-lt"/>
+                <a:cs typeface="Rockwell"/>
+              </a:rPr>
+              <a:t>g</a:t>
+            </a:r>
+            <a:r>
+              <a:rPr lang="en-US" i="1" dirty="0" smtClean="0">
+                <a:solidFill>
+                  <a:srgbClr val="CCAF0A"/>
+                </a:solidFill>
+                <a:latin typeface="+mj-lt"/>
+                <a:cs typeface="Rockwell"/>
+              </a:rPr>
+              <a:t> . </a:t>
+            </a:r>
+            <a:r>
+              <a:rPr lang="en-US" i="1" dirty="0" err="1" smtClean="0">
+                <a:solidFill>
+                  <a:srgbClr val="CCAF0A"/>
+                </a:solidFill>
+                <a:latin typeface="+mj-lt"/>
+                <a:cs typeface="Rockwell"/>
+              </a:rPr>
+              <a:t>f</a:t>
+            </a:r>
+            <a:r>
+              <a:rPr lang="en-US" i="1" dirty="0" smtClean="0">
+                <a:solidFill>
+                  <a:srgbClr val="CCAF0A"/>
+                </a:solidFill>
+                <a:latin typeface="+mj-lt"/>
+                <a:cs typeface="Rockwell"/>
+              </a:rPr>
+              <a:t>) = </a:t>
+            </a:r>
+            <a:r>
+              <a:rPr lang="en-US" i="1" dirty="0" err="1" smtClean="0">
+                <a:solidFill>
+                  <a:srgbClr val="CCAF0A"/>
+                </a:solidFill>
+                <a:latin typeface="+mj-lt"/>
+                <a:cs typeface="Rockwell"/>
+              </a:rPr>
+              <a:t>g(f(x</a:t>
+            </a:r>
+            <a:r>
+              <a:rPr lang="en-US" i="1" dirty="0" smtClean="0">
+                <a:solidFill>
+                  <a:srgbClr val="CCAF0A"/>
+                </a:solidFill>
+                <a:latin typeface="+mj-lt"/>
+                <a:cs typeface="Rockwell"/>
+              </a:rPr>
+              <a:t>)) </a:t>
+            </a:r>
+            <a:r>
+              <a:rPr lang="en-US" dirty="0" smtClean="0">
+                <a:cs typeface="Rockwell"/>
+              </a:rPr>
+              <a:t>or </a:t>
+            </a:r>
+            <a:r>
+              <a:rPr lang="en-US" i="1" dirty="0" smtClean="0">
+                <a:solidFill>
+                  <a:srgbClr val="CCAF0A"/>
+                </a:solidFill>
+                <a:cs typeface="Rockwell"/>
+              </a:rPr>
+              <a:t>(</a:t>
+            </a:r>
+            <a:r>
+              <a:rPr lang="en-US" i="1" dirty="0" err="1" smtClean="0">
+                <a:solidFill>
+                  <a:srgbClr val="CCAF0A"/>
+                </a:solidFill>
+                <a:cs typeface="Rockwell"/>
+              </a:rPr>
+              <a:t>g</a:t>
+            </a:r>
+            <a:r>
+              <a:rPr lang="en-US" i="1" dirty="0" smtClean="0">
+                <a:solidFill>
+                  <a:srgbClr val="CCAF0A"/>
+                </a:solidFill>
+                <a:cs typeface="Rockwell"/>
+              </a:rPr>
+              <a:t> </a:t>
+            </a:r>
+            <a:r>
+              <a:rPr lang="en-US" i="1" dirty="0" smtClean="0">
+                <a:solidFill>
+                  <a:srgbClr val="CCAF0A"/>
+                </a:solidFill>
+                <a:cs typeface="Rockwell"/>
+              </a:rPr>
+              <a:t>∘ </a:t>
+            </a:r>
+            <a:r>
+              <a:rPr lang="en-US" i="1" dirty="0" err="1" smtClean="0">
+                <a:solidFill>
+                  <a:srgbClr val="CCAF0A"/>
+                </a:solidFill>
+                <a:cs typeface="Rockwell"/>
+              </a:rPr>
+              <a:t>f</a:t>
+            </a:r>
+            <a:r>
+              <a:rPr lang="en-US" i="1" dirty="0" smtClean="0">
+                <a:solidFill>
+                  <a:srgbClr val="CCAF0A"/>
+                </a:solidFill>
+                <a:cs typeface="Rockwell"/>
+              </a:rPr>
+              <a:t>) = </a:t>
+            </a:r>
+            <a:r>
+              <a:rPr lang="en-US" i="1" dirty="0" err="1" smtClean="0">
+                <a:solidFill>
+                  <a:srgbClr val="CCAF0A"/>
+                </a:solidFill>
+                <a:cs typeface="Rockwell"/>
+              </a:rPr>
+              <a:t>g(f(x</a:t>
+            </a:r>
+            <a:r>
+              <a:rPr lang="en-US" i="1" dirty="0" smtClean="0">
+                <a:solidFill>
+                  <a:srgbClr val="CCAF0A"/>
+                </a:solidFill>
+                <a:cs typeface="Rockwell"/>
+              </a:rPr>
+              <a:t>))</a:t>
+            </a:r>
+            <a:endParaRPr lang="en-US" i="1" dirty="0" smtClean="0">
+              <a:solidFill>
+                <a:srgbClr val="CCAF0A"/>
+              </a:solidFill>
+              <a:latin typeface="+mj-lt"/>
+              <a:cs typeface="Rockwell"/>
+            </a:endParaRPr>
           </a:p>
           <a:p>
             <a:pPr>
@@ -6343,37 +6227,95 @@
               <a:buChar char="§"/>
             </a:pPr>
             <a:r>
-              <a:rPr lang="en-US" dirty="0" smtClean="0"/>
-              <a:t>Higher-order </a:t>
-            </a:r>
-            <a:r>
-              <a:rPr lang="en-US" dirty="0" err="1" smtClean="0"/>
-              <a:t>rockstars</a:t>
-            </a:r>
-            <a:r>
-              <a:rPr lang="en-US" dirty="0" smtClean="0"/>
-              <a:t>:</a:t>
-            </a:r>
-            <a:br>
-              <a:rPr lang="en-US" dirty="0" smtClean="0"/>
-            </a:br>
-            <a:r>
-              <a:rPr lang="en-US" dirty="0" smtClean="0"/>
-              <a:t>	</a:t>
-            </a:r>
-            <a:r>
-              <a:rPr lang="en-US" i="1" dirty="0" smtClean="0">
-                <a:solidFill>
-                  <a:srgbClr val="A8C6D0"/>
-                </a:solidFill>
-              </a:rPr>
-              <a:t>each, map, filter, fold  </a:t>
-            </a:r>
-            <a:r>
-              <a:rPr lang="en-US" dirty="0" smtClean="0"/>
-              <a:t>many more!</a:t>
-            </a:r>
-            <a:endParaRPr lang="en-US" dirty="0"/>
+              <a:rPr lang="en-US" dirty="0" smtClean="0">
+                <a:latin typeface="+mj-lt"/>
+                <a:cs typeface="Rockwell"/>
+              </a:rPr>
+              <a:t>Combine the functions </a:t>
+            </a:r>
+            <a:r>
+              <a:rPr lang="en-US" dirty="0" err="1" smtClean="0">
+                <a:solidFill>
+                  <a:srgbClr val="FFFFFF"/>
+                </a:solidFill>
+                <a:latin typeface="+mj-lt"/>
+                <a:cs typeface="Rockwell"/>
+              </a:rPr>
+              <a:t>g</a:t>
+            </a:r>
+            <a:r>
+              <a:rPr lang="en-US" dirty="0" smtClean="0">
+                <a:solidFill>
+                  <a:srgbClr val="FFFFFF"/>
+                </a:solidFill>
+                <a:latin typeface="+mj-lt"/>
+                <a:cs typeface="Rockwell"/>
+              </a:rPr>
+              <a:t> and </a:t>
+            </a:r>
+            <a:r>
+              <a:rPr lang="en-US" dirty="0" err="1" smtClean="0">
+                <a:latin typeface="+mj-lt"/>
+                <a:cs typeface="Rockwell"/>
+              </a:rPr>
+              <a:t>f</a:t>
+            </a:r>
+            <a:r>
+              <a:rPr lang="en-US" dirty="0" smtClean="0">
+                <a:latin typeface="+mj-lt"/>
+                <a:cs typeface="Rockwell"/>
+              </a:rPr>
+              <a:t> into a new function that</a:t>
+            </a:r>
+            <a:r>
+              <a:rPr lang="en-US" dirty="0" smtClean="0">
+                <a:latin typeface="+mj-lt"/>
+                <a:cs typeface="Rockwell"/>
+              </a:rPr>
+              <a:t> applies </a:t>
+            </a:r>
+            <a:r>
+              <a:rPr lang="en-US" dirty="0" err="1" smtClean="0">
+                <a:latin typeface="+mj-lt"/>
+                <a:cs typeface="Rockwell"/>
+              </a:rPr>
+              <a:t>g</a:t>
+            </a:r>
+            <a:r>
+              <a:rPr lang="en-US" dirty="0" smtClean="0">
+                <a:latin typeface="+mj-lt"/>
+                <a:cs typeface="Rockwell"/>
+              </a:rPr>
+              <a:t> to the result of applying </a:t>
+            </a:r>
+            <a:r>
+              <a:rPr lang="en-US" dirty="0" err="1" smtClean="0">
+                <a:latin typeface="+mj-lt"/>
+                <a:cs typeface="Rockwell"/>
+              </a:rPr>
+              <a:t>f</a:t>
+            </a:r>
+            <a:r>
+              <a:rPr lang="en-US" dirty="0" smtClean="0">
+                <a:latin typeface="+mj-lt"/>
+                <a:cs typeface="Rockwell"/>
+              </a:rPr>
+              <a:t> to </a:t>
+            </a:r>
+            <a:r>
+              <a:rPr lang="en-US" dirty="0" err="1" smtClean="0">
+                <a:latin typeface="+mj-lt"/>
+                <a:cs typeface="Rockwell"/>
+              </a:rPr>
+              <a:t>x</a:t>
+            </a:r>
+            <a:r>
+              <a:rPr lang="en-US" dirty="0" smtClean="0">
+                <a:latin typeface="+mj-lt"/>
+                <a:cs typeface="Rockwell"/>
+              </a:rPr>
+              <a:t>.</a:t>
+            </a:r>
           </a:p>
         </p:txBody>
       </p:sp>
@@ -6419,54 +6361,328 @@
             <p:ph type="title"/>
           </p:nvPr>
         </p:nvSpPr>
-        <p:spPr>
-          <a:xfrm>
-            <a:off x="457200" y="274636"/>
-            <a:ext cx="7467600" cy="5107745"/>
-          </a:xfrm>
-        </p:spPr>
+        <p:spPr/>
+        <p:txBody>
+          <a:bodyPr/>
+          <a:lstStyle/>
+          <a:p>
+            <a:r>
+              <a:rPr lang="en-US" dirty="0" smtClean="0"/>
+              <a:t>Function Composition</a:t>
+            </a:r>
+            <a:endParaRPr lang="en-US" dirty="0"/>
+          </a:p>
+        </p:txBody>
+      </p:sp>
+      <p:sp>
+        <p:nvSpPr>
+          <p:cNvPr id="3" name="Content Placeholder 2"/>
+          <p:cNvSpPr>
+            <a:spLocks noGrp="1"/>
+          </p:cNvSpPr>
+          <p:nvPr>
+            <p:ph idx="1"/>
+          </p:nvPr>
+        </p:nvSpPr>
+        <p:spPr/>
         <p:txBody>
           <a:bodyPr>
-            <a:normAutofit fontScale="90000"/>
+            <a:normAutofit/>
           </a:bodyPr>
           <a:lstStyle/>
           <a:p>
-            <a:r>
-              <a:rPr lang="en-US" dirty="0" smtClean="0"/>
-              <a:t>Because we know how to pass functions around, we know how to implement these …</a:t>
-            </a:r>
-            <a:br>
-              <a:rPr lang="en-US" dirty="0" smtClean="0"/>
-            </a:br>
-            <a:r>
-              <a:rPr lang="en-US" dirty="0" smtClean="0"/>
-              <a:t/>
-            </a:r>
-            <a:br>
-              <a:rPr lang="en-US" dirty="0" smtClean="0"/>
-            </a:br>
-            <a:r>
-              <a:rPr lang="en-US" dirty="0" smtClean="0"/>
-              <a:t/>
-            </a:r>
-            <a:br>
-              <a:rPr lang="en-US" dirty="0" smtClean="0"/>
-            </a:br>
-            <a:r>
-              <a:rPr lang="en-US" dirty="0" smtClean="0"/>
-              <a:t/>
-            </a:r>
-            <a:br>
-              <a:rPr lang="en-US" dirty="0" smtClean="0"/>
-            </a:br>
-            <a:r>
-              <a:rPr lang="en-US" dirty="0" smtClean="0"/>
-              <a:t/>
-            </a:r>
-            <a:br>
-              <a:rPr lang="en-US" dirty="0" smtClean="0"/>
-            </a:br>
-            <a:endParaRPr lang="en-US" dirty="0"/>
+            <a:pPr>
+              <a:buFont typeface="Wingdings" charset="2"/>
+              <a:buChar char="§"/>
+            </a:pPr>
+            <a:r>
+              <a:rPr lang="en-US" dirty="0" smtClean="0">
+                <a:latin typeface="+mj-lt"/>
+                <a:cs typeface="Rockwell"/>
+              </a:rPr>
+              <a:t>We can combine functions with compatible domains.</a:t>
+            </a:r>
+          </a:p>
+          <a:p>
+            <a:pPr>
+              <a:buFont typeface="Wingdings" charset="2"/>
+              <a:buChar char="§"/>
+            </a:pPr>
+            <a:r>
+              <a:rPr lang="en-US" i="1" dirty="0" smtClean="0">
+                <a:solidFill>
+                  <a:srgbClr val="CCAF0A"/>
+                </a:solidFill>
+                <a:latin typeface="+mj-lt"/>
+                <a:cs typeface="Rockwell"/>
+              </a:rPr>
+              <a:t>(</a:t>
+            </a:r>
+            <a:r>
+              <a:rPr lang="en-US" i="1" dirty="0" err="1" smtClean="0">
+                <a:solidFill>
+                  <a:srgbClr val="CCAF0A"/>
+                </a:solidFill>
+                <a:latin typeface="+mj-lt"/>
+                <a:cs typeface="Rockwell"/>
+              </a:rPr>
+              <a:t>g</a:t>
+            </a:r>
+            <a:r>
+              <a:rPr lang="en-US" i="1" dirty="0" smtClean="0">
+                <a:solidFill>
+                  <a:srgbClr val="CCAF0A"/>
+                </a:solidFill>
+                <a:latin typeface="+mj-lt"/>
+                <a:cs typeface="Rockwell"/>
+              </a:rPr>
+              <a:t> . </a:t>
+            </a:r>
+            <a:r>
+              <a:rPr lang="en-US" i="1" dirty="0" err="1" smtClean="0">
+                <a:solidFill>
+                  <a:srgbClr val="CCAF0A"/>
+                </a:solidFill>
+                <a:latin typeface="+mj-lt"/>
+                <a:cs typeface="Rockwell"/>
+              </a:rPr>
+              <a:t>f</a:t>
+            </a:r>
+            <a:r>
+              <a:rPr lang="en-US" i="1" dirty="0" smtClean="0">
+                <a:solidFill>
+                  <a:srgbClr val="CCAF0A"/>
+                </a:solidFill>
+                <a:latin typeface="+mj-lt"/>
+                <a:cs typeface="Rockwell"/>
+              </a:rPr>
+              <a:t>) = </a:t>
+            </a:r>
+            <a:r>
+              <a:rPr lang="en-US" i="1" dirty="0" err="1" smtClean="0">
+                <a:solidFill>
+                  <a:srgbClr val="CCAF0A"/>
+                </a:solidFill>
+                <a:latin typeface="+mj-lt"/>
+                <a:cs typeface="Rockwell"/>
+              </a:rPr>
+              <a:t>g(f(x</a:t>
+            </a:r>
+            <a:r>
+              <a:rPr lang="en-US" i="1" dirty="0" smtClean="0">
+                <a:solidFill>
+                  <a:srgbClr val="CCAF0A"/>
+                </a:solidFill>
+                <a:latin typeface="+mj-lt"/>
+                <a:cs typeface="Rockwell"/>
+              </a:rPr>
+              <a:t>)) </a:t>
+            </a:r>
+            <a:r>
+              <a:rPr lang="en-US" dirty="0" smtClean="0">
+                <a:cs typeface="Rockwell"/>
+              </a:rPr>
+              <a:t>or </a:t>
+            </a:r>
+            <a:r>
+              <a:rPr lang="en-US" i="1" dirty="0" smtClean="0">
+                <a:solidFill>
+                  <a:srgbClr val="CCAF0A"/>
+                </a:solidFill>
+                <a:cs typeface="Rockwell"/>
+              </a:rPr>
+              <a:t>(</a:t>
+            </a:r>
+            <a:r>
+              <a:rPr lang="en-US" i="1" dirty="0" err="1" smtClean="0">
+                <a:solidFill>
+                  <a:srgbClr val="CCAF0A"/>
+                </a:solidFill>
+                <a:cs typeface="Rockwell"/>
+              </a:rPr>
+              <a:t>g</a:t>
+            </a:r>
+            <a:r>
+              <a:rPr lang="en-US" i="1" dirty="0" smtClean="0">
+                <a:solidFill>
+                  <a:srgbClr val="CCAF0A"/>
+                </a:solidFill>
+                <a:cs typeface="Rockwell"/>
+              </a:rPr>
+              <a:t> </a:t>
+            </a:r>
+            <a:r>
+              <a:rPr lang="en-US" i="1" dirty="0" smtClean="0">
+                <a:solidFill>
+                  <a:srgbClr val="CCAF0A"/>
+                </a:solidFill>
+                <a:cs typeface="Rockwell"/>
+              </a:rPr>
+              <a:t>∘ </a:t>
+            </a:r>
+            <a:r>
+              <a:rPr lang="en-US" i="1" dirty="0" err="1" smtClean="0">
+                <a:solidFill>
+                  <a:srgbClr val="CCAF0A"/>
+                </a:solidFill>
+                <a:cs typeface="Rockwell"/>
+              </a:rPr>
+              <a:t>f</a:t>
+            </a:r>
+            <a:r>
+              <a:rPr lang="en-US" i="1" dirty="0" smtClean="0">
+                <a:solidFill>
+                  <a:srgbClr val="CCAF0A"/>
+                </a:solidFill>
+                <a:cs typeface="Rockwell"/>
+              </a:rPr>
+              <a:t>) = </a:t>
+            </a:r>
+            <a:r>
+              <a:rPr lang="en-US" i="1" dirty="0" err="1" smtClean="0">
+                <a:solidFill>
+                  <a:srgbClr val="CCAF0A"/>
+                </a:solidFill>
+                <a:cs typeface="Rockwell"/>
+              </a:rPr>
+              <a:t>g(f(x</a:t>
+            </a:r>
+            <a:r>
+              <a:rPr lang="en-US" i="1" dirty="0" smtClean="0">
+                <a:solidFill>
+                  <a:srgbClr val="CCAF0A"/>
+                </a:solidFill>
+                <a:cs typeface="Rockwell"/>
+              </a:rPr>
+              <a:t>))</a:t>
+            </a:r>
+            <a:endParaRPr lang="en-US" i="1" dirty="0" smtClean="0">
+              <a:solidFill>
+                <a:srgbClr val="CCAF0A"/>
+              </a:solidFill>
+              <a:latin typeface="+mj-lt"/>
+              <a:cs typeface="Rockwell"/>
+            </a:endParaRPr>
+          </a:p>
+          <a:p>
+            <a:pPr>
+              <a:buFont typeface="Wingdings" charset="2"/>
+              <a:buChar char="§"/>
+            </a:pPr>
+            <a:r>
+              <a:rPr lang="en-US" dirty="0" smtClean="0">
+                <a:latin typeface="+mj-lt"/>
+                <a:cs typeface="Rockwell"/>
+              </a:rPr>
+              <a:t>Combine the functions </a:t>
+            </a:r>
+            <a:r>
+              <a:rPr lang="en-US" dirty="0" err="1" smtClean="0">
+                <a:solidFill>
+                  <a:srgbClr val="FFFFFF"/>
+                </a:solidFill>
+                <a:latin typeface="+mj-lt"/>
+                <a:cs typeface="Rockwell"/>
+              </a:rPr>
+              <a:t>g</a:t>
+            </a:r>
+            <a:r>
+              <a:rPr lang="en-US" dirty="0" smtClean="0">
+                <a:solidFill>
+                  <a:srgbClr val="FFFFFF"/>
+                </a:solidFill>
+                <a:latin typeface="+mj-lt"/>
+                <a:cs typeface="Rockwell"/>
+              </a:rPr>
+              <a:t> and </a:t>
+            </a:r>
+            <a:r>
+              <a:rPr lang="en-US" dirty="0" err="1" smtClean="0">
+                <a:latin typeface="+mj-lt"/>
+                <a:cs typeface="Rockwell"/>
+              </a:rPr>
+              <a:t>f</a:t>
+            </a:r>
+            <a:r>
+              <a:rPr lang="en-US" dirty="0" smtClean="0">
+                <a:latin typeface="+mj-lt"/>
+                <a:cs typeface="Rockwell"/>
+              </a:rPr>
+              <a:t> into a new function that</a:t>
+            </a:r>
+            <a:r>
+              <a:rPr lang="en-US" dirty="0" smtClean="0">
+                <a:latin typeface="+mj-lt"/>
+                <a:cs typeface="Rockwell"/>
+              </a:rPr>
+              <a:t> applies </a:t>
+            </a:r>
+            <a:r>
+              <a:rPr lang="en-US" dirty="0" err="1" smtClean="0">
+                <a:latin typeface="+mj-lt"/>
+                <a:cs typeface="Rockwell"/>
+              </a:rPr>
+              <a:t>g</a:t>
+            </a:r>
+            <a:r>
+              <a:rPr lang="en-US" dirty="0" smtClean="0">
+                <a:latin typeface="+mj-lt"/>
+                <a:cs typeface="Rockwell"/>
+              </a:rPr>
+              <a:t> to the result of applying </a:t>
+            </a:r>
+            <a:r>
+              <a:rPr lang="en-US" dirty="0" err="1" smtClean="0">
+                <a:latin typeface="+mj-lt"/>
+                <a:cs typeface="Rockwell"/>
+              </a:rPr>
+              <a:t>f</a:t>
+            </a:r>
+            <a:r>
+              <a:rPr lang="en-US" dirty="0" smtClean="0">
+                <a:latin typeface="+mj-lt"/>
+                <a:cs typeface="Rockwell"/>
+              </a:rPr>
+              <a:t> to </a:t>
+            </a:r>
+            <a:r>
+              <a:rPr lang="en-US" dirty="0" err="1" smtClean="0">
+                <a:latin typeface="+mj-lt"/>
+                <a:cs typeface="Rockwell"/>
+              </a:rPr>
+              <a:t>x</a:t>
+            </a:r>
+            <a:r>
+              <a:rPr lang="en-US" dirty="0" smtClean="0">
+                <a:latin typeface="+mj-lt"/>
+                <a:cs typeface="Rockwell"/>
+              </a:rPr>
+              <a:t>.</a:t>
+            </a:r>
+          </a:p>
+          <a:p>
+            <a:pPr>
+              <a:buFont typeface="Wingdings" charset="2"/>
+              <a:buChar char="§"/>
+            </a:pPr>
+            <a:endParaRPr lang="en-US" dirty="0" smtClean="0">
+              <a:latin typeface="+mj-lt"/>
+              <a:cs typeface="Rockwell"/>
+            </a:endParaRPr>
+          </a:p>
+          <a:p>
+            <a:pPr>
+              <a:buNone/>
+            </a:pPr>
+            <a:r>
+              <a:rPr lang="en-US" dirty="0" smtClean="0"/>
+              <a:t>Back to </a:t>
+            </a:r>
+            <a:r>
+              <a:rPr lang="en-US" smtClean="0"/>
+              <a:t>the code!</a:t>
+            </a:r>
+            <a:endParaRPr lang="en-US" i="1" dirty="0" smtClean="0"/>
           </a:p>
         </p:txBody>
       </p:sp>
@@ -6512,58 +6728,209 @@
             <p:ph type="title"/>
           </p:nvPr>
         </p:nvSpPr>
+        <p:spPr/>
+        <p:txBody>
+          <a:bodyPr/>
+          <a:lstStyle/>
+          <a:p>
+            <a:r>
+              <a:rPr lang="en-US" dirty="0" smtClean="0"/>
+              <a:t>In JavaScript:</a:t>
+            </a:r>
+            <a:endParaRPr lang="en-US" dirty="0"/>
+          </a:p>
+        </p:txBody>
+      </p:sp>
+      <p:sp>
+        <p:nvSpPr>
+          <p:cNvPr id="5" name="TextBox 4"/>
+          <p:cNvSpPr txBox="1"/>
+          <p:nvPr/>
+        </p:nvSpPr>
         <p:spPr>
           <a:xfrm>
-            <a:off x="457200" y="274636"/>
-            <a:ext cx="7467600" cy="5107745"/>
+            <a:off x="457200" y="1619905"/>
+            <a:ext cx="8178800" cy="3939540"/>
           </a:xfrm>
+          <a:prstGeom prst="rect">
+            <a:avLst/>
+          </a:prstGeom>
+          <a:noFill/>
         </p:spPr>
         <p:txBody>
-          <a:bodyPr>
-            <a:normAutofit fontScale="90000"/>
+          <a:bodyPr wrap="square" rtlCol="0">
+            <a:spAutoFit/>
           </a:bodyPr>
           <a:lstStyle/>
           <a:p>
             <a:r>
-              <a:rPr lang="en-US" dirty="0" smtClean="0"/>
-              <a:t>Because we know how to pass functions around, we know how to implement these …</a:t>
-            </a:r>
-            <a:br>
-              <a:rPr lang="en-US" dirty="0" smtClean="0"/>
-            </a:br>
-            <a:r>
-              <a:rPr lang="en-US" dirty="0" smtClean="0"/>
-              <a:t/>
-            </a:r>
-            <a:br>
-              <a:rPr lang="en-US" dirty="0" smtClean="0"/>
-            </a:br>
-            <a:r>
-              <a:rPr lang="en-US" dirty="0" smtClean="0"/>
-              <a:t>… but we’ll probably duplicate</a:t>
-            </a:r>
-            <a:br>
-              <a:rPr lang="en-US" dirty="0" smtClean="0"/>
-            </a:br>
-            <a:r>
-              <a:rPr lang="en-US" dirty="0" smtClean="0"/>
-              <a:t>    code.</a:t>
-            </a:r>
-            <a:r>
-              <a:rPr lang="en-US" smtClean="0"/>
-              <a:t/>
-            </a:r>
-            <a:br>
-              <a:rPr lang="en-US" smtClean="0"/>
-            </a:br>
-            <a:r>
-              <a:rPr lang="en-US" smtClean="0"/>
-              <a:t/>
-            </a:r>
-            <a:br>
-              <a:rPr lang="en-US" smtClean="0"/>
-            </a:br>
-            <a:endParaRPr lang="en-US" dirty="0"/>
+              <a:rPr lang="en-US" sz="2500" dirty="0" smtClean="0"/>
+              <a:t>function </a:t>
+            </a:r>
+            <a:r>
+              <a:rPr lang="en-US" sz="2500" dirty="0" err="1" smtClean="0"/>
+              <a:t>compose(f</a:t>
+            </a:r>
+            <a:r>
+              <a:rPr lang="en-US" sz="2500" dirty="0" smtClean="0"/>
+              <a:t>, </a:t>
+            </a:r>
+            <a:r>
+              <a:rPr lang="en-US" sz="2500" dirty="0" err="1" smtClean="0"/>
+              <a:t>g</a:t>
+            </a:r>
+            <a:r>
+              <a:rPr lang="en-US" sz="2500" dirty="0" smtClean="0"/>
+              <a:t>) {</a:t>
+            </a:r>
+          </a:p>
+          <a:p>
+            <a:r>
+              <a:rPr lang="en-US" sz="2500" dirty="0" smtClean="0">
+                <a:solidFill>
+                  <a:srgbClr val="A8C6D0"/>
+                </a:solidFill>
+              </a:rPr>
+              <a:t>  // a closure, closing over the free</a:t>
+            </a:r>
+          </a:p>
+          <a:p>
+            <a:r>
+              <a:rPr lang="en-US" sz="2500" dirty="0" smtClean="0">
+                <a:solidFill>
+                  <a:srgbClr val="A8C6D0"/>
+                </a:solidFill>
+              </a:rPr>
+              <a:t>  // variables </a:t>
+            </a:r>
+            <a:r>
+              <a:rPr lang="en-US" sz="2500" dirty="0" err="1" smtClean="0">
+                <a:solidFill>
+                  <a:srgbClr val="A8C6D0"/>
+                </a:solidFill>
+              </a:rPr>
+              <a:t>f</a:t>
+            </a:r>
+            <a:r>
+              <a:rPr lang="en-US" sz="2500" dirty="0" smtClean="0">
+                <a:solidFill>
+                  <a:srgbClr val="A8C6D0"/>
+                </a:solidFill>
+              </a:rPr>
+              <a:t> and </a:t>
+            </a:r>
+            <a:r>
+              <a:rPr lang="en-US" sz="2500" dirty="0" err="1" smtClean="0">
+                <a:solidFill>
+                  <a:srgbClr val="A8C6D0"/>
+                </a:solidFill>
+              </a:rPr>
+              <a:t>g</a:t>
+            </a:r>
+            <a:endParaRPr lang="en-US" sz="2500" dirty="0" smtClean="0">
+              <a:solidFill>
+                <a:srgbClr val="A8C6D0"/>
+              </a:solidFill>
+            </a:endParaRPr>
+          </a:p>
+          <a:p>
+            <a:r>
+              <a:rPr lang="en-US" sz="2500" dirty="0" smtClean="0"/>
+              <a:t>  return </a:t>
+            </a:r>
+            <a:r>
+              <a:rPr lang="en-US" sz="2500" dirty="0" err="1" smtClean="0"/>
+              <a:t>function(x</a:t>
+            </a:r>
+            <a:r>
+              <a:rPr lang="en-US" sz="2500" dirty="0" smtClean="0"/>
+              <a:t>) {</a:t>
+            </a:r>
+          </a:p>
+          <a:p>
+            <a:r>
+              <a:rPr lang="en-US" sz="2500" dirty="0" smtClean="0"/>
+              <a:t>    return </a:t>
+            </a:r>
+            <a:r>
+              <a:rPr lang="en-US" sz="2500" dirty="0" err="1" smtClean="0"/>
+              <a:t>g(f(x</a:t>
+            </a:r>
+            <a:r>
+              <a:rPr lang="en-US" sz="2500" dirty="0" smtClean="0"/>
+              <a:t>));</a:t>
+            </a:r>
+          </a:p>
+          <a:p>
+            <a:r>
+              <a:rPr lang="en-US" sz="2500" dirty="0" smtClean="0"/>
+              <a:t>  }</a:t>
+            </a:r>
+          </a:p>
+          <a:p>
+            <a:r>
+              <a:rPr lang="en-US" sz="2500" dirty="0" smtClean="0"/>
+              <a:t>}</a:t>
+            </a:r>
+          </a:p>
+          <a:p>
+            <a:endParaRPr lang="en-US" sz="2500" dirty="0" smtClean="0"/>
+          </a:p>
+          <a:p>
+            <a:r>
+              <a:rPr lang="en-US" sz="2500" dirty="0" smtClean="0">
+                <a:solidFill>
+                  <a:schemeClr val="accent1">
+                    <a:lumMod val="60000"/>
+                    <a:lumOff val="40000"/>
+                  </a:schemeClr>
+                </a:solidFill>
+              </a:rPr>
+              <a:t>/</a:t>
+            </a:r>
+            <a:r>
+              <a:rPr lang="en-US" sz="2500" dirty="0" smtClean="0">
+                <a:solidFill>
+                  <a:schemeClr val="accent1">
+                    <a:lumMod val="60000"/>
+                    <a:lumOff val="40000"/>
+                  </a:schemeClr>
+                </a:solidFill>
+              </a:rPr>
+              <a:t>/ recursive implementation:</a:t>
+            </a:r>
+          </a:p>
+          <a:p>
+            <a:r>
+              <a:rPr lang="en-US" sz="2500" dirty="0" smtClean="0">
+                <a:solidFill>
+                  <a:schemeClr val="accent1">
+                    <a:lumMod val="60000"/>
+                    <a:lumOff val="40000"/>
+                  </a:schemeClr>
+                </a:solidFill>
+              </a:rPr>
+              <a:t>// http</a:t>
+            </a:r>
+            <a:r>
+              <a:rPr lang="en-US" sz="2500" dirty="0" smtClean="0">
+                <a:solidFill>
+                  <a:schemeClr val="accent1">
+                    <a:lumMod val="60000"/>
+                    <a:lumOff val="40000"/>
+                  </a:schemeClr>
+                </a:solidFill>
+              </a:rPr>
+              <a:t>://gist.github.com/366614</a:t>
+            </a:r>
+            <a:endParaRPr lang="en-US" sz="2500" dirty="0" smtClean="0">
+              <a:solidFill>
+                <a:schemeClr val="accent1">
+                  <a:lumMod val="60000"/>
+                  <a:lumOff val="40000"/>
+                </a:schemeClr>
+              </a:solidFill>
+            </a:endParaRPr>
           </a:p>
         </p:txBody>
       </p:sp>
@@ -6609,70 +6976,115 @@
             <p:ph type="title"/>
           </p:nvPr>
         </p:nvSpPr>
+        <p:spPr/>
+        <p:txBody>
+          <a:bodyPr/>
+          <a:lstStyle/>
+          <a:p>
+            <a:r>
+              <a:rPr lang="en-US" dirty="0" smtClean="0"/>
+              <a:t>In </a:t>
+            </a:r>
+            <a:r>
+              <a:rPr lang="en-US" dirty="0" err="1" smtClean="0"/>
+              <a:t>Scala</a:t>
+            </a:r>
+            <a:r>
+              <a:rPr lang="en-US" dirty="0" smtClean="0"/>
+              <a:t>:</a:t>
+            </a:r>
+            <a:endParaRPr lang="en-US" dirty="0"/>
+          </a:p>
+        </p:txBody>
+      </p:sp>
+      <p:sp>
+        <p:nvSpPr>
+          <p:cNvPr id="6" name="TextBox 5"/>
+          <p:cNvSpPr txBox="1"/>
+          <p:nvPr/>
+        </p:nvSpPr>
         <p:spPr>
           <a:xfrm>
-            <a:off x="457200" y="274636"/>
-            <a:ext cx="7467600" cy="5107745"/>
+            <a:off x="457200" y="1572381"/>
+            <a:ext cx="6448431" cy="861774"/>
           </a:xfrm>
+          <a:prstGeom prst="rect">
+            <a:avLst/>
+          </a:prstGeom>
+          <a:noFill/>
         </p:spPr>
         <p:txBody>
-          <a:bodyPr>
-            <a:normAutofit fontScale="90000"/>
+          <a:bodyPr wrap="none" rtlCol="0">
+            <a:spAutoFit/>
           </a:bodyPr>
           <a:lstStyle/>
           <a:p>
             <a:r>
-              <a:rPr lang="en-US" dirty="0" smtClean="0"/>
-              <a:t>Because we know how to pass functions around, we know how to implement these …</a:t>
-            </a:r>
-            <a:br>
-              <a:rPr lang="en-US" dirty="0" smtClean="0"/>
-            </a:br>
-            <a:r>
-              <a:rPr lang="en-US" dirty="0" smtClean="0"/>
-              <a:t/>
-            </a:r>
-            <a:br>
-              <a:rPr lang="en-US" dirty="0" smtClean="0"/>
-            </a:br>
-            <a:r>
-              <a:rPr lang="en-US" dirty="0" smtClean="0"/>
-              <a:t>… but we’ll probably duplicate</a:t>
-            </a:r>
-            <a:br>
-              <a:rPr lang="en-US" dirty="0" smtClean="0"/>
-            </a:br>
-            <a:r>
-              <a:rPr lang="en-US" dirty="0" smtClean="0"/>
-              <a:t>    code.</a:t>
-            </a:r>
-            <a:br>
-              <a:rPr lang="en-US" dirty="0" smtClean="0"/>
-            </a:br>
-            <a:r>
-              <a:rPr lang="en-US" dirty="0" smtClean="0"/>
-              <a:t/>
-            </a:r>
-            <a:br>
-              <a:rPr lang="en-US" dirty="0" smtClean="0"/>
-            </a:br>
-            <a:r>
-              <a:rPr lang="en-US" dirty="0" smtClean="0"/>
-              <a:t>Let’s talk about </a:t>
-            </a:r>
-            <a:r>
-              <a:rPr lang="en-US" dirty="0" smtClean="0">
+              <a:rPr lang="en-US" sz="2500" dirty="0" smtClean="0"/>
+              <a:t>def </a:t>
+            </a:r>
+            <a:r>
+              <a:rPr lang="en-US" sz="2500" dirty="0" err="1" smtClean="0"/>
+              <a:t>compose[A</a:t>
+            </a:r>
+            <a:r>
+              <a:rPr lang="en-US" sz="2500" dirty="0" smtClean="0"/>
+              <a:t>, B, </a:t>
+            </a:r>
+            <a:r>
+              <a:rPr lang="en-US" sz="2500" dirty="0" err="1" smtClean="0"/>
+              <a:t>C](g</a:t>
+            </a:r>
+            <a:r>
+              <a:rPr lang="en-US" sz="2500" dirty="0" smtClean="0"/>
+              <a:t>: B =&gt; C, </a:t>
+            </a:r>
+            <a:r>
+              <a:rPr lang="en-US" sz="2500" dirty="0" err="1" smtClean="0"/>
+              <a:t>f</a:t>
+            </a:r>
+            <a:r>
+              <a:rPr lang="en-US" sz="2500" dirty="0" smtClean="0"/>
+              <a:t>: A =&gt; B) =</a:t>
+            </a:r>
+          </a:p>
+          <a:p>
+            <a:r>
+              <a:rPr lang="en-US" sz="2500" dirty="0" smtClean="0"/>
+              <a:t>  (</a:t>
+            </a:r>
+            <a:r>
+              <a:rPr lang="en-US" sz="2500" dirty="0" err="1" smtClean="0"/>
+              <a:t>x</a:t>
+            </a:r>
+            <a:r>
+              <a:rPr lang="en-US" sz="2500" dirty="0" smtClean="0"/>
+              <a:t>: A) =&gt; </a:t>
+            </a:r>
+            <a:r>
+              <a:rPr lang="en-US" sz="2500" dirty="0" err="1" smtClean="0"/>
+              <a:t>g(f(x</a:t>
+            </a:r>
+            <a:r>
+              <a:rPr lang="en-US" sz="2500" dirty="0" smtClean="0"/>
+              <a:t>)) </a:t>
+            </a:r>
+            <a:r>
+              <a:rPr lang="en-US" sz="2500" dirty="0" smtClean="0">
                 <a:solidFill>
                   <a:srgbClr val="A8C6D0"/>
                 </a:solidFill>
               </a:rPr>
-              <a:t>folding</a:t>
-            </a:r>
-            <a:r>
-              <a:rPr lang="en-US" dirty="0" smtClean="0"/>
-              <a:t>.</a:t>
-            </a:r>
-            <a:endParaRPr lang="en-US" dirty="0"/>
+              <a:t>// the </a:t>
+            </a:r>
+            <a:r>
+              <a:rPr lang="en-US" sz="2500" dirty="0" smtClean="0">
+                <a:solidFill>
+                  <a:srgbClr val="A8C6D0"/>
+                </a:solidFill>
+              </a:rPr>
+              <a:t>closure</a:t>
+            </a:r>
           </a:p>
         </p:txBody>
       </p:sp>
@@ -6718,121 +7130,132 @@
             <p:ph type="title"/>
           </p:nvPr>
         </p:nvSpPr>
-        <p:spPr/>
-        <p:txBody>
-          <a:bodyPr/>
-          <a:lstStyle/>
-          <a:p>
-            <a:r>
-              <a:rPr lang="en-US" dirty="0" smtClean="0"/>
-              <a:t>In JavaScript:</a:t>
-            </a:r>
-            <a:endParaRPr lang="en-US" dirty="0"/>
-          </a:p>
-        </p:txBody>
-      </p:sp>
-      <p:sp>
-        <p:nvSpPr>
-          <p:cNvPr id="4" name="TextBox 3"/>
-          <p:cNvSpPr txBox="1"/>
-          <p:nvPr/>
-        </p:nvSpPr>
         <p:spPr>
           <a:xfrm>
-            <a:off x="457200" y="1862667"/>
-            <a:ext cx="6004932" cy="2785378"/>
+            <a:off x="457200" y="274638"/>
+            <a:ext cx="7467600" cy="1325562"/>
           </a:xfrm>
-          <a:prstGeom prst="rect">
-            <a:avLst/>
-          </a:prstGeom>
-          <a:noFill/>
         </p:spPr>
         <p:txBody>
-          <a:bodyPr wrap="none" rtlCol="0">
-            <a:spAutoFit/>
+          <a:bodyPr>
+            <a:noAutofit/>
           </a:bodyPr>
           <a:lstStyle/>
           <a:p>
             <a:r>
-              <a:rPr lang="en-US" sz="2500" dirty="0" smtClean="0"/>
-              <a:t>function </a:t>
-            </a:r>
-            <a:r>
-              <a:rPr lang="en-US" sz="2500" dirty="0" err="1" smtClean="0"/>
-              <a:t>foldr(list</a:t>
-            </a:r>
-            <a:r>
-              <a:rPr lang="en-US" sz="2500" dirty="0" smtClean="0"/>
-              <a:t>, init, </a:t>
-            </a:r>
-            <a:r>
-              <a:rPr lang="en-US" sz="2500" dirty="0" err="1" smtClean="0"/>
-              <a:t>f</a:t>
-            </a:r>
-            <a:r>
-              <a:rPr lang="en-US" sz="2500" dirty="0" smtClean="0"/>
-              <a:t>) {</a:t>
-            </a:r>
-          </a:p>
-          <a:p>
-            <a:r>
-              <a:rPr lang="en-US" sz="2500" dirty="0" smtClean="0"/>
-              <a:t>  </a:t>
-            </a:r>
-            <a:r>
-              <a:rPr lang="en-US" sz="2500" dirty="0" err="1" smtClean="0"/>
-              <a:t>if(list.length</a:t>
-            </a:r>
-            <a:r>
-              <a:rPr lang="en-US" sz="2500" dirty="0" smtClean="0"/>
-              <a:t> == 0)</a:t>
-            </a:r>
-          </a:p>
-          <a:p>
-            <a:r>
-              <a:rPr lang="en-US" sz="2500" dirty="0" smtClean="0"/>
-              <a:t>    return init;</a:t>
-            </a:r>
-          </a:p>
-          <a:p>
-            <a:r>
-              <a:rPr lang="en-US" sz="2500" dirty="0" smtClean="0"/>
-              <a:t>  else {</a:t>
-            </a:r>
-          </a:p>
-          <a:p>
-            <a:r>
-              <a:rPr lang="en-US" sz="2500" dirty="0" smtClean="0"/>
-              <a:t>    return foldr(list.slice(1), </a:t>
-            </a:r>
-            <a:r>
-              <a:rPr lang="en-US" sz="2500" dirty="0" err="1" smtClean="0"/>
-              <a:t>f(init</a:t>
-            </a:r>
-            <a:r>
-              <a:rPr lang="en-US" sz="2500" dirty="0" smtClean="0"/>
-              <a:t>, list[0]), </a:t>
-            </a:r>
-            <a:r>
-              <a:rPr lang="en-US" sz="2500" dirty="0" err="1" smtClean="0"/>
-              <a:t>f</a:t>
-            </a:r>
-            <a:r>
-              <a:rPr lang="en-US" sz="2500" dirty="0" smtClean="0"/>
-              <a:t>);</a:t>
-            </a:r>
-          </a:p>
-          <a:p>
-            <a:r>
-              <a:rPr lang="en-US" sz="2500" dirty="0" smtClean="0"/>
-              <a:t>  }</a:t>
-            </a:r>
-          </a:p>
-          <a:p>
-            <a:r>
-              <a:rPr lang="en-US" sz="2500" dirty="0" smtClean="0"/>
-              <a:t>}</a:t>
-            </a:r>
+              <a:rPr lang="en-US" dirty="0" smtClean="0"/>
+              <a:t>Higher-Order </a:t>
+            </a:r>
+            <a:r>
+              <a:rPr lang="en-US" dirty="0" smtClean="0"/>
+              <a:t>Functions</a:t>
+            </a:r>
+            <a:br>
+              <a:rPr lang="en-US" dirty="0" smtClean="0"/>
+            </a:br>
+            <a:r>
+              <a:rPr lang="en-US" dirty="0" smtClean="0"/>
+              <a:t>and Lists</a:t>
+            </a:r>
+            <a:endParaRPr lang="en-US" dirty="0"/>
+          </a:p>
+        </p:txBody>
+      </p:sp>
+      <p:sp>
+        <p:nvSpPr>
+          <p:cNvPr id="3" name="Content Placeholder 2"/>
+          <p:cNvSpPr>
+            <a:spLocks noGrp="1"/>
+          </p:cNvSpPr>
+          <p:nvPr>
+            <p:ph idx="1"/>
+          </p:nvPr>
+        </p:nvSpPr>
+        <p:spPr>
+          <a:xfrm>
+            <a:off x="457200" y="1815855"/>
+            <a:ext cx="7467600" cy="4525963"/>
+          </a:xfrm>
+        </p:spPr>
+        <p:txBody>
+          <a:bodyPr/>
+          <a:lstStyle/>
+          <a:p>
+            <a:pPr>
+              <a:buFont typeface="Wingdings" charset="2"/>
+              <a:buChar char="§"/>
+            </a:pPr>
+            <a:r>
+              <a:rPr lang="en-US" dirty="0" smtClean="0"/>
+              <a:t>A function that takes another function as an argument and/or returns a function as its result.</a:t>
+            </a:r>
+          </a:p>
+          <a:p>
+            <a:pPr>
+              <a:buFont typeface="Wingdings" charset="2"/>
+              <a:buChar char="§"/>
+            </a:pPr>
+            <a:r>
+              <a:rPr lang="en-US" dirty="0" smtClean="0"/>
+              <a:t>Ruby, via Rails, brought higher-order functions</a:t>
+            </a:r>
+            <a:r>
+              <a:rPr lang="en-US" dirty="0" smtClean="0"/>
+              <a:t> that </a:t>
+            </a:r>
+            <a:r>
+              <a:rPr lang="en-US" dirty="0" smtClean="0"/>
+              <a:t>operate on</a:t>
+            </a:r>
+            <a:br>
+              <a:rPr lang="en-US" dirty="0" smtClean="0"/>
+            </a:br>
+            <a:r>
+              <a:rPr lang="en-US" dirty="0" smtClean="0"/>
+              <a:t>lists </a:t>
+            </a:r>
+            <a:r>
+              <a:rPr lang="en-US" dirty="0" smtClean="0"/>
+              <a:t>mainstream.</a:t>
+            </a:r>
+          </a:p>
+          <a:p>
+            <a:pPr>
+              <a:buFont typeface="Wingdings" charset="2"/>
+              <a:buChar char="§"/>
+            </a:pPr>
+            <a:r>
+              <a:rPr lang="en-US" dirty="0" smtClean="0"/>
+              <a:t>Higher-order </a:t>
+            </a:r>
+            <a:r>
+              <a:rPr lang="en-US" dirty="0" err="1" smtClean="0"/>
+              <a:t>rockstars</a:t>
+            </a:r>
+            <a:r>
+              <a:rPr lang="en-US" dirty="0" smtClean="0"/>
+              <a:t>:</a:t>
+            </a:r>
+            <a:br>
+              <a:rPr lang="en-US" dirty="0" smtClean="0"/>
+            </a:br>
+            <a:r>
+              <a:rPr lang="en-US" dirty="0" smtClean="0"/>
+              <a:t>	</a:t>
+            </a:r>
+            <a:r>
+              <a:rPr lang="en-US" i="1" dirty="0" smtClean="0">
+                <a:solidFill>
+                  <a:srgbClr val="A8C6D0"/>
+                </a:solidFill>
+              </a:rPr>
+              <a:t>each, map, filter, fold  </a:t>
+            </a:r>
+            <a:r>
+              <a:rPr lang="en-US" dirty="0" smtClean="0"/>
+              <a:t>many more!</a:t>
+            </a:r>
+            <a:endParaRPr lang="en-US" dirty="0"/>
           </a:p>
         </p:txBody>
       </p:sp>
@@ -6878,133 +7301,54 @@
             <p:ph type="title"/>
           </p:nvPr>
         </p:nvSpPr>
-        <p:spPr/>
-        <p:txBody>
-          <a:bodyPr/>
-          <a:lstStyle/>
-          <a:p>
-            <a:r>
-              <a:rPr lang="en-US" dirty="0" smtClean="0"/>
-              <a:t>In </a:t>
-            </a:r>
-            <a:r>
-              <a:rPr lang="en-US" dirty="0" err="1" smtClean="0"/>
-              <a:t>Scala</a:t>
-            </a:r>
-            <a:r>
-              <a:rPr lang="en-US" dirty="0" smtClean="0"/>
-              <a:t>:</a:t>
-            </a:r>
-            <a:endParaRPr lang="en-US" dirty="0"/>
-          </a:p>
-        </p:txBody>
-      </p:sp>
-      <p:sp>
-        <p:nvSpPr>
-          <p:cNvPr id="4" name="TextBox 3"/>
-          <p:cNvSpPr txBox="1"/>
-          <p:nvPr/>
-        </p:nvSpPr>
         <p:spPr>
           <a:xfrm>
-            <a:off x="457200" y="1862667"/>
-            <a:ext cx="7463144" cy="2015936"/>
+            <a:off x="457200" y="274636"/>
+            <a:ext cx="7467600" cy="5107745"/>
           </a:xfrm>
-          <a:prstGeom prst="rect">
-            <a:avLst/>
-          </a:prstGeom>
-          <a:noFill/>
         </p:spPr>
         <p:txBody>
-          <a:bodyPr wrap="none" rtlCol="0">
-            <a:spAutoFit/>
+          <a:bodyPr>
+            <a:normAutofit fontScale="90000"/>
           </a:bodyPr>
           <a:lstStyle/>
           <a:p>
             <a:r>
-              <a:rPr lang="en-US" sz="2500" dirty="0" smtClean="0"/>
-              <a:t>def </a:t>
-            </a:r>
-            <a:r>
-              <a:rPr lang="en-US" sz="2500" dirty="0" err="1" smtClean="0"/>
-              <a:t>foldr[A</a:t>
-            </a:r>
-            <a:r>
-              <a:rPr lang="en-US" sz="2500" dirty="0" smtClean="0"/>
-              <a:t>, </a:t>
-            </a:r>
-            <a:r>
-              <a:rPr lang="en-US" sz="2500" dirty="0" err="1" smtClean="0"/>
-              <a:t>B](list</a:t>
-            </a:r>
-            <a:r>
-              <a:rPr lang="en-US" sz="2500" dirty="0" smtClean="0"/>
-              <a:t>: </a:t>
-            </a:r>
-            <a:r>
-              <a:rPr lang="en-US" sz="2500" dirty="0" err="1" smtClean="0"/>
-              <a:t>List[A</a:t>
-            </a:r>
-            <a:r>
-              <a:rPr lang="en-US" sz="2500" dirty="0" smtClean="0"/>
-              <a:t>], init: B, </a:t>
-            </a:r>
-            <a:r>
-              <a:rPr lang="en-US" sz="2500" dirty="0" err="1" smtClean="0"/>
-              <a:t>f</a:t>
-            </a:r>
-            <a:r>
-              <a:rPr lang="en-US" sz="2500" dirty="0" smtClean="0"/>
-              <a:t>: (B, A) =&gt; B): B =</a:t>
-            </a:r>
-          </a:p>
-          <a:p>
-            <a:r>
-              <a:rPr lang="en-US" sz="2500" dirty="0" smtClean="0"/>
-              <a:t>  list match {</a:t>
-            </a:r>
-          </a:p>
-          <a:p>
-            <a:r>
-              <a:rPr lang="en-US" sz="2500" dirty="0" smtClean="0"/>
-              <a:t>    case Nil =&gt; init</a:t>
-            </a:r>
-          </a:p>
-          <a:p>
-            <a:r>
-              <a:rPr lang="en-US" sz="2500" dirty="0" smtClean="0"/>
-              <a:t>    case head :: tail =&gt; </a:t>
-            </a:r>
-            <a:r>
-              <a:rPr lang="en-US" sz="2500" dirty="0" err="1" smtClean="0"/>
-              <a:t>foldr(tail</a:t>
-            </a:r>
-            <a:r>
-              <a:rPr lang="en-US" sz="2500" dirty="0" smtClean="0"/>
-              <a:t>, </a:t>
-            </a:r>
-            <a:r>
-              <a:rPr lang="en-US" sz="2500" dirty="0" err="1" smtClean="0"/>
-              <a:t>f(init</a:t>
-            </a:r>
-            <a:r>
-              <a:rPr lang="en-US" sz="2500" dirty="0" smtClean="0"/>
-              <a:t>, head), </a:t>
-            </a:r>
-            <a:r>
-              <a:rPr lang="en-US" sz="2500" dirty="0" err="1" smtClean="0"/>
-              <a:t>f</a:t>
-            </a:r>
-            <a:r>
-              <a:rPr lang="en-US" sz="2500" dirty="0" smtClean="0"/>
-              <a:t>)</a:t>
-            </a:r>
-          </a:p>
-          <a:p>
-            <a:r>
-              <a:rPr lang="en-US" sz="2500" dirty="0" smtClean="0"/>
-              <a:t>  }</a:t>
-            </a:r>
+              <a:rPr lang="en-US" dirty="0" smtClean="0"/>
+              <a:t>Because we know how to pass functions around, we know how to implement these …</a:t>
+            </a:r>
+            <a:br>
+              <a:rPr lang="en-US" dirty="0" smtClean="0"/>
+            </a:br>
+            <a:r>
+              <a:rPr lang="en-US" dirty="0" smtClean="0"/>
+              <a:t/>
+            </a:r>
+            <a:br>
+              <a:rPr lang="en-US" dirty="0" smtClean="0"/>
+            </a:br>
+            <a:r>
+              <a:rPr lang="en-US" dirty="0" smtClean="0"/>
+              <a:t/>
+            </a:r>
+            <a:br>
+              <a:rPr lang="en-US" dirty="0" smtClean="0"/>
+            </a:br>
+            <a:r>
+              <a:rPr lang="en-US" dirty="0" smtClean="0"/>
+              <a:t/>
+            </a:r>
+            <a:br>
+              <a:rPr lang="en-US" dirty="0" smtClean="0"/>
+            </a:br>
+            <a:r>
+              <a:rPr lang="en-US" dirty="0" smtClean="0"/>
+              <a:t/>
+            </a:r>
+            <a:br>
+              <a:rPr lang="en-US" dirty="0" smtClean="0"/>
+            </a:br>
+            <a:endParaRPr lang="en-US" dirty="0"/>
           </a:p>
         </p:txBody>
       </p:sp>
@@ -7050,7 +7394,12 @@
             <p:ph type="title"/>
           </p:nvPr>
         </p:nvSpPr>
-        <p:spPr/>
+        <p:spPr>
+          <a:xfrm>
+            <a:off x="457200" y="274636"/>
+            <a:ext cx="7467600" cy="5107745"/>
+          </a:xfrm>
+        </p:spPr>
         <p:txBody>
           <a:bodyPr>
             <a:normAutofit fontScale="90000"/>
@@ -7059,162 +7408,44 @@
           <a:p>
             <a:r>
               <a:rPr lang="en-US" dirty="0" smtClean="0"/>
-              <a:t>Some List Functions That can be Defined in Terms of Folding</a:t>
-            </a:r>
+              <a:t>Because we know how to pass functions around, we know how to implement these …</a:t>
+            </a:r>
+            <a:br>
+              <a:rPr lang="en-US" dirty="0" smtClean="0"/>
+            </a:br>
+            <a:r>
+              <a:rPr lang="en-US" dirty="0" smtClean="0"/>
+              <a:t/>
+            </a:r>
+            <a:br>
+              <a:rPr lang="en-US" dirty="0" smtClean="0"/>
+            </a:br>
+            <a:r>
+              <a:rPr lang="en-US" dirty="0" smtClean="0"/>
+              <a:t>… but we’ll probably duplicate</a:t>
+            </a:r>
+            <a:br>
+              <a:rPr lang="en-US" dirty="0" smtClean="0"/>
+            </a:br>
+            <a:r>
+              <a:rPr lang="en-US" dirty="0" smtClean="0"/>
+              <a:t>    code.</a:t>
+            </a:r>
+            <a:r>
+              <a:rPr lang="en-US" smtClean="0"/>
+              <a:t/>
+            </a:r>
+            <a:br>
+              <a:rPr lang="en-US" smtClean="0"/>
+            </a:br>
+            <a:r>
+              <a:rPr lang="en-US" smtClean="0"/>
+              <a:t/>
+            </a:r>
+            <a:br>
+              <a:rPr lang="en-US" smtClean="0"/>
+            </a:br>
             <a:endParaRPr lang="en-US" dirty="0"/>
-          </a:p>
-        </p:txBody>
-      </p:sp>
-      <p:sp>
-        <p:nvSpPr>
-          <p:cNvPr id="3" name="Content Placeholder 2"/>
-          <p:cNvSpPr>
-            <a:spLocks noGrp="1"/>
-          </p:cNvSpPr>
-          <p:nvPr>
-            <p:ph idx="1"/>
-          </p:nvPr>
-        </p:nvSpPr>
-        <p:spPr/>
-        <p:txBody>
-          <a:bodyPr>
-            <a:normAutofit lnSpcReduction="10000"/>
-          </a:bodyPr>
-          <a:lstStyle/>
-          <a:p>
-            <a:pPr>
-              <a:buFont typeface="Wingdings" charset="2"/>
-              <a:buChar char="§"/>
-            </a:pPr>
-            <a:r>
-              <a:rPr lang="en-US" dirty="0" smtClean="0"/>
-              <a:t>sum	= </a:t>
-            </a:r>
-            <a:r>
-              <a:rPr lang="en-US" dirty="0" err="1" smtClean="0"/>
-              <a:t>foldr</a:t>
-            </a:r>
-            <a:r>
-              <a:rPr lang="en-US" dirty="0" smtClean="0"/>
-              <a:t> (+) 0</a:t>
-            </a:r>
-          </a:p>
-          <a:p>
-            <a:pPr>
-              <a:buFont typeface="Wingdings" charset="2"/>
-              <a:buChar char="§"/>
-            </a:pPr>
-            <a:r>
-              <a:rPr lang="en-US" dirty="0" smtClean="0"/>
-              <a:t>product	= </a:t>
-            </a:r>
-            <a:r>
-              <a:rPr lang="en-US" dirty="0" err="1" smtClean="0"/>
-              <a:t>foldr</a:t>
-            </a:r>
-            <a:r>
-              <a:rPr lang="en-US" dirty="0" smtClean="0"/>
-              <a:t> (*) 1</a:t>
-            </a:r>
-          </a:p>
-          <a:p>
-            <a:pPr>
-              <a:buFont typeface="Wingdings" charset="2"/>
-              <a:buChar char="§"/>
-            </a:pPr>
-            <a:r>
-              <a:rPr lang="en-US" dirty="0" err="1" smtClean="0"/>
-              <a:t>anytrue</a:t>
-            </a:r>
-            <a:r>
-              <a:rPr lang="en-US" dirty="0" smtClean="0"/>
-              <a:t>	= </a:t>
-            </a:r>
-            <a:r>
-              <a:rPr lang="en-US" dirty="0" err="1" smtClean="0"/>
-              <a:t>foldr</a:t>
-            </a:r>
-            <a:r>
-              <a:rPr lang="en-US" dirty="0" smtClean="0"/>
-              <a:t> (∨) false</a:t>
-            </a:r>
-          </a:p>
-          <a:p>
-            <a:pPr>
-              <a:buFont typeface="Wingdings" charset="2"/>
-              <a:buChar char="§"/>
-            </a:pPr>
-            <a:r>
-              <a:rPr lang="en-US" dirty="0" err="1" smtClean="0"/>
-              <a:t>alltrue</a:t>
-            </a:r>
-            <a:r>
-              <a:rPr lang="en-US" dirty="0" smtClean="0"/>
-              <a:t>	= </a:t>
-            </a:r>
-            <a:r>
-              <a:rPr lang="en-US" dirty="0" err="1" smtClean="0"/>
-              <a:t>foldr</a:t>
-            </a:r>
-            <a:r>
-              <a:rPr lang="en-US" dirty="0" smtClean="0"/>
-              <a:t> (∧) true</a:t>
-            </a:r>
-          </a:p>
-          <a:p>
-            <a:pPr>
-              <a:buFont typeface="Wingdings" charset="2"/>
-              <a:buChar char="§"/>
-            </a:pPr>
-            <a:r>
-              <a:rPr lang="en-US" dirty="0" smtClean="0"/>
-              <a:t>map	= </a:t>
-            </a:r>
-            <a:r>
-              <a:rPr lang="en-US" dirty="0" err="1" smtClean="0"/>
-              <a:t>foldr</a:t>
-            </a:r>
-            <a:r>
-              <a:rPr lang="en-US" dirty="0" smtClean="0"/>
-              <a:t> (cons . </a:t>
-            </a:r>
-            <a:r>
-              <a:rPr lang="en-US" dirty="0" err="1" smtClean="0"/>
-              <a:t>f</a:t>
-            </a:r>
-            <a:r>
-              <a:rPr lang="en-US" dirty="0" smtClean="0"/>
-              <a:t>) []</a:t>
-            </a:r>
-          </a:p>
-          <a:p>
-            <a:pPr>
-              <a:buFont typeface="Wingdings" charset="2"/>
-              <a:buChar char="§"/>
-            </a:pPr>
-            <a:endParaRPr lang="en-US" dirty="0" smtClean="0"/>
-          </a:p>
-          <a:p>
-            <a:pPr>
-              <a:buFont typeface="Wingdings" charset="2"/>
-              <a:buChar char="§"/>
-            </a:pPr>
-            <a:r>
-              <a:rPr lang="en-US" dirty="0" smtClean="0"/>
-              <a:t>By </a:t>
-            </a:r>
-            <a:r>
-              <a:rPr lang="en-US" dirty="0" smtClean="0">
-                <a:solidFill>
-                  <a:srgbClr val="A8C6D0"/>
-                </a:solidFill>
-              </a:rPr>
-              <a:t>partially applying </a:t>
-            </a:r>
-            <a:r>
-              <a:rPr lang="en-US" dirty="0" smtClean="0"/>
-              <a:t>folds, we can define new list functions with very little programming!</a:t>
-            </a:r>
           </a:p>
         </p:txBody>
       </p:sp>
@@ -7223,6 +7454,13 @@
   <p:clrMapOvr>
     <a:masterClrMapping/>
   </p:clrMapOvr>
+  <p:timing>
+    <p:tnLst>
+      <p:par>
+        <p:cTn id="1" dur="indefinite" restart="never" nodeType="tmRoot"/>
+      </p:par>
+    </p:tnLst>
+  </p:timing>
 </p:sld>
 </file>
 
@@ -7253,72 +7491,70 @@
             <p:ph type="title"/>
           </p:nvPr>
         </p:nvSpPr>
-        <p:spPr/>
-        <p:txBody>
-          <a:bodyPr/>
-          <a:lstStyle/>
-          <a:p>
-            <a:r>
-              <a:rPr lang="en-US" dirty="0" smtClean="0"/>
-              <a:t>Real-World Examples</a:t>
+        <p:spPr>
+          <a:xfrm>
+            <a:off x="457200" y="274636"/>
+            <a:ext cx="7467600" cy="5107745"/>
+          </a:xfrm>
+        </p:spPr>
+        <p:txBody>
+          <a:bodyPr>
+            <a:normAutofit fontScale="90000"/>
+          </a:bodyPr>
+          <a:lstStyle/>
+          <a:p>
+            <a:r>
+              <a:rPr lang="en-US" dirty="0" smtClean="0"/>
+              <a:t>Because we know how to pass functions around, we know how to implement these …</a:t>
+            </a:r>
+            <a:br>
+              <a:rPr lang="en-US" dirty="0" smtClean="0"/>
+            </a:br>
+            <a:r>
+              <a:rPr lang="en-US" dirty="0" smtClean="0"/>
+              <a:t/>
+            </a:r>
+            <a:br>
+              <a:rPr lang="en-US" dirty="0" smtClean="0"/>
+            </a:br>
+            <a:r>
+              <a:rPr lang="en-US" dirty="0" smtClean="0"/>
+              <a:t>… but we’ll probably duplicate</a:t>
+            </a:r>
+            <a:br>
+              <a:rPr lang="en-US" dirty="0" smtClean="0"/>
+            </a:br>
+            <a:r>
+              <a:rPr lang="en-US" dirty="0" smtClean="0"/>
+              <a:t>    code.</a:t>
+            </a:r>
+            <a:br>
+              <a:rPr lang="en-US" dirty="0" smtClean="0"/>
+            </a:br>
+            <a:r>
+              <a:rPr lang="en-US" dirty="0" smtClean="0"/>
+              <a:t/>
+            </a:r>
+            <a:br>
+              <a:rPr lang="en-US" dirty="0" smtClean="0"/>
+            </a:br>
+            <a:r>
+              <a:rPr lang="en-US" dirty="0" smtClean="0"/>
+              <a:t>Let’s talk about </a:t>
+            </a:r>
+            <a:r>
+              <a:rPr lang="en-US" dirty="0" smtClean="0">
+                <a:solidFill>
+                  <a:srgbClr val="A8C6D0"/>
+                </a:solidFill>
+              </a:rPr>
+              <a:t>folding</a:t>
+            </a:r>
+            <a:r>
+              <a:rPr lang="en-US" dirty="0" smtClean="0"/>
+              <a:t>.</a:t>
             </a:r>
             <a:endParaRPr lang="en-US" dirty="0"/>
-          </a:p>
-        </p:txBody>
-      </p:sp>
-      <p:sp>
-        <p:nvSpPr>
-          <p:cNvPr id="3" name="Content Placeholder 2"/>
-          <p:cNvSpPr>
-            <a:spLocks noGrp="1"/>
-          </p:cNvSpPr>
-          <p:nvPr>
-            <p:ph idx="1"/>
-          </p:nvPr>
-        </p:nvSpPr>
-        <p:spPr/>
-        <p:txBody>
-          <a:bodyPr/>
-          <a:lstStyle/>
-          <a:p>
-            <a:pPr>
-              <a:buFont typeface="Wingdings" charset="2"/>
-              <a:buChar char="§"/>
-            </a:pPr>
-            <a:r>
-              <a:rPr lang="en-US" dirty="0" smtClean="0"/>
-              <a:t>Higher-order functions pay dividends (strategy pattern, factory, factories of factories, …)</a:t>
-            </a:r>
-          </a:p>
-          <a:p>
-            <a:pPr>
-              <a:buFont typeface="Wingdings" charset="2"/>
-              <a:buChar char="§"/>
-            </a:pPr>
-            <a:r>
-              <a:rPr lang="en-US" dirty="0" smtClean="0"/>
-              <a:t>“loan” pattern.</a:t>
-            </a:r>
-          </a:p>
-          <a:p>
-            <a:pPr>
-              <a:buFont typeface="Wingdings" charset="2"/>
-              <a:buChar char="§"/>
-            </a:pPr>
-            <a:r>
-              <a:rPr lang="en-US" dirty="0" smtClean="0"/>
-              <a:t>Event handling in the Lift framework.</a:t>
-            </a:r>
-          </a:p>
-          <a:p>
-            <a:pPr>
-              <a:buFont typeface="Wingdings" charset="2"/>
-              <a:buChar char="§"/>
-            </a:pPr>
-            <a:r>
-              <a:rPr lang="en-US" dirty="0" smtClean="0"/>
-              <a:t>List tasks (partitioning, filtering, transforming).</a:t>
-            </a:r>
           </a:p>
         </p:txBody>
       </p:sp>
@@ -7327,6 +7563,13 @@
   <p:clrMapOvr>
     <a:masterClrMapping/>
   </p:clrMapOvr>
+  <p:timing>
+    <p:tnLst>
+      <p:par>
+        <p:cTn id="1" dur="indefinite" restart="never" nodeType="tmRoot"/>
+      </p:par>
+    </p:tnLst>
+  </p:timing>
 </p:sld>
 </file>
 
@@ -7364,7 +7607,7 @@
           <a:p>
             <a:r>
               <a:rPr lang="en-US" dirty="0" smtClean="0"/>
-              <a:t>What we Didn’t Cover</a:t>
+              <a:t>In JavaScript:</a:t>
             </a:r>
             <a:endParaRPr lang="en-US" dirty="0"/>
           </a:p>
@@ -7372,102 +7615,105 @@
       </p:sp>
       <p:sp>
         <p:nvSpPr>
-          <p:cNvPr id="3" name="Content Placeholder 2"/>
-          <p:cNvSpPr>
-            <a:spLocks noGrp="1"/>
-          </p:cNvSpPr>
-          <p:nvPr>
-            <p:ph idx="1"/>
-          </p:nvPr>
-        </p:nvSpPr>
-        <p:spPr/>
-        <p:txBody>
-          <a:bodyPr/>
-          <a:lstStyle/>
-          <a:p>
-            <a:pPr>
-              <a:buFont typeface="Wingdings" charset="2"/>
-              <a:buChar char="§"/>
-            </a:pPr>
-            <a:r>
-              <a:rPr lang="en-US" dirty="0" smtClean="0"/>
-              <a:t>Currying</a:t>
-            </a:r>
-          </a:p>
-          <a:p>
-            <a:pPr>
-              <a:buFont typeface="Wingdings" charset="2"/>
-              <a:buChar char="§"/>
-            </a:pPr>
-            <a:r>
-              <a:rPr lang="en-US" dirty="0" smtClean="0"/>
-              <a:t>Pattern matching</a:t>
-            </a:r>
-          </a:p>
-          <a:p>
-            <a:pPr>
-              <a:buFont typeface="Wingdings" charset="2"/>
-              <a:buChar char="§"/>
-            </a:pPr>
-            <a:r>
-              <a:rPr lang="en-US" dirty="0" smtClean="0"/>
-              <a:t>Type inference, higher-</a:t>
-            </a:r>
-            <a:r>
-              <a:rPr lang="en-US" dirty="0" err="1" smtClean="0"/>
-              <a:t>kinded</a:t>
-            </a:r>
-            <a:r>
-              <a:rPr lang="en-US" dirty="0" smtClean="0"/>
-              <a:t> types, and general type systems</a:t>
-            </a:r>
-          </a:p>
-          <a:p>
-            <a:pPr>
-              <a:buFont typeface="Wingdings" charset="2"/>
-              <a:buChar char="§"/>
-            </a:pPr>
-            <a:r>
-              <a:rPr lang="en-US" dirty="0" smtClean="0"/>
-              <a:t>Partial function application</a:t>
-            </a:r>
-          </a:p>
-          <a:p>
-            <a:pPr>
-              <a:buFont typeface="Wingdings" charset="2"/>
-              <a:buChar char="§"/>
-            </a:pPr>
-            <a:r>
-              <a:rPr lang="en-US" dirty="0" smtClean="0"/>
-              <a:t>Monads</a:t>
-            </a:r>
-          </a:p>
-          <a:p>
-            <a:pPr>
-              <a:buFont typeface="Wingdings" charset="2"/>
-              <a:buChar char="§"/>
-            </a:pPr>
-            <a:r>
-              <a:rPr lang="en-US" dirty="0" smtClean="0"/>
-              <a:t>Lazy </a:t>
-            </a:r>
-            <a:r>
-              <a:rPr lang="en-US" dirty="0" err="1" smtClean="0"/>
-              <a:t>vs</a:t>
-            </a:r>
-            <a:r>
-              <a:rPr lang="en-US" dirty="0" smtClean="0"/>
-              <a:t> strict evaluation</a:t>
-            </a:r>
-          </a:p>
-          <a:p>
-            <a:pPr>
-              <a:buFont typeface="Wingdings" charset="2"/>
-              <a:buChar char="§"/>
-            </a:pPr>
-            <a:r>
-              <a:rPr lang="en-US" dirty="0" smtClean="0"/>
-              <a:t>MORE!</a:t>
+          <p:cNvPr id="4" name="TextBox 3"/>
+          <p:cNvSpPr txBox="1"/>
+          <p:nvPr/>
+        </p:nvSpPr>
+        <p:spPr>
+          <a:xfrm>
+            <a:off x="457200" y="1862667"/>
+            <a:ext cx="6004932" cy="2785378"/>
+          </a:xfrm>
+          <a:prstGeom prst="rect">
+            <a:avLst/>
+          </a:prstGeom>
+          <a:noFill/>
+        </p:spPr>
+        <p:txBody>
+          <a:bodyPr wrap="none" rtlCol="0">
+            <a:spAutoFit/>
+          </a:bodyPr>
+          <a:lstStyle/>
+          <a:p>
+            <a:r>
+              <a:rPr lang="en-US" sz="2500" dirty="0" smtClean="0"/>
+              <a:t>function </a:t>
+            </a:r>
+            <a:r>
+              <a:rPr lang="en-US" sz="2500" dirty="0" err="1" smtClean="0"/>
+              <a:t>foldr(list</a:t>
+            </a:r>
+            <a:r>
+              <a:rPr lang="en-US" sz="2500" dirty="0" smtClean="0"/>
+              <a:t>, init, </a:t>
+            </a:r>
+            <a:r>
+              <a:rPr lang="en-US" sz="2500" dirty="0" err="1" smtClean="0"/>
+              <a:t>f</a:t>
+            </a:r>
+            <a:r>
+              <a:rPr lang="en-US" sz="2500" dirty="0" smtClean="0"/>
+              <a:t>) {</a:t>
+            </a:r>
+          </a:p>
+          <a:p>
+            <a:r>
+              <a:rPr lang="en-US" sz="2500" dirty="0" smtClean="0"/>
+              <a:t>  </a:t>
+            </a:r>
+            <a:r>
+              <a:rPr lang="en-US" sz="2500" dirty="0" err="1" smtClean="0"/>
+              <a:t>if(list.length</a:t>
+            </a:r>
+            <a:r>
+              <a:rPr lang="en-US" sz="2500" dirty="0" smtClean="0"/>
+              <a:t> == 0)</a:t>
+            </a:r>
+          </a:p>
+          <a:p>
+            <a:r>
+              <a:rPr lang="en-US" sz="2500" dirty="0" smtClean="0"/>
+              <a:t>    return init;</a:t>
+            </a:r>
+          </a:p>
+          <a:p>
+            <a:r>
+              <a:rPr lang="en-US" sz="2500" dirty="0" smtClean="0"/>
+              <a:t>  else {</a:t>
+            </a:r>
+          </a:p>
+          <a:p>
+            <a:r>
+              <a:rPr lang="en-US" sz="2500" dirty="0" smtClean="0"/>
+              <a:t>    return foldr(list.slice(1), </a:t>
+            </a:r>
+            <a:r>
+              <a:rPr lang="en-US" sz="2500" dirty="0" err="1" smtClean="0"/>
+              <a:t>f(init</a:t>
+            </a:r>
+            <a:r>
+              <a:rPr lang="en-US" sz="2500" dirty="0" smtClean="0"/>
+              <a:t>, list[0]), </a:t>
+            </a:r>
+            <a:r>
+              <a:rPr lang="en-US" sz="2500" dirty="0" err="1" smtClean="0"/>
+              <a:t>f</a:t>
+            </a:r>
+            <a:r>
+              <a:rPr lang="en-US" sz="2500" dirty="0" smtClean="0"/>
+              <a:t>);</a:t>
+            </a:r>
+          </a:p>
+          <a:p>
+            <a:r>
+              <a:rPr lang="en-US" sz="2500" dirty="0" smtClean="0"/>
+              <a:t>  }</a:t>
+            </a:r>
+          </a:p>
+          <a:p>
+            <a:r>
+              <a:rPr lang="en-US" sz="2500" dirty="0" smtClean="0"/>
+              <a:t>}</a:t>
             </a:r>
           </a:p>
         </p:txBody>
@@ -7477,6 +7723,13 @@
   <p:clrMapOvr>
     <a:masterClrMapping/>
   </p:clrMapOvr>
+  <p:timing>
+    <p:tnLst>
+      <p:par>
+        <p:cTn id="1" dur="indefinite" restart="never" nodeType="tmRoot"/>
+      </p:par>
+    </p:tnLst>
+  </p:timing>
 </p:sld>
 </file>
 
@@ -7553,42 +7806,37 @@
             </a:pPr>
             <a:r>
               <a:rPr lang="en-US" dirty="0" smtClean="0"/>
-              <a:t>Functions may receive functions as parameters and return functions as results.</a:t>
-            </a:r>
-          </a:p>
-          <a:p>
-            <a:pPr>
+              <a:t>Developed at Princeton in the 1930s by Alonzo Church (and others). </a:t>
+            </a:r>
+          </a:p>
+          <a:p>
+            <a:pPr marL="420624" lvl="1" indent="-384048">
+              <a:buSzPct val="80000"/>
               <a:buFont typeface="Wingdings" charset="2"/>
               <a:buChar char="§"/>
             </a:pPr>
             <a:r>
-              <a:rPr lang="en-US" dirty="0" smtClean="0"/>
-              <a:t>A lambda may “close” over free variables to create a </a:t>
-            </a:r>
-            <a:r>
-              <a:rPr lang="en-US" dirty="0" smtClean="0">
-                <a:solidFill>
-                  <a:schemeClr val="accent1">
-                    <a:lumMod val="60000"/>
-                    <a:lumOff val="40000"/>
-                  </a:schemeClr>
-                </a:solidFill>
-              </a:rPr>
-              <a:t>closure</a:t>
-            </a:r>
-            <a:r>
-              <a:rPr lang="en-US" dirty="0" smtClean="0"/>
-              <a:t>.</a:t>
-            </a:r>
-          </a:p>
-          <a:p>
-            <a:pPr>
+              <a:rPr lang="en-US" sz="3000" dirty="0" smtClean="0"/>
+              <a:t>Formal system for function definition, application, and recursion.</a:t>
+            </a:r>
+          </a:p>
+          <a:p>
+            <a:pPr marL="420624" lvl="1" indent="-384048">
+              <a:buSzPct val="80000"/>
               <a:buFont typeface="Wingdings" charset="2"/>
               <a:buChar char="§"/>
             </a:pPr>
             <a:r>
               <a:rPr lang="en-US" sz="3000" dirty="0" smtClean="0"/>
-              <a:t>Turing complete.</a:t>
+              <a:t>Not focused on the physical world, but abstract problems about </a:t>
+            </a:r>
+            <a:r>
+              <a:rPr lang="en-US" sz="3000" i="1" dirty="0" smtClean="0"/>
+              <a:t>computation</a:t>
+            </a:r>
+            <a:r>
+              <a:rPr lang="en-US" sz="3000" dirty="0" smtClean="0"/>
+              <a:t>.</a:t>
             </a:r>
           </a:p>
         </p:txBody>
@@ -7640,10 +7888,17 @@
           <a:bodyPr/>
           <a:lstStyle/>
           <a:p>
-            <a:pPr algn="ctr"/>
-            <a:r>
-              <a:rPr lang="en-US" dirty="0" smtClean="0"/>
-              <a:t>Questions?</a:t>
+            <a:r>
+              <a:rPr lang="en-US" dirty="0" smtClean="0"/>
+              <a:t>In </a:t>
+            </a:r>
+            <a:r>
+              <a:rPr lang="en-US" dirty="0" err="1" smtClean="0"/>
+              <a:t>Scala</a:t>
+            </a:r>
+            <a:r>
+              <a:rPr lang="en-US" dirty="0" smtClean="0"/>
+              <a:t>:</a:t>
             </a:r>
             <a:endParaRPr lang="en-US" dirty="0"/>
           </a:p>
@@ -7651,66 +7906,321 @@
       </p:sp>
       <p:sp>
         <p:nvSpPr>
-          <p:cNvPr id="3" name="Content Placeholder 2"/>
-          <p:cNvSpPr>
-            <a:spLocks noGrp="1"/>
-          </p:cNvSpPr>
-          <p:nvPr>
-            <p:ph idx="1"/>
-          </p:nvPr>
+          <p:cNvPr id="4" name="TextBox 3"/>
+          <p:cNvSpPr txBox="1"/>
+          <p:nvPr/>
         </p:nvSpPr>
         <p:spPr>
           <a:xfrm>
-            <a:off x="457199" y="1600200"/>
-            <a:ext cx="8106937" cy="4525963"/>
+            <a:off x="457200" y="1862667"/>
+            <a:ext cx="7463144" cy="2015936"/>
           </a:xfrm>
+          <a:prstGeom prst="rect">
+            <a:avLst/>
+          </a:prstGeom>
+          <a:noFill/>
         </p:spPr>
         <p:txBody>
-          <a:bodyPr/>
+          <a:bodyPr wrap="none" rtlCol="0">
+            <a:spAutoFit/>
+          </a:bodyPr>
+          <a:lstStyle/>
+          <a:p>
+            <a:r>
+              <a:rPr lang="en-US" sz="2500" dirty="0" smtClean="0"/>
+              <a:t>def </a:t>
+            </a:r>
+            <a:r>
+              <a:rPr lang="en-US" sz="2500" dirty="0" err="1" smtClean="0"/>
+              <a:t>foldr[A</a:t>
+            </a:r>
+            <a:r>
+              <a:rPr lang="en-US" sz="2500" dirty="0" smtClean="0"/>
+              <a:t>, </a:t>
+            </a:r>
+            <a:r>
+              <a:rPr lang="en-US" sz="2500" dirty="0" err="1" smtClean="0"/>
+              <a:t>B](list</a:t>
+            </a:r>
+            <a:r>
+              <a:rPr lang="en-US" sz="2500" dirty="0" smtClean="0"/>
+              <a:t>: </a:t>
+            </a:r>
+            <a:r>
+              <a:rPr lang="en-US" sz="2500" dirty="0" err="1" smtClean="0"/>
+              <a:t>List[A</a:t>
+            </a:r>
+            <a:r>
+              <a:rPr lang="en-US" sz="2500" dirty="0" smtClean="0"/>
+              <a:t>], init: B, </a:t>
+            </a:r>
+            <a:r>
+              <a:rPr lang="en-US" sz="2500" dirty="0" err="1" smtClean="0"/>
+              <a:t>f</a:t>
+            </a:r>
+            <a:r>
+              <a:rPr lang="en-US" sz="2500" dirty="0" smtClean="0"/>
+              <a:t>: (B, A) =&gt; B): B =</a:t>
+            </a:r>
+          </a:p>
+          <a:p>
+            <a:r>
+              <a:rPr lang="en-US" sz="2500" dirty="0" smtClean="0"/>
+              <a:t>  list match {</a:t>
+            </a:r>
+          </a:p>
+          <a:p>
+            <a:r>
+              <a:rPr lang="en-US" sz="2500" dirty="0" smtClean="0"/>
+              <a:t>    case Nil =&gt; init</a:t>
+            </a:r>
+          </a:p>
+          <a:p>
+            <a:r>
+              <a:rPr lang="en-US" sz="2500" dirty="0" smtClean="0"/>
+              <a:t>    case head :: tail =&gt; </a:t>
+            </a:r>
+            <a:r>
+              <a:rPr lang="en-US" sz="2500" dirty="0" err="1" smtClean="0"/>
+              <a:t>foldr(tail</a:t>
+            </a:r>
+            <a:r>
+              <a:rPr lang="en-US" sz="2500" dirty="0" smtClean="0"/>
+              <a:t>, </a:t>
+            </a:r>
+            <a:r>
+              <a:rPr lang="en-US" sz="2500" dirty="0" err="1" smtClean="0"/>
+              <a:t>f(init</a:t>
+            </a:r>
+            <a:r>
+              <a:rPr lang="en-US" sz="2500" dirty="0" smtClean="0"/>
+              <a:t>, head), </a:t>
+            </a:r>
+            <a:r>
+              <a:rPr lang="en-US" sz="2500" dirty="0" err="1" smtClean="0"/>
+              <a:t>f</a:t>
+            </a:r>
+            <a:r>
+              <a:rPr lang="en-US" sz="2500" dirty="0" smtClean="0"/>
+              <a:t>)</a:t>
+            </a:r>
+          </a:p>
+          <a:p>
+            <a:r>
+              <a:rPr lang="en-US" sz="2500" dirty="0" smtClean="0"/>
+              <a:t>  }</a:t>
+            </a:r>
+          </a:p>
+        </p:txBody>
+      </p:sp>
+    </p:spTree>
+  </p:cSld>
+  <p:clrMapOvr>
+    <a:masterClrMapping/>
+  </p:clrMapOvr>
+  <p:timing>
+    <p:tnLst>
+      <p:par>
+        <p:cTn id="1" dur="indefinite" restart="never" nodeType="tmRoot"/>
+      </p:par>
+    </p:tnLst>
+  </p:timing>
+</p:sld>
+</file>
+
+<file path=ppt/slides/slide31.xml><?xml version="1.0" encoding="utf-8"?>
+<p:sld xmlns:a="http://schemas.openxmlformats.org/drawingml/2006/main" xmlns:r="http://schemas.openxmlformats.org/officeDocument/2006/relationships" xmlns:mc="http://schemas.openxmlformats.org/markup-compatibility/2006" xmlns:mv="urn:schemas-microsoft-com:mac:vml" xmlns:p="http://schemas.openxmlformats.org/presentationml/2006/main" mc:Ignorable="mv" mc:PreserveAttributes="mv:*">
+  <p:cSld>
+    <p:spTree>
+      <p:nvGrpSpPr>
+        <p:cNvPr id="1" name=""/>
+        <p:cNvGrpSpPr/>
+        <p:nvPr/>
+      </p:nvGrpSpPr>
+      <p:grpSpPr>
+        <a:xfrm>
+          <a:off x="0" y="0"/>
+          <a:ext cx="0" cy="0"/>
+          <a:chOff x="0" y="0"/>
+          <a:chExt cx="0" cy="0"/>
+        </a:xfrm>
+      </p:grpSpPr>
+      <p:sp>
+        <p:nvSpPr>
+          <p:cNvPr id="2" name="Title 1"/>
+          <p:cNvSpPr>
+            <a:spLocks noGrp="1"/>
+          </p:cNvSpPr>
+          <p:nvPr>
+            <p:ph type="title"/>
+          </p:nvPr>
+        </p:nvSpPr>
+        <p:spPr/>
+        <p:txBody>
+          <a:bodyPr>
+            <a:normAutofit fontScale="90000"/>
+          </a:bodyPr>
+          <a:lstStyle/>
+          <a:p>
+            <a:r>
+              <a:rPr lang="en-US" dirty="0" smtClean="0"/>
+              <a:t>Some List Functions That can be Defined in Terms of Folding</a:t>
+            </a:r>
+            <a:endParaRPr lang="en-US" dirty="0"/>
+          </a:p>
+        </p:txBody>
+      </p:sp>
+      <p:sp>
+        <p:nvSpPr>
+          <p:cNvPr id="3" name="Content Placeholder 2"/>
+          <p:cNvSpPr>
+            <a:spLocks noGrp="1"/>
+          </p:cNvSpPr>
+          <p:nvPr>
+            <p:ph idx="1"/>
+          </p:nvPr>
+        </p:nvSpPr>
+        <p:spPr/>
+        <p:txBody>
+          <a:bodyPr>
+            <a:normAutofit lnSpcReduction="10000"/>
+          </a:bodyPr>
           <a:lstStyle/>
           <a:p>
             <a:pPr>
-              <a:buNone/>
+              <a:buFont typeface="Wingdings" charset="2"/>
+              <a:buChar char="§"/>
             </a:pPr>
             <a:r>
               <a:rPr lang="en-US" dirty="0" smtClean="0"/>
-              <a:t>Sample code available at</a:t>
+              <a:t>sum	= </a:t>
+            </a:r>
+            <a:r>
+              <a:rPr lang="en-US" dirty="0" err="1" smtClean="0"/>
+              <a:t>foldr</a:t>
+            </a:r>
+            <a:r>
+              <a:rPr lang="en-US" dirty="0" smtClean="0"/>
+              <a:t> (+) 0</a:t>
+            </a:r>
+          </a:p>
+          <a:p>
+            <a:pPr>
+              <a:buFont typeface="Wingdings" charset="2"/>
+              <a:buChar char="§"/>
+            </a:pPr>
+            <a:r>
+              <a:rPr lang="en-US" dirty="0" smtClean="0"/>
+              <a:t>product	= </a:t>
+            </a:r>
+            <a:r>
+              <a:rPr lang="en-US" dirty="0" err="1" smtClean="0"/>
+              <a:t>foldr</a:t>
+            </a:r>
+            <a:r>
+              <a:rPr lang="en-US" dirty="0" smtClean="0"/>
+              <a:t> (*) 1</a:t>
+            </a:r>
+          </a:p>
+          <a:p>
+            <a:pPr>
+              <a:buFont typeface="Wingdings" charset="2"/>
+              <a:buChar char="§"/>
+            </a:pPr>
+            <a:r>
+              <a:rPr lang="en-US" dirty="0" err="1" smtClean="0"/>
+              <a:t>anytrue</a:t>
+            </a:r>
+            <a:r>
+              <a:rPr lang="en-US" dirty="0" smtClean="0"/>
+              <a:t>	= </a:t>
+            </a:r>
+            <a:r>
+              <a:rPr lang="en-US" dirty="0" err="1" smtClean="0"/>
+              <a:t>foldr</a:t>
+            </a:r>
+            <a:r>
+              <a:rPr lang="en-US" dirty="0" smtClean="0"/>
+              <a:t> (∨) false</a:t>
+            </a:r>
+          </a:p>
+          <a:p>
+            <a:pPr>
+              <a:buFont typeface="Wingdings" charset="2"/>
+              <a:buChar char="§"/>
+            </a:pPr>
+            <a:r>
+              <a:rPr lang="en-US" dirty="0" err="1" smtClean="0"/>
+              <a:t>alltrue</a:t>
+            </a:r>
+            <a:r>
+              <a:rPr lang="en-US" dirty="0" smtClean="0"/>
+              <a:t>	= </a:t>
+            </a:r>
+            <a:r>
+              <a:rPr lang="en-US" dirty="0" err="1" smtClean="0"/>
+              <a:t>foldr</a:t>
+            </a:r>
+            <a:r>
+              <a:rPr lang="en-US" dirty="0" smtClean="0"/>
+              <a:t> (∧) true</a:t>
+            </a:r>
+          </a:p>
+          <a:p>
+            <a:pPr>
+              <a:buFont typeface="Wingdings" charset="2"/>
+              <a:buChar char="§"/>
+            </a:pPr>
+            <a:r>
+              <a:rPr lang="en-US" dirty="0" smtClean="0"/>
+              <a:t>map	= </a:t>
+            </a:r>
+            <a:r>
+              <a:rPr lang="en-US" dirty="0" err="1" smtClean="0"/>
+              <a:t>foldr</a:t>
+            </a:r>
+            <a:r>
+              <a:rPr lang="en-US" dirty="0" smtClean="0"/>
+              <a:t> (cons . </a:t>
+            </a:r>
+            <a:r>
+              <a:rPr lang="en-US" dirty="0" err="1" smtClean="0"/>
+              <a:t>f</a:t>
+            </a:r>
+            <a:r>
+              <a:rPr lang="en-US" dirty="0" smtClean="0"/>
+              <a:t>) []</a:t>
+            </a:r>
+            <a:endParaRPr lang="en-US" dirty="0" smtClean="0"/>
+          </a:p>
+          <a:p>
+            <a:pPr>
+              <a:buFont typeface="Wingdings" charset="2"/>
+              <a:buChar char="§"/>
+            </a:pPr>
+            <a:endParaRPr lang="en-US" dirty="0" smtClean="0"/>
+          </a:p>
+          <a:p>
+            <a:pPr>
+              <a:buFont typeface="Wingdings" charset="2"/>
+              <a:buChar char="§"/>
+            </a:pPr>
+            <a:r>
+              <a:rPr lang="en-US" dirty="0" smtClean="0"/>
+              <a:t>By </a:t>
             </a:r>
             <a:r>
               <a:rPr lang="en-US" dirty="0" smtClean="0">
                 <a:solidFill>
-                  <a:schemeClr val="accent1">
-                    <a:lumMod val="60000"/>
-                    <a:lumOff val="40000"/>
-                  </a:schemeClr>
-                </a:solidFill>
-              </a:rPr>
-              <a:t> </a:t>
-            </a:r>
-            <a:br>
-              <a:rPr lang="en-US" dirty="0" smtClean="0">
-                <a:solidFill>
-                  <a:schemeClr val="accent1">
-                    <a:lumMod val="60000"/>
-                    <a:lumOff val="40000"/>
-                  </a:schemeClr>
-                </a:solidFill>
-              </a:rPr>
-            </a:br>
-            <a:r>
-              <a:rPr lang="en-US" sz="2000" dirty="0" smtClean="0">
-                <a:solidFill>
-                  <a:schemeClr val="accent1">
-                    <a:lumMod val="60000"/>
-                    <a:lumOff val="40000"/>
-                  </a:schemeClr>
-                </a:solidFill>
-              </a:rPr>
-              <a:t>http://github.com/chrislewis/JaxFunc_0_ImperativelyFunctional</a:t>
-            </a:r>
-          </a:p>
-          <a:p>
-            <a:endParaRPr lang="en-US" dirty="0"/>
+                  <a:srgbClr val="A8C6D0"/>
+                </a:solidFill>
+              </a:rPr>
+              <a:t>partially applying </a:t>
+            </a:r>
+            <a:r>
+              <a:rPr lang="en-US" dirty="0" smtClean="0"/>
+              <a:t>folds, we can define new list functions with very little programming!</a:t>
+            </a:r>
           </a:p>
         </p:txBody>
       </p:sp>
@@ -7722,7 +8232,375 @@
 </p:sld>
 </file>
 
-<file path=ppt/slides/slide31.xml><?xml version="1.0" encoding="utf-8"?>
+<file path=ppt/slides/slide32.xml><?xml version="1.0" encoding="utf-8"?>
+<p:sld xmlns:a="http://schemas.openxmlformats.org/drawingml/2006/main" xmlns:r="http://schemas.openxmlformats.org/officeDocument/2006/relationships" xmlns:mc="http://schemas.openxmlformats.org/markup-compatibility/2006" xmlns:mv="urn:schemas-microsoft-com:mac:vml" xmlns:p="http://schemas.openxmlformats.org/presentationml/2006/main" mc:Ignorable="mv" mc:PreserveAttributes="mv:*">
+  <p:cSld>
+    <p:spTree>
+      <p:nvGrpSpPr>
+        <p:cNvPr id="1" name=""/>
+        <p:cNvGrpSpPr/>
+        <p:nvPr/>
+      </p:nvGrpSpPr>
+      <p:grpSpPr>
+        <a:xfrm>
+          <a:off x="0" y="0"/>
+          <a:ext cx="0" cy="0"/>
+          <a:chOff x="0" y="0"/>
+          <a:chExt cx="0" cy="0"/>
+        </a:xfrm>
+      </p:grpSpPr>
+      <p:sp>
+        <p:nvSpPr>
+          <p:cNvPr id="2" name="Title 1"/>
+          <p:cNvSpPr>
+            <a:spLocks noGrp="1"/>
+          </p:cNvSpPr>
+          <p:nvPr>
+            <p:ph type="title"/>
+          </p:nvPr>
+        </p:nvSpPr>
+        <p:spPr/>
+        <p:txBody>
+          <a:bodyPr/>
+          <a:lstStyle/>
+          <a:p>
+            <a:r>
+              <a:rPr lang="en-US" dirty="0" smtClean="0"/>
+              <a:t>Real-World Examples</a:t>
+            </a:r>
+            <a:endParaRPr lang="en-US" dirty="0"/>
+          </a:p>
+        </p:txBody>
+      </p:sp>
+      <p:sp>
+        <p:nvSpPr>
+          <p:cNvPr id="3" name="Content Placeholder 2"/>
+          <p:cNvSpPr>
+            <a:spLocks noGrp="1"/>
+          </p:cNvSpPr>
+          <p:nvPr>
+            <p:ph idx="1"/>
+          </p:nvPr>
+        </p:nvSpPr>
+        <p:spPr/>
+        <p:txBody>
+          <a:bodyPr/>
+          <a:lstStyle/>
+          <a:p>
+            <a:pPr>
+              <a:buFont typeface="Wingdings" charset="2"/>
+              <a:buChar char="§"/>
+            </a:pPr>
+            <a:r>
+              <a:rPr lang="en-US" dirty="0" smtClean="0"/>
+              <a:t>Higher-order functions pay dividends (strategy pattern, factory, factories of factories, …)</a:t>
+            </a:r>
+          </a:p>
+          <a:p>
+            <a:pPr>
+              <a:buFont typeface="Wingdings" charset="2"/>
+              <a:buChar char="§"/>
+            </a:pPr>
+            <a:r>
+              <a:rPr lang="en-US" dirty="0" smtClean="0"/>
+              <a:t>“loan” pattern.</a:t>
+            </a:r>
+          </a:p>
+          <a:p>
+            <a:pPr>
+              <a:buFont typeface="Wingdings" charset="2"/>
+              <a:buChar char="§"/>
+            </a:pPr>
+            <a:r>
+              <a:rPr lang="en-US" dirty="0" smtClean="0"/>
+              <a:t>Event handling in the Lift framework.</a:t>
+            </a:r>
+          </a:p>
+          <a:p>
+            <a:pPr>
+              <a:buFont typeface="Wingdings" charset="2"/>
+              <a:buChar char="§"/>
+            </a:pPr>
+            <a:r>
+              <a:rPr lang="en-US" dirty="0" smtClean="0"/>
+              <a:t>List tasks (partitioning, filtering, transforming).</a:t>
+            </a:r>
+          </a:p>
+        </p:txBody>
+      </p:sp>
+    </p:spTree>
+  </p:cSld>
+  <p:clrMapOvr>
+    <a:masterClrMapping/>
+  </p:clrMapOvr>
+</p:sld>
+</file>
+
+<file path=ppt/slides/slide33.xml><?xml version="1.0" encoding="utf-8"?>
+<p:sld xmlns:a="http://schemas.openxmlformats.org/drawingml/2006/main" xmlns:r="http://schemas.openxmlformats.org/officeDocument/2006/relationships" xmlns:mc="http://schemas.openxmlformats.org/markup-compatibility/2006" xmlns:mv="urn:schemas-microsoft-com:mac:vml" xmlns:p="http://schemas.openxmlformats.org/presentationml/2006/main" mc:Ignorable="mv" mc:PreserveAttributes="mv:*">
+  <p:cSld>
+    <p:spTree>
+      <p:nvGrpSpPr>
+        <p:cNvPr id="1" name=""/>
+        <p:cNvGrpSpPr/>
+        <p:nvPr/>
+      </p:nvGrpSpPr>
+      <p:grpSpPr>
+        <a:xfrm>
+          <a:off x="0" y="0"/>
+          <a:ext cx="0" cy="0"/>
+          <a:chOff x="0" y="0"/>
+          <a:chExt cx="0" cy="0"/>
+        </a:xfrm>
+      </p:grpSpPr>
+      <p:sp>
+        <p:nvSpPr>
+          <p:cNvPr id="2" name="Title 1"/>
+          <p:cNvSpPr>
+            <a:spLocks noGrp="1"/>
+          </p:cNvSpPr>
+          <p:nvPr>
+            <p:ph type="title"/>
+          </p:nvPr>
+        </p:nvSpPr>
+        <p:spPr/>
+        <p:txBody>
+          <a:bodyPr/>
+          <a:lstStyle/>
+          <a:p>
+            <a:r>
+              <a:rPr lang="en-US" dirty="0" smtClean="0"/>
+              <a:t>What we Didn’t Cover</a:t>
+            </a:r>
+            <a:endParaRPr lang="en-US" dirty="0"/>
+          </a:p>
+        </p:txBody>
+      </p:sp>
+      <p:sp>
+        <p:nvSpPr>
+          <p:cNvPr id="3" name="Content Placeholder 2"/>
+          <p:cNvSpPr>
+            <a:spLocks noGrp="1"/>
+          </p:cNvSpPr>
+          <p:nvPr>
+            <p:ph idx="1"/>
+          </p:nvPr>
+        </p:nvSpPr>
+        <p:spPr/>
+        <p:txBody>
+          <a:bodyPr/>
+          <a:lstStyle/>
+          <a:p>
+            <a:pPr>
+              <a:buFont typeface="Wingdings" charset="2"/>
+              <a:buChar char="§"/>
+            </a:pPr>
+            <a:r>
+              <a:rPr lang="en-US" dirty="0" smtClean="0"/>
+              <a:t>Currying</a:t>
+            </a:r>
+          </a:p>
+          <a:p>
+            <a:pPr>
+              <a:buFont typeface="Wingdings" charset="2"/>
+              <a:buChar char="§"/>
+            </a:pPr>
+            <a:r>
+              <a:rPr lang="en-US" dirty="0" smtClean="0"/>
+              <a:t>Pattern matching</a:t>
+            </a:r>
+          </a:p>
+          <a:p>
+            <a:pPr>
+              <a:buFont typeface="Wingdings" charset="2"/>
+              <a:buChar char="§"/>
+            </a:pPr>
+            <a:r>
+              <a:rPr lang="en-US" dirty="0" smtClean="0"/>
+              <a:t>Type inference, higher-</a:t>
+            </a:r>
+            <a:r>
+              <a:rPr lang="en-US" dirty="0" err="1" smtClean="0"/>
+              <a:t>kinded</a:t>
+            </a:r>
+            <a:r>
+              <a:rPr lang="en-US" dirty="0" smtClean="0"/>
+              <a:t> types, and general type systems</a:t>
+            </a:r>
+          </a:p>
+          <a:p>
+            <a:pPr>
+              <a:buFont typeface="Wingdings" charset="2"/>
+              <a:buChar char="§"/>
+            </a:pPr>
+            <a:r>
+              <a:rPr lang="en-US" dirty="0" smtClean="0"/>
+              <a:t>Partial function application</a:t>
+            </a:r>
+          </a:p>
+          <a:p>
+            <a:pPr>
+              <a:buFont typeface="Wingdings" charset="2"/>
+              <a:buChar char="§"/>
+            </a:pPr>
+            <a:r>
+              <a:rPr lang="en-US" dirty="0" smtClean="0"/>
+              <a:t>Monads</a:t>
+            </a:r>
+          </a:p>
+          <a:p>
+            <a:pPr>
+              <a:buFont typeface="Wingdings" charset="2"/>
+              <a:buChar char="§"/>
+            </a:pPr>
+            <a:r>
+              <a:rPr lang="en-US" dirty="0" smtClean="0"/>
+              <a:t>Lazy </a:t>
+            </a:r>
+            <a:r>
+              <a:rPr lang="en-US" dirty="0" err="1" smtClean="0"/>
+              <a:t>vs</a:t>
+            </a:r>
+            <a:r>
+              <a:rPr lang="en-US" dirty="0" smtClean="0"/>
+              <a:t> strict evaluation</a:t>
+            </a:r>
+          </a:p>
+          <a:p>
+            <a:pPr>
+              <a:buFont typeface="Wingdings" charset="2"/>
+              <a:buChar char="§"/>
+            </a:pPr>
+            <a:r>
+              <a:rPr lang="en-US" dirty="0" smtClean="0"/>
+              <a:t>MORE!</a:t>
+            </a:r>
+          </a:p>
+        </p:txBody>
+      </p:sp>
+    </p:spTree>
+  </p:cSld>
+  <p:clrMapOvr>
+    <a:masterClrMapping/>
+  </p:clrMapOvr>
+</p:sld>
+</file>
+
+<file path=ppt/slides/slide34.xml><?xml version="1.0" encoding="utf-8"?>
+<p:sld xmlns:a="http://schemas.openxmlformats.org/drawingml/2006/main" xmlns:r="http://schemas.openxmlformats.org/officeDocument/2006/relationships" xmlns:mc="http://schemas.openxmlformats.org/markup-compatibility/2006" xmlns:mv="urn:schemas-microsoft-com:mac:vml" xmlns:p="http://schemas.openxmlformats.org/presentationml/2006/main" mc:Ignorable="mv" mc:PreserveAttributes="mv:*">
+  <p:cSld>
+    <p:spTree>
+      <p:nvGrpSpPr>
+        <p:cNvPr id="1" name=""/>
+        <p:cNvGrpSpPr/>
+        <p:nvPr/>
+      </p:nvGrpSpPr>
+      <p:grpSpPr>
+        <a:xfrm>
+          <a:off x="0" y="0"/>
+          <a:ext cx="0" cy="0"/>
+          <a:chOff x="0" y="0"/>
+          <a:chExt cx="0" cy="0"/>
+        </a:xfrm>
+      </p:grpSpPr>
+      <p:sp>
+        <p:nvSpPr>
+          <p:cNvPr id="2" name="Title 1"/>
+          <p:cNvSpPr>
+            <a:spLocks noGrp="1"/>
+          </p:cNvSpPr>
+          <p:nvPr>
+            <p:ph type="title"/>
+          </p:nvPr>
+        </p:nvSpPr>
+        <p:spPr/>
+        <p:txBody>
+          <a:bodyPr/>
+          <a:lstStyle/>
+          <a:p>
+            <a:pPr algn="ctr"/>
+            <a:r>
+              <a:rPr lang="en-US" dirty="0" smtClean="0"/>
+              <a:t>Questions?</a:t>
+            </a:r>
+            <a:endParaRPr lang="en-US" dirty="0"/>
+          </a:p>
+        </p:txBody>
+      </p:sp>
+      <p:sp>
+        <p:nvSpPr>
+          <p:cNvPr id="3" name="Content Placeholder 2"/>
+          <p:cNvSpPr>
+            <a:spLocks noGrp="1"/>
+          </p:cNvSpPr>
+          <p:nvPr>
+            <p:ph idx="1"/>
+          </p:nvPr>
+        </p:nvSpPr>
+        <p:spPr>
+          <a:xfrm>
+            <a:off x="457199" y="1600200"/>
+            <a:ext cx="8106937" cy="4525963"/>
+          </a:xfrm>
+        </p:spPr>
+        <p:txBody>
+          <a:bodyPr/>
+          <a:lstStyle/>
+          <a:p>
+            <a:pPr>
+              <a:buNone/>
+            </a:pPr>
+            <a:r>
+              <a:rPr lang="en-US" dirty="0" smtClean="0"/>
+              <a:t>Sample code available at</a:t>
+            </a:r>
+            <a:r>
+              <a:rPr lang="en-US" dirty="0" smtClean="0">
+                <a:solidFill>
+                  <a:schemeClr val="accent1">
+                    <a:lumMod val="60000"/>
+                    <a:lumOff val="40000"/>
+                  </a:schemeClr>
+                </a:solidFill>
+              </a:rPr>
+              <a:t> </a:t>
+            </a:r>
+            <a:br>
+              <a:rPr lang="en-US" dirty="0" smtClean="0">
+                <a:solidFill>
+                  <a:schemeClr val="accent1">
+                    <a:lumMod val="60000"/>
+                    <a:lumOff val="40000"/>
+                  </a:schemeClr>
+                </a:solidFill>
+              </a:rPr>
+            </a:br>
+            <a:r>
+              <a:rPr lang="en-US" sz="2000" dirty="0" smtClean="0">
+                <a:solidFill>
+                  <a:schemeClr val="accent1">
+                    <a:lumMod val="60000"/>
+                    <a:lumOff val="40000"/>
+                  </a:schemeClr>
+                </a:solidFill>
+              </a:rPr>
+              <a:t>http://github.com/chrislewis/JaxFunc_0_ImperativelyFunctional</a:t>
+            </a:r>
+          </a:p>
+          <a:p>
+            <a:endParaRPr lang="en-US" dirty="0"/>
+          </a:p>
+        </p:txBody>
+      </p:sp>
+    </p:spTree>
+  </p:cSld>
+  <p:clrMapOvr>
+    <a:masterClrMapping/>
+  </p:clrMapOvr>
+</p:sld>
+</file>
+
+<file path=ppt/slides/slide35.xml><?xml version="1.0" encoding="utf-8"?>
 <p:sld xmlns:a="http://schemas.openxmlformats.org/drawingml/2006/main" xmlns:r="http://schemas.openxmlformats.org/officeDocument/2006/relationships" xmlns:mc="http://schemas.openxmlformats.org/markup-compatibility/2006" xmlns:mv="urn:schemas-microsoft-com:mac:vml" xmlns:p="http://schemas.openxmlformats.org/presentationml/2006/main" mc:Ignorable="mv" mc:PreserveAttributes="mv:*">
   <p:cSld>
     <p:spTree>
@@ -7930,7 +8808,15 @@
           <a:p>
             <a:r>
               <a:rPr lang="en-US" dirty="0" smtClean="0"/>
-              <a:t>Origins: Lisp</a:t>
+              <a:t>Origins: The </a:t>
+            </a:r>
+            <a:r>
+              <a:rPr lang="en-US" dirty="0" err="1" smtClean="0"/>
+              <a:t>λ</a:t>
+            </a:r>
+            <a:r>
+              <a:rPr lang="en-US" dirty="0" smtClean="0"/>
+              <a:t>-Calculus</a:t>
             </a:r>
             <a:endParaRPr lang="en-US" dirty="0"/>
           </a:p>
@@ -7946,12 +8832,7 @@
             <p:ph idx="1"/>
           </p:nvPr>
         </p:nvSpPr>
-        <p:spPr>
-          <a:xfrm>
-            <a:off x="457200" y="1600201"/>
-            <a:ext cx="7467600" cy="4386942"/>
-          </a:xfrm>
-        </p:spPr>
+        <p:spPr/>
         <p:txBody>
           <a:bodyPr>
             <a:noAutofit/>
@@ -7964,7 +8845,7 @@
             </a:pPr>
             <a:r>
               <a:rPr lang="en-US" dirty="0" smtClean="0"/>
-              <a:t>Developed at MIT by John McCarthy.</a:t>
+              <a:t>Functions may receive functions as parameters and return functions as results.</a:t>
             </a:r>
           </a:p>
           <a:p>
@@ -7973,20 +8854,23 @@
               <a:buChar char="§"/>
             </a:pPr>
             <a:r>
-              <a:rPr lang="en-US" sz="3000" dirty="0" smtClean="0"/>
-              <a:t>An Implementation of the </a:t>
-            </a:r>
-            <a:r>
-              <a:rPr lang="en-US" dirty="0" err="1" smtClean="0"/>
-              <a:t>λ</a:t>
-            </a:r>
-            <a:r>
-              <a:rPr lang="en-US" dirty="0" smtClean="0"/>
-              <a:t>-</a:t>
-            </a:r>
-            <a:r>
-              <a:rPr lang="en-US" sz="3000" dirty="0" smtClean="0"/>
-              <a:t>calculus.</a:t>
+              <a:rPr lang="en-US" dirty="0" smtClean="0"/>
+              <a:t>A lambda may “close” over free variables to create a </a:t>
+            </a:r>
+            <a:r>
+              <a:rPr lang="en-US" dirty="0" smtClean="0">
+                <a:solidFill>
+                  <a:schemeClr val="accent1">
+                    <a:lumMod val="60000"/>
+                    <a:lumOff val="40000"/>
+                  </a:schemeClr>
+                </a:solidFill>
+              </a:rPr>
+              <a:t>closure</a:t>
+            </a:r>
+            <a:r>
+              <a:rPr lang="en-US" dirty="0" smtClean="0"/>
+              <a:t>.</a:t>
             </a:r>
           </a:p>
           <a:p>
@@ -7995,31 +8879,8 @@
               <a:buChar char="§"/>
             </a:pPr>
             <a:r>
-              <a:rPr lang="en-US" dirty="0" smtClean="0"/>
-              <a:t>Uniform treatment of data and functions; </a:t>
-            </a:r>
-            <a:br>
-              <a:rPr lang="en-US" dirty="0" smtClean="0"/>
-            </a:br>
-            <a:r>
-              <a:rPr lang="en-US" dirty="0" smtClean="0"/>
-              <a:t>so-called </a:t>
-            </a:r>
-            <a:r>
-              <a:rPr lang="en-US" dirty="0" smtClean="0">
-                <a:solidFill>
-                  <a:srgbClr val="A8C6D0"/>
-                </a:solidFill>
-              </a:rPr>
-              <a:t>higher-order functions</a:t>
-            </a:r>
-            <a:r>
-              <a:rPr lang="en-US" dirty="0" smtClean="0">
-                <a:solidFill>
-                  <a:srgbClr val="6EA0B0"/>
-                </a:solidFill>
-              </a:rPr>
-              <a:t>.</a:t>
+              <a:rPr lang="en-US" sz="3000" dirty="0" smtClean="0"/>
+              <a:t>Turing complete.</a:t>
             </a:r>
           </a:p>
         </p:txBody>
@@ -8075,7 +8936,15 @@
           <a:p>
             <a:r>
               <a:rPr lang="en-US" dirty="0" smtClean="0"/>
-              <a:t>Origins: Lisp</a:t>
+              <a:t>Origins: The </a:t>
+            </a:r>
+            <a:r>
+              <a:rPr lang="en-US" dirty="0" err="1" smtClean="0"/>
+              <a:t>λ</a:t>
+            </a:r>
+            <a:r>
+              <a:rPr lang="en-US" dirty="0" smtClean="0"/>
+              <a:t>-Calculus</a:t>
             </a:r>
             <a:endParaRPr lang="en-US" dirty="0"/>
           </a:p>
@@ -8091,12 +8960,7 @@
             <p:ph idx="1"/>
           </p:nvPr>
         </p:nvSpPr>
-        <p:spPr>
-          <a:xfrm>
-            <a:off x="457200" y="1600201"/>
-            <a:ext cx="7467600" cy="4386942"/>
-          </a:xfrm>
-        </p:spPr>
+        <p:spPr/>
         <p:txBody>
           <a:bodyPr>
             <a:noAutofit/>
@@ -8109,19 +8973,7 @@
             </a:pPr>
             <a:r>
               <a:rPr lang="en-US" dirty="0" smtClean="0"/>
-              <a:t>Extensive use of lambda expressions, closures, and </a:t>
-            </a:r>
-            <a:r>
-              <a:rPr lang="en-US" dirty="0" smtClean="0">
-                <a:solidFill>
-                  <a:srgbClr val="A8C6D0"/>
-                </a:solidFill>
-              </a:rPr>
-              <a:t>recursion</a:t>
-            </a:r>
-            <a:r>
-              <a:rPr lang="en-US" dirty="0" smtClean="0"/>
-              <a:t>.</a:t>
+              <a:t>Functions may receive functions as parameters and return functions as results.</a:t>
             </a:r>
           </a:p>
           <a:p>
@@ -8131,20 +8983,101 @@
             </a:pPr>
             <a:r>
               <a:rPr lang="en-US" dirty="0" smtClean="0"/>
-              <a:t>In Lisp, as any programming language supporting them, </a:t>
+              <a:t>A lambda may “close” over free variables to create a </a:t>
             </a:r>
             <a:r>
               <a:rPr lang="en-US" dirty="0" smtClean="0">
                 <a:solidFill>
-                  <a:srgbClr val="A8C6D0"/>
-                </a:solidFill>
-              </a:rPr>
-              <a:t>lambdas are functions</a:t>
+                  <a:schemeClr val="accent1">
+                    <a:lumMod val="60000"/>
+                    <a:lumOff val="40000"/>
+                  </a:schemeClr>
+                </a:solidFill>
+              </a:rPr>
+              <a:t>closure</a:t>
             </a:r>
             <a:r>
               <a:rPr lang="en-US" dirty="0" smtClean="0"/>
               <a:t>.</a:t>
             </a:r>
+          </a:p>
+          <a:p>
+            <a:pPr>
+              <a:buFont typeface="Wingdings" charset="2"/>
+              <a:buChar char="§"/>
+            </a:pPr>
+            <a:r>
+              <a:rPr lang="en-US" sz="3000" dirty="0" smtClean="0"/>
+              <a:t>Turing complete.</a:t>
+            </a:r>
+          </a:p>
+        </p:txBody>
+      </p:sp>
+      <p:sp>
+        <p:nvSpPr>
+          <p:cNvPr id="4" name="TextBox 3"/>
+          <p:cNvSpPr txBox="1"/>
+          <p:nvPr/>
+        </p:nvSpPr>
+        <p:spPr>
+          <a:xfrm>
+            <a:off x="918992" y="4691832"/>
+            <a:ext cx="3722387" cy="1246495"/>
+          </a:xfrm>
+          <a:prstGeom prst="rect">
+            <a:avLst/>
+          </a:prstGeom>
+          <a:noFill/>
+        </p:spPr>
+        <p:txBody>
+          <a:bodyPr wrap="none" rtlCol="0">
+            <a:spAutoFit/>
+          </a:bodyPr>
+          <a:lstStyle/>
+          <a:p>
+            <a:r>
+              <a:rPr lang="en-US" sz="2500" dirty="0" smtClean="0"/>
+              <a:t>true :</a:t>
+            </a:r>
+            <a:r>
+              <a:rPr lang="en-US" sz="2500" dirty="0" smtClean="0"/>
+              <a:t>= </a:t>
+            </a:r>
+            <a:r>
+              <a:rPr lang="en-US" sz="2500" dirty="0" err="1" smtClean="0"/>
+              <a:t>λxy.x</a:t>
+            </a:r>
+            <a:endParaRPr lang="en-US" sz="2500" dirty="0" smtClean="0"/>
+          </a:p>
+          <a:p>
+            <a:r>
+              <a:rPr lang="en-US" sz="2500" dirty="0" smtClean="0"/>
+              <a:t>false := </a:t>
+            </a:r>
+            <a:r>
+              <a:rPr lang="en-US" sz="2500" dirty="0" err="1" smtClean="0"/>
+              <a:t>λxy.y</a:t>
+            </a:r>
+            <a:endParaRPr lang="en-US" sz="2500" dirty="0" smtClean="0"/>
+          </a:p>
+          <a:p>
+            <a:r>
+              <a:rPr lang="en-US" sz="2500" dirty="0" smtClean="0"/>
+              <a:t>if-then-else := </a:t>
+            </a:r>
+            <a:r>
+              <a:rPr lang="en-US" sz="2500" dirty="0" err="1" smtClean="0"/>
+              <a:t>λpab.p</a:t>
+            </a:r>
+            <a:r>
+              <a:rPr lang="en-US" sz="2500" dirty="0" smtClean="0"/>
+              <a:t> a </a:t>
+            </a:r>
+            <a:r>
+              <a:rPr lang="en-US" sz="2500" dirty="0" err="1" smtClean="0"/>
+              <a:t>b</a:t>
+            </a:r>
+            <a:endParaRPr lang="en-US" sz="2500" dirty="0"/>
           </a:p>
         </p:txBody>
       </p:sp>
@@ -8207,211 +9140,96 @@
       </p:sp>
       <p:sp>
         <p:nvSpPr>
-          <p:cNvPr id="7" name="TextBox 6"/>
-          <p:cNvSpPr txBox="1"/>
-          <p:nvPr/>
+          <p:cNvPr id="3" name="Content Placeholder 2"/>
+          <p:cNvSpPr>
+            <a:spLocks noGrp="1"/>
+          </p:cNvSpPr>
+          <p:nvPr>
+            <p:ph idx="1"/>
+          </p:nvPr>
         </p:nvSpPr>
         <p:spPr>
           <a:xfrm>
-            <a:off x="457200" y="1417638"/>
-            <a:ext cx="3235506" cy="5016758"/>
+            <a:off x="457200" y="1600201"/>
+            <a:ext cx="7467600" cy="4386942"/>
           </a:xfrm>
-          <a:prstGeom prst="rect">
-            <a:avLst/>
-          </a:prstGeom>
-          <a:noFill/>
         </p:spPr>
         <p:txBody>
-          <a:bodyPr wrap="none" rtlCol="0">
-            <a:spAutoFit/>
+          <a:bodyPr>
+            <a:noAutofit/>
           </a:bodyPr>
           <a:lstStyle/>
           <a:p>
-            <a:r>
-              <a:rPr lang="en-US" sz="2000" dirty="0" smtClean="0"/>
-              <a:t>(define (is-even?</a:t>
-            </a:r>
-            <a:r>
-              <a:rPr lang="en-US" sz="2000" dirty="0" smtClean="0"/>
-              <a:t> X)</a:t>
-            </a:r>
-          </a:p>
-          <a:p>
-            <a:r>
-              <a:rPr lang="en-US" sz="2000" smtClean="0"/>
-              <a:t>  </a:t>
-            </a:r>
-            <a:r>
-              <a:rPr lang="en-US" sz="2000" smtClean="0"/>
-              <a:t>(</a:t>
-            </a:r>
-            <a:r>
-              <a:rPr lang="en-US" sz="2000" dirty="0" smtClean="0"/>
-              <a:t>= 0 (modulo </a:t>
-            </a:r>
-            <a:r>
-              <a:rPr lang="en-US" sz="2000" dirty="0" err="1" smtClean="0"/>
-              <a:t>x</a:t>
-            </a:r>
-            <a:r>
-              <a:rPr lang="en-US" sz="2000" dirty="0" smtClean="0"/>
-              <a:t> 2)))</a:t>
-            </a:r>
-          </a:p>
-          <a:p>
-            <a:endParaRPr lang="en-US" sz="2000" dirty="0" smtClean="0"/>
-          </a:p>
-          <a:p>
-            <a:r>
-              <a:rPr lang="en-US" sz="2000" dirty="0" smtClean="0"/>
-              <a:t>(define (when-even </a:t>
-            </a:r>
-            <a:r>
-              <a:rPr lang="en-US" sz="2000" dirty="0" err="1" smtClean="0"/>
-              <a:t>x</a:t>
-            </a:r>
-            <a:r>
-              <a:rPr lang="en-US" sz="2000" dirty="0" smtClean="0"/>
-              <a:t> f1 f2)</a:t>
-            </a:r>
-          </a:p>
-          <a:p>
-            <a:r>
-              <a:rPr lang="en-US" sz="2000" dirty="0" smtClean="0"/>
-              <a:t>  (if (is-even? </a:t>
-            </a:r>
-            <a:r>
-              <a:rPr lang="en-US" sz="2000" dirty="0" err="1" smtClean="0"/>
-              <a:t>x</a:t>
-            </a:r>
-            <a:r>
-              <a:rPr lang="en-US" sz="2000" dirty="0" smtClean="0"/>
-              <a:t>)</a:t>
-            </a:r>
-          </a:p>
-          <a:p>
-            <a:r>
-              <a:rPr lang="en-US" sz="2000" dirty="0" smtClean="0"/>
-              <a:t>      (f1 </a:t>
-            </a:r>
-            <a:r>
-              <a:rPr lang="en-US" sz="2000" dirty="0" err="1" smtClean="0"/>
-              <a:t>x</a:t>
-            </a:r>
-            <a:r>
-              <a:rPr lang="en-US" sz="2000" dirty="0" smtClean="0"/>
-              <a:t>)</a:t>
-            </a:r>
-          </a:p>
-          <a:p>
-            <a:r>
-              <a:rPr lang="en-US" sz="2000" dirty="0" smtClean="0"/>
-              <a:t>      (f2 </a:t>
-            </a:r>
-            <a:r>
-              <a:rPr lang="en-US" sz="2000" dirty="0" err="1" smtClean="0"/>
-              <a:t>x</a:t>
-            </a:r>
-            <a:r>
-              <a:rPr lang="en-US" sz="2000" dirty="0" smtClean="0"/>
-              <a:t>)))</a:t>
-            </a:r>
-          </a:p>
-          <a:p>
-            <a:endParaRPr lang="en-US" sz="2000" dirty="0" smtClean="0"/>
-          </a:p>
-          <a:p>
-            <a:r>
-              <a:rPr lang="en-US" sz="2000" dirty="0" smtClean="0"/>
-              <a:t>(define (down-to-one </a:t>
-            </a:r>
-            <a:r>
-              <a:rPr lang="en-US" sz="2000" dirty="0" err="1" smtClean="0"/>
-              <a:t>x</a:t>
-            </a:r>
-            <a:r>
-              <a:rPr lang="en-US" sz="2000" dirty="0" smtClean="0"/>
-              <a:t>)</a:t>
-            </a:r>
-          </a:p>
-          <a:p>
-            <a:r>
-              <a:rPr lang="en-US" sz="2000" dirty="0" smtClean="0"/>
-              <a:t>  (if (&gt; </a:t>
-            </a:r>
-            <a:r>
-              <a:rPr lang="en-US" sz="2000" dirty="0" err="1" smtClean="0"/>
-              <a:t>x</a:t>
-            </a:r>
-            <a:r>
-              <a:rPr lang="en-US" sz="2000" dirty="0" smtClean="0"/>
-              <a:t> 1</a:t>
-            </a:r>
-            <a:r>
-              <a:rPr lang="en-US" sz="2000" dirty="0" smtClean="0"/>
-              <a:t>)</a:t>
-            </a:r>
-          </a:p>
-          <a:p>
-            <a:r>
-              <a:rPr lang="en-US" sz="2000" dirty="0" smtClean="0"/>
-              <a:t>      </a:t>
-            </a:r>
-            <a:r>
-              <a:rPr lang="en-US" sz="2000" dirty="0" err="1" smtClean="0"/>
-              <a:t>x</a:t>
-            </a:r>
-            <a:endParaRPr lang="en-US" sz="2000" dirty="0" smtClean="0"/>
-          </a:p>
-          <a:p>
-            <a:r>
-              <a:rPr lang="en-US" sz="2000" dirty="0" smtClean="0"/>
-              <a:t>      (down-to-one (- </a:t>
-            </a:r>
-            <a:r>
-              <a:rPr lang="en-US" sz="2000" dirty="0" err="1" smtClean="0"/>
-              <a:t>x</a:t>
-            </a:r>
-            <a:r>
-              <a:rPr lang="en-US" sz="2000" dirty="0" smtClean="0"/>
-              <a:t> 1))))</a:t>
-            </a:r>
-          </a:p>
-          <a:p>
-            <a:endParaRPr lang="en-US" sz="2000" dirty="0" smtClean="0"/>
-          </a:p>
-          <a:p>
-            <a:r>
-              <a:rPr lang="en-US" sz="2000" dirty="0" smtClean="0"/>
-              <a:t>(when-even 4</a:t>
-            </a:r>
-          </a:p>
-          <a:p>
-            <a:r>
-              <a:rPr lang="en-US" sz="2000" dirty="0" smtClean="0"/>
-              <a:t>  down-to-one</a:t>
-            </a:r>
-          </a:p>
-          <a:p>
-            <a:r>
-              <a:rPr lang="en-US" sz="2000" dirty="0" smtClean="0"/>
-              <a:t>  (lambda (</a:t>
-            </a:r>
-            <a:r>
-              <a:rPr lang="en-US" sz="2000" dirty="0" err="1" smtClean="0"/>
-              <a:t>x</a:t>
-            </a:r>
-            <a:r>
-              <a:rPr lang="en-US" sz="2000" dirty="0" smtClean="0"/>
-              <a:t>) (+ </a:t>
-            </a:r>
-            <a:r>
-              <a:rPr lang="en-US" sz="2000" dirty="0" err="1" smtClean="0"/>
-              <a:t>x</a:t>
-            </a:r>
-            <a:r>
-              <a:rPr lang="en-US" sz="2000" dirty="0" smtClean="0"/>
-              <a:t> 1)))</a:t>
+            <a:pPr>
+              <a:buFont typeface="Wingdings" charset="2"/>
+              <a:buChar char="§"/>
+            </a:pPr>
+            <a:r>
+              <a:rPr lang="en-US" dirty="0" smtClean="0"/>
+              <a:t>Developed at MIT by John McCarthy.</a:t>
+            </a:r>
+          </a:p>
+          <a:p>
+            <a:pPr>
+              <a:buFont typeface="Wingdings" charset="2"/>
+              <a:buChar char="§"/>
+            </a:pPr>
+            <a:r>
+              <a:rPr lang="en-US" sz="3000" dirty="0" smtClean="0"/>
+              <a:t>An Implementation of the </a:t>
+            </a:r>
+            <a:r>
+              <a:rPr lang="en-US" dirty="0" err="1" smtClean="0"/>
+              <a:t>λ</a:t>
+            </a:r>
+            <a:r>
+              <a:rPr lang="en-US" dirty="0" smtClean="0"/>
+              <a:t>-</a:t>
+            </a:r>
+            <a:r>
+              <a:rPr lang="en-US" sz="3000" dirty="0" smtClean="0"/>
+              <a:t>calculus.</a:t>
+            </a:r>
+          </a:p>
+          <a:p>
+            <a:pPr>
+              <a:buFont typeface="Wingdings" charset="2"/>
+              <a:buChar char="§"/>
+            </a:pPr>
+            <a:r>
+              <a:rPr lang="en-US" dirty="0" smtClean="0"/>
+              <a:t>Uniform treatment of data and functions</a:t>
+            </a:r>
+            <a:r>
+              <a:rPr lang="en-US" dirty="0" smtClean="0"/>
+              <a:t>;</a:t>
+            </a:r>
+            <a:br>
+              <a:rPr lang="en-US" dirty="0" smtClean="0"/>
+            </a:br>
+            <a:r>
+              <a:rPr lang="en-US" dirty="0" smtClean="0">
+                <a:solidFill>
+                  <a:srgbClr val="A8C6D0"/>
+                </a:solidFill>
+              </a:rPr>
+              <a:t>higher</a:t>
+            </a:r>
+            <a:r>
+              <a:rPr lang="en-US" dirty="0" smtClean="0">
+                <a:solidFill>
+                  <a:srgbClr val="A8C6D0"/>
+                </a:solidFill>
+              </a:rPr>
+              <a:t>-order functions</a:t>
+            </a:r>
+            <a:r>
+              <a:rPr lang="en-US" dirty="0" smtClean="0">
+                <a:solidFill>
+                  <a:srgbClr val="6EA0B0"/>
+                </a:solidFill>
+              </a:rPr>
+              <a:t>.</a:t>
             </a:r>
           </a:p>
         </p:txBody>
@@ -8458,12 +9276,7 @@
             <p:ph type="title"/>
           </p:nvPr>
         </p:nvSpPr>
-        <p:spPr>
-          <a:xfrm>
-            <a:off x="457200" y="274637"/>
-            <a:ext cx="8215086" cy="5422219"/>
-          </a:xfrm>
-        </p:spPr>
+        <p:spPr/>
         <p:txBody>
           <a:bodyPr>
             <a:normAutofit/>
@@ -8472,33 +9285,76 @@
           <a:p>
             <a:r>
               <a:rPr lang="en-US" dirty="0" smtClean="0"/>
-              <a:t>There are many facets of functional programming.</a:t>
-            </a:r>
-            <a:br>
-              <a:rPr lang="en-US" dirty="0" smtClean="0"/>
-            </a:br>
-            <a:r>
-              <a:rPr lang="en-US" dirty="0" smtClean="0"/>
-              <a:t/>
-            </a:r>
-            <a:br>
-              <a:rPr lang="en-US" dirty="0" smtClean="0"/>
-            </a:br>
-            <a:r>
-              <a:rPr lang="en-US" dirty="0" smtClean="0"/>
-              <a:t>We will focus primarily on</a:t>
-            </a:r>
-            <a:br>
-              <a:rPr lang="en-US" dirty="0" smtClean="0"/>
-            </a:br>
-            <a:r>
-              <a:rPr lang="en-US" dirty="0" smtClean="0"/>
-              <a:t>higher-order functions and functions as data.</a:t>
-            </a:r>
-            <a:br>
-              <a:rPr lang="en-US" dirty="0" smtClean="0"/>
-            </a:br>
+              <a:t>Origins: Lisp</a:t>
+            </a:r>
             <a:endParaRPr lang="en-US" dirty="0"/>
+          </a:p>
+        </p:txBody>
+      </p:sp>
+      <p:sp>
+        <p:nvSpPr>
+          <p:cNvPr id="3" name="Content Placeholder 2"/>
+          <p:cNvSpPr>
+            <a:spLocks noGrp="1"/>
+          </p:cNvSpPr>
+          <p:nvPr>
+            <p:ph idx="1"/>
+          </p:nvPr>
+        </p:nvSpPr>
+        <p:spPr>
+          <a:xfrm>
+            <a:off x="457200" y="1600201"/>
+            <a:ext cx="7467600" cy="4386942"/>
+          </a:xfrm>
+        </p:spPr>
+        <p:txBody>
+          <a:bodyPr>
+            <a:noAutofit/>
+          </a:bodyPr>
+          <a:lstStyle/>
+          <a:p>
+            <a:pPr>
+              <a:buFont typeface="Wingdings" charset="2"/>
+              <a:buChar char="§"/>
+            </a:pPr>
+            <a:r>
+              <a:rPr lang="en-US" dirty="0" smtClean="0"/>
+              <a:t>Extensive use of lambda expressions, closures, and </a:t>
+            </a:r>
+            <a:r>
+              <a:rPr lang="en-US" dirty="0" smtClean="0">
+                <a:solidFill>
+                  <a:srgbClr val="A8C6D0"/>
+                </a:solidFill>
+              </a:rPr>
+              <a:t>recursion</a:t>
+            </a:r>
+            <a:r>
+              <a:rPr lang="en-US" dirty="0" smtClean="0"/>
+              <a:t>.</a:t>
+            </a:r>
+          </a:p>
+          <a:p>
+            <a:pPr>
+              <a:buFont typeface="Wingdings" charset="2"/>
+              <a:buChar char="§"/>
+            </a:pPr>
+            <a:r>
+              <a:rPr lang="en-US" dirty="0" smtClean="0"/>
+              <a:t>In Lisp, as any programming language supporting them, </a:t>
+            </a:r>
+            <a:r>
+              <a:rPr lang="en-US" dirty="0" smtClean="0">
+                <a:solidFill>
+                  <a:srgbClr val="A8C6D0"/>
+                </a:solidFill>
+              </a:rPr>
+              <a:t>lambdas are functions</a:t>
+            </a:r>
+            <a:r>
+              <a:rPr lang="en-US" dirty="0" smtClean="0"/>
+              <a:t>.</a:t>
+            </a:r>
           </a:p>
         </p:txBody>
       </p:sp>
@@ -8546,12 +9402,14 @@
         </p:nvSpPr>
         <p:spPr/>
         <p:txBody>
-          <a:bodyPr/>
-          <a:lstStyle/>
-          <a:p>
-            <a:r>
-              <a:rPr lang="en-US" dirty="0" smtClean="0"/>
-              <a:t>Functions are Data</a:t>
+          <a:bodyPr>
+            <a:normAutofit/>
+          </a:bodyPr>
+          <a:lstStyle/>
+          <a:p>
+            <a:r>
+              <a:rPr lang="en-US" dirty="0" smtClean="0"/>
+              <a:t>Origins: Lisp</a:t>
             </a:r>
             <a:endParaRPr lang="en-US" dirty="0"/>
           </a:p>
@@ -8559,14 +9417,14 @@
       </p:sp>
       <p:sp>
         <p:nvSpPr>
-          <p:cNvPr id="4" name="TextBox 3"/>
+          <p:cNvPr id="7" name="TextBox 6"/>
           <p:cNvSpPr txBox="1"/>
           <p:nvPr/>
         </p:nvSpPr>
         <p:spPr>
           <a:xfrm>
             <a:off x="457200" y="1417638"/>
-            <a:ext cx="4647426" cy="4324261"/>
+            <a:ext cx="3235506" cy="5016758"/>
           </a:xfrm>
           <a:prstGeom prst="rect">
             <a:avLst/>
@@ -8580,150 +9438,178 @@
           <a:lstStyle/>
           <a:p>
             <a:r>
-              <a:rPr lang="en-US" sz="2500" dirty="0" err="1" smtClean="0"/>
-              <a:t>var</a:t>
-            </a:r>
-            <a:r>
-              <a:rPr lang="en-US" sz="2500" dirty="0" smtClean="0"/>
-              <a:t> </a:t>
-            </a:r>
-            <a:r>
-              <a:rPr lang="en-US" sz="2500" dirty="0" smtClean="0">
-                <a:solidFill>
-                  <a:srgbClr val="A8C6D0"/>
-                </a:solidFill>
-              </a:rPr>
-              <a:t>increment </a:t>
-            </a:r>
-            <a:r>
-              <a:rPr lang="en-US" sz="2500" dirty="0" smtClean="0"/>
-              <a:t>= </a:t>
-            </a:r>
-            <a:r>
-              <a:rPr lang="en-US" sz="2500" dirty="0" err="1" smtClean="0"/>
-              <a:t>function(i</a:t>
-            </a:r>
-            <a:r>
-              <a:rPr lang="en-US" sz="2500" dirty="0" smtClean="0"/>
-              <a:t>) {</a:t>
-            </a:r>
-          </a:p>
-          <a:p>
-            <a:r>
-              <a:rPr lang="en-US" sz="2500" dirty="0" smtClean="0"/>
-              <a:t>  return </a:t>
-            </a:r>
-            <a:r>
-              <a:rPr lang="en-US" sz="2500" dirty="0" err="1" smtClean="0"/>
-              <a:t>i</a:t>
-            </a:r>
-            <a:r>
-              <a:rPr lang="en-US" sz="2500" dirty="0" smtClean="0"/>
-              <a:t> + 1;</a:t>
-            </a:r>
-          </a:p>
-          <a:p>
-            <a:r>
-              <a:rPr lang="en-US" sz="2500" dirty="0" smtClean="0"/>
-              <a:t>}</a:t>
-            </a:r>
-          </a:p>
-          <a:p>
-            <a:endParaRPr lang="en-US" sz="2500" dirty="0" smtClean="0"/>
-          </a:p>
-          <a:p>
-            <a:r>
-              <a:rPr lang="en-US" sz="2500" dirty="0" err="1" smtClean="0"/>
-              <a:t>var</a:t>
-            </a:r>
-            <a:r>
-              <a:rPr lang="en-US" sz="2500" dirty="0" smtClean="0"/>
-              <a:t> </a:t>
-            </a:r>
-            <a:r>
-              <a:rPr lang="en-US" sz="2500" dirty="0" smtClean="0">
-                <a:solidFill>
-                  <a:srgbClr val="A8C6D0"/>
-                </a:solidFill>
-              </a:rPr>
-              <a:t>square </a:t>
-            </a:r>
-            <a:r>
-              <a:rPr lang="en-US" sz="2500" dirty="0" smtClean="0"/>
-              <a:t>= </a:t>
-            </a:r>
-            <a:r>
-              <a:rPr lang="en-US" sz="2500" dirty="0" err="1" smtClean="0"/>
-              <a:t>function(i</a:t>
-            </a:r>
-            <a:r>
-              <a:rPr lang="en-US" sz="2500" dirty="0" smtClean="0"/>
-              <a:t>) {</a:t>
-            </a:r>
-          </a:p>
-          <a:p>
-            <a:r>
-              <a:rPr lang="en-US" sz="2500" dirty="0" smtClean="0"/>
-              <a:t>  return </a:t>
-            </a:r>
-            <a:r>
-              <a:rPr lang="en-US" sz="2500" dirty="0" err="1" smtClean="0"/>
-              <a:t>i</a:t>
-            </a:r>
-            <a:r>
-              <a:rPr lang="en-US" sz="2500" dirty="0" smtClean="0"/>
-              <a:t> * </a:t>
-            </a:r>
-            <a:r>
-              <a:rPr lang="en-US" sz="2500" dirty="0" err="1" smtClean="0"/>
-              <a:t>i</a:t>
-            </a:r>
-            <a:r>
-              <a:rPr lang="en-US" sz="2500" dirty="0" smtClean="0"/>
-              <a:t>;</a:t>
-            </a:r>
-          </a:p>
-          <a:p>
-            <a:r>
-              <a:rPr lang="en-US" sz="2500" dirty="0" smtClean="0"/>
-              <a:t>}</a:t>
-            </a:r>
-          </a:p>
-          <a:p>
-            <a:endParaRPr lang="en-US" sz="2500" dirty="0" smtClean="0"/>
-          </a:p>
-          <a:p>
-            <a:r>
-              <a:rPr lang="en-US" sz="2500" dirty="0" smtClean="0"/>
-              <a:t>function </a:t>
-            </a:r>
-            <a:r>
-              <a:rPr lang="en-US" sz="2500" dirty="0" err="1" smtClean="0"/>
-              <a:t>doSomething(i</a:t>
-            </a:r>
-            <a:r>
-              <a:rPr lang="en-US" sz="2500" dirty="0" smtClean="0"/>
-              <a:t>, work) {</a:t>
-            </a:r>
-          </a:p>
-          <a:p>
-            <a:r>
-              <a:rPr lang="en-US" sz="2500" dirty="0" smtClean="0"/>
-              <a:t>  return </a:t>
-            </a:r>
-            <a:r>
-              <a:rPr lang="en-US" sz="2500" dirty="0" err="1" smtClean="0"/>
-              <a:t>work(i</a:t>
-            </a:r>
-            <a:r>
-              <a:rPr lang="en-US" sz="2500" dirty="0" smtClean="0"/>
-              <a:t>);</a:t>
-            </a:r>
-          </a:p>
-          <a:p>
-            <a:r>
-              <a:rPr lang="en-US" sz="2500" dirty="0" smtClean="0"/>
-              <a:t>}</a:t>
+              <a:rPr lang="en-US" sz="2000" dirty="0" smtClean="0"/>
+              <a:t>(define (is-even? X)</a:t>
+            </a:r>
+          </a:p>
+          <a:p>
+            <a:r>
+              <a:rPr lang="en-US" sz="2000" smtClean="0"/>
+              <a:t>  (</a:t>
+            </a:r>
+            <a:r>
+              <a:rPr lang="en-US" sz="2000" dirty="0" smtClean="0"/>
+              <a:t>= 0 (modulo </a:t>
+            </a:r>
+            <a:r>
+              <a:rPr lang="en-US" sz="2000" dirty="0" err="1" smtClean="0"/>
+              <a:t>x</a:t>
+            </a:r>
+            <a:r>
+              <a:rPr lang="en-US" sz="2000" dirty="0" smtClean="0"/>
+              <a:t> 2)))</a:t>
+            </a:r>
+          </a:p>
+          <a:p>
+            <a:endParaRPr lang="en-US" sz="2000" dirty="0" smtClean="0"/>
+          </a:p>
+          <a:p>
+            <a:r>
+              <a:rPr lang="en-US" sz="2000" dirty="0" smtClean="0"/>
+              <a:t>(define (when-even </a:t>
+            </a:r>
+            <a:r>
+              <a:rPr lang="en-US" sz="2000" dirty="0" err="1" smtClean="0"/>
+              <a:t>x</a:t>
+            </a:r>
+            <a:r>
+              <a:rPr lang="en-US" sz="2000" dirty="0" smtClean="0"/>
+              <a:t> f1 f2)</a:t>
+            </a:r>
+          </a:p>
+          <a:p>
+            <a:r>
+              <a:rPr lang="en-US" sz="2000" dirty="0" smtClean="0"/>
+              <a:t>  (if (is-even? </a:t>
+            </a:r>
+            <a:r>
+              <a:rPr lang="en-US" sz="2000" dirty="0" err="1" smtClean="0"/>
+              <a:t>x</a:t>
+            </a:r>
+            <a:r>
+              <a:rPr lang="en-US" sz="2000" dirty="0" smtClean="0"/>
+              <a:t>)</a:t>
+            </a:r>
+          </a:p>
+          <a:p>
+            <a:r>
+              <a:rPr lang="en-US" sz="2000" dirty="0" smtClean="0"/>
+              <a:t>      (f1 </a:t>
+            </a:r>
+            <a:r>
+              <a:rPr lang="en-US" sz="2000" dirty="0" err="1" smtClean="0"/>
+              <a:t>x</a:t>
+            </a:r>
+            <a:r>
+              <a:rPr lang="en-US" sz="2000" dirty="0" smtClean="0"/>
+              <a:t>)</a:t>
+            </a:r>
+          </a:p>
+          <a:p>
+            <a:r>
+              <a:rPr lang="en-US" sz="2000" dirty="0" smtClean="0"/>
+              <a:t>      (f2 </a:t>
+            </a:r>
+            <a:r>
+              <a:rPr lang="en-US" sz="2000" dirty="0" err="1" smtClean="0"/>
+              <a:t>x</a:t>
+            </a:r>
+            <a:r>
+              <a:rPr lang="en-US" sz="2000" dirty="0" smtClean="0"/>
+              <a:t>)))</a:t>
+            </a:r>
+          </a:p>
+          <a:p>
+            <a:endParaRPr lang="en-US" sz="2000" dirty="0" smtClean="0"/>
+          </a:p>
+          <a:p>
+            <a:r>
+              <a:rPr lang="en-US" sz="2000" dirty="0" smtClean="0"/>
+              <a:t>(define (down-to-one </a:t>
+            </a:r>
+            <a:r>
+              <a:rPr lang="en-US" sz="2000" dirty="0" err="1" smtClean="0"/>
+              <a:t>x</a:t>
+            </a:r>
+            <a:r>
+              <a:rPr lang="en-US" sz="2000" dirty="0" smtClean="0"/>
+              <a:t>)</a:t>
+            </a:r>
+          </a:p>
+          <a:p>
+            <a:r>
+              <a:rPr lang="en-US" sz="2000" dirty="0" smtClean="0"/>
+              <a:t>  (if (&gt; </a:t>
+            </a:r>
+            <a:r>
+              <a:rPr lang="en-US" sz="2000" dirty="0" err="1" smtClean="0"/>
+              <a:t>x</a:t>
+            </a:r>
+            <a:r>
+              <a:rPr lang="en-US" sz="2000" dirty="0" smtClean="0"/>
+              <a:t> 1)</a:t>
+            </a:r>
+          </a:p>
+          <a:p>
+            <a:r>
+              <a:rPr lang="en-US" sz="2000" dirty="0" smtClean="0"/>
+              <a:t>      </a:t>
+            </a:r>
+            <a:r>
+              <a:rPr lang="en-US" sz="2000" dirty="0" err="1" smtClean="0"/>
+              <a:t>x</a:t>
+            </a:r>
+            <a:endParaRPr lang="en-US" sz="2000" dirty="0" smtClean="0"/>
+          </a:p>
+          <a:p>
+            <a:r>
+              <a:rPr lang="en-US" sz="2000" dirty="0" smtClean="0"/>
+              <a:t>      (down-to-one (- </a:t>
+            </a:r>
+            <a:r>
+              <a:rPr lang="en-US" sz="2000" dirty="0" err="1" smtClean="0"/>
+              <a:t>x</a:t>
+            </a:r>
+            <a:r>
+              <a:rPr lang="en-US" sz="2000" dirty="0" smtClean="0"/>
+              <a:t> 1))))</a:t>
+            </a:r>
+          </a:p>
+          <a:p>
+            <a:endParaRPr lang="en-US" sz="2000" dirty="0" smtClean="0"/>
+          </a:p>
+          <a:p>
+            <a:r>
+              <a:rPr lang="en-US" sz="2000" dirty="0" smtClean="0"/>
+              <a:t>(when-even 4</a:t>
+            </a:r>
+          </a:p>
+          <a:p>
+            <a:r>
+              <a:rPr lang="en-US" sz="2000" dirty="0" smtClean="0"/>
+              <a:t>  down-to-one</a:t>
+            </a:r>
+          </a:p>
+          <a:p>
+            <a:r>
+              <a:rPr lang="en-US" sz="2000" dirty="0" smtClean="0"/>
+              <a:t>  (lambda (</a:t>
+            </a:r>
+            <a:r>
+              <a:rPr lang="en-US" sz="2000" dirty="0" err="1" smtClean="0"/>
+              <a:t>x</a:t>
+            </a:r>
+            <a:r>
+              <a:rPr lang="en-US" sz="2000" dirty="0" smtClean="0"/>
+              <a:t>) (+ </a:t>
+            </a:r>
+            <a:r>
+              <a:rPr lang="en-US" sz="2000" dirty="0" err="1" smtClean="0"/>
+              <a:t>x</a:t>
+            </a:r>
+            <a:r>
+              <a:rPr lang="en-US" sz="2000" dirty="0" smtClean="0"/>
+              <a:t> 1)))</a:t>
             </a:r>
           </a:p>
         </p:txBody>
@@ -8770,90 +9656,66 @@
             <p:ph type="title"/>
           </p:nvPr>
         </p:nvSpPr>
-        <p:spPr/>
-        <p:txBody>
-          <a:bodyPr/>
-          <a:lstStyle/>
-          <a:p>
-            <a:r>
-              <a:rPr lang="en-US" dirty="0" smtClean="0"/>
-              <a:t>Functions are Data</a:t>
-            </a:r>
-            <a:endParaRPr lang="en-US" dirty="0"/>
-          </a:p>
-        </p:txBody>
-      </p:sp>
-      <p:sp>
-        <p:nvSpPr>
-          <p:cNvPr id="4" name="TextBox 3"/>
-          <p:cNvSpPr txBox="1"/>
-          <p:nvPr/>
-        </p:nvSpPr>
         <p:spPr>
           <a:xfrm>
-            <a:off x="457200" y="1417638"/>
-            <a:ext cx="4140670" cy="2015936"/>
+            <a:off x="457200" y="274637"/>
+            <a:ext cx="8215086" cy="5422219"/>
           </a:xfrm>
-          <a:prstGeom prst="rect">
-            <a:avLst/>
-          </a:prstGeom>
-          <a:noFill/>
         </p:spPr>
         <p:txBody>
-          <a:bodyPr wrap="none" rtlCol="0">
-            <a:spAutoFit/>
+          <a:bodyPr>
+            <a:normAutofit/>
           </a:bodyPr>
           <a:lstStyle/>
           <a:p>
             <a:r>
-              <a:rPr lang="en-US" sz="2500" dirty="0" smtClean="0"/>
-              <a:t>doSomething(5, </a:t>
-            </a:r>
-            <a:r>
-              <a:rPr lang="en-US" sz="2500" dirty="0" smtClean="0">
-                <a:solidFill>
-                  <a:srgbClr val="A8C6D0"/>
-                </a:solidFill>
-              </a:rPr>
-              <a:t>increment</a:t>
-            </a:r>
-            <a:r>
-              <a:rPr lang="en-US" sz="2500" dirty="0" smtClean="0"/>
-              <a:t>);</a:t>
-            </a:r>
-          </a:p>
-          <a:p>
-            <a:r>
-              <a:rPr lang="en-US" sz="2500" dirty="0" smtClean="0"/>
-              <a:t>// -&gt; 6</a:t>
-            </a:r>
-          </a:p>
-          <a:p>
-            <a:endParaRPr lang="en-US" sz="2500" dirty="0" smtClean="0"/>
-          </a:p>
-          <a:p>
-            <a:r>
-              <a:rPr lang="en-US" sz="2500" dirty="0" smtClean="0"/>
-              <a:t>doSomething(5, </a:t>
-            </a:r>
-            <a:r>
-              <a:rPr lang="en-US" sz="2500" dirty="0" smtClean="0">
-                <a:solidFill>
-                  <a:srgbClr val="A8C6D0"/>
-                </a:solidFill>
-              </a:rPr>
-              <a:t>square</a:t>
-            </a:r>
-            <a:r>
-              <a:rPr lang="en-US" sz="2500" dirty="0" smtClean="0"/>
-              <a:t>);</a:t>
-            </a:r>
-          </a:p>
-          <a:p>
-            <a:r>
-              <a:rPr lang="en-US" sz="2500" dirty="0" smtClean="0"/>
-              <a:t>// -&gt; 25</a:t>
-            </a:r>
+              <a:rPr lang="en-US" dirty="0" smtClean="0"/>
+              <a:t>There are many facets of functional programming.</a:t>
+            </a:r>
+            <a:br>
+              <a:rPr lang="en-US" dirty="0" smtClean="0"/>
+            </a:br>
+            <a:r>
+              <a:rPr lang="en-US" dirty="0" smtClean="0"/>
+              <a:t/>
+            </a:r>
+            <a:br>
+              <a:rPr lang="en-US" dirty="0" smtClean="0"/>
+            </a:br>
+            <a:r>
+              <a:rPr lang="en-US" dirty="0" smtClean="0"/>
+              <a:t>We will focus primarily on</a:t>
+            </a:r>
+            <a:br>
+              <a:rPr lang="en-US" dirty="0" smtClean="0"/>
+            </a:br>
+            <a:r>
+              <a:rPr lang="en-US" dirty="0" smtClean="0"/>
+              <a:t>higher-order functions </a:t>
+            </a:r>
+            <a:r>
+              <a:rPr lang="en-US" dirty="0" smtClean="0"/>
+              <a:t>and the</a:t>
+            </a:r>
+            <a:br>
+              <a:rPr lang="en-US" dirty="0" smtClean="0"/>
+            </a:br>
+            <a:r>
+              <a:rPr lang="en-US" dirty="0" smtClean="0"/>
+              <a:t>treatment of</a:t>
+            </a:r>
+            <a:r>
+              <a:rPr lang="en-US" dirty="0" smtClean="0"/>
+              <a:t> </a:t>
+            </a:r>
+            <a:r>
+              <a:rPr lang="en-US" dirty="0" smtClean="0"/>
+              <a:t>functions as data.</a:t>
+            </a:r>
+            <a:br>
+              <a:rPr lang="en-US" dirty="0" smtClean="0"/>
+            </a:br>
+            <a:endParaRPr lang="en-US" dirty="0"/>
           </a:p>
         </p:txBody>
       </p:sp>

--- a/JaxFunc.pptx
+++ b/JaxFunc.pptx
@@ -521,7 +521,7 @@
             <a:fld id="{B5FBB243-1215-0146-8C14-45727866649E}" type="datetimeFigureOut">
               <a:rPr lang="en-US" smtClean="0"/>
               <a:pPr/>
-              <a:t>6/15/10</a:t>
+              <a:t>6/17/10</a:t>
             </a:fld>
             <a:endParaRPr lang="en-US"/>
           </a:p>
@@ -688,7 +688,7 @@
             <a:fld id="{B5FBB243-1215-0146-8C14-45727866649E}" type="datetimeFigureOut">
               <a:rPr lang="en-US" smtClean="0"/>
               <a:pPr/>
-              <a:t>6/15/10</a:t>
+              <a:t>6/17/10</a:t>
             </a:fld>
             <a:endParaRPr lang="en-US"/>
           </a:p>
@@ -865,7 +865,7 @@
             <a:fld id="{B5FBB243-1215-0146-8C14-45727866649E}" type="datetimeFigureOut">
               <a:rPr lang="en-US" smtClean="0"/>
               <a:pPr/>
-              <a:t>6/15/10</a:t>
+              <a:t>6/17/10</a:t>
             </a:fld>
             <a:endParaRPr lang="en-US"/>
           </a:p>
@@ -1036,7 +1036,7 @@
             <a:fld id="{B5FBB243-1215-0146-8C14-45727866649E}" type="datetimeFigureOut">
               <a:rPr lang="en-US" smtClean="0"/>
               <a:pPr/>
-              <a:t>6/15/10</a:t>
+              <a:t>6/17/10</a:t>
             </a:fld>
             <a:endParaRPr lang="en-US"/>
           </a:p>
@@ -1488,7 +1488,7 @@
             <a:fld id="{B5FBB243-1215-0146-8C14-45727866649E}" type="datetimeFigureOut">
               <a:rPr lang="en-US" smtClean="0"/>
               <a:pPr/>
-              <a:t>6/15/10</a:t>
+              <a:t>6/17/10</a:t>
             </a:fld>
             <a:endParaRPr lang="en-US"/>
           </a:p>
@@ -1754,7 +1754,7 @@
             <a:fld id="{B5FBB243-1215-0146-8C14-45727866649E}" type="datetimeFigureOut">
               <a:rPr lang="en-US" smtClean="0"/>
               <a:pPr/>
-              <a:t>6/15/10</a:t>
+              <a:t>6/17/10</a:t>
             </a:fld>
             <a:endParaRPr lang="en-US"/>
           </a:p>
@@ -2130,7 +2130,7 @@
             <a:fld id="{B5FBB243-1215-0146-8C14-45727866649E}" type="datetimeFigureOut">
               <a:rPr lang="en-US" smtClean="0"/>
               <a:pPr/>
-              <a:t>6/15/10</a:t>
+              <a:t>6/17/10</a:t>
             </a:fld>
             <a:endParaRPr lang="en-US"/>
           </a:p>
@@ -2254,7 +2254,7 @@
             <a:fld id="{B5FBB243-1215-0146-8C14-45727866649E}" type="datetimeFigureOut">
               <a:rPr lang="en-US" smtClean="0"/>
               <a:pPr/>
-              <a:t>6/15/10</a:t>
+              <a:t>6/17/10</a:t>
             </a:fld>
             <a:endParaRPr lang="en-US"/>
           </a:p>
@@ -2346,7 +2346,7 @@
             <a:fld id="{B5FBB243-1215-0146-8C14-45727866649E}" type="datetimeFigureOut">
               <a:rPr lang="en-US" smtClean="0"/>
               <a:pPr/>
-              <a:t>6/15/10</a:t>
+              <a:t>6/17/10</a:t>
             </a:fld>
             <a:endParaRPr lang="en-US"/>
           </a:p>
@@ -2597,7 +2597,7 @@
             <a:fld id="{B5FBB243-1215-0146-8C14-45727866649E}" type="datetimeFigureOut">
               <a:rPr lang="en-US" smtClean="0"/>
               <a:pPr/>
-              <a:t>6/15/10</a:t>
+              <a:t>6/17/10</a:t>
             </a:fld>
             <a:endParaRPr lang="en-US"/>
           </a:p>
@@ -2858,7 +2858,7 @@
             <a:fld id="{B5FBB243-1215-0146-8C14-45727866649E}" type="datetimeFigureOut">
               <a:rPr lang="en-US" smtClean="0"/>
               <a:pPr/>
-              <a:t>6/15/10</a:t>
+              <a:t>6/17/10</a:t>
             </a:fld>
             <a:endParaRPr lang="en-US"/>
           </a:p>
@@ -3264,7 +3264,7 @@
             <a:fld id="{B5FBB243-1215-0146-8C14-45727866649E}" type="datetimeFigureOut">
               <a:rPr lang="en-US" smtClean="0"/>
               <a:pPr/>
-              <a:t>6/15/10</a:t>
+              <a:t>6/17/10</a:t>
             </a:fld>
             <a:endParaRPr lang="en-US"/>
           </a:p>
@@ -4596,11 +4596,7 @@
             </a:pPr>
             <a:r>
               <a:rPr lang="en-US" dirty="0" smtClean="0"/>
-              <a:t>A closure is a function whose definition “closes” over free variables</a:t>
-            </a:r>
-            <a:r>
-              <a:rPr lang="en-US" dirty="0" smtClean="0"/>
-              <a:t>.</a:t>
+              <a:t>A closure is a function whose definition “closes” over free variables.</a:t>
             </a:r>
           </a:p>
         </p:txBody>
@@ -4695,11 +4691,7 @@
             </a:pPr>
             <a:r>
               <a:rPr lang="en-US" dirty="0" smtClean="0"/>
-              <a:t>A </a:t>
-            </a:r>
-            <a:r>
-              <a:rPr lang="en-US" dirty="0" smtClean="0"/>
-              <a:t>lambda expression that doesn’t close over free variables isn’t a closure, strictly speaking.</a:t>
+              <a:t>A lambda expression that doesn’t close over free variables isn’t a closure, strictly speaking.</a:t>
             </a:r>
           </a:p>
           <a:p>
@@ -6166,16 +6158,7 @@
                 </a:solidFill>
                 <a:cs typeface="Rockwell"/>
               </a:rPr>
-              <a:t> </a:t>
-            </a:r>
-            <a:r>
-              <a:rPr lang="en-US" i="1" dirty="0" smtClean="0">
-                <a:solidFill>
-                  <a:srgbClr val="CCAF0A"/>
-                </a:solidFill>
-                <a:cs typeface="Rockwell"/>
-              </a:rPr>
-              <a:t>∘ </a:t>
+              <a:t> ∘ </a:t>
             </a:r>
             <a:r>
               <a:rPr lang="en-US" i="1" dirty="0" err="1" smtClean="0">
@@ -6265,14 +6248,7 @@
                 <a:latin typeface="+mj-lt"/>
                 <a:cs typeface="Rockwell"/>
               </a:rPr>
-              <a:t> into a new function that</a:t>
-            </a:r>
-            <a:r>
-              <a:rPr lang="en-US" dirty="0" smtClean="0">
-                <a:latin typeface="+mj-lt"/>
-                <a:cs typeface="Rockwell"/>
-              </a:rPr>
-              <a:t> applies </a:t>
+              <a:t> into a new function that applies </a:t>
             </a:r>
             <a:r>
               <a:rPr lang="en-US" dirty="0" err="1" smtClean="0">
@@ -6509,16 +6485,7 @@
                 </a:solidFill>
                 <a:cs typeface="Rockwell"/>
               </a:rPr>
-              <a:t> </a:t>
-            </a:r>
-            <a:r>
-              <a:rPr lang="en-US" i="1" dirty="0" smtClean="0">
-                <a:solidFill>
-                  <a:srgbClr val="CCAF0A"/>
-                </a:solidFill>
-                <a:cs typeface="Rockwell"/>
-              </a:rPr>
-              <a:t>∘ </a:t>
+              <a:t> ∘ </a:t>
             </a:r>
             <a:r>
               <a:rPr lang="en-US" i="1" dirty="0" err="1" smtClean="0">
@@ -6608,14 +6575,7 @@
                 <a:latin typeface="+mj-lt"/>
                 <a:cs typeface="Rockwell"/>
               </a:rPr>
-              <a:t> into a new function that</a:t>
-            </a:r>
-            <a:r>
-              <a:rPr lang="en-US" dirty="0" smtClean="0">
-                <a:latin typeface="+mj-lt"/>
-                <a:cs typeface="Rockwell"/>
-              </a:rPr>
-              <a:t> applies </a:t>
+              <a:t> into a new function that applies </a:t>
             </a:r>
             <a:r>
               <a:rPr lang="en-US" dirty="0" err="1" smtClean="0">
@@ -6886,8 +6846,10 @@
                   </a:schemeClr>
                 </a:solidFill>
               </a:rPr>
-              <a:t>/</a:t>
-            </a:r>
+              <a:t>// recursive implementation:</a:t>
+            </a:r>
+          </a:p>
+          <a:p>
             <a:r>
               <a:rPr lang="en-US" sz="2500" dirty="0" smtClean="0">
                 <a:solidFill>
@@ -6897,40 +6859,8 @@
                   </a:schemeClr>
                 </a:solidFill>
               </a:rPr>
-              <a:t>/ recursive implementation:</a:t>
-            </a:r>
-          </a:p>
-          <a:p>
-            <a:r>
-              <a:rPr lang="en-US" sz="2500" dirty="0" smtClean="0">
-                <a:solidFill>
-                  <a:schemeClr val="accent1">
-                    <a:lumMod val="60000"/>
-                    <a:lumOff val="40000"/>
-                  </a:schemeClr>
-                </a:solidFill>
-              </a:rPr>
-              <a:t>// http</a:t>
-            </a:r>
-            <a:r>
-              <a:rPr lang="en-US" sz="2500" dirty="0" smtClean="0">
-                <a:solidFill>
-                  <a:schemeClr val="accent1">
-                    <a:lumMod val="60000"/>
-                    <a:lumOff val="40000"/>
-                  </a:schemeClr>
-                </a:solidFill>
-              </a:rPr>
-              <a:t>://gist.github.com/366614</a:t>
-            </a:r>
-            <a:endParaRPr lang="en-US" sz="2500" dirty="0" smtClean="0">
-              <a:solidFill>
-                <a:schemeClr val="accent1">
-                  <a:lumMod val="60000"/>
-                  <a:lumOff val="40000"/>
-                </a:schemeClr>
-              </a:solidFill>
-            </a:endParaRPr>
+              <a:t>// http://gist.github.com/366614</a:t>
+            </a:r>
           </a:p>
         </p:txBody>
       </p:sp>
@@ -7075,15 +7005,7 @@
                   <a:srgbClr val="A8C6D0"/>
                 </a:solidFill>
               </a:rPr>
-              <a:t>// the </a:t>
-            </a:r>
-            <a:r>
-              <a:rPr lang="en-US" sz="2500" dirty="0" smtClean="0">
-                <a:solidFill>
-                  <a:srgbClr val="A8C6D0"/>
-                </a:solidFill>
-              </a:rPr>
-              <a:t>closure</a:t>
+              <a:t>// the closure</a:t>
             </a:r>
           </a:p>
         </p:txBody>
@@ -7144,11 +7066,7 @@
           <a:p>
             <a:r>
               <a:rPr lang="en-US" dirty="0" smtClean="0"/>
-              <a:t>Higher-Order </a:t>
-            </a:r>
-            <a:r>
-              <a:rPr lang="en-US" dirty="0" smtClean="0"/>
-              <a:t>Functions</a:t>
+              <a:t>Higher-Order Functions</a:t>
             </a:r>
             <a:br>
               <a:rPr lang="en-US" dirty="0" smtClean="0"/>
@@ -7197,26 +7115,14 @@
             </a:pPr>
             <a:r>
               <a:rPr lang="en-US" dirty="0" smtClean="0"/>
-              <a:t>Ruby, via Rails, brought higher-order functions</a:t>
-            </a:r>
-            <a:r>
-              <a:rPr lang="en-US" dirty="0" smtClean="0"/>
-              <a:t> that </a:t>
-            </a:r>
-            <a:r>
-              <a:rPr lang="en-US" dirty="0" smtClean="0"/>
-              <a:t>operate on</a:t>
+              <a:t>Ruby, via Rails, brought higher-order functions that operate on</a:t>
             </a:r>
             <a:br>
               <a:rPr lang="en-US" dirty="0" smtClean="0"/>
             </a:br>
             <a:r>
               <a:rPr lang="en-US" dirty="0" smtClean="0"/>
-              <a:t>lists </a:t>
-            </a:r>
-            <a:r>
-              <a:rPr lang="en-US" dirty="0" smtClean="0"/>
-              <a:t>mainstream.</a:t>
+              <a:t>lists mainstream.</a:t>
             </a:r>
           </a:p>
           <a:p>
@@ -8191,7 +8097,6 @@
               <a:rPr lang="en-US" dirty="0" smtClean="0"/>
               <a:t>) []</a:t>
             </a:r>
-            <a:endParaRPr lang="en-US" dirty="0" smtClean="0"/>
           </a:p>
           <a:p>
             <a:pPr>
@@ -9037,11 +8942,7 @@
           <a:p>
             <a:r>
               <a:rPr lang="en-US" sz="2500" dirty="0" smtClean="0"/>
-              <a:t>true :</a:t>
-            </a:r>
-            <a:r>
-              <a:rPr lang="en-US" sz="2500" dirty="0" smtClean="0"/>
-              <a:t>= </a:t>
+              <a:t>true := </a:t>
             </a:r>
             <a:r>
               <a:rPr lang="en-US" sz="2500" dirty="0" err="1" smtClean="0"/>
@@ -9198,11 +9099,7 @@
             </a:pPr>
             <a:r>
               <a:rPr lang="en-US" dirty="0" smtClean="0"/>
-              <a:t>Uniform treatment of data and functions</a:t>
-            </a:r>
-            <a:r>
-              <a:rPr lang="en-US" dirty="0" smtClean="0"/>
-              <a:t>;</a:t>
+              <a:t>Uniform treatment of data and functions;</a:t>
             </a:r>
             <a:br>
               <a:rPr lang="en-US" dirty="0" smtClean="0"/>
@@ -9213,15 +9110,7 @@
                   <a:srgbClr val="A8C6D0"/>
                 </a:solidFill>
               </a:rPr>
-              <a:t>higher</a:t>
-            </a:r>
-            <a:r>
-              <a:rPr lang="en-US" dirty="0" smtClean="0">
-                <a:solidFill>
-                  <a:srgbClr val="A8C6D0"/>
-                </a:solidFill>
-              </a:rPr>
-              <a:t>-order functions</a:t>
+              <a:t>higher-order functions</a:t>
             </a:r>
             <a:r>
               <a:rPr lang="en-US" dirty="0" smtClean="0">
@@ -9439,17 +9328,11 @@
           <a:p>
             <a:r>
               <a:rPr lang="en-US" sz="2000" dirty="0" smtClean="0"/>
-              <a:t>(define (is-even? X)</a:t>
-            </a:r>
-          </a:p>
-          <a:p>
-            <a:r>
-              <a:rPr lang="en-US" sz="2000" smtClean="0"/>
-              <a:t>  (</a:t>
+              <a:t>(define (is-even?</a:t>
             </a:r>
             <a:r>
               <a:rPr lang="en-US" sz="2000" dirty="0" smtClean="0"/>
-              <a:t>= 0 (modulo </a:t>
+              <a:t> </a:t>
             </a:r>
             <a:r>
               <a:rPr lang="en-US" sz="2000" dirty="0" err="1" smtClean="0"/>
@@ -9457,6 +9340,21 @@
             </a:r>
             <a:r>
               <a:rPr lang="en-US" sz="2000" dirty="0" smtClean="0"/>
+              <a:t>)</a:t>
+            </a:r>
+            <a:endParaRPr lang="en-US" sz="2000" dirty="0" smtClean="0"/>
+          </a:p>
+          <a:p>
+            <a:r>
+              <a:rPr lang="en-US" sz="2000" dirty="0" smtClean="0"/>
+              <a:t>  (= 0 (modulo </a:t>
+            </a:r>
+            <a:r>
+              <a:rPr lang="en-US" sz="2000" dirty="0" err="1" smtClean="0"/>
+              <a:t>x</a:t>
+            </a:r>
+            <a:r>
+              <a:rPr lang="en-US" sz="2000" dirty="0" smtClean="0"/>
               <a:t> 2)))</a:t>
             </a:r>
           </a:p>
@@ -9539,7 +9437,11 @@
           <a:p>
             <a:r>
               <a:rPr lang="en-US" sz="2000" dirty="0" smtClean="0"/>
-              <a:t>  (if (&gt; </a:t>
+              <a:t>  (if </a:t>
+            </a:r>
+            <a:r>
+              <a:rPr lang="en-US" sz="2000" dirty="0" smtClean="0"/>
+              <a:t>(&lt;= </a:t>
             </a:r>
             <a:r>
               <a:rPr lang="en-US" sz="2000" dirty="0" err="1" smtClean="0"/>
@@ -9691,26 +9593,14 @@
             </a:br>
             <a:r>
               <a:rPr lang="en-US" dirty="0" smtClean="0"/>
-              <a:t>higher-order functions </a:t>
-            </a:r>
-            <a:r>
-              <a:rPr lang="en-US" dirty="0" smtClean="0"/>
-              <a:t>and the</a:t>
+              <a:t>higher-order functions and the</a:t>
             </a:r>
             <a:br>
               <a:rPr lang="en-US" dirty="0" smtClean="0"/>
             </a:br>
             <a:r>
               <a:rPr lang="en-US" dirty="0" smtClean="0"/>
-              <a:t>treatment of</a:t>
-            </a:r>
-            <a:r>
-              <a:rPr lang="en-US" dirty="0" smtClean="0"/>
-              <a:t> </a:t>
-            </a:r>
-            <a:r>
-              <a:rPr lang="en-US" dirty="0" smtClean="0"/>
-              <a:t>functions as data.</a:t>
+              <a:t>treatment of functions as data.</a:t>
             </a:r>
             <a:br>
               <a:rPr lang="en-US" dirty="0" smtClean="0"/>

--- a/JaxFunc.pptx
+++ b/JaxFunc.pptx
@@ -26,20 +26,21 @@
     <p:sldId id="257" r:id="rId20"/>
     <p:sldId id="286" r:id="rId21"/>
     <p:sldId id="285" r:id="rId22"/>
-    <p:sldId id="304" r:id="rId23"/>
-    <p:sldId id="258" r:id="rId24"/>
-    <p:sldId id="259" r:id="rId25"/>
-    <p:sldId id="268" r:id="rId26"/>
-    <p:sldId id="295" r:id="rId27"/>
-    <p:sldId id="299" r:id="rId28"/>
-    <p:sldId id="296" r:id="rId29"/>
-    <p:sldId id="282" r:id="rId30"/>
-    <p:sldId id="275" r:id="rId31"/>
-    <p:sldId id="283" r:id="rId32"/>
-    <p:sldId id="289" r:id="rId33"/>
-    <p:sldId id="290" r:id="rId34"/>
-    <p:sldId id="294" r:id="rId35"/>
-    <p:sldId id="300" r:id="rId36"/>
+    <p:sldId id="305" r:id="rId23"/>
+    <p:sldId id="304" r:id="rId24"/>
+    <p:sldId id="258" r:id="rId25"/>
+    <p:sldId id="259" r:id="rId26"/>
+    <p:sldId id="268" r:id="rId27"/>
+    <p:sldId id="295" r:id="rId28"/>
+    <p:sldId id="299" r:id="rId29"/>
+    <p:sldId id="296" r:id="rId30"/>
+    <p:sldId id="282" r:id="rId31"/>
+    <p:sldId id="275" r:id="rId32"/>
+    <p:sldId id="283" r:id="rId33"/>
+    <p:sldId id="289" r:id="rId34"/>
+    <p:sldId id="290" r:id="rId35"/>
+    <p:sldId id="294" r:id="rId36"/>
+    <p:sldId id="300" r:id="rId37"/>
   </p:sldIdLst>
   <p:sldSz cx="9144000" cy="6858000" type="screen4x3"/>
   <p:notesSz cx="6858000" cy="9144000"/>
@@ -3932,7 +3933,7 @@
         <p:spPr>
           <a:xfrm>
             <a:off x="457200" y="1417638"/>
-            <a:ext cx="4647426" cy="4324261"/>
+            <a:ext cx="4121641" cy="4324261"/>
           </a:xfrm>
           <a:prstGeom prst="rect">
             <a:avLst/>
@@ -4069,17 +4070,41 @@
             </a:r>
             <a:r>
               <a:rPr lang="en-US" sz="2500" dirty="0" smtClean="0"/>
-              <a:t>, work) {</a:t>
-            </a:r>
-          </a:p>
-          <a:p>
+              <a:t>,</a:t>
+            </a:r>
             <a:r>
               <a:rPr lang="en-US" sz="2500" dirty="0" smtClean="0"/>
-              <a:t>  return </a:t>
+              <a:t> </a:t>
             </a:r>
             <a:r>
               <a:rPr lang="en-US" sz="2500" dirty="0" err="1" smtClean="0"/>
-              <a:t>work(i</a:t>
+              <a:t>f</a:t>
+            </a:r>
+            <a:r>
+              <a:rPr lang="en-US" sz="2500" dirty="0" smtClean="0"/>
+              <a:t>) </a:t>
+            </a:r>
+            <a:r>
+              <a:rPr lang="en-US" sz="2500" dirty="0" smtClean="0"/>
+              <a:t>{</a:t>
+            </a:r>
+          </a:p>
+          <a:p>
+            <a:r>
+              <a:rPr lang="en-US" sz="2500" dirty="0" smtClean="0"/>
+              <a:t>  return</a:t>
+            </a:r>
+            <a:r>
+              <a:rPr lang="en-US" sz="2500" dirty="0" smtClean="0"/>
+              <a:t> </a:t>
+            </a:r>
+            <a:r>
+              <a:rPr lang="en-US" sz="2500" dirty="0" err="1" smtClean="0"/>
+              <a:t>f(</a:t>
+            </a:r>
+            <a:r>
+              <a:rPr lang="en-US" sz="2500" dirty="0" err="1" smtClean="0"/>
+              <a:t>i</a:t>
             </a:r>
             <a:r>
               <a:rPr lang="en-US" sz="2500" dirty="0" smtClean="0"/>
@@ -6049,249 +6074,26 @@
                 <a:latin typeface="+mj-lt"/>
                 <a:cs typeface="Rockwell"/>
               </a:rPr>
-              <a:t>We can combine functions with compatible domains.</a:t>
-            </a:r>
-          </a:p>
-          <a:p>
-            <a:pPr>
-              <a:buFont typeface="Wingdings" charset="2"/>
-              <a:buChar char="§"/>
-            </a:pPr>
-            <a:r>
-              <a:rPr lang="en-US" i="1" dirty="0" smtClean="0">
-                <a:solidFill>
-                  <a:srgbClr val="CCAF0A"/>
-                </a:solidFill>
+              <a:t>We can combine functions with compatible </a:t>
+            </a:r>
+            <a:r>
+              <a:rPr lang="en-US" smtClean="0">
                 <a:latin typeface="+mj-lt"/>
                 <a:cs typeface="Rockwell"/>
               </a:rPr>
-              <a:t>(</a:t>
-            </a:r>
-            <a:r>
-              <a:rPr lang="en-US" i="1" dirty="0" err="1" smtClean="0">
-                <a:solidFill>
-                  <a:srgbClr val="CCAF0A"/>
-                </a:solidFill>
+              <a:t>domains</a:t>
+            </a:r>
+            <a:r>
+              <a:rPr lang="en-US" smtClean="0">
                 <a:latin typeface="+mj-lt"/>
                 <a:cs typeface="Rockwell"/>
               </a:rPr>
-              <a:t>g</a:t>
-            </a:r>
-            <a:r>
-              <a:rPr lang="en-US" i="1" dirty="0" smtClean="0">
-                <a:solidFill>
-                  <a:srgbClr val="CCAF0A"/>
-                </a:solidFill>
-                <a:latin typeface="+mj-lt"/>
-                <a:cs typeface="Rockwell"/>
-              </a:rPr>
-              <a:t> . </a:t>
-            </a:r>
-            <a:r>
-              <a:rPr lang="en-US" i="1" dirty="0" err="1" smtClean="0">
-                <a:solidFill>
-                  <a:srgbClr val="CCAF0A"/>
-                </a:solidFill>
-                <a:latin typeface="+mj-lt"/>
-                <a:cs typeface="Rockwell"/>
-              </a:rPr>
-              <a:t>f</a:t>
-            </a:r>
-            <a:r>
-              <a:rPr lang="en-US" i="1" dirty="0" smtClean="0">
-                <a:solidFill>
-                  <a:srgbClr val="CCAF0A"/>
-                </a:solidFill>
-                <a:latin typeface="+mj-lt"/>
-                <a:cs typeface="Rockwell"/>
-              </a:rPr>
-              <a:t>) = </a:t>
-            </a:r>
-            <a:r>
-              <a:rPr lang="en-US" i="1" dirty="0" err="1" smtClean="0">
-                <a:solidFill>
-                  <a:srgbClr val="CCAF0A"/>
-                </a:solidFill>
-                <a:latin typeface="+mj-lt"/>
-                <a:cs typeface="Rockwell"/>
-              </a:rPr>
-              <a:t>g(f(x</a:t>
-            </a:r>
-            <a:r>
-              <a:rPr lang="en-US" i="1" dirty="0" smtClean="0">
-                <a:solidFill>
-                  <a:srgbClr val="CCAF0A"/>
-                </a:solidFill>
-                <a:latin typeface="+mj-lt"/>
-                <a:cs typeface="Rockwell"/>
-              </a:rPr>
-              <a:t>)) </a:t>
-            </a:r>
-            <a:r>
-              <a:rPr lang="en-US" dirty="0" smtClean="0">
-                <a:cs typeface="Rockwell"/>
-              </a:rPr>
-              <a:t>or </a:t>
-            </a:r>
-            <a:r>
-              <a:rPr lang="en-US" i="1" dirty="0" smtClean="0">
-                <a:solidFill>
-                  <a:srgbClr val="CCAF0A"/>
-                </a:solidFill>
-                <a:cs typeface="Rockwell"/>
-              </a:rPr>
-              <a:t>(</a:t>
-            </a:r>
-            <a:r>
-              <a:rPr lang="en-US" i="1" dirty="0" err="1" smtClean="0">
-                <a:solidFill>
-                  <a:srgbClr val="CCAF0A"/>
-                </a:solidFill>
-                <a:cs typeface="Rockwell"/>
-              </a:rPr>
-              <a:t>g</a:t>
-            </a:r>
-            <a:r>
-              <a:rPr lang="en-US" i="1" dirty="0" smtClean="0">
-                <a:solidFill>
-                  <a:srgbClr val="CCAF0A"/>
-                </a:solidFill>
-                <a:cs typeface="Rockwell"/>
-              </a:rPr>
-              <a:t> ∘ </a:t>
-            </a:r>
-            <a:r>
-              <a:rPr lang="en-US" i="1" dirty="0" err="1" smtClean="0">
-                <a:solidFill>
-                  <a:srgbClr val="CCAF0A"/>
-                </a:solidFill>
-                <a:cs typeface="Rockwell"/>
-              </a:rPr>
-              <a:t>f</a:t>
-            </a:r>
-            <a:r>
-              <a:rPr lang="en-US" i="1" dirty="0" smtClean="0">
-                <a:solidFill>
-                  <a:srgbClr val="CCAF0A"/>
-                </a:solidFill>
-                <a:cs typeface="Rockwell"/>
-              </a:rPr>
-              <a:t>) = </a:t>
-            </a:r>
-            <a:r>
-              <a:rPr lang="en-US" i="1" dirty="0" err="1" smtClean="0">
-                <a:solidFill>
-                  <a:srgbClr val="CCAF0A"/>
-                </a:solidFill>
-                <a:cs typeface="Rockwell"/>
-              </a:rPr>
-              <a:t>g(f(x</a:t>
-            </a:r>
-            <a:r>
-              <a:rPr lang="en-US" i="1" dirty="0" smtClean="0">
-                <a:solidFill>
-                  <a:srgbClr val="CCAF0A"/>
-                </a:solidFill>
-                <a:cs typeface="Rockwell"/>
-              </a:rPr>
-              <a:t>))</a:t>
-            </a:r>
-            <a:endParaRPr lang="en-US" i="1" dirty="0" smtClean="0">
-              <a:solidFill>
-                <a:srgbClr val="CCAF0A"/>
-              </a:solidFill>
+              <a:t>.</a:t>
+            </a:r>
+            <a:endParaRPr lang="en-US" dirty="0" smtClean="0">
               <a:latin typeface="+mj-lt"/>
               <a:cs typeface="Rockwell"/>
             </a:endParaRPr>
-          </a:p>
-          <a:p>
-            <a:pPr>
-              <a:buFont typeface="Wingdings" charset="2"/>
-              <a:buChar char="§"/>
-            </a:pPr>
-            <a:r>
-              <a:rPr lang="en-US" dirty="0" smtClean="0">
-                <a:latin typeface="+mj-lt"/>
-                <a:cs typeface="Rockwell"/>
-              </a:rPr>
-              <a:t>Combine the functions </a:t>
-            </a:r>
-            <a:r>
-              <a:rPr lang="en-US" dirty="0" err="1" smtClean="0">
-                <a:solidFill>
-                  <a:srgbClr val="FFFFFF"/>
-                </a:solidFill>
-                <a:latin typeface="+mj-lt"/>
-                <a:cs typeface="Rockwell"/>
-              </a:rPr>
-              <a:t>g</a:t>
-            </a:r>
-            <a:r>
-              <a:rPr lang="en-US" dirty="0" smtClean="0">
-                <a:solidFill>
-                  <a:srgbClr val="FFFFFF"/>
-                </a:solidFill>
-                <a:latin typeface="+mj-lt"/>
-                <a:cs typeface="Rockwell"/>
-              </a:rPr>
-              <a:t> and </a:t>
-            </a:r>
-            <a:r>
-              <a:rPr lang="en-US" dirty="0" err="1" smtClean="0">
-                <a:latin typeface="+mj-lt"/>
-                <a:cs typeface="Rockwell"/>
-              </a:rPr>
-              <a:t>f</a:t>
-            </a:r>
-            <a:r>
-              <a:rPr lang="en-US" dirty="0" smtClean="0">
-                <a:latin typeface="+mj-lt"/>
-                <a:cs typeface="Rockwell"/>
-              </a:rPr>
-              <a:t> into a new function that applies </a:t>
-            </a:r>
-            <a:r>
-              <a:rPr lang="en-US" dirty="0" err="1" smtClean="0">
-                <a:latin typeface="+mj-lt"/>
-                <a:cs typeface="Rockwell"/>
-              </a:rPr>
-              <a:t>g</a:t>
-            </a:r>
-            <a:r>
-              <a:rPr lang="en-US" dirty="0" smtClean="0">
-                <a:latin typeface="+mj-lt"/>
-                <a:cs typeface="Rockwell"/>
-              </a:rPr>
-              <a:t> to the result of applying </a:t>
-            </a:r>
-            <a:r>
-              <a:rPr lang="en-US" dirty="0" err="1" smtClean="0">
-                <a:latin typeface="+mj-lt"/>
-                <a:cs typeface="Rockwell"/>
-              </a:rPr>
-              <a:t>f</a:t>
-            </a:r>
-            <a:r>
-              <a:rPr lang="en-US" dirty="0" smtClean="0">
-                <a:latin typeface="+mj-lt"/>
-                <a:cs typeface="Rockwell"/>
-              </a:rPr>
-              <a:t> to </a:t>
-            </a:r>
-            <a:r>
-              <a:rPr lang="en-US" dirty="0" err="1" smtClean="0">
-                <a:latin typeface="+mj-lt"/>
-                <a:cs typeface="Rockwell"/>
-              </a:rPr>
-              <a:t>x</a:t>
-            </a:r>
-            <a:r>
-              <a:rPr lang="en-US" dirty="0" smtClean="0">
-                <a:latin typeface="+mj-lt"/>
-                <a:cs typeface="Rockwell"/>
-              </a:rPr>
-              <a:t>.</a:t>
-            </a:r>
           </a:p>
         </p:txBody>
       </p:sp>
@@ -6620,30 +6422,6 @@
               <a:t>.</a:t>
             </a:r>
           </a:p>
-          <a:p>
-            <a:pPr>
-              <a:buFont typeface="Wingdings" charset="2"/>
-              <a:buChar char="§"/>
-            </a:pPr>
-            <a:endParaRPr lang="en-US" dirty="0" smtClean="0">
-              <a:latin typeface="+mj-lt"/>
-              <a:cs typeface="Rockwell"/>
-            </a:endParaRPr>
-          </a:p>
-          <a:p>
-            <a:pPr>
-              <a:buNone/>
-            </a:pPr>
-            <a:r>
-              <a:rPr lang="en-US" dirty="0" smtClean="0"/>
-              <a:t>Back to </a:t>
-            </a:r>
-            <a:r>
-              <a:rPr lang="en-US" smtClean="0"/>
-              <a:t>the code!</a:t>
-            </a:r>
-            <a:endParaRPr lang="en-US" i="1" dirty="0" smtClean="0"/>
-          </a:p>
         </p:txBody>
       </p:sp>
     </p:spTree>
@@ -6695,7 +6473,7 @@
           <a:p>
             <a:r>
               <a:rPr lang="en-US" dirty="0" smtClean="0"/>
-              <a:t>In JavaScript:</a:t>
+              <a:t>Function Composition</a:t>
             </a:r>
             <a:endParaRPr lang="en-US" dirty="0"/>
           </a:p>
@@ -6703,164 +6481,297 @@
       </p:sp>
       <p:sp>
         <p:nvSpPr>
-          <p:cNvPr id="5" name="TextBox 4"/>
-          <p:cNvSpPr txBox="1"/>
-          <p:nvPr/>
-        </p:nvSpPr>
-        <p:spPr>
-          <a:xfrm>
-            <a:off x="457200" y="1619905"/>
-            <a:ext cx="8178800" cy="3939540"/>
-          </a:xfrm>
-          <a:prstGeom prst="rect">
-            <a:avLst/>
-          </a:prstGeom>
-          <a:noFill/>
-        </p:spPr>
-        <p:txBody>
-          <a:bodyPr wrap="square" rtlCol="0">
-            <a:spAutoFit/>
+          <p:cNvPr id="3" name="Content Placeholder 2"/>
+          <p:cNvSpPr>
+            <a:spLocks noGrp="1"/>
+          </p:cNvSpPr>
+          <p:nvPr>
+            <p:ph idx="1"/>
+          </p:nvPr>
+        </p:nvSpPr>
+        <p:spPr/>
+        <p:txBody>
+          <a:bodyPr>
+            <a:normAutofit/>
           </a:bodyPr>
           <a:lstStyle/>
           <a:p>
-            <a:r>
-              <a:rPr lang="en-US" sz="2500" dirty="0" smtClean="0"/>
-              <a:t>function </a:t>
-            </a:r>
-            <a:r>
-              <a:rPr lang="en-US" sz="2500" dirty="0" err="1" smtClean="0"/>
-              <a:t>compose(f</a:t>
-            </a:r>
-            <a:r>
-              <a:rPr lang="en-US" sz="2500" dirty="0" smtClean="0"/>
-              <a:t>, </a:t>
-            </a:r>
-            <a:r>
-              <a:rPr lang="en-US" sz="2500" dirty="0" err="1" smtClean="0"/>
+            <a:pPr>
+              <a:buFont typeface="Wingdings" charset="2"/>
+              <a:buChar char="§"/>
+            </a:pPr>
+            <a:r>
+              <a:rPr lang="en-US" dirty="0" smtClean="0">
+                <a:latin typeface="+mj-lt"/>
+                <a:cs typeface="Rockwell"/>
+              </a:rPr>
+              <a:t>We can combine functions with compatible domains.</a:t>
+            </a:r>
+          </a:p>
+          <a:p>
+            <a:pPr>
+              <a:buFont typeface="Wingdings" charset="2"/>
+              <a:buChar char="§"/>
+            </a:pPr>
+            <a:r>
+              <a:rPr lang="en-US" i="1" dirty="0" smtClean="0">
+                <a:solidFill>
+                  <a:srgbClr val="CCAF0A"/>
+                </a:solidFill>
+                <a:latin typeface="+mj-lt"/>
+                <a:cs typeface="Rockwell"/>
+              </a:rPr>
+              <a:t>(</a:t>
+            </a:r>
+            <a:r>
+              <a:rPr lang="en-US" i="1" dirty="0" err="1" smtClean="0">
+                <a:solidFill>
+                  <a:srgbClr val="CCAF0A"/>
+                </a:solidFill>
+                <a:latin typeface="+mj-lt"/>
+                <a:cs typeface="Rockwell"/>
+              </a:rPr>
               <a:t>g</a:t>
             </a:r>
             <a:r>
-              <a:rPr lang="en-US" sz="2500" dirty="0" smtClean="0"/>
-              <a:t>) {</a:t>
-            </a:r>
-          </a:p>
-          <a:p>
-            <a:r>
-              <a:rPr lang="en-US" sz="2500" dirty="0" smtClean="0">
-                <a:solidFill>
-                  <a:srgbClr val="A8C6D0"/>
-                </a:solidFill>
-              </a:rPr>
-              <a:t>  // a closure, closing over the free</a:t>
-            </a:r>
-          </a:p>
-          <a:p>
-            <a:r>
-              <a:rPr lang="en-US" sz="2500" dirty="0" smtClean="0">
-                <a:solidFill>
-                  <a:srgbClr val="A8C6D0"/>
-                </a:solidFill>
-              </a:rPr>
-              <a:t>  // variables </a:t>
-            </a:r>
-            <a:r>
-              <a:rPr lang="en-US" sz="2500" dirty="0" err="1" smtClean="0">
-                <a:solidFill>
-                  <a:srgbClr val="A8C6D0"/>
-                </a:solidFill>
+              <a:rPr lang="en-US" i="1" dirty="0" smtClean="0">
+                <a:solidFill>
+                  <a:srgbClr val="CCAF0A"/>
+                </a:solidFill>
+                <a:latin typeface="+mj-lt"/>
+                <a:cs typeface="Rockwell"/>
+              </a:rPr>
+              <a:t> . </a:t>
+            </a:r>
+            <a:r>
+              <a:rPr lang="en-US" i="1" dirty="0" err="1" smtClean="0">
+                <a:solidFill>
+                  <a:srgbClr val="CCAF0A"/>
+                </a:solidFill>
+                <a:latin typeface="+mj-lt"/>
+                <a:cs typeface="Rockwell"/>
               </a:rPr>
               <a:t>f</a:t>
             </a:r>
             <a:r>
-              <a:rPr lang="en-US" sz="2500" dirty="0" smtClean="0">
-                <a:solidFill>
-                  <a:srgbClr val="A8C6D0"/>
-                </a:solidFill>
+              <a:rPr lang="en-US" i="1" dirty="0" smtClean="0">
+                <a:solidFill>
+                  <a:srgbClr val="CCAF0A"/>
+                </a:solidFill>
+                <a:latin typeface="+mj-lt"/>
+                <a:cs typeface="Rockwell"/>
+              </a:rPr>
+              <a:t>) = </a:t>
+            </a:r>
+            <a:r>
+              <a:rPr lang="en-US" i="1" dirty="0" err="1" smtClean="0">
+                <a:solidFill>
+                  <a:srgbClr val="CCAF0A"/>
+                </a:solidFill>
+                <a:latin typeface="+mj-lt"/>
+                <a:cs typeface="Rockwell"/>
+              </a:rPr>
+              <a:t>g(f(x</a:t>
+            </a:r>
+            <a:r>
+              <a:rPr lang="en-US" i="1" dirty="0" smtClean="0">
+                <a:solidFill>
+                  <a:srgbClr val="CCAF0A"/>
+                </a:solidFill>
+                <a:latin typeface="+mj-lt"/>
+                <a:cs typeface="Rockwell"/>
+              </a:rPr>
+              <a:t>)) </a:t>
+            </a:r>
+            <a:r>
+              <a:rPr lang="en-US" dirty="0" smtClean="0">
+                <a:cs typeface="Rockwell"/>
+              </a:rPr>
+              <a:t>or </a:t>
+            </a:r>
+            <a:r>
+              <a:rPr lang="en-US" i="1" dirty="0" smtClean="0">
+                <a:solidFill>
+                  <a:srgbClr val="CCAF0A"/>
+                </a:solidFill>
+                <a:cs typeface="Rockwell"/>
+              </a:rPr>
+              <a:t>(</a:t>
+            </a:r>
+            <a:r>
+              <a:rPr lang="en-US" i="1" dirty="0" err="1" smtClean="0">
+                <a:solidFill>
+                  <a:srgbClr val="CCAF0A"/>
+                </a:solidFill>
+                <a:cs typeface="Rockwell"/>
+              </a:rPr>
+              <a:t>g</a:t>
+            </a:r>
+            <a:r>
+              <a:rPr lang="en-US" i="1" dirty="0" smtClean="0">
+                <a:solidFill>
+                  <a:srgbClr val="CCAF0A"/>
+                </a:solidFill>
+                <a:cs typeface="Rockwell"/>
+              </a:rPr>
+              <a:t> ∘ </a:t>
+            </a:r>
+            <a:r>
+              <a:rPr lang="en-US" i="1" dirty="0" err="1" smtClean="0">
+                <a:solidFill>
+                  <a:srgbClr val="CCAF0A"/>
+                </a:solidFill>
+                <a:cs typeface="Rockwell"/>
+              </a:rPr>
+              <a:t>f</a:t>
+            </a:r>
+            <a:r>
+              <a:rPr lang="en-US" i="1" dirty="0" smtClean="0">
+                <a:solidFill>
+                  <a:srgbClr val="CCAF0A"/>
+                </a:solidFill>
+                <a:cs typeface="Rockwell"/>
+              </a:rPr>
+              <a:t>) = </a:t>
+            </a:r>
+            <a:r>
+              <a:rPr lang="en-US" i="1" dirty="0" err="1" smtClean="0">
+                <a:solidFill>
+                  <a:srgbClr val="CCAF0A"/>
+                </a:solidFill>
+                <a:cs typeface="Rockwell"/>
+              </a:rPr>
+              <a:t>g(f(x</a:t>
+            </a:r>
+            <a:r>
+              <a:rPr lang="en-US" i="1" dirty="0" smtClean="0">
+                <a:solidFill>
+                  <a:srgbClr val="CCAF0A"/>
+                </a:solidFill>
+                <a:cs typeface="Rockwell"/>
+              </a:rPr>
+              <a:t>))</a:t>
+            </a:r>
+            <a:endParaRPr lang="en-US" i="1" dirty="0" smtClean="0">
+              <a:solidFill>
+                <a:srgbClr val="CCAF0A"/>
+              </a:solidFill>
+              <a:latin typeface="+mj-lt"/>
+              <a:cs typeface="Rockwell"/>
+            </a:endParaRPr>
+          </a:p>
+          <a:p>
+            <a:pPr>
+              <a:buFont typeface="Wingdings" charset="2"/>
+              <a:buChar char="§"/>
+            </a:pPr>
+            <a:r>
+              <a:rPr lang="en-US" dirty="0" smtClean="0">
+                <a:latin typeface="+mj-lt"/>
+                <a:cs typeface="Rockwell"/>
+              </a:rPr>
+              <a:t>Combine the functions </a:t>
+            </a:r>
+            <a:r>
+              <a:rPr lang="en-US" dirty="0" err="1" smtClean="0">
+                <a:solidFill>
+                  <a:srgbClr val="FFFFFF"/>
+                </a:solidFill>
+                <a:latin typeface="+mj-lt"/>
+                <a:cs typeface="Rockwell"/>
+              </a:rPr>
+              <a:t>g</a:t>
+            </a:r>
+            <a:r>
+              <a:rPr lang="en-US" dirty="0" smtClean="0">
+                <a:solidFill>
+                  <a:srgbClr val="FFFFFF"/>
+                </a:solidFill>
+                <a:latin typeface="+mj-lt"/>
+                <a:cs typeface="Rockwell"/>
               </a:rPr>
               <a:t> and </a:t>
             </a:r>
             <a:r>
-              <a:rPr lang="en-US" sz="2500" dirty="0" err="1" smtClean="0">
-                <a:solidFill>
-                  <a:srgbClr val="A8C6D0"/>
-                </a:solidFill>
+              <a:rPr lang="en-US" dirty="0" err="1" smtClean="0">
+                <a:latin typeface="+mj-lt"/>
+                <a:cs typeface="Rockwell"/>
+              </a:rPr>
+              <a:t>f</a:t>
+            </a:r>
+            <a:r>
+              <a:rPr lang="en-US" dirty="0" smtClean="0">
+                <a:latin typeface="+mj-lt"/>
+                <a:cs typeface="Rockwell"/>
+              </a:rPr>
+              <a:t> into a new function that applies </a:t>
+            </a:r>
+            <a:r>
+              <a:rPr lang="en-US" dirty="0" err="1" smtClean="0">
+                <a:latin typeface="+mj-lt"/>
+                <a:cs typeface="Rockwell"/>
               </a:rPr>
               <a:t>g</a:t>
             </a:r>
-            <a:endParaRPr lang="en-US" sz="2500" dirty="0" smtClean="0">
-              <a:solidFill>
-                <a:srgbClr val="A8C6D0"/>
-              </a:solidFill>
+            <a:r>
+              <a:rPr lang="en-US" dirty="0" smtClean="0">
+                <a:latin typeface="+mj-lt"/>
+                <a:cs typeface="Rockwell"/>
+              </a:rPr>
+              <a:t> to the result of applying </a:t>
+            </a:r>
+            <a:r>
+              <a:rPr lang="en-US" dirty="0" err="1" smtClean="0">
+                <a:latin typeface="+mj-lt"/>
+                <a:cs typeface="Rockwell"/>
+              </a:rPr>
+              <a:t>f</a:t>
+            </a:r>
+            <a:r>
+              <a:rPr lang="en-US" dirty="0" smtClean="0">
+                <a:latin typeface="+mj-lt"/>
+                <a:cs typeface="Rockwell"/>
+              </a:rPr>
+              <a:t> to </a:t>
+            </a:r>
+            <a:r>
+              <a:rPr lang="en-US" dirty="0" err="1" smtClean="0">
+                <a:latin typeface="+mj-lt"/>
+                <a:cs typeface="Rockwell"/>
+              </a:rPr>
+              <a:t>x</a:t>
+            </a:r>
+            <a:r>
+              <a:rPr lang="en-US" dirty="0" smtClean="0">
+                <a:latin typeface="+mj-lt"/>
+                <a:cs typeface="Rockwell"/>
+              </a:rPr>
+              <a:t>.</a:t>
+            </a:r>
+          </a:p>
+          <a:p>
+            <a:pPr>
+              <a:buFont typeface="Wingdings" charset="2"/>
+              <a:buChar char="§"/>
+            </a:pPr>
+            <a:endParaRPr lang="en-US" dirty="0" smtClean="0">
+              <a:latin typeface="+mj-lt"/>
+              <a:cs typeface="Rockwell"/>
             </a:endParaRPr>
           </a:p>
           <a:p>
-            <a:r>
-              <a:rPr lang="en-US" sz="2500" dirty="0" smtClean="0"/>
-              <a:t>  return </a:t>
-            </a:r>
-            <a:r>
-              <a:rPr lang="en-US" sz="2500" dirty="0" err="1" smtClean="0"/>
-              <a:t>function(x</a:t>
-            </a:r>
-            <a:r>
-              <a:rPr lang="en-US" sz="2500" dirty="0" smtClean="0"/>
-              <a:t>) {</a:t>
-            </a:r>
-          </a:p>
-          <a:p>
-            <a:r>
-              <a:rPr lang="en-US" sz="2500" dirty="0" smtClean="0"/>
-              <a:t>    return </a:t>
-            </a:r>
-            <a:r>
-              <a:rPr lang="en-US" sz="2500" dirty="0" err="1" smtClean="0"/>
-              <a:t>g(f(x</a:t>
-            </a:r>
-            <a:r>
-              <a:rPr lang="en-US" sz="2500" dirty="0" smtClean="0"/>
-              <a:t>));</a:t>
-            </a:r>
-          </a:p>
-          <a:p>
-            <a:r>
-              <a:rPr lang="en-US" sz="2500" dirty="0" smtClean="0"/>
-              <a:t>  }</a:t>
-            </a:r>
-          </a:p>
-          <a:p>
-            <a:r>
-              <a:rPr lang="en-US" sz="2500" dirty="0" smtClean="0"/>
-              <a:t>}</a:t>
-            </a:r>
-          </a:p>
-          <a:p>
-            <a:endParaRPr lang="en-US" sz="2500" dirty="0" smtClean="0"/>
-          </a:p>
-          <a:p>
-            <a:r>
-              <a:rPr lang="en-US" sz="2500" dirty="0" smtClean="0">
-                <a:solidFill>
-                  <a:schemeClr val="accent1">
-                    <a:lumMod val="60000"/>
-                    <a:lumOff val="40000"/>
-                  </a:schemeClr>
-                </a:solidFill>
-              </a:rPr>
-              <a:t>// recursive implementation:</a:t>
-            </a:r>
-          </a:p>
-          <a:p>
-            <a:r>
-              <a:rPr lang="en-US" sz="2500" dirty="0" smtClean="0">
-                <a:solidFill>
-                  <a:schemeClr val="accent1">
-                    <a:lumMod val="60000"/>
-                    <a:lumOff val="40000"/>
-                  </a:schemeClr>
-                </a:solidFill>
-              </a:rPr>
-              <a:t>// http://gist.github.com/366614</a:t>
-            </a:r>
+            <a:pPr>
+              <a:buNone/>
+            </a:pPr>
+            <a:r>
+              <a:rPr lang="en-US" dirty="0" smtClean="0"/>
+              <a:t>Back to </a:t>
+            </a:r>
+            <a:r>
+              <a:rPr lang="en-US" smtClean="0"/>
+              <a:t>the code!</a:t>
+            </a:r>
+            <a:endParaRPr lang="en-US" i="1" dirty="0" smtClean="0"/>
           </a:p>
         </p:txBody>
       </p:sp>
@@ -6913,15 +6824,7 @@
           <a:p>
             <a:r>
               <a:rPr lang="en-US" dirty="0" smtClean="0"/>
-              <a:t>In </a:t>
-            </a:r>
-            <a:r>
-              <a:rPr lang="en-US" dirty="0" err="1" smtClean="0"/>
-              <a:t>Scala</a:t>
-            </a:r>
-            <a:r>
-              <a:rPr lang="en-US" dirty="0" smtClean="0"/>
-              <a:t>:</a:t>
+              <a:t>In JavaScript:</a:t>
             </a:r>
             <a:endParaRPr lang="en-US" dirty="0"/>
           </a:p>
@@ -6929,14 +6832,14 @@
       </p:sp>
       <p:sp>
         <p:nvSpPr>
-          <p:cNvPr id="6" name="TextBox 5"/>
+          <p:cNvPr id="5" name="TextBox 4"/>
           <p:cNvSpPr txBox="1"/>
           <p:nvPr/>
         </p:nvSpPr>
         <p:spPr>
           <a:xfrm>
-            <a:off x="457200" y="1572381"/>
-            <a:ext cx="6448431" cy="861774"/>
+            <a:off x="457200" y="1619905"/>
+            <a:ext cx="8178800" cy="3939540"/>
           </a:xfrm>
           <a:prstGeom prst="rect">
             <a:avLst/>
@@ -6944,52 +6847,99 @@
           <a:noFill/>
         </p:spPr>
         <p:txBody>
-          <a:bodyPr wrap="none" rtlCol="0">
+          <a:bodyPr wrap="square" rtlCol="0">
             <a:spAutoFit/>
           </a:bodyPr>
           <a:lstStyle/>
           <a:p>
             <a:r>
               <a:rPr lang="en-US" sz="2500" dirty="0" smtClean="0"/>
-              <a:t>def </a:t>
+              <a:t>function </a:t>
             </a:r>
             <a:r>
               <a:rPr lang="en-US" sz="2500" dirty="0" err="1" smtClean="0"/>
-              <a:t>compose[A</a:t>
+              <a:t>compose(f</a:t>
             </a:r>
             <a:r>
               <a:rPr lang="en-US" sz="2500" dirty="0" smtClean="0"/>
-              <a:t>, B, </a:t>
+              <a:t>, </a:t>
             </a:r>
             <a:r>
               <a:rPr lang="en-US" sz="2500" dirty="0" err="1" smtClean="0"/>
-              <a:t>C](g</a:t>
+              <a:t>g</a:t>
             </a:r>
             <a:r>
               <a:rPr lang="en-US" sz="2500" dirty="0" smtClean="0"/>
-              <a:t>: B =&gt; C, </a:t>
+              <a:t>) {</a:t>
+            </a:r>
+          </a:p>
+          <a:p>
+            <a:r>
+              <a:rPr lang="en-US" sz="2500" dirty="0" smtClean="0">
+                <a:solidFill>
+                  <a:srgbClr val="A8C6D0"/>
+                </a:solidFill>
+              </a:rPr>
+              <a:t>  // a closure, closing over the free</a:t>
+            </a:r>
+          </a:p>
+          <a:p>
+            <a:r>
+              <a:rPr lang="en-US" sz="2500" dirty="0" smtClean="0">
+                <a:solidFill>
+                  <a:srgbClr val="A8C6D0"/>
+                </a:solidFill>
+              </a:rPr>
+              <a:t>  // variables </a:t>
+            </a:r>
+            <a:r>
+              <a:rPr lang="en-US" sz="2500" dirty="0" err="1" smtClean="0">
+                <a:solidFill>
+                  <a:srgbClr val="A8C6D0"/>
+                </a:solidFill>
+              </a:rPr>
+              <a:t>f</a:t>
+            </a:r>
+            <a:r>
+              <a:rPr lang="en-US" sz="2500" dirty="0" smtClean="0">
+                <a:solidFill>
+                  <a:srgbClr val="A8C6D0"/>
+                </a:solidFill>
+              </a:rPr>
+              <a:t> and </a:t>
+            </a:r>
+            <a:r>
+              <a:rPr lang="en-US" sz="2500" dirty="0" err="1" smtClean="0">
+                <a:solidFill>
+                  <a:srgbClr val="A8C6D0"/>
+                </a:solidFill>
+              </a:rPr>
+              <a:t>g</a:t>
+            </a:r>
+            <a:endParaRPr lang="en-US" sz="2500" dirty="0" smtClean="0">
+              <a:solidFill>
+                <a:srgbClr val="A8C6D0"/>
+              </a:solidFill>
+            </a:endParaRPr>
+          </a:p>
+          <a:p>
+            <a:r>
+              <a:rPr lang="en-US" sz="2500" dirty="0" smtClean="0"/>
+              <a:t>  return </a:t>
             </a:r>
             <a:r>
               <a:rPr lang="en-US" sz="2500" dirty="0" err="1" smtClean="0"/>
-              <a:t>f</a:t>
+              <a:t>function(x</a:t>
             </a:r>
             <a:r>
               <a:rPr lang="en-US" sz="2500" dirty="0" smtClean="0"/>
-              <a:t>: A =&gt; B) =</a:t>
+              <a:t>) {</a:t>
             </a:r>
           </a:p>
           <a:p>
             <a:r>
               <a:rPr lang="en-US" sz="2500" dirty="0" smtClean="0"/>
-              <a:t>  (</a:t>
-            </a:r>
-            <a:r>
-              <a:rPr lang="en-US" sz="2500" dirty="0" err="1" smtClean="0"/>
-              <a:t>x</a:t>
-            </a:r>
-            <a:r>
-              <a:rPr lang="en-US" sz="2500" dirty="0" smtClean="0"/>
-              <a:t>: A) =&gt; </a:t>
+              <a:t>    return </a:t>
             </a:r>
             <a:r>
               <a:rPr lang="en-US" sz="2500" dirty="0" err="1" smtClean="0"/>
@@ -6997,15 +6947,48 @@
             </a:r>
             <a:r>
               <a:rPr lang="en-US" sz="2500" dirty="0" smtClean="0"/>
-              <a:t>)) </a:t>
-            </a:r>
+              <a:t>));</a:t>
+            </a:r>
+          </a:p>
+          <a:p>
+            <a:r>
+              <a:rPr lang="en-US" sz="2500" dirty="0" smtClean="0"/>
+              <a:t>  }</a:t>
+            </a:r>
+          </a:p>
+          <a:p>
+            <a:r>
+              <a:rPr lang="en-US" sz="2500" dirty="0" smtClean="0"/>
+              <a:t>}</a:t>
+            </a:r>
+          </a:p>
+          <a:p>
+            <a:endParaRPr lang="en-US" sz="2500" dirty="0" smtClean="0"/>
+          </a:p>
+          <a:p>
             <a:r>
               <a:rPr lang="en-US" sz="2500" dirty="0" smtClean="0">
                 <a:solidFill>
-                  <a:srgbClr val="A8C6D0"/>
-                </a:solidFill>
-              </a:rPr>
-              <a:t>// the closure</a:t>
+                  <a:schemeClr val="accent1">
+                    <a:lumMod val="60000"/>
+                    <a:lumOff val="40000"/>
+                  </a:schemeClr>
+                </a:solidFill>
+              </a:rPr>
+              <a:t>// recursive implementation:</a:t>
+            </a:r>
+          </a:p>
+          <a:p>
+            <a:r>
+              <a:rPr lang="en-US" sz="2500" dirty="0" smtClean="0">
+                <a:solidFill>
+                  <a:schemeClr val="accent1">
+                    <a:lumMod val="60000"/>
+                    <a:lumOff val="40000"/>
+                  </a:schemeClr>
+                </a:solidFill>
+              </a:rPr>
+              <a:t>// http://gist.github.com/366614</a:t>
             </a:r>
           </a:p>
         </p:txBody>
@@ -7052,116 +7035,107 @@
             <p:ph type="title"/>
           </p:nvPr>
         </p:nvSpPr>
+        <p:spPr/>
+        <p:txBody>
+          <a:bodyPr/>
+          <a:lstStyle/>
+          <a:p>
+            <a:r>
+              <a:rPr lang="en-US" dirty="0" smtClean="0"/>
+              <a:t>In </a:t>
+            </a:r>
+            <a:r>
+              <a:rPr lang="en-US" dirty="0" err="1" smtClean="0"/>
+              <a:t>Scala</a:t>
+            </a:r>
+            <a:r>
+              <a:rPr lang="en-US" dirty="0" smtClean="0"/>
+              <a:t>:</a:t>
+            </a:r>
+            <a:endParaRPr lang="en-US" dirty="0"/>
+          </a:p>
+        </p:txBody>
+      </p:sp>
+      <p:sp>
+        <p:nvSpPr>
+          <p:cNvPr id="6" name="TextBox 5"/>
+          <p:cNvSpPr txBox="1"/>
+          <p:nvPr/>
+        </p:nvSpPr>
         <p:spPr>
           <a:xfrm>
-            <a:off x="457200" y="274638"/>
-            <a:ext cx="7467600" cy="1325562"/>
+            <a:off x="457200" y="1572381"/>
+            <a:ext cx="6448431" cy="861774"/>
           </a:xfrm>
+          <a:prstGeom prst="rect">
+            <a:avLst/>
+          </a:prstGeom>
+          <a:noFill/>
         </p:spPr>
         <p:txBody>
-          <a:bodyPr>
-            <a:noAutofit/>
+          <a:bodyPr wrap="none" rtlCol="0">
+            <a:spAutoFit/>
           </a:bodyPr>
           <a:lstStyle/>
           <a:p>
             <a:r>
-              <a:rPr lang="en-US" dirty="0" smtClean="0"/>
-              <a:t>Higher-Order Functions</a:t>
-            </a:r>
-            <a:br>
-              <a:rPr lang="en-US" dirty="0" smtClean="0"/>
-            </a:br>
-            <a:r>
-              <a:rPr lang="en-US" dirty="0" smtClean="0"/>
-              <a:t>and Lists</a:t>
-            </a:r>
-            <a:endParaRPr lang="en-US" dirty="0"/>
-          </a:p>
-        </p:txBody>
-      </p:sp>
-      <p:sp>
-        <p:nvSpPr>
-          <p:cNvPr id="3" name="Content Placeholder 2"/>
-          <p:cNvSpPr>
-            <a:spLocks noGrp="1"/>
-          </p:cNvSpPr>
-          <p:nvPr>
-            <p:ph idx="1"/>
-          </p:nvPr>
-        </p:nvSpPr>
-        <p:spPr>
-          <a:xfrm>
-            <a:off x="457200" y="1815855"/>
-            <a:ext cx="7467600" cy="4525963"/>
-          </a:xfrm>
-        </p:spPr>
-        <p:txBody>
-          <a:bodyPr/>
-          <a:lstStyle/>
-          <a:p>
-            <a:pPr>
-              <a:buFont typeface="Wingdings" charset="2"/>
-              <a:buChar char="§"/>
-            </a:pPr>
-            <a:r>
-              <a:rPr lang="en-US" dirty="0" smtClean="0"/>
-              <a:t>A function that takes another function as an argument and/or returns a function as its result.</a:t>
-            </a:r>
-          </a:p>
-          <a:p>
-            <a:pPr>
-              <a:buFont typeface="Wingdings" charset="2"/>
-              <a:buChar char="§"/>
-            </a:pPr>
-            <a:r>
-              <a:rPr lang="en-US" dirty="0" smtClean="0"/>
-              <a:t>Ruby, via Rails, brought higher-order functions that operate on</a:t>
-            </a:r>
-            <a:br>
-              <a:rPr lang="en-US" dirty="0" smtClean="0"/>
-            </a:br>
-            <a:r>
-              <a:rPr lang="en-US" dirty="0" smtClean="0"/>
-              <a:t>lists mainstream.</a:t>
-            </a:r>
-          </a:p>
-          <a:p>
-            <a:pPr>
-              <a:buFont typeface="Wingdings" charset="2"/>
-              <a:buChar char="§"/>
-            </a:pPr>
-            <a:r>
-              <a:rPr lang="en-US" dirty="0" smtClean="0"/>
-              <a:t>Higher-order </a:t>
-            </a:r>
-            <a:r>
-              <a:rPr lang="en-US" dirty="0" err="1" smtClean="0"/>
-              <a:t>rockstars</a:t>
-            </a:r>
-            <a:r>
-              <a:rPr lang="en-US" dirty="0" smtClean="0"/>
-              <a:t>:</a:t>
-            </a:r>
-            <a:br>
-              <a:rPr lang="en-US" dirty="0" smtClean="0"/>
-            </a:br>
-            <a:r>
-              <a:rPr lang="en-US" dirty="0" smtClean="0"/>
-              <a:t>	</a:t>
-            </a:r>
-            <a:r>
-              <a:rPr lang="en-US" i="1" dirty="0" smtClean="0">
+              <a:rPr lang="en-US" sz="2500" dirty="0" smtClean="0"/>
+              <a:t>def </a:t>
+            </a:r>
+            <a:r>
+              <a:rPr lang="en-US" sz="2500" dirty="0" err="1" smtClean="0"/>
+              <a:t>compose[A</a:t>
+            </a:r>
+            <a:r>
+              <a:rPr lang="en-US" sz="2500" dirty="0" smtClean="0"/>
+              <a:t>, B, </a:t>
+            </a:r>
+            <a:r>
+              <a:rPr lang="en-US" sz="2500" dirty="0" err="1" smtClean="0"/>
+              <a:t>C](g</a:t>
+            </a:r>
+            <a:r>
+              <a:rPr lang="en-US" sz="2500" dirty="0" smtClean="0"/>
+              <a:t>: B =&gt; C, </a:t>
+            </a:r>
+            <a:r>
+              <a:rPr lang="en-US" sz="2500" dirty="0" err="1" smtClean="0"/>
+              <a:t>f</a:t>
+            </a:r>
+            <a:r>
+              <a:rPr lang="en-US" sz="2500" dirty="0" smtClean="0"/>
+              <a:t>: A =&gt; B) =</a:t>
+            </a:r>
+          </a:p>
+          <a:p>
+            <a:r>
+              <a:rPr lang="en-US" sz="2500" dirty="0" smtClean="0"/>
+              <a:t>  (</a:t>
+            </a:r>
+            <a:r>
+              <a:rPr lang="en-US" sz="2500" dirty="0" err="1" smtClean="0"/>
+              <a:t>x</a:t>
+            </a:r>
+            <a:r>
+              <a:rPr lang="en-US" sz="2500" dirty="0" smtClean="0"/>
+              <a:t>: A) =&gt; </a:t>
+            </a:r>
+            <a:r>
+              <a:rPr lang="en-US" sz="2500" dirty="0" err="1" smtClean="0"/>
+              <a:t>g(f(x</a:t>
+            </a:r>
+            <a:r>
+              <a:rPr lang="en-US" sz="2500" dirty="0" smtClean="0"/>
+              <a:t>)) </a:t>
+            </a:r>
+            <a:r>
+              <a:rPr lang="en-US" sz="2500" dirty="0" smtClean="0">
                 <a:solidFill>
                   <a:srgbClr val="A8C6D0"/>
                 </a:solidFill>
               </a:rPr>
-              <a:t>each, map, filter, fold  </a:t>
-            </a:r>
-            <a:r>
-              <a:rPr lang="en-US" dirty="0" smtClean="0"/>
-              <a:t>many more!</a:t>
-            </a:r>
-            <a:endParaRPr lang="en-US" dirty="0"/>
+              <a:t>// the closure</a:t>
+            </a:r>
           </a:p>
         </p:txBody>
       </p:sp>
@@ -7209,51 +7183,113 @@
         </p:nvSpPr>
         <p:spPr>
           <a:xfrm>
-            <a:off x="457200" y="274636"/>
-            <a:ext cx="7467600" cy="5107745"/>
+            <a:off x="457200" y="274638"/>
+            <a:ext cx="7467600" cy="1325562"/>
           </a:xfrm>
         </p:spPr>
         <p:txBody>
           <a:bodyPr>
-            <a:normAutofit fontScale="90000"/>
+            <a:noAutofit/>
           </a:bodyPr>
           <a:lstStyle/>
           <a:p>
             <a:r>
               <a:rPr lang="en-US" dirty="0" smtClean="0"/>
-              <a:t>Because we know how to pass functions around, we know how to implement these …</a:t>
+              <a:t>Higher-Order Functions</a:t>
             </a:r>
             <a:br>
               <a:rPr lang="en-US" dirty="0" smtClean="0"/>
             </a:br>
             <a:r>
               <a:rPr lang="en-US" dirty="0" smtClean="0"/>
-              <a:t/>
+              <a:t>and Lists</a:t>
+            </a:r>
+            <a:endParaRPr lang="en-US" dirty="0"/>
+          </a:p>
+        </p:txBody>
+      </p:sp>
+      <p:sp>
+        <p:nvSpPr>
+          <p:cNvPr id="3" name="Content Placeholder 2"/>
+          <p:cNvSpPr>
+            <a:spLocks noGrp="1"/>
+          </p:cNvSpPr>
+          <p:nvPr>
+            <p:ph idx="1"/>
+          </p:nvPr>
+        </p:nvSpPr>
+        <p:spPr>
+          <a:xfrm>
+            <a:off x="457200" y="1815855"/>
+            <a:ext cx="7467600" cy="4525963"/>
+          </a:xfrm>
+        </p:spPr>
+        <p:txBody>
+          <a:bodyPr/>
+          <a:lstStyle/>
+          <a:p>
+            <a:pPr>
+              <a:buFont typeface="Wingdings" charset="2"/>
+              <a:buChar char="§"/>
+            </a:pPr>
+            <a:r>
+              <a:rPr lang="en-US" dirty="0" smtClean="0"/>
+              <a:t>A function that takes another function as an argument and/or returns a function as its result.</a:t>
+            </a:r>
+          </a:p>
+          <a:p>
+            <a:pPr>
+              <a:buFont typeface="Wingdings" charset="2"/>
+              <a:buChar char="§"/>
+            </a:pPr>
+            <a:r>
+              <a:rPr lang="en-US" dirty="0" smtClean="0"/>
+              <a:t>Ruby, via Rails, brought higher-order functions that operate on</a:t>
             </a:r>
             <a:br>
               <a:rPr lang="en-US" dirty="0" smtClean="0"/>
             </a:br>
             <a:r>
               <a:rPr lang="en-US" dirty="0" smtClean="0"/>
-              <a:t/>
+              <a:t>lists mainstream.</a:t>
+            </a:r>
+          </a:p>
+          <a:p>
+            <a:pPr>
+              <a:buFont typeface="Wingdings" charset="2"/>
+              <a:buChar char="§"/>
+            </a:pPr>
+            <a:r>
+              <a:rPr lang="en-US" dirty="0" smtClean="0"/>
+              <a:t>Higher-order </a:t>
+            </a:r>
+            <a:r>
+              <a:rPr lang="en-US" dirty="0" err="1" smtClean="0"/>
+              <a:t>rockstars</a:t>
+            </a:r>
+            <a:r>
+              <a:rPr lang="en-US" dirty="0" smtClean="0"/>
+              <a:t>:</a:t>
             </a:r>
             <a:br>
               <a:rPr lang="en-US" dirty="0" smtClean="0"/>
             </a:br>
             <a:r>
               <a:rPr lang="en-US" dirty="0" smtClean="0"/>
-              <a:t/>
-            </a:r>
-            <a:br>
-              <a:rPr lang="en-US" dirty="0" smtClean="0"/>
-            </a:br>
-            <a:r>
-              <a:rPr lang="en-US" dirty="0" smtClean="0"/>
-              <a:t/>
-            </a:r>
-            <a:br>
-              <a:rPr lang="en-US" dirty="0" smtClean="0"/>
-            </a:br>
+              <a:t>	</a:t>
+            </a:r>
+            <a:r>
+              <a:rPr lang="en-US" i="1" dirty="0" smtClean="0">
+                <a:solidFill>
+                  <a:srgbClr val="A8C6D0"/>
+                </a:solidFill>
+              </a:rPr>
+              <a:t>each, map, filter, fold  </a:t>
+            </a:r>
+            <a:r>
+              <a:rPr lang="en-US" dirty="0" smtClean="0"/>
+              <a:t>many more!</a:t>
+            </a:r>
             <a:endParaRPr lang="en-US" dirty="0"/>
           </a:p>
         </p:txBody>
@@ -7328,28 +7364,24 @@
             </a:br>
             <a:r>
               <a:rPr lang="en-US" dirty="0" smtClean="0"/>
-              <a:t>… but we’ll probably duplicate</a:t>
+              <a:t/>
             </a:r>
             <a:br>
               <a:rPr lang="en-US" dirty="0" smtClean="0"/>
             </a:br>
             <a:r>
               <a:rPr lang="en-US" dirty="0" smtClean="0"/>
-              <a:t>    code.</a:t>
-            </a:r>
-            <a:r>
-              <a:rPr lang="en-US" smtClean="0"/>
               <a:t/>
             </a:r>
             <a:br>
-              <a:rPr lang="en-US" smtClean="0"/>
+              <a:rPr lang="en-US" dirty="0" smtClean="0"/>
             </a:br>
             <a:r>
-              <a:rPr lang="en-US" smtClean="0"/>
+              <a:rPr lang="en-US" dirty="0" smtClean="0"/>
               <a:t/>
             </a:r>
             <a:br>
-              <a:rPr lang="en-US" smtClean="0"/>
+              <a:rPr lang="en-US" dirty="0" smtClean="0"/>
             </a:br>
             <a:endParaRPr lang="en-US" dirty="0"/>
           </a:p>
@@ -7434,32 +7466,20 @@
               <a:rPr lang="en-US" dirty="0" smtClean="0"/>
               <a:t>    code.</a:t>
             </a:r>
+            <a:r>
+              <a:rPr lang="en-US" smtClean="0"/>
+              <a:t/>
+            </a:r>
             <a:br>
-              <a:rPr lang="en-US" dirty="0" smtClean="0"/>
+              <a:rPr lang="en-US" smtClean="0"/>
             </a:br>
             <a:r>
-              <a:rPr lang="en-US" dirty="0" smtClean="0"/>
+              <a:rPr lang="en-US" smtClean="0"/>
               <a:t/>
             </a:r>
             <a:br>
-              <a:rPr lang="en-US" dirty="0" smtClean="0"/>
+              <a:rPr lang="en-US" smtClean="0"/>
             </a:br>
-            <a:r>
-              <a:rPr lang="en-US" dirty="0" smtClean="0"/>
-              <a:t>Let’s talk about </a:t>
-            </a:r>
-            <a:r>
-              <a:rPr lang="en-US" dirty="0" smtClean="0">
-                <a:solidFill>
-                  <a:srgbClr val="A8C6D0"/>
-                </a:solidFill>
-              </a:rPr>
-              <a:t>folding</a:t>
-            </a:r>
-            <a:r>
-              <a:rPr lang="en-US" dirty="0" smtClean="0"/>
-              <a:t>.</a:t>
-            </a:r>
             <a:endParaRPr lang="en-US" dirty="0"/>
           </a:p>
         </p:txBody>
@@ -7506,121 +7526,70 @@
             <p:ph type="title"/>
           </p:nvPr>
         </p:nvSpPr>
-        <p:spPr/>
-        <p:txBody>
-          <a:bodyPr/>
-          <a:lstStyle/>
-          <a:p>
-            <a:r>
-              <a:rPr lang="en-US" dirty="0" smtClean="0"/>
-              <a:t>In JavaScript:</a:t>
-            </a:r>
-            <a:endParaRPr lang="en-US" dirty="0"/>
-          </a:p>
-        </p:txBody>
-      </p:sp>
-      <p:sp>
-        <p:nvSpPr>
-          <p:cNvPr id="4" name="TextBox 3"/>
-          <p:cNvSpPr txBox="1"/>
-          <p:nvPr/>
-        </p:nvSpPr>
         <p:spPr>
           <a:xfrm>
-            <a:off x="457200" y="1862667"/>
-            <a:ext cx="6004932" cy="2785378"/>
+            <a:off x="457200" y="274636"/>
+            <a:ext cx="7467600" cy="5107745"/>
           </a:xfrm>
-          <a:prstGeom prst="rect">
-            <a:avLst/>
-          </a:prstGeom>
-          <a:noFill/>
         </p:spPr>
         <p:txBody>
-          <a:bodyPr wrap="none" rtlCol="0">
-            <a:spAutoFit/>
+          <a:bodyPr>
+            <a:normAutofit fontScale="90000"/>
           </a:bodyPr>
           <a:lstStyle/>
           <a:p>
             <a:r>
-              <a:rPr lang="en-US" sz="2500" dirty="0" smtClean="0"/>
-              <a:t>function </a:t>
-            </a:r>
-            <a:r>
-              <a:rPr lang="en-US" sz="2500" dirty="0" err="1" smtClean="0"/>
-              <a:t>foldr(list</a:t>
-            </a:r>
-            <a:r>
-              <a:rPr lang="en-US" sz="2500" dirty="0" smtClean="0"/>
-              <a:t>, init, </a:t>
-            </a:r>
-            <a:r>
-              <a:rPr lang="en-US" sz="2500" dirty="0" err="1" smtClean="0"/>
-              <a:t>f</a:t>
-            </a:r>
-            <a:r>
-              <a:rPr lang="en-US" sz="2500" dirty="0" smtClean="0"/>
-              <a:t>) {</a:t>
-            </a:r>
-          </a:p>
-          <a:p>
-            <a:r>
-              <a:rPr lang="en-US" sz="2500" dirty="0" smtClean="0"/>
-              <a:t>  </a:t>
-            </a:r>
-            <a:r>
-              <a:rPr lang="en-US" sz="2500" dirty="0" err="1" smtClean="0"/>
-              <a:t>if(list.length</a:t>
-            </a:r>
-            <a:r>
-              <a:rPr lang="en-US" sz="2500" dirty="0" smtClean="0"/>
-              <a:t> == 0)</a:t>
-            </a:r>
-          </a:p>
-          <a:p>
-            <a:r>
-              <a:rPr lang="en-US" sz="2500" dirty="0" smtClean="0"/>
-              <a:t>    return init;</a:t>
-            </a:r>
-          </a:p>
-          <a:p>
-            <a:r>
-              <a:rPr lang="en-US" sz="2500" dirty="0" smtClean="0"/>
-              <a:t>  else {</a:t>
-            </a:r>
-          </a:p>
-          <a:p>
-            <a:r>
-              <a:rPr lang="en-US" sz="2500" dirty="0" smtClean="0"/>
-              <a:t>    return foldr(list.slice(1), </a:t>
-            </a:r>
-            <a:r>
-              <a:rPr lang="en-US" sz="2500" dirty="0" err="1" smtClean="0"/>
-              <a:t>f(init</a:t>
-            </a:r>
-            <a:r>
-              <a:rPr lang="en-US" sz="2500" dirty="0" smtClean="0"/>
-              <a:t>, list[0]), </a:t>
-            </a:r>
-            <a:r>
-              <a:rPr lang="en-US" sz="2500" dirty="0" err="1" smtClean="0"/>
-              <a:t>f</a:t>
-            </a:r>
-            <a:r>
-              <a:rPr lang="en-US" sz="2500" dirty="0" smtClean="0"/>
-              <a:t>);</a:t>
-            </a:r>
-          </a:p>
-          <a:p>
-            <a:r>
-              <a:rPr lang="en-US" sz="2500" dirty="0" smtClean="0"/>
-              <a:t>  }</a:t>
-            </a:r>
-          </a:p>
-          <a:p>
-            <a:r>
-              <a:rPr lang="en-US" sz="2500" dirty="0" smtClean="0"/>
-              <a:t>}</a:t>
-            </a:r>
+              <a:rPr lang="en-US" dirty="0" smtClean="0"/>
+              <a:t>Because we know how to pass functions around, we know how to implement these …</a:t>
+            </a:r>
+            <a:br>
+              <a:rPr lang="en-US" dirty="0" smtClean="0"/>
+            </a:br>
+            <a:r>
+              <a:rPr lang="en-US" dirty="0" smtClean="0"/>
+              <a:t/>
+            </a:r>
+            <a:br>
+              <a:rPr lang="en-US" dirty="0" smtClean="0"/>
+            </a:br>
+            <a:r>
+              <a:rPr lang="en-US" dirty="0" smtClean="0"/>
+              <a:t>… but we’ll probably duplicate</a:t>
+            </a:r>
+            <a:br>
+              <a:rPr lang="en-US" dirty="0" smtClean="0"/>
+            </a:br>
+            <a:r>
+              <a:rPr lang="en-US" dirty="0" smtClean="0"/>
+              <a:t>    code.</a:t>
+            </a:r>
+            <a:br>
+              <a:rPr lang="en-US" dirty="0" smtClean="0"/>
+            </a:br>
+            <a:r>
+              <a:rPr lang="en-US" dirty="0" smtClean="0"/>
+              <a:t/>
+            </a:r>
+            <a:br>
+              <a:rPr lang="en-US" dirty="0" smtClean="0"/>
+            </a:br>
+            <a:r>
+              <a:rPr lang="en-US" dirty="0" smtClean="0"/>
+              <a:t>Let’s talk about </a:t>
+            </a:r>
+            <a:r>
+              <a:rPr lang="en-US" dirty="0" smtClean="0">
+                <a:solidFill>
+                  <a:srgbClr val="A8C6D0"/>
+                </a:solidFill>
+              </a:rPr>
+              <a:t>folding</a:t>
+            </a:r>
+            <a:r>
+              <a:rPr lang="en-US" dirty="0" smtClean="0"/>
+              <a:t>.</a:t>
+            </a:r>
+            <a:endParaRPr lang="en-US" dirty="0"/>
           </a:p>
         </p:txBody>
       </p:sp>
@@ -7796,15 +7765,7 @@
           <a:p>
             <a:r>
               <a:rPr lang="en-US" dirty="0" smtClean="0"/>
-              <a:t>In </a:t>
-            </a:r>
-            <a:r>
-              <a:rPr lang="en-US" dirty="0" err="1" smtClean="0"/>
-              <a:t>Scala</a:t>
-            </a:r>
-            <a:r>
-              <a:rPr lang="en-US" dirty="0" smtClean="0"/>
-              <a:t>:</a:t>
+              <a:t>In JavaScript:</a:t>
             </a:r>
             <a:endParaRPr lang="en-US" dirty="0"/>
           </a:p>
@@ -7819,7 +7780,7 @@
         <p:spPr>
           <a:xfrm>
             <a:off x="457200" y="1862667"/>
-            <a:ext cx="7463144" cy="2015936"/>
+            <a:ext cx="6004932" cy="2785378"/>
           </a:xfrm>
           <a:prstGeom prst="rect">
             <a:avLst/>
@@ -7834,31 +7795,15 @@
           <a:p>
             <a:r>
               <a:rPr lang="en-US" sz="2500" dirty="0" smtClean="0"/>
-              <a:t>def </a:t>
+              <a:t>function </a:t>
             </a:r>
             <a:r>
               <a:rPr lang="en-US" sz="2500" dirty="0" err="1" smtClean="0"/>
-              <a:t>foldr[A</a:t>
+              <a:t>foldr(list</a:t>
             </a:r>
             <a:r>
               <a:rPr lang="en-US" sz="2500" dirty="0" smtClean="0"/>
-              <a:t>, </a:t>
-            </a:r>
-            <a:r>
-              <a:rPr lang="en-US" sz="2500" dirty="0" err="1" smtClean="0"/>
-              <a:t>B](list</a:t>
-            </a:r>
-            <a:r>
-              <a:rPr lang="en-US" sz="2500" dirty="0" smtClean="0"/>
-              <a:t>: </a:t>
-            </a:r>
-            <a:r>
-              <a:rPr lang="en-US" sz="2500" dirty="0" err="1" smtClean="0"/>
-              <a:t>List[A</a:t>
-            </a:r>
-            <a:r>
-              <a:rPr lang="en-US" sz="2500" dirty="0" smtClean="0"/>
-              <a:t>], init: B, </a:t>
+              <a:t>, init, </a:t>
             </a:r>
             <a:r>
               <a:rPr lang="en-US" sz="2500" dirty="0" err="1" smtClean="0"/>
@@ -7866,33 +7811,39 @@
             </a:r>
             <a:r>
               <a:rPr lang="en-US" sz="2500" dirty="0" smtClean="0"/>
-              <a:t>: (B, A) =&gt; B): B =</a:t>
+              <a:t>) {</a:t>
             </a:r>
           </a:p>
           <a:p>
             <a:r>
               <a:rPr lang="en-US" sz="2500" dirty="0" smtClean="0"/>
-              <a:t>  list match {</a:t>
-            </a:r>
-          </a:p>
-          <a:p>
+              <a:t>  </a:t>
+            </a:r>
+            <a:r>
+              <a:rPr lang="en-US" sz="2500" dirty="0" err="1" smtClean="0"/>
+              <a:t>if(list.length</a:t>
+            </a:r>
             <a:r>
               <a:rPr lang="en-US" sz="2500" dirty="0" smtClean="0"/>
-              <a:t>    case Nil =&gt; init</a:t>
+              <a:t> == 0)</a:t>
             </a:r>
           </a:p>
           <a:p>
             <a:r>
               <a:rPr lang="en-US" sz="2500" dirty="0" smtClean="0"/>
-              <a:t>    case head :: tail =&gt; </a:t>
-            </a:r>
-            <a:r>
-              <a:rPr lang="en-US" sz="2500" dirty="0" err="1" smtClean="0"/>
-              <a:t>foldr(tail</a:t>
-            </a:r>
+              <a:t>    return init;</a:t>
+            </a:r>
+          </a:p>
+          <a:p>
             <a:r>
               <a:rPr lang="en-US" sz="2500" dirty="0" smtClean="0"/>
-              <a:t>, </a:t>
+              <a:t>  else {</a:t>
+            </a:r>
+          </a:p>
+          <a:p>
+            <a:r>
+              <a:rPr lang="en-US" sz="2500" dirty="0" smtClean="0"/>
+              <a:t>    return foldr(list.slice(1), </a:t>
             </a:r>
             <a:r>
               <a:rPr lang="en-US" sz="2500" dirty="0" err="1" smtClean="0"/>
@@ -7900,7 +7851,7 @@
             </a:r>
             <a:r>
               <a:rPr lang="en-US" sz="2500" dirty="0" smtClean="0"/>
-              <a:t>, head), </a:t>
+              <a:t>, list[0]), </a:t>
             </a:r>
             <a:r>
               <a:rPr lang="en-US" sz="2500" dirty="0" err="1" smtClean="0"/>
@@ -7908,13 +7859,19 @@
             </a:r>
             <a:r>
               <a:rPr lang="en-US" sz="2500" dirty="0" smtClean="0"/>
-              <a:t>)</a:t>
+              <a:t>);</a:t>
             </a:r>
           </a:p>
           <a:p>
             <a:r>
               <a:rPr lang="en-US" sz="2500" dirty="0" smtClean="0"/>
               <a:t>  }</a:t>
+            </a:r>
+          </a:p>
+          <a:p>
+            <a:r>
+              <a:rPr lang="en-US" sz="2500" dirty="0" smtClean="0"/>
+              <a:t>}</a:t>
             </a:r>
           </a:p>
         </p:txBody>
@@ -7963,168 +7920,130 @@
         </p:nvSpPr>
         <p:spPr/>
         <p:txBody>
-          <a:bodyPr>
-            <a:normAutofit fontScale="90000"/>
+          <a:bodyPr/>
+          <a:lstStyle/>
+          <a:p>
+            <a:r>
+              <a:rPr lang="en-US" dirty="0" smtClean="0"/>
+              <a:t>In </a:t>
+            </a:r>
+            <a:r>
+              <a:rPr lang="en-US" dirty="0" err="1" smtClean="0"/>
+              <a:t>Scala</a:t>
+            </a:r>
+            <a:r>
+              <a:rPr lang="en-US" dirty="0" smtClean="0"/>
+              <a:t>:</a:t>
+            </a:r>
+            <a:endParaRPr lang="en-US" dirty="0"/>
+          </a:p>
+        </p:txBody>
+      </p:sp>
+      <p:sp>
+        <p:nvSpPr>
+          <p:cNvPr id="4" name="TextBox 3"/>
+          <p:cNvSpPr txBox="1"/>
+          <p:nvPr/>
+        </p:nvSpPr>
+        <p:spPr>
+          <a:xfrm>
+            <a:off x="457200" y="1862667"/>
+            <a:ext cx="7463144" cy="2015936"/>
+          </a:xfrm>
+          <a:prstGeom prst="rect">
+            <a:avLst/>
+          </a:prstGeom>
+          <a:noFill/>
+        </p:spPr>
+        <p:txBody>
+          <a:bodyPr wrap="none" rtlCol="0">
+            <a:spAutoFit/>
           </a:bodyPr>
           <a:lstStyle/>
           <a:p>
             <a:r>
-              <a:rPr lang="en-US" dirty="0" smtClean="0"/>
-              <a:t>Some List Functions That can be Defined in Terms of Folding</a:t>
-            </a:r>
-            <a:endParaRPr lang="en-US" dirty="0"/>
-          </a:p>
-        </p:txBody>
-      </p:sp>
-      <p:sp>
-        <p:nvSpPr>
-          <p:cNvPr id="3" name="Content Placeholder 2"/>
-          <p:cNvSpPr>
-            <a:spLocks noGrp="1"/>
-          </p:cNvSpPr>
-          <p:nvPr>
-            <p:ph idx="1"/>
-          </p:nvPr>
-        </p:nvSpPr>
-        <p:spPr/>
-        <p:txBody>
-          <a:bodyPr>
-            <a:normAutofit lnSpcReduction="10000"/>
-          </a:bodyPr>
-          <a:lstStyle/>
-          <a:p>
-            <a:pPr>
-              <a:buFont typeface="Wingdings" charset="2"/>
-              <a:buChar char="§"/>
-            </a:pPr>
-            <a:r>
-              <a:rPr lang="en-US" dirty="0" smtClean="0"/>
-              <a:t>sum	= </a:t>
-            </a:r>
-            <a:r>
-              <a:rPr lang="en-US" dirty="0" err="1" smtClean="0"/>
-              <a:t>foldr</a:t>
-            </a:r>
-            <a:r>
-              <a:rPr lang="en-US" dirty="0" smtClean="0"/>
-              <a:t> (+) 0</a:t>
-            </a:r>
-          </a:p>
-          <a:p>
-            <a:pPr>
-              <a:buFont typeface="Wingdings" charset="2"/>
-              <a:buChar char="§"/>
-            </a:pPr>
-            <a:r>
-              <a:rPr lang="en-US" dirty="0" smtClean="0"/>
-              <a:t>product	= </a:t>
-            </a:r>
-            <a:r>
-              <a:rPr lang="en-US" dirty="0" err="1" smtClean="0"/>
-              <a:t>foldr</a:t>
-            </a:r>
-            <a:r>
-              <a:rPr lang="en-US" dirty="0" smtClean="0"/>
-              <a:t> (*) 1</a:t>
-            </a:r>
-          </a:p>
-          <a:p>
-            <a:pPr>
-              <a:buFont typeface="Wingdings" charset="2"/>
-              <a:buChar char="§"/>
-            </a:pPr>
-            <a:r>
-              <a:rPr lang="en-US" dirty="0" err="1" smtClean="0"/>
-              <a:t>anytrue</a:t>
-            </a:r>
-            <a:r>
-              <a:rPr lang="en-US" dirty="0" smtClean="0"/>
-              <a:t>	= </a:t>
-            </a:r>
-            <a:r>
-              <a:rPr lang="en-US" dirty="0" err="1" smtClean="0"/>
-              <a:t>foldr</a:t>
-            </a:r>
-            <a:r>
-              <a:rPr lang="en-US" dirty="0" smtClean="0"/>
-              <a:t> (∨) false</a:t>
-            </a:r>
-          </a:p>
-          <a:p>
-            <a:pPr>
-              <a:buFont typeface="Wingdings" charset="2"/>
-              <a:buChar char="§"/>
-            </a:pPr>
-            <a:r>
-              <a:rPr lang="en-US" dirty="0" err="1" smtClean="0"/>
-              <a:t>alltrue</a:t>
-            </a:r>
-            <a:r>
-              <a:rPr lang="en-US" dirty="0" smtClean="0"/>
-              <a:t>	= </a:t>
-            </a:r>
-            <a:r>
-              <a:rPr lang="en-US" dirty="0" err="1" smtClean="0"/>
-              <a:t>foldr</a:t>
-            </a:r>
-            <a:r>
-              <a:rPr lang="en-US" dirty="0" smtClean="0"/>
-              <a:t> (∧) true</a:t>
-            </a:r>
-          </a:p>
-          <a:p>
-            <a:pPr>
-              <a:buFont typeface="Wingdings" charset="2"/>
-              <a:buChar char="§"/>
-            </a:pPr>
-            <a:r>
-              <a:rPr lang="en-US" dirty="0" smtClean="0"/>
-              <a:t>map	= </a:t>
-            </a:r>
-            <a:r>
-              <a:rPr lang="en-US" dirty="0" err="1" smtClean="0"/>
-              <a:t>foldr</a:t>
-            </a:r>
-            <a:r>
-              <a:rPr lang="en-US" dirty="0" smtClean="0"/>
-              <a:t> (cons . </a:t>
-            </a:r>
-            <a:r>
-              <a:rPr lang="en-US" dirty="0" err="1" smtClean="0"/>
+              <a:rPr lang="en-US" sz="2500" dirty="0" smtClean="0"/>
+              <a:t>def </a:t>
+            </a:r>
+            <a:r>
+              <a:rPr lang="en-US" sz="2500" dirty="0" err="1" smtClean="0"/>
+              <a:t>foldr[A</a:t>
+            </a:r>
+            <a:r>
+              <a:rPr lang="en-US" sz="2500" dirty="0" smtClean="0"/>
+              <a:t>, </a:t>
+            </a:r>
+            <a:r>
+              <a:rPr lang="en-US" sz="2500" dirty="0" err="1" smtClean="0"/>
+              <a:t>B](list</a:t>
+            </a:r>
+            <a:r>
+              <a:rPr lang="en-US" sz="2500" dirty="0" smtClean="0"/>
+              <a:t>: </a:t>
+            </a:r>
+            <a:r>
+              <a:rPr lang="en-US" sz="2500" dirty="0" err="1" smtClean="0"/>
+              <a:t>List[A</a:t>
+            </a:r>
+            <a:r>
+              <a:rPr lang="en-US" sz="2500" dirty="0" smtClean="0"/>
+              <a:t>], init: B, </a:t>
+            </a:r>
+            <a:r>
+              <a:rPr lang="en-US" sz="2500" dirty="0" err="1" smtClean="0"/>
               <a:t>f</a:t>
             </a:r>
             <a:r>
-              <a:rPr lang="en-US" dirty="0" smtClean="0"/>
-              <a:t>) []</a:t>
-            </a:r>
-          </a:p>
-          <a:p>
-            <a:pPr>
-              <a:buFont typeface="Wingdings" charset="2"/>
-              <a:buChar char="§"/>
-            </a:pPr>
-            <a:endParaRPr lang="en-US" dirty="0" smtClean="0"/>
-          </a:p>
-          <a:p>
-            <a:pPr>
-              <a:buFont typeface="Wingdings" charset="2"/>
-              <a:buChar char="§"/>
-            </a:pPr>
-            <a:r>
-              <a:rPr lang="en-US" dirty="0" smtClean="0"/>
-              <a:t>By </a:t>
-            </a:r>
-            <a:r>
-              <a:rPr lang="en-US" dirty="0" smtClean="0">
-                <a:solidFill>
-                  <a:srgbClr val="A8C6D0"/>
-                </a:solidFill>
-              </a:rPr>
-              <a:t>partially applying </a:t>
-            </a:r>
-            <a:r>
-              <a:rPr lang="en-US" dirty="0" smtClean="0"/>
-              <a:t>folds, we can define new list functions with very little programming!</a:t>
+              <a:rPr lang="en-US" sz="2500" dirty="0" smtClean="0"/>
+              <a:t>: (B, A) =&gt; B): B =</a:t>
+            </a:r>
+          </a:p>
+          <a:p>
+            <a:r>
+              <a:rPr lang="en-US" sz="2500" dirty="0" smtClean="0"/>
+              <a:t>  list match {</a:t>
+            </a:r>
+          </a:p>
+          <a:p>
+            <a:r>
+              <a:rPr lang="en-US" sz="2500" dirty="0" smtClean="0"/>
+              <a:t>    case Nil =&gt; init</a:t>
+            </a:r>
+          </a:p>
+          <a:p>
+            <a:r>
+              <a:rPr lang="en-US" sz="2500" dirty="0" smtClean="0"/>
+              <a:t>    case head :: tail =&gt; </a:t>
+            </a:r>
+            <a:r>
+              <a:rPr lang="en-US" sz="2500" dirty="0" err="1" smtClean="0"/>
+              <a:t>foldr(tail</a:t>
+            </a:r>
+            <a:r>
+              <a:rPr lang="en-US" sz="2500" dirty="0" smtClean="0"/>
+              <a:t>, </a:t>
+            </a:r>
+            <a:r>
+              <a:rPr lang="en-US" sz="2500" dirty="0" err="1" smtClean="0"/>
+              <a:t>f(init</a:t>
+            </a:r>
+            <a:r>
+              <a:rPr lang="en-US" sz="2500" dirty="0" smtClean="0"/>
+              <a:t>, head), </a:t>
+            </a:r>
+            <a:r>
+              <a:rPr lang="en-US" sz="2500" dirty="0" err="1" smtClean="0"/>
+              <a:t>f</a:t>
+            </a:r>
+            <a:r>
+              <a:rPr lang="en-US" sz="2500" dirty="0" smtClean="0"/>
+              <a:t>)</a:t>
+            </a:r>
+          </a:p>
+          <a:p>
+            <a:r>
+              <a:rPr lang="en-US" sz="2500" dirty="0" smtClean="0"/>
+              <a:t>  }</a:t>
             </a:r>
           </a:p>
         </p:txBody>
@@ -8134,6 +8053,13 @@
   <p:clrMapOvr>
     <a:masterClrMapping/>
   </p:clrMapOvr>
+  <p:timing>
+    <p:tnLst>
+      <p:par>
+        <p:cTn id="1" dur="indefinite" restart="never" nodeType="tmRoot"/>
+      </p:par>
+    </p:tnLst>
+  </p:timing>
 </p:sld>
 </file>
 
@@ -8166,12 +8092,14 @@
         </p:nvSpPr>
         <p:spPr/>
         <p:txBody>
-          <a:bodyPr/>
-          <a:lstStyle/>
-          <a:p>
-            <a:r>
-              <a:rPr lang="en-US" dirty="0" smtClean="0"/>
-              <a:t>Real-World Examples</a:t>
+          <a:bodyPr>
+            <a:normAutofit fontScale="90000"/>
+          </a:bodyPr>
+          <a:lstStyle/>
+          <a:p>
+            <a:r>
+              <a:rPr lang="en-US" dirty="0" smtClean="0"/>
+              <a:t>Some List Functions That can be Defined in Terms of Folding</a:t>
             </a:r>
             <a:endParaRPr lang="en-US" dirty="0"/>
           </a:p>
@@ -8189,7 +8117,9 @@
         </p:nvSpPr>
         <p:spPr/>
         <p:txBody>
-          <a:bodyPr/>
+          <a:bodyPr>
+            <a:normAutofit lnSpcReduction="10000"/>
+          </a:bodyPr>
           <a:lstStyle/>
           <a:p>
             <a:pPr>
@@ -8198,7 +8128,15 @@
             </a:pPr>
             <a:r>
               <a:rPr lang="en-US" dirty="0" smtClean="0"/>
-              <a:t>Higher-order functions pay dividends (strategy pattern, factory, factories of factories, …)</a:t>
+              <a:t>sum	= </a:t>
+            </a:r>
+            <a:r>
+              <a:rPr lang="en-US" dirty="0" err="1" smtClean="0"/>
+              <a:t>foldr</a:t>
+            </a:r>
+            <a:r>
+              <a:rPr lang="en-US" dirty="0" smtClean="0"/>
+              <a:t> (+) 0</a:t>
             </a:r>
           </a:p>
           <a:p>
@@ -8208,7 +8146,15 @@
             </a:pPr>
             <a:r>
               <a:rPr lang="en-US" dirty="0" smtClean="0"/>
-              <a:t>“loan” pattern.</a:t>
+              <a:t>product	= </a:t>
+            </a:r>
+            <a:r>
+              <a:rPr lang="en-US" dirty="0" err="1" smtClean="0"/>
+              <a:t>foldr</a:t>
+            </a:r>
+            <a:r>
+              <a:rPr lang="en-US" dirty="0" smtClean="0"/>
+              <a:t> (*) 1</a:t>
             </a:r>
           </a:p>
           <a:p>
@@ -8217,8 +8163,20 @@
               <a:buChar char="§"/>
             </a:pPr>
             <a:r>
-              <a:rPr lang="en-US" dirty="0" smtClean="0"/>
-              <a:t>Event handling in the Lift framework.</a:t>
+              <a:rPr lang="en-US" dirty="0" err="1" smtClean="0"/>
+              <a:t>anytrue</a:t>
+            </a:r>
+            <a:r>
+              <a:rPr lang="en-US" dirty="0" smtClean="0"/>
+              <a:t>	= </a:t>
+            </a:r>
+            <a:r>
+              <a:rPr lang="en-US" dirty="0" err="1" smtClean="0"/>
+              <a:t>foldr</a:t>
+            </a:r>
+            <a:r>
+              <a:rPr lang="en-US" dirty="0" smtClean="0"/>
+              <a:t> (∨) false</a:t>
             </a:r>
           </a:p>
           <a:p>
@@ -8227,8 +8185,75 @@
               <a:buChar char="§"/>
             </a:pPr>
             <a:r>
-              <a:rPr lang="en-US" dirty="0" smtClean="0"/>
-              <a:t>List tasks (partitioning, filtering, transforming).</a:t>
+              <a:rPr lang="en-US" dirty="0" err="1" smtClean="0"/>
+              <a:t>alltrue</a:t>
+            </a:r>
+            <a:r>
+              <a:rPr lang="en-US" dirty="0" smtClean="0"/>
+              <a:t>	= </a:t>
+            </a:r>
+            <a:r>
+              <a:rPr lang="en-US" dirty="0" err="1" smtClean="0"/>
+              <a:t>foldr</a:t>
+            </a:r>
+            <a:r>
+              <a:rPr lang="en-US" dirty="0" smtClean="0"/>
+              <a:t> (∧) true</a:t>
+            </a:r>
+          </a:p>
+          <a:p>
+            <a:pPr>
+              <a:buFont typeface="Wingdings" charset="2"/>
+              <a:buChar char="§"/>
+            </a:pPr>
+            <a:r>
+              <a:rPr lang="en-US" dirty="0" smtClean="0"/>
+              <a:t>map	= </a:t>
+            </a:r>
+            <a:r>
+              <a:rPr lang="en-US" dirty="0" err="1" smtClean="0"/>
+              <a:t>foldr</a:t>
+            </a:r>
+            <a:r>
+              <a:rPr lang="en-US" dirty="0" smtClean="0"/>
+              <a:t> (cons . </a:t>
+            </a:r>
+            <a:r>
+              <a:rPr lang="en-US" dirty="0" err="1" smtClean="0"/>
+              <a:t>f</a:t>
+            </a:r>
+            <a:r>
+              <a:rPr lang="en-US" dirty="0" smtClean="0"/>
+              <a:t>) []</a:t>
+            </a:r>
+          </a:p>
+          <a:p>
+            <a:pPr>
+              <a:buFont typeface="Wingdings" charset="2"/>
+              <a:buChar char="§"/>
+            </a:pPr>
+            <a:endParaRPr lang="en-US" dirty="0" smtClean="0"/>
+          </a:p>
+          <a:p>
+            <a:pPr>
+              <a:buFont typeface="Wingdings" charset="2"/>
+              <a:buChar char="§"/>
+            </a:pPr>
+            <a:r>
+              <a:rPr lang="en-US" dirty="0" smtClean="0"/>
+              <a:t>By </a:t>
+            </a:r>
+            <a:r>
+              <a:rPr lang="en-US" dirty="0" smtClean="0">
+                <a:solidFill>
+                  <a:srgbClr val="A8C6D0"/>
+                </a:solidFill>
+              </a:rPr>
+              <a:t>partially applying </a:t>
+            </a:r>
+            <a:r>
+              <a:rPr lang="en-US" dirty="0" smtClean="0"/>
+              <a:t>folds, we can define new list functions with very little programming!</a:t>
             </a:r>
           </a:p>
         </p:txBody>
@@ -8275,7 +8300,7 @@
           <a:p>
             <a:r>
               <a:rPr lang="en-US" dirty="0" smtClean="0"/>
-              <a:t>What we Didn’t Cover</a:t>
+              <a:t>Real-World Examples</a:t>
             </a:r>
             <a:endParaRPr lang="en-US" dirty="0"/>
           </a:p>
@@ -8302,7 +8327,7 @@
             </a:pPr>
             <a:r>
               <a:rPr lang="en-US" dirty="0" smtClean="0"/>
-              <a:t>Currying</a:t>
+              <a:t>Higher-order functions pay dividends (strategy pattern, factory, factories of factories, …)</a:t>
             </a:r>
           </a:p>
           <a:p>
@@ -8312,7 +8337,7 @@
             </a:pPr>
             <a:r>
               <a:rPr lang="en-US" dirty="0" smtClean="0"/>
-              <a:t>Pattern matching</a:t>
+              <a:t>“loan” pattern.</a:t>
             </a:r>
           </a:p>
           <a:p>
@@ -8322,15 +8347,7 @@
             </a:pPr>
             <a:r>
               <a:rPr lang="en-US" dirty="0" smtClean="0"/>
-              <a:t>Type inference, higher-</a:t>
-            </a:r>
-            <a:r>
-              <a:rPr lang="en-US" dirty="0" err="1" smtClean="0"/>
-              <a:t>kinded</a:t>
-            </a:r>
-            <a:r>
-              <a:rPr lang="en-US" dirty="0" smtClean="0"/>
-              <a:t> types, and general type systems</a:t>
+              <a:t>Event handling in the Lift framework.</a:t>
             </a:r>
           </a:p>
           <a:p>
@@ -8340,45 +8357,7 @@
             </a:pPr>
             <a:r>
               <a:rPr lang="en-US" dirty="0" smtClean="0"/>
-              <a:t>Partial function application</a:t>
-            </a:r>
-          </a:p>
-          <a:p>
-            <a:pPr>
-              <a:buFont typeface="Wingdings" charset="2"/>
-              <a:buChar char="§"/>
-            </a:pPr>
-            <a:r>
-              <a:rPr lang="en-US" dirty="0" smtClean="0"/>
-              <a:t>Monads</a:t>
-            </a:r>
-          </a:p>
-          <a:p>
-            <a:pPr>
-              <a:buFont typeface="Wingdings" charset="2"/>
-              <a:buChar char="§"/>
-            </a:pPr>
-            <a:r>
-              <a:rPr lang="en-US" dirty="0" smtClean="0"/>
-              <a:t>Lazy </a:t>
-            </a:r>
-            <a:r>
-              <a:rPr lang="en-US" dirty="0" err="1" smtClean="0"/>
-              <a:t>vs</a:t>
-            </a:r>
-            <a:r>
-              <a:rPr lang="en-US" dirty="0" smtClean="0"/>
-              <a:t> strict evaluation</a:t>
-            </a:r>
-          </a:p>
-          <a:p>
-            <a:pPr>
-              <a:buFont typeface="Wingdings" charset="2"/>
-              <a:buChar char="§"/>
-            </a:pPr>
-            <a:r>
-              <a:rPr lang="en-US" dirty="0" smtClean="0"/>
-              <a:t>MORE!</a:t>
+              <a:t>List tasks (partitioning, filtering, transforming).</a:t>
             </a:r>
           </a:p>
         </p:txBody>
@@ -8423,10 +8402,9 @@
           <a:bodyPr/>
           <a:lstStyle/>
           <a:p>
-            <a:pPr algn="ctr"/>
-            <a:r>
-              <a:rPr lang="en-US" dirty="0" smtClean="0"/>
-              <a:t>Questions?</a:t>
+            <a:r>
+              <a:rPr lang="en-US" dirty="0" smtClean="0"/>
+              <a:t>What we Didn’t Cover</a:t>
             </a:r>
             <a:endParaRPr lang="en-US" dirty="0"/>
           </a:p>
@@ -8442,58 +8420,95 @@
             <p:ph idx="1"/>
           </p:nvPr>
         </p:nvSpPr>
-        <p:spPr>
-          <a:xfrm>
-            <a:off x="457199" y="1600200"/>
-            <a:ext cx="8106937" cy="4525963"/>
-          </a:xfrm>
-        </p:spPr>
+        <p:spPr/>
         <p:txBody>
           <a:bodyPr/>
           <a:lstStyle/>
           <a:p>
             <a:pPr>
-              <a:buNone/>
+              <a:buFont typeface="Wingdings" charset="2"/>
+              <a:buChar char="§"/>
             </a:pPr>
             <a:r>
               <a:rPr lang="en-US" dirty="0" smtClean="0"/>
-              <a:t>Sample code available at</a:t>
-            </a:r>
-            <a:r>
-              <a:rPr lang="en-US" dirty="0" smtClean="0">
-                <a:solidFill>
-                  <a:schemeClr val="accent1">
-                    <a:lumMod val="60000"/>
-                    <a:lumOff val="40000"/>
-                  </a:schemeClr>
-                </a:solidFill>
-              </a:rPr>
-              <a:t> </a:t>
-            </a:r>
-            <a:br>
-              <a:rPr lang="en-US" dirty="0" smtClean="0">
-                <a:solidFill>
-                  <a:schemeClr val="accent1">
-                    <a:lumMod val="60000"/>
-                    <a:lumOff val="40000"/>
-                  </a:schemeClr>
-                </a:solidFill>
-              </a:rPr>
-            </a:br>
-            <a:r>
-              <a:rPr lang="en-US" sz="2000" dirty="0" smtClean="0">
-                <a:solidFill>
-                  <a:schemeClr val="accent1">
-                    <a:lumMod val="60000"/>
-                    <a:lumOff val="40000"/>
-                  </a:schemeClr>
-                </a:solidFill>
-              </a:rPr>
-              <a:t>http://github.com/chrislewis/JaxFunc_0_ImperativelyFunctional</a:t>
-            </a:r>
-          </a:p>
-          <a:p>
-            <a:endParaRPr lang="en-US" dirty="0"/>
+              <a:t>Currying</a:t>
+            </a:r>
+          </a:p>
+          <a:p>
+            <a:pPr>
+              <a:buFont typeface="Wingdings" charset="2"/>
+              <a:buChar char="§"/>
+            </a:pPr>
+            <a:r>
+              <a:rPr lang="en-US" dirty="0" smtClean="0"/>
+              <a:t>Pattern matching</a:t>
+            </a:r>
+          </a:p>
+          <a:p>
+            <a:pPr>
+              <a:buFont typeface="Wingdings" charset="2"/>
+              <a:buChar char="§"/>
+            </a:pPr>
+            <a:r>
+              <a:rPr lang="en-US" dirty="0" smtClean="0"/>
+              <a:t>Type inference, higher-</a:t>
+            </a:r>
+            <a:r>
+              <a:rPr lang="en-US" dirty="0" err="1" smtClean="0"/>
+              <a:t>kinded</a:t>
+            </a:r>
+            <a:r>
+              <a:rPr lang="en-US" dirty="0" smtClean="0"/>
+              <a:t> types, and general type systems</a:t>
+            </a:r>
+          </a:p>
+          <a:p>
+            <a:pPr>
+              <a:buFont typeface="Wingdings" charset="2"/>
+              <a:buChar char="§"/>
+            </a:pPr>
+            <a:r>
+              <a:rPr lang="en-US" dirty="0" smtClean="0"/>
+              <a:t>Partial function application</a:t>
+            </a:r>
+          </a:p>
+          <a:p>
+            <a:pPr>
+              <a:buFont typeface="Wingdings" charset="2"/>
+              <a:buChar char="§"/>
+            </a:pPr>
+            <a:r>
+              <a:rPr lang="en-US" dirty="0" smtClean="0"/>
+              <a:t>Monads</a:t>
+            </a:r>
+          </a:p>
+          <a:p>
+            <a:pPr>
+              <a:buFont typeface="Wingdings" charset="2"/>
+              <a:buChar char="§"/>
+            </a:pPr>
+            <a:r>
+              <a:rPr lang="en-US" dirty="0" smtClean="0"/>
+              <a:t>Lazy </a:t>
+            </a:r>
+            <a:r>
+              <a:rPr lang="en-US" dirty="0" err="1" smtClean="0"/>
+              <a:t>vs</a:t>
+            </a:r>
+            <a:r>
+              <a:rPr lang="en-US" dirty="0" smtClean="0"/>
+              <a:t> strict evaluation</a:t>
+            </a:r>
+          </a:p>
+          <a:p>
+            <a:pPr>
+              <a:buFont typeface="Wingdings" charset="2"/>
+              <a:buChar char="§"/>
+            </a:pPr>
+            <a:r>
+              <a:rPr lang="en-US" dirty="0" smtClean="0"/>
+              <a:t>MORE!</a:t>
+            </a:r>
           </a:p>
         </p:txBody>
       </p:sp>
@@ -8506,6 +8521,120 @@
 </file>
 
 <file path=ppt/slides/slide35.xml><?xml version="1.0" encoding="utf-8"?>
+<p:sld xmlns:a="http://schemas.openxmlformats.org/drawingml/2006/main" xmlns:r="http://schemas.openxmlformats.org/officeDocument/2006/relationships" xmlns:mc="http://schemas.openxmlformats.org/markup-compatibility/2006" xmlns:mv="urn:schemas-microsoft-com:mac:vml" xmlns:p="http://schemas.openxmlformats.org/presentationml/2006/main" mc:Ignorable="mv" mc:PreserveAttributes="mv:*">
+  <p:cSld>
+    <p:spTree>
+      <p:nvGrpSpPr>
+        <p:cNvPr id="1" name=""/>
+        <p:cNvGrpSpPr/>
+        <p:nvPr/>
+      </p:nvGrpSpPr>
+      <p:grpSpPr>
+        <a:xfrm>
+          <a:off x="0" y="0"/>
+          <a:ext cx="0" cy="0"/>
+          <a:chOff x="0" y="0"/>
+          <a:chExt cx="0" cy="0"/>
+        </a:xfrm>
+      </p:grpSpPr>
+      <p:sp>
+        <p:nvSpPr>
+          <p:cNvPr id="2" name="Title 1"/>
+          <p:cNvSpPr>
+            <a:spLocks noGrp="1"/>
+          </p:cNvSpPr>
+          <p:nvPr>
+            <p:ph type="title"/>
+          </p:nvPr>
+        </p:nvSpPr>
+        <p:spPr/>
+        <p:txBody>
+          <a:bodyPr/>
+          <a:lstStyle/>
+          <a:p>
+            <a:pPr algn="ctr"/>
+            <a:r>
+              <a:rPr lang="en-US" dirty="0" smtClean="0"/>
+              <a:t>Questions?</a:t>
+            </a:r>
+            <a:endParaRPr lang="en-US" dirty="0"/>
+          </a:p>
+        </p:txBody>
+      </p:sp>
+      <p:sp>
+        <p:nvSpPr>
+          <p:cNvPr id="3" name="Content Placeholder 2"/>
+          <p:cNvSpPr>
+            <a:spLocks noGrp="1"/>
+          </p:cNvSpPr>
+          <p:nvPr>
+            <p:ph idx="1"/>
+          </p:nvPr>
+        </p:nvSpPr>
+        <p:spPr>
+          <a:xfrm>
+            <a:off x="457199" y="1600200"/>
+            <a:ext cx="8106937" cy="4525963"/>
+          </a:xfrm>
+        </p:spPr>
+        <p:txBody>
+          <a:bodyPr/>
+          <a:lstStyle/>
+          <a:p>
+            <a:pPr>
+              <a:buNone/>
+            </a:pPr>
+            <a:r>
+              <a:rPr lang="en-US" dirty="0" smtClean="0"/>
+              <a:t>Sample code available at</a:t>
+            </a:r>
+            <a:r>
+              <a:rPr lang="en-US" dirty="0" smtClean="0">
+                <a:solidFill>
+                  <a:schemeClr val="accent1">
+                    <a:lumMod val="60000"/>
+                    <a:lumOff val="40000"/>
+                  </a:schemeClr>
+                </a:solidFill>
+              </a:rPr>
+              <a:t> </a:t>
+            </a:r>
+            <a:br>
+              <a:rPr lang="en-US" dirty="0" smtClean="0">
+                <a:solidFill>
+                  <a:schemeClr val="accent1">
+                    <a:lumMod val="60000"/>
+                    <a:lumOff val="40000"/>
+                  </a:schemeClr>
+                </a:solidFill>
+              </a:rPr>
+            </a:br>
+            <a:r>
+              <a:rPr lang="en-US" sz="2000" dirty="0" smtClean="0">
+                <a:solidFill>
+                  <a:schemeClr val="accent1">
+                    <a:lumMod val="60000"/>
+                    <a:lumOff val="40000"/>
+                  </a:schemeClr>
+                </a:solidFill>
+              </a:rPr>
+              <a:t>http://github.com/chrislewis/JaxFunc_0_ImperativelyFunctional</a:t>
+            </a:r>
+          </a:p>
+          <a:p>
+            <a:endParaRPr lang="en-US" dirty="0"/>
+          </a:p>
+        </p:txBody>
+      </p:sp>
+    </p:spTree>
+  </p:cSld>
+  <p:clrMapOvr>
+    <a:masterClrMapping/>
+  </p:clrMapOvr>
+</p:sld>
+</file>
+
+<file path=ppt/slides/slide36.xml><?xml version="1.0" encoding="utf-8"?>
 <p:sld xmlns:a="http://schemas.openxmlformats.org/drawingml/2006/main" xmlns:r="http://schemas.openxmlformats.org/officeDocument/2006/relationships" xmlns:mc="http://schemas.openxmlformats.org/markup-compatibility/2006" xmlns:mv="urn:schemas-microsoft-com:mac:vml" xmlns:p="http://schemas.openxmlformats.org/presentationml/2006/main" mc:Ignorable="mv" mc:PreserveAttributes="mv:*">
   <p:cSld>
     <p:spTree>
@@ -9328,11 +9457,7 @@
           <a:p>
             <a:r>
               <a:rPr lang="en-US" sz="2000" dirty="0" smtClean="0"/>
-              <a:t>(define (is-even?</a:t>
-            </a:r>
-            <a:r>
-              <a:rPr lang="en-US" sz="2000" dirty="0" smtClean="0"/>
-              <a:t> </a:t>
+              <a:t>(define (is-even? </a:t>
             </a:r>
             <a:r>
               <a:rPr lang="en-US" sz="2000" dirty="0" err="1" smtClean="0"/>
@@ -9342,7 +9467,6 @@
               <a:rPr lang="en-US" sz="2000" dirty="0" smtClean="0"/>
               <a:t>)</a:t>
             </a:r>
-            <a:endParaRPr lang="en-US" sz="2000" dirty="0" smtClean="0"/>
           </a:p>
           <a:p>
             <a:r>
@@ -9437,11 +9561,7 @@
           <a:p>
             <a:r>
               <a:rPr lang="en-US" sz="2000" dirty="0" smtClean="0"/>
-              <a:t>  (if </a:t>
-            </a:r>
-            <a:r>
-              <a:rPr lang="en-US" sz="2000" dirty="0" smtClean="0"/>
-              <a:t>(&lt;= </a:t>
+              <a:t>  (if (&lt;= </a:t>
             </a:r>
             <a:r>
               <a:rPr lang="en-US" sz="2000" dirty="0" err="1" smtClean="0"/>
